--- a/documents/projectmanagement/Allgemeines/Machbarkeitsstudie.pptx
+++ b/documents/projectmanagement/Allgemeines/Machbarkeitsstudie.pptx
@@ -8,7 +8,13 @@
     <p:sldId id="256" r:id="rId2"/>
     <p:sldId id="257" r:id="rId3"/>
     <p:sldId id="258" r:id="rId4"/>
-    <p:sldId id="259" r:id="rId5"/>
+    <p:sldId id="261" r:id="rId5"/>
+    <p:sldId id="259" r:id="rId6"/>
+    <p:sldId id="260" r:id="rId7"/>
+    <p:sldId id="262" r:id="rId8"/>
+    <p:sldId id="263" r:id="rId9"/>
+    <p:sldId id="264" r:id="rId10"/>
+    <p:sldId id="265" r:id="rId11"/>
   </p:sldIdLst>
   <p:sldSz cx="12192000" cy="6858000"/>
   <p:notesSz cx="6858000" cy="9144000"/>
@@ -107,10 +113,1509 @@
       </a:defRPr>
     </a:lvl9pPr>
   </p:defaultTextStyle>
+  <p:extLst>
+    <p:ext uri="{EFAFB233-063F-42B5-8137-9DF3F51BA10A}">
+      <p15:sldGuideLst xmlns:p15="http://schemas.microsoft.com/office/powerpoint/2012/main"/>
+    </p:ext>
+  </p:extLst>
 </p:presentation>
 </file>
 
 <file path=ppt/diagrams/colors1.xml><?xml version="1.0" encoding="utf-8"?>
+<dgm:colorsDef xmlns:dgm="http://schemas.openxmlformats.org/drawingml/2006/diagram" xmlns:a="http://schemas.openxmlformats.org/drawingml/2006/main" uniqueId="urn:microsoft.com/office/officeart/2005/8/colors/accent1_2">
+  <dgm:title val=""/>
+  <dgm:desc val=""/>
+  <dgm:catLst>
+    <dgm:cat type="accent1" pri="11200"/>
+  </dgm:catLst>
+  <dgm:styleLbl name="node0">
+    <dgm:fillClrLst meth="repeat">
+      <a:schemeClr val="accent1"/>
+    </dgm:fillClrLst>
+    <dgm:linClrLst meth="repeat">
+      <a:schemeClr val="lt1"/>
+    </dgm:linClrLst>
+    <dgm:effectClrLst/>
+    <dgm:txLinClrLst/>
+    <dgm:txFillClrLst/>
+    <dgm:txEffectClrLst/>
+  </dgm:styleLbl>
+  <dgm:styleLbl name="alignNode1">
+    <dgm:fillClrLst meth="repeat">
+      <a:schemeClr val="accent1"/>
+    </dgm:fillClrLst>
+    <dgm:linClrLst meth="repeat">
+      <a:schemeClr val="accent1"/>
+    </dgm:linClrLst>
+    <dgm:effectClrLst/>
+    <dgm:txLinClrLst/>
+    <dgm:txFillClrLst/>
+    <dgm:txEffectClrLst/>
+  </dgm:styleLbl>
+  <dgm:styleLbl name="node1">
+    <dgm:fillClrLst meth="repeat">
+      <a:schemeClr val="accent1"/>
+    </dgm:fillClrLst>
+    <dgm:linClrLst meth="repeat">
+      <a:schemeClr val="lt1"/>
+    </dgm:linClrLst>
+    <dgm:effectClrLst/>
+    <dgm:txLinClrLst/>
+    <dgm:txFillClrLst/>
+    <dgm:txEffectClrLst/>
+  </dgm:styleLbl>
+  <dgm:styleLbl name="lnNode1">
+    <dgm:fillClrLst meth="repeat">
+      <a:schemeClr val="accent1"/>
+    </dgm:fillClrLst>
+    <dgm:linClrLst meth="repeat">
+      <a:schemeClr val="lt1"/>
+    </dgm:linClrLst>
+    <dgm:effectClrLst/>
+    <dgm:txLinClrLst/>
+    <dgm:txFillClrLst/>
+    <dgm:txEffectClrLst/>
+  </dgm:styleLbl>
+  <dgm:styleLbl name="vennNode1">
+    <dgm:fillClrLst meth="repeat">
+      <a:schemeClr val="accent1">
+        <a:alpha val="50000"/>
+      </a:schemeClr>
+    </dgm:fillClrLst>
+    <dgm:linClrLst meth="repeat">
+      <a:schemeClr val="lt1"/>
+    </dgm:linClrLst>
+    <dgm:effectClrLst/>
+    <dgm:txLinClrLst/>
+    <dgm:txFillClrLst/>
+    <dgm:txEffectClrLst/>
+  </dgm:styleLbl>
+  <dgm:styleLbl name="node2">
+    <dgm:fillClrLst meth="repeat">
+      <a:schemeClr val="accent1"/>
+    </dgm:fillClrLst>
+    <dgm:linClrLst meth="repeat">
+      <a:schemeClr val="lt1"/>
+    </dgm:linClrLst>
+    <dgm:effectClrLst/>
+    <dgm:txLinClrLst/>
+    <dgm:txFillClrLst/>
+    <dgm:txEffectClrLst/>
+  </dgm:styleLbl>
+  <dgm:styleLbl name="node3">
+    <dgm:fillClrLst meth="repeat">
+      <a:schemeClr val="accent1"/>
+    </dgm:fillClrLst>
+    <dgm:linClrLst meth="repeat">
+      <a:schemeClr val="lt1"/>
+    </dgm:linClrLst>
+    <dgm:effectClrLst/>
+    <dgm:txLinClrLst/>
+    <dgm:txFillClrLst/>
+    <dgm:txEffectClrLst/>
+  </dgm:styleLbl>
+  <dgm:styleLbl name="node4">
+    <dgm:fillClrLst meth="repeat">
+      <a:schemeClr val="accent1"/>
+    </dgm:fillClrLst>
+    <dgm:linClrLst meth="repeat">
+      <a:schemeClr val="lt1"/>
+    </dgm:linClrLst>
+    <dgm:effectClrLst/>
+    <dgm:txLinClrLst/>
+    <dgm:txFillClrLst/>
+    <dgm:txEffectClrLst/>
+  </dgm:styleLbl>
+  <dgm:styleLbl name="fgImgPlace1">
+    <dgm:fillClrLst meth="repeat">
+      <a:schemeClr val="accent1">
+        <a:tint val="50000"/>
+      </a:schemeClr>
+    </dgm:fillClrLst>
+    <dgm:linClrLst meth="repeat">
+      <a:schemeClr val="lt1"/>
+    </dgm:linClrLst>
+    <dgm:effectClrLst/>
+    <dgm:txLinClrLst/>
+    <dgm:txFillClrLst meth="repeat">
+      <a:schemeClr val="lt1"/>
+    </dgm:txFillClrLst>
+    <dgm:txEffectClrLst/>
+  </dgm:styleLbl>
+  <dgm:styleLbl name="alignImgPlace1">
+    <dgm:fillClrLst meth="repeat">
+      <a:schemeClr val="accent1">
+        <a:tint val="50000"/>
+      </a:schemeClr>
+    </dgm:fillClrLst>
+    <dgm:linClrLst meth="repeat">
+      <a:schemeClr val="lt1"/>
+    </dgm:linClrLst>
+    <dgm:effectClrLst/>
+    <dgm:txLinClrLst/>
+    <dgm:txFillClrLst meth="repeat">
+      <a:schemeClr val="lt1"/>
+    </dgm:txFillClrLst>
+    <dgm:txEffectClrLst/>
+  </dgm:styleLbl>
+  <dgm:styleLbl name="bgImgPlace1">
+    <dgm:fillClrLst meth="repeat">
+      <a:schemeClr val="accent1">
+        <a:tint val="50000"/>
+      </a:schemeClr>
+    </dgm:fillClrLst>
+    <dgm:linClrLst meth="repeat">
+      <a:schemeClr val="lt1"/>
+    </dgm:linClrLst>
+    <dgm:effectClrLst/>
+    <dgm:txLinClrLst/>
+    <dgm:txFillClrLst meth="repeat">
+      <a:schemeClr val="lt1"/>
+    </dgm:txFillClrLst>
+    <dgm:txEffectClrLst/>
+  </dgm:styleLbl>
+  <dgm:styleLbl name="sibTrans2D1">
+    <dgm:fillClrLst meth="repeat">
+      <a:schemeClr val="accent1">
+        <a:tint val="60000"/>
+      </a:schemeClr>
+    </dgm:fillClrLst>
+    <dgm:linClrLst meth="repeat">
+      <a:schemeClr val="accent1">
+        <a:tint val="60000"/>
+      </a:schemeClr>
+    </dgm:linClrLst>
+    <dgm:effectClrLst/>
+    <dgm:txLinClrLst/>
+    <dgm:txFillClrLst/>
+    <dgm:txEffectClrLst/>
+  </dgm:styleLbl>
+  <dgm:styleLbl name="fgSibTrans2D1">
+    <dgm:fillClrLst meth="repeat">
+      <a:schemeClr val="accent1">
+        <a:tint val="60000"/>
+      </a:schemeClr>
+    </dgm:fillClrLst>
+    <dgm:linClrLst meth="repeat">
+      <a:schemeClr val="accent1">
+        <a:tint val="60000"/>
+      </a:schemeClr>
+    </dgm:linClrLst>
+    <dgm:effectClrLst/>
+    <dgm:txLinClrLst/>
+    <dgm:txFillClrLst/>
+    <dgm:txEffectClrLst/>
+  </dgm:styleLbl>
+  <dgm:styleLbl name="bgSibTrans2D1">
+    <dgm:fillClrLst meth="repeat">
+      <a:schemeClr val="accent1">
+        <a:tint val="60000"/>
+      </a:schemeClr>
+    </dgm:fillClrLst>
+    <dgm:linClrLst meth="repeat">
+      <a:schemeClr val="accent1">
+        <a:tint val="60000"/>
+      </a:schemeClr>
+    </dgm:linClrLst>
+    <dgm:effectClrLst/>
+    <dgm:txLinClrLst/>
+    <dgm:txFillClrLst/>
+    <dgm:txEffectClrLst/>
+  </dgm:styleLbl>
+  <dgm:styleLbl name="sibTrans1D1">
+    <dgm:fillClrLst meth="repeat">
+      <a:schemeClr val="accent1"/>
+    </dgm:fillClrLst>
+    <dgm:linClrLst meth="repeat">
+      <a:schemeClr val="accent1"/>
+    </dgm:linClrLst>
+    <dgm:effectClrLst/>
+    <dgm:txLinClrLst/>
+    <dgm:txFillClrLst meth="repeat">
+      <a:schemeClr val="tx1"/>
+    </dgm:txFillClrLst>
+    <dgm:txEffectClrLst/>
+  </dgm:styleLbl>
+  <dgm:styleLbl name="callout">
+    <dgm:fillClrLst meth="repeat">
+      <a:schemeClr val="accent1"/>
+    </dgm:fillClrLst>
+    <dgm:linClrLst meth="repeat">
+      <a:schemeClr val="accent1">
+        <a:tint val="50000"/>
+      </a:schemeClr>
+    </dgm:linClrLst>
+    <dgm:effectClrLst/>
+    <dgm:txLinClrLst/>
+    <dgm:txFillClrLst meth="repeat">
+      <a:schemeClr val="tx1"/>
+    </dgm:txFillClrLst>
+    <dgm:txEffectClrLst/>
+  </dgm:styleLbl>
+  <dgm:styleLbl name="asst0">
+    <dgm:fillClrLst meth="repeat">
+      <a:schemeClr val="accent1"/>
+    </dgm:fillClrLst>
+    <dgm:linClrLst meth="repeat">
+      <a:schemeClr val="lt1"/>
+    </dgm:linClrLst>
+    <dgm:effectClrLst/>
+    <dgm:txLinClrLst/>
+    <dgm:txFillClrLst/>
+    <dgm:txEffectClrLst/>
+  </dgm:styleLbl>
+  <dgm:styleLbl name="asst1">
+    <dgm:fillClrLst meth="repeat">
+      <a:schemeClr val="accent1"/>
+    </dgm:fillClrLst>
+    <dgm:linClrLst meth="repeat">
+      <a:schemeClr val="lt1"/>
+    </dgm:linClrLst>
+    <dgm:effectClrLst/>
+    <dgm:txLinClrLst/>
+    <dgm:txFillClrLst/>
+    <dgm:txEffectClrLst/>
+  </dgm:styleLbl>
+  <dgm:styleLbl name="asst2">
+    <dgm:fillClrLst meth="repeat">
+      <a:schemeClr val="accent1"/>
+    </dgm:fillClrLst>
+    <dgm:linClrLst meth="repeat">
+      <a:schemeClr val="lt1"/>
+    </dgm:linClrLst>
+    <dgm:effectClrLst/>
+    <dgm:txLinClrLst/>
+    <dgm:txFillClrLst/>
+    <dgm:txEffectClrLst/>
+  </dgm:styleLbl>
+  <dgm:styleLbl name="asst3">
+    <dgm:fillClrLst meth="repeat">
+      <a:schemeClr val="accent1"/>
+    </dgm:fillClrLst>
+    <dgm:linClrLst meth="repeat">
+      <a:schemeClr val="lt1"/>
+    </dgm:linClrLst>
+    <dgm:effectClrLst/>
+    <dgm:txLinClrLst/>
+    <dgm:txFillClrLst/>
+    <dgm:txEffectClrLst/>
+  </dgm:styleLbl>
+  <dgm:styleLbl name="asst4">
+    <dgm:fillClrLst meth="repeat">
+      <a:schemeClr val="accent1"/>
+    </dgm:fillClrLst>
+    <dgm:linClrLst meth="repeat">
+      <a:schemeClr val="lt1"/>
+    </dgm:linClrLst>
+    <dgm:effectClrLst/>
+    <dgm:txLinClrLst/>
+    <dgm:txFillClrLst/>
+    <dgm:txEffectClrLst/>
+  </dgm:styleLbl>
+  <dgm:styleLbl name="parChTrans2D1">
+    <dgm:fillClrLst meth="repeat">
+      <a:schemeClr val="accent1">
+        <a:tint val="60000"/>
+      </a:schemeClr>
+    </dgm:fillClrLst>
+    <dgm:linClrLst meth="repeat">
+      <a:schemeClr val="accent1">
+        <a:tint val="60000"/>
+      </a:schemeClr>
+    </dgm:linClrLst>
+    <dgm:effectClrLst/>
+    <dgm:txLinClrLst/>
+    <dgm:txFillClrLst meth="repeat">
+      <a:schemeClr val="lt1"/>
+    </dgm:txFillClrLst>
+    <dgm:txEffectClrLst/>
+  </dgm:styleLbl>
+  <dgm:styleLbl name="parChTrans2D2">
+    <dgm:fillClrLst meth="repeat">
+      <a:schemeClr val="accent1"/>
+    </dgm:fillClrLst>
+    <dgm:linClrLst meth="repeat">
+      <a:schemeClr val="accent1"/>
+    </dgm:linClrLst>
+    <dgm:effectClrLst/>
+    <dgm:txLinClrLst/>
+    <dgm:txFillClrLst meth="repeat">
+      <a:schemeClr val="lt1"/>
+    </dgm:txFillClrLst>
+    <dgm:txEffectClrLst/>
+  </dgm:styleLbl>
+  <dgm:styleLbl name="parChTrans2D3">
+    <dgm:fillClrLst meth="repeat">
+      <a:schemeClr val="accent1"/>
+    </dgm:fillClrLst>
+    <dgm:linClrLst meth="repeat">
+      <a:schemeClr val="accent1"/>
+    </dgm:linClrLst>
+    <dgm:effectClrLst/>
+    <dgm:txLinClrLst/>
+    <dgm:txFillClrLst meth="repeat">
+      <a:schemeClr val="lt1"/>
+    </dgm:txFillClrLst>
+    <dgm:txEffectClrLst/>
+  </dgm:styleLbl>
+  <dgm:styleLbl name="parChTrans2D4">
+    <dgm:fillClrLst meth="repeat">
+      <a:schemeClr val="accent1"/>
+    </dgm:fillClrLst>
+    <dgm:linClrLst meth="repeat">
+      <a:schemeClr val="accent1"/>
+    </dgm:linClrLst>
+    <dgm:effectClrLst/>
+    <dgm:txLinClrLst/>
+    <dgm:txFillClrLst meth="repeat">
+      <a:schemeClr val="lt1"/>
+    </dgm:txFillClrLst>
+    <dgm:txEffectClrLst/>
+  </dgm:styleLbl>
+  <dgm:styleLbl name="parChTrans1D1">
+    <dgm:fillClrLst meth="repeat">
+      <a:schemeClr val="accent1"/>
+    </dgm:fillClrLst>
+    <dgm:linClrLst meth="repeat">
+      <a:schemeClr val="accent1">
+        <a:shade val="60000"/>
+      </a:schemeClr>
+    </dgm:linClrLst>
+    <dgm:effectClrLst/>
+    <dgm:txLinClrLst/>
+    <dgm:txFillClrLst meth="repeat">
+      <a:schemeClr val="tx1"/>
+    </dgm:txFillClrLst>
+    <dgm:txEffectClrLst/>
+  </dgm:styleLbl>
+  <dgm:styleLbl name="parChTrans1D2">
+    <dgm:fillClrLst meth="repeat">
+      <a:schemeClr val="accent1"/>
+    </dgm:fillClrLst>
+    <dgm:linClrLst meth="repeat">
+      <a:schemeClr val="accent1">
+        <a:shade val="60000"/>
+      </a:schemeClr>
+    </dgm:linClrLst>
+    <dgm:effectClrLst/>
+    <dgm:txLinClrLst/>
+    <dgm:txFillClrLst meth="repeat">
+      <a:schemeClr val="tx1"/>
+    </dgm:txFillClrLst>
+    <dgm:txEffectClrLst/>
+  </dgm:styleLbl>
+  <dgm:styleLbl name="parChTrans1D3">
+    <dgm:fillClrLst meth="repeat">
+      <a:schemeClr val="accent1"/>
+    </dgm:fillClrLst>
+    <dgm:linClrLst meth="repeat">
+      <a:schemeClr val="accent1">
+        <a:shade val="80000"/>
+      </a:schemeClr>
+    </dgm:linClrLst>
+    <dgm:effectClrLst/>
+    <dgm:txLinClrLst/>
+    <dgm:txFillClrLst meth="repeat">
+      <a:schemeClr val="tx1"/>
+    </dgm:txFillClrLst>
+    <dgm:txEffectClrLst/>
+  </dgm:styleLbl>
+  <dgm:styleLbl name="parChTrans1D4">
+    <dgm:fillClrLst meth="repeat">
+      <a:schemeClr val="accent1"/>
+    </dgm:fillClrLst>
+    <dgm:linClrLst meth="repeat">
+      <a:schemeClr val="accent1">
+        <a:shade val="80000"/>
+      </a:schemeClr>
+    </dgm:linClrLst>
+    <dgm:effectClrLst/>
+    <dgm:txLinClrLst/>
+    <dgm:txFillClrLst meth="repeat">
+      <a:schemeClr val="tx1"/>
+    </dgm:txFillClrLst>
+    <dgm:txEffectClrLst/>
+  </dgm:styleLbl>
+  <dgm:styleLbl name="fgAcc1">
+    <dgm:fillClrLst meth="repeat">
+      <a:schemeClr val="lt1">
+        <a:alpha val="90000"/>
+      </a:schemeClr>
+    </dgm:fillClrLst>
+    <dgm:linClrLst meth="repeat">
+      <a:schemeClr val="accent1"/>
+    </dgm:linClrLst>
+    <dgm:effectClrLst/>
+    <dgm:txLinClrLst/>
+    <dgm:txFillClrLst meth="repeat">
+      <a:schemeClr val="dk1"/>
+    </dgm:txFillClrLst>
+    <dgm:txEffectClrLst/>
+  </dgm:styleLbl>
+  <dgm:styleLbl name="conFgAcc1">
+    <dgm:fillClrLst meth="repeat">
+      <a:schemeClr val="lt1">
+        <a:alpha val="90000"/>
+      </a:schemeClr>
+    </dgm:fillClrLst>
+    <dgm:linClrLst meth="repeat">
+      <a:schemeClr val="accent1"/>
+    </dgm:linClrLst>
+    <dgm:effectClrLst/>
+    <dgm:txLinClrLst/>
+    <dgm:txFillClrLst meth="repeat">
+      <a:schemeClr val="dk1"/>
+    </dgm:txFillClrLst>
+    <dgm:txEffectClrLst/>
+  </dgm:styleLbl>
+  <dgm:styleLbl name="alignAcc1">
+    <dgm:fillClrLst meth="repeat">
+      <a:schemeClr val="lt1">
+        <a:alpha val="90000"/>
+      </a:schemeClr>
+    </dgm:fillClrLst>
+    <dgm:linClrLst meth="repeat">
+      <a:schemeClr val="accent1"/>
+    </dgm:linClrLst>
+    <dgm:effectClrLst/>
+    <dgm:txLinClrLst/>
+    <dgm:txFillClrLst meth="repeat">
+      <a:schemeClr val="dk1"/>
+    </dgm:txFillClrLst>
+    <dgm:txEffectClrLst/>
+  </dgm:styleLbl>
+  <dgm:styleLbl name="trAlignAcc1">
+    <dgm:fillClrLst meth="repeat">
+      <a:schemeClr val="lt1">
+        <a:alpha val="40000"/>
+      </a:schemeClr>
+    </dgm:fillClrLst>
+    <dgm:linClrLst meth="repeat">
+      <a:schemeClr val="accent1"/>
+    </dgm:linClrLst>
+    <dgm:effectClrLst/>
+    <dgm:txLinClrLst/>
+    <dgm:txFillClrLst meth="repeat">
+      <a:schemeClr val="dk1"/>
+    </dgm:txFillClrLst>
+    <dgm:txEffectClrLst/>
+  </dgm:styleLbl>
+  <dgm:styleLbl name="bgAcc1">
+    <dgm:fillClrLst meth="repeat">
+      <a:schemeClr val="lt1">
+        <a:alpha val="90000"/>
+      </a:schemeClr>
+    </dgm:fillClrLst>
+    <dgm:linClrLst meth="repeat">
+      <a:schemeClr val="accent1"/>
+    </dgm:linClrLst>
+    <dgm:effectClrLst/>
+    <dgm:txLinClrLst/>
+    <dgm:txFillClrLst meth="repeat">
+      <a:schemeClr val="dk1"/>
+    </dgm:txFillClrLst>
+    <dgm:txEffectClrLst/>
+  </dgm:styleLbl>
+  <dgm:styleLbl name="solidFgAcc1">
+    <dgm:fillClrLst meth="repeat">
+      <a:schemeClr val="lt1"/>
+    </dgm:fillClrLst>
+    <dgm:linClrLst meth="repeat">
+      <a:schemeClr val="accent1"/>
+    </dgm:linClrLst>
+    <dgm:effectClrLst/>
+    <dgm:txLinClrLst/>
+    <dgm:txFillClrLst meth="repeat">
+      <a:schemeClr val="dk1"/>
+    </dgm:txFillClrLst>
+    <dgm:txEffectClrLst/>
+  </dgm:styleLbl>
+  <dgm:styleLbl name="solidAlignAcc1">
+    <dgm:fillClrLst meth="repeat">
+      <a:schemeClr val="lt1"/>
+    </dgm:fillClrLst>
+    <dgm:linClrLst meth="repeat">
+      <a:schemeClr val="accent1"/>
+    </dgm:linClrLst>
+    <dgm:effectClrLst/>
+    <dgm:txLinClrLst/>
+    <dgm:txFillClrLst meth="repeat">
+      <a:schemeClr val="dk1"/>
+    </dgm:txFillClrLst>
+    <dgm:txEffectClrLst/>
+  </dgm:styleLbl>
+  <dgm:styleLbl name="solidBgAcc1">
+    <dgm:fillClrLst meth="repeat">
+      <a:schemeClr val="lt1"/>
+    </dgm:fillClrLst>
+    <dgm:linClrLst meth="repeat">
+      <a:schemeClr val="accent1"/>
+    </dgm:linClrLst>
+    <dgm:effectClrLst/>
+    <dgm:txLinClrLst/>
+    <dgm:txFillClrLst meth="repeat">
+      <a:schemeClr val="dk1"/>
+    </dgm:txFillClrLst>
+    <dgm:txEffectClrLst/>
+  </dgm:styleLbl>
+  <dgm:styleLbl name="fgAccFollowNode1">
+    <dgm:fillClrLst meth="repeat">
+      <a:schemeClr val="accent1">
+        <a:alpha val="90000"/>
+        <a:tint val="40000"/>
+      </a:schemeClr>
+    </dgm:fillClrLst>
+    <dgm:linClrLst meth="repeat">
+      <a:schemeClr val="accent1">
+        <a:alpha val="90000"/>
+        <a:tint val="40000"/>
+      </a:schemeClr>
+    </dgm:linClrLst>
+    <dgm:effectClrLst/>
+    <dgm:txLinClrLst/>
+    <dgm:txFillClrLst meth="repeat">
+      <a:schemeClr val="dk1"/>
+    </dgm:txFillClrLst>
+    <dgm:txEffectClrLst/>
+  </dgm:styleLbl>
+  <dgm:styleLbl name="alignAccFollowNode1">
+    <dgm:fillClrLst meth="repeat">
+      <a:schemeClr val="accent1">
+        <a:alpha val="90000"/>
+        <a:tint val="40000"/>
+      </a:schemeClr>
+    </dgm:fillClrLst>
+    <dgm:linClrLst meth="repeat">
+      <a:schemeClr val="accent1">
+        <a:alpha val="90000"/>
+        <a:tint val="40000"/>
+      </a:schemeClr>
+    </dgm:linClrLst>
+    <dgm:effectClrLst/>
+    <dgm:txLinClrLst/>
+    <dgm:txFillClrLst meth="repeat">
+      <a:schemeClr val="dk1"/>
+    </dgm:txFillClrLst>
+    <dgm:txEffectClrLst/>
+  </dgm:styleLbl>
+  <dgm:styleLbl name="bgAccFollowNode1">
+    <dgm:fillClrLst meth="repeat">
+      <a:schemeClr val="accent1">
+        <a:alpha val="90000"/>
+        <a:tint val="40000"/>
+      </a:schemeClr>
+    </dgm:fillClrLst>
+    <dgm:linClrLst meth="repeat">
+      <a:schemeClr val="accent1">
+        <a:alpha val="90000"/>
+        <a:tint val="40000"/>
+      </a:schemeClr>
+    </dgm:linClrLst>
+    <dgm:effectClrLst/>
+    <dgm:txLinClrLst/>
+    <dgm:txFillClrLst meth="repeat">
+      <a:schemeClr val="dk1"/>
+    </dgm:txFillClrLst>
+    <dgm:txEffectClrLst/>
+  </dgm:styleLbl>
+  <dgm:styleLbl name="fgAcc0">
+    <dgm:fillClrLst meth="repeat">
+      <a:schemeClr val="lt1">
+        <a:alpha val="90000"/>
+      </a:schemeClr>
+    </dgm:fillClrLst>
+    <dgm:linClrLst meth="repeat">
+      <a:schemeClr val="accent1"/>
+    </dgm:linClrLst>
+    <dgm:effectClrLst/>
+    <dgm:txLinClrLst/>
+    <dgm:txFillClrLst meth="repeat">
+      <a:schemeClr val="dk1"/>
+    </dgm:txFillClrLst>
+    <dgm:txEffectClrLst/>
+  </dgm:styleLbl>
+  <dgm:styleLbl name="fgAcc2">
+    <dgm:fillClrLst meth="repeat">
+      <a:schemeClr val="lt1">
+        <a:alpha val="90000"/>
+      </a:schemeClr>
+    </dgm:fillClrLst>
+    <dgm:linClrLst meth="repeat">
+      <a:schemeClr val="accent1"/>
+    </dgm:linClrLst>
+    <dgm:effectClrLst/>
+    <dgm:txLinClrLst/>
+    <dgm:txFillClrLst meth="repeat">
+      <a:schemeClr val="dk1"/>
+    </dgm:txFillClrLst>
+    <dgm:txEffectClrLst/>
+  </dgm:styleLbl>
+  <dgm:styleLbl name="fgAcc3">
+    <dgm:fillClrLst meth="repeat">
+      <a:schemeClr val="lt1">
+        <a:alpha val="90000"/>
+      </a:schemeClr>
+    </dgm:fillClrLst>
+    <dgm:linClrLst meth="repeat">
+      <a:schemeClr val="accent1"/>
+    </dgm:linClrLst>
+    <dgm:effectClrLst/>
+    <dgm:txLinClrLst/>
+    <dgm:txFillClrLst meth="repeat">
+      <a:schemeClr val="dk1"/>
+    </dgm:txFillClrLst>
+    <dgm:txEffectClrLst/>
+  </dgm:styleLbl>
+  <dgm:styleLbl name="fgAcc4">
+    <dgm:fillClrLst meth="repeat">
+      <a:schemeClr val="lt1">
+        <a:alpha val="90000"/>
+      </a:schemeClr>
+    </dgm:fillClrLst>
+    <dgm:linClrLst meth="repeat">
+      <a:schemeClr val="accent1"/>
+    </dgm:linClrLst>
+    <dgm:effectClrLst/>
+    <dgm:txLinClrLst/>
+    <dgm:txFillClrLst meth="repeat">
+      <a:schemeClr val="dk1"/>
+    </dgm:txFillClrLst>
+    <dgm:txEffectClrLst/>
+  </dgm:styleLbl>
+  <dgm:styleLbl name="bgShp">
+    <dgm:fillClrLst meth="repeat">
+      <a:schemeClr val="accent1">
+        <a:tint val="40000"/>
+      </a:schemeClr>
+    </dgm:fillClrLst>
+    <dgm:linClrLst meth="repeat">
+      <a:schemeClr val="accent1"/>
+    </dgm:linClrLst>
+    <dgm:effectClrLst/>
+    <dgm:txLinClrLst/>
+    <dgm:txFillClrLst meth="repeat">
+      <a:schemeClr val="dk1"/>
+    </dgm:txFillClrLst>
+    <dgm:txEffectClrLst/>
+  </dgm:styleLbl>
+  <dgm:styleLbl name="dkBgShp">
+    <dgm:fillClrLst meth="repeat">
+      <a:schemeClr val="accent1">
+        <a:shade val="80000"/>
+      </a:schemeClr>
+    </dgm:fillClrLst>
+    <dgm:linClrLst meth="repeat">
+      <a:schemeClr val="accent1"/>
+    </dgm:linClrLst>
+    <dgm:effectClrLst/>
+    <dgm:txLinClrLst/>
+    <dgm:txFillClrLst meth="repeat">
+      <a:schemeClr val="lt1"/>
+    </dgm:txFillClrLst>
+    <dgm:txEffectClrLst/>
+  </dgm:styleLbl>
+  <dgm:styleLbl name="trBgShp">
+    <dgm:fillClrLst meth="repeat">
+      <a:schemeClr val="accent1">
+        <a:tint val="50000"/>
+        <a:alpha val="40000"/>
+      </a:schemeClr>
+    </dgm:fillClrLst>
+    <dgm:linClrLst meth="repeat">
+      <a:schemeClr val="accent1"/>
+    </dgm:linClrLst>
+    <dgm:effectClrLst/>
+    <dgm:txLinClrLst/>
+    <dgm:txFillClrLst meth="repeat">
+      <a:schemeClr val="lt1"/>
+    </dgm:txFillClrLst>
+    <dgm:txEffectClrLst/>
+  </dgm:styleLbl>
+  <dgm:styleLbl name="fgShp">
+    <dgm:fillClrLst meth="repeat">
+      <a:schemeClr val="accent1">
+        <a:tint val="60000"/>
+      </a:schemeClr>
+    </dgm:fillClrLst>
+    <dgm:linClrLst meth="repeat">
+      <a:schemeClr val="lt1"/>
+    </dgm:linClrLst>
+    <dgm:effectClrLst/>
+    <dgm:txLinClrLst/>
+    <dgm:txFillClrLst meth="repeat">
+      <a:schemeClr val="dk1"/>
+    </dgm:txFillClrLst>
+    <dgm:txEffectClrLst/>
+  </dgm:styleLbl>
+  <dgm:styleLbl name="revTx">
+    <dgm:fillClrLst meth="repeat">
+      <a:schemeClr val="lt1">
+        <a:alpha val="0"/>
+      </a:schemeClr>
+    </dgm:fillClrLst>
+    <dgm:linClrLst meth="repeat">
+      <a:schemeClr val="dk1">
+        <a:alpha val="0"/>
+      </a:schemeClr>
+    </dgm:linClrLst>
+    <dgm:effectClrLst/>
+    <dgm:txLinClrLst/>
+    <dgm:txFillClrLst meth="repeat">
+      <a:schemeClr val="tx1"/>
+    </dgm:txFillClrLst>
+    <dgm:txEffectClrLst/>
+  </dgm:styleLbl>
+</dgm:colorsDef>
+</file>
+
+<file path=ppt/diagrams/colors2.xml><?xml version="1.0" encoding="utf-8"?>
+<dgm:colorsDef xmlns:dgm="http://schemas.openxmlformats.org/drawingml/2006/diagram" xmlns:a="http://schemas.openxmlformats.org/drawingml/2006/main" uniqueId="urn:microsoft.com/office/officeart/2005/8/colors/accent1_2">
+  <dgm:title val=""/>
+  <dgm:desc val=""/>
+  <dgm:catLst>
+    <dgm:cat type="accent1" pri="11200"/>
+  </dgm:catLst>
+  <dgm:styleLbl name="node0">
+    <dgm:fillClrLst meth="repeat">
+      <a:schemeClr val="accent1"/>
+    </dgm:fillClrLst>
+    <dgm:linClrLst meth="repeat">
+      <a:schemeClr val="lt1"/>
+    </dgm:linClrLst>
+    <dgm:effectClrLst/>
+    <dgm:txLinClrLst/>
+    <dgm:txFillClrLst/>
+    <dgm:txEffectClrLst/>
+  </dgm:styleLbl>
+  <dgm:styleLbl name="alignNode1">
+    <dgm:fillClrLst meth="repeat">
+      <a:schemeClr val="accent1"/>
+    </dgm:fillClrLst>
+    <dgm:linClrLst meth="repeat">
+      <a:schemeClr val="accent1"/>
+    </dgm:linClrLst>
+    <dgm:effectClrLst/>
+    <dgm:txLinClrLst/>
+    <dgm:txFillClrLst/>
+    <dgm:txEffectClrLst/>
+  </dgm:styleLbl>
+  <dgm:styleLbl name="node1">
+    <dgm:fillClrLst meth="repeat">
+      <a:schemeClr val="accent1"/>
+    </dgm:fillClrLst>
+    <dgm:linClrLst meth="repeat">
+      <a:schemeClr val="lt1"/>
+    </dgm:linClrLst>
+    <dgm:effectClrLst/>
+    <dgm:txLinClrLst/>
+    <dgm:txFillClrLst/>
+    <dgm:txEffectClrLst/>
+  </dgm:styleLbl>
+  <dgm:styleLbl name="lnNode1">
+    <dgm:fillClrLst meth="repeat">
+      <a:schemeClr val="accent1"/>
+    </dgm:fillClrLst>
+    <dgm:linClrLst meth="repeat">
+      <a:schemeClr val="lt1"/>
+    </dgm:linClrLst>
+    <dgm:effectClrLst/>
+    <dgm:txLinClrLst/>
+    <dgm:txFillClrLst/>
+    <dgm:txEffectClrLst/>
+  </dgm:styleLbl>
+  <dgm:styleLbl name="vennNode1">
+    <dgm:fillClrLst meth="repeat">
+      <a:schemeClr val="accent1">
+        <a:alpha val="50000"/>
+      </a:schemeClr>
+    </dgm:fillClrLst>
+    <dgm:linClrLst meth="repeat">
+      <a:schemeClr val="lt1"/>
+    </dgm:linClrLst>
+    <dgm:effectClrLst/>
+    <dgm:txLinClrLst/>
+    <dgm:txFillClrLst/>
+    <dgm:txEffectClrLst/>
+  </dgm:styleLbl>
+  <dgm:styleLbl name="node2">
+    <dgm:fillClrLst meth="repeat">
+      <a:schemeClr val="accent1"/>
+    </dgm:fillClrLst>
+    <dgm:linClrLst meth="repeat">
+      <a:schemeClr val="lt1"/>
+    </dgm:linClrLst>
+    <dgm:effectClrLst/>
+    <dgm:txLinClrLst/>
+    <dgm:txFillClrLst/>
+    <dgm:txEffectClrLst/>
+  </dgm:styleLbl>
+  <dgm:styleLbl name="node3">
+    <dgm:fillClrLst meth="repeat">
+      <a:schemeClr val="accent1"/>
+    </dgm:fillClrLst>
+    <dgm:linClrLst meth="repeat">
+      <a:schemeClr val="lt1"/>
+    </dgm:linClrLst>
+    <dgm:effectClrLst/>
+    <dgm:txLinClrLst/>
+    <dgm:txFillClrLst/>
+    <dgm:txEffectClrLst/>
+  </dgm:styleLbl>
+  <dgm:styleLbl name="node4">
+    <dgm:fillClrLst meth="repeat">
+      <a:schemeClr val="accent1"/>
+    </dgm:fillClrLst>
+    <dgm:linClrLst meth="repeat">
+      <a:schemeClr val="lt1"/>
+    </dgm:linClrLst>
+    <dgm:effectClrLst/>
+    <dgm:txLinClrLst/>
+    <dgm:txFillClrLst/>
+    <dgm:txEffectClrLst/>
+  </dgm:styleLbl>
+  <dgm:styleLbl name="fgImgPlace1">
+    <dgm:fillClrLst meth="repeat">
+      <a:schemeClr val="accent1">
+        <a:tint val="50000"/>
+      </a:schemeClr>
+    </dgm:fillClrLst>
+    <dgm:linClrLst meth="repeat">
+      <a:schemeClr val="lt1"/>
+    </dgm:linClrLst>
+    <dgm:effectClrLst/>
+    <dgm:txLinClrLst/>
+    <dgm:txFillClrLst meth="repeat">
+      <a:schemeClr val="lt1"/>
+    </dgm:txFillClrLst>
+    <dgm:txEffectClrLst/>
+  </dgm:styleLbl>
+  <dgm:styleLbl name="alignImgPlace1">
+    <dgm:fillClrLst meth="repeat">
+      <a:schemeClr val="accent1">
+        <a:tint val="50000"/>
+      </a:schemeClr>
+    </dgm:fillClrLst>
+    <dgm:linClrLst meth="repeat">
+      <a:schemeClr val="lt1"/>
+    </dgm:linClrLst>
+    <dgm:effectClrLst/>
+    <dgm:txLinClrLst/>
+    <dgm:txFillClrLst meth="repeat">
+      <a:schemeClr val="lt1"/>
+    </dgm:txFillClrLst>
+    <dgm:txEffectClrLst/>
+  </dgm:styleLbl>
+  <dgm:styleLbl name="bgImgPlace1">
+    <dgm:fillClrLst meth="repeat">
+      <a:schemeClr val="accent1">
+        <a:tint val="50000"/>
+      </a:schemeClr>
+    </dgm:fillClrLst>
+    <dgm:linClrLst meth="repeat">
+      <a:schemeClr val="lt1"/>
+    </dgm:linClrLst>
+    <dgm:effectClrLst/>
+    <dgm:txLinClrLst/>
+    <dgm:txFillClrLst meth="repeat">
+      <a:schemeClr val="lt1"/>
+    </dgm:txFillClrLst>
+    <dgm:txEffectClrLst/>
+  </dgm:styleLbl>
+  <dgm:styleLbl name="sibTrans2D1">
+    <dgm:fillClrLst meth="repeat">
+      <a:schemeClr val="accent1">
+        <a:tint val="60000"/>
+      </a:schemeClr>
+    </dgm:fillClrLst>
+    <dgm:linClrLst meth="repeat">
+      <a:schemeClr val="accent1">
+        <a:tint val="60000"/>
+      </a:schemeClr>
+    </dgm:linClrLst>
+    <dgm:effectClrLst/>
+    <dgm:txLinClrLst/>
+    <dgm:txFillClrLst/>
+    <dgm:txEffectClrLst/>
+  </dgm:styleLbl>
+  <dgm:styleLbl name="fgSibTrans2D1">
+    <dgm:fillClrLst meth="repeat">
+      <a:schemeClr val="accent1">
+        <a:tint val="60000"/>
+      </a:schemeClr>
+    </dgm:fillClrLst>
+    <dgm:linClrLst meth="repeat">
+      <a:schemeClr val="accent1">
+        <a:tint val="60000"/>
+      </a:schemeClr>
+    </dgm:linClrLst>
+    <dgm:effectClrLst/>
+    <dgm:txLinClrLst/>
+    <dgm:txFillClrLst/>
+    <dgm:txEffectClrLst/>
+  </dgm:styleLbl>
+  <dgm:styleLbl name="bgSibTrans2D1">
+    <dgm:fillClrLst meth="repeat">
+      <a:schemeClr val="accent1">
+        <a:tint val="60000"/>
+      </a:schemeClr>
+    </dgm:fillClrLst>
+    <dgm:linClrLst meth="repeat">
+      <a:schemeClr val="accent1">
+        <a:tint val="60000"/>
+      </a:schemeClr>
+    </dgm:linClrLst>
+    <dgm:effectClrLst/>
+    <dgm:txLinClrLst/>
+    <dgm:txFillClrLst/>
+    <dgm:txEffectClrLst/>
+  </dgm:styleLbl>
+  <dgm:styleLbl name="sibTrans1D1">
+    <dgm:fillClrLst meth="repeat">
+      <a:schemeClr val="accent1"/>
+    </dgm:fillClrLst>
+    <dgm:linClrLst meth="repeat">
+      <a:schemeClr val="accent1"/>
+    </dgm:linClrLst>
+    <dgm:effectClrLst/>
+    <dgm:txLinClrLst/>
+    <dgm:txFillClrLst meth="repeat">
+      <a:schemeClr val="tx1"/>
+    </dgm:txFillClrLst>
+    <dgm:txEffectClrLst/>
+  </dgm:styleLbl>
+  <dgm:styleLbl name="callout">
+    <dgm:fillClrLst meth="repeat">
+      <a:schemeClr val="accent1"/>
+    </dgm:fillClrLst>
+    <dgm:linClrLst meth="repeat">
+      <a:schemeClr val="accent1">
+        <a:tint val="50000"/>
+      </a:schemeClr>
+    </dgm:linClrLst>
+    <dgm:effectClrLst/>
+    <dgm:txLinClrLst/>
+    <dgm:txFillClrLst meth="repeat">
+      <a:schemeClr val="tx1"/>
+    </dgm:txFillClrLst>
+    <dgm:txEffectClrLst/>
+  </dgm:styleLbl>
+  <dgm:styleLbl name="asst0">
+    <dgm:fillClrLst meth="repeat">
+      <a:schemeClr val="accent1"/>
+    </dgm:fillClrLst>
+    <dgm:linClrLst meth="repeat">
+      <a:schemeClr val="lt1"/>
+    </dgm:linClrLst>
+    <dgm:effectClrLst/>
+    <dgm:txLinClrLst/>
+    <dgm:txFillClrLst/>
+    <dgm:txEffectClrLst/>
+  </dgm:styleLbl>
+  <dgm:styleLbl name="asst1">
+    <dgm:fillClrLst meth="repeat">
+      <a:schemeClr val="accent1"/>
+    </dgm:fillClrLst>
+    <dgm:linClrLst meth="repeat">
+      <a:schemeClr val="lt1"/>
+    </dgm:linClrLst>
+    <dgm:effectClrLst/>
+    <dgm:txLinClrLst/>
+    <dgm:txFillClrLst/>
+    <dgm:txEffectClrLst/>
+  </dgm:styleLbl>
+  <dgm:styleLbl name="asst2">
+    <dgm:fillClrLst meth="repeat">
+      <a:schemeClr val="accent1"/>
+    </dgm:fillClrLst>
+    <dgm:linClrLst meth="repeat">
+      <a:schemeClr val="lt1"/>
+    </dgm:linClrLst>
+    <dgm:effectClrLst/>
+    <dgm:txLinClrLst/>
+    <dgm:txFillClrLst/>
+    <dgm:txEffectClrLst/>
+  </dgm:styleLbl>
+  <dgm:styleLbl name="asst3">
+    <dgm:fillClrLst meth="repeat">
+      <a:schemeClr val="accent1"/>
+    </dgm:fillClrLst>
+    <dgm:linClrLst meth="repeat">
+      <a:schemeClr val="lt1"/>
+    </dgm:linClrLst>
+    <dgm:effectClrLst/>
+    <dgm:txLinClrLst/>
+    <dgm:txFillClrLst/>
+    <dgm:txEffectClrLst/>
+  </dgm:styleLbl>
+  <dgm:styleLbl name="asst4">
+    <dgm:fillClrLst meth="repeat">
+      <a:schemeClr val="accent1"/>
+    </dgm:fillClrLst>
+    <dgm:linClrLst meth="repeat">
+      <a:schemeClr val="lt1"/>
+    </dgm:linClrLst>
+    <dgm:effectClrLst/>
+    <dgm:txLinClrLst/>
+    <dgm:txFillClrLst/>
+    <dgm:txEffectClrLst/>
+  </dgm:styleLbl>
+  <dgm:styleLbl name="parChTrans2D1">
+    <dgm:fillClrLst meth="repeat">
+      <a:schemeClr val="accent1">
+        <a:tint val="60000"/>
+      </a:schemeClr>
+    </dgm:fillClrLst>
+    <dgm:linClrLst meth="repeat">
+      <a:schemeClr val="accent1">
+        <a:tint val="60000"/>
+      </a:schemeClr>
+    </dgm:linClrLst>
+    <dgm:effectClrLst/>
+    <dgm:txLinClrLst/>
+    <dgm:txFillClrLst meth="repeat">
+      <a:schemeClr val="lt1"/>
+    </dgm:txFillClrLst>
+    <dgm:txEffectClrLst/>
+  </dgm:styleLbl>
+  <dgm:styleLbl name="parChTrans2D2">
+    <dgm:fillClrLst meth="repeat">
+      <a:schemeClr val="accent1"/>
+    </dgm:fillClrLst>
+    <dgm:linClrLst meth="repeat">
+      <a:schemeClr val="accent1"/>
+    </dgm:linClrLst>
+    <dgm:effectClrLst/>
+    <dgm:txLinClrLst/>
+    <dgm:txFillClrLst meth="repeat">
+      <a:schemeClr val="lt1"/>
+    </dgm:txFillClrLst>
+    <dgm:txEffectClrLst/>
+  </dgm:styleLbl>
+  <dgm:styleLbl name="parChTrans2D3">
+    <dgm:fillClrLst meth="repeat">
+      <a:schemeClr val="accent1"/>
+    </dgm:fillClrLst>
+    <dgm:linClrLst meth="repeat">
+      <a:schemeClr val="accent1"/>
+    </dgm:linClrLst>
+    <dgm:effectClrLst/>
+    <dgm:txLinClrLst/>
+    <dgm:txFillClrLst meth="repeat">
+      <a:schemeClr val="lt1"/>
+    </dgm:txFillClrLst>
+    <dgm:txEffectClrLst/>
+  </dgm:styleLbl>
+  <dgm:styleLbl name="parChTrans2D4">
+    <dgm:fillClrLst meth="repeat">
+      <a:schemeClr val="accent1"/>
+    </dgm:fillClrLst>
+    <dgm:linClrLst meth="repeat">
+      <a:schemeClr val="accent1"/>
+    </dgm:linClrLst>
+    <dgm:effectClrLst/>
+    <dgm:txLinClrLst/>
+    <dgm:txFillClrLst meth="repeat">
+      <a:schemeClr val="lt1"/>
+    </dgm:txFillClrLst>
+    <dgm:txEffectClrLst/>
+  </dgm:styleLbl>
+  <dgm:styleLbl name="parChTrans1D1">
+    <dgm:fillClrLst meth="repeat">
+      <a:schemeClr val="accent1"/>
+    </dgm:fillClrLst>
+    <dgm:linClrLst meth="repeat">
+      <a:schemeClr val="accent1">
+        <a:shade val="60000"/>
+      </a:schemeClr>
+    </dgm:linClrLst>
+    <dgm:effectClrLst/>
+    <dgm:txLinClrLst/>
+    <dgm:txFillClrLst meth="repeat">
+      <a:schemeClr val="tx1"/>
+    </dgm:txFillClrLst>
+    <dgm:txEffectClrLst/>
+  </dgm:styleLbl>
+  <dgm:styleLbl name="parChTrans1D2">
+    <dgm:fillClrLst meth="repeat">
+      <a:schemeClr val="accent1"/>
+    </dgm:fillClrLst>
+    <dgm:linClrLst meth="repeat">
+      <a:schemeClr val="accent1">
+        <a:shade val="60000"/>
+      </a:schemeClr>
+    </dgm:linClrLst>
+    <dgm:effectClrLst/>
+    <dgm:txLinClrLst/>
+    <dgm:txFillClrLst meth="repeat">
+      <a:schemeClr val="tx1"/>
+    </dgm:txFillClrLst>
+    <dgm:txEffectClrLst/>
+  </dgm:styleLbl>
+  <dgm:styleLbl name="parChTrans1D3">
+    <dgm:fillClrLst meth="repeat">
+      <a:schemeClr val="accent1"/>
+    </dgm:fillClrLst>
+    <dgm:linClrLst meth="repeat">
+      <a:schemeClr val="accent1">
+        <a:shade val="80000"/>
+      </a:schemeClr>
+    </dgm:linClrLst>
+    <dgm:effectClrLst/>
+    <dgm:txLinClrLst/>
+    <dgm:txFillClrLst meth="repeat">
+      <a:schemeClr val="tx1"/>
+    </dgm:txFillClrLst>
+    <dgm:txEffectClrLst/>
+  </dgm:styleLbl>
+  <dgm:styleLbl name="parChTrans1D4">
+    <dgm:fillClrLst meth="repeat">
+      <a:schemeClr val="accent1"/>
+    </dgm:fillClrLst>
+    <dgm:linClrLst meth="repeat">
+      <a:schemeClr val="accent1">
+        <a:shade val="80000"/>
+      </a:schemeClr>
+    </dgm:linClrLst>
+    <dgm:effectClrLst/>
+    <dgm:txLinClrLst/>
+    <dgm:txFillClrLst meth="repeat">
+      <a:schemeClr val="tx1"/>
+    </dgm:txFillClrLst>
+    <dgm:txEffectClrLst/>
+  </dgm:styleLbl>
+  <dgm:styleLbl name="fgAcc1">
+    <dgm:fillClrLst meth="repeat">
+      <a:schemeClr val="lt1">
+        <a:alpha val="90000"/>
+      </a:schemeClr>
+    </dgm:fillClrLst>
+    <dgm:linClrLst meth="repeat">
+      <a:schemeClr val="accent1"/>
+    </dgm:linClrLst>
+    <dgm:effectClrLst/>
+    <dgm:txLinClrLst/>
+    <dgm:txFillClrLst meth="repeat">
+      <a:schemeClr val="dk1"/>
+    </dgm:txFillClrLst>
+    <dgm:txEffectClrLst/>
+  </dgm:styleLbl>
+  <dgm:styleLbl name="conFgAcc1">
+    <dgm:fillClrLst meth="repeat">
+      <a:schemeClr val="lt1">
+        <a:alpha val="90000"/>
+      </a:schemeClr>
+    </dgm:fillClrLst>
+    <dgm:linClrLst meth="repeat">
+      <a:schemeClr val="accent1"/>
+    </dgm:linClrLst>
+    <dgm:effectClrLst/>
+    <dgm:txLinClrLst/>
+    <dgm:txFillClrLst meth="repeat">
+      <a:schemeClr val="dk1"/>
+    </dgm:txFillClrLst>
+    <dgm:txEffectClrLst/>
+  </dgm:styleLbl>
+  <dgm:styleLbl name="alignAcc1">
+    <dgm:fillClrLst meth="repeat">
+      <a:schemeClr val="lt1">
+        <a:alpha val="90000"/>
+      </a:schemeClr>
+    </dgm:fillClrLst>
+    <dgm:linClrLst meth="repeat">
+      <a:schemeClr val="accent1"/>
+    </dgm:linClrLst>
+    <dgm:effectClrLst/>
+    <dgm:txLinClrLst/>
+    <dgm:txFillClrLst meth="repeat">
+      <a:schemeClr val="dk1"/>
+    </dgm:txFillClrLst>
+    <dgm:txEffectClrLst/>
+  </dgm:styleLbl>
+  <dgm:styleLbl name="trAlignAcc1">
+    <dgm:fillClrLst meth="repeat">
+      <a:schemeClr val="lt1">
+        <a:alpha val="40000"/>
+      </a:schemeClr>
+    </dgm:fillClrLst>
+    <dgm:linClrLst meth="repeat">
+      <a:schemeClr val="accent1"/>
+    </dgm:linClrLst>
+    <dgm:effectClrLst/>
+    <dgm:txLinClrLst/>
+    <dgm:txFillClrLst meth="repeat">
+      <a:schemeClr val="dk1"/>
+    </dgm:txFillClrLst>
+    <dgm:txEffectClrLst/>
+  </dgm:styleLbl>
+  <dgm:styleLbl name="bgAcc1">
+    <dgm:fillClrLst meth="repeat">
+      <a:schemeClr val="lt1">
+        <a:alpha val="90000"/>
+      </a:schemeClr>
+    </dgm:fillClrLst>
+    <dgm:linClrLst meth="repeat">
+      <a:schemeClr val="accent1"/>
+    </dgm:linClrLst>
+    <dgm:effectClrLst/>
+    <dgm:txLinClrLst/>
+    <dgm:txFillClrLst meth="repeat">
+      <a:schemeClr val="dk1"/>
+    </dgm:txFillClrLst>
+    <dgm:txEffectClrLst/>
+  </dgm:styleLbl>
+  <dgm:styleLbl name="solidFgAcc1">
+    <dgm:fillClrLst meth="repeat">
+      <a:schemeClr val="lt1"/>
+    </dgm:fillClrLst>
+    <dgm:linClrLst meth="repeat">
+      <a:schemeClr val="accent1"/>
+    </dgm:linClrLst>
+    <dgm:effectClrLst/>
+    <dgm:txLinClrLst/>
+    <dgm:txFillClrLst meth="repeat">
+      <a:schemeClr val="dk1"/>
+    </dgm:txFillClrLst>
+    <dgm:txEffectClrLst/>
+  </dgm:styleLbl>
+  <dgm:styleLbl name="solidAlignAcc1">
+    <dgm:fillClrLst meth="repeat">
+      <a:schemeClr val="lt1"/>
+    </dgm:fillClrLst>
+    <dgm:linClrLst meth="repeat">
+      <a:schemeClr val="accent1"/>
+    </dgm:linClrLst>
+    <dgm:effectClrLst/>
+    <dgm:txLinClrLst/>
+    <dgm:txFillClrLst meth="repeat">
+      <a:schemeClr val="dk1"/>
+    </dgm:txFillClrLst>
+    <dgm:txEffectClrLst/>
+  </dgm:styleLbl>
+  <dgm:styleLbl name="solidBgAcc1">
+    <dgm:fillClrLst meth="repeat">
+      <a:schemeClr val="lt1"/>
+    </dgm:fillClrLst>
+    <dgm:linClrLst meth="repeat">
+      <a:schemeClr val="accent1"/>
+    </dgm:linClrLst>
+    <dgm:effectClrLst/>
+    <dgm:txLinClrLst/>
+    <dgm:txFillClrLst meth="repeat">
+      <a:schemeClr val="dk1"/>
+    </dgm:txFillClrLst>
+    <dgm:txEffectClrLst/>
+  </dgm:styleLbl>
+  <dgm:styleLbl name="fgAccFollowNode1">
+    <dgm:fillClrLst meth="repeat">
+      <a:schemeClr val="accent1">
+        <a:alpha val="90000"/>
+        <a:tint val="40000"/>
+      </a:schemeClr>
+    </dgm:fillClrLst>
+    <dgm:linClrLst meth="repeat">
+      <a:schemeClr val="accent1">
+        <a:alpha val="90000"/>
+        <a:tint val="40000"/>
+      </a:schemeClr>
+    </dgm:linClrLst>
+    <dgm:effectClrLst/>
+    <dgm:txLinClrLst/>
+    <dgm:txFillClrLst meth="repeat">
+      <a:schemeClr val="dk1"/>
+    </dgm:txFillClrLst>
+    <dgm:txEffectClrLst/>
+  </dgm:styleLbl>
+  <dgm:styleLbl name="alignAccFollowNode1">
+    <dgm:fillClrLst meth="repeat">
+      <a:schemeClr val="accent1">
+        <a:alpha val="90000"/>
+        <a:tint val="40000"/>
+      </a:schemeClr>
+    </dgm:fillClrLst>
+    <dgm:linClrLst meth="repeat">
+      <a:schemeClr val="accent1">
+        <a:alpha val="90000"/>
+        <a:tint val="40000"/>
+      </a:schemeClr>
+    </dgm:linClrLst>
+    <dgm:effectClrLst/>
+    <dgm:txLinClrLst/>
+    <dgm:txFillClrLst meth="repeat">
+      <a:schemeClr val="dk1"/>
+    </dgm:txFillClrLst>
+    <dgm:txEffectClrLst/>
+  </dgm:styleLbl>
+  <dgm:styleLbl name="bgAccFollowNode1">
+    <dgm:fillClrLst meth="repeat">
+      <a:schemeClr val="accent1">
+        <a:alpha val="90000"/>
+        <a:tint val="40000"/>
+      </a:schemeClr>
+    </dgm:fillClrLst>
+    <dgm:linClrLst meth="repeat">
+      <a:schemeClr val="accent1">
+        <a:alpha val="90000"/>
+        <a:tint val="40000"/>
+      </a:schemeClr>
+    </dgm:linClrLst>
+    <dgm:effectClrLst/>
+    <dgm:txLinClrLst/>
+    <dgm:txFillClrLst meth="repeat">
+      <a:schemeClr val="dk1"/>
+    </dgm:txFillClrLst>
+    <dgm:txEffectClrLst/>
+  </dgm:styleLbl>
+  <dgm:styleLbl name="fgAcc0">
+    <dgm:fillClrLst meth="repeat">
+      <a:schemeClr val="lt1">
+        <a:alpha val="90000"/>
+      </a:schemeClr>
+    </dgm:fillClrLst>
+    <dgm:linClrLst meth="repeat">
+      <a:schemeClr val="accent1"/>
+    </dgm:linClrLst>
+    <dgm:effectClrLst/>
+    <dgm:txLinClrLst/>
+    <dgm:txFillClrLst meth="repeat">
+      <a:schemeClr val="dk1"/>
+    </dgm:txFillClrLst>
+    <dgm:txEffectClrLst/>
+  </dgm:styleLbl>
+  <dgm:styleLbl name="fgAcc2">
+    <dgm:fillClrLst meth="repeat">
+      <a:schemeClr val="lt1">
+        <a:alpha val="90000"/>
+      </a:schemeClr>
+    </dgm:fillClrLst>
+    <dgm:linClrLst meth="repeat">
+      <a:schemeClr val="accent1"/>
+    </dgm:linClrLst>
+    <dgm:effectClrLst/>
+    <dgm:txLinClrLst/>
+    <dgm:txFillClrLst meth="repeat">
+      <a:schemeClr val="dk1"/>
+    </dgm:txFillClrLst>
+    <dgm:txEffectClrLst/>
+  </dgm:styleLbl>
+  <dgm:styleLbl name="fgAcc3">
+    <dgm:fillClrLst meth="repeat">
+      <a:schemeClr val="lt1">
+        <a:alpha val="90000"/>
+      </a:schemeClr>
+    </dgm:fillClrLst>
+    <dgm:linClrLst meth="repeat">
+      <a:schemeClr val="accent1"/>
+    </dgm:linClrLst>
+    <dgm:effectClrLst/>
+    <dgm:txLinClrLst/>
+    <dgm:txFillClrLst meth="repeat">
+      <a:schemeClr val="dk1"/>
+    </dgm:txFillClrLst>
+    <dgm:txEffectClrLst/>
+  </dgm:styleLbl>
+  <dgm:styleLbl name="fgAcc4">
+    <dgm:fillClrLst meth="repeat">
+      <a:schemeClr val="lt1">
+        <a:alpha val="90000"/>
+      </a:schemeClr>
+    </dgm:fillClrLst>
+    <dgm:linClrLst meth="repeat">
+      <a:schemeClr val="accent1"/>
+    </dgm:linClrLst>
+    <dgm:effectClrLst/>
+    <dgm:txLinClrLst/>
+    <dgm:txFillClrLst meth="repeat">
+      <a:schemeClr val="dk1"/>
+    </dgm:txFillClrLst>
+    <dgm:txEffectClrLst/>
+  </dgm:styleLbl>
+  <dgm:styleLbl name="bgShp">
+    <dgm:fillClrLst meth="repeat">
+      <a:schemeClr val="accent1">
+        <a:tint val="40000"/>
+      </a:schemeClr>
+    </dgm:fillClrLst>
+    <dgm:linClrLst meth="repeat">
+      <a:schemeClr val="accent1"/>
+    </dgm:linClrLst>
+    <dgm:effectClrLst/>
+    <dgm:txLinClrLst/>
+    <dgm:txFillClrLst meth="repeat">
+      <a:schemeClr val="dk1"/>
+    </dgm:txFillClrLst>
+    <dgm:txEffectClrLst/>
+  </dgm:styleLbl>
+  <dgm:styleLbl name="dkBgShp">
+    <dgm:fillClrLst meth="repeat">
+      <a:schemeClr val="accent1">
+        <a:shade val="80000"/>
+      </a:schemeClr>
+    </dgm:fillClrLst>
+    <dgm:linClrLst meth="repeat">
+      <a:schemeClr val="accent1"/>
+    </dgm:linClrLst>
+    <dgm:effectClrLst/>
+    <dgm:txLinClrLst/>
+    <dgm:txFillClrLst meth="repeat">
+      <a:schemeClr val="lt1"/>
+    </dgm:txFillClrLst>
+    <dgm:txEffectClrLst/>
+  </dgm:styleLbl>
+  <dgm:styleLbl name="trBgShp">
+    <dgm:fillClrLst meth="repeat">
+      <a:schemeClr val="accent1">
+        <a:tint val="50000"/>
+        <a:alpha val="40000"/>
+      </a:schemeClr>
+    </dgm:fillClrLst>
+    <dgm:linClrLst meth="repeat">
+      <a:schemeClr val="accent1"/>
+    </dgm:linClrLst>
+    <dgm:effectClrLst/>
+    <dgm:txLinClrLst/>
+    <dgm:txFillClrLst meth="repeat">
+      <a:schemeClr val="lt1"/>
+    </dgm:txFillClrLst>
+    <dgm:txEffectClrLst/>
+  </dgm:styleLbl>
+  <dgm:styleLbl name="fgShp">
+    <dgm:fillClrLst meth="repeat">
+      <a:schemeClr val="accent1">
+        <a:tint val="60000"/>
+      </a:schemeClr>
+    </dgm:fillClrLst>
+    <dgm:linClrLst meth="repeat">
+      <a:schemeClr val="lt1"/>
+    </dgm:linClrLst>
+    <dgm:effectClrLst/>
+    <dgm:txLinClrLst/>
+    <dgm:txFillClrLst meth="repeat">
+      <a:schemeClr val="dk1"/>
+    </dgm:txFillClrLst>
+    <dgm:txEffectClrLst/>
+  </dgm:styleLbl>
+  <dgm:styleLbl name="revTx">
+    <dgm:fillClrLst meth="repeat">
+      <a:schemeClr val="lt1">
+        <a:alpha val="0"/>
+      </a:schemeClr>
+    </dgm:fillClrLst>
+    <dgm:linClrLst meth="repeat">
+      <a:schemeClr val="dk1">
+        <a:alpha val="0"/>
+      </a:schemeClr>
+    </dgm:linClrLst>
+    <dgm:effectClrLst/>
+    <dgm:txLinClrLst/>
+    <dgm:txFillClrLst meth="repeat">
+      <a:schemeClr val="tx1"/>
+    </dgm:txFillClrLst>
+    <dgm:txEffectClrLst/>
+  </dgm:styleLbl>
+</dgm:colorsDef>
+</file>
+
+<file path=ppt/diagrams/colors3.xml><?xml version="1.0" encoding="utf-8"?>
 <dgm:colorsDef xmlns:dgm="http://schemas.openxmlformats.org/drawingml/2006/diagram" xmlns:a="http://schemas.openxmlformats.org/drawingml/2006/main" uniqueId="urn:microsoft.com/office/officeart/2005/8/colors/accent1_2">
   <dgm:title val=""/>
   <dgm:desc val=""/>
@@ -1437,6 +2942,13 @@
         </dgm:presLayoutVars>
       </dgm:prSet>
       <dgm:spPr/>
+      <dgm:t>
+        <a:bodyPr/>
+        <a:lstStyle/>
+        <a:p>
+          <a:endParaRPr lang="de-DE"/>
+        </a:p>
+      </dgm:t>
     </dgm:pt>
     <dgm:pt modelId="{727B1B61-B62D-4C3D-B777-43906ADD803C}" type="pres">
       <dgm:prSet presAssocID="{03A8BDC9-669F-4918-A9DE-106A769820D1}" presName="bullet5b" presStyleLbl="node1" presStyleIdx="1" presStyleCnt="5"/>
@@ -1449,6 +2961,13 @@
         </dgm:presLayoutVars>
       </dgm:prSet>
       <dgm:spPr/>
+      <dgm:t>
+        <a:bodyPr/>
+        <a:lstStyle/>
+        <a:p>
+          <a:endParaRPr lang="de-DE"/>
+        </a:p>
+      </dgm:t>
     </dgm:pt>
     <dgm:pt modelId="{002C3FB9-310D-4961-BDD5-1DFD86FE10F5}" type="pres">
       <dgm:prSet presAssocID="{3F888F01-DCE4-4AA3-81A6-3CA974F7DEED}" presName="bullet5c" presStyleLbl="node1" presStyleIdx="2" presStyleCnt="5"/>
@@ -1461,6 +2980,13 @@
         </dgm:presLayoutVars>
       </dgm:prSet>
       <dgm:spPr/>
+      <dgm:t>
+        <a:bodyPr/>
+        <a:lstStyle/>
+        <a:p>
+          <a:endParaRPr lang="de-DE"/>
+        </a:p>
+      </dgm:t>
     </dgm:pt>
     <dgm:pt modelId="{E1CCDBEE-AB6F-4355-994F-2E8E439F6159}" type="pres">
       <dgm:prSet presAssocID="{BDEC989F-1E9D-46AB-9523-6268838E1868}" presName="bullet5d" presStyleLbl="node1" presStyleIdx="3" presStyleCnt="5"/>
@@ -1473,6 +2999,13 @@
         </dgm:presLayoutVars>
       </dgm:prSet>
       <dgm:spPr/>
+      <dgm:t>
+        <a:bodyPr/>
+        <a:lstStyle/>
+        <a:p>
+          <a:endParaRPr lang="de-DE"/>
+        </a:p>
+      </dgm:t>
     </dgm:pt>
     <dgm:pt modelId="{68B7B68E-B8B8-4EC2-A2FF-28B45B958F5A}" type="pres">
       <dgm:prSet presAssocID="{00126DA2-E8A9-44CA-85AD-A6CB396B82C5}" presName="bullet5e" presStyleLbl="node1" presStyleIdx="4" presStyleCnt="5"/>
@@ -1485,40 +3018,47 @@
         </dgm:presLayoutVars>
       </dgm:prSet>
       <dgm:spPr/>
+      <dgm:t>
+        <a:bodyPr/>
+        <a:lstStyle/>
+        <a:p>
+          <a:endParaRPr lang="de-DE"/>
+        </a:p>
+      </dgm:t>
     </dgm:pt>
   </dgm:ptLst>
   <dgm:cxnLst>
     <dgm:cxn modelId="{CEE87BEE-9F84-4002-8124-C9A25E72DAE7}" srcId="{0AE2193A-BCD4-4946-9B53-3FCAAF9851C5}" destId="{03A8BDC9-669F-4918-A9DE-106A769820D1}" srcOrd="1" destOrd="0" parTransId="{8E60CFC2-C2A7-44A5-BDA6-F85C840521AC}" sibTransId="{05CAA88E-F782-448B-996F-5761EC4B5343}"/>
+    <dgm:cxn modelId="{C9751166-23EA-444E-999C-1D2B41E6C84B}" type="presOf" srcId="{03A8BDC9-669F-4918-A9DE-106A769820D1}" destId="{AF8BEF4C-96F3-4ED8-9151-49EE720FCD95}" srcOrd="0" destOrd="0" presId="urn:microsoft.com/office/officeart/2005/8/layout/arrow2"/>
+    <dgm:cxn modelId="{3F0866D1-CD6C-42CE-9684-3961ABC621E1}" srcId="{6217A406-CCAC-4760-A132-823320E7C8AA}" destId="{5448C88E-0793-42E4-B4F2-DC52C67B1BBB}" srcOrd="1" destOrd="0" parTransId="{B67F1C8D-BC44-463F-AF67-8398AEE84680}" sibTransId="{CF8818A3-3246-4175-8A77-8D4D41E9D858}"/>
+    <dgm:cxn modelId="{42E42528-80A8-483E-ADBC-51D8D1961B10}" type="presOf" srcId="{18AFAB38-8C38-46B0-B2F9-C7078BFC9326}" destId="{1C4F9093-FE47-4554-A822-B92A4C0EC2A7}" srcOrd="0" destOrd="1" presId="urn:microsoft.com/office/officeart/2005/8/layout/arrow2"/>
+    <dgm:cxn modelId="{7199B566-DB24-41DD-8F6E-11C13FDB2CE2}" type="presOf" srcId="{6217A406-CCAC-4760-A132-823320E7C8AA}" destId="{8F7A122F-A032-49E6-AAC7-9B138367453A}" srcOrd="0" destOrd="0" presId="urn:microsoft.com/office/officeart/2005/8/layout/arrow2"/>
+    <dgm:cxn modelId="{44553D4B-B237-482B-A4E6-FE32464F1D44}" srcId="{3F888F01-DCE4-4AA3-81A6-3CA974F7DEED}" destId="{EC43F636-1A5B-45CE-867C-21BB2A8C9979}" srcOrd="0" destOrd="0" parTransId="{A5D669F3-919D-473F-9ED0-C5163BF0D1B8}" sibTransId="{8422717A-3DCE-45F2-8400-BE77C21757A2}"/>
+    <dgm:cxn modelId="{FE3932C0-C8BE-40FB-BD79-8A1D8D35CBD7}" type="presOf" srcId="{0AE2193A-BCD4-4946-9B53-3FCAAF9851C5}" destId="{774104AD-7E53-4E32-B515-B77A8A985716}" srcOrd="0" destOrd="0" presId="urn:microsoft.com/office/officeart/2005/8/layout/arrow2"/>
+    <dgm:cxn modelId="{C2D8E6AA-6432-4BC3-90D0-EC3E5B1DADCE}" type="presOf" srcId="{1C5D3035-1CDF-485C-8D68-4F0AF8C5BF59}" destId="{55D03CFC-8164-4FA7-8D3A-0BF5D70844C3}" srcOrd="0" destOrd="2" presId="urn:microsoft.com/office/officeart/2005/8/layout/arrow2"/>
+    <dgm:cxn modelId="{F2697E96-11FA-444E-AE39-AFB53515C9D1}" srcId="{03A8BDC9-669F-4918-A9DE-106A769820D1}" destId="{F349DD51-54D4-461A-B521-E7F2976BA46B}" srcOrd="0" destOrd="0" parTransId="{F89AED14-09E3-4847-9701-AEC0DC5F8083}" sibTransId="{1C32E1BE-541E-448D-9D5F-C487F1CD80F3}"/>
+    <dgm:cxn modelId="{0AF8CF4E-34C6-47DC-868D-800A2051ADF7}" srcId="{3F888F01-DCE4-4AA3-81A6-3CA974F7DEED}" destId="{7FDA9182-197A-4BD0-B31D-E842E3F18870}" srcOrd="2" destOrd="0" parTransId="{CAFB34A7-2CEA-4D11-8274-B44BD09F2BE6}" sibTransId="{C02D99FE-D19D-43E7-8FBE-DD58ED1A48C0}"/>
+    <dgm:cxn modelId="{44FBD84E-4D3A-4BD7-B496-30447DF712CC}" type="presOf" srcId="{3F888F01-DCE4-4AA3-81A6-3CA974F7DEED}" destId="{55D03CFC-8164-4FA7-8D3A-0BF5D70844C3}" srcOrd="0" destOrd="0" presId="urn:microsoft.com/office/officeart/2005/8/layout/arrow2"/>
+    <dgm:cxn modelId="{F21B54FE-8DA5-4892-907C-6E67EE0BC6BA}" type="presOf" srcId="{ADA23B34-8DD7-42E2-9A3D-07DA79732660}" destId="{8F7A122F-A032-49E6-AAC7-9B138367453A}" srcOrd="0" destOrd="3" presId="urn:microsoft.com/office/officeart/2005/8/layout/arrow2"/>
+    <dgm:cxn modelId="{A2BDEB81-C8C8-4C79-B2DC-E99D83C55006}" type="presOf" srcId="{F349DD51-54D4-461A-B521-E7F2976BA46B}" destId="{AF8BEF4C-96F3-4ED8-9151-49EE720FCD95}" srcOrd="0" destOrd="1" presId="urn:microsoft.com/office/officeart/2005/8/layout/arrow2"/>
+    <dgm:cxn modelId="{49874954-D235-479C-8DF2-8B4B384FA998}" srcId="{0AE2193A-BCD4-4946-9B53-3FCAAF9851C5}" destId="{6217A406-CCAC-4760-A132-823320E7C8AA}" srcOrd="0" destOrd="0" parTransId="{35A4FAD9-13FB-475B-AA9C-292E27FEF6BF}" sibTransId="{EE184EBA-0C3C-4A57-8034-DD0BBA41156E}"/>
+    <dgm:cxn modelId="{8B46A61B-2968-41F4-A6EE-52DE9BD2905C}" type="presOf" srcId="{5448C88E-0793-42E4-B4F2-DC52C67B1BBB}" destId="{8F7A122F-A032-49E6-AAC7-9B138367453A}" srcOrd="0" destOrd="2" presId="urn:microsoft.com/office/officeart/2005/8/layout/arrow2"/>
     <dgm:cxn modelId="{E9E415F5-D862-48FA-9363-1383D28D80BC}" srcId="{0AE2193A-BCD4-4946-9B53-3FCAAF9851C5}" destId="{00126DA2-E8A9-44CA-85AD-A6CB396B82C5}" srcOrd="4" destOrd="0" parTransId="{B23EF7DD-A8D3-46E8-9312-0AD6E5F80DCD}" sibTransId="{9F414917-8632-4BBD-A51B-E8D92FE17C46}"/>
-    <dgm:cxn modelId="{8B46A61B-2968-41F4-A6EE-52DE9BD2905C}" type="presOf" srcId="{5448C88E-0793-42E4-B4F2-DC52C67B1BBB}" destId="{8F7A122F-A032-49E6-AAC7-9B138367453A}" srcOrd="0" destOrd="2" presId="urn:microsoft.com/office/officeart/2005/8/layout/arrow2"/>
-    <dgm:cxn modelId="{F2697E96-11FA-444E-AE39-AFB53515C9D1}" srcId="{03A8BDC9-669F-4918-A9DE-106A769820D1}" destId="{F349DD51-54D4-461A-B521-E7F2976BA46B}" srcOrd="0" destOrd="0" parTransId="{F89AED14-09E3-4847-9701-AEC0DC5F8083}" sibTransId="{1C32E1BE-541E-448D-9D5F-C487F1CD80F3}"/>
+    <dgm:cxn modelId="{1DAF1298-8ABD-4D5F-840E-DAAD900D551E}" srcId="{0AE2193A-BCD4-4946-9B53-3FCAAF9851C5}" destId="{BDEC989F-1E9D-46AB-9523-6268838E1868}" srcOrd="3" destOrd="0" parTransId="{49DBEA3D-E719-472F-917D-B9453BAF9995}" sibTransId="{8A14B176-A3B8-4D3E-9288-E65D441C6DC2}"/>
+    <dgm:cxn modelId="{39557624-98A5-4FA8-B236-34ACDE1BD7DE}" type="presOf" srcId="{7FDA9182-197A-4BD0-B31D-E842E3F18870}" destId="{55D03CFC-8164-4FA7-8D3A-0BF5D70844C3}" srcOrd="0" destOrd="3" presId="urn:microsoft.com/office/officeart/2005/8/layout/arrow2"/>
+    <dgm:cxn modelId="{1C029FDA-D174-4AC1-8932-E0EB327308F0}" srcId="{00126DA2-E8A9-44CA-85AD-A6CB396B82C5}" destId="{18AFAB38-8C38-46B0-B2F9-C7078BFC9326}" srcOrd="0" destOrd="0" parTransId="{C1F19044-B46C-4EDC-ACD5-E020598DC609}" sibTransId="{46B11C62-2FF5-4A49-9325-84F1C3968829}"/>
     <dgm:cxn modelId="{785C3784-FDC1-40E8-8340-5C743F0BC949}" type="presOf" srcId="{98436D32-C1C9-41DA-9357-D4DF59977C91}" destId="{39A9EDD7-064B-4D2E-A8C1-EDF39C82A076}" srcOrd="0" destOrd="1" presId="urn:microsoft.com/office/officeart/2005/8/layout/arrow2"/>
-    <dgm:cxn modelId="{4B47EB8C-5E19-4988-9BA6-AC4A66744EE6}" srcId="{0AE2193A-BCD4-4946-9B53-3FCAAF9851C5}" destId="{3F888F01-DCE4-4AA3-81A6-3CA974F7DEED}" srcOrd="2" destOrd="0" parTransId="{F8AF2A7E-D40F-4EF0-A289-6116C58B8397}" sibTransId="{A86B9379-31F6-434F-AE6D-F6EA41D9E54B}"/>
-    <dgm:cxn modelId="{44FBD84E-4D3A-4BD7-B496-30447DF712CC}" type="presOf" srcId="{3F888F01-DCE4-4AA3-81A6-3CA974F7DEED}" destId="{55D03CFC-8164-4FA7-8D3A-0BF5D70844C3}" srcOrd="0" destOrd="0" presId="urn:microsoft.com/office/officeart/2005/8/layout/arrow2"/>
-    <dgm:cxn modelId="{A2BDEB81-C8C8-4C79-B2DC-E99D83C55006}" type="presOf" srcId="{F349DD51-54D4-461A-B521-E7F2976BA46B}" destId="{AF8BEF4C-96F3-4ED8-9151-49EE720FCD95}" srcOrd="0" destOrd="1" presId="urn:microsoft.com/office/officeart/2005/8/layout/arrow2"/>
-    <dgm:cxn modelId="{39557624-98A5-4FA8-B236-34ACDE1BD7DE}" type="presOf" srcId="{7FDA9182-197A-4BD0-B31D-E842E3F18870}" destId="{55D03CFC-8164-4FA7-8D3A-0BF5D70844C3}" srcOrd="0" destOrd="3" presId="urn:microsoft.com/office/officeart/2005/8/layout/arrow2"/>
-    <dgm:cxn modelId="{C11BD460-D82F-48C7-A866-6C4480D7932A}" type="presOf" srcId="{00126DA2-E8A9-44CA-85AD-A6CB396B82C5}" destId="{1C4F9093-FE47-4554-A822-B92A4C0EC2A7}" srcOrd="0" destOrd="0" presId="urn:microsoft.com/office/officeart/2005/8/layout/arrow2"/>
+    <dgm:cxn modelId="{F34F8C5B-6003-4B87-A777-F8C8D5C24258}" srcId="{3F888F01-DCE4-4AA3-81A6-3CA974F7DEED}" destId="{1C5D3035-1CDF-485C-8D68-4F0AF8C5BF59}" srcOrd="1" destOrd="0" parTransId="{4BD457A6-B53A-46A8-88A2-2233046B045B}" sibTransId="{6007D4BA-1C9D-45BD-A2C0-9199899B42C6}"/>
     <dgm:cxn modelId="{0751CC83-913A-46F0-AB37-DB316C111322}" type="presOf" srcId="{360A8656-2B98-4847-8F25-D5D3168CA0D1}" destId="{AF8BEF4C-96F3-4ED8-9151-49EE720FCD95}" srcOrd="0" destOrd="2" presId="urn:microsoft.com/office/officeart/2005/8/layout/arrow2"/>
     <dgm:cxn modelId="{D7FAE2D9-0591-4D95-B5C5-4D5ACA37174B}" srcId="{BDEC989F-1E9D-46AB-9523-6268838E1868}" destId="{98436D32-C1C9-41DA-9357-D4DF59977C91}" srcOrd="0" destOrd="0" parTransId="{23E8D20C-B300-45C3-96D9-A0FD5E15F16A}" sibTransId="{CE1DD707-2CBA-4975-A633-9D1A125771D2}"/>
-    <dgm:cxn modelId="{C9751166-23EA-444E-999C-1D2B41E6C84B}" type="presOf" srcId="{03A8BDC9-669F-4918-A9DE-106A769820D1}" destId="{AF8BEF4C-96F3-4ED8-9151-49EE720FCD95}" srcOrd="0" destOrd="0" presId="urn:microsoft.com/office/officeart/2005/8/layout/arrow2"/>
+    <dgm:cxn modelId="{51D6D1F5-BFAA-4B7B-B2A0-831938EFE568}" type="presOf" srcId="{BDEC989F-1E9D-46AB-9523-6268838E1868}" destId="{39A9EDD7-064B-4D2E-A8C1-EDF39C82A076}" srcOrd="0" destOrd="0" presId="urn:microsoft.com/office/officeart/2005/8/layout/arrow2"/>
+    <dgm:cxn modelId="{A6955C07-3EC1-4A27-8C47-5DD45C9639F8}" srcId="{6217A406-CCAC-4760-A132-823320E7C8AA}" destId="{ADA23B34-8DD7-42E2-9A3D-07DA79732660}" srcOrd="2" destOrd="0" parTransId="{0241A49E-7BE7-4B98-837F-E336988E1651}" sibTransId="{9317FCF4-48A2-4E91-B758-09820E3D206E}"/>
     <dgm:cxn modelId="{E85D5463-7228-41A9-888A-9EC366987151}" srcId="{6217A406-CCAC-4760-A132-823320E7C8AA}" destId="{A8DD8037-4DB6-470D-8714-9A3918A2AA88}" srcOrd="0" destOrd="0" parTransId="{82353E00-898A-4479-BD1A-370A77D87C99}" sibTransId="{A267CE71-DF80-4788-9F14-E573AADD3E40}"/>
-    <dgm:cxn modelId="{1DAF1298-8ABD-4D5F-840E-DAAD900D551E}" srcId="{0AE2193A-BCD4-4946-9B53-3FCAAF9851C5}" destId="{BDEC989F-1E9D-46AB-9523-6268838E1868}" srcOrd="3" destOrd="0" parTransId="{49DBEA3D-E719-472F-917D-B9453BAF9995}" sibTransId="{8A14B176-A3B8-4D3E-9288-E65D441C6DC2}"/>
-    <dgm:cxn modelId="{7199B566-DB24-41DD-8F6E-11C13FDB2CE2}" type="presOf" srcId="{6217A406-CCAC-4760-A132-823320E7C8AA}" destId="{8F7A122F-A032-49E6-AAC7-9B138367453A}" srcOrd="0" destOrd="0" presId="urn:microsoft.com/office/officeart/2005/8/layout/arrow2"/>
-    <dgm:cxn modelId="{A6955C07-3EC1-4A27-8C47-5DD45C9639F8}" srcId="{6217A406-CCAC-4760-A132-823320E7C8AA}" destId="{ADA23B34-8DD7-42E2-9A3D-07DA79732660}" srcOrd="2" destOrd="0" parTransId="{0241A49E-7BE7-4B98-837F-E336988E1651}" sibTransId="{9317FCF4-48A2-4E91-B758-09820E3D206E}"/>
-    <dgm:cxn modelId="{51D6D1F5-BFAA-4B7B-B2A0-831938EFE568}" type="presOf" srcId="{BDEC989F-1E9D-46AB-9523-6268838E1868}" destId="{39A9EDD7-064B-4D2E-A8C1-EDF39C82A076}" srcOrd="0" destOrd="0" presId="urn:microsoft.com/office/officeart/2005/8/layout/arrow2"/>
-    <dgm:cxn modelId="{F21B54FE-8DA5-4892-907C-6E67EE0BC6BA}" type="presOf" srcId="{ADA23B34-8DD7-42E2-9A3D-07DA79732660}" destId="{8F7A122F-A032-49E6-AAC7-9B138367453A}" srcOrd="0" destOrd="3" presId="urn:microsoft.com/office/officeart/2005/8/layout/arrow2"/>
-    <dgm:cxn modelId="{FE3932C0-C8BE-40FB-BD79-8A1D8D35CBD7}" type="presOf" srcId="{0AE2193A-BCD4-4946-9B53-3FCAAF9851C5}" destId="{774104AD-7E53-4E32-B515-B77A8A985716}" srcOrd="0" destOrd="0" presId="urn:microsoft.com/office/officeart/2005/8/layout/arrow2"/>
-    <dgm:cxn modelId="{44553D4B-B237-482B-A4E6-FE32464F1D44}" srcId="{3F888F01-DCE4-4AA3-81A6-3CA974F7DEED}" destId="{EC43F636-1A5B-45CE-867C-21BB2A8C9979}" srcOrd="0" destOrd="0" parTransId="{A5D669F3-919D-473F-9ED0-C5163BF0D1B8}" sibTransId="{8422717A-3DCE-45F2-8400-BE77C21757A2}"/>
-    <dgm:cxn modelId="{0AF8CF4E-34C6-47DC-868D-800A2051ADF7}" srcId="{3F888F01-DCE4-4AA3-81A6-3CA974F7DEED}" destId="{7FDA9182-197A-4BD0-B31D-E842E3F18870}" srcOrd="2" destOrd="0" parTransId="{CAFB34A7-2CEA-4D11-8274-B44BD09F2BE6}" sibTransId="{C02D99FE-D19D-43E7-8FBE-DD58ED1A48C0}"/>
+    <dgm:cxn modelId="{ECFEB97A-43D7-444C-B0EA-72B81C62A6C0}" srcId="{03A8BDC9-669F-4918-A9DE-106A769820D1}" destId="{360A8656-2B98-4847-8F25-D5D3168CA0D1}" srcOrd="1" destOrd="0" parTransId="{86358050-89CD-4349-B74B-9DD9CD9BA9A8}" sibTransId="{75247C5B-8F9E-45FF-B498-3C4C035E6B74}"/>
+    <dgm:cxn modelId="{C11BD460-D82F-48C7-A866-6C4480D7932A}" type="presOf" srcId="{00126DA2-E8A9-44CA-85AD-A6CB396B82C5}" destId="{1C4F9093-FE47-4554-A822-B92A4C0EC2A7}" srcOrd="0" destOrd="0" presId="urn:microsoft.com/office/officeart/2005/8/layout/arrow2"/>
+    <dgm:cxn modelId="{5170D23C-6CF2-4C5A-BED6-20ABA304C401}" type="presOf" srcId="{EC43F636-1A5B-45CE-867C-21BB2A8C9979}" destId="{55D03CFC-8164-4FA7-8D3A-0BF5D70844C3}" srcOrd="0" destOrd="1" presId="urn:microsoft.com/office/officeart/2005/8/layout/arrow2"/>
     <dgm:cxn modelId="{296EF577-D74A-46D9-B1C2-3BFEB87C743D}" type="presOf" srcId="{A8DD8037-4DB6-470D-8714-9A3918A2AA88}" destId="{8F7A122F-A032-49E6-AAC7-9B138367453A}" srcOrd="0" destOrd="1" presId="urn:microsoft.com/office/officeart/2005/8/layout/arrow2"/>
-    <dgm:cxn modelId="{1C029FDA-D174-4AC1-8932-E0EB327308F0}" srcId="{00126DA2-E8A9-44CA-85AD-A6CB396B82C5}" destId="{18AFAB38-8C38-46B0-B2F9-C7078BFC9326}" srcOrd="0" destOrd="0" parTransId="{C1F19044-B46C-4EDC-ACD5-E020598DC609}" sibTransId="{46B11C62-2FF5-4A49-9325-84F1C3968829}"/>
-    <dgm:cxn modelId="{5170D23C-6CF2-4C5A-BED6-20ABA304C401}" type="presOf" srcId="{EC43F636-1A5B-45CE-867C-21BB2A8C9979}" destId="{55D03CFC-8164-4FA7-8D3A-0BF5D70844C3}" srcOrd="0" destOrd="1" presId="urn:microsoft.com/office/officeart/2005/8/layout/arrow2"/>
-    <dgm:cxn modelId="{ECFEB97A-43D7-444C-B0EA-72B81C62A6C0}" srcId="{03A8BDC9-669F-4918-A9DE-106A769820D1}" destId="{360A8656-2B98-4847-8F25-D5D3168CA0D1}" srcOrd="1" destOrd="0" parTransId="{86358050-89CD-4349-B74B-9DD9CD9BA9A8}" sibTransId="{75247C5B-8F9E-45FF-B498-3C4C035E6B74}"/>
-    <dgm:cxn modelId="{C2D8E6AA-6432-4BC3-90D0-EC3E5B1DADCE}" type="presOf" srcId="{1C5D3035-1CDF-485C-8D68-4F0AF8C5BF59}" destId="{55D03CFC-8164-4FA7-8D3A-0BF5D70844C3}" srcOrd="0" destOrd="2" presId="urn:microsoft.com/office/officeart/2005/8/layout/arrow2"/>
-    <dgm:cxn modelId="{F34F8C5B-6003-4B87-A777-F8C8D5C24258}" srcId="{3F888F01-DCE4-4AA3-81A6-3CA974F7DEED}" destId="{1C5D3035-1CDF-485C-8D68-4F0AF8C5BF59}" srcOrd="1" destOrd="0" parTransId="{4BD457A6-B53A-46A8-88A2-2233046B045B}" sibTransId="{6007D4BA-1C9D-45BD-A2C0-9199899B42C6}"/>
-    <dgm:cxn modelId="{3F0866D1-CD6C-42CE-9684-3961ABC621E1}" srcId="{6217A406-CCAC-4760-A132-823320E7C8AA}" destId="{5448C88E-0793-42E4-B4F2-DC52C67B1BBB}" srcOrd="1" destOrd="0" parTransId="{B67F1C8D-BC44-463F-AF67-8398AEE84680}" sibTransId="{CF8818A3-3246-4175-8A77-8D4D41E9D858}"/>
-    <dgm:cxn modelId="{49874954-D235-479C-8DF2-8B4B384FA998}" srcId="{0AE2193A-BCD4-4946-9B53-3FCAAF9851C5}" destId="{6217A406-CCAC-4760-A132-823320E7C8AA}" srcOrd="0" destOrd="0" parTransId="{35A4FAD9-13FB-475B-AA9C-292E27FEF6BF}" sibTransId="{EE184EBA-0C3C-4A57-8034-DD0BBA41156E}"/>
-    <dgm:cxn modelId="{42E42528-80A8-483E-ADBC-51D8D1961B10}" type="presOf" srcId="{18AFAB38-8C38-46B0-B2F9-C7078BFC9326}" destId="{1C4F9093-FE47-4554-A822-B92A4C0EC2A7}" srcOrd="0" destOrd="1" presId="urn:microsoft.com/office/officeart/2005/8/layout/arrow2"/>
+    <dgm:cxn modelId="{4B47EB8C-5E19-4988-9BA6-AC4A66744EE6}" srcId="{0AE2193A-BCD4-4946-9B53-3FCAAF9851C5}" destId="{3F888F01-DCE4-4AA3-81A6-3CA974F7DEED}" srcOrd="2" destOrd="0" parTransId="{F8AF2A7E-D40F-4EF0-A289-6116C58B8397}" sibTransId="{A86B9379-31F6-434F-AE6D-F6EA41D9E54B}"/>
     <dgm:cxn modelId="{AAF496FB-B2D6-4F55-9D64-A9D1B532DE13}" type="presParOf" srcId="{774104AD-7E53-4E32-B515-B77A8A985716}" destId="{8EFB4082-6FA8-467F-B4A4-1D865061D7EB}" srcOrd="0" destOrd="0" presId="urn:microsoft.com/office/officeart/2005/8/layout/arrow2"/>
     <dgm:cxn modelId="{19C067C1-98AB-46EA-9532-50D475C7306F}" type="presParOf" srcId="{774104AD-7E53-4E32-B515-B77A8A985716}" destId="{2AB02C00-8A31-40E5-A971-475D350A9809}" srcOrd="1" destOrd="0" presId="urn:microsoft.com/office/officeart/2005/8/layout/arrow2"/>
     <dgm:cxn modelId="{67734BBC-6FDD-4787-BCB3-721DA787E5CA}" type="presParOf" srcId="{2AB02C00-8A31-40E5-A971-475D350A9809}" destId="{490D4099-2E4E-45B8-A269-26396529A523}" srcOrd="0" destOrd="0" presId="urn:microsoft.com/office/officeart/2005/8/layout/arrow2"/>
@@ -1531,6 +3071,1021 @@
     <dgm:cxn modelId="{5947A131-80D5-407E-90E9-F1C623F9D075}" type="presParOf" srcId="{2AB02C00-8A31-40E5-A971-475D350A9809}" destId="{39A9EDD7-064B-4D2E-A8C1-EDF39C82A076}" srcOrd="7" destOrd="0" presId="urn:microsoft.com/office/officeart/2005/8/layout/arrow2"/>
     <dgm:cxn modelId="{E615DC87-616F-4CCC-B3C6-8D2A256C7077}" type="presParOf" srcId="{2AB02C00-8A31-40E5-A971-475D350A9809}" destId="{68B7B68E-B8B8-4EC2-A2FF-28B45B958F5A}" srcOrd="8" destOrd="0" presId="urn:microsoft.com/office/officeart/2005/8/layout/arrow2"/>
     <dgm:cxn modelId="{04DB60C2-F860-4ABC-BC6A-BE1A56328C66}" type="presParOf" srcId="{2AB02C00-8A31-40E5-A971-475D350A9809}" destId="{1C4F9093-FE47-4554-A822-B92A4C0EC2A7}" srcOrd="9" destOrd="0" presId="urn:microsoft.com/office/officeart/2005/8/layout/arrow2"/>
+  </dgm:cxnLst>
+  <dgm:bg/>
+  <dgm:whole/>
+  <dgm:extLst>
+    <a:ext uri="http://schemas.microsoft.com/office/drawing/2008/diagram">
+      <dsp:dataModelExt xmlns:dsp="http://schemas.microsoft.com/office/drawing/2008/diagram" relId="rId6" minVer="http://schemas.openxmlformats.org/drawingml/2006/diagram"/>
+    </a:ext>
+  </dgm:extLst>
+</dgm:dataModel>
+</file>
+
+<file path=ppt/diagrams/data2.xml><?xml version="1.0" encoding="utf-8"?>
+<dgm:dataModel xmlns:dgm="http://schemas.openxmlformats.org/drawingml/2006/diagram" xmlns:a="http://schemas.openxmlformats.org/drawingml/2006/main">
+  <dgm:ptLst>
+    <dgm:pt modelId="{8729791E-CB25-4F2C-AA14-571ACA173FF6}" type="doc">
+      <dgm:prSet loTypeId="urn:microsoft.com/office/officeart/2008/layout/NameandTitleOrganizationalChart" loCatId="hierarchy" qsTypeId="urn:microsoft.com/office/officeart/2005/8/quickstyle/simple1" qsCatId="simple" csTypeId="urn:microsoft.com/office/officeart/2005/8/colors/accent1_2" csCatId="accent1" phldr="1"/>
+      <dgm:spPr/>
+      <dgm:t>
+        <a:bodyPr/>
+        <a:lstStyle/>
+        <a:p>
+          <a:endParaRPr lang="de-DE"/>
+        </a:p>
+      </dgm:t>
+    </dgm:pt>
+    <dgm:pt modelId="{980D0C64-4394-4C8B-A1BC-39DF94FFA6DB}">
+      <dgm:prSet phldrT="[Text]"/>
+      <dgm:spPr/>
+      <dgm:t>
+        <a:bodyPr/>
+        <a:lstStyle/>
+        <a:p>
+          <a:r>
+            <a:rPr lang="de-DE" dirty="0" smtClean="0"/>
+            <a:t>Projektleiter</a:t>
+          </a:r>
+          <a:endParaRPr lang="de-DE" dirty="0"/>
+        </a:p>
+      </dgm:t>
+    </dgm:pt>
+    <dgm:pt modelId="{9F6D5AD9-83FC-4447-ADED-4549F20121C1}" type="parTrans" cxnId="{2CBD7B0B-884F-48E3-9AEA-36949F215110}">
+      <dgm:prSet/>
+      <dgm:spPr/>
+      <dgm:t>
+        <a:bodyPr/>
+        <a:lstStyle/>
+        <a:p>
+          <a:endParaRPr lang="de-DE"/>
+        </a:p>
+      </dgm:t>
+    </dgm:pt>
+    <dgm:pt modelId="{47CD8E67-1E79-4785-93D7-1703B8C0D599}" type="sibTrans" cxnId="{2CBD7B0B-884F-48E3-9AEA-36949F215110}">
+      <dgm:prSet/>
+      <dgm:spPr/>
+      <dgm:t>
+        <a:bodyPr/>
+        <a:lstStyle/>
+        <a:p>
+          <a:r>
+            <a:rPr lang="de-DE" dirty="0" smtClean="0"/>
+            <a:t>Delegiert Aufgaben an</a:t>
+          </a:r>
+          <a:endParaRPr lang="de-DE" dirty="0"/>
+        </a:p>
+      </dgm:t>
+    </dgm:pt>
+    <dgm:pt modelId="{9AA9956D-2E85-42B1-B1DF-C7DF617A4910}">
+      <dgm:prSet phldrT="[Text]"/>
+      <dgm:spPr/>
+      <dgm:t>
+        <a:bodyPr/>
+        <a:lstStyle/>
+        <a:p>
+          <a:r>
+            <a:rPr lang="de-DE" dirty="0" smtClean="0"/>
+            <a:t>Projektkoordinator</a:t>
+          </a:r>
+          <a:endParaRPr lang="de-DE" dirty="0"/>
+        </a:p>
+      </dgm:t>
+    </dgm:pt>
+    <dgm:pt modelId="{E4DEBCA7-E72A-40A6-9FFE-0CB52542C41A}" type="parTrans" cxnId="{5ED024DC-20B1-4AFB-921B-1FEF2156D7CE}">
+      <dgm:prSet/>
+      <dgm:spPr/>
+      <dgm:t>
+        <a:bodyPr/>
+        <a:lstStyle/>
+        <a:p>
+          <a:endParaRPr lang="de-DE"/>
+        </a:p>
+      </dgm:t>
+    </dgm:pt>
+    <dgm:pt modelId="{C381DC0C-EA1F-47A3-B1C4-DC68E9EBDF15}" type="sibTrans" cxnId="{5ED024DC-20B1-4AFB-921B-1FEF2156D7CE}">
+      <dgm:prSet/>
+      <dgm:spPr/>
+      <dgm:t>
+        <a:bodyPr/>
+        <a:lstStyle/>
+        <a:p>
+          <a:r>
+            <a:rPr lang="de-DE" dirty="0" smtClean="0"/>
+            <a:t>Meldet abgeschlossene Aufgaben zurück</a:t>
+          </a:r>
+          <a:endParaRPr lang="de-DE" dirty="0"/>
+        </a:p>
+      </dgm:t>
+    </dgm:pt>
+    <dgm:pt modelId="{BD78AC86-9D6C-4EE3-8941-88131E7E33B7}">
+      <dgm:prSet phldrT="[Text]"/>
+      <dgm:spPr/>
+      <dgm:t>
+        <a:bodyPr/>
+        <a:lstStyle/>
+        <a:p>
+          <a:r>
+            <a:rPr lang="de-DE" dirty="0" smtClean="0"/>
+            <a:t>Datenbankdesigner</a:t>
+          </a:r>
+          <a:endParaRPr lang="de-DE" dirty="0"/>
+        </a:p>
+      </dgm:t>
+    </dgm:pt>
+    <dgm:pt modelId="{61461668-1E6A-4B47-A198-DBA2FF97E485}" type="parTrans" cxnId="{C7D61A3B-FAA1-4AF3-9EFC-D2DD53CA21DB}">
+      <dgm:prSet/>
+      <dgm:spPr/>
+      <dgm:t>
+        <a:bodyPr/>
+        <a:lstStyle/>
+        <a:p>
+          <a:endParaRPr lang="de-DE"/>
+        </a:p>
+      </dgm:t>
+    </dgm:pt>
+    <dgm:pt modelId="{0F564862-1CDF-4973-8E5A-32B445BAE305}" type="sibTrans" cxnId="{C7D61A3B-FAA1-4AF3-9EFC-D2DD53CA21DB}">
+      <dgm:prSet/>
+      <dgm:spPr/>
+      <dgm:t>
+        <a:bodyPr/>
+        <a:lstStyle/>
+        <a:p>
+          <a:r>
+            <a:rPr lang="de-DE" dirty="0" smtClean="0"/>
+            <a:t>Meldet abgeschlossene Aufgaben zurück</a:t>
+          </a:r>
+          <a:endParaRPr lang="de-DE" dirty="0"/>
+        </a:p>
+      </dgm:t>
+    </dgm:pt>
+    <dgm:pt modelId="{7AF5185A-5523-4D7E-B3D1-8CEEAA432599}">
+      <dgm:prSet phldrT="[Text]"/>
+      <dgm:spPr/>
+      <dgm:t>
+        <a:bodyPr/>
+        <a:lstStyle/>
+        <a:p>
+          <a:r>
+            <a:rPr lang="de-DE" dirty="0" smtClean="0"/>
+            <a:t>Webdesigner</a:t>
+          </a:r>
+          <a:endParaRPr lang="de-DE" dirty="0"/>
+        </a:p>
+      </dgm:t>
+    </dgm:pt>
+    <dgm:pt modelId="{71C0EDDB-EE97-4D08-943E-561E913F3984}" type="parTrans" cxnId="{870C820E-95E0-4564-B744-81B585F9770F}">
+      <dgm:prSet/>
+      <dgm:spPr/>
+      <dgm:t>
+        <a:bodyPr/>
+        <a:lstStyle/>
+        <a:p>
+          <a:endParaRPr lang="de-DE"/>
+        </a:p>
+      </dgm:t>
+    </dgm:pt>
+    <dgm:pt modelId="{802CE547-B90E-4B88-AACF-ACD163C255C7}" type="sibTrans" cxnId="{870C820E-95E0-4564-B744-81B585F9770F}">
+      <dgm:prSet/>
+      <dgm:spPr/>
+      <dgm:t>
+        <a:bodyPr/>
+        <a:lstStyle/>
+        <a:p>
+          <a:r>
+            <a:rPr lang="de-DE" dirty="0" smtClean="0"/>
+            <a:t>Meldet abgeschlossene Aufgaben zurück</a:t>
+          </a:r>
+          <a:endParaRPr lang="de-DE" dirty="0"/>
+        </a:p>
+      </dgm:t>
+    </dgm:pt>
+    <dgm:pt modelId="{0CB92999-CDA0-426D-BA3F-4800F96F7061}">
+      <dgm:prSet phldrT="[Text]"/>
+      <dgm:spPr/>
+      <dgm:t>
+        <a:bodyPr/>
+        <a:lstStyle/>
+        <a:p>
+          <a:r>
+            <a:rPr lang="de-DE" dirty="0" smtClean="0"/>
+            <a:t>Programmierer</a:t>
+          </a:r>
+          <a:endParaRPr lang="de-DE" dirty="0"/>
+        </a:p>
+      </dgm:t>
+    </dgm:pt>
+    <dgm:pt modelId="{81958D29-D6AE-4B82-9DD8-B2C2AB0DA8F5}" type="parTrans" cxnId="{29055FDD-A611-4259-915C-8F4C986195E6}">
+      <dgm:prSet/>
+      <dgm:spPr/>
+      <dgm:t>
+        <a:bodyPr/>
+        <a:lstStyle/>
+        <a:p>
+          <a:endParaRPr lang="de-DE"/>
+        </a:p>
+      </dgm:t>
+    </dgm:pt>
+    <dgm:pt modelId="{EA657BDB-DCB0-4F9B-A28C-8AB7B43D2CB6}" type="sibTrans" cxnId="{29055FDD-A611-4259-915C-8F4C986195E6}">
+      <dgm:prSet/>
+      <dgm:spPr/>
+      <dgm:t>
+        <a:bodyPr/>
+        <a:lstStyle/>
+        <a:p>
+          <a:r>
+            <a:rPr lang="de-DE" dirty="0" smtClean="0"/>
+            <a:t>Meldet abgeschlossene Aufgaben zurück</a:t>
+          </a:r>
+          <a:endParaRPr lang="de-DE" dirty="0"/>
+        </a:p>
+      </dgm:t>
+    </dgm:pt>
+    <dgm:pt modelId="{46A4E0A7-4562-4581-99C8-7A4810A1D356}" type="pres">
+      <dgm:prSet presAssocID="{8729791E-CB25-4F2C-AA14-571ACA173FF6}" presName="hierChild1" presStyleCnt="0">
+        <dgm:presLayoutVars>
+          <dgm:orgChart val="1"/>
+          <dgm:chPref val="1"/>
+          <dgm:dir/>
+          <dgm:animOne val="branch"/>
+          <dgm:animLvl val="lvl"/>
+          <dgm:resizeHandles/>
+        </dgm:presLayoutVars>
+      </dgm:prSet>
+      <dgm:spPr/>
+    </dgm:pt>
+    <dgm:pt modelId="{1AF87F15-4EE6-419E-9E47-1BD867C82FBA}" type="pres">
+      <dgm:prSet presAssocID="{980D0C64-4394-4C8B-A1BC-39DF94FFA6DB}" presName="hierRoot1" presStyleCnt="0">
+        <dgm:presLayoutVars>
+          <dgm:hierBranch val="init"/>
+        </dgm:presLayoutVars>
+      </dgm:prSet>
+      <dgm:spPr/>
+    </dgm:pt>
+    <dgm:pt modelId="{E6AB4F3E-0495-4B02-BCF9-61479382FC46}" type="pres">
+      <dgm:prSet presAssocID="{980D0C64-4394-4C8B-A1BC-39DF94FFA6DB}" presName="rootComposite1" presStyleCnt="0"/>
+      <dgm:spPr/>
+    </dgm:pt>
+    <dgm:pt modelId="{C61E91A9-AF0A-4AA8-B087-498BC119B802}" type="pres">
+      <dgm:prSet presAssocID="{980D0C64-4394-4C8B-A1BC-39DF94FFA6DB}" presName="rootText1" presStyleLbl="node0" presStyleIdx="0" presStyleCnt="1">
+        <dgm:presLayoutVars>
+          <dgm:chMax/>
+          <dgm:chPref val="3"/>
+        </dgm:presLayoutVars>
+      </dgm:prSet>
+      <dgm:spPr/>
+    </dgm:pt>
+    <dgm:pt modelId="{F30DCFA2-97CF-4F43-B794-E8837C6096F0}" type="pres">
+      <dgm:prSet presAssocID="{980D0C64-4394-4C8B-A1BC-39DF94FFA6DB}" presName="titleText1" presStyleLbl="fgAcc0" presStyleIdx="0" presStyleCnt="1">
+        <dgm:presLayoutVars>
+          <dgm:chMax val="0"/>
+          <dgm:chPref val="0"/>
+        </dgm:presLayoutVars>
+      </dgm:prSet>
+      <dgm:spPr/>
+      <dgm:t>
+        <a:bodyPr/>
+        <a:lstStyle/>
+        <a:p>
+          <a:endParaRPr lang="de-DE"/>
+        </a:p>
+      </dgm:t>
+    </dgm:pt>
+    <dgm:pt modelId="{191F112D-A45F-436C-B599-A704861B7449}" type="pres">
+      <dgm:prSet presAssocID="{980D0C64-4394-4C8B-A1BC-39DF94FFA6DB}" presName="rootConnector1" presStyleLbl="node1" presStyleIdx="0" presStyleCnt="4"/>
+      <dgm:spPr/>
+    </dgm:pt>
+    <dgm:pt modelId="{407048AF-EE30-4B96-A387-61C1D0CE5140}" type="pres">
+      <dgm:prSet presAssocID="{980D0C64-4394-4C8B-A1BC-39DF94FFA6DB}" presName="hierChild2" presStyleCnt="0"/>
+      <dgm:spPr/>
+    </dgm:pt>
+    <dgm:pt modelId="{D5F6D8B8-4258-4198-BE70-A80B84977E1D}" type="pres">
+      <dgm:prSet presAssocID="{E4DEBCA7-E72A-40A6-9FFE-0CB52542C41A}" presName="Name37" presStyleLbl="parChTrans1D2" presStyleIdx="0" presStyleCnt="4"/>
+      <dgm:spPr/>
+    </dgm:pt>
+    <dgm:pt modelId="{61D2E535-C60B-4EE2-85E2-9A178BF9FF1F}" type="pres">
+      <dgm:prSet presAssocID="{9AA9956D-2E85-42B1-B1DF-C7DF617A4910}" presName="hierRoot2" presStyleCnt="0">
+        <dgm:presLayoutVars>
+          <dgm:hierBranch val="init"/>
+        </dgm:presLayoutVars>
+      </dgm:prSet>
+      <dgm:spPr/>
+    </dgm:pt>
+    <dgm:pt modelId="{4F32D5D0-CDEB-4677-A8E3-9F825569B94E}" type="pres">
+      <dgm:prSet presAssocID="{9AA9956D-2E85-42B1-B1DF-C7DF617A4910}" presName="rootComposite" presStyleCnt="0"/>
+      <dgm:spPr/>
+    </dgm:pt>
+    <dgm:pt modelId="{F9D5EE5F-B1B3-4107-BE5B-57C9D2EDB3FD}" type="pres">
+      <dgm:prSet presAssocID="{9AA9956D-2E85-42B1-B1DF-C7DF617A4910}" presName="rootText" presStyleLbl="node1" presStyleIdx="0" presStyleCnt="4">
+        <dgm:presLayoutVars>
+          <dgm:chMax/>
+          <dgm:chPref val="3"/>
+        </dgm:presLayoutVars>
+      </dgm:prSet>
+      <dgm:spPr/>
+    </dgm:pt>
+    <dgm:pt modelId="{970DF215-3A69-44D5-BB4D-176CA6265961}" type="pres">
+      <dgm:prSet presAssocID="{9AA9956D-2E85-42B1-B1DF-C7DF617A4910}" presName="titleText2" presStyleLbl="fgAcc1" presStyleIdx="0" presStyleCnt="4">
+        <dgm:presLayoutVars>
+          <dgm:chMax val="0"/>
+          <dgm:chPref val="0"/>
+        </dgm:presLayoutVars>
+      </dgm:prSet>
+      <dgm:spPr/>
+      <dgm:t>
+        <a:bodyPr/>
+        <a:lstStyle/>
+        <a:p>
+          <a:endParaRPr lang="de-DE"/>
+        </a:p>
+      </dgm:t>
+    </dgm:pt>
+    <dgm:pt modelId="{3FFAD54F-CDF3-4EAB-939A-CD11D5B7CEF4}" type="pres">
+      <dgm:prSet presAssocID="{9AA9956D-2E85-42B1-B1DF-C7DF617A4910}" presName="rootConnector" presStyleLbl="node2" presStyleIdx="0" presStyleCnt="0"/>
+      <dgm:spPr/>
+    </dgm:pt>
+    <dgm:pt modelId="{8F36EF9E-C60E-4D44-BB83-4276DA6647E8}" type="pres">
+      <dgm:prSet presAssocID="{9AA9956D-2E85-42B1-B1DF-C7DF617A4910}" presName="hierChild4" presStyleCnt="0"/>
+      <dgm:spPr/>
+    </dgm:pt>
+    <dgm:pt modelId="{2C543950-4D3D-45C4-92C8-8D8398C232E6}" type="pres">
+      <dgm:prSet presAssocID="{9AA9956D-2E85-42B1-B1DF-C7DF617A4910}" presName="hierChild5" presStyleCnt="0"/>
+      <dgm:spPr/>
+    </dgm:pt>
+    <dgm:pt modelId="{418B8B31-D631-4C74-B418-D94A89EA2477}" type="pres">
+      <dgm:prSet presAssocID="{61461668-1E6A-4B47-A198-DBA2FF97E485}" presName="Name37" presStyleLbl="parChTrans1D2" presStyleIdx="1" presStyleCnt="4"/>
+      <dgm:spPr/>
+    </dgm:pt>
+    <dgm:pt modelId="{626DFB8D-AD5E-4511-A56E-DF21CE909E40}" type="pres">
+      <dgm:prSet presAssocID="{BD78AC86-9D6C-4EE3-8941-88131E7E33B7}" presName="hierRoot2" presStyleCnt="0">
+        <dgm:presLayoutVars>
+          <dgm:hierBranch val="init"/>
+        </dgm:presLayoutVars>
+      </dgm:prSet>
+      <dgm:spPr/>
+    </dgm:pt>
+    <dgm:pt modelId="{E4EE2B6B-22A0-4F1B-AD4C-DBB7C18A9667}" type="pres">
+      <dgm:prSet presAssocID="{BD78AC86-9D6C-4EE3-8941-88131E7E33B7}" presName="rootComposite" presStyleCnt="0"/>
+      <dgm:spPr/>
+    </dgm:pt>
+    <dgm:pt modelId="{09D50221-D678-4A08-84F0-EE7F73877653}" type="pres">
+      <dgm:prSet presAssocID="{BD78AC86-9D6C-4EE3-8941-88131E7E33B7}" presName="rootText" presStyleLbl="node1" presStyleIdx="1" presStyleCnt="4">
+        <dgm:presLayoutVars>
+          <dgm:chMax/>
+          <dgm:chPref val="3"/>
+        </dgm:presLayoutVars>
+      </dgm:prSet>
+      <dgm:spPr/>
+      <dgm:t>
+        <a:bodyPr/>
+        <a:lstStyle/>
+        <a:p>
+          <a:endParaRPr lang="de-DE"/>
+        </a:p>
+      </dgm:t>
+    </dgm:pt>
+    <dgm:pt modelId="{5681A1C3-F7F2-459E-B1EA-ADC0DF83F7F4}" type="pres">
+      <dgm:prSet presAssocID="{BD78AC86-9D6C-4EE3-8941-88131E7E33B7}" presName="titleText2" presStyleLbl="fgAcc1" presStyleIdx="1" presStyleCnt="4">
+        <dgm:presLayoutVars>
+          <dgm:chMax val="0"/>
+          <dgm:chPref val="0"/>
+        </dgm:presLayoutVars>
+      </dgm:prSet>
+      <dgm:spPr/>
+      <dgm:t>
+        <a:bodyPr/>
+        <a:lstStyle/>
+        <a:p>
+          <a:endParaRPr lang="de-DE"/>
+        </a:p>
+      </dgm:t>
+    </dgm:pt>
+    <dgm:pt modelId="{F8B9FF12-A7DE-4343-BAFE-F3AA9063F1EB}" type="pres">
+      <dgm:prSet presAssocID="{BD78AC86-9D6C-4EE3-8941-88131E7E33B7}" presName="rootConnector" presStyleLbl="node2" presStyleIdx="0" presStyleCnt="0"/>
+      <dgm:spPr/>
+    </dgm:pt>
+    <dgm:pt modelId="{71EA76B5-FE0A-45F9-9EED-DFE6CDAE978D}" type="pres">
+      <dgm:prSet presAssocID="{BD78AC86-9D6C-4EE3-8941-88131E7E33B7}" presName="hierChild4" presStyleCnt="0"/>
+      <dgm:spPr/>
+    </dgm:pt>
+    <dgm:pt modelId="{1B1A8AF5-061F-450C-96C0-27FE0C9FE381}" type="pres">
+      <dgm:prSet presAssocID="{BD78AC86-9D6C-4EE3-8941-88131E7E33B7}" presName="hierChild5" presStyleCnt="0"/>
+      <dgm:spPr/>
+    </dgm:pt>
+    <dgm:pt modelId="{EC9CC648-36AF-46A2-8311-685C7A41B586}" type="pres">
+      <dgm:prSet presAssocID="{71C0EDDB-EE97-4D08-943E-561E913F3984}" presName="Name37" presStyleLbl="parChTrans1D2" presStyleIdx="2" presStyleCnt="4"/>
+      <dgm:spPr/>
+    </dgm:pt>
+    <dgm:pt modelId="{BFCEA91E-4452-423B-B8FF-D2F5CE3688F4}" type="pres">
+      <dgm:prSet presAssocID="{7AF5185A-5523-4D7E-B3D1-8CEEAA432599}" presName="hierRoot2" presStyleCnt="0">
+        <dgm:presLayoutVars>
+          <dgm:hierBranch val="init"/>
+        </dgm:presLayoutVars>
+      </dgm:prSet>
+      <dgm:spPr/>
+    </dgm:pt>
+    <dgm:pt modelId="{5B034DD1-CACF-464E-B5AD-133542837AAC}" type="pres">
+      <dgm:prSet presAssocID="{7AF5185A-5523-4D7E-B3D1-8CEEAA432599}" presName="rootComposite" presStyleCnt="0"/>
+      <dgm:spPr/>
+    </dgm:pt>
+    <dgm:pt modelId="{7540C2E7-48D2-4EE8-87C4-B1638895265C}" type="pres">
+      <dgm:prSet presAssocID="{7AF5185A-5523-4D7E-B3D1-8CEEAA432599}" presName="rootText" presStyleLbl="node1" presStyleIdx="2" presStyleCnt="4">
+        <dgm:presLayoutVars>
+          <dgm:chMax/>
+          <dgm:chPref val="3"/>
+        </dgm:presLayoutVars>
+      </dgm:prSet>
+      <dgm:spPr/>
+      <dgm:t>
+        <a:bodyPr/>
+        <a:lstStyle/>
+        <a:p>
+          <a:endParaRPr lang="de-DE"/>
+        </a:p>
+      </dgm:t>
+    </dgm:pt>
+    <dgm:pt modelId="{210698F5-CF27-4953-810C-44A846F5EE01}" type="pres">
+      <dgm:prSet presAssocID="{7AF5185A-5523-4D7E-B3D1-8CEEAA432599}" presName="titleText2" presStyleLbl="fgAcc1" presStyleIdx="2" presStyleCnt="4">
+        <dgm:presLayoutVars>
+          <dgm:chMax val="0"/>
+          <dgm:chPref val="0"/>
+        </dgm:presLayoutVars>
+      </dgm:prSet>
+      <dgm:spPr/>
+    </dgm:pt>
+    <dgm:pt modelId="{F6769DBA-69F4-4CF2-98E1-2C89C474DB77}" type="pres">
+      <dgm:prSet presAssocID="{7AF5185A-5523-4D7E-B3D1-8CEEAA432599}" presName="rootConnector" presStyleLbl="node2" presStyleIdx="0" presStyleCnt="0"/>
+      <dgm:spPr/>
+    </dgm:pt>
+    <dgm:pt modelId="{406ECC91-8C7F-4F95-A29D-A453A41288DC}" type="pres">
+      <dgm:prSet presAssocID="{7AF5185A-5523-4D7E-B3D1-8CEEAA432599}" presName="hierChild4" presStyleCnt="0"/>
+      <dgm:spPr/>
+    </dgm:pt>
+    <dgm:pt modelId="{0301A5AF-A5B1-410E-91C6-3722E2A0739E}" type="pres">
+      <dgm:prSet presAssocID="{7AF5185A-5523-4D7E-B3D1-8CEEAA432599}" presName="hierChild5" presStyleCnt="0"/>
+      <dgm:spPr/>
+    </dgm:pt>
+    <dgm:pt modelId="{CA0371F2-4905-4094-9792-0F4EC6527AB6}" type="pres">
+      <dgm:prSet presAssocID="{81958D29-D6AE-4B82-9DD8-B2C2AB0DA8F5}" presName="Name37" presStyleLbl="parChTrans1D2" presStyleIdx="3" presStyleCnt="4"/>
+      <dgm:spPr/>
+    </dgm:pt>
+    <dgm:pt modelId="{31AD704F-92A9-41A4-BF53-B6FDCBB3785C}" type="pres">
+      <dgm:prSet presAssocID="{0CB92999-CDA0-426D-BA3F-4800F96F7061}" presName="hierRoot2" presStyleCnt="0">
+        <dgm:presLayoutVars>
+          <dgm:hierBranch val="init"/>
+        </dgm:presLayoutVars>
+      </dgm:prSet>
+      <dgm:spPr/>
+    </dgm:pt>
+    <dgm:pt modelId="{AF45EEC0-01B5-4E2F-A00C-10B066F78891}" type="pres">
+      <dgm:prSet presAssocID="{0CB92999-CDA0-426D-BA3F-4800F96F7061}" presName="rootComposite" presStyleCnt="0"/>
+      <dgm:spPr/>
+    </dgm:pt>
+    <dgm:pt modelId="{B7BCBAAF-BA9A-4699-B2A1-DF69996325E1}" type="pres">
+      <dgm:prSet presAssocID="{0CB92999-CDA0-426D-BA3F-4800F96F7061}" presName="rootText" presStyleLbl="node1" presStyleIdx="3" presStyleCnt="4">
+        <dgm:presLayoutVars>
+          <dgm:chMax/>
+          <dgm:chPref val="3"/>
+        </dgm:presLayoutVars>
+      </dgm:prSet>
+      <dgm:spPr/>
+    </dgm:pt>
+    <dgm:pt modelId="{52B6D15F-3B47-4570-B14B-B91C71FCECDE}" type="pres">
+      <dgm:prSet presAssocID="{0CB92999-CDA0-426D-BA3F-4800F96F7061}" presName="titleText2" presStyleLbl="fgAcc1" presStyleIdx="3" presStyleCnt="4">
+        <dgm:presLayoutVars>
+          <dgm:chMax val="0"/>
+          <dgm:chPref val="0"/>
+        </dgm:presLayoutVars>
+      </dgm:prSet>
+      <dgm:spPr/>
+      <dgm:t>
+        <a:bodyPr/>
+        <a:lstStyle/>
+        <a:p>
+          <a:endParaRPr lang="de-DE"/>
+        </a:p>
+      </dgm:t>
+    </dgm:pt>
+    <dgm:pt modelId="{7749BEF7-3594-483D-85F3-407D16A096CB}" type="pres">
+      <dgm:prSet presAssocID="{0CB92999-CDA0-426D-BA3F-4800F96F7061}" presName="rootConnector" presStyleLbl="node2" presStyleIdx="0" presStyleCnt="0"/>
+      <dgm:spPr/>
+    </dgm:pt>
+    <dgm:pt modelId="{A45F962E-B4F4-44AC-8884-587C16B676C6}" type="pres">
+      <dgm:prSet presAssocID="{0CB92999-CDA0-426D-BA3F-4800F96F7061}" presName="hierChild4" presStyleCnt="0"/>
+      <dgm:spPr/>
+    </dgm:pt>
+    <dgm:pt modelId="{66225677-65AA-4794-9E03-A0E6134C1A2C}" type="pres">
+      <dgm:prSet presAssocID="{0CB92999-CDA0-426D-BA3F-4800F96F7061}" presName="hierChild5" presStyleCnt="0"/>
+      <dgm:spPr/>
+    </dgm:pt>
+    <dgm:pt modelId="{DE3EEBC1-FCB1-460C-9BFB-95086B67448D}" type="pres">
+      <dgm:prSet presAssocID="{980D0C64-4394-4C8B-A1BC-39DF94FFA6DB}" presName="hierChild3" presStyleCnt="0"/>
+      <dgm:spPr/>
+    </dgm:pt>
+  </dgm:ptLst>
+  <dgm:cxnLst>
+    <dgm:cxn modelId="{91F905AA-A9E2-4FCA-9061-270CBBC5EB13}" type="presOf" srcId="{0CB92999-CDA0-426D-BA3F-4800F96F7061}" destId="{7749BEF7-3594-483D-85F3-407D16A096CB}" srcOrd="1" destOrd="0" presId="urn:microsoft.com/office/officeart/2008/layout/NameandTitleOrganizationalChart"/>
+    <dgm:cxn modelId="{6B3F1281-D910-41EB-970B-06E75CA5ECD4}" type="presOf" srcId="{47CD8E67-1E79-4785-93D7-1703B8C0D599}" destId="{F30DCFA2-97CF-4F43-B794-E8837C6096F0}" srcOrd="0" destOrd="0" presId="urn:microsoft.com/office/officeart/2008/layout/NameandTitleOrganizationalChart"/>
+    <dgm:cxn modelId="{B57AE879-22AB-4599-B5A0-7D80076AEDA8}" type="presOf" srcId="{980D0C64-4394-4C8B-A1BC-39DF94FFA6DB}" destId="{191F112D-A45F-436C-B599-A704861B7449}" srcOrd="1" destOrd="0" presId="urn:microsoft.com/office/officeart/2008/layout/NameandTitleOrganizationalChart"/>
+    <dgm:cxn modelId="{F1BB62BF-6069-4B9C-8371-4A36FA59D682}" type="presOf" srcId="{0CB92999-CDA0-426D-BA3F-4800F96F7061}" destId="{B7BCBAAF-BA9A-4699-B2A1-DF69996325E1}" srcOrd="0" destOrd="0" presId="urn:microsoft.com/office/officeart/2008/layout/NameandTitleOrganizationalChart"/>
+    <dgm:cxn modelId="{852551FD-2B26-4F7E-AD02-C0EB59CBD817}" type="presOf" srcId="{7AF5185A-5523-4D7E-B3D1-8CEEAA432599}" destId="{F6769DBA-69F4-4CF2-98E1-2C89C474DB77}" srcOrd="1" destOrd="0" presId="urn:microsoft.com/office/officeart/2008/layout/NameandTitleOrganizationalChart"/>
+    <dgm:cxn modelId="{BE6D7E32-29E7-479A-A695-A6C7436A4699}" type="presOf" srcId="{0F564862-1CDF-4973-8E5A-32B445BAE305}" destId="{5681A1C3-F7F2-459E-B1EA-ADC0DF83F7F4}" srcOrd="0" destOrd="0" presId="urn:microsoft.com/office/officeart/2008/layout/NameandTitleOrganizationalChart"/>
+    <dgm:cxn modelId="{7796E432-60C4-432E-A1F7-D9D447968291}" type="presOf" srcId="{EA657BDB-DCB0-4F9B-A28C-8AB7B43D2CB6}" destId="{52B6D15F-3B47-4570-B14B-B91C71FCECDE}" srcOrd="0" destOrd="0" presId="urn:microsoft.com/office/officeart/2008/layout/NameandTitleOrganizationalChart"/>
+    <dgm:cxn modelId="{0E738962-C151-48CC-A817-F9941E7A902F}" type="presOf" srcId="{E4DEBCA7-E72A-40A6-9FFE-0CB52542C41A}" destId="{D5F6D8B8-4258-4198-BE70-A80B84977E1D}" srcOrd="0" destOrd="0" presId="urn:microsoft.com/office/officeart/2008/layout/NameandTitleOrganizationalChart"/>
+    <dgm:cxn modelId="{5ED024DC-20B1-4AFB-921B-1FEF2156D7CE}" srcId="{980D0C64-4394-4C8B-A1BC-39DF94FFA6DB}" destId="{9AA9956D-2E85-42B1-B1DF-C7DF617A4910}" srcOrd="0" destOrd="0" parTransId="{E4DEBCA7-E72A-40A6-9FFE-0CB52542C41A}" sibTransId="{C381DC0C-EA1F-47A3-B1C4-DC68E9EBDF15}"/>
+    <dgm:cxn modelId="{2CBD7B0B-884F-48E3-9AEA-36949F215110}" srcId="{8729791E-CB25-4F2C-AA14-571ACA173FF6}" destId="{980D0C64-4394-4C8B-A1BC-39DF94FFA6DB}" srcOrd="0" destOrd="0" parTransId="{9F6D5AD9-83FC-4447-ADED-4549F20121C1}" sibTransId="{47CD8E67-1E79-4785-93D7-1703B8C0D599}"/>
+    <dgm:cxn modelId="{5212E98E-271D-4537-BAC4-F256C8011674}" type="presOf" srcId="{61461668-1E6A-4B47-A198-DBA2FF97E485}" destId="{418B8B31-D631-4C74-B418-D94A89EA2477}" srcOrd="0" destOrd="0" presId="urn:microsoft.com/office/officeart/2008/layout/NameandTitleOrganizationalChart"/>
+    <dgm:cxn modelId="{29055FDD-A611-4259-915C-8F4C986195E6}" srcId="{980D0C64-4394-4C8B-A1BC-39DF94FFA6DB}" destId="{0CB92999-CDA0-426D-BA3F-4800F96F7061}" srcOrd="3" destOrd="0" parTransId="{81958D29-D6AE-4B82-9DD8-B2C2AB0DA8F5}" sibTransId="{EA657BDB-DCB0-4F9B-A28C-8AB7B43D2CB6}"/>
+    <dgm:cxn modelId="{C7D61A3B-FAA1-4AF3-9EFC-D2DD53CA21DB}" srcId="{980D0C64-4394-4C8B-A1BC-39DF94FFA6DB}" destId="{BD78AC86-9D6C-4EE3-8941-88131E7E33B7}" srcOrd="1" destOrd="0" parTransId="{61461668-1E6A-4B47-A198-DBA2FF97E485}" sibTransId="{0F564862-1CDF-4973-8E5A-32B445BAE305}"/>
+    <dgm:cxn modelId="{72D3C8E7-E51B-4E89-98BB-0DD7EF333C40}" type="presOf" srcId="{BD78AC86-9D6C-4EE3-8941-88131E7E33B7}" destId="{F8B9FF12-A7DE-4343-BAFE-F3AA9063F1EB}" srcOrd="1" destOrd="0" presId="urn:microsoft.com/office/officeart/2008/layout/NameandTitleOrganizationalChart"/>
+    <dgm:cxn modelId="{7DDD6D21-06E2-4D4E-872C-AE6369A02B83}" type="presOf" srcId="{9AA9956D-2E85-42B1-B1DF-C7DF617A4910}" destId="{F9D5EE5F-B1B3-4107-BE5B-57C9D2EDB3FD}" srcOrd="0" destOrd="0" presId="urn:microsoft.com/office/officeart/2008/layout/NameandTitleOrganizationalChart"/>
+    <dgm:cxn modelId="{F562DF7E-1421-43F8-8A9B-EADC940A25BE}" type="presOf" srcId="{81958D29-D6AE-4B82-9DD8-B2C2AB0DA8F5}" destId="{CA0371F2-4905-4094-9792-0F4EC6527AB6}" srcOrd="0" destOrd="0" presId="urn:microsoft.com/office/officeart/2008/layout/NameandTitleOrganizationalChart"/>
+    <dgm:cxn modelId="{73E01F3D-9443-4245-95D3-CC2E9FD03B00}" type="presOf" srcId="{802CE547-B90E-4B88-AACF-ACD163C255C7}" destId="{210698F5-CF27-4953-810C-44A846F5EE01}" srcOrd="0" destOrd="0" presId="urn:microsoft.com/office/officeart/2008/layout/NameandTitleOrganizationalChart"/>
+    <dgm:cxn modelId="{1CA00D58-DB79-4102-8EF0-FA29AAFEE530}" type="presOf" srcId="{C381DC0C-EA1F-47A3-B1C4-DC68E9EBDF15}" destId="{970DF215-3A69-44D5-BB4D-176CA6265961}" srcOrd="0" destOrd="0" presId="urn:microsoft.com/office/officeart/2008/layout/NameandTitleOrganizationalChart"/>
+    <dgm:cxn modelId="{870C820E-95E0-4564-B744-81B585F9770F}" srcId="{980D0C64-4394-4C8B-A1BC-39DF94FFA6DB}" destId="{7AF5185A-5523-4D7E-B3D1-8CEEAA432599}" srcOrd="2" destOrd="0" parTransId="{71C0EDDB-EE97-4D08-943E-561E913F3984}" sibTransId="{802CE547-B90E-4B88-AACF-ACD163C255C7}"/>
+    <dgm:cxn modelId="{844D7632-8CCC-4653-B945-D0645F5574FA}" type="presOf" srcId="{BD78AC86-9D6C-4EE3-8941-88131E7E33B7}" destId="{09D50221-D678-4A08-84F0-EE7F73877653}" srcOrd="0" destOrd="0" presId="urn:microsoft.com/office/officeart/2008/layout/NameandTitleOrganizationalChart"/>
+    <dgm:cxn modelId="{70C8D1A5-E74D-4211-AB8F-475AC1C1657C}" type="presOf" srcId="{9AA9956D-2E85-42B1-B1DF-C7DF617A4910}" destId="{3FFAD54F-CDF3-4EAB-939A-CD11D5B7CEF4}" srcOrd="1" destOrd="0" presId="urn:microsoft.com/office/officeart/2008/layout/NameandTitleOrganizationalChart"/>
+    <dgm:cxn modelId="{6A74C98F-76CD-4AB8-B4B5-DD56D815E3CD}" type="presOf" srcId="{71C0EDDB-EE97-4D08-943E-561E913F3984}" destId="{EC9CC648-36AF-46A2-8311-685C7A41B586}" srcOrd="0" destOrd="0" presId="urn:microsoft.com/office/officeart/2008/layout/NameandTitleOrganizationalChart"/>
+    <dgm:cxn modelId="{2B2B2D16-A693-44B6-A3DF-54D894B2C5C8}" type="presOf" srcId="{7AF5185A-5523-4D7E-B3D1-8CEEAA432599}" destId="{7540C2E7-48D2-4EE8-87C4-B1638895265C}" srcOrd="0" destOrd="0" presId="urn:microsoft.com/office/officeart/2008/layout/NameandTitleOrganizationalChart"/>
+    <dgm:cxn modelId="{F8301EEA-56D9-488F-BA91-B15BBF546BCA}" type="presOf" srcId="{8729791E-CB25-4F2C-AA14-571ACA173FF6}" destId="{46A4E0A7-4562-4581-99C8-7A4810A1D356}" srcOrd="0" destOrd="0" presId="urn:microsoft.com/office/officeart/2008/layout/NameandTitleOrganizationalChart"/>
+    <dgm:cxn modelId="{D5F4E9DD-8EEC-4E2C-A4CE-85DF7F19384F}" type="presOf" srcId="{980D0C64-4394-4C8B-A1BC-39DF94FFA6DB}" destId="{C61E91A9-AF0A-4AA8-B087-498BC119B802}" srcOrd="0" destOrd="0" presId="urn:microsoft.com/office/officeart/2008/layout/NameandTitleOrganizationalChart"/>
+    <dgm:cxn modelId="{BE33FD81-DCE3-40DA-A958-1F35B23A0A56}" type="presParOf" srcId="{46A4E0A7-4562-4581-99C8-7A4810A1D356}" destId="{1AF87F15-4EE6-419E-9E47-1BD867C82FBA}" srcOrd="0" destOrd="0" presId="urn:microsoft.com/office/officeart/2008/layout/NameandTitleOrganizationalChart"/>
+    <dgm:cxn modelId="{0A47D3EB-4B9F-4A04-8608-09EAE98D9BAA}" type="presParOf" srcId="{1AF87F15-4EE6-419E-9E47-1BD867C82FBA}" destId="{E6AB4F3E-0495-4B02-BCF9-61479382FC46}" srcOrd="0" destOrd="0" presId="urn:microsoft.com/office/officeart/2008/layout/NameandTitleOrganizationalChart"/>
+    <dgm:cxn modelId="{AF9C5CB4-6129-4C70-AAD5-640592DAC70F}" type="presParOf" srcId="{E6AB4F3E-0495-4B02-BCF9-61479382FC46}" destId="{C61E91A9-AF0A-4AA8-B087-498BC119B802}" srcOrd="0" destOrd="0" presId="urn:microsoft.com/office/officeart/2008/layout/NameandTitleOrganizationalChart"/>
+    <dgm:cxn modelId="{AE03A542-F346-49C6-9279-6AF0EA890331}" type="presParOf" srcId="{E6AB4F3E-0495-4B02-BCF9-61479382FC46}" destId="{F30DCFA2-97CF-4F43-B794-E8837C6096F0}" srcOrd="1" destOrd="0" presId="urn:microsoft.com/office/officeart/2008/layout/NameandTitleOrganizationalChart"/>
+    <dgm:cxn modelId="{D229AF13-6B83-497E-8705-48E801E62A12}" type="presParOf" srcId="{E6AB4F3E-0495-4B02-BCF9-61479382FC46}" destId="{191F112D-A45F-436C-B599-A704861B7449}" srcOrd="2" destOrd="0" presId="urn:microsoft.com/office/officeart/2008/layout/NameandTitleOrganizationalChart"/>
+    <dgm:cxn modelId="{0F70295B-A009-4CA9-80A3-698743DDCD3B}" type="presParOf" srcId="{1AF87F15-4EE6-419E-9E47-1BD867C82FBA}" destId="{407048AF-EE30-4B96-A387-61C1D0CE5140}" srcOrd="1" destOrd="0" presId="urn:microsoft.com/office/officeart/2008/layout/NameandTitleOrganizationalChart"/>
+    <dgm:cxn modelId="{F85A3B2A-7B27-4530-AA12-32BA9BFEFDC6}" type="presParOf" srcId="{407048AF-EE30-4B96-A387-61C1D0CE5140}" destId="{D5F6D8B8-4258-4198-BE70-A80B84977E1D}" srcOrd="0" destOrd="0" presId="urn:microsoft.com/office/officeart/2008/layout/NameandTitleOrganizationalChart"/>
+    <dgm:cxn modelId="{07CF658C-1FE4-4FF8-8560-01B9E0873AF2}" type="presParOf" srcId="{407048AF-EE30-4B96-A387-61C1D0CE5140}" destId="{61D2E535-C60B-4EE2-85E2-9A178BF9FF1F}" srcOrd="1" destOrd="0" presId="urn:microsoft.com/office/officeart/2008/layout/NameandTitleOrganizationalChart"/>
+    <dgm:cxn modelId="{8031B68C-8C5C-4D91-A6E3-D008CAFF1BA6}" type="presParOf" srcId="{61D2E535-C60B-4EE2-85E2-9A178BF9FF1F}" destId="{4F32D5D0-CDEB-4677-A8E3-9F825569B94E}" srcOrd="0" destOrd="0" presId="urn:microsoft.com/office/officeart/2008/layout/NameandTitleOrganizationalChart"/>
+    <dgm:cxn modelId="{3602FE4D-7DC4-4D03-9518-C1BA6115EA59}" type="presParOf" srcId="{4F32D5D0-CDEB-4677-A8E3-9F825569B94E}" destId="{F9D5EE5F-B1B3-4107-BE5B-57C9D2EDB3FD}" srcOrd="0" destOrd="0" presId="urn:microsoft.com/office/officeart/2008/layout/NameandTitleOrganizationalChart"/>
+    <dgm:cxn modelId="{C86F75AE-22EA-4DA4-A12F-141EB140B873}" type="presParOf" srcId="{4F32D5D0-CDEB-4677-A8E3-9F825569B94E}" destId="{970DF215-3A69-44D5-BB4D-176CA6265961}" srcOrd="1" destOrd="0" presId="urn:microsoft.com/office/officeart/2008/layout/NameandTitleOrganizationalChart"/>
+    <dgm:cxn modelId="{C4BB04E9-BCCA-4FC7-A917-636F64C71C64}" type="presParOf" srcId="{4F32D5D0-CDEB-4677-A8E3-9F825569B94E}" destId="{3FFAD54F-CDF3-4EAB-939A-CD11D5B7CEF4}" srcOrd="2" destOrd="0" presId="urn:microsoft.com/office/officeart/2008/layout/NameandTitleOrganizationalChart"/>
+    <dgm:cxn modelId="{5FED7B04-3EEE-4C38-897A-8B4B23F255B5}" type="presParOf" srcId="{61D2E535-C60B-4EE2-85E2-9A178BF9FF1F}" destId="{8F36EF9E-C60E-4D44-BB83-4276DA6647E8}" srcOrd="1" destOrd="0" presId="urn:microsoft.com/office/officeart/2008/layout/NameandTitleOrganizationalChart"/>
+    <dgm:cxn modelId="{2EA16B67-3646-4CDE-B59C-3B6D988D4AAC}" type="presParOf" srcId="{61D2E535-C60B-4EE2-85E2-9A178BF9FF1F}" destId="{2C543950-4D3D-45C4-92C8-8D8398C232E6}" srcOrd="2" destOrd="0" presId="urn:microsoft.com/office/officeart/2008/layout/NameandTitleOrganizationalChart"/>
+    <dgm:cxn modelId="{6B2A2BF3-8194-4E5A-9E64-45BD98E0553B}" type="presParOf" srcId="{407048AF-EE30-4B96-A387-61C1D0CE5140}" destId="{418B8B31-D631-4C74-B418-D94A89EA2477}" srcOrd="2" destOrd="0" presId="urn:microsoft.com/office/officeart/2008/layout/NameandTitleOrganizationalChart"/>
+    <dgm:cxn modelId="{1028088E-29C0-4BCB-BA4D-E2BBA5FFFF72}" type="presParOf" srcId="{407048AF-EE30-4B96-A387-61C1D0CE5140}" destId="{626DFB8D-AD5E-4511-A56E-DF21CE909E40}" srcOrd="3" destOrd="0" presId="urn:microsoft.com/office/officeart/2008/layout/NameandTitleOrganizationalChart"/>
+    <dgm:cxn modelId="{BB02BD52-1296-4EE7-B2F7-571582847D50}" type="presParOf" srcId="{626DFB8D-AD5E-4511-A56E-DF21CE909E40}" destId="{E4EE2B6B-22A0-4F1B-AD4C-DBB7C18A9667}" srcOrd="0" destOrd="0" presId="urn:microsoft.com/office/officeart/2008/layout/NameandTitleOrganizationalChart"/>
+    <dgm:cxn modelId="{BA5C511B-DC42-4F69-9D2F-F4A8151442C1}" type="presParOf" srcId="{E4EE2B6B-22A0-4F1B-AD4C-DBB7C18A9667}" destId="{09D50221-D678-4A08-84F0-EE7F73877653}" srcOrd="0" destOrd="0" presId="urn:microsoft.com/office/officeart/2008/layout/NameandTitleOrganizationalChart"/>
+    <dgm:cxn modelId="{AC7185CE-9F86-44B5-B99A-889301D89528}" type="presParOf" srcId="{E4EE2B6B-22A0-4F1B-AD4C-DBB7C18A9667}" destId="{5681A1C3-F7F2-459E-B1EA-ADC0DF83F7F4}" srcOrd="1" destOrd="0" presId="urn:microsoft.com/office/officeart/2008/layout/NameandTitleOrganizationalChart"/>
+    <dgm:cxn modelId="{9E3C9A9F-49AA-45AA-8E57-E89E828DD6D4}" type="presParOf" srcId="{E4EE2B6B-22A0-4F1B-AD4C-DBB7C18A9667}" destId="{F8B9FF12-A7DE-4343-BAFE-F3AA9063F1EB}" srcOrd="2" destOrd="0" presId="urn:microsoft.com/office/officeart/2008/layout/NameandTitleOrganizationalChart"/>
+    <dgm:cxn modelId="{A1407D3B-1F06-4DAE-877F-06B8545DFE2C}" type="presParOf" srcId="{626DFB8D-AD5E-4511-A56E-DF21CE909E40}" destId="{71EA76B5-FE0A-45F9-9EED-DFE6CDAE978D}" srcOrd="1" destOrd="0" presId="urn:microsoft.com/office/officeart/2008/layout/NameandTitleOrganizationalChart"/>
+    <dgm:cxn modelId="{EEA16E70-D355-4FF4-95C6-C39309A65863}" type="presParOf" srcId="{626DFB8D-AD5E-4511-A56E-DF21CE909E40}" destId="{1B1A8AF5-061F-450C-96C0-27FE0C9FE381}" srcOrd="2" destOrd="0" presId="urn:microsoft.com/office/officeart/2008/layout/NameandTitleOrganizationalChart"/>
+    <dgm:cxn modelId="{DD9A2910-8A4C-4049-880C-896BB28B240E}" type="presParOf" srcId="{407048AF-EE30-4B96-A387-61C1D0CE5140}" destId="{EC9CC648-36AF-46A2-8311-685C7A41B586}" srcOrd="4" destOrd="0" presId="urn:microsoft.com/office/officeart/2008/layout/NameandTitleOrganizationalChart"/>
+    <dgm:cxn modelId="{AF39A14C-8918-4091-8675-BA4550FAABF2}" type="presParOf" srcId="{407048AF-EE30-4B96-A387-61C1D0CE5140}" destId="{BFCEA91E-4452-423B-B8FF-D2F5CE3688F4}" srcOrd="5" destOrd="0" presId="urn:microsoft.com/office/officeart/2008/layout/NameandTitleOrganizationalChart"/>
+    <dgm:cxn modelId="{2DE5466C-1F07-44A2-8403-149655A0A2A5}" type="presParOf" srcId="{BFCEA91E-4452-423B-B8FF-D2F5CE3688F4}" destId="{5B034DD1-CACF-464E-B5AD-133542837AAC}" srcOrd="0" destOrd="0" presId="urn:microsoft.com/office/officeart/2008/layout/NameandTitleOrganizationalChart"/>
+    <dgm:cxn modelId="{47A8DEA6-BF9C-4950-948B-0865E682DCFB}" type="presParOf" srcId="{5B034DD1-CACF-464E-B5AD-133542837AAC}" destId="{7540C2E7-48D2-4EE8-87C4-B1638895265C}" srcOrd="0" destOrd="0" presId="urn:microsoft.com/office/officeart/2008/layout/NameandTitleOrganizationalChart"/>
+    <dgm:cxn modelId="{FDDF7697-0493-4C30-A0F5-264ABB94771A}" type="presParOf" srcId="{5B034DD1-CACF-464E-B5AD-133542837AAC}" destId="{210698F5-CF27-4953-810C-44A846F5EE01}" srcOrd="1" destOrd="0" presId="urn:microsoft.com/office/officeart/2008/layout/NameandTitleOrganizationalChart"/>
+    <dgm:cxn modelId="{8BC23A1E-38AC-4A8C-87A6-BF870E7E03A8}" type="presParOf" srcId="{5B034DD1-CACF-464E-B5AD-133542837AAC}" destId="{F6769DBA-69F4-4CF2-98E1-2C89C474DB77}" srcOrd="2" destOrd="0" presId="urn:microsoft.com/office/officeart/2008/layout/NameandTitleOrganizationalChart"/>
+    <dgm:cxn modelId="{9335B65B-AB51-459B-80E9-616C920E6DAC}" type="presParOf" srcId="{BFCEA91E-4452-423B-B8FF-D2F5CE3688F4}" destId="{406ECC91-8C7F-4F95-A29D-A453A41288DC}" srcOrd="1" destOrd="0" presId="urn:microsoft.com/office/officeart/2008/layout/NameandTitleOrganizationalChart"/>
+    <dgm:cxn modelId="{F07D08AA-7D32-48F5-840D-F3CA353B61DE}" type="presParOf" srcId="{BFCEA91E-4452-423B-B8FF-D2F5CE3688F4}" destId="{0301A5AF-A5B1-410E-91C6-3722E2A0739E}" srcOrd="2" destOrd="0" presId="urn:microsoft.com/office/officeart/2008/layout/NameandTitleOrganizationalChart"/>
+    <dgm:cxn modelId="{C0CFC140-7552-4C5B-9A53-AC6DF9B332E9}" type="presParOf" srcId="{407048AF-EE30-4B96-A387-61C1D0CE5140}" destId="{CA0371F2-4905-4094-9792-0F4EC6527AB6}" srcOrd="6" destOrd="0" presId="urn:microsoft.com/office/officeart/2008/layout/NameandTitleOrganizationalChart"/>
+    <dgm:cxn modelId="{632936E5-E46C-44BE-AAED-D8579676E9B6}" type="presParOf" srcId="{407048AF-EE30-4B96-A387-61C1D0CE5140}" destId="{31AD704F-92A9-41A4-BF53-B6FDCBB3785C}" srcOrd="7" destOrd="0" presId="urn:microsoft.com/office/officeart/2008/layout/NameandTitleOrganizationalChart"/>
+    <dgm:cxn modelId="{98049D8E-71E7-4C2A-897A-C3B3AC6F0A74}" type="presParOf" srcId="{31AD704F-92A9-41A4-BF53-B6FDCBB3785C}" destId="{AF45EEC0-01B5-4E2F-A00C-10B066F78891}" srcOrd="0" destOrd="0" presId="urn:microsoft.com/office/officeart/2008/layout/NameandTitleOrganizationalChart"/>
+    <dgm:cxn modelId="{43F8D412-64F4-46FD-827D-60AF11214343}" type="presParOf" srcId="{AF45EEC0-01B5-4E2F-A00C-10B066F78891}" destId="{B7BCBAAF-BA9A-4699-B2A1-DF69996325E1}" srcOrd="0" destOrd="0" presId="urn:microsoft.com/office/officeart/2008/layout/NameandTitleOrganizationalChart"/>
+    <dgm:cxn modelId="{1D1338DC-9791-4D8C-81F4-0AFFDA4AFF07}" type="presParOf" srcId="{AF45EEC0-01B5-4E2F-A00C-10B066F78891}" destId="{52B6D15F-3B47-4570-B14B-B91C71FCECDE}" srcOrd="1" destOrd="0" presId="urn:microsoft.com/office/officeart/2008/layout/NameandTitleOrganizationalChart"/>
+    <dgm:cxn modelId="{979AB6CE-445C-44CA-A9B3-97BD469CE83A}" type="presParOf" srcId="{AF45EEC0-01B5-4E2F-A00C-10B066F78891}" destId="{7749BEF7-3594-483D-85F3-407D16A096CB}" srcOrd="2" destOrd="0" presId="urn:microsoft.com/office/officeart/2008/layout/NameandTitleOrganizationalChart"/>
+    <dgm:cxn modelId="{E31DAD67-A470-4F39-9786-A1C052D20322}" type="presParOf" srcId="{31AD704F-92A9-41A4-BF53-B6FDCBB3785C}" destId="{A45F962E-B4F4-44AC-8884-587C16B676C6}" srcOrd="1" destOrd="0" presId="urn:microsoft.com/office/officeart/2008/layout/NameandTitleOrganizationalChart"/>
+    <dgm:cxn modelId="{4A2EB491-07BE-4C1F-8E78-5C7BDB285909}" type="presParOf" srcId="{31AD704F-92A9-41A4-BF53-B6FDCBB3785C}" destId="{66225677-65AA-4794-9E03-A0E6134C1A2C}" srcOrd="2" destOrd="0" presId="urn:microsoft.com/office/officeart/2008/layout/NameandTitleOrganizationalChart"/>
+    <dgm:cxn modelId="{9723CBC0-0952-421C-8FD0-BE1A2B5EEBDF}" type="presParOf" srcId="{1AF87F15-4EE6-419E-9E47-1BD867C82FBA}" destId="{DE3EEBC1-FCB1-460C-9BFB-95086B67448D}" srcOrd="2" destOrd="0" presId="urn:microsoft.com/office/officeart/2008/layout/NameandTitleOrganizationalChart"/>
+  </dgm:cxnLst>
+  <dgm:bg/>
+  <dgm:whole/>
+  <dgm:extLst>
+    <a:ext uri="http://schemas.microsoft.com/office/drawing/2008/diagram">
+      <dsp:dataModelExt xmlns:dsp="http://schemas.microsoft.com/office/drawing/2008/diagram" relId="rId6" minVer="http://schemas.openxmlformats.org/drawingml/2006/diagram"/>
+    </a:ext>
+  </dgm:extLst>
+</dgm:dataModel>
+</file>
+
+<file path=ppt/diagrams/data3.xml><?xml version="1.0" encoding="utf-8"?>
+<dgm:dataModel xmlns:dgm="http://schemas.openxmlformats.org/drawingml/2006/diagram" xmlns:a="http://schemas.openxmlformats.org/drawingml/2006/main">
+  <dgm:ptLst>
+    <dgm:pt modelId="{BFEB1832-6ABC-447A-97A0-24D26829B789}" type="doc">
+      <dgm:prSet loTypeId="urn:microsoft.com/office/officeart/2005/8/layout/matrix1" loCatId="matrix" qsTypeId="urn:microsoft.com/office/officeart/2005/8/quickstyle/simple2" qsCatId="simple" csTypeId="urn:microsoft.com/office/officeart/2005/8/colors/accent1_2" csCatId="accent1" phldr="1"/>
+      <dgm:spPr/>
+      <dgm:t>
+        <a:bodyPr/>
+        <a:lstStyle/>
+        <a:p>
+          <a:endParaRPr lang="de-DE"/>
+        </a:p>
+      </dgm:t>
+    </dgm:pt>
+    <dgm:pt modelId="{ACD334BC-FA23-4E90-A706-C8F9F2A5A5EA}">
+      <dgm:prSet phldrT="[Text]"/>
+      <dgm:spPr/>
+      <dgm:t>
+        <a:bodyPr/>
+        <a:lstStyle/>
+        <a:p>
+          <a:r>
+            <a:rPr lang="de-DE" dirty="0" smtClean="0"/>
+            <a:t>SWOT</a:t>
+          </a:r>
+          <a:endParaRPr lang="de-DE" dirty="0"/>
+        </a:p>
+      </dgm:t>
+    </dgm:pt>
+    <dgm:pt modelId="{27C89C7D-BA18-492A-BE26-80B13C633BA5}" type="parTrans" cxnId="{11178E35-FC8B-4AE3-8360-28D37AF853A9}">
+      <dgm:prSet/>
+      <dgm:spPr/>
+      <dgm:t>
+        <a:bodyPr/>
+        <a:lstStyle/>
+        <a:p>
+          <a:endParaRPr lang="de-DE"/>
+        </a:p>
+      </dgm:t>
+    </dgm:pt>
+    <dgm:pt modelId="{DD62447A-30B8-4B44-B5C0-464CF4E5953A}" type="sibTrans" cxnId="{11178E35-FC8B-4AE3-8360-28D37AF853A9}">
+      <dgm:prSet/>
+      <dgm:spPr/>
+      <dgm:t>
+        <a:bodyPr/>
+        <a:lstStyle/>
+        <a:p>
+          <a:endParaRPr lang="de-DE"/>
+        </a:p>
+      </dgm:t>
+    </dgm:pt>
+    <dgm:pt modelId="{4AC6C012-3987-44AA-91A6-2DB345CD56D8}">
+      <dgm:prSet phldrT="[Text]"/>
+      <dgm:spPr/>
+      <dgm:t>
+        <a:bodyPr/>
+        <a:lstStyle/>
+        <a:p>
+          <a:pPr algn="ctr"/>
+          <a:r>
+            <a:rPr lang="de-DE" dirty="0" smtClean="0">
+              <a:solidFill>
+                <a:schemeClr val="tx1"/>
+              </a:solidFill>
+            </a:rPr>
+            <a:t>Stärken</a:t>
+          </a:r>
+        </a:p>
+        <a:p>
+          <a:pPr algn="ctr"/>
+          <a:r>
+            <a:rPr lang="de-DE" dirty="0" smtClean="0"/>
+            <a:t>Teamfähigkeit</a:t>
+          </a:r>
+        </a:p>
+        <a:p>
+          <a:pPr algn="ctr"/>
+          <a:r>
+            <a:rPr lang="de-DE" dirty="0" smtClean="0"/>
+            <a:t>Exakte Ausarbeitung des Konzepts</a:t>
+          </a:r>
+          <a:endParaRPr lang="de-DE" dirty="0"/>
+        </a:p>
+      </dgm:t>
+    </dgm:pt>
+    <dgm:pt modelId="{E913E834-E669-4D40-92FD-1EC2425B93F2}" type="parTrans" cxnId="{C817B8BC-1099-413C-8FC4-B20FF7D69EE9}">
+      <dgm:prSet/>
+      <dgm:spPr/>
+      <dgm:t>
+        <a:bodyPr/>
+        <a:lstStyle/>
+        <a:p>
+          <a:endParaRPr lang="de-DE"/>
+        </a:p>
+      </dgm:t>
+    </dgm:pt>
+    <dgm:pt modelId="{584DB917-D9AE-4B60-8250-2F277F987DAC}" type="sibTrans" cxnId="{C817B8BC-1099-413C-8FC4-B20FF7D69EE9}">
+      <dgm:prSet/>
+      <dgm:spPr/>
+      <dgm:t>
+        <a:bodyPr/>
+        <a:lstStyle/>
+        <a:p>
+          <a:endParaRPr lang="de-DE"/>
+        </a:p>
+      </dgm:t>
+    </dgm:pt>
+    <dgm:pt modelId="{E47C4971-0162-4AD2-AB11-9932AB262085}">
+      <dgm:prSet phldrT="[Text]"/>
+      <dgm:spPr/>
+      <dgm:t>
+        <a:bodyPr/>
+        <a:lstStyle/>
+        <a:p>
+          <a:r>
+            <a:rPr lang="de-DE" dirty="0" smtClean="0">
+              <a:solidFill>
+                <a:schemeClr val="tx1"/>
+              </a:solidFill>
+            </a:rPr>
+            <a:t>Schwächen</a:t>
+          </a:r>
+        </a:p>
+        <a:p>
+          <a:r>
+            <a:rPr lang="de-DE" dirty="0" smtClean="0"/>
+            <a:t>Räumliche Trennung</a:t>
+          </a:r>
+        </a:p>
+        <a:p>
+          <a:r>
+            <a:rPr lang="de-DE" dirty="0" smtClean="0"/>
+            <a:t>Hohe Diskussionsbereitschaft</a:t>
+          </a:r>
+          <a:endParaRPr lang="de-DE" dirty="0"/>
+        </a:p>
+      </dgm:t>
+    </dgm:pt>
+    <dgm:pt modelId="{04C190F1-5F1E-483F-A04D-67BB95D38F27}" type="parTrans" cxnId="{C900D89A-1DBC-45D5-854E-0647D5738C55}">
+      <dgm:prSet/>
+      <dgm:spPr/>
+      <dgm:t>
+        <a:bodyPr/>
+        <a:lstStyle/>
+        <a:p>
+          <a:endParaRPr lang="de-DE"/>
+        </a:p>
+      </dgm:t>
+    </dgm:pt>
+    <dgm:pt modelId="{64CB8A63-E3D8-4270-8573-ED351B39111C}" type="sibTrans" cxnId="{C900D89A-1DBC-45D5-854E-0647D5738C55}">
+      <dgm:prSet/>
+      <dgm:spPr/>
+      <dgm:t>
+        <a:bodyPr/>
+        <a:lstStyle/>
+        <a:p>
+          <a:endParaRPr lang="de-DE"/>
+        </a:p>
+      </dgm:t>
+    </dgm:pt>
+    <dgm:pt modelId="{5F7C7C62-9D82-44F7-85D8-C19E4ECF9A5E}">
+      <dgm:prSet phldrT="[Text]"/>
+      <dgm:spPr/>
+      <dgm:t>
+        <a:bodyPr/>
+        <a:lstStyle/>
+        <a:p>
+          <a:r>
+            <a:rPr lang="de-DE" dirty="0" smtClean="0">
+              <a:solidFill>
+                <a:schemeClr val="tx1"/>
+              </a:solidFill>
+            </a:rPr>
+            <a:t>Chancen</a:t>
+          </a:r>
+        </a:p>
+        <a:p>
+          <a:r>
+            <a:rPr lang="de-DE" dirty="0" smtClean="0"/>
+            <a:t>Frühzeitige Vollendung des Projekts</a:t>
+          </a:r>
+        </a:p>
+        <a:p>
+          <a:endParaRPr lang="de-DE" dirty="0" smtClean="0"/>
+        </a:p>
+        <a:p>
+          <a:endParaRPr lang="de-DE" dirty="0"/>
+        </a:p>
+      </dgm:t>
+    </dgm:pt>
+    <dgm:pt modelId="{DC11584C-9103-4D26-8989-1FF5EBCAE5F4}" type="parTrans" cxnId="{55FFA002-07A0-4EB6-83C4-A010E13EFD35}">
+      <dgm:prSet/>
+      <dgm:spPr/>
+      <dgm:t>
+        <a:bodyPr/>
+        <a:lstStyle/>
+        <a:p>
+          <a:endParaRPr lang="de-DE"/>
+        </a:p>
+      </dgm:t>
+    </dgm:pt>
+    <dgm:pt modelId="{908FDC1F-C925-4231-8286-5568B005880B}" type="sibTrans" cxnId="{55FFA002-07A0-4EB6-83C4-A010E13EFD35}">
+      <dgm:prSet/>
+      <dgm:spPr/>
+      <dgm:t>
+        <a:bodyPr/>
+        <a:lstStyle/>
+        <a:p>
+          <a:endParaRPr lang="de-DE"/>
+        </a:p>
+      </dgm:t>
+    </dgm:pt>
+    <dgm:pt modelId="{EE4B1FFE-F551-42B0-8B8C-64B866DEA1BB}">
+      <dgm:prSet phldrT="[Text]"/>
+      <dgm:spPr/>
+      <dgm:t>
+        <a:bodyPr/>
+        <a:lstStyle/>
+        <a:p>
+          <a:r>
+            <a:rPr lang="de-DE" dirty="0" smtClean="0">
+              <a:solidFill>
+                <a:schemeClr val="tx1"/>
+              </a:solidFill>
+            </a:rPr>
+            <a:t>Risiken</a:t>
+          </a:r>
+        </a:p>
+        <a:p>
+          <a:r>
+            <a:rPr lang="de-DE" dirty="0" smtClean="0"/>
+            <a:t>Ablehnung des Projektantrags</a:t>
+          </a:r>
+        </a:p>
+        <a:p>
+          <a:endParaRPr lang="de-DE" dirty="0" smtClean="0"/>
+        </a:p>
+        <a:p>
+          <a:endParaRPr lang="de-DE" dirty="0"/>
+        </a:p>
+      </dgm:t>
+    </dgm:pt>
+    <dgm:pt modelId="{CFF5AFD5-E284-468E-B893-B918B073DE61}" type="parTrans" cxnId="{41F80B70-FF8A-43C2-B1EA-80570E733EDA}">
+      <dgm:prSet/>
+      <dgm:spPr/>
+      <dgm:t>
+        <a:bodyPr/>
+        <a:lstStyle/>
+        <a:p>
+          <a:endParaRPr lang="de-DE"/>
+        </a:p>
+      </dgm:t>
+    </dgm:pt>
+    <dgm:pt modelId="{623C6283-9A83-483F-8A30-ACD38E889D48}" type="sibTrans" cxnId="{41F80B70-FF8A-43C2-B1EA-80570E733EDA}">
+      <dgm:prSet/>
+      <dgm:spPr/>
+      <dgm:t>
+        <a:bodyPr/>
+        <a:lstStyle/>
+        <a:p>
+          <a:endParaRPr lang="de-DE"/>
+        </a:p>
+      </dgm:t>
+    </dgm:pt>
+    <dgm:pt modelId="{99FAAC93-70B3-4AE6-8FD8-698CC79071A1}" type="pres">
+      <dgm:prSet presAssocID="{BFEB1832-6ABC-447A-97A0-24D26829B789}" presName="diagram" presStyleCnt="0">
+        <dgm:presLayoutVars>
+          <dgm:chMax val="1"/>
+          <dgm:dir/>
+          <dgm:animLvl val="ctr"/>
+          <dgm:resizeHandles val="exact"/>
+        </dgm:presLayoutVars>
+      </dgm:prSet>
+      <dgm:spPr/>
+    </dgm:pt>
+    <dgm:pt modelId="{B9FDA39D-99A3-4D31-A246-117A5D257183}" type="pres">
+      <dgm:prSet presAssocID="{BFEB1832-6ABC-447A-97A0-24D26829B789}" presName="matrix" presStyleCnt="0"/>
+      <dgm:spPr/>
+    </dgm:pt>
+    <dgm:pt modelId="{E1A3A14D-54F4-45C0-B078-DDF782A8119D}" type="pres">
+      <dgm:prSet presAssocID="{BFEB1832-6ABC-447A-97A0-24D26829B789}" presName="tile1" presStyleLbl="node1" presStyleIdx="0" presStyleCnt="4" custLinFactNeighborX="0" custLinFactNeighborY="-1681"/>
+      <dgm:spPr/>
+      <dgm:t>
+        <a:bodyPr/>
+        <a:lstStyle/>
+        <a:p>
+          <a:endParaRPr lang="de-DE"/>
+        </a:p>
+      </dgm:t>
+    </dgm:pt>
+    <dgm:pt modelId="{2DCB97BC-DC5E-4E37-9E22-001623929BF6}" type="pres">
+      <dgm:prSet presAssocID="{BFEB1832-6ABC-447A-97A0-24D26829B789}" presName="tile1text" presStyleLbl="node1" presStyleIdx="0" presStyleCnt="4">
+        <dgm:presLayoutVars>
+          <dgm:chMax val="0"/>
+          <dgm:chPref val="0"/>
+          <dgm:bulletEnabled val="1"/>
+        </dgm:presLayoutVars>
+      </dgm:prSet>
+      <dgm:spPr/>
+      <dgm:t>
+        <a:bodyPr/>
+        <a:lstStyle/>
+        <a:p>
+          <a:endParaRPr lang="de-DE"/>
+        </a:p>
+      </dgm:t>
+    </dgm:pt>
+    <dgm:pt modelId="{814FA299-88E1-4EF5-A64E-227730F8666D}" type="pres">
+      <dgm:prSet presAssocID="{BFEB1832-6ABC-447A-97A0-24D26829B789}" presName="tile2" presStyleLbl="node1" presStyleIdx="1" presStyleCnt="4"/>
+      <dgm:spPr/>
+      <dgm:t>
+        <a:bodyPr/>
+        <a:lstStyle/>
+        <a:p>
+          <a:endParaRPr lang="de-DE"/>
+        </a:p>
+      </dgm:t>
+    </dgm:pt>
+    <dgm:pt modelId="{D116C8AB-72D7-493C-A1D2-0C35B7C94108}" type="pres">
+      <dgm:prSet presAssocID="{BFEB1832-6ABC-447A-97A0-24D26829B789}" presName="tile2text" presStyleLbl="node1" presStyleIdx="1" presStyleCnt="4">
+        <dgm:presLayoutVars>
+          <dgm:chMax val="0"/>
+          <dgm:chPref val="0"/>
+          <dgm:bulletEnabled val="1"/>
+        </dgm:presLayoutVars>
+      </dgm:prSet>
+      <dgm:spPr/>
+      <dgm:t>
+        <a:bodyPr/>
+        <a:lstStyle/>
+        <a:p>
+          <a:endParaRPr lang="de-DE"/>
+        </a:p>
+      </dgm:t>
+    </dgm:pt>
+    <dgm:pt modelId="{B79ED8F0-743A-4797-84D7-CB4163DC4E67}" type="pres">
+      <dgm:prSet presAssocID="{BFEB1832-6ABC-447A-97A0-24D26829B789}" presName="tile3" presStyleLbl="node1" presStyleIdx="2" presStyleCnt="4" custLinFactNeighborX="-6087" custLinFactNeighborY="1261"/>
+      <dgm:spPr/>
+      <dgm:t>
+        <a:bodyPr/>
+        <a:lstStyle/>
+        <a:p>
+          <a:endParaRPr lang="de-DE"/>
+        </a:p>
+      </dgm:t>
+    </dgm:pt>
+    <dgm:pt modelId="{1D51D28D-149C-4869-9E6F-AED50CAD4B20}" type="pres">
+      <dgm:prSet presAssocID="{BFEB1832-6ABC-447A-97A0-24D26829B789}" presName="tile3text" presStyleLbl="node1" presStyleIdx="2" presStyleCnt="4">
+        <dgm:presLayoutVars>
+          <dgm:chMax val="0"/>
+          <dgm:chPref val="0"/>
+          <dgm:bulletEnabled val="1"/>
+        </dgm:presLayoutVars>
+      </dgm:prSet>
+      <dgm:spPr/>
+      <dgm:t>
+        <a:bodyPr/>
+        <a:lstStyle/>
+        <a:p>
+          <a:endParaRPr lang="de-DE"/>
+        </a:p>
+      </dgm:t>
+    </dgm:pt>
+    <dgm:pt modelId="{AAFD4529-CF99-4B55-9CE3-D6175EF566A5}" type="pres">
+      <dgm:prSet presAssocID="{BFEB1832-6ABC-447A-97A0-24D26829B789}" presName="tile4" presStyleLbl="node1" presStyleIdx="3" presStyleCnt="4"/>
+      <dgm:spPr/>
+      <dgm:t>
+        <a:bodyPr/>
+        <a:lstStyle/>
+        <a:p>
+          <a:endParaRPr lang="de-DE"/>
+        </a:p>
+      </dgm:t>
+    </dgm:pt>
+    <dgm:pt modelId="{2BBEEC9E-1E57-4B36-97A7-60013864A66F}" type="pres">
+      <dgm:prSet presAssocID="{BFEB1832-6ABC-447A-97A0-24D26829B789}" presName="tile4text" presStyleLbl="node1" presStyleIdx="3" presStyleCnt="4">
+        <dgm:presLayoutVars>
+          <dgm:chMax val="0"/>
+          <dgm:chPref val="0"/>
+          <dgm:bulletEnabled val="1"/>
+        </dgm:presLayoutVars>
+      </dgm:prSet>
+      <dgm:spPr/>
+      <dgm:t>
+        <a:bodyPr/>
+        <a:lstStyle/>
+        <a:p>
+          <a:endParaRPr lang="de-DE"/>
+        </a:p>
+      </dgm:t>
+    </dgm:pt>
+    <dgm:pt modelId="{F58229AE-7E1A-42A1-AFE9-1EE806ECC846}" type="pres">
+      <dgm:prSet presAssocID="{BFEB1832-6ABC-447A-97A0-24D26829B789}" presName="centerTile" presStyleLbl="fgShp" presStyleIdx="0" presStyleCnt="1">
+        <dgm:presLayoutVars>
+          <dgm:chMax val="0"/>
+          <dgm:chPref val="0"/>
+        </dgm:presLayoutVars>
+      </dgm:prSet>
+      <dgm:spPr/>
+    </dgm:pt>
+  </dgm:ptLst>
+  <dgm:cxnLst>
+    <dgm:cxn modelId="{41F80B70-FF8A-43C2-B1EA-80570E733EDA}" srcId="{ACD334BC-FA23-4E90-A706-C8F9F2A5A5EA}" destId="{EE4B1FFE-F551-42B0-8B8C-64B866DEA1BB}" srcOrd="3" destOrd="0" parTransId="{CFF5AFD5-E284-468E-B893-B918B073DE61}" sibTransId="{623C6283-9A83-483F-8A30-ACD38E889D48}"/>
+    <dgm:cxn modelId="{FC7F5301-3514-4AA8-AACC-1BB283DA529F}" type="presOf" srcId="{E47C4971-0162-4AD2-AB11-9932AB262085}" destId="{D116C8AB-72D7-493C-A1D2-0C35B7C94108}" srcOrd="1" destOrd="0" presId="urn:microsoft.com/office/officeart/2005/8/layout/matrix1"/>
+    <dgm:cxn modelId="{C900D89A-1DBC-45D5-854E-0647D5738C55}" srcId="{ACD334BC-FA23-4E90-A706-C8F9F2A5A5EA}" destId="{E47C4971-0162-4AD2-AB11-9932AB262085}" srcOrd="1" destOrd="0" parTransId="{04C190F1-5F1E-483F-A04D-67BB95D38F27}" sibTransId="{64CB8A63-E3D8-4270-8573-ED351B39111C}"/>
+    <dgm:cxn modelId="{33C1A817-022E-4CD1-BFFF-1D678C2C2910}" type="presOf" srcId="{BFEB1832-6ABC-447A-97A0-24D26829B789}" destId="{99FAAC93-70B3-4AE6-8FD8-698CC79071A1}" srcOrd="0" destOrd="0" presId="urn:microsoft.com/office/officeart/2005/8/layout/matrix1"/>
+    <dgm:cxn modelId="{6A39790B-386A-42B3-9059-E24809A0CE8B}" type="presOf" srcId="{5F7C7C62-9D82-44F7-85D8-C19E4ECF9A5E}" destId="{B79ED8F0-743A-4797-84D7-CB4163DC4E67}" srcOrd="0" destOrd="0" presId="urn:microsoft.com/office/officeart/2005/8/layout/matrix1"/>
+    <dgm:cxn modelId="{0B42C390-E9A1-4414-B7AF-95477F5F2158}" type="presOf" srcId="{5F7C7C62-9D82-44F7-85D8-C19E4ECF9A5E}" destId="{1D51D28D-149C-4869-9E6F-AED50CAD4B20}" srcOrd="1" destOrd="0" presId="urn:microsoft.com/office/officeart/2005/8/layout/matrix1"/>
+    <dgm:cxn modelId="{0C7175EF-234E-406C-B7A3-0E8A76C372A2}" type="presOf" srcId="{ACD334BC-FA23-4E90-A706-C8F9F2A5A5EA}" destId="{F58229AE-7E1A-42A1-AFE9-1EE806ECC846}" srcOrd="0" destOrd="0" presId="urn:microsoft.com/office/officeart/2005/8/layout/matrix1"/>
+    <dgm:cxn modelId="{1474344E-8100-4DCD-A46F-A397BD7CF8FC}" type="presOf" srcId="{4AC6C012-3987-44AA-91A6-2DB345CD56D8}" destId="{E1A3A14D-54F4-45C0-B078-DDF782A8119D}" srcOrd="0" destOrd="0" presId="urn:microsoft.com/office/officeart/2005/8/layout/matrix1"/>
+    <dgm:cxn modelId="{55FFA002-07A0-4EB6-83C4-A010E13EFD35}" srcId="{ACD334BC-FA23-4E90-A706-C8F9F2A5A5EA}" destId="{5F7C7C62-9D82-44F7-85D8-C19E4ECF9A5E}" srcOrd="2" destOrd="0" parTransId="{DC11584C-9103-4D26-8989-1FF5EBCAE5F4}" sibTransId="{908FDC1F-C925-4231-8286-5568B005880B}"/>
+    <dgm:cxn modelId="{11178E35-FC8B-4AE3-8360-28D37AF853A9}" srcId="{BFEB1832-6ABC-447A-97A0-24D26829B789}" destId="{ACD334BC-FA23-4E90-A706-C8F9F2A5A5EA}" srcOrd="0" destOrd="0" parTransId="{27C89C7D-BA18-492A-BE26-80B13C633BA5}" sibTransId="{DD62447A-30B8-4B44-B5C0-464CF4E5953A}"/>
+    <dgm:cxn modelId="{0DCEB9C5-DC20-429E-8D5A-75103EA0F930}" type="presOf" srcId="{E47C4971-0162-4AD2-AB11-9932AB262085}" destId="{814FA299-88E1-4EF5-A64E-227730F8666D}" srcOrd="0" destOrd="0" presId="urn:microsoft.com/office/officeart/2005/8/layout/matrix1"/>
+    <dgm:cxn modelId="{C817B8BC-1099-413C-8FC4-B20FF7D69EE9}" srcId="{ACD334BC-FA23-4E90-A706-C8F9F2A5A5EA}" destId="{4AC6C012-3987-44AA-91A6-2DB345CD56D8}" srcOrd="0" destOrd="0" parTransId="{E913E834-E669-4D40-92FD-1EC2425B93F2}" sibTransId="{584DB917-D9AE-4B60-8250-2F277F987DAC}"/>
+    <dgm:cxn modelId="{297F36DC-EBD5-49BF-98C7-06D1542FC477}" type="presOf" srcId="{EE4B1FFE-F551-42B0-8B8C-64B866DEA1BB}" destId="{AAFD4529-CF99-4B55-9CE3-D6175EF566A5}" srcOrd="0" destOrd="0" presId="urn:microsoft.com/office/officeart/2005/8/layout/matrix1"/>
+    <dgm:cxn modelId="{A10F7AB1-19BC-4DCC-99C9-5E773B0C6155}" type="presOf" srcId="{4AC6C012-3987-44AA-91A6-2DB345CD56D8}" destId="{2DCB97BC-DC5E-4E37-9E22-001623929BF6}" srcOrd="1" destOrd="0" presId="urn:microsoft.com/office/officeart/2005/8/layout/matrix1"/>
+    <dgm:cxn modelId="{1BBB250C-5F62-4D27-8F83-E5EBC34972E1}" type="presOf" srcId="{EE4B1FFE-F551-42B0-8B8C-64B866DEA1BB}" destId="{2BBEEC9E-1E57-4B36-97A7-60013864A66F}" srcOrd="1" destOrd="0" presId="urn:microsoft.com/office/officeart/2005/8/layout/matrix1"/>
+    <dgm:cxn modelId="{065D1990-A130-45DD-9124-FCE3373AA22D}" type="presParOf" srcId="{99FAAC93-70B3-4AE6-8FD8-698CC79071A1}" destId="{B9FDA39D-99A3-4D31-A246-117A5D257183}" srcOrd="0" destOrd="0" presId="urn:microsoft.com/office/officeart/2005/8/layout/matrix1"/>
+    <dgm:cxn modelId="{49776218-995F-401E-8C53-8F9231CC0C89}" type="presParOf" srcId="{B9FDA39D-99A3-4D31-A246-117A5D257183}" destId="{E1A3A14D-54F4-45C0-B078-DDF782A8119D}" srcOrd="0" destOrd="0" presId="urn:microsoft.com/office/officeart/2005/8/layout/matrix1"/>
+    <dgm:cxn modelId="{6EEA8E52-1E39-4676-B1C9-73B43B9FE966}" type="presParOf" srcId="{B9FDA39D-99A3-4D31-A246-117A5D257183}" destId="{2DCB97BC-DC5E-4E37-9E22-001623929BF6}" srcOrd="1" destOrd="0" presId="urn:microsoft.com/office/officeart/2005/8/layout/matrix1"/>
+    <dgm:cxn modelId="{2D9CF5B5-72D1-464D-8068-9D7DC5D1A3AF}" type="presParOf" srcId="{B9FDA39D-99A3-4D31-A246-117A5D257183}" destId="{814FA299-88E1-4EF5-A64E-227730F8666D}" srcOrd="2" destOrd="0" presId="urn:microsoft.com/office/officeart/2005/8/layout/matrix1"/>
+    <dgm:cxn modelId="{767BAE80-B994-457D-B8F2-9EB19BFF2444}" type="presParOf" srcId="{B9FDA39D-99A3-4D31-A246-117A5D257183}" destId="{D116C8AB-72D7-493C-A1D2-0C35B7C94108}" srcOrd="3" destOrd="0" presId="urn:microsoft.com/office/officeart/2005/8/layout/matrix1"/>
+    <dgm:cxn modelId="{CDAC1038-B5D1-4E4B-B116-E7680D77A4A1}" type="presParOf" srcId="{B9FDA39D-99A3-4D31-A246-117A5D257183}" destId="{B79ED8F0-743A-4797-84D7-CB4163DC4E67}" srcOrd="4" destOrd="0" presId="urn:microsoft.com/office/officeart/2005/8/layout/matrix1"/>
+    <dgm:cxn modelId="{4CEADB7E-A166-4B66-B9B3-268249DEEB42}" type="presParOf" srcId="{B9FDA39D-99A3-4D31-A246-117A5D257183}" destId="{1D51D28D-149C-4869-9E6F-AED50CAD4B20}" srcOrd="5" destOrd="0" presId="urn:microsoft.com/office/officeart/2005/8/layout/matrix1"/>
+    <dgm:cxn modelId="{170D1CC3-7699-4813-8D7B-2F833FC77B74}" type="presParOf" srcId="{B9FDA39D-99A3-4D31-A246-117A5D257183}" destId="{AAFD4529-CF99-4B55-9CE3-D6175EF566A5}" srcOrd="6" destOrd="0" presId="urn:microsoft.com/office/officeart/2005/8/layout/matrix1"/>
+    <dgm:cxn modelId="{CB9578BD-A1C1-4EAD-A8B0-7CB4228A4978}" type="presParOf" srcId="{B9FDA39D-99A3-4D31-A246-117A5D257183}" destId="{2BBEEC9E-1E57-4B36-97A7-60013864A66F}" srcOrd="7" destOrd="0" presId="urn:microsoft.com/office/officeart/2005/8/layout/matrix1"/>
+    <dgm:cxn modelId="{6837A528-4442-4C37-8B60-113F7C29708A}" type="presParOf" srcId="{99FAAC93-70B3-4AE6-8FD8-698CC79071A1}" destId="{F58229AE-7E1A-42A1-AFE9-1EE806ECC846}" srcOrd="1" destOrd="0" presId="urn:microsoft.com/office/officeart/2005/8/layout/matrix1"/>
   </dgm:cxnLst>
   <dgm:bg/>
   <dgm:whole/>
@@ -1680,7 +4235,7 @@
         </a:bodyPr>
         <a:lstStyle/>
         <a:p>
-          <a:pPr marL="0" lvl="0" indent="0" algn="l" defTabSz="577850">
+          <a:pPr lvl="0" algn="l" defTabSz="577850">
             <a:lnSpc>
               <a:spcPct val="90000"/>
             </a:lnSpc>
@@ -1690,7 +4245,6 @@
             <a:spcAft>
               <a:spcPct val="35000"/>
             </a:spcAft>
-            <a:buNone/>
           </a:pPr>
           <a:r>
             <a:rPr lang="de-DE" sz="1300" kern="1200" dirty="0"/>
@@ -1708,7 +4262,7 @@
             <a:spcAft>
               <a:spcPct val="15000"/>
             </a:spcAft>
-            <a:buChar char="•"/>
+            <a:buChar char="••"/>
           </a:pPr>
           <a:r>
             <a:rPr lang="de-DE" sz="1000" kern="1200" dirty="0"/>
@@ -1726,7 +4280,7 @@
             <a:spcAft>
               <a:spcPct val="15000"/>
             </a:spcAft>
-            <a:buChar char="•"/>
+            <a:buChar char="••"/>
           </a:pPr>
           <a:r>
             <a:rPr lang="de-DE" sz="1000" kern="1200" dirty="0"/>
@@ -1744,7 +4298,7 @@
             <a:spcAft>
               <a:spcPct val="15000"/>
             </a:spcAft>
-            <a:buChar char="•"/>
+            <a:buChar char="••"/>
           </a:pPr>
           <a:r>
             <a:rPr lang="de-DE" sz="1000" kern="1200" dirty="0" err="1"/>
@@ -1848,7 +4402,7 @@
         </a:bodyPr>
         <a:lstStyle/>
         <a:p>
-          <a:pPr marL="0" lvl="0" indent="0" algn="l" defTabSz="577850">
+          <a:pPr lvl="0" algn="l" defTabSz="577850">
             <a:lnSpc>
               <a:spcPct val="90000"/>
             </a:lnSpc>
@@ -1858,7 +4412,6 @@
             <a:spcAft>
               <a:spcPct val="35000"/>
             </a:spcAft>
-            <a:buNone/>
           </a:pPr>
           <a:r>
             <a:rPr lang="de-DE" sz="1300" kern="1200" dirty="0"/>
@@ -1876,7 +4429,7 @@
             <a:spcAft>
               <a:spcPct val="15000"/>
             </a:spcAft>
-            <a:buChar char="•"/>
+            <a:buChar char="••"/>
           </a:pPr>
           <a:r>
             <a:rPr lang="de-DE" sz="1000" kern="1200" dirty="0"/>
@@ -1894,7 +4447,7 @@
             <a:spcAft>
               <a:spcPct val="15000"/>
             </a:spcAft>
-            <a:buChar char="•"/>
+            <a:buChar char="••"/>
           </a:pPr>
           <a:r>
             <a:rPr lang="de-DE" sz="1000" kern="1200" dirty="0"/>
@@ -1994,7 +4547,7 @@
         </a:bodyPr>
         <a:lstStyle/>
         <a:p>
-          <a:pPr marL="0" lvl="0" indent="0" algn="l" defTabSz="577850">
+          <a:pPr lvl="0" algn="l" defTabSz="577850">
             <a:lnSpc>
               <a:spcPct val="90000"/>
             </a:lnSpc>
@@ -2004,7 +4557,6 @@
             <a:spcAft>
               <a:spcPct val="35000"/>
             </a:spcAft>
-            <a:buNone/>
           </a:pPr>
           <a:r>
             <a:rPr lang="de-DE" sz="1300" kern="1200" dirty="0"/>
@@ -2022,7 +4574,7 @@
             <a:spcAft>
               <a:spcPct val="15000"/>
             </a:spcAft>
-            <a:buChar char="•"/>
+            <a:buChar char="••"/>
           </a:pPr>
           <a:r>
             <a:rPr lang="de-DE" sz="1000" kern="1200" dirty="0"/>
@@ -2040,7 +4592,7 @@
             <a:spcAft>
               <a:spcPct val="15000"/>
             </a:spcAft>
-            <a:buChar char="•"/>
+            <a:buChar char="••"/>
           </a:pPr>
           <a:r>
             <a:rPr lang="de-DE" sz="1000" kern="1200" dirty="0"/>
@@ -2058,7 +4610,7 @@
             <a:spcAft>
               <a:spcPct val="15000"/>
             </a:spcAft>
-            <a:buChar char="•"/>
+            <a:buChar char="••"/>
           </a:pPr>
           <a:r>
             <a:rPr lang="de-DE" sz="1000" kern="1200" dirty="0"/>
@@ -2158,7 +4710,7 @@
         </a:bodyPr>
         <a:lstStyle/>
         <a:p>
-          <a:pPr marL="0" lvl="0" indent="0" algn="l" defTabSz="577850">
+          <a:pPr lvl="0" algn="l" defTabSz="577850">
             <a:lnSpc>
               <a:spcPct val="90000"/>
             </a:lnSpc>
@@ -2168,7 +4720,6 @@
             <a:spcAft>
               <a:spcPct val="35000"/>
             </a:spcAft>
-            <a:buNone/>
           </a:pPr>
           <a:r>
             <a:rPr lang="de-DE" sz="1300" kern="1200" dirty="0"/>
@@ -2186,7 +4737,7 @@
             <a:spcAft>
               <a:spcPct val="15000"/>
             </a:spcAft>
-            <a:buChar char="•"/>
+            <a:buChar char="••"/>
           </a:pPr>
           <a:r>
             <a:rPr lang="de-DE" sz="1000" kern="1200" dirty="0"/>
@@ -2286,7 +4837,7 @@
         </a:bodyPr>
         <a:lstStyle/>
         <a:p>
-          <a:pPr marL="0" lvl="0" indent="0" algn="l" defTabSz="577850">
+          <a:pPr lvl="0" algn="l" defTabSz="577850">
             <a:lnSpc>
               <a:spcPct val="90000"/>
             </a:lnSpc>
@@ -2296,7 +4847,6 @@
             <a:spcAft>
               <a:spcPct val="35000"/>
             </a:spcAft>
-            <a:buNone/>
           </a:pPr>
           <a:r>
             <a:rPr lang="de-DE" sz="1300" kern="1200" dirty="0"/>
@@ -2314,7 +4864,7 @@
             <a:spcAft>
               <a:spcPct val="15000"/>
             </a:spcAft>
-            <a:buChar char="•"/>
+            <a:buChar char="••"/>
           </a:pPr>
           <a:r>
             <a:rPr lang="de-DE" sz="1000" kern="1200" dirty="0"/>
@@ -2325,6 +4875,1614 @@
       <dsp:txXfrm>
         <a:off x="7346442" y="1148753"/>
         <a:ext cx="1392428" cy="3202584"/>
+      </dsp:txXfrm>
+    </dsp:sp>
+  </dsp:spTree>
+</dsp:drawing>
+</file>
+
+<file path=ppt/diagrams/drawing2.xml><?xml version="1.0" encoding="utf-8"?>
+<dsp:drawing xmlns:dgm="http://schemas.openxmlformats.org/drawingml/2006/diagram" xmlns:dsp="http://schemas.microsoft.com/office/drawing/2008/diagram" xmlns:a="http://schemas.openxmlformats.org/drawingml/2006/main">
+  <dsp:spTree>
+    <dsp:nvGrpSpPr>
+      <dsp:cNvPr id="0" name=""/>
+      <dsp:cNvGrpSpPr/>
+    </dsp:nvGrpSpPr>
+    <dsp:grpSpPr/>
+    <dsp:sp modelId="{CA0371F2-4905-4094-9792-0F4EC6527AB6}">
+      <dsp:nvSpPr>
+        <dsp:cNvPr id="0" name=""/>
+        <dsp:cNvSpPr/>
+      </dsp:nvSpPr>
+      <dsp:spPr>
+        <a:xfrm>
+          <a:off x="5157251" y="1817035"/>
+          <a:ext cx="4046947" cy="601579"/>
+        </a:xfrm>
+        <a:custGeom>
+          <a:avLst/>
+          <a:gdLst/>
+          <a:ahLst/>
+          <a:cxnLst/>
+          <a:rect l="0" t="0" r="0" b="0"/>
+          <a:pathLst>
+            <a:path>
+              <a:moveTo>
+                <a:pt x="0" y="0"/>
+              </a:moveTo>
+              <a:lnTo>
+                <a:pt x="0" y="358633"/>
+              </a:lnTo>
+              <a:lnTo>
+                <a:pt x="4046947" y="358633"/>
+              </a:lnTo>
+              <a:lnTo>
+                <a:pt x="4046947" y="601579"/>
+              </a:lnTo>
+            </a:path>
+          </a:pathLst>
+        </a:custGeom>
+        <a:noFill/>
+        <a:ln w="12700" cap="flat" cmpd="sng" algn="ctr">
+          <a:solidFill>
+            <a:schemeClr val="accent1">
+              <a:shade val="60000"/>
+              <a:hueOff val="0"/>
+              <a:satOff val="0"/>
+              <a:lumOff val="0"/>
+              <a:alphaOff val="0"/>
+            </a:schemeClr>
+          </a:solidFill>
+          <a:prstDash val="solid"/>
+          <a:miter lim="800000"/>
+        </a:ln>
+        <a:effectLst/>
+      </dsp:spPr>
+      <dsp:style>
+        <a:lnRef idx="2">
+          <a:scrgbClr r="0" g="0" b="0"/>
+        </a:lnRef>
+        <a:fillRef idx="0">
+          <a:scrgbClr r="0" g="0" b="0"/>
+        </a:fillRef>
+        <a:effectRef idx="0">
+          <a:scrgbClr r="0" g="0" b="0"/>
+        </a:effectRef>
+        <a:fontRef idx="minor"/>
+      </dsp:style>
+    </dsp:sp>
+    <dsp:sp modelId="{EC9CC648-36AF-46A2-8311-685C7A41B586}">
+      <dsp:nvSpPr>
+        <dsp:cNvPr id="0" name=""/>
+        <dsp:cNvSpPr/>
+      </dsp:nvSpPr>
+      <dsp:spPr>
+        <a:xfrm>
+          <a:off x="5157251" y="1817035"/>
+          <a:ext cx="1348982" cy="601579"/>
+        </a:xfrm>
+        <a:custGeom>
+          <a:avLst/>
+          <a:gdLst/>
+          <a:ahLst/>
+          <a:cxnLst/>
+          <a:rect l="0" t="0" r="0" b="0"/>
+          <a:pathLst>
+            <a:path>
+              <a:moveTo>
+                <a:pt x="0" y="0"/>
+              </a:moveTo>
+              <a:lnTo>
+                <a:pt x="0" y="358633"/>
+              </a:lnTo>
+              <a:lnTo>
+                <a:pt x="1348982" y="358633"/>
+              </a:lnTo>
+              <a:lnTo>
+                <a:pt x="1348982" y="601579"/>
+              </a:lnTo>
+            </a:path>
+          </a:pathLst>
+        </a:custGeom>
+        <a:noFill/>
+        <a:ln w="12700" cap="flat" cmpd="sng" algn="ctr">
+          <a:solidFill>
+            <a:schemeClr val="accent1">
+              <a:shade val="60000"/>
+              <a:hueOff val="0"/>
+              <a:satOff val="0"/>
+              <a:lumOff val="0"/>
+              <a:alphaOff val="0"/>
+            </a:schemeClr>
+          </a:solidFill>
+          <a:prstDash val="solid"/>
+          <a:miter lim="800000"/>
+        </a:ln>
+        <a:effectLst/>
+      </dsp:spPr>
+      <dsp:style>
+        <a:lnRef idx="2">
+          <a:scrgbClr r="0" g="0" b="0"/>
+        </a:lnRef>
+        <a:fillRef idx="0">
+          <a:scrgbClr r="0" g="0" b="0"/>
+        </a:fillRef>
+        <a:effectRef idx="0">
+          <a:scrgbClr r="0" g="0" b="0"/>
+        </a:effectRef>
+        <a:fontRef idx="minor"/>
+      </dsp:style>
+    </dsp:sp>
+    <dsp:sp modelId="{418B8B31-D631-4C74-B418-D94A89EA2477}">
+      <dsp:nvSpPr>
+        <dsp:cNvPr id="0" name=""/>
+        <dsp:cNvSpPr/>
+      </dsp:nvSpPr>
+      <dsp:spPr>
+        <a:xfrm>
+          <a:off x="3808268" y="1817035"/>
+          <a:ext cx="1348982" cy="601579"/>
+        </a:xfrm>
+        <a:custGeom>
+          <a:avLst/>
+          <a:gdLst/>
+          <a:ahLst/>
+          <a:cxnLst/>
+          <a:rect l="0" t="0" r="0" b="0"/>
+          <a:pathLst>
+            <a:path>
+              <a:moveTo>
+                <a:pt x="1348982" y="0"/>
+              </a:moveTo>
+              <a:lnTo>
+                <a:pt x="1348982" y="358633"/>
+              </a:lnTo>
+              <a:lnTo>
+                <a:pt x="0" y="358633"/>
+              </a:lnTo>
+              <a:lnTo>
+                <a:pt x="0" y="601579"/>
+              </a:lnTo>
+            </a:path>
+          </a:pathLst>
+        </a:custGeom>
+        <a:noFill/>
+        <a:ln w="12700" cap="flat" cmpd="sng" algn="ctr">
+          <a:solidFill>
+            <a:schemeClr val="accent1">
+              <a:shade val="60000"/>
+              <a:hueOff val="0"/>
+              <a:satOff val="0"/>
+              <a:lumOff val="0"/>
+              <a:alphaOff val="0"/>
+            </a:schemeClr>
+          </a:solidFill>
+          <a:prstDash val="solid"/>
+          <a:miter lim="800000"/>
+        </a:ln>
+        <a:effectLst/>
+      </dsp:spPr>
+      <dsp:style>
+        <a:lnRef idx="2">
+          <a:scrgbClr r="0" g="0" b="0"/>
+        </a:lnRef>
+        <a:fillRef idx="0">
+          <a:scrgbClr r="0" g="0" b="0"/>
+        </a:fillRef>
+        <a:effectRef idx="0">
+          <a:scrgbClr r="0" g="0" b="0"/>
+        </a:effectRef>
+        <a:fontRef idx="minor"/>
+      </dsp:style>
+    </dsp:sp>
+    <dsp:sp modelId="{D5F6D8B8-4258-4198-BE70-A80B84977E1D}">
+      <dsp:nvSpPr>
+        <dsp:cNvPr id="0" name=""/>
+        <dsp:cNvSpPr/>
+      </dsp:nvSpPr>
+      <dsp:spPr>
+        <a:xfrm>
+          <a:off x="1110303" y="1817035"/>
+          <a:ext cx="4046947" cy="601579"/>
+        </a:xfrm>
+        <a:custGeom>
+          <a:avLst/>
+          <a:gdLst/>
+          <a:ahLst/>
+          <a:cxnLst/>
+          <a:rect l="0" t="0" r="0" b="0"/>
+          <a:pathLst>
+            <a:path>
+              <a:moveTo>
+                <a:pt x="4046947" y="0"/>
+              </a:moveTo>
+              <a:lnTo>
+                <a:pt x="4046947" y="358633"/>
+              </a:lnTo>
+              <a:lnTo>
+                <a:pt x="0" y="358633"/>
+              </a:lnTo>
+              <a:lnTo>
+                <a:pt x="0" y="601579"/>
+              </a:lnTo>
+            </a:path>
+          </a:pathLst>
+        </a:custGeom>
+        <a:noFill/>
+        <a:ln w="12700" cap="flat" cmpd="sng" algn="ctr">
+          <a:solidFill>
+            <a:schemeClr val="accent1">
+              <a:shade val="60000"/>
+              <a:hueOff val="0"/>
+              <a:satOff val="0"/>
+              <a:lumOff val="0"/>
+              <a:alphaOff val="0"/>
+            </a:schemeClr>
+          </a:solidFill>
+          <a:prstDash val="solid"/>
+          <a:miter lim="800000"/>
+        </a:ln>
+        <a:effectLst/>
+      </dsp:spPr>
+      <dsp:style>
+        <a:lnRef idx="2">
+          <a:scrgbClr r="0" g="0" b="0"/>
+        </a:lnRef>
+        <a:fillRef idx="0">
+          <a:scrgbClr r="0" g="0" b="0"/>
+        </a:fillRef>
+        <a:effectRef idx="0">
+          <a:scrgbClr r="0" g="0" b="0"/>
+        </a:effectRef>
+        <a:fontRef idx="minor"/>
+      </dsp:style>
+    </dsp:sp>
+    <dsp:sp modelId="{C61E91A9-AF0A-4AA8-B087-498BC119B802}">
+      <dsp:nvSpPr>
+        <dsp:cNvPr id="0" name=""/>
+        <dsp:cNvSpPr/>
+      </dsp:nvSpPr>
+      <dsp:spPr>
+        <a:xfrm>
+          <a:off x="4151762" y="775840"/>
+          <a:ext cx="2010976" cy="1041194"/>
+        </a:xfrm>
+        <a:prstGeom prst="rect">
+          <a:avLst/>
+        </a:prstGeom>
+        <a:solidFill>
+          <a:schemeClr val="accent1">
+            <a:hueOff val="0"/>
+            <a:satOff val="0"/>
+            <a:lumOff val="0"/>
+            <a:alphaOff val="0"/>
+          </a:schemeClr>
+        </a:solidFill>
+        <a:ln w="12700" cap="flat" cmpd="sng" algn="ctr">
+          <a:solidFill>
+            <a:schemeClr val="lt1">
+              <a:hueOff val="0"/>
+              <a:satOff val="0"/>
+              <a:lumOff val="0"/>
+              <a:alphaOff val="0"/>
+            </a:schemeClr>
+          </a:solidFill>
+          <a:prstDash val="solid"/>
+          <a:miter lim="800000"/>
+        </a:ln>
+        <a:effectLst/>
+      </dsp:spPr>
+      <dsp:style>
+        <a:lnRef idx="2">
+          <a:scrgbClr r="0" g="0" b="0"/>
+        </a:lnRef>
+        <a:fillRef idx="1">
+          <a:scrgbClr r="0" g="0" b="0"/>
+        </a:fillRef>
+        <a:effectRef idx="0">
+          <a:scrgbClr r="0" g="0" b="0"/>
+        </a:effectRef>
+        <a:fontRef idx="minor">
+          <a:schemeClr val="lt1"/>
+        </a:fontRef>
+      </dsp:style>
+      <dsp:txBody>
+        <a:bodyPr spcFirstLastPara="0" vert="horz" wrap="square" lIns="12065" tIns="12065" rIns="12065" bIns="146924" numCol="1" spcCol="1270" anchor="ctr" anchorCtr="0">
+          <a:noAutofit/>
+        </a:bodyPr>
+        <a:lstStyle/>
+        <a:p>
+          <a:pPr lvl="0" algn="ctr" defTabSz="844550">
+            <a:lnSpc>
+              <a:spcPct val="90000"/>
+            </a:lnSpc>
+            <a:spcBef>
+              <a:spcPct val="0"/>
+            </a:spcBef>
+            <a:spcAft>
+              <a:spcPct val="35000"/>
+            </a:spcAft>
+          </a:pPr>
+          <a:r>
+            <a:rPr lang="de-DE" sz="1900" kern="1200" dirty="0" smtClean="0"/>
+            <a:t>Projektleiter</a:t>
+          </a:r>
+          <a:endParaRPr lang="de-DE" sz="1900" kern="1200" dirty="0"/>
+        </a:p>
+      </dsp:txBody>
+      <dsp:txXfrm>
+        <a:off x="4151762" y="775840"/>
+        <a:ext cx="2010976" cy="1041194"/>
+      </dsp:txXfrm>
+    </dsp:sp>
+    <dsp:sp modelId="{F30DCFA2-97CF-4F43-B794-E8837C6096F0}">
+      <dsp:nvSpPr>
+        <dsp:cNvPr id="0" name=""/>
+        <dsp:cNvSpPr/>
+      </dsp:nvSpPr>
+      <dsp:spPr>
+        <a:xfrm>
+          <a:off x="4553958" y="1585658"/>
+          <a:ext cx="1809878" cy="347064"/>
+        </a:xfrm>
+        <a:prstGeom prst="rect">
+          <a:avLst/>
+        </a:prstGeom>
+        <a:solidFill>
+          <a:schemeClr val="lt1">
+            <a:alpha val="90000"/>
+            <a:hueOff val="0"/>
+            <a:satOff val="0"/>
+            <a:lumOff val="0"/>
+            <a:alphaOff val="0"/>
+          </a:schemeClr>
+        </a:solidFill>
+        <a:ln w="12700" cap="flat" cmpd="sng" algn="ctr">
+          <a:solidFill>
+            <a:schemeClr val="accent1">
+              <a:hueOff val="0"/>
+              <a:satOff val="0"/>
+              <a:lumOff val="0"/>
+              <a:alphaOff val="0"/>
+            </a:schemeClr>
+          </a:solidFill>
+          <a:prstDash val="solid"/>
+          <a:miter lim="800000"/>
+        </a:ln>
+        <a:effectLst/>
+      </dsp:spPr>
+      <dsp:style>
+        <a:lnRef idx="2">
+          <a:scrgbClr r="0" g="0" b="0"/>
+        </a:lnRef>
+        <a:fillRef idx="1">
+          <a:scrgbClr r="0" g="0" b="0"/>
+        </a:fillRef>
+        <a:effectRef idx="0">
+          <a:scrgbClr r="0" g="0" b="0"/>
+        </a:effectRef>
+        <a:fontRef idx="minor"/>
+      </dsp:style>
+      <dsp:txBody>
+        <a:bodyPr spcFirstLastPara="0" vert="horz" wrap="square" lIns="38100" tIns="9525" rIns="38100" bIns="9525" numCol="1" spcCol="1270" anchor="ctr" anchorCtr="0">
+          <a:noAutofit/>
+        </a:bodyPr>
+        <a:lstStyle/>
+        <a:p>
+          <a:pPr lvl="0" algn="r" defTabSz="666750">
+            <a:lnSpc>
+              <a:spcPct val="90000"/>
+            </a:lnSpc>
+            <a:spcBef>
+              <a:spcPct val="0"/>
+            </a:spcBef>
+            <a:spcAft>
+              <a:spcPct val="35000"/>
+            </a:spcAft>
+          </a:pPr>
+          <a:r>
+            <a:rPr lang="de-DE" sz="1500" kern="1200" dirty="0" smtClean="0"/>
+            <a:t>Delegiert Aufgaben an</a:t>
+          </a:r>
+          <a:endParaRPr lang="de-DE" sz="1500" kern="1200" dirty="0"/>
+        </a:p>
+      </dsp:txBody>
+      <dsp:txXfrm>
+        <a:off x="4553958" y="1585658"/>
+        <a:ext cx="1809878" cy="347064"/>
+      </dsp:txXfrm>
+    </dsp:sp>
+    <dsp:sp modelId="{F9D5EE5F-B1B3-4107-BE5B-57C9D2EDB3FD}">
+      <dsp:nvSpPr>
+        <dsp:cNvPr id="0" name=""/>
+        <dsp:cNvSpPr/>
+      </dsp:nvSpPr>
+      <dsp:spPr>
+        <a:xfrm>
+          <a:off x="104815" y="2418614"/>
+          <a:ext cx="2010976" cy="1041194"/>
+        </a:xfrm>
+        <a:prstGeom prst="rect">
+          <a:avLst/>
+        </a:prstGeom>
+        <a:solidFill>
+          <a:schemeClr val="accent1">
+            <a:hueOff val="0"/>
+            <a:satOff val="0"/>
+            <a:lumOff val="0"/>
+            <a:alphaOff val="0"/>
+          </a:schemeClr>
+        </a:solidFill>
+        <a:ln w="12700" cap="flat" cmpd="sng" algn="ctr">
+          <a:solidFill>
+            <a:schemeClr val="lt1">
+              <a:hueOff val="0"/>
+              <a:satOff val="0"/>
+              <a:lumOff val="0"/>
+              <a:alphaOff val="0"/>
+            </a:schemeClr>
+          </a:solidFill>
+          <a:prstDash val="solid"/>
+          <a:miter lim="800000"/>
+        </a:ln>
+        <a:effectLst/>
+      </dsp:spPr>
+      <dsp:style>
+        <a:lnRef idx="2">
+          <a:scrgbClr r="0" g="0" b="0"/>
+        </a:lnRef>
+        <a:fillRef idx="1">
+          <a:scrgbClr r="0" g="0" b="0"/>
+        </a:fillRef>
+        <a:effectRef idx="0">
+          <a:scrgbClr r="0" g="0" b="0"/>
+        </a:effectRef>
+        <a:fontRef idx="minor">
+          <a:schemeClr val="lt1"/>
+        </a:fontRef>
+      </dsp:style>
+      <dsp:txBody>
+        <a:bodyPr spcFirstLastPara="0" vert="horz" wrap="square" lIns="12065" tIns="12065" rIns="12065" bIns="146924" numCol="1" spcCol="1270" anchor="ctr" anchorCtr="0">
+          <a:noAutofit/>
+        </a:bodyPr>
+        <a:lstStyle/>
+        <a:p>
+          <a:pPr lvl="0" algn="ctr" defTabSz="844550">
+            <a:lnSpc>
+              <a:spcPct val="90000"/>
+            </a:lnSpc>
+            <a:spcBef>
+              <a:spcPct val="0"/>
+            </a:spcBef>
+            <a:spcAft>
+              <a:spcPct val="35000"/>
+            </a:spcAft>
+          </a:pPr>
+          <a:r>
+            <a:rPr lang="de-DE" sz="1900" kern="1200" dirty="0" smtClean="0"/>
+            <a:t>Projektkoordinator</a:t>
+          </a:r>
+          <a:endParaRPr lang="de-DE" sz="1900" kern="1200" dirty="0"/>
+        </a:p>
+      </dsp:txBody>
+      <dsp:txXfrm>
+        <a:off x="104815" y="2418614"/>
+        <a:ext cx="2010976" cy="1041194"/>
+      </dsp:txXfrm>
+    </dsp:sp>
+    <dsp:sp modelId="{970DF215-3A69-44D5-BB4D-176CA6265961}">
+      <dsp:nvSpPr>
+        <dsp:cNvPr id="0" name=""/>
+        <dsp:cNvSpPr/>
+      </dsp:nvSpPr>
+      <dsp:spPr>
+        <a:xfrm>
+          <a:off x="507010" y="3228432"/>
+          <a:ext cx="1809878" cy="347064"/>
+        </a:xfrm>
+        <a:prstGeom prst="rect">
+          <a:avLst/>
+        </a:prstGeom>
+        <a:solidFill>
+          <a:schemeClr val="lt1">
+            <a:alpha val="90000"/>
+            <a:hueOff val="0"/>
+            <a:satOff val="0"/>
+            <a:lumOff val="0"/>
+            <a:alphaOff val="0"/>
+          </a:schemeClr>
+        </a:solidFill>
+        <a:ln w="12700" cap="flat" cmpd="sng" algn="ctr">
+          <a:solidFill>
+            <a:schemeClr val="accent1">
+              <a:hueOff val="0"/>
+              <a:satOff val="0"/>
+              <a:lumOff val="0"/>
+              <a:alphaOff val="0"/>
+            </a:schemeClr>
+          </a:solidFill>
+          <a:prstDash val="solid"/>
+          <a:miter lim="800000"/>
+        </a:ln>
+        <a:effectLst/>
+      </dsp:spPr>
+      <dsp:style>
+        <a:lnRef idx="2">
+          <a:scrgbClr r="0" g="0" b="0"/>
+        </a:lnRef>
+        <a:fillRef idx="1">
+          <a:scrgbClr r="0" g="0" b="0"/>
+        </a:fillRef>
+        <a:effectRef idx="0">
+          <a:scrgbClr r="0" g="0" b="0"/>
+        </a:effectRef>
+        <a:fontRef idx="minor"/>
+      </dsp:style>
+      <dsp:txBody>
+        <a:bodyPr spcFirstLastPara="0" vert="horz" wrap="square" lIns="27940" tIns="6985" rIns="27940" bIns="6985" numCol="1" spcCol="1270" anchor="ctr" anchorCtr="0">
+          <a:noAutofit/>
+        </a:bodyPr>
+        <a:lstStyle/>
+        <a:p>
+          <a:pPr lvl="0" algn="r" defTabSz="488950">
+            <a:lnSpc>
+              <a:spcPct val="90000"/>
+            </a:lnSpc>
+            <a:spcBef>
+              <a:spcPct val="0"/>
+            </a:spcBef>
+            <a:spcAft>
+              <a:spcPct val="35000"/>
+            </a:spcAft>
+          </a:pPr>
+          <a:r>
+            <a:rPr lang="de-DE" sz="1100" kern="1200" dirty="0" smtClean="0"/>
+            <a:t>Meldet abgeschlossene Aufgaben zurück</a:t>
+          </a:r>
+          <a:endParaRPr lang="de-DE" sz="1100" kern="1200" dirty="0"/>
+        </a:p>
+      </dsp:txBody>
+      <dsp:txXfrm>
+        <a:off x="507010" y="3228432"/>
+        <a:ext cx="1809878" cy="347064"/>
+      </dsp:txXfrm>
+    </dsp:sp>
+    <dsp:sp modelId="{09D50221-D678-4A08-84F0-EE7F73877653}">
+      <dsp:nvSpPr>
+        <dsp:cNvPr id="0" name=""/>
+        <dsp:cNvSpPr/>
+      </dsp:nvSpPr>
+      <dsp:spPr>
+        <a:xfrm>
+          <a:off x="2802780" y="2418614"/>
+          <a:ext cx="2010976" cy="1041194"/>
+        </a:xfrm>
+        <a:prstGeom prst="rect">
+          <a:avLst/>
+        </a:prstGeom>
+        <a:solidFill>
+          <a:schemeClr val="accent1">
+            <a:hueOff val="0"/>
+            <a:satOff val="0"/>
+            <a:lumOff val="0"/>
+            <a:alphaOff val="0"/>
+          </a:schemeClr>
+        </a:solidFill>
+        <a:ln w="12700" cap="flat" cmpd="sng" algn="ctr">
+          <a:solidFill>
+            <a:schemeClr val="lt1">
+              <a:hueOff val="0"/>
+              <a:satOff val="0"/>
+              <a:lumOff val="0"/>
+              <a:alphaOff val="0"/>
+            </a:schemeClr>
+          </a:solidFill>
+          <a:prstDash val="solid"/>
+          <a:miter lim="800000"/>
+        </a:ln>
+        <a:effectLst/>
+      </dsp:spPr>
+      <dsp:style>
+        <a:lnRef idx="2">
+          <a:scrgbClr r="0" g="0" b="0"/>
+        </a:lnRef>
+        <a:fillRef idx="1">
+          <a:scrgbClr r="0" g="0" b="0"/>
+        </a:fillRef>
+        <a:effectRef idx="0">
+          <a:scrgbClr r="0" g="0" b="0"/>
+        </a:effectRef>
+        <a:fontRef idx="minor">
+          <a:schemeClr val="lt1"/>
+        </a:fontRef>
+      </dsp:style>
+      <dsp:txBody>
+        <a:bodyPr spcFirstLastPara="0" vert="horz" wrap="square" lIns="12065" tIns="12065" rIns="12065" bIns="146924" numCol="1" spcCol="1270" anchor="ctr" anchorCtr="0">
+          <a:noAutofit/>
+        </a:bodyPr>
+        <a:lstStyle/>
+        <a:p>
+          <a:pPr lvl="0" algn="ctr" defTabSz="844550">
+            <a:lnSpc>
+              <a:spcPct val="90000"/>
+            </a:lnSpc>
+            <a:spcBef>
+              <a:spcPct val="0"/>
+            </a:spcBef>
+            <a:spcAft>
+              <a:spcPct val="35000"/>
+            </a:spcAft>
+          </a:pPr>
+          <a:r>
+            <a:rPr lang="de-DE" sz="1900" kern="1200" dirty="0" smtClean="0"/>
+            <a:t>Datenbankdesigner</a:t>
+          </a:r>
+          <a:endParaRPr lang="de-DE" sz="1900" kern="1200" dirty="0"/>
+        </a:p>
+      </dsp:txBody>
+      <dsp:txXfrm>
+        <a:off x="2802780" y="2418614"/>
+        <a:ext cx="2010976" cy="1041194"/>
+      </dsp:txXfrm>
+    </dsp:sp>
+    <dsp:sp modelId="{5681A1C3-F7F2-459E-B1EA-ADC0DF83F7F4}">
+      <dsp:nvSpPr>
+        <dsp:cNvPr id="0" name=""/>
+        <dsp:cNvSpPr/>
+      </dsp:nvSpPr>
+      <dsp:spPr>
+        <a:xfrm>
+          <a:off x="3204975" y="3228432"/>
+          <a:ext cx="1809878" cy="347064"/>
+        </a:xfrm>
+        <a:prstGeom prst="rect">
+          <a:avLst/>
+        </a:prstGeom>
+        <a:solidFill>
+          <a:schemeClr val="lt1">
+            <a:alpha val="90000"/>
+            <a:hueOff val="0"/>
+            <a:satOff val="0"/>
+            <a:lumOff val="0"/>
+            <a:alphaOff val="0"/>
+          </a:schemeClr>
+        </a:solidFill>
+        <a:ln w="12700" cap="flat" cmpd="sng" algn="ctr">
+          <a:solidFill>
+            <a:schemeClr val="accent1">
+              <a:hueOff val="0"/>
+              <a:satOff val="0"/>
+              <a:lumOff val="0"/>
+              <a:alphaOff val="0"/>
+            </a:schemeClr>
+          </a:solidFill>
+          <a:prstDash val="solid"/>
+          <a:miter lim="800000"/>
+        </a:ln>
+        <a:effectLst/>
+      </dsp:spPr>
+      <dsp:style>
+        <a:lnRef idx="2">
+          <a:scrgbClr r="0" g="0" b="0"/>
+        </a:lnRef>
+        <a:fillRef idx="1">
+          <a:scrgbClr r="0" g="0" b="0"/>
+        </a:fillRef>
+        <a:effectRef idx="0">
+          <a:scrgbClr r="0" g="0" b="0"/>
+        </a:effectRef>
+        <a:fontRef idx="minor"/>
+      </dsp:style>
+      <dsp:txBody>
+        <a:bodyPr spcFirstLastPara="0" vert="horz" wrap="square" lIns="27940" tIns="6985" rIns="27940" bIns="6985" numCol="1" spcCol="1270" anchor="ctr" anchorCtr="0">
+          <a:noAutofit/>
+        </a:bodyPr>
+        <a:lstStyle/>
+        <a:p>
+          <a:pPr lvl="0" algn="r" defTabSz="488950">
+            <a:lnSpc>
+              <a:spcPct val="90000"/>
+            </a:lnSpc>
+            <a:spcBef>
+              <a:spcPct val="0"/>
+            </a:spcBef>
+            <a:spcAft>
+              <a:spcPct val="35000"/>
+            </a:spcAft>
+          </a:pPr>
+          <a:r>
+            <a:rPr lang="de-DE" sz="1100" kern="1200" dirty="0" smtClean="0"/>
+            <a:t>Meldet abgeschlossene Aufgaben zurück</a:t>
+          </a:r>
+          <a:endParaRPr lang="de-DE" sz="1100" kern="1200" dirty="0"/>
+        </a:p>
+      </dsp:txBody>
+      <dsp:txXfrm>
+        <a:off x="3204975" y="3228432"/>
+        <a:ext cx="1809878" cy="347064"/>
+      </dsp:txXfrm>
+    </dsp:sp>
+    <dsp:sp modelId="{7540C2E7-48D2-4EE8-87C4-B1638895265C}">
+      <dsp:nvSpPr>
+        <dsp:cNvPr id="0" name=""/>
+        <dsp:cNvSpPr/>
+      </dsp:nvSpPr>
+      <dsp:spPr>
+        <a:xfrm>
+          <a:off x="5500745" y="2418614"/>
+          <a:ext cx="2010976" cy="1041194"/>
+        </a:xfrm>
+        <a:prstGeom prst="rect">
+          <a:avLst/>
+        </a:prstGeom>
+        <a:solidFill>
+          <a:schemeClr val="accent1">
+            <a:hueOff val="0"/>
+            <a:satOff val="0"/>
+            <a:lumOff val="0"/>
+            <a:alphaOff val="0"/>
+          </a:schemeClr>
+        </a:solidFill>
+        <a:ln w="12700" cap="flat" cmpd="sng" algn="ctr">
+          <a:solidFill>
+            <a:schemeClr val="lt1">
+              <a:hueOff val="0"/>
+              <a:satOff val="0"/>
+              <a:lumOff val="0"/>
+              <a:alphaOff val="0"/>
+            </a:schemeClr>
+          </a:solidFill>
+          <a:prstDash val="solid"/>
+          <a:miter lim="800000"/>
+        </a:ln>
+        <a:effectLst/>
+      </dsp:spPr>
+      <dsp:style>
+        <a:lnRef idx="2">
+          <a:scrgbClr r="0" g="0" b="0"/>
+        </a:lnRef>
+        <a:fillRef idx="1">
+          <a:scrgbClr r="0" g="0" b="0"/>
+        </a:fillRef>
+        <a:effectRef idx="0">
+          <a:scrgbClr r="0" g="0" b="0"/>
+        </a:effectRef>
+        <a:fontRef idx="minor">
+          <a:schemeClr val="lt1"/>
+        </a:fontRef>
+      </dsp:style>
+      <dsp:txBody>
+        <a:bodyPr spcFirstLastPara="0" vert="horz" wrap="square" lIns="12065" tIns="12065" rIns="12065" bIns="146924" numCol="1" spcCol="1270" anchor="ctr" anchorCtr="0">
+          <a:noAutofit/>
+        </a:bodyPr>
+        <a:lstStyle/>
+        <a:p>
+          <a:pPr lvl="0" algn="ctr" defTabSz="844550">
+            <a:lnSpc>
+              <a:spcPct val="90000"/>
+            </a:lnSpc>
+            <a:spcBef>
+              <a:spcPct val="0"/>
+            </a:spcBef>
+            <a:spcAft>
+              <a:spcPct val="35000"/>
+            </a:spcAft>
+          </a:pPr>
+          <a:r>
+            <a:rPr lang="de-DE" sz="1900" kern="1200" dirty="0" smtClean="0"/>
+            <a:t>Webdesigner</a:t>
+          </a:r>
+          <a:endParaRPr lang="de-DE" sz="1900" kern="1200" dirty="0"/>
+        </a:p>
+      </dsp:txBody>
+      <dsp:txXfrm>
+        <a:off x="5500745" y="2418614"/>
+        <a:ext cx="2010976" cy="1041194"/>
+      </dsp:txXfrm>
+    </dsp:sp>
+    <dsp:sp modelId="{210698F5-CF27-4953-810C-44A846F5EE01}">
+      <dsp:nvSpPr>
+        <dsp:cNvPr id="0" name=""/>
+        <dsp:cNvSpPr/>
+      </dsp:nvSpPr>
+      <dsp:spPr>
+        <a:xfrm>
+          <a:off x="5902940" y="3228432"/>
+          <a:ext cx="1809878" cy="347064"/>
+        </a:xfrm>
+        <a:prstGeom prst="rect">
+          <a:avLst/>
+        </a:prstGeom>
+        <a:solidFill>
+          <a:schemeClr val="lt1">
+            <a:alpha val="90000"/>
+            <a:hueOff val="0"/>
+            <a:satOff val="0"/>
+            <a:lumOff val="0"/>
+            <a:alphaOff val="0"/>
+          </a:schemeClr>
+        </a:solidFill>
+        <a:ln w="12700" cap="flat" cmpd="sng" algn="ctr">
+          <a:solidFill>
+            <a:schemeClr val="accent1">
+              <a:hueOff val="0"/>
+              <a:satOff val="0"/>
+              <a:lumOff val="0"/>
+              <a:alphaOff val="0"/>
+            </a:schemeClr>
+          </a:solidFill>
+          <a:prstDash val="solid"/>
+          <a:miter lim="800000"/>
+        </a:ln>
+        <a:effectLst/>
+      </dsp:spPr>
+      <dsp:style>
+        <a:lnRef idx="2">
+          <a:scrgbClr r="0" g="0" b="0"/>
+        </a:lnRef>
+        <a:fillRef idx="1">
+          <a:scrgbClr r="0" g="0" b="0"/>
+        </a:fillRef>
+        <a:effectRef idx="0">
+          <a:scrgbClr r="0" g="0" b="0"/>
+        </a:effectRef>
+        <a:fontRef idx="minor"/>
+      </dsp:style>
+      <dsp:txBody>
+        <a:bodyPr spcFirstLastPara="0" vert="horz" wrap="square" lIns="27940" tIns="6985" rIns="27940" bIns="6985" numCol="1" spcCol="1270" anchor="ctr" anchorCtr="0">
+          <a:noAutofit/>
+        </a:bodyPr>
+        <a:lstStyle/>
+        <a:p>
+          <a:pPr lvl="0" algn="r" defTabSz="488950">
+            <a:lnSpc>
+              <a:spcPct val="90000"/>
+            </a:lnSpc>
+            <a:spcBef>
+              <a:spcPct val="0"/>
+            </a:spcBef>
+            <a:spcAft>
+              <a:spcPct val="35000"/>
+            </a:spcAft>
+          </a:pPr>
+          <a:r>
+            <a:rPr lang="de-DE" sz="1100" kern="1200" dirty="0" smtClean="0"/>
+            <a:t>Meldet abgeschlossene Aufgaben zurück</a:t>
+          </a:r>
+          <a:endParaRPr lang="de-DE" sz="1100" kern="1200" dirty="0"/>
+        </a:p>
+      </dsp:txBody>
+      <dsp:txXfrm>
+        <a:off x="5902940" y="3228432"/>
+        <a:ext cx="1809878" cy="347064"/>
+      </dsp:txXfrm>
+    </dsp:sp>
+    <dsp:sp modelId="{B7BCBAAF-BA9A-4699-B2A1-DF69996325E1}">
+      <dsp:nvSpPr>
+        <dsp:cNvPr id="0" name=""/>
+        <dsp:cNvSpPr/>
+      </dsp:nvSpPr>
+      <dsp:spPr>
+        <a:xfrm>
+          <a:off x="8198710" y="2418614"/>
+          <a:ext cx="2010976" cy="1041194"/>
+        </a:xfrm>
+        <a:prstGeom prst="rect">
+          <a:avLst/>
+        </a:prstGeom>
+        <a:solidFill>
+          <a:schemeClr val="accent1">
+            <a:hueOff val="0"/>
+            <a:satOff val="0"/>
+            <a:lumOff val="0"/>
+            <a:alphaOff val="0"/>
+          </a:schemeClr>
+        </a:solidFill>
+        <a:ln w="12700" cap="flat" cmpd="sng" algn="ctr">
+          <a:solidFill>
+            <a:schemeClr val="lt1">
+              <a:hueOff val="0"/>
+              <a:satOff val="0"/>
+              <a:lumOff val="0"/>
+              <a:alphaOff val="0"/>
+            </a:schemeClr>
+          </a:solidFill>
+          <a:prstDash val="solid"/>
+          <a:miter lim="800000"/>
+        </a:ln>
+        <a:effectLst/>
+      </dsp:spPr>
+      <dsp:style>
+        <a:lnRef idx="2">
+          <a:scrgbClr r="0" g="0" b="0"/>
+        </a:lnRef>
+        <a:fillRef idx="1">
+          <a:scrgbClr r="0" g="0" b="0"/>
+        </a:fillRef>
+        <a:effectRef idx="0">
+          <a:scrgbClr r="0" g="0" b="0"/>
+        </a:effectRef>
+        <a:fontRef idx="minor">
+          <a:schemeClr val="lt1"/>
+        </a:fontRef>
+      </dsp:style>
+      <dsp:txBody>
+        <a:bodyPr spcFirstLastPara="0" vert="horz" wrap="square" lIns="12065" tIns="12065" rIns="12065" bIns="146924" numCol="1" spcCol="1270" anchor="ctr" anchorCtr="0">
+          <a:noAutofit/>
+        </a:bodyPr>
+        <a:lstStyle/>
+        <a:p>
+          <a:pPr lvl="0" algn="ctr" defTabSz="844550">
+            <a:lnSpc>
+              <a:spcPct val="90000"/>
+            </a:lnSpc>
+            <a:spcBef>
+              <a:spcPct val="0"/>
+            </a:spcBef>
+            <a:spcAft>
+              <a:spcPct val="35000"/>
+            </a:spcAft>
+          </a:pPr>
+          <a:r>
+            <a:rPr lang="de-DE" sz="1900" kern="1200" dirty="0" smtClean="0"/>
+            <a:t>Programmierer</a:t>
+          </a:r>
+          <a:endParaRPr lang="de-DE" sz="1900" kern="1200" dirty="0"/>
+        </a:p>
+      </dsp:txBody>
+      <dsp:txXfrm>
+        <a:off x="8198710" y="2418614"/>
+        <a:ext cx="2010976" cy="1041194"/>
+      </dsp:txXfrm>
+    </dsp:sp>
+    <dsp:sp modelId="{52B6D15F-3B47-4570-B14B-B91C71FCECDE}">
+      <dsp:nvSpPr>
+        <dsp:cNvPr id="0" name=""/>
+        <dsp:cNvSpPr/>
+      </dsp:nvSpPr>
+      <dsp:spPr>
+        <a:xfrm>
+          <a:off x="8600905" y="3228432"/>
+          <a:ext cx="1809878" cy="347064"/>
+        </a:xfrm>
+        <a:prstGeom prst="rect">
+          <a:avLst/>
+        </a:prstGeom>
+        <a:solidFill>
+          <a:schemeClr val="lt1">
+            <a:alpha val="90000"/>
+            <a:hueOff val="0"/>
+            <a:satOff val="0"/>
+            <a:lumOff val="0"/>
+            <a:alphaOff val="0"/>
+          </a:schemeClr>
+        </a:solidFill>
+        <a:ln w="12700" cap="flat" cmpd="sng" algn="ctr">
+          <a:solidFill>
+            <a:schemeClr val="accent1">
+              <a:hueOff val="0"/>
+              <a:satOff val="0"/>
+              <a:lumOff val="0"/>
+              <a:alphaOff val="0"/>
+            </a:schemeClr>
+          </a:solidFill>
+          <a:prstDash val="solid"/>
+          <a:miter lim="800000"/>
+        </a:ln>
+        <a:effectLst/>
+      </dsp:spPr>
+      <dsp:style>
+        <a:lnRef idx="2">
+          <a:scrgbClr r="0" g="0" b="0"/>
+        </a:lnRef>
+        <a:fillRef idx="1">
+          <a:scrgbClr r="0" g="0" b="0"/>
+        </a:fillRef>
+        <a:effectRef idx="0">
+          <a:scrgbClr r="0" g="0" b="0"/>
+        </a:effectRef>
+        <a:fontRef idx="minor"/>
+      </dsp:style>
+      <dsp:txBody>
+        <a:bodyPr spcFirstLastPara="0" vert="horz" wrap="square" lIns="27940" tIns="6985" rIns="27940" bIns="6985" numCol="1" spcCol="1270" anchor="ctr" anchorCtr="0">
+          <a:noAutofit/>
+        </a:bodyPr>
+        <a:lstStyle/>
+        <a:p>
+          <a:pPr lvl="0" algn="r" defTabSz="488950">
+            <a:lnSpc>
+              <a:spcPct val="90000"/>
+            </a:lnSpc>
+            <a:spcBef>
+              <a:spcPct val="0"/>
+            </a:spcBef>
+            <a:spcAft>
+              <a:spcPct val="35000"/>
+            </a:spcAft>
+          </a:pPr>
+          <a:r>
+            <a:rPr lang="de-DE" sz="1100" kern="1200" dirty="0" smtClean="0"/>
+            <a:t>Meldet abgeschlossene Aufgaben zurück</a:t>
+          </a:r>
+          <a:endParaRPr lang="de-DE" sz="1100" kern="1200" dirty="0"/>
+        </a:p>
+      </dsp:txBody>
+      <dsp:txXfrm>
+        <a:off x="8600905" y="3228432"/>
+        <a:ext cx="1809878" cy="347064"/>
+      </dsp:txXfrm>
+    </dsp:sp>
+  </dsp:spTree>
+</dsp:drawing>
+</file>
+
+<file path=ppt/diagrams/drawing3.xml><?xml version="1.0" encoding="utf-8"?>
+<dsp:drawing xmlns:dgm="http://schemas.openxmlformats.org/drawingml/2006/diagram" xmlns:dsp="http://schemas.microsoft.com/office/drawing/2008/diagram" xmlns:a="http://schemas.openxmlformats.org/drawingml/2006/main">
+  <dsp:spTree>
+    <dsp:nvGrpSpPr>
+      <dsp:cNvPr id="0" name=""/>
+      <dsp:cNvGrpSpPr/>
+    </dsp:nvGrpSpPr>
+    <dsp:grpSpPr/>
+    <dsp:sp modelId="{E1A3A14D-54F4-45C0-B078-DDF782A8119D}">
+      <dsp:nvSpPr>
+        <dsp:cNvPr id="0" name=""/>
+        <dsp:cNvSpPr/>
+      </dsp:nvSpPr>
+      <dsp:spPr>
+        <a:xfrm rot="16200000">
+          <a:off x="1541065" y="-1541065"/>
+          <a:ext cx="2175669" cy="5257800"/>
+        </a:xfrm>
+        <a:prstGeom prst="round1Rect">
+          <a:avLst/>
+        </a:prstGeom>
+        <a:solidFill>
+          <a:schemeClr val="accent1">
+            <a:hueOff val="0"/>
+            <a:satOff val="0"/>
+            <a:lumOff val="0"/>
+            <a:alphaOff val="0"/>
+          </a:schemeClr>
+        </a:solidFill>
+        <a:ln w="19050" cap="flat" cmpd="sng" algn="ctr">
+          <a:solidFill>
+            <a:schemeClr val="lt1">
+              <a:hueOff val="0"/>
+              <a:satOff val="0"/>
+              <a:lumOff val="0"/>
+              <a:alphaOff val="0"/>
+            </a:schemeClr>
+          </a:solidFill>
+          <a:prstDash val="solid"/>
+          <a:miter lim="800000"/>
+        </a:ln>
+        <a:effectLst/>
+      </dsp:spPr>
+      <dsp:style>
+        <a:lnRef idx="3">
+          <a:scrgbClr r="0" g="0" b="0"/>
+        </a:lnRef>
+        <a:fillRef idx="1">
+          <a:scrgbClr r="0" g="0" b="0"/>
+        </a:fillRef>
+        <a:effectRef idx="1">
+          <a:scrgbClr r="0" g="0" b="0"/>
+        </a:effectRef>
+        <a:fontRef idx="minor">
+          <a:schemeClr val="lt1"/>
+        </a:fontRef>
+      </dsp:style>
+      <dsp:txBody>
+        <a:bodyPr spcFirstLastPara="0" vert="horz" wrap="square" lIns="128016" tIns="128016" rIns="128016" bIns="128016" numCol="1" spcCol="1270" anchor="ctr" anchorCtr="0">
+          <a:noAutofit/>
+        </a:bodyPr>
+        <a:lstStyle/>
+        <a:p>
+          <a:pPr lvl="0" algn="ctr" defTabSz="800100">
+            <a:lnSpc>
+              <a:spcPct val="90000"/>
+            </a:lnSpc>
+            <a:spcBef>
+              <a:spcPct val="0"/>
+            </a:spcBef>
+            <a:spcAft>
+              <a:spcPct val="35000"/>
+            </a:spcAft>
+          </a:pPr>
+          <a:r>
+            <a:rPr lang="de-DE" sz="1800" kern="1200" dirty="0" smtClean="0">
+              <a:solidFill>
+                <a:schemeClr val="tx1"/>
+              </a:solidFill>
+            </a:rPr>
+            <a:t>Stärken</a:t>
+          </a:r>
+        </a:p>
+        <a:p>
+          <a:pPr lvl="0" algn="ctr" defTabSz="800100">
+            <a:lnSpc>
+              <a:spcPct val="90000"/>
+            </a:lnSpc>
+            <a:spcBef>
+              <a:spcPct val="0"/>
+            </a:spcBef>
+            <a:spcAft>
+              <a:spcPct val="35000"/>
+            </a:spcAft>
+          </a:pPr>
+          <a:r>
+            <a:rPr lang="de-DE" sz="1800" kern="1200" dirty="0" smtClean="0"/>
+            <a:t>Teamfähigkeit</a:t>
+          </a:r>
+        </a:p>
+        <a:p>
+          <a:pPr lvl="0" algn="ctr" defTabSz="800100">
+            <a:lnSpc>
+              <a:spcPct val="90000"/>
+            </a:lnSpc>
+            <a:spcBef>
+              <a:spcPct val="0"/>
+            </a:spcBef>
+            <a:spcAft>
+              <a:spcPct val="35000"/>
+            </a:spcAft>
+          </a:pPr>
+          <a:r>
+            <a:rPr lang="de-DE" sz="1800" kern="1200" dirty="0" smtClean="0"/>
+            <a:t>Exakte Ausarbeitung des Konzepts</a:t>
+          </a:r>
+          <a:endParaRPr lang="de-DE" sz="1800" kern="1200" dirty="0"/>
+        </a:p>
+      </dsp:txBody>
+      <dsp:txXfrm rot="5400000">
+        <a:off x="0" y="0"/>
+        <a:ext cx="5257800" cy="1631751"/>
+      </dsp:txXfrm>
+    </dsp:sp>
+    <dsp:sp modelId="{814FA299-88E1-4EF5-A64E-227730F8666D}">
+      <dsp:nvSpPr>
+        <dsp:cNvPr id="0" name=""/>
+        <dsp:cNvSpPr/>
+      </dsp:nvSpPr>
+      <dsp:spPr>
+        <a:xfrm>
+          <a:off x="5257800" y="0"/>
+          <a:ext cx="5257800" cy="2175669"/>
+        </a:xfrm>
+        <a:prstGeom prst="round1Rect">
+          <a:avLst/>
+        </a:prstGeom>
+        <a:solidFill>
+          <a:schemeClr val="accent1">
+            <a:hueOff val="0"/>
+            <a:satOff val="0"/>
+            <a:lumOff val="0"/>
+            <a:alphaOff val="0"/>
+          </a:schemeClr>
+        </a:solidFill>
+        <a:ln w="19050" cap="flat" cmpd="sng" algn="ctr">
+          <a:solidFill>
+            <a:schemeClr val="lt1">
+              <a:hueOff val="0"/>
+              <a:satOff val="0"/>
+              <a:lumOff val="0"/>
+              <a:alphaOff val="0"/>
+            </a:schemeClr>
+          </a:solidFill>
+          <a:prstDash val="solid"/>
+          <a:miter lim="800000"/>
+        </a:ln>
+        <a:effectLst/>
+      </dsp:spPr>
+      <dsp:style>
+        <a:lnRef idx="3">
+          <a:scrgbClr r="0" g="0" b="0"/>
+        </a:lnRef>
+        <a:fillRef idx="1">
+          <a:scrgbClr r="0" g="0" b="0"/>
+        </a:fillRef>
+        <a:effectRef idx="1">
+          <a:scrgbClr r="0" g="0" b="0"/>
+        </a:effectRef>
+        <a:fontRef idx="minor">
+          <a:schemeClr val="lt1"/>
+        </a:fontRef>
+      </dsp:style>
+      <dsp:txBody>
+        <a:bodyPr spcFirstLastPara="0" vert="horz" wrap="square" lIns="128016" tIns="128016" rIns="128016" bIns="128016" numCol="1" spcCol="1270" anchor="ctr" anchorCtr="0">
+          <a:noAutofit/>
+        </a:bodyPr>
+        <a:lstStyle/>
+        <a:p>
+          <a:pPr lvl="0" algn="ctr" defTabSz="800100">
+            <a:lnSpc>
+              <a:spcPct val="90000"/>
+            </a:lnSpc>
+            <a:spcBef>
+              <a:spcPct val="0"/>
+            </a:spcBef>
+            <a:spcAft>
+              <a:spcPct val="35000"/>
+            </a:spcAft>
+          </a:pPr>
+          <a:r>
+            <a:rPr lang="de-DE" sz="1800" kern="1200" dirty="0" smtClean="0">
+              <a:solidFill>
+                <a:schemeClr val="tx1"/>
+              </a:solidFill>
+            </a:rPr>
+            <a:t>Schwächen</a:t>
+          </a:r>
+        </a:p>
+        <a:p>
+          <a:pPr lvl="0" algn="ctr" defTabSz="800100">
+            <a:lnSpc>
+              <a:spcPct val="90000"/>
+            </a:lnSpc>
+            <a:spcBef>
+              <a:spcPct val="0"/>
+            </a:spcBef>
+            <a:spcAft>
+              <a:spcPct val="35000"/>
+            </a:spcAft>
+          </a:pPr>
+          <a:r>
+            <a:rPr lang="de-DE" sz="1800" kern="1200" dirty="0" smtClean="0"/>
+            <a:t>Räumliche Trennung</a:t>
+          </a:r>
+        </a:p>
+        <a:p>
+          <a:pPr lvl="0" algn="ctr" defTabSz="800100">
+            <a:lnSpc>
+              <a:spcPct val="90000"/>
+            </a:lnSpc>
+            <a:spcBef>
+              <a:spcPct val="0"/>
+            </a:spcBef>
+            <a:spcAft>
+              <a:spcPct val="35000"/>
+            </a:spcAft>
+          </a:pPr>
+          <a:r>
+            <a:rPr lang="de-DE" sz="1800" kern="1200" dirty="0" smtClean="0"/>
+            <a:t>Hohe Diskussionsbereitschaft</a:t>
+          </a:r>
+          <a:endParaRPr lang="de-DE" sz="1800" kern="1200" dirty="0"/>
+        </a:p>
+      </dsp:txBody>
+      <dsp:txXfrm>
+        <a:off x="5257800" y="0"/>
+        <a:ext cx="5257800" cy="1631751"/>
+      </dsp:txXfrm>
+    </dsp:sp>
+    <dsp:sp modelId="{B79ED8F0-743A-4797-84D7-CB4163DC4E67}">
+      <dsp:nvSpPr>
+        <dsp:cNvPr id="0" name=""/>
+        <dsp:cNvSpPr/>
+      </dsp:nvSpPr>
+      <dsp:spPr>
+        <a:xfrm rot="10800000">
+          <a:off x="0" y="2175669"/>
+          <a:ext cx="5257800" cy="2175669"/>
+        </a:xfrm>
+        <a:prstGeom prst="round1Rect">
+          <a:avLst/>
+        </a:prstGeom>
+        <a:solidFill>
+          <a:schemeClr val="accent1">
+            <a:hueOff val="0"/>
+            <a:satOff val="0"/>
+            <a:lumOff val="0"/>
+            <a:alphaOff val="0"/>
+          </a:schemeClr>
+        </a:solidFill>
+        <a:ln w="19050" cap="flat" cmpd="sng" algn="ctr">
+          <a:solidFill>
+            <a:schemeClr val="lt1">
+              <a:hueOff val="0"/>
+              <a:satOff val="0"/>
+              <a:lumOff val="0"/>
+              <a:alphaOff val="0"/>
+            </a:schemeClr>
+          </a:solidFill>
+          <a:prstDash val="solid"/>
+          <a:miter lim="800000"/>
+        </a:ln>
+        <a:effectLst/>
+      </dsp:spPr>
+      <dsp:style>
+        <a:lnRef idx="3">
+          <a:scrgbClr r="0" g="0" b="0"/>
+        </a:lnRef>
+        <a:fillRef idx="1">
+          <a:scrgbClr r="0" g="0" b="0"/>
+        </a:fillRef>
+        <a:effectRef idx="1">
+          <a:scrgbClr r="0" g="0" b="0"/>
+        </a:effectRef>
+        <a:fontRef idx="minor">
+          <a:schemeClr val="lt1"/>
+        </a:fontRef>
+      </dsp:style>
+      <dsp:txBody>
+        <a:bodyPr spcFirstLastPara="0" vert="horz" wrap="square" lIns="128016" tIns="128016" rIns="128016" bIns="128016" numCol="1" spcCol="1270" anchor="ctr" anchorCtr="0">
+          <a:noAutofit/>
+        </a:bodyPr>
+        <a:lstStyle/>
+        <a:p>
+          <a:pPr lvl="0" algn="ctr" defTabSz="800100">
+            <a:lnSpc>
+              <a:spcPct val="90000"/>
+            </a:lnSpc>
+            <a:spcBef>
+              <a:spcPct val="0"/>
+            </a:spcBef>
+            <a:spcAft>
+              <a:spcPct val="35000"/>
+            </a:spcAft>
+          </a:pPr>
+          <a:r>
+            <a:rPr lang="de-DE" sz="1800" kern="1200" dirty="0" smtClean="0">
+              <a:solidFill>
+                <a:schemeClr val="tx1"/>
+              </a:solidFill>
+            </a:rPr>
+            <a:t>Chancen</a:t>
+          </a:r>
+        </a:p>
+        <a:p>
+          <a:pPr lvl="0" algn="ctr" defTabSz="800100">
+            <a:lnSpc>
+              <a:spcPct val="90000"/>
+            </a:lnSpc>
+            <a:spcBef>
+              <a:spcPct val="0"/>
+            </a:spcBef>
+            <a:spcAft>
+              <a:spcPct val="35000"/>
+            </a:spcAft>
+          </a:pPr>
+          <a:r>
+            <a:rPr lang="de-DE" sz="1800" kern="1200" dirty="0" smtClean="0"/>
+            <a:t>Frühzeitige Vollendung des Projekts</a:t>
+          </a:r>
+        </a:p>
+        <a:p>
+          <a:pPr lvl="0" algn="ctr" defTabSz="800100">
+            <a:lnSpc>
+              <a:spcPct val="90000"/>
+            </a:lnSpc>
+            <a:spcBef>
+              <a:spcPct val="0"/>
+            </a:spcBef>
+            <a:spcAft>
+              <a:spcPct val="35000"/>
+            </a:spcAft>
+          </a:pPr>
+          <a:endParaRPr lang="de-DE" sz="1800" kern="1200" dirty="0" smtClean="0"/>
+        </a:p>
+        <a:p>
+          <a:pPr lvl="0" algn="ctr" defTabSz="800100">
+            <a:lnSpc>
+              <a:spcPct val="90000"/>
+            </a:lnSpc>
+            <a:spcBef>
+              <a:spcPct val="0"/>
+            </a:spcBef>
+            <a:spcAft>
+              <a:spcPct val="35000"/>
+            </a:spcAft>
+          </a:pPr>
+          <a:endParaRPr lang="de-DE" sz="1800" kern="1200" dirty="0"/>
+        </a:p>
+      </dsp:txBody>
+      <dsp:txXfrm rot="10800000">
+        <a:off x="0" y="2719586"/>
+        <a:ext cx="5257800" cy="1631751"/>
+      </dsp:txXfrm>
+    </dsp:sp>
+    <dsp:sp modelId="{AAFD4529-CF99-4B55-9CE3-D6175EF566A5}">
+      <dsp:nvSpPr>
+        <dsp:cNvPr id="0" name=""/>
+        <dsp:cNvSpPr/>
+      </dsp:nvSpPr>
+      <dsp:spPr>
+        <a:xfrm rot="5400000">
+          <a:off x="6798865" y="634603"/>
+          <a:ext cx="2175669" cy="5257800"/>
+        </a:xfrm>
+        <a:prstGeom prst="round1Rect">
+          <a:avLst/>
+        </a:prstGeom>
+        <a:solidFill>
+          <a:schemeClr val="accent1">
+            <a:hueOff val="0"/>
+            <a:satOff val="0"/>
+            <a:lumOff val="0"/>
+            <a:alphaOff val="0"/>
+          </a:schemeClr>
+        </a:solidFill>
+        <a:ln w="19050" cap="flat" cmpd="sng" algn="ctr">
+          <a:solidFill>
+            <a:schemeClr val="lt1">
+              <a:hueOff val="0"/>
+              <a:satOff val="0"/>
+              <a:lumOff val="0"/>
+              <a:alphaOff val="0"/>
+            </a:schemeClr>
+          </a:solidFill>
+          <a:prstDash val="solid"/>
+          <a:miter lim="800000"/>
+        </a:ln>
+        <a:effectLst/>
+      </dsp:spPr>
+      <dsp:style>
+        <a:lnRef idx="3">
+          <a:scrgbClr r="0" g="0" b="0"/>
+        </a:lnRef>
+        <a:fillRef idx="1">
+          <a:scrgbClr r="0" g="0" b="0"/>
+        </a:fillRef>
+        <a:effectRef idx="1">
+          <a:scrgbClr r="0" g="0" b="0"/>
+        </a:effectRef>
+        <a:fontRef idx="minor">
+          <a:schemeClr val="lt1"/>
+        </a:fontRef>
+      </dsp:style>
+      <dsp:txBody>
+        <a:bodyPr spcFirstLastPara="0" vert="horz" wrap="square" lIns="128016" tIns="128016" rIns="128016" bIns="128016" numCol="1" spcCol="1270" anchor="ctr" anchorCtr="0">
+          <a:noAutofit/>
+        </a:bodyPr>
+        <a:lstStyle/>
+        <a:p>
+          <a:pPr lvl="0" algn="ctr" defTabSz="800100">
+            <a:lnSpc>
+              <a:spcPct val="90000"/>
+            </a:lnSpc>
+            <a:spcBef>
+              <a:spcPct val="0"/>
+            </a:spcBef>
+            <a:spcAft>
+              <a:spcPct val="35000"/>
+            </a:spcAft>
+          </a:pPr>
+          <a:r>
+            <a:rPr lang="de-DE" sz="1800" kern="1200" dirty="0" smtClean="0">
+              <a:solidFill>
+                <a:schemeClr val="tx1"/>
+              </a:solidFill>
+            </a:rPr>
+            <a:t>Risiken</a:t>
+          </a:r>
+        </a:p>
+        <a:p>
+          <a:pPr lvl="0" algn="ctr" defTabSz="800100">
+            <a:lnSpc>
+              <a:spcPct val="90000"/>
+            </a:lnSpc>
+            <a:spcBef>
+              <a:spcPct val="0"/>
+            </a:spcBef>
+            <a:spcAft>
+              <a:spcPct val="35000"/>
+            </a:spcAft>
+          </a:pPr>
+          <a:r>
+            <a:rPr lang="de-DE" sz="1800" kern="1200" dirty="0" smtClean="0"/>
+            <a:t>Ablehnung des Projektantrags</a:t>
+          </a:r>
+        </a:p>
+        <a:p>
+          <a:pPr lvl="0" algn="ctr" defTabSz="800100">
+            <a:lnSpc>
+              <a:spcPct val="90000"/>
+            </a:lnSpc>
+            <a:spcBef>
+              <a:spcPct val="0"/>
+            </a:spcBef>
+            <a:spcAft>
+              <a:spcPct val="35000"/>
+            </a:spcAft>
+          </a:pPr>
+          <a:endParaRPr lang="de-DE" sz="1800" kern="1200" dirty="0" smtClean="0"/>
+        </a:p>
+        <a:p>
+          <a:pPr lvl="0" algn="ctr" defTabSz="800100">
+            <a:lnSpc>
+              <a:spcPct val="90000"/>
+            </a:lnSpc>
+            <a:spcBef>
+              <a:spcPct val="0"/>
+            </a:spcBef>
+            <a:spcAft>
+              <a:spcPct val="35000"/>
+            </a:spcAft>
+          </a:pPr>
+          <a:endParaRPr lang="de-DE" sz="1800" kern="1200" dirty="0"/>
+        </a:p>
+      </dsp:txBody>
+      <dsp:txXfrm rot="-5400000">
+        <a:off x="5257800" y="2719586"/>
+        <a:ext cx="5257800" cy="1631751"/>
+      </dsp:txXfrm>
+    </dsp:sp>
+    <dsp:sp modelId="{F58229AE-7E1A-42A1-AFE9-1EE806ECC846}">
+      <dsp:nvSpPr>
+        <dsp:cNvPr id="0" name=""/>
+        <dsp:cNvSpPr/>
+      </dsp:nvSpPr>
+      <dsp:spPr>
+        <a:xfrm>
+          <a:off x="3680460" y="1631751"/>
+          <a:ext cx="3154680" cy="1087834"/>
+        </a:xfrm>
+        <a:prstGeom prst="roundRect">
+          <a:avLst/>
+        </a:prstGeom>
+        <a:solidFill>
+          <a:schemeClr val="accent1">
+            <a:tint val="60000"/>
+            <a:hueOff val="0"/>
+            <a:satOff val="0"/>
+            <a:lumOff val="0"/>
+            <a:alphaOff val="0"/>
+          </a:schemeClr>
+        </a:solidFill>
+        <a:ln w="19050" cap="flat" cmpd="sng" algn="ctr">
+          <a:solidFill>
+            <a:schemeClr val="lt1">
+              <a:hueOff val="0"/>
+              <a:satOff val="0"/>
+              <a:lumOff val="0"/>
+              <a:alphaOff val="0"/>
+            </a:schemeClr>
+          </a:solidFill>
+          <a:prstDash val="solid"/>
+          <a:miter lim="800000"/>
+        </a:ln>
+        <a:effectLst/>
+      </dsp:spPr>
+      <dsp:style>
+        <a:lnRef idx="3">
+          <a:scrgbClr r="0" g="0" b="0"/>
+        </a:lnRef>
+        <a:fillRef idx="1">
+          <a:scrgbClr r="0" g="0" b="0"/>
+        </a:fillRef>
+        <a:effectRef idx="1">
+          <a:scrgbClr r="0" g="0" b="0"/>
+        </a:effectRef>
+        <a:fontRef idx="minor"/>
+      </dsp:style>
+      <dsp:txBody>
+        <a:bodyPr spcFirstLastPara="0" vert="horz" wrap="square" lIns="68580" tIns="68580" rIns="68580" bIns="68580" numCol="1" spcCol="1270" anchor="ctr" anchorCtr="0">
+          <a:noAutofit/>
+        </a:bodyPr>
+        <a:lstStyle/>
+        <a:p>
+          <a:pPr lvl="0" algn="ctr" defTabSz="800100">
+            <a:lnSpc>
+              <a:spcPct val="90000"/>
+            </a:lnSpc>
+            <a:spcBef>
+              <a:spcPct val="0"/>
+            </a:spcBef>
+            <a:spcAft>
+              <a:spcPct val="35000"/>
+            </a:spcAft>
+          </a:pPr>
+          <a:r>
+            <a:rPr lang="de-DE" sz="1800" kern="1200" dirty="0" smtClean="0"/>
+            <a:t>SWOT</a:t>
+          </a:r>
+          <a:endParaRPr lang="de-DE" sz="1800" kern="1200" dirty="0"/>
+        </a:p>
+      </dsp:txBody>
+      <dsp:txXfrm>
+        <a:off x="3733564" y="1684855"/>
+        <a:ext cx="3048472" cy="981626"/>
       </dsp:txXfrm>
     </dsp:sp>
   </dsp:spTree>
@@ -3976,6 +8134,1564 @@
 </dgm:layoutDef>
 </file>
 
+<file path=ppt/diagrams/layout2.xml><?xml version="1.0" encoding="utf-8"?>
+<dgm:layoutDef xmlns:dgm="http://schemas.openxmlformats.org/drawingml/2006/diagram" xmlns:a="http://schemas.openxmlformats.org/drawingml/2006/main" uniqueId="urn:microsoft.com/office/officeart/2008/layout/NameandTitleOrganizationalChart">
+  <dgm:title val=""/>
+  <dgm:desc val=""/>
+  <dgm:catLst>
+    <dgm:cat type="hierarchy" pri="1250"/>
+  </dgm:catLst>
+  <dgm:sampData>
+    <dgm:dataModel>
+      <dgm:ptLst>
+        <dgm:pt modelId="0" type="doc"/>
+        <dgm:pt modelId="1">
+          <dgm:prSet phldr="1"/>
+        </dgm:pt>
+        <dgm:pt modelId="2" type="asst">
+          <dgm:prSet phldr="1"/>
+        </dgm:pt>
+        <dgm:pt modelId="3">
+          <dgm:prSet phldr="1"/>
+        </dgm:pt>
+        <dgm:pt modelId="4">
+          <dgm:prSet phldr="1"/>
+        </dgm:pt>
+        <dgm:pt modelId="5">
+          <dgm:prSet phldr="1"/>
+        </dgm:pt>
+      </dgm:ptLst>
+      <dgm:cxnLst>
+        <dgm:cxn modelId="5" srcId="0" destId="1" srcOrd="0" destOrd="0"/>
+        <dgm:cxn modelId="6" srcId="1" destId="2" srcOrd="0" destOrd="0"/>
+        <dgm:cxn modelId="7" srcId="1" destId="3" srcOrd="1" destOrd="0"/>
+        <dgm:cxn modelId="8" srcId="1" destId="4" srcOrd="2" destOrd="0"/>
+        <dgm:cxn modelId="9" srcId="1" destId="5" srcOrd="3" destOrd="0"/>
+      </dgm:cxnLst>
+      <dgm:bg/>
+      <dgm:whole/>
+    </dgm:dataModel>
+  </dgm:sampData>
+  <dgm:styleData>
+    <dgm:dataModel>
+      <dgm:ptLst>
+        <dgm:pt modelId="0" type="doc"/>
+        <dgm:pt modelId="1"/>
+        <dgm:pt modelId="12"/>
+        <dgm:pt modelId="13"/>
+      </dgm:ptLst>
+      <dgm:cxnLst>
+        <dgm:cxn modelId="2" srcId="0" destId="1" srcOrd="0" destOrd="0"/>
+        <dgm:cxn modelId="16" srcId="1" destId="12" srcOrd="1" destOrd="0"/>
+        <dgm:cxn modelId="17" srcId="1" destId="13" srcOrd="2" destOrd="0"/>
+      </dgm:cxnLst>
+      <dgm:bg/>
+      <dgm:whole/>
+    </dgm:dataModel>
+  </dgm:styleData>
+  <dgm:clrData>
+    <dgm:dataModel>
+      <dgm:ptLst>
+        <dgm:pt modelId="0" type="doc"/>
+        <dgm:pt modelId="1"/>
+        <dgm:pt modelId="11" type="asst"/>
+        <dgm:pt modelId="12"/>
+        <dgm:pt modelId="13"/>
+        <dgm:pt modelId="14"/>
+      </dgm:ptLst>
+      <dgm:cxnLst>
+        <dgm:cxn modelId="2" srcId="0" destId="1" srcOrd="0" destOrd="0"/>
+        <dgm:cxn modelId="15" srcId="1" destId="11" srcOrd="0" destOrd="0"/>
+        <dgm:cxn modelId="16" srcId="1" destId="12" srcOrd="1" destOrd="0"/>
+        <dgm:cxn modelId="17" srcId="1" destId="13" srcOrd="2" destOrd="0"/>
+        <dgm:cxn modelId="18" srcId="1" destId="14" srcOrd="2" destOrd="0"/>
+      </dgm:cxnLst>
+      <dgm:bg/>
+      <dgm:whole/>
+    </dgm:dataModel>
+  </dgm:clrData>
+  <dgm:layoutNode name="hierChild1">
+    <dgm:varLst>
+      <dgm:orgChart val="1"/>
+      <dgm:chPref val="1"/>
+      <dgm:dir/>
+      <dgm:animOne val="branch"/>
+      <dgm:animLvl val="lvl"/>
+      <dgm:resizeHandles/>
+    </dgm:varLst>
+    <dgm:choose name="Name0">
+      <dgm:if name="Name1" func="var" arg="dir" op="equ" val="norm">
+        <dgm:alg type="hierChild">
+          <dgm:param type="linDir" val="fromL"/>
+        </dgm:alg>
+      </dgm:if>
+      <dgm:else name="Name2">
+        <dgm:alg type="hierChild">
+          <dgm:param type="linDir" val="fromR"/>
+        </dgm:alg>
+      </dgm:else>
+    </dgm:choose>
+    <dgm:shape xmlns:r="http://schemas.openxmlformats.org/officeDocument/2006/relationships" r:blip="">
+      <dgm:adjLst/>
+    </dgm:shape>
+    <dgm:presOf/>
+    <dgm:constrLst>
+      <dgm:constr type="w" for="des" forName="rootComposite1" refType="w" fact="10"/>
+      <dgm:constr type="h" for="des" forName="rootComposite1" refType="w" refFor="des" refForName="rootComposite1" fact="0.5"/>
+      <dgm:constr type="w" for="des" forName="rootComposite" refType="w" fact="10"/>
+      <dgm:constr type="h" for="des" forName="rootComposite" refType="w" refFor="des" refForName="rootComposite1" fact="0.5"/>
+      <dgm:constr type="w" for="des" forName="rootComposite3" refType="w" fact="10"/>
+      <dgm:constr type="h" for="des" forName="rootComposite3" refType="w" refFor="des" refForName="rootComposite1" fact="0.5"/>
+      <dgm:constr type="primFontSz" for="des" ptType="node" op="equ"/>
+      <dgm:constr type="sp" for="des" op="equ"/>
+      <dgm:constr type="sp" for="des" forName="hierRoot1" refType="w" refFor="des" refForName="rootComposite1" fact="0.21"/>
+      <dgm:constr type="sp" for="des" forName="hierRoot2" refType="sp" refFor="des" refForName="hierRoot1"/>
+      <dgm:constr type="sp" for="des" forName="hierRoot3" refType="sp" refFor="des" refForName="hierRoot1"/>
+      <dgm:constr type="sibSp" refType="w" refFor="des" refForName="rootComposite1" fact="0.21"/>
+      <dgm:constr type="sibSp" for="des" forName="hierChild2" refType="sibSp"/>
+      <dgm:constr type="sibSp" for="des" forName="hierChild3" refType="sibSp"/>
+      <dgm:constr type="sibSp" for="des" forName="hierChild4" refType="sibSp"/>
+      <dgm:constr type="sibSp" for="des" forName="hierChild5" refType="sibSp"/>
+      <dgm:constr type="sibSp" for="des" forName="hierChild6" refType="sibSp"/>
+      <dgm:constr type="sibSp" for="des" forName="hierChild7" refType="sibSp"/>
+      <dgm:constr type="secSibSp" refType="w" refFor="des" refForName="rootComposite1" fact="0.21"/>
+      <dgm:constr type="secSibSp" for="des" forName="hierChild2" refType="secSibSp"/>
+      <dgm:constr type="secSibSp" for="des" forName="hierChild3" refType="secSibSp"/>
+      <dgm:constr type="secSibSp" for="des" forName="hierChild4" refType="secSibSp"/>
+      <dgm:constr type="secSibSp" for="des" forName="hierChild5" refType="secSibSp"/>
+      <dgm:constr type="secSibSp" for="des" forName="hierChild6" refType="secSibSp"/>
+      <dgm:constr type="secSibSp" for="des" forName="hierChild7" refType="secSibSp"/>
+    </dgm:constrLst>
+    <dgm:ruleLst/>
+    <dgm:forEach name="Name3" axis="ch">
+      <dgm:forEach name="Name4" axis="self" ptType="node">
+        <dgm:layoutNode name="hierRoot1">
+          <dgm:varLst>
+            <dgm:hierBranch val="init"/>
+          </dgm:varLst>
+          <dgm:choose name="Name5">
+            <dgm:if name="Name6" func="var" arg="hierBranch" op="equ" val="l">
+              <dgm:choose name="Name7">
+                <dgm:if name="Name8" axis="ch" ptType="asst" func="cnt" op="gte" val="1">
+                  <dgm:alg type="hierRoot">
+                    <dgm:param type="hierAlign" val="tR"/>
+                  </dgm:alg>
+                  <dgm:constrLst>
+                    <dgm:constr type="alignOff" val="0.65"/>
+                  </dgm:constrLst>
+                </dgm:if>
+                <dgm:else name="Name9">
+                  <dgm:alg type="hierRoot">
+                    <dgm:param type="hierAlign" val="tR"/>
+                  </dgm:alg>
+                  <dgm:constrLst>
+                    <dgm:constr type="alignOff" val="0.25"/>
+                  </dgm:constrLst>
+                </dgm:else>
+              </dgm:choose>
+            </dgm:if>
+            <dgm:if name="Name10" func="var" arg="hierBranch" op="equ" val="r">
+              <dgm:choose name="Name11">
+                <dgm:if name="Name12" axis="ch" ptType="asst" func="cnt" op="gte" val="1">
+                  <dgm:alg type="hierRoot">
+                    <dgm:param type="hierAlign" val="tL"/>
+                  </dgm:alg>
+                  <dgm:constrLst>
+                    <dgm:constr type="alignOff" val="0.65"/>
+                  </dgm:constrLst>
+                </dgm:if>
+                <dgm:else name="Name13">
+                  <dgm:alg type="hierRoot">
+                    <dgm:param type="hierAlign" val="tL"/>
+                  </dgm:alg>
+                  <dgm:constrLst>
+                    <dgm:constr type="alignOff" val="0.25"/>
+                  </dgm:constrLst>
+                </dgm:else>
+              </dgm:choose>
+            </dgm:if>
+            <dgm:if name="Name14" func="var" arg="hierBranch" op="equ" val="hang">
+              <dgm:alg type="hierRoot"/>
+              <dgm:constrLst>
+                <dgm:constr type="alignOff" val="0.65"/>
+              </dgm:constrLst>
+            </dgm:if>
+            <dgm:else name="Name15">
+              <dgm:alg type="hierRoot"/>
+              <dgm:constrLst>
+                <dgm:constr type="alignOff"/>
+                <dgm:constr type="bendDist" for="des" ptType="parTrans" refType="sp" fact="0.5"/>
+              </dgm:constrLst>
+            </dgm:else>
+          </dgm:choose>
+          <dgm:shape xmlns:r="http://schemas.openxmlformats.org/officeDocument/2006/relationships" r:blip="">
+            <dgm:adjLst/>
+          </dgm:shape>
+          <dgm:presOf/>
+          <dgm:ruleLst/>
+          <dgm:layoutNode name="rootComposite1">
+            <dgm:alg type="composite"/>
+            <dgm:shape xmlns:r="http://schemas.openxmlformats.org/officeDocument/2006/relationships" r:blip="">
+              <dgm:adjLst/>
+            </dgm:shape>
+            <dgm:presOf axis="self" ptType="node" cnt="1"/>
+            <dgm:choose name="Name16">
+              <dgm:if name="Name17" func="var" arg="hierBranch" op="equ" val="init">
+                <dgm:constrLst>
+                  <dgm:constr type="l" for="ch" forName="rootText1"/>
+                  <dgm:constr type="t" for="ch" forName="rootText1"/>
+                  <dgm:constr type="w" for="ch" forName="rootText1" refType="w"/>
+                  <dgm:constr type="h" for="ch" forName="rootText1" refType="h" fact="0.9"/>
+                  <dgm:constr type="l" for="ch" forName="titleText1" refType="w" fact="0.2"/>
+                  <dgm:constr type="t" for="ch" forName="titleText1" refType="h" fact="0.7"/>
+                  <dgm:constr type="w" for="ch" forName="titleText1" refType="w" fact="0.9"/>
+                  <dgm:constr type="h" for="ch" forName="titleText1" refType="h" fact="0.3"/>
+                  <dgm:constr type="primFontSz" for="des" forName="titleText1" refType="primFontSz" refFor="des" refForName="rootText1" op="lte"/>
+                  <dgm:constr type="l" for="ch" forName="rootConnector1"/>
+                  <dgm:constr type="t" for="ch" forName="rootConnector1"/>
+                  <dgm:constr type="w" for="ch" forName="rootConnector1" refType="w" refFor="ch" refForName="rootText1" fact="0.2"/>
+                  <dgm:constr type="h" for="ch" forName="rootConnector1" refType="h" refFor="ch" refForName="rootText1"/>
+                </dgm:constrLst>
+              </dgm:if>
+              <dgm:if name="Name18" func="var" arg="hierBranch" op="equ" val="l">
+                <dgm:constrLst>
+                  <dgm:constr type="l" for="ch" forName="rootText1"/>
+                  <dgm:constr type="t" for="ch" forName="rootText1"/>
+                  <dgm:constr type="w" for="ch" forName="rootText1" refType="w"/>
+                  <dgm:constr type="h" for="ch" forName="rootText1" refType="h" fact="0.9"/>
+                  <dgm:constr type="l" for="ch" forName="titleText1" refType="w" fact="0.2"/>
+                  <dgm:constr type="t" for="ch" forName="titleText1" refType="h" fact="0.7"/>
+                  <dgm:constr type="w" for="ch" forName="titleText1" refType="w" fact="0.9"/>
+                  <dgm:constr type="h" for="ch" forName="titleText1" refType="h" fact="0.3"/>
+                  <dgm:constr type="primFontSz" for="des" forName="titleText1" refType="primFontSz" refFor="des" refForName="rootText1" op="lte"/>
+                  <dgm:constr type="r" for="ch" forName="rootConnector1" refType="w"/>
+                  <dgm:constr type="t" for="ch" forName="rootConnector1"/>
+                  <dgm:constr type="w" for="ch" forName="rootConnector1" refType="w" refFor="ch" refForName="rootText1" fact="0.2"/>
+                  <dgm:constr type="h" for="ch" forName="rootConnector1" refType="h" refFor="ch" refForName="rootText1"/>
+                </dgm:constrLst>
+              </dgm:if>
+              <dgm:if name="Name19" func="var" arg="hierBranch" op="equ" val="r">
+                <dgm:constrLst>
+                  <dgm:constr type="l" for="ch" forName="rootText1"/>
+                  <dgm:constr type="t" for="ch" forName="rootText1"/>
+                  <dgm:constr type="w" for="ch" forName="rootText1" refType="w"/>
+                  <dgm:constr type="h" for="ch" forName="rootText1" refType="h" fact="0.9"/>
+                  <dgm:constr type="l" for="ch" forName="titleText1" refType="w" fact="0.2"/>
+                  <dgm:constr type="t" for="ch" forName="titleText1" refType="h" fact="0.7"/>
+                  <dgm:constr type="w" for="ch" forName="titleText1" refType="w" fact="0.9"/>
+                  <dgm:constr type="h" for="ch" forName="titleText1" refType="h" fact="0.3"/>
+                  <dgm:constr type="primFontSz" for="des" forName="titleText1" refType="primFontSz" refFor="des" refForName="rootText1" op="lte"/>
+                  <dgm:constr type="l" for="ch" forName="rootConnector1"/>
+                  <dgm:constr type="t" for="ch" forName="rootConnector1"/>
+                  <dgm:constr type="w" for="ch" forName="rootConnector1" refType="w" refFor="ch" refForName="rootText1" fact="0.2"/>
+                  <dgm:constr type="h" for="ch" forName="rootConnector1" refType="h" refFor="ch" refForName="rootText1"/>
+                </dgm:constrLst>
+              </dgm:if>
+              <dgm:else name="Name20">
+                <dgm:constrLst>
+                  <dgm:constr type="l" for="ch" forName="rootText1"/>
+                  <dgm:constr type="t" for="ch" forName="rootText1"/>
+                  <dgm:constr type="w" for="ch" forName="rootText1" refType="w"/>
+                  <dgm:constr type="h" for="ch" forName="rootText1" refType="h" fact="0.9"/>
+                  <dgm:constr type="l" for="ch" forName="titleText1" refType="w" fact="0.2"/>
+                  <dgm:constr type="t" for="ch" forName="titleText1" refType="h" fact="0.7"/>
+                  <dgm:constr type="w" for="ch" forName="titleText1" refType="w" fact="0.9"/>
+                  <dgm:constr type="h" for="ch" forName="titleText1" refType="h" fact="0.3"/>
+                  <dgm:constr type="primFontSz" for="des" forName="titleText1" refType="primFontSz" refFor="des" refForName="rootText1" op="lte"/>
+                  <dgm:constr type="r" for="ch" forName="rootConnector1" refType="w"/>
+                  <dgm:constr type="t" for="ch" forName="rootConnector1"/>
+                  <dgm:constr type="w" for="ch" forName="rootConnector1" refType="w" refFor="ch" refForName="rootText1" fact="0.2"/>
+                  <dgm:constr type="h" for="ch" forName="rootConnector1" refType="h" refFor="ch" refForName="rootText1"/>
+                </dgm:constrLst>
+              </dgm:else>
+            </dgm:choose>
+            <dgm:ruleLst/>
+            <dgm:layoutNode name="rootText1" styleLbl="node0">
+              <dgm:varLst>
+                <dgm:chMax/>
+                <dgm:chPref val="3"/>
+              </dgm:varLst>
+              <dgm:alg type="tx"/>
+              <dgm:shape xmlns:r="http://schemas.openxmlformats.org/officeDocument/2006/relationships" type="rect" r:blip="">
+                <dgm:adjLst/>
+              </dgm:shape>
+              <dgm:presOf axis="self" ptType="node" cnt="1"/>
+              <dgm:constrLst>
+                <dgm:constr type="primFontSz" val="65"/>
+                <dgm:constr type="lMarg" refType="primFontSz" fact="0.05"/>
+                <dgm:constr type="rMarg" refType="primFontSz" fact="0.05"/>
+                <dgm:constr type="tMarg" refType="primFontSz" fact="0.05"/>
+                <dgm:constr type="bMarg" refType="h" fact="0.4"/>
+              </dgm:constrLst>
+              <dgm:ruleLst>
+                <dgm:rule type="primFontSz" val="5" fact="NaN" max="NaN"/>
+              </dgm:ruleLst>
+            </dgm:layoutNode>
+            <dgm:layoutNode name="titleText1" styleLbl="fgAcc0">
+              <dgm:varLst>
+                <dgm:chMax val="0"/>
+                <dgm:chPref val="0"/>
+              </dgm:varLst>
+              <dgm:alg type="tx">
+                <dgm:param type="parTxLTRAlign" val="r"/>
+              </dgm:alg>
+              <dgm:shape xmlns:r="http://schemas.openxmlformats.org/officeDocument/2006/relationships" type="rect" r:blip="">
+                <dgm:adjLst/>
+              </dgm:shape>
+              <dgm:presOf axis="followSib" ptType="sibTrans" hideLastTrans="0" cnt="1"/>
+              <dgm:constrLst>
+                <dgm:constr type="primFontSz" val="65"/>
+                <dgm:constr type="lMarg" refType="primFontSz" fact="0.2"/>
+                <dgm:constr type="rMarg" refType="primFontSz" fact="0.2"/>
+                <dgm:constr type="tMarg" refType="primFontSz" fact="0.05"/>
+                <dgm:constr type="bMarg" refType="primFontSz" fact="0.05"/>
+              </dgm:constrLst>
+              <dgm:ruleLst>
+                <dgm:rule type="primFontSz" val="5" fact="NaN" max="NaN"/>
+              </dgm:ruleLst>
+            </dgm:layoutNode>
+            <dgm:layoutNode name="rootConnector1" moveWith="rootText1">
+              <dgm:alg type="sp"/>
+              <dgm:shape xmlns:r="http://schemas.openxmlformats.org/officeDocument/2006/relationships" type="rect" r:blip="" hideGeom="1">
+                <dgm:adjLst/>
+              </dgm:shape>
+              <dgm:presOf axis="self" ptType="node" cnt="1"/>
+              <dgm:constrLst/>
+              <dgm:ruleLst/>
+            </dgm:layoutNode>
+          </dgm:layoutNode>
+          <dgm:layoutNode name="hierChild2">
+            <dgm:choose name="Name21">
+              <dgm:if name="Name22" func="var" arg="hierBranch" op="equ" val="l">
+                <dgm:alg type="hierChild">
+                  <dgm:param type="chAlign" val="r"/>
+                  <dgm:param type="linDir" val="fromT"/>
+                </dgm:alg>
+              </dgm:if>
+              <dgm:if name="Name23" func="var" arg="hierBranch" op="equ" val="r">
+                <dgm:alg type="hierChild">
+                  <dgm:param type="chAlign" val="l"/>
+                  <dgm:param type="linDir" val="fromT"/>
+                </dgm:alg>
+              </dgm:if>
+              <dgm:if name="Name24" func="var" arg="hierBranch" op="equ" val="hang">
+                <dgm:choose name="Name25">
+                  <dgm:if name="Name26" func="var" arg="dir" op="equ" val="norm">
+                    <dgm:alg type="hierChild">
+                      <dgm:param type="chAlign" val="l"/>
+                      <dgm:param type="linDir" val="fromL"/>
+                      <dgm:param type="secChAlign" val="t"/>
+                      <dgm:param type="secLinDir" val="fromT"/>
+                    </dgm:alg>
+                  </dgm:if>
+                  <dgm:else name="Name27">
+                    <dgm:alg type="hierChild">
+                      <dgm:param type="chAlign" val="l"/>
+                      <dgm:param type="linDir" val="fromR"/>
+                      <dgm:param type="secChAlign" val="t"/>
+                      <dgm:param type="secLinDir" val="fromT"/>
+                    </dgm:alg>
+                  </dgm:else>
+                </dgm:choose>
+              </dgm:if>
+              <dgm:else name="Name28">
+                <dgm:choose name="Name29">
+                  <dgm:if name="Name30" func="var" arg="dir" op="equ" val="norm">
+                    <dgm:alg type="hierChild"/>
+                  </dgm:if>
+                  <dgm:else name="Name31">
+                    <dgm:alg type="hierChild">
+                      <dgm:param type="linDir" val="fromR"/>
+                    </dgm:alg>
+                  </dgm:else>
+                </dgm:choose>
+              </dgm:else>
+            </dgm:choose>
+            <dgm:shape xmlns:r="http://schemas.openxmlformats.org/officeDocument/2006/relationships" r:blip="">
+              <dgm:adjLst/>
+            </dgm:shape>
+            <dgm:presOf/>
+            <dgm:constrLst/>
+            <dgm:ruleLst/>
+            <dgm:forEach name="rep2a" axis="ch" ptType="nonAsst">
+              <dgm:forEach name="Name32" axis="precedSib" ptType="parTrans" st="-1" cnt="1">
+                <dgm:choose name="Name33">
+                  <dgm:if name="Name34" func="var" arg="hierBranch" op="equ" val="std">
+                    <dgm:layoutNode name="Name35">
+                      <dgm:alg type="conn">
+                        <dgm:param type="connRout" val="bend"/>
+                        <dgm:param type="dim" val="1D"/>
+                        <dgm:param type="endSty" val="noArr"/>
+                        <dgm:param type="begPts" val="bCtr"/>
+                        <dgm:param type="endPts" val="tCtr"/>
+                        <dgm:param type="bendPt" val="end"/>
+                      </dgm:alg>
+                      <dgm:shape xmlns:r="http://schemas.openxmlformats.org/officeDocument/2006/relationships" type="conn" r:blip="" zOrderOff="-99999">
+                        <dgm:adjLst/>
+                      </dgm:shape>
+                      <dgm:presOf axis="self"/>
+                      <dgm:constrLst>
+                        <dgm:constr type="begPad"/>
+                        <dgm:constr type="endPad"/>
+                      </dgm:constrLst>
+                      <dgm:ruleLst/>
+                    </dgm:layoutNode>
+                  </dgm:if>
+                  <dgm:if name="Name36" func="var" arg="hierBranch" op="equ" val="init">
+                    <dgm:layoutNode name="Name37">
+                      <dgm:choose name="Name38">
+                        <dgm:if name="Name39" axis="self" func="depth" op="lte" val="2">
+                          <dgm:alg type="conn">
+                            <dgm:param type="connRout" val="bend"/>
+                            <dgm:param type="dim" val="1D"/>
+                            <dgm:param type="endSty" val="noArr"/>
+                            <dgm:param type="begPts" val="bCtr"/>
+                            <dgm:param type="endPts" val="tCtr"/>
+                            <dgm:param type="bendPt" val="end"/>
+                          </dgm:alg>
+                        </dgm:if>
+                        <dgm:else name="Name40">
+                          <dgm:alg type="conn">
+                            <dgm:param type="connRout" val="bend"/>
+                            <dgm:param type="dim" val="1D"/>
+                            <dgm:param type="endSty" val="noArr"/>
+                            <dgm:param type="begPts" val="bCtr"/>
+                            <dgm:param type="endPts" val="tCtr"/>
+                            <dgm:param type="bendPt" val="end"/>
+                          </dgm:alg>
+                        </dgm:else>
+                      </dgm:choose>
+                      <dgm:shape xmlns:r="http://schemas.openxmlformats.org/officeDocument/2006/relationships" type="conn" r:blip="" zOrderOff="-99999">
+                        <dgm:adjLst/>
+                      </dgm:shape>
+                      <dgm:presOf axis="self"/>
+                      <dgm:constrLst>
+                        <dgm:constr type="begPad"/>
+                        <dgm:constr type="endPad"/>
+                      </dgm:constrLst>
+                      <dgm:ruleLst/>
+                    </dgm:layoutNode>
+                  </dgm:if>
+                  <dgm:if name="Name41" func="var" arg="hierBranch" op="equ" val="hang">
+                    <dgm:layoutNode name="Name42">
+                      <dgm:alg type="conn">
+                        <dgm:param type="connRout" val="bend"/>
+                        <dgm:param type="dim" val="1D"/>
+                        <dgm:param type="endSty" val="noArr"/>
+                        <dgm:param type="begPts" val="bCtr"/>
+                        <dgm:param type="endPts" val="midL midR"/>
+                      </dgm:alg>
+                      <dgm:shape xmlns:r="http://schemas.openxmlformats.org/officeDocument/2006/relationships" type="conn" r:blip="" zOrderOff="-99999">
+                        <dgm:adjLst/>
+                      </dgm:shape>
+                      <dgm:presOf axis="self"/>
+                      <dgm:constrLst>
+                        <dgm:constr type="begPad"/>
+                        <dgm:constr type="endPad"/>
+                      </dgm:constrLst>
+                      <dgm:ruleLst/>
+                    </dgm:layoutNode>
+                  </dgm:if>
+                  <dgm:else name="Name43">
+                    <dgm:layoutNode name="Name44">
+                      <dgm:choose name="Name45">
+                        <dgm:if name="Name46" axis="self" func="depth" op="lte" val="2">
+                          <dgm:choose name="Name47">
+                            <dgm:if name="Name48" axis="par ch" ptType="node asst" func="cnt" op="gte" val="1">
+                              <dgm:alg type="conn">
+                                <dgm:param type="connRout" val="bend"/>
+                                <dgm:param type="dim" val="1D"/>
+                                <dgm:param type="endSty" val="noArr"/>
+                                <dgm:param type="begPts" val="bCtr"/>
+                                <dgm:param type="endPts" val="midL midR"/>
+                              </dgm:alg>
+                            </dgm:if>
+                            <dgm:else name="Name49">
+                              <dgm:alg type="conn">
+                                <dgm:param type="connRout" val="bend"/>
+                                <dgm:param type="dim" val="1D"/>
+                                <dgm:param type="endSty" val="noArr"/>
+                                <dgm:param type="begPts" val="bCtr"/>
+                                <dgm:param type="endPts" val="midL midR"/>
+                                <dgm:param type="srcNode" val="rootConnector1"/>
+                              </dgm:alg>
+                            </dgm:else>
+                          </dgm:choose>
+                        </dgm:if>
+                        <dgm:else name="Name50">
+                          <dgm:choose name="Name51">
+                            <dgm:if name="Name52" axis="par ch" ptType="node asst" func="cnt" op="gte" val="1">
+                              <dgm:alg type="conn">
+                                <dgm:param type="connRout" val="bend"/>
+                                <dgm:param type="dim" val="1D"/>
+                                <dgm:param type="endSty" val="noArr"/>
+                                <dgm:param type="begPts" val="bCtr"/>
+                                <dgm:param type="endPts" val="midL midR"/>
+                              </dgm:alg>
+                            </dgm:if>
+                            <dgm:else name="Name53">
+                              <dgm:alg type="conn">
+                                <dgm:param type="connRout" val="bend"/>
+                                <dgm:param type="dim" val="1D"/>
+                                <dgm:param type="endSty" val="noArr"/>
+                                <dgm:param type="begPts" val="bCtr"/>
+                                <dgm:param type="endPts" val="midL midR"/>
+                                <dgm:param type="srcNode" val="rootConnector"/>
+                              </dgm:alg>
+                            </dgm:else>
+                          </dgm:choose>
+                        </dgm:else>
+                      </dgm:choose>
+                      <dgm:shape xmlns:r="http://schemas.openxmlformats.org/officeDocument/2006/relationships" type="conn" r:blip="" zOrderOff="-99999">
+                        <dgm:adjLst/>
+                      </dgm:shape>
+                      <dgm:presOf axis="self"/>
+                      <dgm:constrLst>
+                        <dgm:constr type="begPad"/>
+                        <dgm:constr type="endPad"/>
+                      </dgm:constrLst>
+                      <dgm:ruleLst/>
+                    </dgm:layoutNode>
+                  </dgm:else>
+                </dgm:choose>
+              </dgm:forEach>
+              <dgm:layoutNode name="hierRoot2">
+                <dgm:varLst>
+                  <dgm:hierBranch val="init"/>
+                </dgm:varLst>
+                <dgm:choose name="Name54">
+                  <dgm:if name="Name55" func="var" arg="hierBranch" op="equ" val="l">
+                    <dgm:choose name="Name56">
+                      <dgm:if name="Name57" axis="ch" ptType="asst" func="cnt" op="gte" val="1">
+                        <dgm:alg type="hierRoot">
+                          <dgm:param type="hierAlign" val="tR"/>
+                        </dgm:alg>
+                        <dgm:shape xmlns:r="http://schemas.openxmlformats.org/officeDocument/2006/relationships" r:blip="">
+                          <dgm:adjLst/>
+                        </dgm:shape>
+                        <dgm:presOf/>
+                        <dgm:constrLst>
+                          <dgm:constr type="alignOff" val="0.65"/>
+                        </dgm:constrLst>
+                      </dgm:if>
+                      <dgm:else name="Name58">
+                        <dgm:alg type="hierRoot">
+                          <dgm:param type="hierAlign" val="tR"/>
+                        </dgm:alg>
+                        <dgm:shape xmlns:r="http://schemas.openxmlformats.org/officeDocument/2006/relationships" r:blip="">
+                          <dgm:adjLst/>
+                        </dgm:shape>
+                        <dgm:presOf/>
+                        <dgm:constrLst>
+                          <dgm:constr type="alignOff" val="0.25"/>
+                        </dgm:constrLst>
+                      </dgm:else>
+                    </dgm:choose>
+                  </dgm:if>
+                  <dgm:if name="Name59" func="var" arg="hierBranch" op="equ" val="r">
+                    <dgm:choose name="Name60">
+                      <dgm:if name="Name61" axis="ch" ptType="asst" func="cnt" op="gte" val="1">
+                        <dgm:alg type="hierRoot">
+                          <dgm:param type="hierAlign" val="tL"/>
+                        </dgm:alg>
+                        <dgm:shape xmlns:r="http://schemas.openxmlformats.org/officeDocument/2006/relationships" r:blip="">
+                          <dgm:adjLst/>
+                        </dgm:shape>
+                        <dgm:presOf/>
+                        <dgm:constrLst>
+                          <dgm:constr type="alignOff" val="0.65"/>
+                        </dgm:constrLst>
+                      </dgm:if>
+                      <dgm:else name="Name62">
+                        <dgm:alg type="hierRoot">
+                          <dgm:param type="hierAlign" val="tL"/>
+                        </dgm:alg>
+                        <dgm:shape xmlns:r="http://schemas.openxmlformats.org/officeDocument/2006/relationships" r:blip="">
+                          <dgm:adjLst/>
+                        </dgm:shape>
+                        <dgm:presOf/>
+                        <dgm:constrLst>
+                          <dgm:constr type="alignOff" val="0.25"/>
+                        </dgm:constrLst>
+                      </dgm:else>
+                    </dgm:choose>
+                  </dgm:if>
+                  <dgm:if name="Name63" func="var" arg="hierBranch" op="equ" val="std">
+                    <dgm:alg type="hierRoot"/>
+                    <dgm:shape xmlns:r="http://schemas.openxmlformats.org/officeDocument/2006/relationships" r:blip="">
+                      <dgm:adjLst/>
+                    </dgm:shape>
+                    <dgm:presOf/>
+                    <dgm:constrLst>
+                      <dgm:constr type="alignOff"/>
+                      <dgm:constr type="bendDist" for="des" ptType="parTrans" refType="sp" fact="0.5"/>
+                    </dgm:constrLst>
+                  </dgm:if>
+                  <dgm:if name="Name64" func="var" arg="hierBranch" op="equ" val="init">
+                    <dgm:alg type="hierRoot"/>
+                    <dgm:shape xmlns:r="http://schemas.openxmlformats.org/officeDocument/2006/relationships" r:blip="">
+                      <dgm:adjLst/>
+                    </dgm:shape>
+                    <dgm:presOf/>
+                    <dgm:constrLst>
+                      <dgm:constr type="alignOff"/>
+                      <dgm:constr type="bendDist" for="des" ptType="parTrans" refType="sp" fact="0.5"/>
+                    </dgm:constrLst>
+                  </dgm:if>
+                  <dgm:else name="Name65">
+                    <dgm:alg type="hierRoot"/>
+                    <dgm:shape xmlns:r="http://schemas.openxmlformats.org/officeDocument/2006/relationships" r:blip="">
+                      <dgm:adjLst/>
+                    </dgm:shape>
+                    <dgm:presOf/>
+                    <dgm:constrLst>
+                      <dgm:constr type="alignOff" val="0.65"/>
+                    </dgm:constrLst>
+                  </dgm:else>
+                </dgm:choose>
+                <dgm:ruleLst/>
+                <dgm:layoutNode name="rootComposite">
+                  <dgm:alg type="composite"/>
+                  <dgm:shape xmlns:r="http://schemas.openxmlformats.org/officeDocument/2006/relationships" r:blip="">
+                    <dgm:adjLst/>
+                  </dgm:shape>
+                  <dgm:presOf axis="self" ptType="node" cnt="1"/>
+                  <dgm:choose name="Name66">
+                    <dgm:if name="Name67" func="var" arg="hierBranch" op="equ" val="init">
+                      <dgm:constrLst>
+                        <dgm:constr type="l" for="ch" forName="rootText"/>
+                        <dgm:constr type="t" for="ch" forName="rootText"/>
+                        <dgm:constr type="w" for="ch" forName="rootText" refType="w"/>
+                        <dgm:constr type="h" for="ch" forName="rootText" refType="h" fact="0.9"/>
+                        <dgm:constr type="l" for="ch" forName="titleText2" refType="w" fact="0.2"/>
+                        <dgm:constr type="t" for="ch" forName="titleText2" refType="h" fact="0.7"/>
+                        <dgm:constr type="w" for="ch" forName="titleText2" refType="w" fact="0.9"/>
+                        <dgm:constr type="h" for="ch" forName="titleText2" refType="h" fact="0.3"/>
+                        <dgm:constr type="primFontSz" for="des" forName="titleText2" refType="primFontSz" refFor="des" refForName="rootText1" op="lte"/>
+                        <dgm:constr type="l" for="ch" forName="rootConnector"/>
+                        <dgm:constr type="t" for="ch" forName="rootConnector"/>
+                        <dgm:constr type="w" for="ch" forName="rootConnector" refType="w" refFor="ch" refForName="rootText" fact="0.2"/>
+                        <dgm:constr type="h" for="ch" forName="rootConnector" refType="h" refFor="ch" refForName="rootText"/>
+                      </dgm:constrLst>
+                    </dgm:if>
+                    <dgm:if name="Name68" func="var" arg="hierBranch" op="equ" val="l">
+                      <dgm:constrLst>
+                        <dgm:constr type="l" for="ch" forName="rootText"/>
+                        <dgm:constr type="t" for="ch" forName="rootText"/>
+                        <dgm:constr type="w" for="ch" forName="rootText" refType="w"/>
+                        <dgm:constr type="h" for="ch" forName="rootText" refType="h" fact="0.9"/>
+                        <dgm:constr type="l" for="ch" forName="titleText2" refType="w" fact="0.2"/>
+                        <dgm:constr type="t" for="ch" forName="titleText2" refType="h" fact="0.7"/>
+                        <dgm:constr type="w" for="ch" forName="titleText2" refType="w" fact="0.9"/>
+                        <dgm:constr type="h" for="ch" forName="titleText2" refType="h" fact="0.3"/>
+                        <dgm:constr type="primFontSz" for="des" forName="titleText2" refType="primFontSz" refFor="des" refForName="rootText1" op="lte"/>
+                        <dgm:constr type="r" for="ch" forName="rootConnector" refType="w"/>
+                        <dgm:constr type="t" for="ch" forName="rootConnector"/>
+                        <dgm:constr type="w" for="ch" forName="rootConnector" refType="w" refFor="ch" refForName="rootText" fact="0.2"/>
+                        <dgm:constr type="h" for="ch" forName="rootConnector" refType="h" refFor="ch" refForName="rootText"/>
+                      </dgm:constrLst>
+                    </dgm:if>
+                    <dgm:if name="Name69" func="var" arg="hierBranch" op="equ" val="r">
+                      <dgm:constrLst>
+                        <dgm:constr type="l" for="ch" forName="rootText"/>
+                        <dgm:constr type="t" for="ch" forName="rootText"/>
+                        <dgm:constr type="w" for="ch" forName="rootText" refType="w"/>
+                        <dgm:constr type="h" for="ch" forName="rootText" refType="h" fact="0.9"/>
+                        <dgm:constr type="l" for="ch" forName="titleText2" refType="w" fact="0.2"/>
+                        <dgm:constr type="t" for="ch" forName="titleText2" refType="h" fact="0.7"/>
+                        <dgm:constr type="w" for="ch" forName="titleText2" refType="w" fact="0.9"/>
+                        <dgm:constr type="h" for="ch" forName="titleText2" refType="h" fact="0.3"/>
+                        <dgm:constr type="primFontSz" for="des" forName="titleText2" refType="primFontSz" refFor="des" refForName="rootText1" op="lte"/>
+                        <dgm:constr type="l" for="ch" forName="rootConnector"/>
+                        <dgm:constr type="t" for="ch" forName="rootConnector"/>
+                        <dgm:constr type="w" for="ch" forName="rootConnector" refType="w" refFor="ch" refForName="rootText" fact="0.2"/>
+                        <dgm:constr type="h" for="ch" forName="rootConnector" refType="h" refFor="ch" refForName="rootText"/>
+                      </dgm:constrLst>
+                    </dgm:if>
+                    <dgm:else name="Name70">
+                      <dgm:constrLst>
+                        <dgm:constr type="l" for="ch" forName="rootText"/>
+                        <dgm:constr type="t" for="ch" forName="rootText"/>
+                        <dgm:constr type="w" for="ch" forName="rootText" refType="w"/>
+                        <dgm:constr type="h" for="ch" forName="rootText" refType="h" fact="0.9"/>
+                        <dgm:constr type="l" for="ch" forName="titleText2" refType="w" fact="0.2"/>
+                        <dgm:constr type="t" for="ch" forName="titleText2" refType="h" fact="0.7"/>
+                        <dgm:constr type="w" for="ch" forName="titleText2" refType="w" fact="0.9"/>
+                        <dgm:constr type="h" for="ch" forName="titleText2" refType="h" fact="0.3"/>
+                        <dgm:constr type="primFontSz" for="des" forName="titleText2" refType="primFontSz" refFor="des" refForName="rootText1" op="lte"/>
+                        <dgm:constr type="r" for="ch" forName="rootConnector" refType="w"/>
+                        <dgm:constr type="t" for="ch" forName="rootConnector"/>
+                        <dgm:constr type="w" for="ch" forName="rootConnector" refType="w" refFor="ch" refForName="rootText" fact="0.2"/>
+                        <dgm:constr type="h" for="ch" forName="rootConnector" refType="h" refFor="ch" refForName="rootText"/>
+                      </dgm:constrLst>
+                    </dgm:else>
+                  </dgm:choose>
+                  <dgm:ruleLst/>
+                  <dgm:layoutNode name="rootText" styleLbl="node1">
+                    <dgm:varLst>
+                      <dgm:chMax/>
+                      <dgm:chPref val="3"/>
+                    </dgm:varLst>
+                    <dgm:alg type="tx"/>
+                    <dgm:shape xmlns:r="http://schemas.openxmlformats.org/officeDocument/2006/relationships" type="rect" r:blip="">
+                      <dgm:adjLst/>
+                    </dgm:shape>
+                    <dgm:presOf axis="self" ptType="node" cnt="1"/>
+                    <dgm:constrLst>
+                      <dgm:constr type="primFontSz" val="65"/>
+                      <dgm:constr type="lMarg" refType="primFontSz" fact="0.05"/>
+                      <dgm:constr type="rMarg" refType="primFontSz" fact="0.05"/>
+                      <dgm:constr type="tMarg" refType="primFontSz" fact="0.05"/>
+                      <dgm:constr type="bMarg" refType="h" fact="0.4"/>
+                    </dgm:constrLst>
+                    <dgm:ruleLst>
+                      <dgm:rule type="primFontSz" val="5" fact="NaN" max="NaN"/>
+                    </dgm:ruleLst>
+                  </dgm:layoutNode>
+                  <dgm:layoutNode name="titleText2" styleLbl="fgAcc1">
+                    <dgm:varLst>
+                      <dgm:chMax val="0"/>
+                      <dgm:chPref val="0"/>
+                    </dgm:varLst>
+                    <dgm:alg type="tx">
+                      <dgm:param type="parTxLTRAlign" val="r"/>
+                    </dgm:alg>
+                    <dgm:shape xmlns:r="http://schemas.openxmlformats.org/officeDocument/2006/relationships" type="rect" r:blip="">
+                      <dgm:adjLst/>
+                    </dgm:shape>
+                    <dgm:presOf axis="followSib" ptType="sibTrans" hideLastTrans="0" cnt="1"/>
+                    <dgm:constrLst>
+                      <dgm:constr type="primFontSz" val="65"/>
+                      <dgm:constr type="lMarg" refType="primFontSz" fact="0.2"/>
+                      <dgm:constr type="rMarg" refType="primFontSz" fact="0.2"/>
+                      <dgm:constr type="tMarg" refType="primFontSz" fact="0.05"/>
+                      <dgm:constr type="bMarg" refType="primFontSz" fact="0.05"/>
+                    </dgm:constrLst>
+                    <dgm:ruleLst>
+                      <dgm:rule type="primFontSz" val="5" fact="NaN" max="NaN"/>
+                    </dgm:ruleLst>
+                  </dgm:layoutNode>
+                  <dgm:layoutNode name="rootConnector" moveWith="rootText">
+                    <dgm:alg type="sp"/>
+                    <dgm:shape xmlns:r="http://schemas.openxmlformats.org/officeDocument/2006/relationships" type="rect" r:blip="" hideGeom="1">
+                      <dgm:adjLst/>
+                    </dgm:shape>
+                    <dgm:presOf axis="self" ptType="node" cnt="1"/>
+                    <dgm:constrLst/>
+                    <dgm:ruleLst/>
+                  </dgm:layoutNode>
+                </dgm:layoutNode>
+                <dgm:layoutNode name="hierChild4">
+                  <dgm:choose name="Name71">
+                    <dgm:if name="Name72" func="var" arg="hierBranch" op="equ" val="l">
+                      <dgm:alg type="hierChild">
+                        <dgm:param type="chAlign" val="r"/>
+                        <dgm:param type="linDir" val="fromT"/>
+                      </dgm:alg>
+                    </dgm:if>
+                    <dgm:if name="Name73" func="var" arg="hierBranch" op="equ" val="r">
+                      <dgm:alg type="hierChild">
+                        <dgm:param type="chAlign" val="l"/>
+                        <dgm:param type="linDir" val="fromT"/>
+                      </dgm:alg>
+                    </dgm:if>
+                    <dgm:if name="Name74" func="var" arg="hierBranch" op="equ" val="hang">
+                      <dgm:choose name="Name75">
+                        <dgm:if name="Name76" func="var" arg="dir" op="equ" val="norm">
+                          <dgm:alg type="hierChild">
+                            <dgm:param type="chAlign" val="l"/>
+                            <dgm:param type="linDir" val="fromL"/>
+                            <dgm:param type="secChAlign" val="t"/>
+                            <dgm:param type="secLinDir" val="fromT"/>
+                          </dgm:alg>
+                        </dgm:if>
+                        <dgm:else name="Name77">
+                          <dgm:alg type="hierChild">
+                            <dgm:param type="chAlign" val="l"/>
+                            <dgm:param type="linDir" val="fromR"/>
+                            <dgm:param type="secChAlign" val="t"/>
+                            <dgm:param type="secLinDir" val="fromT"/>
+                          </dgm:alg>
+                        </dgm:else>
+                      </dgm:choose>
+                    </dgm:if>
+                    <dgm:if name="Name78" func="var" arg="hierBranch" op="equ" val="std">
+                      <dgm:choose name="Name79">
+                        <dgm:if name="Name80" func="var" arg="dir" op="equ" val="norm">
+                          <dgm:alg type="hierChild"/>
+                        </dgm:if>
+                        <dgm:else name="Name81">
+                          <dgm:alg type="hierChild">
+                            <dgm:param type="linDir" val="fromR"/>
+                          </dgm:alg>
+                        </dgm:else>
+                      </dgm:choose>
+                    </dgm:if>
+                    <dgm:if name="Name82" func="var" arg="hierBranch" op="equ" val="init">
+                      <dgm:choose name="Name83">
+                        <dgm:if name="Name84" func="var" arg="dir" op="equ" val="norm">
+                          <dgm:alg type="hierChild"/>
+                        </dgm:if>
+                        <dgm:else name="Name85">
+                          <dgm:alg type="hierChild">
+                            <dgm:param type="linDir" val="fromR"/>
+                          </dgm:alg>
+                        </dgm:else>
+                      </dgm:choose>
+                    </dgm:if>
+                    <dgm:else name="Name86"/>
+                  </dgm:choose>
+                  <dgm:shape xmlns:r="http://schemas.openxmlformats.org/officeDocument/2006/relationships" r:blip="">
+                    <dgm:adjLst/>
+                  </dgm:shape>
+                  <dgm:presOf/>
+                  <dgm:constrLst/>
+                  <dgm:ruleLst/>
+                  <dgm:forEach name="Name87" ref="rep2a"/>
+                </dgm:layoutNode>
+                <dgm:layoutNode name="hierChild5">
+                  <dgm:choose name="Name88">
+                    <dgm:if name="Name89" func="var" arg="dir" op="equ" val="norm">
+                      <dgm:alg type="hierChild">
+                        <dgm:param type="chAlign" val="l"/>
+                        <dgm:param type="linDir" val="fromL"/>
+                        <dgm:param type="secChAlign" val="t"/>
+                        <dgm:param type="secLinDir" val="fromT"/>
+                      </dgm:alg>
+                    </dgm:if>
+                    <dgm:else name="Name90">
+                      <dgm:alg type="hierChild">
+                        <dgm:param type="chAlign" val="l"/>
+                        <dgm:param type="linDir" val="fromR"/>
+                        <dgm:param type="secChAlign" val="t"/>
+                        <dgm:param type="secLinDir" val="fromT"/>
+                      </dgm:alg>
+                    </dgm:else>
+                  </dgm:choose>
+                  <dgm:shape xmlns:r="http://schemas.openxmlformats.org/officeDocument/2006/relationships" r:blip="">
+                    <dgm:adjLst/>
+                  </dgm:shape>
+                  <dgm:presOf/>
+                  <dgm:constrLst/>
+                  <dgm:ruleLst/>
+                  <dgm:forEach name="Name91" ref="rep2b"/>
+                </dgm:layoutNode>
+              </dgm:layoutNode>
+            </dgm:forEach>
+          </dgm:layoutNode>
+          <dgm:layoutNode name="hierChild3">
+            <dgm:choose name="Name92">
+              <dgm:if name="Name93" func="var" arg="dir" op="equ" val="norm">
+                <dgm:alg type="hierChild">
+                  <dgm:param type="chAlign" val="l"/>
+                  <dgm:param type="linDir" val="fromL"/>
+                  <dgm:param type="secChAlign" val="t"/>
+                  <dgm:param type="secLinDir" val="fromT"/>
+                </dgm:alg>
+              </dgm:if>
+              <dgm:else name="Name94">
+                <dgm:alg type="hierChild">
+                  <dgm:param type="chAlign" val="l"/>
+                  <dgm:param type="linDir" val="fromR"/>
+                  <dgm:param type="secChAlign" val="t"/>
+                  <dgm:param type="secLinDir" val="fromT"/>
+                </dgm:alg>
+              </dgm:else>
+            </dgm:choose>
+            <dgm:shape xmlns:r="http://schemas.openxmlformats.org/officeDocument/2006/relationships" r:blip="">
+              <dgm:adjLst/>
+            </dgm:shape>
+            <dgm:presOf/>
+            <dgm:constrLst/>
+            <dgm:ruleLst/>
+            <dgm:forEach name="rep2b" axis="ch" ptType="asst">
+              <dgm:forEach name="Name95" axis="precedSib" ptType="parTrans" st="-1" cnt="1">
+                <dgm:layoutNode name="Name96">
+                  <dgm:alg type="conn">
+                    <dgm:param type="connRout" val="bend"/>
+                    <dgm:param type="dim" val="1D"/>
+                    <dgm:param type="endSty" val="noArr"/>
+                    <dgm:param type="begPts" val="bCtr"/>
+                    <dgm:param type="endPts" val="midL midR"/>
+                  </dgm:alg>
+                  <dgm:shape xmlns:r="http://schemas.openxmlformats.org/officeDocument/2006/relationships" type="conn" r:blip="" zOrderOff="-99999">
+                    <dgm:adjLst/>
+                  </dgm:shape>
+                  <dgm:presOf axis="self"/>
+                  <dgm:constrLst>
+                    <dgm:constr type="begPad"/>
+                    <dgm:constr type="endPad"/>
+                  </dgm:constrLst>
+                  <dgm:ruleLst/>
+                </dgm:layoutNode>
+              </dgm:forEach>
+              <dgm:layoutNode name="hierRoot3">
+                <dgm:varLst>
+                  <dgm:hierBranch val="init"/>
+                </dgm:varLst>
+                <dgm:choose name="Name97">
+                  <dgm:if name="Name98" func="var" arg="hierBranch" op="equ" val="l">
+                    <dgm:alg type="hierRoot">
+                      <dgm:param type="hierAlign" val="tR"/>
+                    </dgm:alg>
+                    <dgm:shape xmlns:r="http://schemas.openxmlformats.org/officeDocument/2006/relationships" r:blip="">
+                      <dgm:adjLst/>
+                    </dgm:shape>
+                    <dgm:presOf/>
+                    <dgm:constrLst>
+                      <dgm:constr type="alignOff" val="0.65"/>
+                    </dgm:constrLst>
+                  </dgm:if>
+                  <dgm:if name="Name99" func="var" arg="hierBranch" op="equ" val="r">
+                    <dgm:alg type="hierRoot">
+                      <dgm:param type="hierAlign" val="tL"/>
+                    </dgm:alg>
+                    <dgm:shape xmlns:r="http://schemas.openxmlformats.org/officeDocument/2006/relationships" r:blip="">
+                      <dgm:adjLst/>
+                    </dgm:shape>
+                    <dgm:presOf/>
+                    <dgm:constrLst>
+                      <dgm:constr type="alignOff" val="0.65"/>
+                    </dgm:constrLst>
+                  </dgm:if>
+                  <dgm:if name="Name100" func="var" arg="hierBranch" op="equ" val="hang">
+                    <dgm:alg type="hierRoot"/>
+                    <dgm:shape xmlns:r="http://schemas.openxmlformats.org/officeDocument/2006/relationships" r:blip="">
+                      <dgm:adjLst/>
+                    </dgm:shape>
+                    <dgm:presOf/>
+                    <dgm:constrLst>
+                      <dgm:constr type="alignOff" val="0.65"/>
+                    </dgm:constrLst>
+                  </dgm:if>
+                  <dgm:if name="Name101" func="var" arg="hierBranch" op="equ" val="std">
+                    <dgm:alg type="hierRoot"/>
+                    <dgm:shape xmlns:r="http://schemas.openxmlformats.org/officeDocument/2006/relationships" r:blip="">
+                      <dgm:adjLst/>
+                    </dgm:shape>
+                    <dgm:presOf/>
+                    <dgm:constrLst>
+                      <dgm:constr type="alignOff"/>
+                      <dgm:constr type="bendDist" for="des" ptType="parTrans" refType="sp" fact="0.5"/>
+                    </dgm:constrLst>
+                  </dgm:if>
+                  <dgm:if name="Name102" func="var" arg="hierBranch" op="equ" val="init">
+                    <dgm:alg type="hierRoot"/>
+                    <dgm:shape xmlns:r="http://schemas.openxmlformats.org/officeDocument/2006/relationships" r:blip="">
+                      <dgm:adjLst/>
+                    </dgm:shape>
+                    <dgm:presOf/>
+                    <dgm:constrLst>
+                      <dgm:constr type="alignOff"/>
+                      <dgm:constr type="bendDist" for="des" ptType="parTrans" refType="sp" fact="0.5"/>
+                    </dgm:constrLst>
+                  </dgm:if>
+                  <dgm:else name="Name103"/>
+                </dgm:choose>
+                <dgm:ruleLst/>
+                <dgm:layoutNode name="rootComposite3">
+                  <dgm:alg type="composite"/>
+                  <dgm:shape xmlns:r="http://schemas.openxmlformats.org/officeDocument/2006/relationships" r:blip="">
+                    <dgm:adjLst/>
+                  </dgm:shape>
+                  <dgm:presOf axis="self" ptType="node" cnt="1"/>
+                  <dgm:choose name="Name104">
+                    <dgm:if name="Name105" func="var" arg="hierBranch" op="equ" val="init">
+                      <dgm:constrLst>
+                        <dgm:constr type="l" for="ch" forName="rootText3"/>
+                        <dgm:constr type="t" for="ch" forName="rootText3"/>
+                        <dgm:constr type="w" for="ch" forName="rootText3" refType="w"/>
+                        <dgm:constr type="h" for="ch" forName="rootText3" refType="h" fact="0.9"/>
+                        <dgm:constr type="l" for="ch" forName="titleText3" refType="w" fact="0.2"/>
+                        <dgm:constr type="t" for="ch" forName="titleText3" refType="h" fact="0.7"/>
+                        <dgm:constr type="w" for="ch" forName="titleText3" refType="w" fact="0.9"/>
+                        <dgm:constr type="h" for="ch" forName="titleText3" refType="h" fact="0.3"/>
+                        <dgm:constr type="primFontSz" for="des" forName="titleText3" refType="primFontSz" refFor="des" refForName="rootText3" op="lte"/>
+                        <dgm:constr type="l" for="ch" forName="rootConnector3"/>
+                        <dgm:constr type="t" for="ch" forName="rootConnector3"/>
+                        <dgm:constr type="w" for="ch" forName="rootConnector3" refType="w" refFor="ch" refForName="rootText3" fact="0.2"/>
+                        <dgm:constr type="h" for="ch" forName="rootConnector3" refType="h" refFor="ch" refForName="rootText3"/>
+                      </dgm:constrLst>
+                    </dgm:if>
+                    <dgm:if name="Name106" func="var" arg="hierBranch" op="equ" val="l">
+                      <dgm:constrLst>
+                        <dgm:constr type="l" for="ch" forName="rootText3"/>
+                        <dgm:constr type="t" for="ch" forName="rootText3"/>
+                        <dgm:constr type="w" for="ch" forName="rootText3" refType="w"/>
+                        <dgm:constr type="h" for="ch" forName="rootText3" refType="h" fact="0.9"/>
+                        <dgm:constr type="l" for="ch" forName="titleText3" refType="w" fact="0.2"/>
+                        <dgm:constr type="t" for="ch" forName="titleText3" refType="h" fact="0.7"/>
+                        <dgm:constr type="w" for="ch" forName="titleText3" refType="w" fact="0.9"/>
+                        <dgm:constr type="h" for="ch" forName="titleText3" refType="h" fact="0.3"/>
+                        <dgm:constr type="primFontSz" for="des" forName="titleText3" refType="primFontSz" refFor="des" refForName="rootText3" op="lte"/>
+                        <dgm:constr type="r" for="ch" forName="rootConnector3" refType="w"/>
+                        <dgm:constr type="t" for="ch" forName="rootConnector3"/>
+                        <dgm:constr type="w" for="ch" forName="rootConnector3" refType="w" refFor="ch" refForName="rootText3" fact="0.2"/>
+                        <dgm:constr type="h" for="ch" forName="rootConnector3" refType="h" refFor="ch" refForName="rootText3"/>
+                      </dgm:constrLst>
+                    </dgm:if>
+                    <dgm:if name="Name107" func="var" arg="hierBranch" op="equ" val="r">
+                      <dgm:constrLst>
+                        <dgm:constr type="l" for="ch" forName="rootText3"/>
+                        <dgm:constr type="t" for="ch" forName="rootText3"/>
+                        <dgm:constr type="w" for="ch" forName="rootText3" refType="w"/>
+                        <dgm:constr type="h" for="ch" forName="rootText3" refType="h" fact="0.9"/>
+                        <dgm:constr type="l" for="ch" forName="titleText3" refType="w" fact="0.2"/>
+                        <dgm:constr type="t" for="ch" forName="titleText3" refType="h" fact="0.7"/>
+                        <dgm:constr type="w" for="ch" forName="titleText3" refType="w" fact="0.9"/>
+                        <dgm:constr type="h" for="ch" forName="titleText3" refType="h" fact="0.3"/>
+                        <dgm:constr type="primFontSz" for="des" forName="titleText3" refType="primFontSz" refFor="des" refForName="rootText3" op="lte"/>
+                        <dgm:constr type="l" for="ch" forName="rootConnector3"/>
+                        <dgm:constr type="t" for="ch" forName="rootConnector3"/>
+                        <dgm:constr type="w" for="ch" forName="rootConnector3" refType="w" refFor="ch" refForName="rootText3" fact="0.2"/>
+                        <dgm:constr type="h" for="ch" forName="rootConnector3" refType="h" refFor="ch" refForName="rootText3"/>
+                      </dgm:constrLst>
+                    </dgm:if>
+                    <dgm:else name="Name108">
+                      <dgm:constrLst>
+                        <dgm:constr type="l" for="ch" forName="rootText3"/>
+                        <dgm:constr type="t" for="ch" forName="rootText3"/>
+                        <dgm:constr type="w" for="ch" forName="rootText3" refType="w"/>
+                        <dgm:constr type="h" for="ch" forName="rootText3" refType="h" fact="0.9"/>
+                        <dgm:constr type="l" for="ch" forName="titleText3" refType="w" fact="0.2"/>
+                        <dgm:constr type="t" for="ch" forName="titleText3" refType="h" fact="0.7"/>
+                        <dgm:constr type="w" for="ch" forName="titleText3" refType="w" fact="0.9"/>
+                        <dgm:constr type="h" for="ch" forName="titleText3" refType="h" fact="0.3"/>
+                        <dgm:constr type="primFontSz" for="des" forName="titleText3" refType="primFontSz" refFor="des" refForName="rootText3" op="lte"/>
+                        <dgm:constr type="r" for="ch" forName="rootConnector3" refType="w"/>
+                        <dgm:constr type="t" for="ch" forName="rootConnector3"/>
+                        <dgm:constr type="w" for="ch" forName="rootConnector3" refType="w" refFor="ch" refForName="rootText3" fact="0.2"/>
+                        <dgm:constr type="h" for="ch" forName="rootConnector3" refType="h" refFor="ch" refForName="rootText3"/>
+                      </dgm:constrLst>
+                    </dgm:else>
+                  </dgm:choose>
+                  <dgm:ruleLst/>
+                  <dgm:layoutNode name="rootText3" styleLbl="asst1">
+                    <dgm:varLst>
+                      <dgm:chPref val="3"/>
+                    </dgm:varLst>
+                    <dgm:alg type="tx"/>
+                    <dgm:shape xmlns:r="http://schemas.openxmlformats.org/officeDocument/2006/relationships" type="rect" r:blip="">
+                      <dgm:adjLst/>
+                    </dgm:shape>
+                    <dgm:presOf axis="self" ptType="node" cnt="1"/>
+                    <dgm:constrLst>
+                      <dgm:constr type="primFontSz" val="65"/>
+                      <dgm:constr type="lMarg" refType="primFontSz" fact="0.05"/>
+                      <dgm:constr type="rMarg" refType="primFontSz" fact="0.05"/>
+                      <dgm:constr type="tMarg" refType="primFontSz" fact="0.05"/>
+                      <dgm:constr type="bMarg" refType="h" fact="0.4"/>
+                    </dgm:constrLst>
+                    <dgm:ruleLst>
+                      <dgm:rule type="primFontSz" val="5" fact="NaN" max="NaN"/>
+                    </dgm:ruleLst>
+                  </dgm:layoutNode>
+                  <dgm:layoutNode name="titleText3" styleLbl="fgAcc2">
+                    <dgm:varLst>
+                      <dgm:chMax val="0"/>
+                      <dgm:chPref val="0"/>
+                    </dgm:varLst>
+                    <dgm:alg type="tx">
+                      <dgm:param type="parTxLTRAlign" val="r"/>
+                    </dgm:alg>
+                    <dgm:shape xmlns:r="http://schemas.openxmlformats.org/officeDocument/2006/relationships" type="rect" r:blip="">
+                      <dgm:adjLst/>
+                    </dgm:shape>
+                    <dgm:presOf axis="followSib" ptType="sibTrans" hideLastTrans="0" cnt="1"/>
+                    <dgm:constrLst>
+                      <dgm:constr type="primFontSz" val="65"/>
+                      <dgm:constr type="lMarg" refType="primFontSz" fact="0.2"/>
+                      <dgm:constr type="rMarg" refType="primFontSz" fact="0.2"/>
+                      <dgm:constr type="tMarg" refType="primFontSz" fact="0.05"/>
+                      <dgm:constr type="bMarg" refType="primFontSz" fact="0.05"/>
+                    </dgm:constrLst>
+                    <dgm:ruleLst>
+                      <dgm:rule type="primFontSz" val="5" fact="NaN" max="NaN"/>
+                    </dgm:ruleLst>
+                  </dgm:layoutNode>
+                  <dgm:layoutNode name="rootConnector3" moveWith="rootText1">
+                    <dgm:alg type="sp"/>
+                    <dgm:shape xmlns:r="http://schemas.openxmlformats.org/officeDocument/2006/relationships" type="rect" r:blip="" hideGeom="1">
+                      <dgm:adjLst/>
+                    </dgm:shape>
+                    <dgm:presOf axis="self" ptType="node" cnt="1"/>
+                    <dgm:constrLst/>
+                    <dgm:ruleLst/>
+                  </dgm:layoutNode>
+                </dgm:layoutNode>
+                <dgm:layoutNode name="hierChild6">
+                  <dgm:choose name="Name109">
+                    <dgm:if name="Name110" func="var" arg="hierBranch" op="equ" val="l">
+                      <dgm:alg type="hierChild">
+                        <dgm:param type="chAlign" val="r"/>
+                        <dgm:param type="linDir" val="fromT"/>
+                      </dgm:alg>
+                    </dgm:if>
+                    <dgm:if name="Name111" func="var" arg="hierBranch" op="equ" val="r">
+                      <dgm:alg type="hierChild">
+                        <dgm:param type="chAlign" val="l"/>
+                        <dgm:param type="linDir" val="fromT"/>
+                      </dgm:alg>
+                    </dgm:if>
+                    <dgm:if name="Name112" func="var" arg="hierBranch" op="equ" val="hang">
+                      <dgm:choose name="Name113">
+                        <dgm:if name="Name114" func="var" arg="dir" op="equ" val="norm">
+                          <dgm:alg type="hierChild">
+                            <dgm:param type="chAlign" val="l"/>
+                            <dgm:param type="linDir" val="fromL"/>
+                            <dgm:param type="secChAlign" val="t"/>
+                            <dgm:param type="secLinDir" val="fromT"/>
+                          </dgm:alg>
+                        </dgm:if>
+                        <dgm:else name="Name115">
+                          <dgm:alg type="hierChild">
+                            <dgm:param type="chAlign" val="l"/>
+                            <dgm:param type="linDir" val="fromR"/>
+                            <dgm:param type="secChAlign" val="t"/>
+                            <dgm:param type="secLinDir" val="fromT"/>
+                          </dgm:alg>
+                        </dgm:else>
+                      </dgm:choose>
+                    </dgm:if>
+                    <dgm:if name="Name116" func="var" arg="hierBranch" op="equ" val="std">
+                      <dgm:choose name="Name117">
+                        <dgm:if name="Name118" func="var" arg="dir" op="equ" val="norm">
+                          <dgm:alg type="hierChild"/>
+                        </dgm:if>
+                        <dgm:else name="Name119">
+                          <dgm:alg type="hierChild">
+                            <dgm:param type="linDir" val="fromR"/>
+                          </dgm:alg>
+                        </dgm:else>
+                      </dgm:choose>
+                    </dgm:if>
+                    <dgm:if name="Name120" func="var" arg="hierBranch" op="equ" val="init">
+                      <dgm:alg type="hierChild"/>
+                    </dgm:if>
+                    <dgm:else name="Name121"/>
+                  </dgm:choose>
+                  <dgm:shape xmlns:r="http://schemas.openxmlformats.org/officeDocument/2006/relationships" r:blip="">
+                    <dgm:adjLst/>
+                  </dgm:shape>
+                  <dgm:presOf/>
+                  <dgm:constrLst/>
+                  <dgm:ruleLst/>
+                  <dgm:forEach name="Name122" ref="rep2a"/>
+                </dgm:layoutNode>
+                <dgm:layoutNode name="hierChild7">
+                  <dgm:choose name="Name123">
+                    <dgm:if name="Name124" func="var" arg="dir" op="equ" val="norm">
+                      <dgm:alg type="hierChild">
+                        <dgm:param type="chAlign" val="l"/>
+                        <dgm:param type="linDir" val="fromL"/>
+                        <dgm:param type="secChAlign" val="t"/>
+                        <dgm:param type="secLinDir" val="fromT"/>
+                      </dgm:alg>
+                    </dgm:if>
+                    <dgm:else name="Name125">
+                      <dgm:alg type="hierChild">
+                        <dgm:param type="chAlign" val="l"/>
+                        <dgm:param type="linDir" val="fromR"/>
+                        <dgm:param type="secChAlign" val="t"/>
+                        <dgm:param type="secLinDir" val="fromT"/>
+                      </dgm:alg>
+                    </dgm:else>
+                  </dgm:choose>
+                  <dgm:shape xmlns:r="http://schemas.openxmlformats.org/officeDocument/2006/relationships" r:blip="">
+                    <dgm:adjLst/>
+                  </dgm:shape>
+                  <dgm:presOf/>
+                  <dgm:constrLst/>
+                  <dgm:ruleLst/>
+                  <dgm:forEach name="Name126" ref="rep2b"/>
+                </dgm:layoutNode>
+              </dgm:layoutNode>
+            </dgm:forEach>
+          </dgm:layoutNode>
+        </dgm:layoutNode>
+      </dgm:forEach>
+    </dgm:forEach>
+  </dgm:layoutNode>
+</dgm:layoutDef>
+</file>
+
+<file path=ppt/diagrams/layout3.xml><?xml version="1.0" encoding="utf-8"?>
+<dgm:layoutDef xmlns:dgm="http://schemas.openxmlformats.org/drawingml/2006/diagram" xmlns:a="http://schemas.openxmlformats.org/drawingml/2006/main" uniqueId="urn:microsoft.com/office/officeart/2005/8/layout/matrix1">
+  <dgm:title val=""/>
+  <dgm:desc val=""/>
+  <dgm:catLst>
+    <dgm:cat type="matrix" pri="2000"/>
+  </dgm:catLst>
+  <dgm:sampData>
+    <dgm:dataModel>
+      <dgm:ptLst>
+        <dgm:pt modelId="0" type="doc"/>
+        <dgm:pt modelId="1">
+          <dgm:prSet phldr="1"/>
+        </dgm:pt>
+        <dgm:pt modelId="11">
+          <dgm:prSet phldr="1"/>
+        </dgm:pt>
+        <dgm:pt modelId="12">
+          <dgm:prSet phldr="1"/>
+        </dgm:pt>
+        <dgm:pt modelId="13">
+          <dgm:prSet phldr="1"/>
+        </dgm:pt>
+        <dgm:pt modelId="14">
+          <dgm:prSet phldr="1"/>
+        </dgm:pt>
+      </dgm:ptLst>
+      <dgm:cxnLst>
+        <dgm:cxn modelId="2" srcId="0" destId="1" srcOrd="0" destOrd="0"/>
+        <dgm:cxn modelId="3" srcId="1" destId="11" srcOrd="0" destOrd="0"/>
+        <dgm:cxn modelId="4" srcId="1" destId="12" srcOrd="1" destOrd="0"/>
+        <dgm:cxn modelId="5" srcId="1" destId="13" srcOrd="2" destOrd="0"/>
+        <dgm:cxn modelId="6" srcId="1" destId="14" srcOrd="3" destOrd="0"/>
+      </dgm:cxnLst>
+      <dgm:bg/>
+      <dgm:whole/>
+    </dgm:dataModel>
+  </dgm:sampData>
+  <dgm:styleData>
+    <dgm:dataModel>
+      <dgm:ptLst>
+        <dgm:pt modelId="0" type="doc"/>
+        <dgm:pt modelId="1"/>
+        <dgm:pt modelId="11"/>
+        <dgm:pt modelId="12"/>
+        <dgm:pt modelId="13"/>
+        <dgm:pt modelId="14"/>
+      </dgm:ptLst>
+      <dgm:cxnLst>
+        <dgm:cxn modelId="2" srcId="0" destId="1" srcOrd="0" destOrd="0"/>
+        <dgm:cxn modelId="15" srcId="1" destId="11" srcOrd="0" destOrd="0"/>
+        <dgm:cxn modelId="16" srcId="1" destId="12" srcOrd="1" destOrd="0"/>
+        <dgm:cxn modelId="17" srcId="1" destId="13" srcOrd="2" destOrd="0"/>
+        <dgm:cxn modelId="18" srcId="1" destId="14" srcOrd="3" destOrd="0"/>
+      </dgm:cxnLst>
+      <dgm:bg/>
+      <dgm:whole/>
+    </dgm:dataModel>
+  </dgm:styleData>
+  <dgm:clrData>
+    <dgm:dataModel>
+      <dgm:ptLst>
+        <dgm:pt modelId="0" type="doc"/>
+        <dgm:pt modelId="1"/>
+        <dgm:pt modelId="11"/>
+        <dgm:pt modelId="12"/>
+        <dgm:pt modelId="13"/>
+        <dgm:pt modelId="14"/>
+      </dgm:ptLst>
+      <dgm:cxnLst>
+        <dgm:cxn modelId="2" srcId="0" destId="1" srcOrd="0" destOrd="0"/>
+        <dgm:cxn modelId="15" srcId="1" destId="11" srcOrd="0" destOrd="0"/>
+        <dgm:cxn modelId="16" srcId="1" destId="12" srcOrd="1" destOrd="0"/>
+        <dgm:cxn modelId="17" srcId="1" destId="13" srcOrd="2" destOrd="0"/>
+        <dgm:cxn modelId="18" srcId="1" destId="14" srcOrd="3" destOrd="0"/>
+      </dgm:cxnLst>
+      <dgm:bg/>
+      <dgm:whole/>
+    </dgm:dataModel>
+  </dgm:clrData>
+  <dgm:layoutNode name="diagram">
+    <dgm:varLst>
+      <dgm:chMax val="1"/>
+      <dgm:dir/>
+      <dgm:animLvl val="ctr"/>
+      <dgm:resizeHandles val="exact"/>
+    </dgm:varLst>
+    <dgm:alg type="composite"/>
+    <dgm:shape xmlns:r="http://schemas.openxmlformats.org/officeDocument/2006/relationships" r:blip="">
+      <dgm:adjLst/>
+    </dgm:shape>
+    <dgm:presOf/>
+    <dgm:constrLst>
+      <dgm:constr type="ctrX" for="ch" forName="matrix" refType="w" fact="0.5"/>
+      <dgm:constr type="ctrY" for="ch" forName="matrix" refType="h" fact="0.5"/>
+      <dgm:constr type="w" for="ch" forName="matrix" refType="w"/>
+      <dgm:constr type="h" for="ch" forName="matrix" refType="h"/>
+      <dgm:constr type="ctrX" for="ch" forName="centerTile" refType="w" fact="0.5"/>
+      <dgm:constr type="ctrY" for="ch" forName="centerTile" refType="h" fact="0.5"/>
+      <dgm:constr type="w" for="ch" forName="centerTile" refType="w" fact="0.3"/>
+      <dgm:constr type="h" for="ch" forName="centerTile" refType="h" fact="0.25"/>
+      <dgm:constr type="primFontSz" for="des" ptType="node" op="equ" val="65"/>
+    </dgm:constrLst>
+    <dgm:ruleLst/>
+    <dgm:choose name="Name0">
+      <dgm:if name="Name1" axis="ch" ptType="node" func="cnt" op="gte" val="1">
+        <dgm:layoutNode name="matrix">
+          <dgm:alg type="composite"/>
+          <dgm:shape xmlns:r="http://schemas.openxmlformats.org/officeDocument/2006/relationships" r:blip="">
+            <dgm:adjLst/>
+          </dgm:shape>
+          <dgm:presOf/>
+          <dgm:constrLst>
+            <dgm:constr type="l" for="ch" forName="tile1"/>
+            <dgm:constr type="t" for="ch" forName="tile1"/>
+            <dgm:constr type="r" for="ch" forName="tile1" refType="w" fact="0.5"/>
+            <dgm:constr type="b" for="ch" forName="tile1" refType="h" fact="0.5"/>
+            <dgm:constr type="l" for="ch" forName="tile1text" refType="l" refFor="ch" refForName="tile1"/>
+            <dgm:constr type="t" for="ch" forName="tile1text" refType="t" refFor="ch" refForName="tile1"/>
+            <dgm:constr type="w" for="ch" forName="tile1text" refType="w" refFor="ch" refForName="tile1"/>
+            <dgm:constr type="h" for="ch" forName="tile1text" refType="h" refFor="ch" refForName="tile1" fact="0.75"/>
+            <dgm:constr type="r" for="ch" forName="tile2" refType="w"/>
+            <dgm:constr type="t" for="ch" forName="tile2"/>
+            <dgm:constr type="l" for="ch" forName="tile2" refType="w" fact="0.5"/>
+            <dgm:constr type="b" for="ch" forName="tile2" refType="h" fact="0.5"/>
+            <dgm:constr type="r" for="ch" forName="tile2text" refType="r" refFor="ch" refForName="tile2"/>
+            <dgm:constr type="t" for="ch" forName="tile2text" refType="t" refFor="ch" refForName="tile2"/>
+            <dgm:constr type="w" for="ch" forName="tile2text" refType="w" refFor="ch" refForName="tile2"/>
+            <dgm:constr type="h" for="ch" forName="tile2text" refType="h" refFor="ch" refForName="tile2" fact="0.75"/>
+            <dgm:constr type="l" for="ch" forName="tile3"/>
+            <dgm:constr type="b" for="ch" forName="tile3" refType="h"/>
+            <dgm:constr type="r" for="ch" forName="tile3" refType="w" fact="0.5"/>
+            <dgm:constr type="t" for="ch" forName="tile3" refType="h" fact="0.5"/>
+            <dgm:constr type="l" for="ch" forName="tile3text" refType="l" refFor="ch" refForName="tile3"/>
+            <dgm:constr type="b" for="ch" forName="tile3text" refType="b" refFor="ch" refForName="tile3"/>
+            <dgm:constr type="w" for="ch" forName="tile3text" refType="w" refFor="ch" refForName="tile3"/>
+            <dgm:constr type="h" for="ch" forName="tile3text" refType="h" refFor="ch" refForName="tile3" fact="0.75"/>
+            <dgm:constr type="r" for="ch" forName="tile4" refType="w"/>
+            <dgm:constr type="b" for="ch" forName="tile4" refType="h"/>
+            <dgm:constr type="l" for="ch" forName="tile4" refType="w" fact="0.5"/>
+            <dgm:constr type="t" for="ch" forName="tile4" refType="h" fact="0.5"/>
+            <dgm:constr type="r" for="ch" forName="tile4text" refType="r" refFor="ch" refForName="tile4"/>
+            <dgm:constr type="b" for="ch" forName="tile4text" refType="b" refFor="ch" refForName="tile4"/>
+            <dgm:constr type="w" for="ch" forName="tile4text" refType="w" refFor="ch" refForName="tile4"/>
+            <dgm:constr type="h" for="ch" forName="tile4text" refType="h" refFor="ch" refForName="tile4" fact="0.75"/>
+          </dgm:constrLst>
+          <dgm:ruleLst/>
+          <dgm:layoutNode name="tile1" styleLbl="node1">
+            <dgm:alg type="sp"/>
+            <dgm:shape xmlns:r="http://schemas.openxmlformats.org/officeDocument/2006/relationships" rot="270" type="round1Rect" r:blip="">
+              <dgm:adjLst/>
+            </dgm:shape>
+            <dgm:choose name="Name2">
+              <dgm:if name="Name3" func="var" arg="dir" op="equ" val="norm">
+                <dgm:presOf axis="ch ch desOrSelf" ptType="node node node" st="1 1 1" cnt="1 1 0"/>
+              </dgm:if>
+              <dgm:else name="Name4">
+                <dgm:presOf axis="ch ch desOrSelf" ptType="node node node" st="1 2 1" cnt="1 1 0"/>
+              </dgm:else>
+            </dgm:choose>
+            <dgm:constrLst/>
+            <dgm:ruleLst/>
+          </dgm:layoutNode>
+          <dgm:layoutNode name="tile1text" styleLbl="node1">
+            <dgm:varLst>
+              <dgm:chMax val="0"/>
+              <dgm:chPref val="0"/>
+              <dgm:bulletEnabled val="1"/>
+            </dgm:varLst>
+            <dgm:choose name="Name5">
+              <dgm:if name="Name6" axis="root des" func="maxDepth" op="gte" val="3">
+                <dgm:alg type="tx">
+                  <dgm:param type="txAnchorVert" val="t"/>
+                  <dgm:param type="parTxLTRAlign" val="l"/>
+                  <dgm:param type="parTxRTLAlign" val="r"/>
+                </dgm:alg>
+              </dgm:if>
+              <dgm:else name="Name7">
+                <dgm:alg type="tx"/>
+              </dgm:else>
+            </dgm:choose>
+            <dgm:shape xmlns:r="http://schemas.openxmlformats.org/officeDocument/2006/relationships" rot="270" type="rect" r:blip="" hideGeom="1">
+              <dgm:adjLst>
+                <dgm:adj idx="1" val="0.2"/>
+              </dgm:adjLst>
+            </dgm:shape>
+            <dgm:choose name="Name8">
+              <dgm:if name="Name9" func="var" arg="dir" op="equ" val="norm">
+                <dgm:presOf axis="ch ch desOrSelf" ptType="node node node" st="1 1 1" cnt="1 1 0"/>
+              </dgm:if>
+              <dgm:else name="Name10">
+                <dgm:presOf axis="ch ch desOrSelf" ptType="node node node" st="1 2 1" cnt="1 1 0"/>
+              </dgm:else>
+            </dgm:choose>
+            <dgm:constrLst/>
+            <dgm:ruleLst>
+              <dgm:rule type="primFontSz" val="5" fact="NaN" max="NaN"/>
+            </dgm:ruleLst>
+          </dgm:layoutNode>
+          <dgm:layoutNode name="tile2" styleLbl="node1">
+            <dgm:alg type="sp"/>
+            <dgm:shape xmlns:r="http://schemas.openxmlformats.org/officeDocument/2006/relationships" type="round1Rect" r:blip="">
+              <dgm:adjLst/>
+            </dgm:shape>
+            <dgm:choose name="Name11">
+              <dgm:if name="Name12" func="var" arg="dir" op="equ" val="norm">
+                <dgm:presOf axis="ch ch desOrSelf" ptType="node node node" st="1 2 1" cnt="1 1 0"/>
+              </dgm:if>
+              <dgm:else name="Name13">
+                <dgm:presOf axis="ch ch desOrSelf" ptType="node node node" st="1 1 1" cnt="1 1 0"/>
+              </dgm:else>
+            </dgm:choose>
+            <dgm:constrLst/>
+            <dgm:ruleLst/>
+          </dgm:layoutNode>
+          <dgm:layoutNode name="tile2text" styleLbl="node1">
+            <dgm:varLst>
+              <dgm:chMax val="0"/>
+              <dgm:chPref val="0"/>
+              <dgm:bulletEnabled val="1"/>
+            </dgm:varLst>
+            <dgm:choose name="Name14">
+              <dgm:if name="Name15" axis="root des" func="maxDepth" op="gte" val="3">
+                <dgm:alg type="tx">
+                  <dgm:param type="txAnchorVert" val="t"/>
+                  <dgm:param type="parTxLTRAlign" val="l"/>
+                  <dgm:param type="parTxRTLAlign" val="r"/>
+                </dgm:alg>
+              </dgm:if>
+              <dgm:else name="Name16">
+                <dgm:alg type="tx"/>
+              </dgm:else>
+            </dgm:choose>
+            <dgm:shape xmlns:r="http://schemas.openxmlformats.org/officeDocument/2006/relationships" type="rect" r:blip="" hideGeom="1">
+              <dgm:adjLst/>
+            </dgm:shape>
+            <dgm:choose name="Name17">
+              <dgm:if name="Name18" func="var" arg="dir" op="equ" val="norm">
+                <dgm:presOf axis="ch ch desOrSelf" ptType="node node node" st="1 2 1" cnt="1 1 0"/>
+              </dgm:if>
+              <dgm:else name="Name19">
+                <dgm:presOf axis="ch ch desOrSelf" ptType="node node node" st="1 1 1" cnt="1 1 0"/>
+              </dgm:else>
+            </dgm:choose>
+            <dgm:constrLst/>
+            <dgm:ruleLst>
+              <dgm:rule type="primFontSz" val="5" fact="NaN" max="NaN"/>
+            </dgm:ruleLst>
+          </dgm:layoutNode>
+          <dgm:layoutNode name="tile3" styleLbl="node1">
+            <dgm:alg type="sp"/>
+            <dgm:shape xmlns:r="http://schemas.openxmlformats.org/officeDocument/2006/relationships" rot="180" type="round1Rect" r:blip="">
+              <dgm:adjLst/>
+            </dgm:shape>
+            <dgm:choose name="Name20">
+              <dgm:if name="Name21" func="var" arg="dir" op="equ" val="norm">
+                <dgm:presOf axis="ch ch desOrSelf" ptType="node node node" st="1 3 1" cnt="1 1 0"/>
+              </dgm:if>
+              <dgm:else name="Name22">
+                <dgm:presOf axis="ch ch desOrSelf" ptType="node node node" st="1 4 1" cnt="1 1 0"/>
+              </dgm:else>
+            </dgm:choose>
+            <dgm:constrLst/>
+            <dgm:ruleLst/>
+          </dgm:layoutNode>
+          <dgm:layoutNode name="tile3text" styleLbl="node1">
+            <dgm:varLst>
+              <dgm:chMax val="0"/>
+              <dgm:chPref val="0"/>
+              <dgm:bulletEnabled val="1"/>
+            </dgm:varLst>
+            <dgm:choose name="Name23">
+              <dgm:if name="Name24" axis="root des" func="maxDepth" op="gte" val="3">
+                <dgm:alg type="tx">
+                  <dgm:param type="txAnchorVert" val="t"/>
+                  <dgm:param type="parTxLTRAlign" val="l"/>
+                  <dgm:param type="parTxRTLAlign" val="r"/>
+                </dgm:alg>
+              </dgm:if>
+              <dgm:else name="Name25">
+                <dgm:alg type="tx"/>
+              </dgm:else>
+            </dgm:choose>
+            <dgm:shape xmlns:r="http://schemas.openxmlformats.org/officeDocument/2006/relationships" rot="180" type="rect" r:blip="" hideGeom="1">
+              <dgm:adjLst/>
+            </dgm:shape>
+            <dgm:choose name="Name26">
+              <dgm:if name="Name27" func="var" arg="dir" op="equ" val="norm">
+                <dgm:presOf axis="ch ch desOrSelf" ptType="node node node" st="1 3 1" cnt="1 1 0"/>
+              </dgm:if>
+              <dgm:else name="Name28">
+                <dgm:presOf axis="ch ch desOrSelf" ptType="node node node" st="1 4 1" cnt="1 1 0"/>
+              </dgm:else>
+            </dgm:choose>
+            <dgm:constrLst/>
+            <dgm:ruleLst>
+              <dgm:rule type="primFontSz" val="5" fact="NaN" max="NaN"/>
+            </dgm:ruleLst>
+          </dgm:layoutNode>
+          <dgm:layoutNode name="tile4" styleLbl="node1">
+            <dgm:alg type="sp"/>
+            <dgm:shape xmlns:r="http://schemas.openxmlformats.org/officeDocument/2006/relationships" rot="90" type="round1Rect" r:blip="">
+              <dgm:adjLst/>
+            </dgm:shape>
+            <dgm:choose name="Name29">
+              <dgm:if name="Name30" func="var" arg="dir" op="equ" val="norm">
+                <dgm:presOf axis="ch ch desOrSelf" ptType="node node node" st="1 4 1" cnt="1 1 0"/>
+              </dgm:if>
+              <dgm:else name="Name31">
+                <dgm:presOf axis="ch ch desOrSelf" ptType="node node node" st="1 3 1" cnt="1 1 0"/>
+              </dgm:else>
+            </dgm:choose>
+            <dgm:constrLst/>
+            <dgm:ruleLst/>
+          </dgm:layoutNode>
+          <dgm:layoutNode name="tile4text" styleLbl="node1">
+            <dgm:varLst>
+              <dgm:chMax val="0"/>
+              <dgm:chPref val="0"/>
+              <dgm:bulletEnabled val="1"/>
+            </dgm:varLst>
+            <dgm:choose name="Name32">
+              <dgm:if name="Name33" axis="root des" func="maxDepth" op="gte" val="3">
+                <dgm:alg type="tx">
+                  <dgm:param type="txAnchorVert" val="t"/>
+                  <dgm:param type="parTxLTRAlign" val="l"/>
+                  <dgm:param type="parTxRTLAlign" val="r"/>
+                </dgm:alg>
+              </dgm:if>
+              <dgm:else name="Name34">
+                <dgm:alg type="tx"/>
+              </dgm:else>
+            </dgm:choose>
+            <dgm:shape xmlns:r="http://schemas.openxmlformats.org/officeDocument/2006/relationships" rot="90" type="rect" r:blip="" hideGeom="1">
+              <dgm:adjLst/>
+            </dgm:shape>
+            <dgm:choose name="Name35">
+              <dgm:if name="Name36" func="var" arg="dir" op="equ" val="norm">
+                <dgm:presOf axis="ch ch desOrSelf" ptType="node node node" st="1 4 1" cnt="1 1 0"/>
+              </dgm:if>
+              <dgm:else name="Name37">
+                <dgm:presOf axis="ch ch desOrSelf" ptType="node node node" st="1 3 1" cnt="1 1 0"/>
+              </dgm:else>
+            </dgm:choose>
+            <dgm:constrLst/>
+            <dgm:ruleLst>
+              <dgm:rule type="primFontSz" val="5" fact="NaN" max="NaN"/>
+            </dgm:ruleLst>
+          </dgm:layoutNode>
+        </dgm:layoutNode>
+        <dgm:layoutNode name="centerTile" styleLbl="fgShp">
+          <dgm:varLst>
+            <dgm:chMax val="0"/>
+            <dgm:chPref val="0"/>
+          </dgm:varLst>
+          <dgm:alg type="tx"/>
+          <dgm:shape xmlns:r="http://schemas.openxmlformats.org/officeDocument/2006/relationships" type="roundRect" r:blip="">
+            <dgm:adjLst/>
+          </dgm:shape>
+          <dgm:presOf axis="ch" ptType="node" cnt="1"/>
+          <dgm:constrLst>
+            <dgm:constr type="tMarg" refType="primFontSz" fact="0.3"/>
+            <dgm:constr type="bMarg" refType="primFontSz" fact="0.3"/>
+            <dgm:constr type="lMarg" refType="primFontSz" fact="0.3"/>
+            <dgm:constr type="rMarg" refType="primFontSz" fact="0.3"/>
+          </dgm:constrLst>
+          <dgm:ruleLst>
+            <dgm:rule type="primFontSz" val="5" fact="NaN" max="NaN"/>
+          </dgm:ruleLst>
+        </dgm:layoutNode>
+      </dgm:if>
+      <dgm:else name="Name38"/>
+    </dgm:choose>
+  </dgm:layoutNode>
+</dgm:layoutDef>
+</file>
+
 <file path=ppt/diagrams/quickStyle1.xml><?xml version="1.0" encoding="utf-8"?>
 <dgm:styleDef xmlns:dgm="http://schemas.openxmlformats.org/drawingml/2006/diagram" xmlns:a="http://schemas.openxmlformats.org/drawingml/2006/main" uniqueId="urn:microsoft.com/office/officeart/2005/8/quickstyle/simple1">
   <dgm:title val=""/>
@@ -4982,6 +10698,2074 @@
         <a:scrgbClr r="0" g="0" b="0"/>
       </a:fillRef>
       <a:effectRef idx="0">
+        <a:scrgbClr r="0" g="0" b="0"/>
+      </a:effectRef>
+      <a:fontRef idx="minor"/>
+    </dgm:style>
+  </dgm:styleLbl>
+  <dgm:styleLbl name="revTx">
+    <dgm:scene3d>
+      <a:camera prst="orthographicFront"/>
+      <a:lightRig rig="threePt" dir="t"/>
+    </dgm:scene3d>
+    <dgm:sp3d/>
+    <dgm:txPr/>
+    <dgm:style>
+      <a:lnRef idx="0">
+        <a:scrgbClr r="0" g="0" b="0"/>
+      </a:lnRef>
+      <a:fillRef idx="0">
+        <a:scrgbClr r="0" g="0" b="0"/>
+      </a:fillRef>
+      <a:effectRef idx="0">
+        <a:scrgbClr r="0" g="0" b="0"/>
+      </a:effectRef>
+      <a:fontRef idx="minor"/>
+    </dgm:style>
+  </dgm:styleLbl>
+</dgm:styleDef>
+</file>
+
+<file path=ppt/diagrams/quickStyle2.xml><?xml version="1.0" encoding="utf-8"?>
+<dgm:styleDef xmlns:dgm="http://schemas.openxmlformats.org/drawingml/2006/diagram" xmlns:a="http://schemas.openxmlformats.org/drawingml/2006/main" uniqueId="urn:microsoft.com/office/officeart/2005/8/quickstyle/simple1">
+  <dgm:title val=""/>
+  <dgm:desc val=""/>
+  <dgm:catLst>
+    <dgm:cat type="simple" pri="10100"/>
+  </dgm:catLst>
+  <dgm:scene3d>
+    <a:camera prst="orthographicFront"/>
+    <a:lightRig rig="threePt" dir="t"/>
+  </dgm:scene3d>
+  <dgm:styleLbl name="node0">
+    <dgm:scene3d>
+      <a:camera prst="orthographicFront"/>
+      <a:lightRig rig="threePt" dir="t"/>
+    </dgm:scene3d>
+    <dgm:sp3d/>
+    <dgm:txPr/>
+    <dgm:style>
+      <a:lnRef idx="2">
+        <a:scrgbClr r="0" g="0" b="0"/>
+      </a:lnRef>
+      <a:fillRef idx="1">
+        <a:scrgbClr r="0" g="0" b="0"/>
+      </a:fillRef>
+      <a:effectRef idx="0">
+        <a:scrgbClr r="0" g="0" b="0"/>
+      </a:effectRef>
+      <a:fontRef idx="minor">
+        <a:schemeClr val="lt1"/>
+      </a:fontRef>
+    </dgm:style>
+  </dgm:styleLbl>
+  <dgm:styleLbl name="lnNode1">
+    <dgm:scene3d>
+      <a:camera prst="orthographicFront"/>
+      <a:lightRig rig="threePt" dir="t"/>
+    </dgm:scene3d>
+    <dgm:sp3d/>
+    <dgm:txPr/>
+    <dgm:style>
+      <a:lnRef idx="2">
+        <a:scrgbClr r="0" g="0" b="0"/>
+      </a:lnRef>
+      <a:fillRef idx="1">
+        <a:scrgbClr r="0" g="0" b="0"/>
+      </a:fillRef>
+      <a:effectRef idx="0">
+        <a:scrgbClr r="0" g="0" b="0"/>
+      </a:effectRef>
+      <a:fontRef idx="minor">
+        <a:schemeClr val="lt1"/>
+      </a:fontRef>
+    </dgm:style>
+  </dgm:styleLbl>
+  <dgm:styleLbl name="vennNode1">
+    <dgm:scene3d>
+      <a:camera prst="orthographicFront"/>
+      <a:lightRig rig="threePt" dir="t"/>
+    </dgm:scene3d>
+    <dgm:sp3d/>
+    <dgm:txPr/>
+    <dgm:style>
+      <a:lnRef idx="2">
+        <a:scrgbClr r="0" g="0" b="0"/>
+      </a:lnRef>
+      <a:fillRef idx="1">
+        <a:scrgbClr r="0" g="0" b="0"/>
+      </a:fillRef>
+      <a:effectRef idx="0">
+        <a:scrgbClr r="0" g="0" b="0"/>
+      </a:effectRef>
+      <a:fontRef idx="minor">
+        <a:schemeClr val="tx1"/>
+      </a:fontRef>
+    </dgm:style>
+  </dgm:styleLbl>
+  <dgm:styleLbl name="alignNode1">
+    <dgm:scene3d>
+      <a:camera prst="orthographicFront"/>
+      <a:lightRig rig="threePt" dir="t"/>
+    </dgm:scene3d>
+    <dgm:sp3d/>
+    <dgm:txPr/>
+    <dgm:style>
+      <a:lnRef idx="2">
+        <a:scrgbClr r="0" g="0" b="0"/>
+      </a:lnRef>
+      <a:fillRef idx="1">
+        <a:scrgbClr r="0" g="0" b="0"/>
+      </a:fillRef>
+      <a:effectRef idx="0">
+        <a:scrgbClr r="0" g="0" b="0"/>
+      </a:effectRef>
+      <a:fontRef idx="minor">
+        <a:schemeClr val="lt1"/>
+      </a:fontRef>
+    </dgm:style>
+  </dgm:styleLbl>
+  <dgm:styleLbl name="node1">
+    <dgm:scene3d>
+      <a:camera prst="orthographicFront"/>
+      <a:lightRig rig="threePt" dir="t"/>
+    </dgm:scene3d>
+    <dgm:sp3d/>
+    <dgm:txPr/>
+    <dgm:style>
+      <a:lnRef idx="2">
+        <a:scrgbClr r="0" g="0" b="0"/>
+      </a:lnRef>
+      <a:fillRef idx="1">
+        <a:scrgbClr r="0" g="0" b="0"/>
+      </a:fillRef>
+      <a:effectRef idx="0">
+        <a:scrgbClr r="0" g="0" b="0"/>
+      </a:effectRef>
+      <a:fontRef idx="minor">
+        <a:schemeClr val="lt1"/>
+      </a:fontRef>
+    </dgm:style>
+  </dgm:styleLbl>
+  <dgm:styleLbl name="node2">
+    <dgm:scene3d>
+      <a:camera prst="orthographicFront"/>
+      <a:lightRig rig="threePt" dir="t"/>
+    </dgm:scene3d>
+    <dgm:sp3d/>
+    <dgm:txPr/>
+    <dgm:style>
+      <a:lnRef idx="2">
+        <a:scrgbClr r="0" g="0" b="0"/>
+      </a:lnRef>
+      <a:fillRef idx="1">
+        <a:scrgbClr r="0" g="0" b="0"/>
+      </a:fillRef>
+      <a:effectRef idx="0">
+        <a:scrgbClr r="0" g="0" b="0"/>
+      </a:effectRef>
+      <a:fontRef idx="minor">
+        <a:schemeClr val="lt1"/>
+      </a:fontRef>
+    </dgm:style>
+  </dgm:styleLbl>
+  <dgm:styleLbl name="node3">
+    <dgm:scene3d>
+      <a:camera prst="orthographicFront"/>
+      <a:lightRig rig="threePt" dir="t"/>
+    </dgm:scene3d>
+    <dgm:sp3d/>
+    <dgm:txPr/>
+    <dgm:style>
+      <a:lnRef idx="2">
+        <a:scrgbClr r="0" g="0" b="0"/>
+      </a:lnRef>
+      <a:fillRef idx="1">
+        <a:scrgbClr r="0" g="0" b="0"/>
+      </a:fillRef>
+      <a:effectRef idx="0">
+        <a:scrgbClr r="0" g="0" b="0"/>
+      </a:effectRef>
+      <a:fontRef idx="minor">
+        <a:schemeClr val="lt1"/>
+      </a:fontRef>
+    </dgm:style>
+  </dgm:styleLbl>
+  <dgm:styleLbl name="node4">
+    <dgm:scene3d>
+      <a:camera prst="orthographicFront"/>
+      <a:lightRig rig="threePt" dir="t"/>
+    </dgm:scene3d>
+    <dgm:sp3d/>
+    <dgm:txPr/>
+    <dgm:style>
+      <a:lnRef idx="2">
+        <a:scrgbClr r="0" g="0" b="0"/>
+      </a:lnRef>
+      <a:fillRef idx="1">
+        <a:scrgbClr r="0" g="0" b="0"/>
+      </a:fillRef>
+      <a:effectRef idx="0">
+        <a:scrgbClr r="0" g="0" b="0"/>
+      </a:effectRef>
+      <a:fontRef idx="minor">
+        <a:schemeClr val="lt1"/>
+      </a:fontRef>
+    </dgm:style>
+  </dgm:styleLbl>
+  <dgm:styleLbl name="fgImgPlace1">
+    <dgm:scene3d>
+      <a:camera prst="orthographicFront"/>
+      <a:lightRig rig="threePt" dir="t"/>
+    </dgm:scene3d>
+    <dgm:sp3d/>
+    <dgm:txPr/>
+    <dgm:style>
+      <a:lnRef idx="2">
+        <a:scrgbClr r="0" g="0" b="0"/>
+      </a:lnRef>
+      <a:fillRef idx="1">
+        <a:scrgbClr r="0" g="0" b="0"/>
+      </a:fillRef>
+      <a:effectRef idx="0">
+        <a:scrgbClr r="0" g="0" b="0"/>
+      </a:effectRef>
+      <a:fontRef idx="minor"/>
+    </dgm:style>
+  </dgm:styleLbl>
+  <dgm:styleLbl name="alignImgPlace1">
+    <dgm:scene3d>
+      <a:camera prst="orthographicFront"/>
+      <a:lightRig rig="threePt" dir="t"/>
+    </dgm:scene3d>
+    <dgm:sp3d/>
+    <dgm:txPr/>
+    <dgm:style>
+      <a:lnRef idx="2">
+        <a:scrgbClr r="0" g="0" b="0"/>
+      </a:lnRef>
+      <a:fillRef idx="1">
+        <a:scrgbClr r="0" g="0" b="0"/>
+      </a:fillRef>
+      <a:effectRef idx="0">
+        <a:scrgbClr r="0" g="0" b="0"/>
+      </a:effectRef>
+      <a:fontRef idx="minor"/>
+    </dgm:style>
+  </dgm:styleLbl>
+  <dgm:styleLbl name="bgImgPlace1">
+    <dgm:scene3d>
+      <a:camera prst="orthographicFront"/>
+      <a:lightRig rig="threePt" dir="t"/>
+    </dgm:scene3d>
+    <dgm:sp3d/>
+    <dgm:txPr/>
+    <dgm:style>
+      <a:lnRef idx="2">
+        <a:scrgbClr r="0" g="0" b="0"/>
+      </a:lnRef>
+      <a:fillRef idx="1">
+        <a:scrgbClr r="0" g="0" b="0"/>
+      </a:fillRef>
+      <a:effectRef idx="0">
+        <a:scrgbClr r="0" g="0" b="0"/>
+      </a:effectRef>
+      <a:fontRef idx="minor"/>
+    </dgm:style>
+  </dgm:styleLbl>
+  <dgm:styleLbl name="sibTrans2D1">
+    <dgm:scene3d>
+      <a:camera prst="orthographicFront"/>
+      <a:lightRig rig="threePt" dir="t"/>
+    </dgm:scene3d>
+    <dgm:sp3d/>
+    <dgm:txPr/>
+    <dgm:style>
+      <a:lnRef idx="0">
+        <a:scrgbClr r="0" g="0" b="0"/>
+      </a:lnRef>
+      <a:fillRef idx="1">
+        <a:scrgbClr r="0" g="0" b="0"/>
+      </a:fillRef>
+      <a:effectRef idx="0">
+        <a:scrgbClr r="0" g="0" b="0"/>
+      </a:effectRef>
+      <a:fontRef idx="minor">
+        <a:schemeClr val="lt1"/>
+      </a:fontRef>
+    </dgm:style>
+  </dgm:styleLbl>
+  <dgm:styleLbl name="fgSibTrans2D1">
+    <dgm:scene3d>
+      <a:camera prst="orthographicFront"/>
+      <a:lightRig rig="threePt" dir="t"/>
+    </dgm:scene3d>
+    <dgm:sp3d/>
+    <dgm:txPr/>
+    <dgm:style>
+      <a:lnRef idx="0">
+        <a:scrgbClr r="0" g="0" b="0"/>
+      </a:lnRef>
+      <a:fillRef idx="1">
+        <a:scrgbClr r="0" g="0" b="0"/>
+      </a:fillRef>
+      <a:effectRef idx="0">
+        <a:scrgbClr r="0" g="0" b="0"/>
+      </a:effectRef>
+      <a:fontRef idx="minor">
+        <a:schemeClr val="lt1"/>
+      </a:fontRef>
+    </dgm:style>
+  </dgm:styleLbl>
+  <dgm:styleLbl name="bgSibTrans2D1">
+    <dgm:scene3d>
+      <a:camera prst="orthographicFront"/>
+      <a:lightRig rig="threePt" dir="t"/>
+    </dgm:scene3d>
+    <dgm:sp3d/>
+    <dgm:txPr/>
+    <dgm:style>
+      <a:lnRef idx="0">
+        <a:scrgbClr r="0" g="0" b="0"/>
+      </a:lnRef>
+      <a:fillRef idx="1">
+        <a:scrgbClr r="0" g="0" b="0"/>
+      </a:fillRef>
+      <a:effectRef idx="0">
+        <a:scrgbClr r="0" g="0" b="0"/>
+      </a:effectRef>
+      <a:fontRef idx="minor">
+        <a:schemeClr val="lt1"/>
+      </a:fontRef>
+    </dgm:style>
+  </dgm:styleLbl>
+  <dgm:styleLbl name="sibTrans1D1">
+    <dgm:scene3d>
+      <a:camera prst="orthographicFront"/>
+      <a:lightRig rig="threePt" dir="t"/>
+    </dgm:scene3d>
+    <dgm:sp3d/>
+    <dgm:txPr/>
+    <dgm:style>
+      <a:lnRef idx="1">
+        <a:scrgbClr r="0" g="0" b="0"/>
+      </a:lnRef>
+      <a:fillRef idx="0">
+        <a:scrgbClr r="0" g="0" b="0"/>
+      </a:fillRef>
+      <a:effectRef idx="0">
+        <a:scrgbClr r="0" g="0" b="0"/>
+      </a:effectRef>
+      <a:fontRef idx="minor"/>
+    </dgm:style>
+  </dgm:styleLbl>
+  <dgm:styleLbl name="callout">
+    <dgm:scene3d>
+      <a:camera prst="orthographicFront"/>
+      <a:lightRig rig="threePt" dir="t"/>
+    </dgm:scene3d>
+    <dgm:sp3d/>
+    <dgm:txPr/>
+    <dgm:style>
+      <a:lnRef idx="2">
+        <a:scrgbClr r="0" g="0" b="0"/>
+      </a:lnRef>
+      <a:fillRef idx="1">
+        <a:scrgbClr r="0" g="0" b="0"/>
+      </a:fillRef>
+      <a:effectRef idx="0">
+        <a:scrgbClr r="0" g="0" b="0"/>
+      </a:effectRef>
+      <a:fontRef idx="minor"/>
+    </dgm:style>
+  </dgm:styleLbl>
+  <dgm:styleLbl name="asst0">
+    <dgm:scene3d>
+      <a:camera prst="orthographicFront"/>
+      <a:lightRig rig="threePt" dir="t"/>
+    </dgm:scene3d>
+    <dgm:sp3d/>
+    <dgm:txPr/>
+    <dgm:style>
+      <a:lnRef idx="2">
+        <a:scrgbClr r="0" g="0" b="0"/>
+      </a:lnRef>
+      <a:fillRef idx="1">
+        <a:scrgbClr r="0" g="0" b="0"/>
+      </a:fillRef>
+      <a:effectRef idx="0">
+        <a:scrgbClr r="0" g="0" b="0"/>
+      </a:effectRef>
+      <a:fontRef idx="minor">
+        <a:schemeClr val="lt1"/>
+      </a:fontRef>
+    </dgm:style>
+  </dgm:styleLbl>
+  <dgm:styleLbl name="asst1">
+    <dgm:scene3d>
+      <a:camera prst="orthographicFront"/>
+      <a:lightRig rig="threePt" dir="t"/>
+    </dgm:scene3d>
+    <dgm:sp3d/>
+    <dgm:txPr/>
+    <dgm:style>
+      <a:lnRef idx="2">
+        <a:scrgbClr r="0" g="0" b="0"/>
+      </a:lnRef>
+      <a:fillRef idx="1">
+        <a:scrgbClr r="0" g="0" b="0"/>
+      </a:fillRef>
+      <a:effectRef idx="0">
+        <a:scrgbClr r="0" g="0" b="0"/>
+      </a:effectRef>
+      <a:fontRef idx="minor">
+        <a:schemeClr val="lt1"/>
+      </a:fontRef>
+    </dgm:style>
+  </dgm:styleLbl>
+  <dgm:styleLbl name="asst2">
+    <dgm:scene3d>
+      <a:camera prst="orthographicFront"/>
+      <a:lightRig rig="threePt" dir="t"/>
+    </dgm:scene3d>
+    <dgm:sp3d/>
+    <dgm:txPr/>
+    <dgm:style>
+      <a:lnRef idx="2">
+        <a:scrgbClr r="0" g="0" b="0"/>
+      </a:lnRef>
+      <a:fillRef idx="1">
+        <a:scrgbClr r="0" g="0" b="0"/>
+      </a:fillRef>
+      <a:effectRef idx="0">
+        <a:scrgbClr r="0" g="0" b="0"/>
+      </a:effectRef>
+      <a:fontRef idx="minor">
+        <a:schemeClr val="lt1"/>
+      </a:fontRef>
+    </dgm:style>
+  </dgm:styleLbl>
+  <dgm:styleLbl name="asst3">
+    <dgm:scene3d>
+      <a:camera prst="orthographicFront"/>
+      <a:lightRig rig="threePt" dir="t"/>
+    </dgm:scene3d>
+    <dgm:sp3d/>
+    <dgm:txPr/>
+    <dgm:style>
+      <a:lnRef idx="2">
+        <a:scrgbClr r="0" g="0" b="0"/>
+      </a:lnRef>
+      <a:fillRef idx="1">
+        <a:scrgbClr r="0" g="0" b="0"/>
+      </a:fillRef>
+      <a:effectRef idx="0">
+        <a:scrgbClr r="0" g="0" b="0"/>
+      </a:effectRef>
+      <a:fontRef idx="minor">
+        <a:schemeClr val="lt1"/>
+      </a:fontRef>
+    </dgm:style>
+  </dgm:styleLbl>
+  <dgm:styleLbl name="asst4">
+    <dgm:scene3d>
+      <a:camera prst="orthographicFront"/>
+      <a:lightRig rig="threePt" dir="t"/>
+    </dgm:scene3d>
+    <dgm:sp3d/>
+    <dgm:txPr/>
+    <dgm:style>
+      <a:lnRef idx="2">
+        <a:scrgbClr r="0" g="0" b="0"/>
+      </a:lnRef>
+      <a:fillRef idx="1">
+        <a:scrgbClr r="0" g="0" b="0"/>
+      </a:fillRef>
+      <a:effectRef idx="0">
+        <a:scrgbClr r="0" g="0" b="0"/>
+      </a:effectRef>
+      <a:fontRef idx="minor">
+        <a:schemeClr val="lt1"/>
+      </a:fontRef>
+    </dgm:style>
+  </dgm:styleLbl>
+  <dgm:styleLbl name="parChTrans2D1">
+    <dgm:scene3d>
+      <a:camera prst="orthographicFront"/>
+      <a:lightRig rig="threePt" dir="t"/>
+    </dgm:scene3d>
+    <dgm:sp3d/>
+    <dgm:txPr/>
+    <dgm:style>
+      <a:lnRef idx="2">
+        <a:scrgbClr r="0" g="0" b="0"/>
+      </a:lnRef>
+      <a:fillRef idx="1">
+        <a:scrgbClr r="0" g="0" b="0"/>
+      </a:fillRef>
+      <a:effectRef idx="0">
+        <a:scrgbClr r="0" g="0" b="0"/>
+      </a:effectRef>
+      <a:fontRef idx="minor">
+        <a:schemeClr val="lt1"/>
+      </a:fontRef>
+    </dgm:style>
+  </dgm:styleLbl>
+  <dgm:styleLbl name="parChTrans2D2">
+    <dgm:scene3d>
+      <a:camera prst="orthographicFront"/>
+      <a:lightRig rig="threePt" dir="t"/>
+    </dgm:scene3d>
+    <dgm:sp3d/>
+    <dgm:txPr/>
+    <dgm:style>
+      <a:lnRef idx="2">
+        <a:scrgbClr r="0" g="0" b="0"/>
+      </a:lnRef>
+      <a:fillRef idx="1">
+        <a:scrgbClr r="0" g="0" b="0"/>
+      </a:fillRef>
+      <a:effectRef idx="0">
+        <a:scrgbClr r="0" g="0" b="0"/>
+      </a:effectRef>
+      <a:fontRef idx="minor">
+        <a:schemeClr val="lt1"/>
+      </a:fontRef>
+    </dgm:style>
+  </dgm:styleLbl>
+  <dgm:styleLbl name="parChTrans2D3">
+    <dgm:scene3d>
+      <a:camera prst="orthographicFront"/>
+      <a:lightRig rig="threePt" dir="t"/>
+    </dgm:scene3d>
+    <dgm:sp3d/>
+    <dgm:txPr/>
+    <dgm:style>
+      <a:lnRef idx="2">
+        <a:scrgbClr r="0" g="0" b="0"/>
+      </a:lnRef>
+      <a:fillRef idx="1">
+        <a:scrgbClr r="0" g="0" b="0"/>
+      </a:fillRef>
+      <a:effectRef idx="0">
+        <a:scrgbClr r="0" g="0" b="0"/>
+      </a:effectRef>
+      <a:fontRef idx="minor">
+        <a:schemeClr val="lt1"/>
+      </a:fontRef>
+    </dgm:style>
+  </dgm:styleLbl>
+  <dgm:styleLbl name="parChTrans2D4">
+    <dgm:scene3d>
+      <a:camera prst="orthographicFront"/>
+      <a:lightRig rig="threePt" dir="t"/>
+    </dgm:scene3d>
+    <dgm:sp3d/>
+    <dgm:txPr/>
+    <dgm:style>
+      <a:lnRef idx="2">
+        <a:scrgbClr r="0" g="0" b="0"/>
+      </a:lnRef>
+      <a:fillRef idx="1">
+        <a:scrgbClr r="0" g="0" b="0"/>
+      </a:fillRef>
+      <a:effectRef idx="0">
+        <a:scrgbClr r="0" g="0" b="0"/>
+      </a:effectRef>
+      <a:fontRef idx="minor">
+        <a:schemeClr val="lt1"/>
+      </a:fontRef>
+    </dgm:style>
+  </dgm:styleLbl>
+  <dgm:styleLbl name="parChTrans1D1">
+    <dgm:scene3d>
+      <a:camera prst="orthographicFront"/>
+      <a:lightRig rig="threePt" dir="t"/>
+    </dgm:scene3d>
+    <dgm:sp3d/>
+    <dgm:txPr/>
+    <dgm:style>
+      <a:lnRef idx="2">
+        <a:scrgbClr r="0" g="0" b="0"/>
+      </a:lnRef>
+      <a:fillRef idx="0">
+        <a:scrgbClr r="0" g="0" b="0"/>
+      </a:fillRef>
+      <a:effectRef idx="0">
+        <a:scrgbClr r="0" g="0" b="0"/>
+      </a:effectRef>
+      <a:fontRef idx="minor"/>
+    </dgm:style>
+  </dgm:styleLbl>
+  <dgm:styleLbl name="parChTrans1D2">
+    <dgm:scene3d>
+      <a:camera prst="orthographicFront"/>
+      <a:lightRig rig="threePt" dir="t"/>
+    </dgm:scene3d>
+    <dgm:sp3d/>
+    <dgm:txPr/>
+    <dgm:style>
+      <a:lnRef idx="2">
+        <a:scrgbClr r="0" g="0" b="0"/>
+      </a:lnRef>
+      <a:fillRef idx="0">
+        <a:scrgbClr r="0" g="0" b="0"/>
+      </a:fillRef>
+      <a:effectRef idx="0">
+        <a:scrgbClr r="0" g="0" b="0"/>
+      </a:effectRef>
+      <a:fontRef idx="minor"/>
+    </dgm:style>
+  </dgm:styleLbl>
+  <dgm:styleLbl name="parChTrans1D3">
+    <dgm:scene3d>
+      <a:camera prst="orthographicFront"/>
+      <a:lightRig rig="threePt" dir="t"/>
+    </dgm:scene3d>
+    <dgm:sp3d/>
+    <dgm:txPr/>
+    <dgm:style>
+      <a:lnRef idx="2">
+        <a:scrgbClr r="0" g="0" b="0"/>
+      </a:lnRef>
+      <a:fillRef idx="0">
+        <a:scrgbClr r="0" g="0" b="0"/>
+      </a:fillRef>
+      <a:effectRef idx="0">
+        <a:scrgbClr r="0" g="0" b="0"/>
+      </a:effectRef>
+      <a:fontRef idx="minor"/>
+    </dgm:style>
+  </dgm:styleLbl>
+  <dgm:styleLbl name="parChTrans1D4">
+    <dgm:scene3d>
+      <a:camera prst="orthographicFront"/>
+      <a:lightRig rig="threePt" dir="t"/>
+    </dgm:scene3d>
+    <dgm:sp3d/>
+    <dgm:txPr/>
+    <dgm:style>
+      <a:lnRef idx="2">
+        <a:scrgbClr r="0" g="0" b="0"/>
+      </a:lnRef>
+      <a:fillRef idx="0">
+        <a:scrgbClr r="0" g="0" b="0"/>
+      </a:fillRef>
+      <a:effectRef idx="0">
+        <a:scrgbClr r="0" g="0" b="0"/>
+      </a:effectRef>
+      <a:fontRef idx="minor"/>
+    </dgm:style>
+  </dgm:styleLbl>
+  <dgm:styleLbl name="fgAcc1">
+    <dgm:scene3d>
+      <a:camera prst="orthographicFront"/>
+      <a:lightRig rig="threePt" dir="t"/>
+    </dgm:scene3d>
+    <dgm:sp3d/>
+    <dgm:txPr/>
+    <dgm:style>
+      <a:lnRef idx="2">
+        <a:scrgbClr r="0" g="0" b="0"/>
+      </a:lnRef>
+      <a:fillRef idx="1">
+        <a:scrgbClr r="0" g="0" b="0"/>
+      </a:fillRef>
+      <a:effectRef idx="0">
+        <a:scrgbClr r="0" g="0" b="0"/>
+      </a:effectRef>
+      <a:fontRef idx="minor"/>
+    </dgm:style>
+  </dgm:styleLbl>
+  <dgm:styleLbl name="conFgAcc1">
+    <dgm:scene3d>
+      <a:camera prst="orthographicFront"/>
+      <a:lightRig rig="threePt" dir="t"/>
+    </dgm:scene3d>
+    <dgm:sp3d/>
+    <dgm:txPr/>
+    <dgm:style>
+      <a:lnRef idx="2">
+        <a:scrgbClr r="0" g="0" b="0"/>
+      </a:lnRef>
+      <a:fillRef idx="1">
+        <a:scrgbClr r="0" g="0" b="0"/>
+      </a:fillRef>
+      <a:effectRef idx="0">
+        <a:scrgbClr r="0" g="0" b="0"/>
+      </a:effectRef>
+      <a:fontRef idx="minor"/>
+    </dgm:style>
+  </dgm:styleLbl>
+  <dgm:styleLbl name="alignAcc1">
+    <dgm:scene3d>
+      <a:camera prst="orthographicFront"/>
+      <a:lightRig rig="threePt" dir="t"/>
+    </dgm:scene3d>
+    <dgm:sp3d/>
+    <dgm:txPr/>
+    <dgm:style>
+      <a:lnRef idx="2">
+        <a:scrgbClr r="0" g="0" b="0"/>
+      </a:lnRef>
+      <a:fillRef idx="1">
+        <a:scrgbClr r="0" g="0" b="0"/>
+      </a:fillRef>
+      <a:effectRef idx="0">
+        <a:scrgbClr r="0" g="0" b="0"/>
+      </a:effectRef>
+      <a:fontRef idx="minor"/>
+    </dgm:style>
+  </dgm:styleLbl>
+  <dgm:styleLbl name="trAlignAcc1">
+    <dgm:scene3d>
+      <a:camera prst="orthographicFront"/>
+      <a:lightRig rig="threePt" dir="t"/>
+    </dgm:scene3d>
+    <dgm:sp3d/>
+    <dgm:txPr/>
+    <dgm:style>
+      <a:lnRef idx="1">
+        <a:scrgbClr r="0" g="0" b="0"/>
+      </a:lnRef>
+      <a:fillRef idx="1">
+        <a:scrgbClr r="0" g="0" b="0"/>
+      </a:fillRef>
+      <a:effectRef idx="0">
+        <a:scrgbClr r="0" g="0" b="0"/>
+      </a:effectRef>
+      <a:fontRef idx="minor"/>
+    </dgm:style>
+  </dgm:styleLbl>
+  <dgm:styleLbl name="bgAcc1">
+    <dgm:scene3d>
+      <a:camera prst="orthographicFront"/>
+      <a:lightRig rig="threePt" dir="t"/>
+    </dgm:scene3d>
+    <dgm:sp3d/>
+    <dgm:txPr/>
+    <dgm:style>
+      <a:lnRef idx="2">
+        <a:scrgbClr r="0" g="0" b="0"/>
+      </a:lnRef>
+      <a:fillRef idx="1">
+        <a:scrgbClr r="0" g="0" b="0"/>
+      </a:fillRef>
+      <a:effectRef idx="0">
+        <a:scrgbClr r="0" g="0" b="0"/>
+      </a:effectRef>
+      <a:fontRef idx="minor"/>
+    </dgm:style>
+  </dgm:styleLbl>
+  <dgm:styleLbl name="solidFgAcc1">
+    <dgm:scene3d>
+      <a:camera prst="orthographicFront"/>
+      <a:lightRig rig="threePt" dir="t"/>
+    </dgm:scene3d>
+    <dgm:sp3d/>
+    <dgm:txPr/>
+    <dgm:style>
+      <a:lnRef idx="2">
+        <a:scrgbClr r="0" g="0" b="0"/>
+      </a:lnRef>
+      <a:fillRef idx="1">
+        <a:scrgbClr r="0" g="0" b="0"/>
+      </a:fillRef>
+      <a:effectRef idx="0">
+        <a:scrgbClr r="0" g="0" b="0"/>
+      </a:effectRef>
+      <a:fontRef idx="minor"/>
+    </dgm:style>
+  </dgm:styleLbl>
+  <dgm:styleLbl name="solidAlignAcc1">
+    <dgm:scene3d>
+      <a:camera prst="orthographicFront"/>
+      <a:lightRig rig="threePt" dir="t"/>
+    </dgm:scene3d>
+    <dgm:sp3d/>
+    <dgm:txPr/>
+    <dgm:style>
+      <a:lnRef idx="2">
+        <a:scrgbClr r="0" g="0" b="0"/>
+      </a:lnRef>
+      <a:fillRef idx="1">
+        <a:scrgbClr r="0" g="0" b="0"/>
+      </a:fillRef>
+      <a:effectRef idx="0">
+        <a:scrgbClr r="0" g="0" b="0"/>
+      </a:effectRef>
+      <a:fontRef idx="minor"/>
+    </dgm:style>
+  </dgm:styleLbl>
+  <dgm:styleLbl name="solidBgAcc1">
+    <dgm:scene3d>
+      <a:camera prst="orthographicFront"/>
+      <a:lightRig rig="threePt" dir="t"/>
+    </dgm:scene3d>
+    <dgm:sp3d/>
+    <dgm:txPr/>
+    <dgm:style>
+      <a:lnRef idx="2">
+        <a:scrgbClr r="0" g="0" b="0"/>
+      </a:lnRef>
+      <a:fillRef idx="1">
+        <a:scrgbClr r="0" g="0" b="0"/>
+      </a:fillRef>
+      <a:effectRef idx="0">
+        <a:scrgbClr r="0" g="0" b="0"/>
+      </a:effectRef>
+      <a:fontRef idx="minor"/>
+    </dgm:style>
+  </dgm:styleLbl>
+  <dgm:styleLbl name="fgAccFollowNode1">
+    <dgm:scene3d>
+      <a:camera prst="orthographicFront"/>
+      <a:lightRig rig="threePt" dir="t"/>
+    </dgm:scene3d>
+    <dgm:sp3d/>
+    <dgm:txPr/>
+    <dgm:style>
+      <a:lnRef idx="2">
+        <a:scrgbClr r="0" g="0" b="0"/>
+      </a:lnRef>
+      <a:fillRef idx="1">
+        <a:scrgbClr r="0" g="0" b="0"/>
+      </a:fillRef>
+      <a:effectRef idx="0">
+        <a:scrgbClr r="0" g="0" b="0"/>
+      </a:effectRef>
+      <a:fontRef idx="minor"/>
+    </dgm:style>
+  </dgm:styleLbl>
+  <dgm:styleLbl name="alignAccFollowNode1">
+    <dgm:scene3d>
+      <a:camera prst="orthographicFront"/>
+      <a:lightRig rig="threePt" dir="t"/>
+    </dgm:scene3d>
+    <dgm:sp3d/>
+    <dgm:txPr/>
+    <dgm:style>
+      <a:lnRef idx="2">
+        <a:scrgbClr r="0" g="0" b="0"/>
+      </a:lnRef>
+      <a:fillRef idx="1">
+        <a:scrgbClr r="0" g="0" b="0"/>
+      </a:fillRef>
+      <a:effectRef idx="0">
+        <a:scrgbClr r="0" g="0" b="0"/>
+      </a:effectRef>
+      <a:fontRef idx="minor"/>
+    </dgm:style>
+  </dgm:styleLbl>
+  <dgm:styleLbl name="bgAccFollowNode1">
+    <dgm:scene3d>
+      <a:camera prst="orthographicFront"/>
+      <a:lightRig rig="threePt" dir="t"/>
+    </dgm:scene3d>
+    <dgm:sp3d/>
+    <dgm:txPr/>
+    <dgm:style>
+      <a:lnRef idx="2">
+        <a:scrgbClr r="0" g="0" b="0"/>
+      </a:lnRef>
+      <a:fillRef idx="1">
+        <a:scrgbClr r="0" g="0" b="0"/>
+      </a:fillRef>
+      <a:effectRef idx="0">
+        <a:scrgbClr r="0" g="0" b="0"/>
+      </a:effectRef>
+      <a:fontRef idx="minor"/>
+    </dgm:style>
+  </dgm:styleLbl>
+  <dgm:styleLbl name="fgAcc0">
+    <dgm:scene3d>
+      <a:camera prst="orthographicFront"/>
+      <a:lightRig rig="threePt" dir="t"/>
+    </dgm:scene3d>
+    <dgm:sp3d/>
+    <dgm:txPr/>
+    <dgm:style>
+      <a:lnRef idx="2">
+        <a:scrgbClr r="0" g="0" b="0"/>
+      </a:lnRef>
+      <a:fillRef idx="1">
+        <a:scrgbClr r="0" g="0" b="0"/>
+      </a:fillRef>
+      <a:effectRef idx="0">
+        <a:scrgbClr r="0" g="0" b="0"/>
+      </a:effectRef>
+      <a:fontRef idx="minor"/>
+    </dgm:style>
+  </dgm:styleLbl>
+  <dgm:styleLbl name="fgAcc2">
+    <dgm:scene3d>
+      <a:camera prst="orthographicFront"/>
+      <a:lightRig rig="threePt" dir="t"/>
+    </dgm:scene3d>
+    <dgm:sp3d/>
+    <dgm:txPr/>
+    <dgm:style>
+      <a:lnRef idx="2">
+        <a:scrgbClr r="0" g="0" b="0"/>
+      </a:lnRef>
+      <a:fillRef idx="1">
+        <a:scrgbClr r="0" g="0" b="0"/>
+      </a:fillRef>
+      <a:effectRef idx="0">
+        <a:scrgbClr r="0" g="0" b="0"/>
+      </a:effectRef>
+      <a:fontRef idx="minor"/>
+    </dgm:style>
+  </dgm:styleLbl>
+  <dgm:styleLbl name="fgAcc3">
+    <dgm:scene3d>
+      <a:camera prst="orthographicFront"/>
+      <a:lightRig rig="threePt" dir="t"/>
+    </dgm:scene3d>
+    <dgm:sp3d/>
+    <dgm:txPr/>
+    <dgm:style>
+      <a:lnRef idx="2">
+        <a:scrgbClr r="0" g="0" b="0"/>
+      </a:lnRef>
+      <a:fillRef idx="1">
+        <a:scrgbClr r="0" g="0" b="0"/>
+      </a:fillRef>
+      <a:effectRef idx="0">
+        <a:scrgbClr r="0" g="0" b="0"/>
+      </a:effectRef>
+      <a:fontRef idx="minor"/>
+    </dgm:style>
+  </dgm:styleLbl>
+  <dgm:styleLbl name="fgAcc4">
+    <dgm:scene3d>
+      <a:camera prst="orthographicFront"/>
+      <a:lightRig rig="threePt" dir="t"/>
+    </dgm:scene3d>
+    <dgm:sp3d/>
+    <dgm:txPr/>
+    <dgm:style>
+      <a:lnRef idx="2">
+        <a:scrgbClr r="0" g="0" b="0"/>
+      </a:lnRef>
+      <a:fillRef idx="1">
+        <a:scrgbClr r="0" g="0" b="0"/>
+      </a:fillRef>
+      <a:effectRef idx="0">
+        <a:scrgbClr r="0" g="0" b="0"/>
+      </a:effectRef>
+      <a:fontRef idx="minor"/>
+    </dgm:style>
+  </dgm:styleLbl>
+  <dgm:styleLbl name="bgShp">
+    <dgm:scene3d>
+      <a:camera prst="orthographicFront"/>
+      <a:lightRig rig="threePt" dir="t"/>
+    </dgm:scene3d>
+    <dgm:sp3d/>
+    <dgm:txPr/>
+    <dgm:style>
+      <a:lnRef idx="0">
+        <a:scrgbClr r="0" g="0" b="0"/>
+      </a:lnRef>
+      <a:fillRef idx="1">
+        <a:scrgbClr r="0" g="0" b="0"/>
+      </a:fillRef>
+      <a:effectRef idx="0">
+        <a:scrgbClr r="0" g="0" b="0"/>
+      </a:effectRef>
+      <a:fontRef idx="minor"/>
+    </dgm:style>
+  </dgm:styleLbl>
+  <dgm:styleLbl name="dkBgShp">
+    <dgm:scene3d>
+      <a:camera prst="orthographicFront"/>
+      <a:lightRig rig="threePt" dir="t"/>
+    </dgm:scene3d>
+    <dgm:sp3d/>
+    <dgm:txPr/>
+    <dgm:style>
+      <a:lnRef idx="0">
+        <a:scrgbClr r="0" g="0" b="0"/>
+      </a:lnRef>
+      <a:fillRef idx="1">
+        <a:scrgbClr r="0" g="0" b="0"/>
+      </a:fillRef>
+      <a:effectRef idx="0">
+        <a:scrgbClr r="0" g="0" b="0"/>
+      </a:effectRef>
+      <a:fontRef idx="minor"/>
+    </dgm:style>
+  </dgm:styleLbl>
+  <dgm:styleLbl name="trBgShp">
+    <dgm:scene3d>
+      <a:camera prst="orthographicFront"/>
+      <a:lightRig rig="threePt" dir="t"/>
+    </dgm:scene3d>
+    <dgm:sp3d/>
+    <dgm:txPr/>
+    <dgm:style>
+      <a:lnRef idx="0">
+        <a:scrgbClr r="0" g="0" b="0"/>
+      </a:lnRef>
+      <a:fillRef idx="1">
+        <a:scrgbClr r="0" g="0" b="0"/>
+      </a:fillRef>
+      <a:effectRef idx="0">
+        <a:scrgbClr r="0" g="0" b="0"/>
+      </a:effectRef>
+      <a:fontRef idx="minor"/>
+    </dgm:style>
+  </dgm:styleLbl>
+  <dgm:styleLbl name="fgShp">
+    <dgm:scene3d>
+      <a:camera prst="orthographicFront"/>
+      <a:lightRig rig="threePt" dir="t"/>
+    </dgm:scene3d>
+    <dgm:sp3d/>
+    <dgm:txPr/>
+    <dgm:style>
+      <a:lnRef idx="2">
+        <a:scrgbClr r="0" g="0" b="0"/>
+      </a:lnRef>
+      <a:fillRef idx="1">
+        <a:scrgbClr r="0" g="0" b="0"/>
+      </a:fillRef>
+      <a:effectRef idx="0">
+        <a:scrgbClr r="0" g="0" b="0"/>
+      </a:effectRef>
+      <a:fontRef idx="minor"/>
+    </dgm:style>
+  </dgm:styleLbl>
+  <dgm:styleLbl name="revTx">
+    <dgm:scene3d>
+      <a:camera prst="orthographicFront"/>
+      <a:lightRig rig="threePt" dir="t"/>
+    </dgm:scene3d>
+    <dgm:sp3d/>
+    <dgm:txPr/>
+    <dgm:style>
+      <a:lnRef idx="0">
+        <a:scrgbClr r="0" g="0" b="0"/>
+      </a:lnRef>
+      <a:fillRef idx="0">
+        <a:scrgbClr r="0" g="0" b="0"/>
+      </a:fillRef>
+      <a:effectRef idx="0">
+        <a:scrgbClr r="0" g="0" b="0"/>
+      </a:effectRef>
+      <a:fontRef idx="minor"/>
+    </dgm:style>
+  </dgm:styleLbl>
+</dgm:styleDef>
+</file>
+
+<file path=ppt/diagrams/quickStyle3.xml><?xml version="1.0" encoding="utf-8"?>
+<dgm:styleDef xmlns:dgm="http://schemas.openxmlformats.org/drawingml/2006/diagram" xmlns:a="http://schemas.openxmlformats.org/drawingml/2006/main" uniqueId="urn:microsoft.com/office/officeart/2005/8/quickstyle/simple2">
+  <dgm:title val=""/>
+  <dgm:desc val=""/>
+  <dgm:catLst>
+    <dgm:cat type="simple" pri="10200"/>
+  </dgm:catLst>
+  <dgm:scene3d>
+    <a:camera prst="orthographicFront"/>
+    <a:lightRig rig="threePt" dir="t"/>
+  </dgm:scene3d>
+  <dgm:styleLbl name="node0">
+    <dgm:scene3d>
+      <a:camera prst="orthographicFront"/>
+      <a:lightRig rig="threePt" dir="t"/>
+    </dgm:scene3d>
+    <dgm:sp3d/>
+    <dgm:txPr/>
+    <dgm:style>
+      <a:lnRef idx="3">
+        <a:scrgbClr r="0" g="0" b="0"/>
+      </a:lnRef>
+      <a:fillRef idx="1">
+        <a:scrgbClr r="0" g="0" b="0"/>
+      </a:fillRef>
+      <a:effectRef idx="1">
+        <a:scrgbClr r="0" g="0" b="0"/>
+      </a:effectRef>
+      <a:fontRef idx="minor">
+        <a:schemeClr val="lt1"/>
+      </a:fontRef>
+    </dgm:style>
+  </dgm:styleLbl>
+  <dgm:styleLbl name="lnNode1">
+    <dgm:scene3d>
+      <a:camera prst="orthographicFront"/>
+      <a:lightRig rig="threePt" dir="t"/>
+    </dgm:scene3d>
+    <dgm:sp3d/>
+    <dgm:txPr/>
+    <dgm:style>
+      <a:lnRef idx="3">
+        <a:scrgbClr r="0" g="0" b="0"/>
+      </a:lnRef>
+      <a:fillRef idx="1">
+        <a:scrgbClr r="0" g="0" b="0"/>
+      </a:fillRef>
+      <a:effectRef idx="1">
+        <a:scrgbClr r="0" g="0" b="0"/>
+      </a:effectRef>
+      <a:fontRef idx="minor">
+        <a:schemeClr val="lt1"/>
+      </a:fontRef>
+    </dgm:style>
+  </dgm:styleLbl>
+  <dgm:styleLbl name="vennNode1">
+    <dgm:scene3d>
+      <a:camera prst="orthographicFront"/>
+      <a:lightRig rig="threePt" dir="t"/>
+    </dgm:scene3d>
+    <dgm:sp3d/>
+    <dgm:txPr/>
+    <dgm:style>
+      <a:lnRef idx="3">
+        <a:scrgbClr r="0" g="0" b="0"/>
+      </a:lnRef>
+      <a:fillRef idx="1">
+        <a:scrgbClr r="0" g="0" b="0"/>
+      </a:fillRef>
+      <a:effectRef idx="0">
+        <a:scrgbClr r="0" g="0" b="0"/>
+      </a:effectRef>
+      <a:fontRef idx="minor">
+        <a:schemeClr val="tx1"/>
+      </a:fontRef>
+    </dgm:style>
+  </dgm:styleLbl>
+  <dgm:styleLbl name="alignNode1">
+    <dgm:scene3d>
+      <a:camera prst="orthographicFront"/>
+      <a:lightRig rig="threePt" dir="t"/>
+    </dgm:scene3d>
+    <dgm:sp3d/>
+    <dgm:txPr/>
+    <dgm:style>
+      <a:lnRef idx="2">
+        <a:scrgbClr r="0" g="0" b="0"/>
+      </a:lnRef>
+      <a:fillRef idx="1">
+        <a:scrgbClr r="0" g="0" b="0"/>
+      </a:fillRef>
+      <a:effectRef idx="1">
+        <a:scrgbClr r="0" g="0" b="0"/>
+      </a:effectRef>
+      <a:fontRef idx="minor">
+        <a:schemeClr val="lt1"/>
+      </a:fontRef>
+    </dgm:style>
+  </dgm:styleLbl>
+  <dgm:styleLbl name="node1">
+    <dgm:scene3d>
+      <a:camera prst="orthographicFront"/>
+      <a:lightRig rig="threePt" dir="t"/>
+    </dgm:scene3d>
+    <dgm:sp3d/>
+    <dgm:txPr/>
+    <dgm:style>
+      <a:lnRef idx="3">
+        <a:scrgbClr r="0" g="0" b="0"/>
+      </a:lnRef>
+      <a:fillRef idx="1">
+        <a:scrgbClr r="0" g="0" b="0"/>
+      </a:fillRef>
+      <a:effectRef idx="1">
+        <a:scrgbClr r="0" g="0" b="0"/>
+      </a:effectRef>
+      <a:fontRef idx="minor">
+        <a:schemeClr val="lt1"/>
+      </a:fontRef>
+    </dgm:style>
+  </dgm:styleLbl>
+  <dgm:styleLbl name="node2">
+    <dgm:scene3d>
+      <a:camera prst="orthographicFront"/>
+      <a:lightRig rig="threePt" dir="t"/>
+    </dgm:scene3d>
+    <dgm:sp3d/>
+    <dgm:txPr/>
+    <dgm:style>
+      <a:lnRef idx="3">
+        <a:scrgbClr r="0" g="0" b="0"/>
+      </a:lnRef>
+      <a:fillRef idx="1">
+        <a:scrgbClr r="0" g="0" b="0"/>
+      </a:fillRef>
+      <a:effectRef idx="1">
+        <a:scrgbClr r="0" g="0" b="0"/>
+      </a:effectRef>
+      <a:fontRef idx="minor">
+        <a:schemeClr val="lt1"/>
+      </a:fontRef>
+    </dgm:style>
+  </dgm:styleLbl>
+  <dgm:styleLbl name="node3">
+    <dgm:scene3d>
+      <a:camera prst="orthographicFront"/>
+      <a:lightRig rig="threePt" dir="t"/>
+    </dgm:scene3d>
+    <dgm:sp3d/>
+    <dgm:txPr/>
+    <dgm:style>
+      <a:lnRef idx="3">
+        <a:scrgbClr r="0" g="0" b="0"/>
+      </a:lnRef>
+      <a:fillRef idx="1">
+        <a:scrgbClr r="0" g="0" b="0"/>
+      </a:fillRef>
+      <a:effectRef idx="1">
+        <a:scrgbClr r="0" g="0" b="0"/>
+      </a:effectRef>
+      <a:fontRef idx="minor">
+        <a:schemeClr val="lt1"/>
+      </a:fontRef>
+    </dgm:style>
+  </dgm:styleLbl>
+  <dgm:styleLbl name="node4">
+    <dgm:scene3d>
+      <a:camera prst="orthographicFront"/>
+      <a:lightRig rig="threePt" dir="t"/>
+    </dgm:scene3d>
+    <dgm:sp3d/>
+    <dgm:txPr/>
+    <dgm:style>
+      <a:lnRef idx="3">
+        <a:scrgbClr r="0" g="0" b="0"/>
+      </a:lnRef>
+      <a:fillRef idx="1">
+        <a:scrgbClr r="0" g="0" b="0"/>
+      </a:fillRef>
+      <a:effectRef idx="1">
+        <a:scrgbClr r="0" g="0" b="0"/>
+      </a:effectRef>
+      <a:fontRef idx="minor">
+        <a:schemeClr val="lt1"/>
+      </a:fontRef>
+    </dgm:style>
+  </dgm:styleLbl>
+  <dgm:styleLbl name="fgImgPlace1">
+    <dgm:scene3d>
+      <a:camera prst="orthographicFront"/>
+      <a:lightRig rig="threePt" dir="t"/>
+    </dgm:scene3d>
+    <dgm:sp3d/>
+    <dgm:txPr/>
+    <dgm:style>
+      <a:lnRef idx="3">
+        <a:scrgbClr r="0" g="0" b="0"/>
+      </a:lnRef>
+      <a:fillRef idx="1">
+        <a:scrgbClr r="0" g="0" b="0"/>
+      </a:fillRef>
+      <a:effectRef idx="1">
+        <a:scrgbClr r="0" g="0" b="0"/>
+      </a:effectRef>
+      <a:fontRef idx="minor"/>
+    </dgm:style>
+  </dgm:styleLbl>
+  <dgm:styleLbl name="alignImgPlace1">
+    <dgm:scene3d>
+      <a:camera prst="orthographicFront"/>
+      <a:lightRig rig="threePt" dir="t"/>
+    </dgm:scene3d>
+    <dgm:sp3d/>
+    <dgm:txPr/>
+    <dgm:style>
+      <a:lnRef idx="3">
+        <a:scrgbClr r="0" g="0" b="0"/>
+      </a:lnRef>
+      <a:fillRef idx="1">
+        <a:scrgbClr r="0" g="0" b="0"/>
+      </a:fillRef>
+      <a:effectRef idx="1">
+        <a:scrgbClr r="0" g="0" b="0"/>
+      </a:effectRef>
+      <a:fontRef idx="minor"/>
+    </dgm:style>
+  </dgm:styleLbl>
+  <dgm:styleLbl name="bgImgPlace1">
+    <dgm:scene3d>
+      <a:camera prst="orthographicFront"/>
+      <a:lightRig rig="threePt" dir="t"/>
+    </dgm:scene3d>
+    <dgm:sp3d/>
+    <dgm:txPr/>
+    <dgm:style>
+      <a:lnRef idx="3">
+        <a:scrgbClr r="0" g="0" b="0"/>
+      </a:lnRef>
+      <a:fillRef idx="1">
+        <a:scrgbClr r="0" g="0" b="0"/>
+      </a:fillRef>
+      <a:effectRef idx="1">
+        <a:scrgbClr r="0" g="0" b="0"/>
+      </a:effectRef>
+      <a:fontRef idx="minor"/>
+    </dgm:style>
+  </dgm:styleLbl>
+  <dgm:styleLbl name="sibTrans2D1">
+    <dgm:scene3d>
+      <a:camera prst="orthographicFront"/>
+      <a:lightRig rig="threePt" dir="t"/>
+    </dgm:scene3d>
+    <dgm:sp3d/>
+    <dgm:txPr/>
+    <dgm:style>
+      <a:lnRef idx="0">
+        <a:scrgbClr r="0" g="0" b="0"/>
+      </a:lnRef>
+      <a:fillRef idx="1">
+        <a:scrgbClr r="0" g="0" b="0"/>
+      </a:fillRef>
+      <a:effectRef idx="1">
+        <a:scrgbClr r="0" g="0" b="0"/>
+      </a:effectRef>
+      <a:fontRef idx="minor">
+        <a:schemeClr val="lt1"/>
+      </a:fontRef>
+    </dgm:style>
+  </dgm:styleLbl>
+  <dgm:styleLbl name="fgSibTrans2D1">
+    <dgm:scene3d>
+      <a:camera prst="orthographicFront"/>
+      <a:lightRig rig="threePt" dir="t"/>
+    </dgm:scene3d>
+    <dgm:sp3d/>
+    <dgm:txPr/>
+    <dgm:style>
+      <a:lnRef idx="0">
+        <a:scrgbClr r="0" g="0" b="0"/>
+      </a:lnRef>
+      <a:fillRef idx="1">
+        <a:scrgbClr r="0" g="0" b="0"/>
+      </a:fillRef>
+      <a:effectRef idx="1">
+        <a:scrgbClr r="0" g="0" b="0"/>
+      </a:effectRef>
+      <a:fontRef idx="minor">
+        <a:schemeClr val="lt1"/>
+      </a:fontRef>
+    </dgm:style>
+  </dgm:styleLbl>
+  <dgm:styleLbl name="bgSibTrans2D1">
+    <dgm:scene3d>
+      <a:camera prst="orthographicFront"/>
+      <a:lightRig rig="threePt" dir="t"/>
+    </dgm:scene3d>
+    <dgm:sp3d/>
+    <dgm:txPr/>
+    <dgm:style>
+      <a:lnRef idx="0">
+        <a:scrgbClr r="0" g="0" b="0"/>
+      </a:lnRef>
+      <a:fillRef idx="1">
+        <a:scrgbClr r="0" g="0" b="0"/>
+      </a:fillRef>
+      <a:effectRef idx="1">
+        <a:scrgbClr r="0" g="0" b="0"/>
+      </a:effectRef>
+      <a:fontRef idx="minor">
+        <a:schemeClr val="lt1"/>
+      </a:fontRef>
+    </dgm:style>
+  </dgm:styleLbl>
+  <dgm:styleLbl name="sibTrans1D1">
+    <dgm:scene3d>
+      <a:camera prst="orthographicFront"/>
+      <a:lightRig rig="threePt" dir="t"/>
+    </dgm:scene3d>
+    <dgm:sp3d/>
+    <dgm:txPr/>
+    <dgm:style>
+      <a:lnRef idx="1">
+        <a:scrgbClr r="0" g="0" b="0"/>
+      </a:lnRef>
+      <a:fillRef idx="0">
+        <a:scrgbClr r="0" g="0" b="0"/>
+      </a:fillRef>
+      <a:effectRef idx="0">
+        <a:scrgbClr r="0" g="0" b="0"/>
+      </a:effectRef>
+      <a:fontRef idx="minor"/>
+    </dgm:style>
+  </dgm:styleLbl>
+  <dgm:styleLbl name="callout">
+    <dgm:scene3d>
+      <a:camera prst="orthographicFront"/>
+      <a:lightRig rig="threePt" dir="t"/>
+    </dgm:scene3d>
+    <dgm:sp3d/>
+    <dgm:txPr/>
+    <dgm:style>
+      <a:lnRef idx="2">
+        <a:scrgbClr r="0" g="0" b="0"/>
+      </a:lnRef>
+      <a:fillRef idx="1">
+        <a:scrgbClr r="0" g="0" b="0"/>
+      </a:fillRef>
+      <a:effectRef idx="1">
+        <a:scrgbClr r="0" g="0" b="0"/>
+      </a:effectRef>
+      <a:fontRef idx="minor"/>
+    </dgm:style>
+  </dgm:styleLbl>
+  <dgm:styleLbl name="asst0">
+    <dgm:scene3d>
+      <a:camera prst="orthographicFront"/>
+      <a:lightRig rig="threePt" dir="t"/>
+    </dgm:scene3d>
+    <dgm:sp3d/>
+    <dgm:txPr/>
+    <dgm:style>
+      <a:lnRef idx="3">
+        <a:scrgbClr r="0" g="0" b="0"/>
+      </a:lnRef>
+      <a:fillRef idx="1">
+        <a:scrgbClr r="0" g="0" b="0"/>
+      </a:fillRef>
+      <a:effectRef idx="1">
+        <a:scrgbClr r="0" g="0" b="0"/>
+      </a:effectRef>
+      <a:fontRef idx="minor">
+        <a:schemeClr val="lt1"/>
+      </a:fontRef>
+    </dgm:style>
+  </dgm:styleLbl>
+  <dgm:styleLbl name="asst1">
+    <dgm:scene3d>
+      <a:camera prst="orthographicFront"/>
+      <a:lightRig rig="threePt" dir="t"/>
+    </dgm:scene3d>
+    <dgm:sp3d/>
+    <dgm:txPr/>
+    <dgm:style>
+      <a:lnRef idx="3">
+        <a:scrgbClr r="0" g="0" b="0"/>
+      </a:lnRef>
+      <a:fillRef idx="1">
+        <a:scrgbClr r="0" g="0" b="0"/>
+      </a:fillRef>
+      <a:effectRef idx="1">
+        <a:scrgbClr r="0" g="0" b="0"/>
+      </a:effectRef>
+      <a:fontRef idx="minor">
+        <a:schemeClr val="lt1"/>
+      </a:fontRef>
+    </dgm:style>
+  </dgm:styleLbl>
+  <dgm:styleLbl name="asst2">
+    <dgm:scene3d>
+      <a:camera prst="orthographicFront"/>
+      <a:lightRig rig="threePt" dir="t"/>
+    </dgm:scene3d>
+    <dgm:sp3d/>
+    <dgm:txPr/>
+    <dgm:style>
+      <a:lnRef idx="3">
+        <a:scrgbClr r="0" g="0" b="0"/>
+      </a:lnRef>
+      <a:fillRef idx="1">
+        <a:scrgbClr r="0" g="0" b="0"/>
+      </a:fillRef>
+      <a:effectRef idx="1">
+        <a:scrgbClr r="0" g="0" b="0"/>
+      </a:effectRef>
+      <a:fontRef idx="minor">
+        <a:schemeClr val="lt1"/>
+      </a:fontRef>
+    </dgm:style>
+  </dgm:styleLbl>
+  <dgm:styleLbl name="asst3">
+    <dgm:scene3d>
+      <a:camera prst="orthographicFront"/>
+      <a:lightRig rig="threePt" dir="t"/>
+    </dgm:scene3d>
+    <dgm:sp3d/>
+    <dgm:txPr/>
+    <dgm:style>
+      <a:lnRef idx="3">
+        <a:scrgbClr r="0" g="0" b="0"/>
+      </a:lnRef>
+      <a:fillRef idx="1">
+        <a:scrgbClr r="0" g="0" b="0"/>
+      </a:fillRef>
+      <a:effectRef idx="1">
+        <a:scrgbClr r="0" g="0" b="0"/>
+      </a:effectRef>
+      <a:fontRef idx="minor">
+        <a:schemeClr val="lt1"/>
+      </a:fontRef>
+    </dgm:style>
+  </dgm:styleLbl>
+  <dgm:styleLbl name="asst4">
+    <dgm:scene3d>
+      <a:camera prst="orthographicFront"/>
+      <a:lightRig rig="threePt" dir="t"/>
+    </dgm:scene3d>
+    <dgm:sp3d/>
+    <dgm:txPr/>
+    <dgm:style>
+      <a:lnRef idx="3">
+        <a:scrgbClr r="0" g="0" b="0"/>
+      </a:lnRef>
+      <a:fillRef idx="1">
+        <a:scrgbClr r="0" g="0" b="0"/>
+      </a:fillRef>
+      <a:effectRef idx="1">
+        <a:scrgbClr r="0" g="0" b="0"/>
+      </a:effectRef>
+      <a:fontRef idx="minor">
+        <a:schemeClr val="lt1"/>
+      </a:fontRef>
+    </dgm:style>
+  </dgm:styleLbl>
+  <dgm:styleLbl name="parChTrans2D1">
+    <dgm:scene3d>
+      <a:camera prst="orthographicFront"/>
+      <a:lightRig rig="threePt" dir="t"/>
+    </dgm:scene3d>
+    <dgm:sp3d/>
+    <dgm:txPr/>
+    <dgm:style>
+      <a:lnRef idx="3">
+        <a:scrgbClr r="0" g="0" b="0"/>
+      </a:lnRef>
+      <a:fillRef idx="1">
+        <a:scrgbClr r="0" g="0" b="0"/>
+      </a:fillRef>
+      <a:effectRef idx="1">
+        <a:scrgbClr r="0" g="0" b="0"/>
+      </a:effectRef>
+      <a:fontRef idx="minor">
+        <a:schemeClr val="lt1"/>
+      </a:fontRef>
+    </dgm:style>
+  </dgm:styleLbl>
+  <dgm:styleLbl name="parChTrans2D2">
+    <dgm:scene3d>
+      <a:camera prst="orthographicFront"/>
+      <a:lightRig rig="threePt" dir="t"/>
+    </dgm:scene3d>
+    <dgm:sp3d/>
+    <dgm:txPr/>
+    <dgm:style>
+      <a:lnRef idx="3">
+        <a:scrgbClr r="0" g="0" b="0"/>
+      </a:lnRef>
+      <a:fillRef idx="1">
+        <a:scrgbClr r="0" g="0" b="0"/>
+      </a:fillRef>
+      <a:effectRef idx="1">
+        <a:scrgbClr r="0" g="0" b="0"/>
+      </a:effectRef>
+      <a:fontRef idx="minor">
+        <a:schemeClr val="lt1"/>
+      </a:fontRef>
+    </dgm:style>
+  </dgm:styleLbl>
+  <dgm:styleLbl name="parChTrans2D3">
+    <dgm:scene3d>
+      <a:camera prst="orthographicFront"/>
+      <a:lightRig rig="threePt" dir="t"/>
+    </dgm:scene3d>
+    <dgm:sp3d/>
+    <dgm:txPr/>
+    <dgm:style>
+      <a:lnRef idx="3">
+        <a:scrgbClr r="0" g="0" b="0"/>
+      </a:lnRef>
+      <a:fillRef idx="1">
+        <a:scrgbClr r="0" g="0" b="0"/>
+      </a:fillRef>
+      <a:effectRef idx="1">
+        <a:scrgbClr r="0" g="0" b="0"/>
+      </a:effectRef>
+      <a:fontRef idx="minor">
+        <a:schemeClr val="lt1"/>
+      </a:fontRef>
+    </dgm:style>
+  </dgm:styleLbl>
+  <dgm:styleLbl name="parChTrans2D4">
+    <dgm:scene3d>
+      <a:camera prst="orthographicFront"/>
+      <a:lightRig rig="threePt" dir="t"/>
+    </dgm:scene3d>
+    <dgm:sp3d/>
+    <dgm:txPr/>
+    <dgm:style>
+      <a:lnRef idx="3">
+        <a:scrgbClr r="0" g="0" b="0"/>
+      </a:lnRef>
+      <a:fillRef idx="1">
+        <a:scrgbClr r="0" g="0" b="0"/>
+      </a:fillRef>
+      <a:effectRef idx="1">
+        <a:scrgbClr r="0" g="0" b="0"/>
+      </a:effectRef>
+      <a:fontRef idx="minor">
+        <a:schemeClr val="lt1"/>
+      </a:fontRef>
+    </dgm:style>
+  </dgm:styleLbl>
+  <dgm:styleLbl name="parChTrans1D1">
+    <dgm:scene3d>
+      <a:camera prst="orthographicFront"/>
+      <a:lightRig rig="threePt" dir="t"/>
+    </dgm:scene3d>
+    <dgm:sp3d/>
+    <dgm:txPr/>
+    <dgm:style>
+      <a:lnRef idx="2">
+        <a:scrgbClr r="0" g="0" b="0"/>
+      </a:lnRef>
+      <a:fillRef idx="0">
+        <a:scrgbClr r="0" g="0" b="0"/>
+      </a:fillRef>
+      <a:effectRef idx="0">
+        <a:scrgbClr r="0" g="0" b="0"/>
+      </a:effectRef>
+      <a:fontRef idx="minor"/>
+    </dgm:style>
+  </dgm:styleLbl>
+  <dgm:styleLbl name="parChTrans1D2">
+    <dgm:scene3d>
+      <a:camera prst="orthographicFront"/>
+      <a:lightRig rig="threePt" dir="t"/>
+    </dgm:scene3d>
+    <dgm:sp3d/>
+    <dgm:txPr/>
+    <dgm:style>
+      <a:lnRef idx="2">
+        <a:scrgbClr r="0" g="0" b="0"/>
+      </a:lnRef>
+      <a:fillRef idx="0">
+        <a:scrgbClr r="0" g="0" b="0"/>
+      </a:fillRef>
+      <a:effectRef idx="0">
+        <a:scrgbClr r="0" g="0" b="0"/>
+      </a:effectRef>
+      <a:fontRef idx="minor"/>
+    </dgm:style>
+  </dgm:styleLbl>
+  <dgm:styleLbl name="parChTrans1D3">
+    <dgm:scene3d>
+      <a:camera prst="orthographicFront"/>
+      <a:lightRig rig="threePt" dir="t"/>
+    </dgm:scene3d>
+    <dgm:sp3d/>
+    <dgm:txPr/>
+    <dgm:style>
+      <a:lnRef idx="2">
+        <a:scrgbClr r="0" g="0" b="0"/>
+      </a:lnRef>
+      <a:fillRef idx="0">
+        <a:scrgbClr r="0" g="0" b="0"/>
+      </a:fillRef>
+      <a:effectRef idx="0">
+        <a:scrgbClr r="0" g="0" b="0"/>
+      </a:effectRef>
+      <a:fontRef idx="minor"/>
+    </dgm:style>
+  </dgm:styleLbl>
+  <dgm:styleLbl name="parChTrans1D4">
+    <dgm:scene3d>
+      <a:camera prst="orthographicFront"/>
+      <a:lightRig rig="threePt" dir="t"/>
+    </dgm:scene3d>
+    <dgm:sp3d/>
+    <dgm:txPr/>
+    <dgm:style>
+      <a:lnRef idx="2">
+        <a:scrgbClr r="0" g="0" b="0"/>
+      </a:lnRef>
+      <a:fillRef idx="0">
+        <a:scrgbClr r="0" g="0" b="0"/>
+      </a:fillRef>
+      <a:effectRef idx="0">
+        <a:scrgbClr r="0" g="0" b="0"/>
+      </a:effectRef>
+      <a:fontRef idx="minor"/>
+    </dgm:style>
+  </dgm:styleLbl>
+  <dgm:styleLbl name="fgAcc1">
+    <dgm:scene3d>
+      <a:camera prst="orthographicFront"/>
+      <a:lightRig rig="threePt" dir="t"/>
+    </dgm:scene3d>
+    <dgm:sp3d/>
+    <dgm:txPr/>
+    <dgm:style>
+      <a:lnRef idx="2">
+        <a:scrgbClr r="0" g="0" b="0"/>
+      </a:lnRef>
+      <a:fillRef idx="1">
+        <a:scrgbClr r="0" g="0" b="0"/>
+      </a:fillRef>
+      <a:effectRef idx="0">
+        <a:scrgbClr r="0" g="0" b="0"/>
+      </a:effectRef>
+      <a:fontRef idx="minor"/>
+    </dgm:style>
+  </dgm:styleLbl>
+  <dgm:styleLbl name="conFgAcc1">
+    <dgm:scene3d>
+      <a:camera prst="orthographicFront"/>
+      <a:lightRig rig="threePt" dir="t"/>
+    </dgm:scene3d>
+    <dgm:sp3d/>
+    <dgm:txPr/>
+    <dgm:style>
+      <a:lnRef idx="2">
+        <a:scrgbClr r="0" g="0" b="0"/>
+      </a:lnRef>
+      <a:fillRef idx="1">
+        <a:scrgbClr r="0" g="0" b="0"/>
+      </a:fillRef>
+      <a:effectRef idx="0">
+        <a:scrgbClr r="0" g="0" b="0"/>
+      </a:effectRef>
+      <a:fontRef idx="minor"/>
+    </dgm:style>
+  </dgm:styleLbl>
+  <dgm:styleLbl name="alignAcc1">
+    <dgm:scene3d>
+      <a:camera prst="orthographicFront"/>
+      <a:lightRig rig="threePt" dir="t"/>
+    </dgm:scene3d>
+    <dgm:sp3d/>
+    <dgm:txPr/>
+    <dgm:style>
+      <a:lnRef idx="2">
+        <a:scrgbClr r="0" g="0" b="0"/>
+      </a:lnRef>
+      <a:fillRef idx="1">
+        <a:scrgbClr r="0" g="0" b="0"/>
+      </a:fillRef>
+      <a:effectRef idx="0">
+        <a:scrgbClr r="0" g="0" b="0"/>
+      </a:effectRef>
+      <a:fontRef idx="minor"/>
+    </dgm:style>
+  </dgm:styleLbl>
+  <dgm:styleLbl name="trAlignAcc1">
+    <dgm:scene3d>
+      <a:camera prst="orthographicFront"/>
+      <a:lightRig rig="threePt" dir="t"/>
+    </dgm:scene3d>
+    <dgm:sp3d/>
+    <dgm:txPr/>
+    <dgm:style>
+      <a:lnRef idx="1">
+        <a:scrgbClr r="0" g="0" b="0"/>
+      </a:lnRef>
+      <a:fillRef idx="1">
+        <a:scrgbClr r="0" g="0" b="0"/>
+      </a:fillRef>
+      <a:effectRef idx="0">
+        <a:scrgbClr r="0" g="0" b="0"/>
+      </a:effectRef>
+      <a:fontRef idx="minor"/>
+    </dgm:style>
+  </dgm:styleLbl>
+  <dgm:styleLbl name="bgAcc1">
+    <dgm:scene3d>
+      <a:camera prst="orthographicFront"/>
+      <a:lightRig rig="threePt" dir="t"/>
+    </dgm:scene3d>
+    <dgm:sp3d/>
+    <dgm:txPr/>
+    <dgm:style>
+      <a:lnRef idx="2">
+        <a:scrgbClr r="0" g="0" b="0"/>
+      </a:lnRef>
+      <a:fillRef idx="1">
+        <a:scrgbClr r="0" g="0" b="0"/>
+      </a:fillRef>
+      <a:effectRef idx="0">
+        <a:scrgbClr r="0" g="0" b="0"/>
+      </a:effectRef>
+      <a:fontRef idx="minor"/>
+    </dgm:style>
+  </dgm:styleLbl>
+  <dgm:styleLbl name="solidFgAcc1">
+    <dgm:scene3d>
+      <a:camera prst="orthographicFront"/>
+      <a:lightRig rig="threePt" dir="t"/>
+    </dgm:scene3d>
+    <dgm:sp3d/>
+    <dgm:txPr/>
+    <dgm:style>
+      <a:lnRef idx="2">
+        <a:scrgbClr r="0" g="0" b="0"/>
+      </a:lnRef>
+      <a:fillRef idx="1">
+        <a:scrgbClr r="0" g="0" b="0"/>
+      </a:fillRef>
+      <a:effectRef idx="0">
+        <a:scrgbClr r="0" g="0" b="0"/>
+      </a:effectRef>
+      <a:fontRef idx="minor"/>
+    </dgm:style>
+  </dgm:styleLbl>
+  <dgm:styleLbl name="solidAlignAcc1">
+    <dgm:scene3d>
+      <a:camera prst="orthographicFront"/>
+      <a:lightRig rig="threePt" dir="t"/>
+    </dgm:scene3d>
+    <dgm:sp3d/>
+    <dgm:txPr/>
+    <dgm:style>
+      <a:lnRef idx="2">
+        <a:scrgbClr r="0" g="0" b="0"/>
+      </a:lnRef>
+      <a:fillRef idx="1">
+        <a:scrgbClr r="0" g="0" b="0"/>
+      </a:fillRef>
+      <a:effectRef idx="0">
+        <a:scrgbClr r="0" g="0" b="0"/>
+      </a:effectRef>
+      <a:fontRef idx="minor"/>
+    </dgm:style>
+  </dgm:styleLbl>
+  <dgm:styleLbl name="solidBgAcc1">
+    <dgm:scene3d>
+      <a:camera prst="orthographicFront"/>
+      <a:lightRig rig="threePt" dir="t"/>
+    </dgm:scene3d>
+    <dgm:sp3d/>
+    <dgm:txPr/>
+    <dgm:style>
+      <a:lnRef idx="2">
+        <a:scrgbClr r="0" g="0" b="0"/>
+      </a:lnRef>
+      <a:fillRef idx="1">
+        <a:scrgbClr r="0" g="0" b="0"/>
+      </a:fillRef>
+      <a:effectRef idx="0">
+        <a:scrgbClr r="0" g="0" b="0"/>
+      </a:effectRef>
+      <a:fontRef idx="minor"/>
+    </dgm:style>
+  </dgm:styleLbl>
+  <dgm:styleLbl name="fgAccFollowNode1">
+    <dgm:scene3d>
+      <a:camera prst="orthographicFront"/>
+      <a:lightRig rig="threePt" dir="t"/>
+    </dgm:scene3d>
+    <dgm:sp3d/>
+    <dgm:txPr/>
+    <dgm:style>
+      <a:lnRef idx="2">
+        <a:scrgbClr r="0" g="0" b="0"/>
+      </a:lnRef>
+      <a:fillRef idx="1">
+        <a:scrgbClr r="0" g="0" b="0"/>
+      </a:fillRef>
+      <a:effectRef idx="0">
+        <a:scrgbClr r="0" g="0" b="0"/>
+      </a:effectRef>
+      <a:fontRef idx="minor"/>
+    </dgm:style>
+  </dgm:styleLbl>
+  <dgm:styleLbl name="alignAccFollowNode1">
+    <dgm:scene3d>
+      <a:camera prst="orthographicFront"/>
+      <a:lightRig rig="threePt" dir="t"/>
+    </dgm:scene3d>
+    <dgm:sp3d/>
+    <dgm:txPr/>
+    <dgm:style>
+      <a:lnRef idx="2">
+        <a:scrgbClr r="0" g="0" b="0"/>
+      </a:lnRef>
+      <a:fillRef idx="1">
+        <a:scrgbClr r="0" g="0" b="0"/>
+      </a:fillRef>
+      <a:effectRef idx="0">
+        <a:scrgbClr r="0" g="0" b="0"/>
+      </a:effectRef>
+      <a:fontRef idx="minor"/>
+    </dgm:style>
+  </dgm:styleLbl>
+  <dgm:styleLbl name="bgAccFollowNode1">
+    <dgm:scene3d>
+      <a:camera prst="orthographicFront"/>
+      <a:lightRig rig="threePt" dir="t"/>
+    </dgm:scene3d>
+    <dgm:sp3d/>
+    <dgm:txPr/>
+    <dgm:style>
+      <a:lnRef idx="2">
+        <a:scrgbClr r="0" g="0" b="0"/>
+      </a:lnRef>
+      <a:fillRef idx="1">
+        <a:scrgbClr r="0" g="0" b="0"/>
+      </a:fillRef>
+      <a:effectRef idx="0">
+        <a:scrgbClr r="0" g="0" b="0"/>
+      </a:effectRef>
+      <a:fontRef idx="minor"/>
+    </dgm:style>
+  </dgm:styleLbl>
+  <dgm:styleLbl name="fgAcc0">
+    <dgm:scene3d>
+      <a:camera prst="orthographicFront"/>
+      <a:lightRig rig="threePt" dir="t"/>
+    </dgm:scene3d>
+    <dgm:sp3d/>
+    <dgm:txPr/>
+    <dgm:style>
+      <a:lnRef idx="2">
+        <a:scrgbClr r="0" g="0" b="0"/>
+      </a:lnRef>
+      <a:fillRef idx="1">
+        <a:scrgbClr r="0" g="0" b="0"/>
+      </a:fillRef>
+      <a:effectRef idx="0">
+        <a:scrgbClr r="0" g="0" b="0"/>
+      </a:effectRef>
+      <a:fontRef idx="minor"/>
+    </dgm:style>
+  </dgm:styleLbl>
+  <dgm:styleLbl name="fgAcc2">
+    <dgm:scene3d>
+      <a:camera prst="orthographicFront"/>
+      <a:lightRig rig="threePt" dir="t"/>
+    </dgm:scene3d>
+    <dgm:sp3d/>
+    <dgm:txPr/>
+    <dgm:style>
+      <a:lnRef idx="2">
+        <a:scrgbClr r="0" g="0" b="0"/>
+      </a:lnRef>
+      <a:fillRef idx="1">
+        <a:scrgbClr r="0" g="0" b="0"/>
+      </a:fillRef>
+      <a:effectRef idx="0">
+        <a:scrgbClr r="0" g="0" b="0"/>
+      </a:effectRef>
+      <a:fontRef idx="minor"/>
+    </dgm:style>
+  </dgm:styleLbl>
+  <dgm:styleLbl name="fgAcc3">
+    <dgm:scene3d>
+      <a:camera prst="orthographicFront"/>
+      <a:lightRig rig="threePt" dir="t"/>
+    </dgm:scene3d>
+    <dgm:sp3d/>
+    <dgm:txPr/>
+    <dgm:style>
+      <a:lnRef idx="2">
+        <a:scrgbClr r="0" g="0" b="0"/>
+      </a:lnRef>
+      <a:fillRef idx="1">
+        <a:scrgbClr r="0" g="0" b="0"/>
+      </a:fillRef>
+      <a:effectRef idx="0">
+        <a:scrgbClr r="0" g="0" b="0"/>
+      </a:effectRef>
+      <a:fontRef idx="minor"/>
+    </dgm:style>
+  </dgm:styleLbl>
+  <dgm:styleLbl name="fgAcc4">
+    <dgm:scene3d>
+      <a:camera prst="orthographicFront"/>
+      <a:lightRig rig="threePt" dir="t"/>
+    </dgm:scene3d>
+    <dgm:sp3d/>
+    <dgm:txPr/>
+    <dgm:style>
+      <a:lnRef idx="2">
+        <a:scrgbClr r="0" g="0" b="0"/>
+      </a:lnRef>
+      <a:fillRef idx="1">
+        <a:scrgbClr r="0" g="0" b="0"/>
+      </a:fillRef>
+      <a:effectRef idx="0">
+        <a:scrgbClr r="0" g="0" b="0"/>
+      </a:effectRef>
+      <a:fontRef idx="minor"/>
+    </dgm:style>
+  </dgm:styleLbl>
+  <dgm:styleLbl name="bgShp">
+    <dgm:scene3d>
+      <a:camera prst="orthographicFront"/>
+      <a:lightRig rig="threePt" dir="t"/>
+    </dgm:scene3d>
+    <dgm:sp3d/>
+    <dgm:txPr/>
+    <dgm:style>
+      <a:lnRef idx="0">
+        <a:scrgbClr r="0" g="0" b="0"/>
+      </a:lnRef>
+      <a:fillRef idx="1">
+        <a:scrgbClr r="0" g="0" b="0"/>
+      </a:fillRef>
+      <a:effectRef idx="0">
+        <a:scrgbClr r="0" g="0" b="0"/>
+      </a:effectRef>
+      <a:fontRef idx="minor"/>
+    </dgm:style>
+  </dgm:styleLbl>
+  <dgm:styleLbl name="dkBgShp">
+    <dgm:scene3d>
+      <a:camera prst="orthographicFront"/>
+      <a:lightRig rig="threePt" dir="t"/>
+    </dgm:scene3d>
+    <dgm:sp3d/>
+    <dgm:txPr/>
+    <dgm:style>
+      <a:lnRef idx="0">
+        <a:scrgbClr r="0" g="0" b="0"/>
+      </a:lnRef>
+      <a:fillRef idx="1">
+        <a:scrgbClr r="0" g="0" b="0"/>
+      </a:fillRef>
+      <a:effectRef idx="0">
+        <a:scrgbClr r="0" g="0" b="0"/>
+      </a:effectRef>
+      <a:fontRef idx="minor"/>
+    </dgm:style>
+  </dgm:styleLbl>
+  <dgm:styleLbl name="trBgShp">
+    <dgm:scene3d>
+      <a:camera prst="orthographicFront"/>
+      <a:lightRig rig="threePt" dir="t"/>
+    </dgm:scene3d>
+    <dgm:sp3d/>
+    <dgm:txPr/>
+    <dgm:style>
+      <a:lnRef idx="0">
+        <a:scrgbClr r="0" g="0" b="0"/>
+      </a:lnRef>
+      <a:fillRef idx="1">
+        <a:scrgbClr r="0" g="0" b="0"/>
+      </a:fillRef>
+      <a:effectRef idx="0">
+        <a:scrgbClr r="0" g="0" b="0"/>
+      </a:effectRef>
+      <a:fontRef idx="minor"/>
+    </dgm:style>
+  </dgm:styleLbl>
+  <dgm:styleLbl name="fgShp">
+    <dgm:scene3d>
+      <a:camera prst="orthographicFront"/>
+      <a:lightRig rig="threePt" dir="t"/>
+    </dgm:scene3d>
+    <dgm:sp3d/>
+    <dgm:txPr/>
+    <dgm:style>
+      <a:lnRef idx="3">
+        <a:scrgbClr r="0" g="0" b="0"/>
+      </a:lnRef>
+      <a:fillRef idx="1">
+        <a:scrgbClr r="0" g="0" b="0"/>
+      </a:fillRef>
+      <a:effectRef idx="1">
         <a:scrgbClr r="0" g="0" b="0"/>
       </a:effectRef>
       <a:fontRef idx="minor"/>
@@ -5055,7 +12839,6 @@
               <a:rPr lang="de-DE"/>
               <a:t>Titelmasterformat durch Klicken bearbeiten</a:t>
             </a:r>
-            <a:endParaRPr lang="de-DE"/>
           </a:p>
         </p:txBody>
       </p:sp>
@@ -5120,7 +12903,6 @@
               <a:rPr lang="de-DE"/>
               <a:t>Formatvorlage des Untertitelmasters durch Klicken bearbeiten</a:t>
             </a:r>
-            <a:endParaRPr lang="de-DE"/>
           </a:p>
         </p:txBody>
       </p:sp>
@@ -5141,7 +12923,7 @@
           <a:p>
             <a:fld id="{C46EAA04-5A0C-4C33-BE06-340CEF9B6FFD}" type="datetimeFigureOut">
               <a:rPr lang="de-DE" smtClean="0"/>
-              <a:t>18.07.2016</a:t>
+              <a:t>19.07.2016</a:t>
             </a:fld>
             <a:endParaRPr lang="de-DE"/>
           </a:p>
@@ -5238,7 +13020,6 @@
               <a:rPr lang="de-DE"/>
               <a:t>Titelmasterformat durch Klicken bearbeiten</a:t>
             </a:r>
-            <a:endParaRPr lang="de-DE"/>
           </a:p>
         </p:txBody>
       </p:sp>
@@ -5290,7 +13071,6 @@
               <a:rPr lang="de-DE"/>
               <a:t>Fünfte Ebene</a:t>
             </a:r>
-            <a:endParaRPr lang="de-DE"/>
           </a:p>
         </p:txBody>
       </p:sp>
@@ -5311,7 +13091,7 @@
           <a:p>
             <a:fld id="{C46EAA04-5A0C-4C33-BE06-340CEF9B6FFD}" type="datetimeFigureOut">
               <a:rPr lang="de-DE" smtClean="0"/>
-              <a:t>18.07.2016</a:t>
+              <a:t>19.07.2016</a:t>
             </a:fld>
             <a:endParaRPr lang="de-DE"/>
           </a:p>
@@ -5413,7 +13193,6 @@
               <a:rPr lang="de-DE"/>
               <a:t>Titelmasterformat durch Klicken bearbeiten</a:t>
             </a:r>
-            <a:endParaRPr lang="de-DE"/>
           </a:p>
         </p:txBody>
       </p:sp>
@@ -5470,7 +13249,6 @@
               <a:rPr lang="de-DE"/>
               <a:t>Fünfte Ebene</a:t>
             </a:r>
-            <a:endParaRPr lang="de-DE"/>
           </a:p>
         </p:txBody>
       </p:sp>
@@ -5491,7 +13269,7 @@
           <a:p>
             <a:fld id="{C46EAA04-5A0C-4C33-BE06-340CEF9B6FFD}" type="datetimeFigureOut">
               <a:rPr lang="de-DE" smtClean="0"/>
-              <a:t>18.07.2016</a:t>
+              <a:t>19.07.2016</a:t>
             </a:fld>
             <a:endParaRPr lang="de-DE"/>
           </a:p>
@@ -5588,7 +13366,6 @@
               <a:rPr lang="de-DE"/>
               <a:t>Titelmasterformat durch Klicken bearbeiten</a:t>
             </a:r>
-            <a:endParaRPr lang="de-DE"/>
           </a:p>
         </p:txBody>
       </p:sp>
@@ -5640,7 +13417,6 @@
               <a:rPr lang="de-DE"/>
               <a:t>Fünfte Ebene</a:t>
             </a:r>
-            <a:endParaRPr lang="de-DE"/>
           </a:p>
         </p:txBody>
       </p:sp>
@@ -5661,7 +13437,7 @@
           <a:p>
             <a:fld id="{C46EAA04-5A0C-4C33-BE06-340CEF9B6FFD}" type="datetimeFigureOut">
               <a:rPr lang="de-DE" smtClean="0"/>
-              <a:t>18.07.2016</a:t>
+              <a:t>19.07.2016</a:t>
             </a:fld>
             <a:endParaRPr lang="de-DE"/>
           </a:p>
@@ -5767,7 +13543,6 @@
               <a:rPr lang="de-DE"/>
               <a:t>Titelmasterformat durch Klicken bearbeiten</a:t>
             </a:r>
-            <a:endParaRPr lang="de-DE"/>
           </a:p>
         </p:txBody>
       </p:sp>
@@ -5907,7 +13682,7 @@
           <a:p>
             <a:fld id="{C46EAA04-5A0C-4C33-BE06-340CEF9B6FFD}" type="datetimeFigureOut">
               <a:rPr lang="de-DE" smtClean="0"/>
-              <a:t>18.07.2016</a:t>
+              <a:t>19.07.2016</a:t>
             </a:fld>
             <a:endParaRPr lang="de-DE"/>
           </a:p>
@@ -6004,7 +13779,6 @@
               <a:rPr lang="de-DE"/>
               <a:t>Titelmasterformat durch Klicken bearbeiten</a:t>
             </a:r>
-            <a:endParaRPr lang="de-DE"/>
           </a:p>
         </p:txBody>
       </p:sp>
@@ -6061,7 +13835,6 @@
               <a:rPr lang="de-DE"/>
               <a:t>Fünfte Ebene</a:t>
             </a:r>
-            <a:endParaRPr lang="de-DE"/>
           </a:p>
         </p:txBody>
       </p:sp>
@@ -6118,7 +13891,6 @@
               <a:rPr lang="de-DE"/>
               <a:t>Fünfte Ebene</a:t>
             </a:r>
-            <a:endParaRPr lang="de-DE"/>
           </a:p>
         </p:txBody>
       </p:sp>
@@ -6139,7 +13911,7 @@
           <a:p>
             <a:fld id="{C46EAA04-5A0C-4C33-BE06-340CEF9B6FFD}" type="datetimeFigureOut">
               <a:rPr lang="de-DE" smtClean="0"/>
-              <a:t>18.07.2016</a:t>
+              <a:t>19.07.2016</a:t>
             </a:fld>
             <a:endParaRPr lang="de-DE"/>
           </a:p>
@@ -6241,7 +14013,6 @@
               <a:rPr lang="de-DE"/>
               <a:t>Titelmasterformat durch Klicken bearbeiten</a:t>
             </a:r>
-            <a:endParaRPr lang="de-DE"/>
           </a:p>
         </p:txBody>
       </p:sp>
@@ -6363,7 +14134,6 @@
               <a:rPr lang="de-DE"/>
               <a:t>Fünfte Ebene</a:t>
             </a:r>
-            <a:endParaRPr lang="de-DE"/>
           </a:p>
         </p:txBody>
       </p:sp>
@@ -6485,7 +14255,6 @@
               <a:rPr lang="de-DE"/>
               <a:t>Fünfte Ebene</a:t>
             </a:r>
-            <a:endParaRPr lang="de-DE"/>
           </a:p>
         </p:txBody>
       </p:sp>
@@ -6506,7 +14275,7 @@
           <a:p>
             <a:fld id="{C46EAA04-5A0C-4C33-BE06-340CEF9B6FFD}" type="datetimeFigureOut">
               <a:rPr lang="de-DE" smtClean="0"/>
-              <a:t>18.07.2016</a:t>
+              <a:t>19.07.2016</a:t>
             </a:fld>
             <a:endParaRPr lang="de-DE"/>
           </a:p>
@@ -6603,7 +14372,6 @@
               <a:rPr lang="de-DE"/>
               <a:t>Titelmasterformat durch Klicken bearbeiten</a:t>
             </a:r>
-            <a:endParaRPr lang="de-DE"/>
           </a:p>
         </p:txBody>
       </p:sp>
@@ -6624,7 +14392,7 @@
           <a:p>
             <a:fld id="{C46EAA04-5A0C-4C33-BE06-340CEF9B6FFD}" type="datetimeFigureOut">
               <a:rPr lang="de-DE" smtClean="0"/>
-              <a:t>18.07.2016</a:t>
+              <a:t>19.07.2016</a:t>
             </a:fld>
             <a:endParaRPr lang="de-DE"/>
           </a:p>
@@ -6719,7 +14487,7 @@
           <a:p>
             <a:fld id="{C46EAA04-5A0C-4C33-BE06-340CEF9B6FFD}" type="datetimeFigureOut">
               <a:rPr lang="de-DE" smtClean="0"/>
-              <a:t>18.07.2016</a:t>
+              <a:t>19.07.2016</a:t>
             </a:fld>
             <a:endParaRPr lang="de-DE"/>
           </a:p>
@@ -6825,7 +14593,6 @@
               <a:rPr lang="de-DE"/>
               <a:t>Titelmasterformat durch Klicken bearbeiten</a:t>
             </a:r>
-            <a:endParaRPr lang="de-DE"/>
           </a:p>
         </p:txBody>
       </p:sp>
@@ -6910,7 +14677,6 @@
               <a:rPr lang="de-DE"/>
               <a:t>Fünfte Ebene</a:t>
             </a:r>
-            <a:endParaRPr lang="de-DE"/>
           </a:p>
         </p:txBody>
       </p:sp>
@@ -6996,7 +14762,7 @@
           <a:p>
             <a:fld id="{C46EAA04-5A0C-4C33-BE06-340CEF9B6FFD}" type="datetimeFigureOut">
               <a:rPr lang="de-DE" smtClean="0"/>
-              <a:t>18.07.2016</a:t>
+              <a:t>19.07.2016</a:t>
             </a:fld>
             <a:endParaRPr lang="de-DE"/>
           </a:p>
@@ -7102,7 +14868,6 @@
               <a:rPr lang="de-DE"/>
               <a:t>Titelmasterformat durch Klicken bearbeiten</a:t>
             </a:r>
-            <a:endParaRPr lang="de-DE"/>
           </a:p>
         </p:txBody>
       </p:sp>
@@ -7249,7 +15014,7 @@
           <a:p>
             <a:fld id="{C46EAA04-5A0C-4C33-BE06-340CEF9B6FFD}" type="datetimeFigureOut">
               <a:rPr lang="de-DE" smtClean="0"/>
-              <a:t>18.07.2016</a:t>
+              <a:t>19.07.2016</a:t>
             </a:fld>
             <a:endParaRPr lang="de-DE"/>
           </a:p>
@@ -7361,7 +15126,6 @@
               <a:rPr lang="de-DE"/>
               <a:t>Titelmasterformat durch Klicken bearbeiten</a:t>
             </a:r>
-            <a:endParaRPr lang="de-DE"/>
           </a:p>
         </p:txBody>
       </p:sp>
@@ -7423,7 +15187,6 @@
               <a:rPr lang="de-DE"/>
               <a:t>Fünfte Ebene</a:t>
             </a:r>
-            <a:endParaRPr lang="de-DE"/>
           </a:p>
         </p:txBody>
       </p:sp>
@@ -7462,7 +15225,7 @@
           <a:p>
             <a:fld id="{C46EAA04-5A0C-4C33-BE06-340CEF9B6FFD}" type="datetimeFigureOut">
               <a:rPr lang="de-DE" smtClean="0"/>
-              <a:t>18.07.2016</a:t>
+              <a:t>19.07.2016</a:t>
             </a:fld>
             <a:endParaRPr lang="de-DE"/>
           </a:p>
@@ -7961,6 +15724,142 @@
 </p:sld>
 </file>
 
+<file path=ppt/slides/slide10.xml><?xml version="1.0" encoding="utf-8"?>
+<p:sld xmlns:a="http://schemas.openxmlformats.org/drawingml/2006/main" xmlns:r="http://schemas.openxmlformats.org/officeDocument/2006/relationships" xmlns:p="http://schemas.openxmlformats.org/presentationml/2006/main">
+  <p:cSld>
+    <p:spTree>
+      <p:nvGrpSpPr>
+        <p:cNvPr id="1" name=""/>
+        <p:cNvGrpSpPr/>
+        <p:nvPr/>
+      </p:nvGrpSpPr>
+      <p:grpSpPr>
+        <a:xfrm>
+          <a:off x="0" y="0"/>
+          <a:ext cx="0" cy="0"/>
+          <a:chOff x="0" y="0"/>
+          <a:chExt cx="0" cy="0"/>
+        </a:xfrm>
+      </p:grpSpPr>
+      <p:sp>
+        <p:nvSpPr>
+          <p:cNvPr id="2" name="Titel 1"/>
+          <p:cNvSpPr>
+            <a:spLocks noGrp="1"/>
+          </p:cNvSpPr>
+          <p:nvPr>
+            <p:ph type="title"/>
+          </p:nvPr>
+        </p:nvSpPr>
+        <p:spPr/>
+        <p:txBody>
+          <a:bodyPr/>
+          <a:lstStyle/>
+          <a:p>
+            <a:r>
+              <a:rPr lang="de-DE" dirty="0" smtClean="0"/>
+              <a:t>Überprüfung der Machbarkeit</a:t>
+            </a:r>
+            <a:endParaRPr lang="de-DE" dirty="0"/>
+          </a:p>
+        </p:txBody>
+      </p:sp>
+      <p:sp>
+        <p:nvSpPr>
+          <p:cNvPr id="3" name="Inhaltsplatzhalter 2"/>
+          <p:cNvSpPr>
+            <a:spLocks noGrp="1"/>
+          </p:cNvSpPr>
+          <p:nvPr>
+            <p:ph idx="1"/>
+          </p:nvPr>
+        </p:nvSpPr>
+        <p:spPr/>
+        <p:txBody>
+          <a:bodyPr/>
+          <a:lstStyle/>
+          <a:p>
+            <a:pPr marL="0" indent="0">
+              <a:buNone/>
+            </a:pPr>
+            <a:r>
+              <a:rPr lang="de-DE" dirty="0" smtClean="0"/>
+              <a:t>S	</a:t>
+            </a:r>
+            <a:r>
+              <a:rPr lang="de-DE" dirty="0" err="1" smtClean="0"/>
+              <a:t>pezifisch</a:t>
+            </a:r>
+            <a:r>
+              <a:rPr lang="de-DE" dirty="0" smtClean="0"/>
+              <a:t>	</a:t>
+            </a:r>
+          </a:p>
+          <a:p>
+            <a:pPr marL="0" indent="0">
+              <a:buNone/>
+            </a:pPr>
+            <a:r>
+              <a:rPr lang="de-DE" dirty="0" smtClean="0"/>
+              <a:t>M	messbar</a:t>
+            </a:r>
+          </a:p>
+          <a:p>
+            <a:pPr marL="0" indent="0">
+              <a:buNone/>
+            </a:pPr>
+            <a:r>
+              <a:rPr lang="de-DE" dirty="0" smtClean="0"/>
+              <a:t>A	</a:t>
+            </a:r>
+            <a:r>
+              <a:rPr lang="de-DE" dirty="0" err="1" smtClean="0"/>
+              <a:t>ktiv</a:t>
+            </a:r>
+            <a:r>
+              <a:rPr lang="de-DE" dirty="0" smtClean="0"/>
+              <a:t> beeinflussbar</a:t>
+            </a:r>
+          </a:p>
+          <a:p>
+            <a:pPr marL="0" indent="0">
+              <a:buNone/>
+            </a:pPr>
+            <a:r>
+              <a:rPr lang="de-DE" dirty="0" smtClean="0"/>
+              <a:t>R	</a:t>
+            </a:r>
+            <a:r>
+              <a:rPr lang="de-DE" dirty="0" err="1" smtClean="0"/>
+              <a:t>ealistisch</a:t>
+            </a:r>
+            <a:endParaRPr lang="de-DE" dirty="0" smtClean="0"/>
+          </a:p>
+          <a:p>
+            <a:pPr marL="0" indent="0">
+              <a:buNone/>
+            </a:pPr>
+            <a:r>
+              <a:rPr lang="de-DE" dirty="0" smtClean="0"/>
+              <a:t>T	terminiert</a:t>
+            </a:r>
+            <a:endParaRPr lang="de-DE" dirty="0"/>
+          </a:p>
+        </p:txBody>
+      </p:sp>
+    </p:spTree>
+    <p:extLst>
+      <p:ext uri="{BB962C8B-B14F-4D97-AF65-F5344CB8AC3E}">
+        <p14:creationId xmlns:p14="http://schemas.microsoft.com/office/powerpoint/2010/main" val="4061186822"/>
+      </p:ext>
+    </p:extLst>
+  </p:cSld>
+  <p:clrMapOvr>
+    <a:masterClrMapping/>
+  </p:clrMapOvr>
+</p:sld>
+</file>
+
 <file path=ppt/slides/slide2.xml><?xml version="1.0" encoding="utf-8"?>
 <p:sld xmlns:a="http://schemas.openxmlformats.org/drawingml/2006/main" xmlns:r="http://schemas.openxmlformats.org/officeDocument/2006/relationships" xmlns:p="http://schemas.openxmlformats.org/presentationml/2006/main">
   <p:cSld>
@@ -8039,8 +15938,19 @@
           <a:p>
             <a:r>
               <a:rPr lang="de-DE" dirty="0"/>
-              <a:t>Hier die Kosten aufführen</a:t>
+              <a:t>Hier die Kosten </a:t>
             </a:r>
+            <a:r>
+              <a:rPr lang="de-DE" dirty="0" smtClean="0"/>
+              <a:t>aufführen</a:t>
+            </a:r>
+          </a:p>
+          <a:p>
+            <a:r>
+              <a:rPr lang="de-DE" dirty="0" smtClean="0"/>
+              <a:t>Kostenstellen</a:t>
+            </a:r>
+            <a:endParaRPr lang="de-DE" dirty="0"/>
           </a:p>
         </p:txBody>
       </p:sp>
@@ -8269,6 +16179,84 @@
 </file>
 
 <file path=ppt/slides/slide4.xml><?xml version="1.0" encoding="utf-8"?>
+<p:sld xmlns:a="http://schemas.openxmlformats.org/drawingml/2006/main" xmlns:r="http://schemas.openxmlformats.org/officeDocument/2006/relationships" xmlns:p="http://schemas.openxmlformats.org/presentationml/2006/main">
+  <p:cSld>
+    <p:spTree>
+      <p:nvGrpSpPr>
+        <p:cNvPr id="1" name=""/>
+        <p:cNvGrpSpPr/>
+        <p:nvPr/>
+      </p:nvGrpSpPr>
+      <p:grpSpPr>
+        <a:xfrm>
+          <a:off x="0" y="0"/>
+          <a:ext cx="0" cy="0"/>
+          <a:chOff x="0" y="0"/>
+          <a:chExt cx="0" cy="0"/>
+        </a:xfrm>
+      </p:grpSpPr>
+      <p:sp>
+        <p:nvSpPr>
+          <p:cNvPr id="2" name="Titel 1"/>
+          <p:cNvSpPr>
+            <a:spLocks noGrp="1"/>
+          </p:cNvSpPr>
+          <p:nvPr>
+            <p:ph type="title"/>
+          </p:nvPr>
+        </p:nvSpPr>
+        <p:spPr/>
+        <p:txBody>
+          <a:bodyPr/>
+          <a:lstStyle/>
+          <a:p>
+            <a:r>
+              <a:rPr lang="de-DE" dirty="0" smtClean="0"/>
+              <a:t>Organisatorische Durchführung</a:t>
+            </a:r>
+            <a:endParaRPr lang="de-DE" dirty="0"/>
+          </a:p>
+        </p:txBody>
+      </p:sp>
+      <p:graphicFrame>
+        <p:nvGraphicFramePr>
+          <p:cNvPr id="4" name="Inhaltsplatzhalter 3"/>
+          <p:cNvGraphicFramePr>
+            <a:graphicFrameLocks noGrp="1"/>
+          </p:cNvGraphicFramePr>
+          <p:nvPr>
+            <p:ph idx="1"/>
+            <p:extLst>
+              <p:ext uri="{D42A27DB-BD31-4B8C-83A1-F6EECF244321}">
+                <p14:modId xmlns:p14="http://schemas.microsoft.com/office/powerpoint/2010/main" val="313352806"/>
+              </p:ext>
+            </p:extLst>
+          </p:nvPr>
+        </p:nvGraphicFramePr>
+        <p:xfrm>
+          <a:off x="838200" y="1825625"/>
+          <a:ext cx="10515600" cy="4351338"/>
+        </p:xfrm>
+        <a:graphic>
+          <a:graphicData uri="http://schemas.openxmlformats.org/drawingml/2006/diagram">
+            <dgm:relIds xmlns:dgm="http://schemas.openxmlformats.org/drawingml/2006/diagram" xmlns:r="http://schemas.openxmlformats.org/officeDocument/2006/relationships" r:dm="rId2" r:lo="rId3" r:qs="rId4" r:cs="rId5"/>
+          </a:graphicData>
+        </a:graphic>
+      </p:graphicFrame>
+    </p:spTree>
+    <p:extLst>
+      <p:ext uri="{BB962C8B-B14F-4D97-AF65-F5344CB8AC3E}">
+        <p14:creationId xmlns:p14="http://schemas.microsoft.com/office/powerpoint/2010/main" val="2527346879"/>
+      </p:ext>
+    </p:extLst>
+  </p:cSld>
+  <p:clrMapOvr>
+    <a:masterClrMapping/>
+  </p:clrMapOvr>
+</p:sld>
+</file>
+
+<file path=ppt/slides/slide5.xml><?xml version="1.0" encoding="utf-8"?>
 <p:sld xmlns:a="http://schemas.openxmlformats.org/drawingml/2006/main" xmlns:r="http://schemas.openxmlformats.org/officeDocument/2006/relationships" xmlns:p="http://schemas.openxmlformats.org/presentationml/2006/main">
   <p:cSld>
     <p:spTree>
@@ -8553,6 +16541,431 @@
     <p:extLst>
       <p:ext uri="{BB962C8B-B14F-4D97-AF65-F5344CB8AC3E}">
         <p14:creationId xmlns:p14="http://schemas.microsoft.com/office/powerpoint/2010/main" val="1352845229"/>
+      </p:ext>
+    </p:extLst>
+  </p:cSld>
+  <p:clrMapOvr>
+    <a:masterClrMapping/>
+  </p:clrMapOvr>
+</p:sld>
+</file>
+
+<file path=ppt/slides/slide6.xml><?xml version="1.0" encoding="utf-8"?>
+<p:sld xmlns:a="http://schemas.openxmlformats.org/drawingml/2006/main" xmlns:r="http://schemas.openxmlformats.org/officeDocument/2006/relationships" xmlns:p="http://schemas.openxmlformats.org/presentationml/2006/main">
+  <p:cSld>
+    <p:spTree>
+      <p:nvGrpSpPr>
+        <p:cNvPr id="1" name=""/>
+        <p:cNvGrpSpPr/>
+        <p:nvPr/>
+      </p:nvGrpSpPr>
+      <p:grpSpPr>
+        <a:xfrm>
+          <a:off x="0" y="0"/>
+          <a:ext cx="0" cy="0"/>
+          <a:chOff x="0" y="0"/>
+          <a:chExt cx="0" cy="0"/>
+        </a:xfrm>
+      </p:grpSpPr>
+      <p:sp>
+        <p:nvSpPr>
+          <p:cNvPr id="2" name="Titel 1"/>
+          <p:cNvSpPr>
+            <a:spLocks noGrp="1"/>
+          </p:cNvSpPr>
+          <p:nvPr>
+            <p:ph type="title"/>
+          </p:nvPr>
+        </p:nvSpPr>
+        <p:spPr/>
+        <p:txBody>
+          <a:bodyPr/>
+          <a:lstStyle/>
+          <a:p>
+            <a:r>
+              <a:rPr lang="de-DE" dirty="0" smtClean="0"/>
+              <a:t>Verfügbare Ressourcen</a:t>
+            </a:r>
+            <a:endParaRPr lang="de-DE" dirty="0"/>
+          </a:p>
+        </p:txBody>
+      </p:sp>
+      <p:sp>
+        <p:nvSpPr>
+          <p:cNvPr id="3" name="Inhaltsplatzhalter 2"/>
+          <p:cNvSpPr>
+            <a:spLocks noGrp="1"/>
+          </p:cNvSpPr>
+          <p:nvPr>
+            <p:ph idx="1"/>
+          </p:nvPr>
+        </p:nvSpPr>
+        <p:spPr/>
+        <p:txBody>
+          <a:bodyPr/>
+          <a:lstStyle/>
+          <a:p>
+            <a:r>
+              <a:rPr lang="de-DE" dirty="0" smtClean="0"/>
+              <a:t>Finanzielle Ressourcen:</a:t>
+            </a:r>
+          </a:p>
+          <a:p>
+            <a:r>
+              <a:rPr lang="de-DE" dirty="0" smtClean="0"/>
+              <a:t>Personelle Ressourcen: 1 Projektleiter, 4 Mitarbeiter </a:t>
+            </a:r>
+          </a:p>
+          <a:p>
+            <a:r>
+              <a:rPr lang="de-DE" dirty="0" smtClean="0"/>
+              <a:t>Sachliche Ressourcen: 5 Laptops, keine räumliche Abhängigkeit</a:t>
+            </a:r>
+          </a:p>
+          <a:p>
+            <a:endParaRPr lang="de-DE" dirty="0"/>
+          </a:p>
+        </p:txBody>
+      </p:sp>
+    </p:spTree>
+    <p:extLst>
+      <p:ext uri="{BB962C8B-B14F-4D97-AF65-F5344CB8AC3E}">
+        <p14:creationId xmlns:p14="http://schemas.microsoft.com/office/powerpoint/2010/main" val="3304514689"/>
+      </p:ext>
+    </p:extLst>
+  </p:cSld>
+  <p:clrMapOvr>
+    <a:masterClrMapping/>
+  </p:clrMapOvr>
+</p:sld>
+</file>
+
+<file path=ppt/slides/slide7.xml><?xml version="1.0" encoding="utf-8"?>
+<p:sld xmlns:a="http://schemas.openxmlformats.org/drawingml/2006/main" xmlns:r="http://schemas.openxmlformats.org/officeDocument/2006/relationships" xmlns:p="http://schemas.openxmlformats.org/presentationml/2006/main">
+  <p:cSld>
+    <p:spTree>
+      <p:nvGrpSpPr>
+        <p:cNvPr id="1" name=""/>
+        <p:cNvGrpSpPr/>
+        <p:nvPr/>
+      </p:nvGrpSpPr>
+      <p:grpSpPr>
+        <a:xfrm>
+          <a:off x="0" y="0"/>
+          <a:ext cx="0" cy="0"/>
+          <a:chOff x="0" y="0"/>
+          <a:chExt cx="0" cy="0"/>
+        </a:xfrm>
+      </p:grpSpPr>
+      <p:sp>
+        <p:nvSpPr>
+          <p:cNvPr id="2" name="Titel 1"/>
+          <p:cNvSpPr>
+            <a:spLocks noGrp="1"/>
+          </p:cNvSpPr>
+          <p:nvPr>
+            <p:ph type="title"/>
+          </p:nvPr>
+        </p:nvSpPr>
+        <p:spPr/>
+        <p:txBody>
+          <a:bodyPr/>
+          <a:lstStyle/>
+          <a:p>
+            <a:r>
+              <a:rPr lang="de-DE" dirty="0" smtClean="0"/>
+              <a:t>Zeitliche Umsetzung</a:t>
+            </a:r>
+            <a:endParaRPr lang="de-DE" dirty="0"/>
+          </a:p>
+        </p:txBody>
+      </p:sp>
+      <p:sp>
+        <p:nvSpPr>
+          <p:cNvPr id="3" name="Inhaltsplatzhalter 2"/>
+          <p:cNvSpPr>
+            <a:spLocks noGrp="1"/>
+          </p:cNvSpPr>
+          <p:nvPr>
+            <p:ph idx="1"/>
+          </p:nvPr>
+        </p:nvSpPr>
+        <p:spPr/>
+        <p:txBody>
+          <a:bodyPr/>
+          <a:lstStyle/>
+          <a:p>
+            <a:r>
+              <a:rPr lang="de-DE" dirty="0" smtClean="0"/>
+              <a:t>8. Juli 2016 - 28. Juli 2016</a:t>
+            </a:r>
+          </a:p>
+          <a:p>
+            <a:pPr lvl="1"/>
+            <a:r>
+              <a:rPr lang="de-DE" dirty="0" smtClean="0"/>
+              <a:t>Vorbereitung Projektantrag</a:t>
+            </a:r>
+          </a:p>
+          <a:p>
+            <a:pPr lvl="1"/>
+            <a:r>
+              <a:rPr lang="de-DE" dirty="0" smtClean="0"/>
+              <a:t>Präsentation des Projektleiters</a:t>
+            </a:r>
+          </a:p>
+          <a:p>
+            <a:r>
+              <a:rPr lang="de-DE" dirty="0" smtClean="0"/>
+              <a:t>28. Juli 2016 -  ???</a:t>
+            </a:r>
+          </a:p>
+          <a:p>
+            <a:pPr lvl="1"/>
+            <a:r>
+              <a:rPr lang="de-DE" dirty="0" smtClean="0"/>
+              <a:t>Entwicklung UI</a:t>
+            </a:r>
+          </a:p>
+          <a:p>
+            <a:r>
+              <a:rPr lang="de-DE" dirty="0" smtClean="0"/>
+              <a:t>??? - ???</a:t>
+            </a:r>
+          </a:p>
+          <a:p>
+            <a:pPr lvl="1"/>
+            <a:r>
+              <a:rPr lang="de-DE" dirty="0" err="1" smtClean="0"/>
+              <a:t>Lorem</a:t>
+            </a:r>
+            <a:r>
+              <a:rPr lang="de-DE" dirty="0" smtClean="0"/>
+              <a:t> </a:t>
+            </a:r>
+            <a:r>
+              <a:rPr lang="de-DE" dirty="0" err="1" smtClean="0"/>
+              <a:t>Ipsum</a:t>
+            </a:r>
+            <a:endParaRPr lang="de-DE" dirty="0" smtClean="0"/>
+          </a:p>
+          <a:p>
+            <a:r>
+              <a:rPr lang="de-DE" dirty="0" smtClean="0"/>
+              <a:t>September 2016</a:t>
+            </a:r>
+          </a:p>
+          <a:p>
+            <a:pPr lvl="1"/>
+            <a:r>
+              <a:rPr lang="de-DE" dirty="0" smtClean="0"/>
+              <a:t>Abgabe Projekt -&gt; Präsentation des fertigen Produkts</a:t>
+            </a:r>
+          </a:p>
+          <a:p>
+            <a:pPr marL="457200" lvl="1" indent="0">
+              <a:buNone/>
+            </a:pPr>
+            <a:endParaRPr lang="de-DE" dirty="0" smtClean="0"/>
+          </a:p>
+          <a:p>
+            <a:pPr lvl="1"/>
+            <a:endParaRPr lang="de-DE" dirty="0"/>
+          </a:p>
+          <a:p>
+            <a:pPr lvl="1"/>
+            <a:endParaRPr lang="de-DE" dirty="0" smtClean="0"/>
+          </a:p>
+          <a:p>
+            <a:pPr marL="457200" lvl="1" indent="0">
+              <a:buNone/>
+            </a:pPr>
+            <a:endParaRPr lang="de-DE" dirty="0" smtClean="0"/>
+          </a:p>
+          <a:p>
+            <a:pPr marL="457200" lvl="1" indent="0">
+              <a:buNone/>
+            </a:pPr>
+            <a:endParaRPr lang="de-DE" dirty="0"/>
+          </a:p>
+        </p:txBody>
+      </p:sp>
+    </p:spTree>
+    <p:extLst>
+      <p:ext uri="{BB962C8B-B14F-4D97-AF65-F5344CB8AC3E}">
+        <p14:creationId xmlns:p14="http://schemas.microsoft.com/office/powerpoint/2010/main" val="3692431528"/>
+      </p:ext>
+    </p:extLst>
+  </p:cSld>
+  <p:clrMapOvr>
+    <a:masterClrMapping/>
+  </p:clrMapOvr>
+</p:sld>
+</file>
+
+<file path=ppt/slides/slide8.xml><?xml version="1.0" encoding="utf-8"?>
+<p:sld xmlns:a="http://schemas.openxmlformats.org/drawingml/2006/main" xmlns:r="http://schemas.openxmlformats.org/officeDocument/2006/relationships" xmlns:p="http://schemas.openxmlformats.org/presentationml/2006/main">
+  <p:cSld>
+    <p:spTree>
+      <p:nvGrpSpPr>
+        <p:cNvPr id="1" name=""/>
+        <p:cNvGrpSpPr/>
+        <p:nvPr/>
+      </p:nvGrpSpPr>
+      <p:grpSpPr>
+        <a:xfrm>
+          <a:off x="0" y="0"/>
+          <a:ext cx="0" cy="0"/>
+          <a:chOff x="0" y="0"/>
+          <a:chExt cx="0" cy="0"/>
+        </a:xfrm>
+      </p:grpSpPr>
+      <p:sp>
+        <p:nvSpPr>
+          <p:cNvPr id="2" name="Titel 1"/>
+          <p:cNvSpPr>
+            <a:spLocks noGrp="1"/>
+          </p:cNvSpPr>
+          <p:nvPr>
+            <p:ph type="title"/>
+          </p:nvPr>
+        </p:nvSpPr>
+        <p:spPr/>
+        <p:txBody>
+          <a:bodyPr/>
+          <a:lstStyle/>
+          <a:p>
+            <a:r>
+              <a:rPr lang="de-DE" dirty="0" smtClean="0"/>
+              <a:t>Rechtliche Umsetzung</a:t>
+            </a:r>
+            <a:endParaRPr lang="de-DE" dirty="0"/>
+          </a:p>
+        </p:txBody>
+      </p:sp>
+      <p:sp>
+        <p:nvSpPr>
+          <p:cNvPr id="3" name="Inhaltsplatzhalter 2"/>
+          <p:cNvSpPr>
+            <a:spLocks noGrp="1"/>
+          </p:cNvSpPr>
+          <p:nvPr>
+            <p:ph idx="1"/>
+          </p:nvPr>
+        </p:nvSpPr>
+        <p:spPr/>
+        <p:txBody>
+          <a:bodyPr/>
+          <a:lstStyle/>
+          <a:p>
+            <a:r>
+              <a:rPr lang="de-DE" dirty="0" smtClean="0"/>
+              <a:t>Juristische Einschränkungen</a:t>
+            </a:r>
+          </a:p>
+          <a:p>
+            <a:r>
+              <a:rPr lang="de-DE" dirty="0" smtClean="0"/>
+              <a:t>Behördliche Auflagen und Anforderungen</a:t>
+            </a:r>
+          </a:p>
+          <a:p>
+            <a:endParaRPr lang="de-DE" dirty="0"/>
+          </a:p>
+          <a:p>
+            <a:r>
+              <a:rPr lang="de-DE" dirty="0"/>
+              <a:t>Entspricht die Software den rechtlichen Gegebenheiten innerhalb des Zielmarktes? Stimmt sie zum Beispiel mit den Datenschutzgesetzen überein?</a:t>
+            </a:r>
+            <a:endParaRPr lang="de-DE" dirty="0" smtClean="0"/>
+          </a:p>
+          <a:p>
+            <a:endParaRPr lang="de-DE" dirty="0"/>
+          </a:p>
+        </p:txBody>
+      </p:sp>
+    </p:spTree>
+    <p:extLst>
+      <p:ext uri="{BB962C8B-B14F-4D97-AF65-F5344CB8AC3E}">
+        <p14:creationId xmlns:p14="http://schemas.microsoft.com/office/powerpoint/2010/main" val="3221656243"/>
+      </p:ext>
+    </p:extLst>
+  </p:cSld>
+  <p:clrMapOvr>
+    <a:masterClrMapping/>
+  </p:clrMapOvr>
+</p:sld>
+</file>
+
+<file path=ppt/slides/slide9.xml><?xml version="1.0" encoding="utf-8"?>
+<p:sld xmlns:a="http://schemas.openxmlformats.org/drawingml/2006/main" xmlns:r="http://schemas.openxmlformats.org/officeDocument/2006/relationships" xmlns:p="http://schemas.openxmlformats.org/presentationml/2006/main">
+  <p:cSld>
+    <p:spTree>
+      <p:nvGrpSpPr>
+        <p:cNvPr id="1" name=""/>
+        <p:cNvGrpSpPr/>
+        <p:nvPr/>
+      </p:nvGrpSpPr>
+      <p:grpSpPr>
+        <a:xfrm>
+          <a:off x="0" y="0"/>
+          <a:ext cx="0" cy="0"/>
+          <a:chOff x="0" y="0"/>
+          <a:chExt cx="0" cy="0"/>
+        </a:xfrm>
+      </p:grpSpPr>
+      <p:sp>
+        <p:nvSpPr>
+          <p:cNvPr id="2" name="Titel 1"/>
+          <p:cNvSpPr>
+            <a:spLocks noGrp="1"/>
+          </p:cNvSpPr>
+          <p:nvPr>
+            <p:ph type="title"/>
+          </p:nvPr>
+        </p:nvSpPr>
+        <p:spPr/>
+        <p:txBody>
+          <a:bodyPr/>
+          <a:lstStyle/>
+          <a:p>
+            <a:r>
+              <a:rPr lang="de-DE" dirty="0" smtClean="0"/>
+              <a:t>SWOT-Analyse</a:t>
+            </a:r>
+            <a:endParaRPr lang="de-DE" dirty="0"/>
+          </a:p>
+        </p:txBody>
+      </p:sp>
+      <p:graphicFrame>
+        <p:nvGraphicFramePr>
+          <p:cNvPr id="7" name="Inhaltsplatzhalter 6"/>
+          <p:cNvGraphicFramePr>
+            <a:graphicFrameLocks noGrp="1"/>
+          </p:cNvGraphicFramePr>
+          <p:nvPr>
+            <p:ph idx="1"/>
+            <p:extLst>
+              <p:ext uri="{D42A27DB-BD31-4B8C-83A1-F6EECF244321}">
+                <p14:modId xmlns:p14="http://schemas.microsoft.com/office/powerpoint/2010/main" val="329675514"/>
+              </p:ext>
+            </p:extLst>
+          </p:nvPr>
+        </p:nvGraphicFramePr>
+        <p:xfrm>
+          <a:off x="838200" y="1825625"/>
+          <a:ext cx="10515600" cy="4351338"/>
+        </p:xfrm>
+        <a:graphic>
+          <a:graphicData uri="http://schemas.openxmlformats.org/drawingml/2006/diagram">
+            <dgm:relIds xmlns:dgm="http://schemas.openxmlformats.org/drawingml/2006/diagram" xmlns:r="http://schemas.openxmlformats.org/officeDocument/2006/relationships" r:dm="rId2" r:lo="rId3" r:qs="rId4" r:cs="rId5"/>
+          </a:graphicData>
+        </a:graphic>
+      </p:graphicFrame>
+    </p:spTree>
+    <p:extLst>
+      <p:ext uri="{BB962C8B-B14F-4D97-AF65-F5344CB8AC3E}">
+        <p14:creationId xmlns:p14="http://schemas.microsoft.com/office/powerpoint/2010/main" val="3277855905"/>
       </p:ext>
     </p:extLst>
   </p:cSld>

--- a/documents/projectmanagement/Allgemeines/Machbarkeitsstudie.pptx
+++ b/documents/projectmanagement/Allgemeines/Machbarkeitsstudie.pptx
@@ -14,7 +14,7 @@
     <p:sldId id="262" r:id="rId8"/>
     <p:sldId id="263" r:id="rId9"/>
     <p:sldId id="264" r:id="rId10"/>
-    <p:sldId id="265" r:id="rId11"/>
+    <p:sldId id="266" r:id="rId11"/>
   </p:sldIdLst>
   <p:sldSz cx="12192000" cy="6858000"/>
   <p:notesSz cx="6858000" cy="9144000"/>
@@ -2942,13 +2942,6 @@
         </dgm:presLayoutVars>
       </dgm:prSet>
       <dgm:spPr/>
-      <dgm:t>
-        <a:bodyPr/>
-        <a:lstStyle/>
-        <a:p>
-          <a:endParaRPr lang="de-DE"/>
-        </a:p>
-      </dgm:t>
     </dgm:pt>
     <dgm:pt modelId="{727B1B61-B62D-4C3D-B777-43906ADD803C}" type="pres">
       <dgm:prSet presAssocID="{03A8BDC9-669F-4918-A9DE-106A769820D1}" presName="bullet5b" presStyleLbl="node1" presStyleIdx="1" presStyleCnt="5"/>
@@ -2961,13 +2954,6 @@
         </dgm:presLayoutVars>
       </dgm:prSet>
       <dgm:spPr/>
-      <dgm:t>
-        <a:bodyPr/>
-        <a:lstStyle/>
-        <a:p>
-          <a:endParaRPr lang="de-DE"/>
-        </a:p>
-      </dgm:t>
     </dgm:pt>
     <dgm:pt modelId="{002C3FB9-310D-4961-BDD5-1DFD86FE10F5}" type="pres">
       <dgm:prSet presAssocID="{3F888F01-DCE4-4AA3-81A6-3CA974F7DEED}" presName="bullet5c" presStyleLbl="node1" presStyleIdx="2" presStyleCnt="5"/>
@@ -2980,13 +2966,6 @@
         </dgm:presLayoutVars>
       </dgm:prSet>
       <dgm:spPr/>
-      <dgm:t>
-        <a:bodyPr/>
-        <a:lstStyle/>
-        <a:p>
-          <a:endParaRPr lang="de-DE"/>
-        </a:p>
-      </dgm:t>
     </dgm:pt>
     <dgm:pt modelId="{E1CCDBEE-AB6F-4355-994F-2E8E439F6159}" type="pres">
       <dgm:prSet presAssocID="{BDEC989F-1E9D-46AB-9523-6268838E1868}" presName="bullet5d" presStyleLbl="node1" presStyleIdx="3" presStyleCnt="5"/>
@@ -2999,13 +2978,6 @@
         </dgm:presLayoutVars>
       </dgm:prSet>
       <dgm:spPr/>
-      <dgm:t>
-        <a:bodyPr/>
-        <a:lstStyle/>
-        <a:p>
-          <a:endParaRPr lang="de-DE"/>
-        </a:p>
-      </dgm:t>
     </dgm:pt>
     <dgm:pt modelId="{68B7B68E-B8B8-4EC2-A2FF-28B45B958F5A}" type="pres">
       <dgm:prSet presAssocID="{00126DA2-E8A9-44CA-85AD-A6CB396B82C5}" presName="bullet5e" presStyleLbl="node1" presStyleIdx="4" presStyleCnt="5"/>
@@ -3018,20 +2990,13 @@
         </dgm:presLayoutVars>
       </dgm:prSet>
       <dgm:spPr/>
-      <dgm:t>
-        <a:bodyPr/>
-        <a:lstStyle/>
-        <a:p>
-          <a:endParaRPr lang="de-DE"/>
-        </a:p>
-      </dgm:t>
     </dgm:pt>
   </dgm:ptLst>
   <dgm:cxnLst>
     <dgm:cxn modelId="{CEE87BEE-9F84-4002-8124-C9A25E72DAE7}" srcId="{0AE2193A-BCD4-4946-9B53-3FCAAF9851C5}" destId="{03A8BDC9-669F-4918-A9DE-106A769820D1}" srcOrd="1" destOrd="0" parTransId="{8E60CFC2-C2A7-44A5-BDA6-F85C840521AC}" sibTransId="{05CAA88E-F782-448B-996F-5761EC4B5343}"/>
     <dgm:cxn modelId="{C9751166-23EA-444E-999C-1D2B41E6C84B}" type="presOf" srcId="{03A8BDC9-669F-4918-A9DE-106A769820D1}" destId="{AF8BEF4C-96F3-4ED8-9151-49EE720FCD95}" srcOrd="0" destOrd="0" presId="urn:microsoft.com/office/officeart/2005/8/layout/arrow2"/>
+    <dgm:cxn modelId="{42E42528-80A8-483E-ADBC-51D8D1961B10}" type="presOf" srcId="{18AFAB38-8C38-46B0-B2F9-C7078BFC9326}" destId="{1C4F9093-FE47-4554-A822-B92A4C0EC2A7}" srcOrd="0" destOrd="1" presId="urn:microsoft.com/office/officeart/2005/8/layout/arrow2"/>
     <dgm:cxn modelId="{3F0866D1-CD6C-42CE-9684-3961ABC621E1}" srcId="{6217A406-CCAC-4760-A132-823320E7C8AA}" destId="{5448C88E-0793-42E4-B4F2-DC52C67B1BBB}" srcOrd="1" destOrd="0" parTransId="{B67F1C8D-BC44-463F-AF67-8398AEE84680}" sibTransId="{CF8818A3-3246-4175-8A77-8D4D41E9D858}"/>
-    <dgm:cxn modelId="{42E42528-80A8-483E-ADBC-51D8D1961B10}" type="presOf" srcId="{18AFAB38-8C38-46B0-B2F9-C7078BFC9326}" destId="{1C4F9093-FE47-4554-A822-B92A4C0EC2A7}" srcOrd="0" destOrd="1" presId="urn:microsoft.com/office/officeart/2005/8/layout/arrow2"/>
     <dgm:cxn modelId="{7199B566-DB24-41DD-8F6E-11C13FDB2CE2}" type="presOf" srcId="{6217A406-CCAC-4760-A132-823320E7C8AA}" destId="{8F7A122F-A032-49E6-AAC7-9B138367453A}" srcOrd="0" destOrd="0" presId="urn:microsoft.com/office/officeart/2005/8/layout/arrow2"/>
     <dgm:cxn modelId="{44553D4B-B237-482B-A4E6-FE32464F1D44}" srcId="{3F888F01-DCE4-4AA3-81A6-3CA974F7DEED}" destId="{EC43F636-1A5B-45CE-867C-21BB2A8C9979}" srcOrd="0" destOrd="0" parTransId="{A5D669F3-919D-473F-9ED0-C5163BF0D1B8}" sibTransId="{8422717A-3DCE-45F2-8400-BE77C21757A2}"/>
     <dgm:cxn modelId="{FE3932C0-C8BE-40FB-BD79-8A1D8D35CBD7}" type="presOf" srcId="{0AE2193A-BCD4-4946-9B53-3FCAAF9851C5}" destId="{774104AD-7E53-4E32-B515-B77A8A985716}" srcOrd="0" destOrd="0" presId="urn:microsoft.com/office/officeart/2005/8/layout/arrow2"/>
@@ -3043,8 +3008,8 @@
     <dgm:cxn modelId="{A2BDEB81-C8C8-4C79-B2DC-E99D83C55006}" type="presOf" srcId="{F349DD51-54D4-461A-B521-E7F2976BA46B}" destId="{AF8BEF4C-96F3-4ED8-9151-49EE720FCD95}" srcOrd="0" destOrd="1" presId="urn:microsoft.com/office/officeart/2005/8/layout/arrow2"/>
     <dgm:cxn modelId="{49874954-D235-479C-8DF2-8B4B384FA998}" srcId="{0AE2193A-BCD4-4946-9B53-3FCAAF9851C5}" destId="{6217A406-CCAC-4760-A132-823320E7C8AA}" srcOrd="0" destOrd="0" parTransId="{35A4FAD9-13FB-475B-AA9C-292E27FEF6BF}" sibTransId="{EE184EBA-0C3C-4A57-8034-DD0BBA41156E}"/>
     <dgm:cxn modelId="{8B46A61B-2968-41F4-A6EE-52DE9BD2905C}" type="presOf" srcId="{5448C88E-0793-42E4-B4F2-DC52C67B1BBB}" destId="{8F7A122F-A032-49E6-AAC7-9B138367453A}" srcOrd="0" destOrd="2" presId="urn:microsoft.com/office/officeart/2005/8/layout/arrow2"/>
+    <dgm:cxn modelId="{1DAF1298-8ABD-4D5F-840E-DAAD900D551E}" srcId="{0AE2193A-BCD4-4946-9B53-3FCAAF9851C5}" destId="{BDEC989F-1E9D-46AB-9523-6268838E1868}" srcOrd="3" destOrd="0" parTransId="{49DBEA3D-E719-472F-917D-B9453BAF9995}" sibTransId="{8A14B176-A3B8-4D3E-9288-E65D441C6DC2}"/>
     <dgm:cxn modelId="{E9E415F5-D862-48FA-9363-1383D28D80BC}" srcId="{0AE2193A-BCD4-4946-9B53-3FCAAF9851C5}" destId="{00126DA2-E8A9-44CA-85AD-A6CB396B82C5}" srcOrd="4" destOrd="0" parTransId="{B23EF7DD-A8D3-46E8-9312-0AD6E5F80DCD}" sibTransId="{9F414917-8632-4BBD-A51B-E8D92FE17C46}"/>
-    <dgm:cxn modelId="{1DAF1298-8ABD-4D5F-840E-DAAD900D551E}" srcId="{0AE2193A-BCD4-4946-9B53-3FCAAF9851C5}" destId="{BDEC989F-1E9D-46AB-9523-6268838E1868}" srcOrd="3" destOrd="0" parTransId="{49DBEA3D-E719-472F-917D-B9453BAF9995}" sibTransId="{8A14B176-A3B8-4D3E-9288-E65D441C6DC2}"/>
     <dgm:cxn modelId="{39557624-98A5-4FA8-B236-34ACDE1BD7DE}" type="presOf" srcId="{7FDA9182-197A-4BD0-B31D-E842E3F18870}" destId="{55D03CFC-8164-4FA7-8D3A-0BF5D70844C3}" srcOrd="0" destOrd="3" presId="urn:microsoft.com/office/officeart/2005/8/layout/arrow2"/>
     <dgm:cxn modelId="{1C029FDA-D174-4AC1-8932-E0EB327308F0}" srcId="{00126DA2-E8A9-44CA-85AD-A6CB396B82C5}" destId="{18AFAB38-8C38-46B0-B2F9-C7078BFC9326}" srcOrd="0" destOrd="0" parTransId="{C1F19044-B46C-4EDC-ACD5-E020598DC609}" sibTransId="{46B11C62-2FF5-4A49-9325-84F1C3968829}"/>
     <dgm:cxn modelId="{785C3784-FDC1-40E8-8340-5C743F0BC949}" type="presOf" srcId="{98436D32-C1C9-41DA-9357-D4DF59977C91}" destId="{39A9EDD7-064B-4D2E-A8C1-EDF39C82A076}" srcOrd="0" destOrd="1" presId="urn:microsoft.com/office/officeart/2005/8/layout/arrow2"/>
@@ -3056,9 +3021,9 @@
     <dgm:cxn modelId="{E85D5463-7228-41A9-888A-9EC366987151}" srcId="{6217A406-CCAC-4760-A132-823320E7C8AA}" destId="{A8DD8037-4DB6-470D-8714-9A3918A2AA88}" srcOrd="0" destOrd="0" parTransId="{82353E00-898A-4479-BD1A-370A77D87C99}" sibTransId="{A267CE71-DF80-4788-9F14-E573AADD3E40}"/>
     <dgm:cxn modelId="{ECFEB97A-43D7-444C-B0EA-72B81C62A6C0}" srcId="{03A8BDC9-669F-4918-A9DE-106A769820D1}" destId="{360A8656-2B98-4847-8F25-D5D3168CA0D1}" srcOrd="1" destOrd="0" parTransId="{86358050-89CD-4349-B74B-9DD9CD9BA9A8}" sibTransId="{75247C5B-8F9E-45FF-B498-3C4C035E6B74}"/>
     <dgm:cxn modelId="{C11BD460-D82F-48C7-A866-6C4480D7932A}" type="presOf" srcId="{00126DA2-E8A9-44CA-85AD-A6CB396B82C5}" destId="{1C4F9093-FE47-4554-A822-B92A4C0EC2A7}" srcOrd="0" destOrd="0" presId="urn:microsoft.com/office/officeart/2005/8/layout/arrow2"/>
+    <dgm:cxn modelId="{4B47EB8C-5E19-4988-9BA6-AC4A66744EE6}" srcId="{0AE2193A-BCD4-4946-9B53-3FCAAF9851C5}" destId="{3F888F01-DCE4-4AA3-81A6-3CA974F7DEED}" srcOrd="2" destOrd="0" parTransId="{F8AF2A7E-D40F-4EF0-A289-6116C58B8397}" sibTransId="{A86B9379-31F6-434F-AE6D-F6EA41D9E54B}"/>
+    <dgm:cxn modelId="{296EF577-D74A-46D9-B1C2-3BFEB87C743D}" type="presOf" srcId="{A8DD8037-4DB6-470D-8714-9A3918A2AA88}" destId="{8F7A122F-A032-49E6-AAC7-9B138367453A}" srcOrd="0" destOrd="1" presId="urn:microsoft.com/office/officeart/2005/8/layout/arrow2"/>
     <dgm:cxn modelId="{5170D23C-6CF2-4C5A-BED6-20ABA304C401}" type="presOf" srcId="{EC43F636-1A5B-45CE-867C-21BB2A8C9979}" destId="{55D03CFC-8164-4FA7-8D3A-0BF5D70844C3}" srcOrd="0" destOrd="1" presId="urn:microsoft.com/office/officeart/2005/8/layout/arrow2"/>
-    <dgm:cxn modelId="{296EF577-D74A-46D9-B1C2-3BFEB87C743D}" type="presOf" srcId="{A8DD8037-4DB6-470D-8714-9A3918A2AA88}" destId="{8F7A122F-A032-49E6-AAC7-9B138367453A}" srcOrd="0" destOrd="1" presId="urn:microsoft.com/office/officeart/2005/8/layout/arrow2"/>
-    <dgm:cxn modelId="{4B47EB8C-5E19-4988-9BA6-AC4A66744EE6}" srcId="{0AE2193A-BCD4-4946-9B53-3FCAAF9851C5}" destId="{3F888F01-DCE4-4AA3-81A6-3CA974F7DEED}" srcOrd="2" destOrd="0" parTransId="{F8AF2A7E-D40F-4EF0-A289-6116C58B8397}" sibTransId="{A86B9379-31F6-434F-AE6D-F6EA41D9E54B}"/>
     <dgm:cxn modelId="{AAF496FB-B2D6-4F55-9D64-A9D1B532DE13}" type="presParOf" srcId="{774104AD-7E53-4E32-B515-B77A8A985716}" destId="{8EFB4082-6FA8-467F-B4A4-1D865061D7EB}" srcOrd="0" destOrd="0" presId="urn:microsoft.com/office/officeart/2005/8/layout/arrow2"/>
     <dgm:cxn modelId="{19C067C1-98AB-46EA-9532-50D475C7306F}" type="presParOf" srcId="{774104AD-7E53-4E32-B515-B77A8A985716}" destId="{2AB02C00-8A31-40E5-A971-475D350A9809}" srcOrd="1" destOrd="0" presId="urn:microsoft.com/office/officeart/2005/8/layout/arrow2"/>
     <dgm:cxn modelId="{67734BBC-6FDD-4787-BCB3-721DA787E5CA}" type="presParOf" srcId="{2AB02C00-8A31-40E5-A971-475D350A9809}" destId="{490D4099-2E4E-45B8-A269-26396529A523}" srcOrd="0" destOrd="0" presId="urn:microsoft.com/office/officeart/2005/8/layout/arrow2"/>
@@ -3104,10 +3069,9 @@
         <a:lstStyle/>
         <a:p>
           <a:r>
-            <a:rPr lang="de-DE" dirty="0" smtClean="0"/>
+            <a:rPr lang="de-DE" dirty="0"/>
             <a:t>Projektleiter</a:t>
           </a:r>
-          <a:endParaRPr lang="de-DE" dirty="0"/>
         </a:p>
       </dgm:t>
     </dgm:pt>
@@ -3130,10 +3094,9 @@
         <a:lstStyle/>
         <a:p>
           <a:r>
-            <a:rPr lang="de-DE" dirty="0" smtClean="0"/>
+            <a:rPr lang="de-DE" dirty="0"/>
             <a:t>Delegiert Aufgaben an</a:t>
           </a:r>
-          <a:endParaRPr lang="de-DE" dirty="0"/>
         </a:p>
       </dgm:t>
     </dgm:pt>
@@ -3145,10 +3108,9 @@
         <a:lstStyle/>
         <a:p>
           <a:r>
-            <a:rPr lang="de-DE" dirty="0" smtClean="0"/>
+            <a:rPr lang="de-DE" dirty="0"/>
             <a:t>Projektkoordinator</a:t>
           </a:r>
-          <a:endParaRPr lang="de-DE" dirty="0"/>
         </a:p>
       </dgm:t>
     </dgm:pt>
@@ -3171,10 +3133,9 @@
         <a:lstStyle/>
         <a:p>
           <a:r>
-            <a:rPr lang="de-DE" dirty="0" smtClean="0"/>
+            <a:rPr lang="de-DE" dirty="0"/>
             <a:t>Meldet abgeschlossene Aufgaben zurück</a:t>
           </a:r>
-          <a:endParaRPr lang="de-DE" dirty="0"/>
         </a:p>
       </dgm:t>
     </dgm:pt>
@@ -3186,10 +3147,9 @@
         <a:lstStyle/>
         <a:p>
           <a:r>
-            <a:rPr lang="de-DE" dirty="0" smtClean="0"/>
+            <a:rPr lang="de-DE" dirty="0"/>
             <a:t>Datenbankdesigner</a:t>
           </a:r>
-          <a:endParaRPr lang="de-DE" dirty="0"/>
         </a:p>
       </dgm:t>
     </dgm:pt>
@@ -3212,10 +3172,9 @@
         <a:lstStyle/>
         <a:p>
           <a:r>
-            <a:rPr lang="de-DE" dirty="0" smtClean="0"/>
+            <a:rPr lang="de-DE" dirty="0"/>
             <a:t>Meldet abgeschlossene Aufgaben zurück</a:t>
           </a:r>
-          <a:endParaRPr lang="de-DE" dirty="0"/>
         </a:p>
       </dgm:t>
     </dgm:pt>
@@ -3227,10 +3186,9 @@
         <a:lstStyle/>
         <a:p>
           <a:r>
-            <a:rPr lang="de-DE" dirty="0" smtClean="0"/>
+            <a:rPr lang="de-DE" dirty="0"/>
             <a:t>Webdesigner</a:t>
           </a:r>
-          <a:endParaRPr lang="de-DE" dirty="0"/>
         </a:p>
       </dgm:t>
     </dgm:pt>
@@ -3253,10 +3211,9 @@
         <a:lstStyle/>
         <a:p>
           <a:r>
-            <a:rPr lang="de-DE" dirty="0" smtClean="0"/>
+            <a:rPr lang="de-DE" dirty="0"/>
             <a:t>Meldet abgeschlossene Aufgaben zurück</a:t>
           </a:r>
-          <a:endParaRPr lang="de-DE" dirty="0"/>
         </a:p>
       </dgm:t>
     </dgm:pt>
@@ -3268,10 +3225,9 @@
         <a:lstStyle/>
         <a:p>
           <a:r>
-            <a:rPr lang="de-DE" dirty="0" smtClean="0"/>
+            <a:rPr lang="de-DE" dirty="0"/>
             <a:t>Programmierer</a:t>
           </a:r>
-          <a:endParaRPr lang="de-DE" dirty="0"/>
         </a:p>
       </dgm:t>
     </dgm:pt>
@@ -3294,10 +3250,9 @@
         <a:lstStyle/>
         <a:p>
           <a:r>
-            <a:rPr lang="de-DE" dirty="0" smtClean="0"/>
+            <a:rPr lang="de-DE" dirty="0"/>
             <a:t>Meldet abgeschlossene Aufgaben zurück</a:t>
           </a:r>
-          <a:endParaRPr lang="de-DE" dirty="0"/>
         </a:p>
       </dgm:t>
     </dgm:pt>
@@ -3343,13 +3298,6 @@
         </dgm:presLayoutVars>
       </dgm:prSet>
       <dgm:spPr/>
-      <dgm:t>
-        <a:bodyPr/>
-        <a:lstStyle/>
-        <a:p>
-          <a:endParaRPr lang="de-DE"/>
-        </a:p>
-      </dgm:t>
     </dgm:pt>
     <dgm:pt modelId="{191F112D-A45F-436C-B599-A704861B7449}" type="pres">
       <dgm:prSet presAssocID="{980D0C64-4394-4C8B-A1BC-39DF94FFA6DB}" presName="rootConnector1" presStyleLbl="node1" presStyleIdx="0" presStyleCnt="4"/>
@@ -3392,13 +3340,6 @@
         </dgm:presLayoutVars>
       </dgm:prSet>
       <dgm:spPr/>
-      <dgm:t>
-        <a:bodyPr/>
-        <a:lstStyle/>
-        <a:p>
-          <a:endParaRPr lang="de-DE"/>
-        </a:p>
-      </dgm:t>
     </dgm:pt>
     <dgm:pt modelId="{3FFAD54F-CDF3-4EAB-939A-CD11D5B7CEF4}" type="pres">
       <dgm:prSet presAssocID="{9AA9956D-2E85-42B1-B1DF-C7DF617A4910}" presName="rootConnector" presStyleLbl="node2" presStyleIdx="0" presStyleCnt="0"/>
@@ -3436,13 +3377,6 @@
         </dgm:presLayoutVars>
       </dgm:prSet>
       <dgm:spPr/>
-      <dgm:t>
-        <a:bodyPr/>
-        <a:lstStyle/>
-        <a:p>
-          <a:endParaRPr lang="de-DE"/>
-        </a:p>
-      </dgm:t>
     </dgm:pt>
     <dgm:pt modelId="{5681A1C3-F7F2-459E-B1EA-ADC0DF83F7F4}" type="pres">
       <dgm:prSet presAssocID="{BD78AC86-9D6C-4EE3-8941-88131E7E33B7}" presName="titleText2" presStyleLbl="fgAcc1" presStyleIdx="1" presStyleCnt="4">
@@ -3452,13 +3386,6 @@
         </dgm:presLayoutVars>
       </dgm:prSet>
       <dgm:spPr/>
-      <dgm:t>
-        <a:bodyPr/>
-        <a:lstStyle/>
-        <a:p>
-          <a:endParaRPr lang="de-DE"/>
-        </a:p>
-      </dgm:t>
     </dgm:pt>
     <dgm:pt modelId="{F8B9FF12-A7DE-4343-BAFE-F3AA9063F1EB}" type="pres">
       <dgm:prSet presAssocID="{BD78AC86-9D6C-4EE3-8941-88131E7E33B7}" presName="rootConnector" presStyleLbl="node2" presStyleIdx="0" presStyleCnt="0"/>
@@ -3496,13 +3423,6 @@
         </dgm:presLayoutVars>
       </dgm:prSet>
       <dgm:spPr/>
-      <dgm:t>
-        <a:bodyPr/>
-        <a:lstStyle/>
-        <a:p>
-          <a:endParaRPr lang="de-DE"/>
-        </a:p>
-      </dgm:t>
     </dgm:pt>
     <dgm:pt modelId="{210698F5-CF27-4953-810C-44A846F5EE01}" type="pres">
       <dgm:prSet presAssocID="{7AF5185A-5523-4D7E-B3D1-8CEEAA432599}" presName="titleText2" presStyleLbl="fgAcc1" presStyleIdx="2" presStyleCnt="4">
@@ -3558,13 +3478,6 @@
         </dgm:presLayoutVars>
       </dgm:prSet>
       <dgm:spPr/>
-      <dgm:t>
-        <a:bodyPr/>
-        <a:lstStyle/>
-        <a:p>
-          <a:endParaRPr lang="de-DE"/>
-        </a:p>
-      </dgm:t>
     </dgm:pt>
     <dgm:pt modelId="{7749BEF7-3594-483D-85F3-407D16A096CB}" type="pres">
       <dgm:prSet presAssocID="{0CB92999-CDA0-426D-BA3F-4800F96F7061}" presName="rootConnector" presStyleLbl="node2" presStyleIdx="0" presStyleCnt="0"/>
@@ -3584,31 +3497,31 @@
     </dgm:pt>
   </dgm:ptLst>
   <dgm:cxnLst>
+    <dgm:cxn modelId="{73E01F3D-9443-4245-95D3-CC2E9FD03B00}" type="presOf" srcId="{802CE547-B90E-4B88-AACF-ACD163C255C7}" destId="{210698F5-CF27-4953-810C-44A846F5EE01}" srcOrd="0" destOrd="0" presId="urn:microsoft.com/office/officeart/2008/layout/NameandTitleOrganizationalChart"/>
+    <dgm:cxn modelId="{F8301EEA-56D9-488F-BA91-B15BBF546BCA}" type="presOf" srcId="{8729791E-CB25-4F2C-AA14-571ACA173FF6}" destId="{46A4E0A7-4562-4581-99C8-7A4810A1D356}" srcOrd="0" destOrd="0" presId="urn:microsoft.com/office/officeart/2008/layout/NameandTitleOrganizationalChart"/>
+    <dgm:cxn modelId="{F562DF7E-1421-43F8-8A9B-EADC940A25BE}" type="presOf" srcId="{81958D29-D6AE-4B82-9DD8-B2C2AB0DA8F5}" destId="{CA0371F2-4905-4094-9792-0F4EC6527AB6}" srcOrd="0" destOrd="0" presId="urn:microsoft.com/office/officeart/2008/layout/NameandTitleOrganizationalChart"/>
+    <dgm:cxn modelId="{C7D61A3B-FAA1-4AF3-9EFC-D2DD53CA21DB}" srcId="{980D0C64-4394-4C8B-A1BC-39DF94FFA6DB}" destId="{BD78AC86-9D6C-4EE3-8941-88131E7E33B7}" srcOrd="1" destOrd="0" parTransId="{61461668-1E6A-4B47-A198-DBA2FF97E485}" sibTransId="{0F564862-1CDF-4973-8E5A-32B445BAE305}"/>
+    <dgm:cxn modelId="{B57AE879-22AB-4599-B5A0-7D80076AEDA8}" type="presOf" srcId="{980D0C64-4394-4C8B-A1BC-39DF94FFA6DB}" destId="{191F112D-A45F-436C-B599-A704861B7449}" srcOrd="1" destOrd="0" presId="urn:microsoft.com/office/officeart/2008/layout/NameandTitleOrganizationalChart"/>
+    <dgm:cxn modelId="{6A74C98F-76CD-4AB8-B4B5-DD56D815E3CD}" type="presOf" srcId="{71C0EDDB-EE97-4D08-943E-561E913F3984}" destId="{EC9CC648-36AF-46A2-8311-685C7A41B586}" srcOrd="0" destOrd="0" presId="urn:microsoft.com/office/officeart/2008/layout/NameandTitleOrganizationalChart"/>
+    <dgm:cxn modelId="{844D7632-8CCC-4653-B945-D0645F5574FA}" type="presOf" srcId="{BD78AC86-9D6C-4EE3-8941-88131E7E33B7}" destId="{09D50221-D678-4A08-84F0-EE7F73877653}" srcOrd="0" destOrd="0" presId="urn:microsoft.com/office/officeart/2008/layout/NameandTitleOrganizationalChart"/>
+    <dgm:cxn modelId="{7796E432-60C4-432E-A1F7-D9D447968291}" type="presOf" srcId="{EA657BDB-DCB0-4F9B-A28C-8AB7B43D2CB6}" destId="{52B6D15F-3B47-4570-B14B-B91C71FCECDE}" srcOrd="0" destOrd="0" presId="urn:microsoft.com/office/officeart/2008/layout/NameandTitleOrganizationalChart"/>
+    <dgm:cxn modelId="{29055FDD-A611-4259-915C-8F4C986195E6}" srcId="{980D0C64-4394-4C8B-A1BC-39DF94FFA6DB}" destId="{0CB92999-CDA0-426D-BA3F-4800F96F7061}" srcOrd="3" destOrd="0" parTransId="{81958D29-D6AE-4B82-9DD8-B2C2AB0DA8F5}" sibTransId="{EA657BDB-DCB0-4F9B-A28C-8AB7B43D2CB6}"/>
     <dgm:cxn modelId="{91F905AA-A9E2-4FCA-9061-270CBBC5EB13}" type="presOf" srcId="{0CB92999-CDA0-426D-BA3F-4800F96F7061}" destId="{7749BEF7-3594-483D-85F3-407D16A096CB}" srcOrd="1" destOrd="0" presId="urn:microsoft.com/office/officeart/2008/layout/NameandTitleOrganizationalChart"/>
+    <dgm:cxn modelId="{72D3C8E7-E51B-4E89-98BB-0DD7EF333C40}" type="presOf" srcId="{BD78AC86-9D6C-4EE3-8941-88131E7E33B7}" destId="{F8B9FF12-A7DE-4343-BAFE-F3AA9063F1EB}" srcOrd="1" destOrd="0" presId="urn:microsoft.com/office/officeart/2008/layout/NameandTitleOrganizationalChart"/>
+    <dgm:cxn modelId="{5ED024DC-20B1-4AFB-921B-1FEF2156D7CE}" srcId="{980D0C64-4394-4C8B-A1BC-39DF94FFA6DB}" destId="{9AA9956D-2E85-42B1-B1DF-C7DF617A4910}" srcOrd="0" destOrd="0" parTransId="{E4DEBCA7-E72A-40A6-9FFE-0CB52542C41A}" sibTransId="{C381DC0C-EA1F-47A3-B1C4-DC68E9EBDF15}"/>
+    <dgm:cxn modelId="{2B2B2D16-A693-44B6-A3DF-54D894B2C5C8}" type="presOf" srcId="{7AF5185A-5523-4D7E-B3D1-8CEEAA432599}" destId="{7540C2E7-48D2-4EE8-87C4-B1638895265C}" srcOrd="0" destOrd="0" presId="urn:microsoft.com/office/officeart/2008/layout/NameandTitleOrganizationalChart"/>
+    <dgm:cxn modelId="{D5F4E9DD-8EEC-4E2C-A4CE-85DF7F19384F}" type="presOf" srcId="{980D0C64-4394-4C8B-A1BC-39DF94FFA6DB}" destId="{C61E91A9-AF0A-4AA8-B087-498BC119B802}" srcOrd="0" destOrd="0" presId="urn:microsoft.com/office/officeart/2008/layout/NameandTitleOrganizationalChart"/>
+    <dgm:cxn modelId="{2CBD7B0B-884F-48E3-9AEA-36949F215110}" srcId="{8729791E-CB25-4F2C-AA14-571ACA173FF6}" destId="{980D0C64-4394-4C8B-A1BC-39DF94FFA6DB}" srcOrd="0" destOrd="0" parTransId="{9F6D5AD9-83FC-4447-ADED-4549F20121C1}" sibTransId="{47CD8E67-1E79-4785-93D7-1703B8C0D599}"/>
+    <dgm:cxn modelId="{0E738962-C151-48CC-A817-F9941E7A902F}" type="presOf" srcId="{E4DEBCA7-E72A-40A6-9FFE-0CB52542C41A}" destId="{D5F6D8B8-4258-4198-BE70-A80B84977E1D}" srcOrd="0" destOrd="0" presId="urn:microsoft.com/office/officeart/2008/layout/NameandTitleOrganizationalChart"/>
+    <dgm:cxn modelId="{870C820E-95E0-4564-B744-81B585F9770F}" srcId="{980D0C64-4394-4C8B-A1BC-39DF94FFA6DB}" destId="{7AF5185A-5523-4D7E-B3D1-8CEEAA432599}" srcOrd="2" destOrd="0" parTransId="{71C0EDDB-EE97-4D08-943E-561E913F3984}" sibTransId="{802CE547-B90E-4B88-AACF-ACD163C255C7}"/>
+    <dgm:cxn modelId="{1CA00D58-DB79-4102-8EF0-FA29AAFEE530}" type="presOf" srcId="{C381DC0C-EA1F-47A3-B1C4-DC68E9EBDF15}" destId="{970DF215-3A69-44D5-BB4D-176CA6265961}" srcOrd="0" destOrd="0" presId="urn:microsoft.com/office/officeart/2008/layout/NameandTitleOrganizationalChart"/>
     <dgm:cxn modelId="{6B3F1281-D910-41EB-970B-06E75CA5ECD4}" type="presOf" srcId="{47CD8E67-1E79-4785-93D7-1703B8C0D599}" destId="{F30DCFA2-97CF-4F43-B794-E8837C6096F0}" srcOrd="0" destOrd="0" presId="urn:microsoft.com/office/officeart/2008/layout/NameandTitleOrganizationalChart"/>
-    <dgm:cxn modelId="{B57AE879-22AB-4599-B5A0-7D80076AEDA8}" type="presOf" srcId="{980D0C64-4394-4C8B-A1BC-39DF94FFA6DB}" destId="{191F112D-A45F-436C-B599-A704861B7449}" srcOrd="1" destOrd="0" presId="urn:microsoft.com/office/officeart/2008/layout/NameandTitleOrganizationalChart"/>
     <dgm:cxn modelId="{F1BB62BF-6069-4B9C-8371-4A36FA59D682}" type="presOf" srcId="{0CB92999-CDA0-426D-BA3F-4800F96F7061}" destId="{B7BCBAAF-BA9A-4699-B2A1-DF69996325E1}" srcOrd="0" destOrd="0" presId="urn:microsoft.com/office/officeart/2008/layout/NameandTitleOrganizationalChart"/>
+    <dgm:cxn modelId="{BE6D7E32-29E7-479A-A695-A6C7436A4699}" type="presOf" srcId="{0F564862-1CDF-4973-8E5A-32B445BAE305}" destId="{5681A1C3-F7F2-459E-B1EA-ADC0DF83F7F4}" srcOrd="0" destOrd="0" presId="urn:microsoft.com/office/officeart/2008/layout/NameandTitleOrganizationalChart"/>
     <dgm:cxn modelId="{852551FD-2B26-4F7E-AD02-C0EB59CBD817}" type="presOf" srcId="{7AF5185A-5523-4D7E-B3D1-8CEEAA432599}" destId="{F6769DBA-69F4-4CF2-98E1-2C89C474DB77}" srcOrd="1" destOrd="0" presId="urn:microsoft.com/office/officeart/2008/layout/NameandTitleOrganizationalChart"/>
-    <dgm:cxn modelId="{BE6D7E32-29E7-479A-A695-A6C7436A4699}" type="presOf" srcId="{0F564862-1CDF-4973-8E5A-32B445BAE305}" destId="{5681A1C3-F7F2-459E-B1EA-ADC0DF83F7F4}" srcOrd="0" destOrd="0" presId="urn:microsoft.com/office/officeart/2008/layout/NameandTitleOrganizationalChart"/>
-    <dgm:cxn modelId="{7796E432-60C4-432E-A1F7-D9D447968291}" type="presOf" srcId="{EA657BDB-DCB0-4F9B-A28C-8AB7B43D2CB6}" destId="{52B6D15F-3B47-4570-B14B-B91C71FCECDE}" srcOrd="0" destOrd="0" presId="urn:microsoft.com/office/officeart/2008/layout/NameandTitleOrganizationalChart"/>
-    <dgm:cxn modelId="{0E738962-C151-48CC-A817-F9941E7A902F}" type="presOf" srcId="{E4DEBCA7-E72A-40A6-9FFE-0CB52542C41A}" destId="{D5F6D8B8-4258-4198-BE70-A80B84977E1D}" srcOrd="0" destOrd="0" presId="urn:microsoft.com/office/officeart/2008/layout/NameandTitleOrganizationalChart"/>
-    <dgm:cxn modelId="{5ED024DC-20B1-4AFB-921B-1FEF2156D7CE}" srcId="{980D0C64-4394-4C8B-A1BC-39DF94FFA6DB}" destId="{9AA9956D-2E85-42B1-B1DF-C7DF617A4910}" srcOrd="0" destOrd="0" parTransId="{E4DEBCA7-E72A-40A6-9FFE-0CB52542C41A}" sibTransId="{C381DC0C-EA1F-47A3-B1C4-DC68E9EBDF15}"/>
-    <dgm:cxn modelId="{2CBD7B0B-884F-48E3-9AEA-36949F215110}" srcId="{8729791E-CB25-4F2C-AA14-571ACA173FF6}" destId="{980D0C64-4394-4C8B-A1BC-39DF94FFA6DB}" srcOrd="0" destOrd="0" parTransId="{9F6D5AD9-83FC-4447-ADED-4549F20121C1}" sibTransId="{47CD8E67-1E79-4785-93D7-1703B8C0D599}"/>
+    <dgm:cxn modelId="{70C8D1A5-E74D-4211-AB8F-475AC1C1657C}" type="presOf" srcId="{9AA9956D-2E85-42B1-B1DF-C7DF617A4910}" destId="{3FFAD54F-CDF3-4EAB-939A-CD11D5B7CEF4}" srcOrd="1" destOrd="0" presId="urn:microsoft.com/office/officeart/2008/layout/NameandTitleOrganizationalChart"/>
     <dgm:cxn modelId="{5212E98E-271D-4537-BAC4-F256C8011674}" type="presOf" srcId="{61461668-1E6A-4B47-A198-DBA2FF97E485}" destId="{418B8B31-D631-4C74-B418-D94A89EA2477}" srcOrd="0" destOrd="0" presId="urn:microsoft.com/office/officeart/2008/layout/NameandTitleOrganizationalChart"/>
-    <dgm:cxn modelId="{29055FDD-A611-4259-915C-8F4C986195E6}" srcId="{980D0C64-4394-4C8B-A1BC-39DF94FFA6DB}" destId="{0CB92999-CDA0-426D-BA3F-4800F96F7061}" srcOrd="3" destOrd="0" parTransId="{81958D29-D6AE-4B82-9DD8-B2C2AB0DA8F5}" sibTransId="{EA657BDB-DCB0-4F9B-A28C-8AB7B43D2CB6}"/>
-    <dgm:cxn modelId="{C7D61A3B-FAA1-4AF3-9EFC-D2DD53CA21DB}" srcId="{980D0C64-4394-4C8B-A1BC-39DF94FFA6DB}" destId="{BD78AC86-9D6C-4EE3-8941-88131E7E33B7}" srcOrd="1" destOrd="0" parTransId="{61461668-1E6A-4B47-A198-DBA2FF97E485}" sibTransId="{0F564862-1CDF-4973-8E5A-32B445BAE305}"/>
-    <dgm:cxn modelId="{72D3C8E7-E51B-4E89-98BB-0DD7EF333C40}" type="presOf" srcId="{BD78AC86-9D6C-4EE3-8941-88131E7E33B7}" destId="{F8B9FF12-A7DE-4343-BAFE-F3AA9063F1EB}" srcOrd="1" destOrd="0" presId="urn:microsoft.com/office/officeart/2008/layout/NameandTitleOrganizationalChart"/>
     <dgm:cxn modelId="{7DDD6D21-06E2-4D4E-872C-AE6369A02B83}" type="presOf" srcId="{9AA9956D-2E85-42B1-B1DF-C7DF617A4910}" destId="{F9D5EE5F-B1B3-4107-BE5B-57C9D2EDB3FD}" srcOrd="0" destOrd="0" presId="urn:microsoft.com/office/officeart/2008/layout/NameandTitleOrganizationalChart"/>
-    <dgm:cxn modelId="{F562DF7E-1421-43F8-8A9B-EADC940A25BE}" type="presOf" srcId="{81958D29-D6AE-4B82-9DD8-B2C2AB0DA8F5}" destId="{CA0371F2-4905-4094-9792-0F4EC6527AB6}" srcOrd="0" destOrd="0" presId="urn:microsoft.com/office/officeart/2008/layout/NameandTitleOrganizationalChart"/>
-    <dgm:cxn modelId="{73E01F3D-9443-4245-95D3-CC2E9FD03B00}" type="presOf" srcId="{802CE547-B90E-4B88-AACF-ACD163C255C7}" destId="{210698F5-CF27-4953-810C-44A846F5EE01}" srcOrd="0" destOrd="0" presId="urn:microsoft.com/office/officeart/2008/layout/NameandTitleOrganizationalChart"/>
-    <dgm:cxn modelId="{1CA00D58-DB79-4102-8EF0-FA29AAFEE530}" type="presOf" srcId="{C381DC0C-EA1F-47A3-B1C4-DC68E9EBDF15}" destId="{970DF215-3A69-44D5-BB4D-176CA6265961}" srcOrd="0" destOrd="0" presId="urn:microsoft.com/office/officeart/2008/layout/NameandTitleOrganizationalChart"/>
-    <dgm:cxn modelId="{870C820E-95E0-4564-B744-81B585F9770F}" srcId="{980D0C64-4394-4C8B-A1BC-39DF94FFA6DB}" destId="{7AF5185A-5523-4D7E-B3D1-8CEEAA432599}" srcOrd="2" destOrd="0" parTransId="{71C0EDDB-EE97-4D08-943E-561E913F3984}" sibTransId="{802CE547-B90E-4B88-AACF-ACD163C255C7}"/>
-    <dgm:cxn modelId="{844D7632-8CCC-4653-B945-D0645F5574FA}" type="presOf" srcId="{BD78AC86-9D6C-4EE3-8941-88131E7E33B7}" destId="{09D50221-D678-4A08-84F0-EE7F73877653}" srcOrd="0" destOrd="0" presId="urn:microsoft.com/office/officeart/2008/layout/NameandTitleOrganizationalChart"/>
-    <dgm:cxn modelId="{70C8D1A5-E74D-4211-AB8F-475AC1C1657C}" type="presOf" srcId="{9AA9956D-2E85-42B1-B1DF-C7DF617A4910}" destId="{3FFAD54F-CDF3-4EAB-939A-CD11D5B7CEF4}" srcOrd="1" destOrd="0" presId="urn:microsoft.com/office/officeart/2008/layout/NameandTitleOrganizationalChart"/>
-    <dgm:cxn modelId="{6A74C98F-76CD-4AB8-B4B5-DD56D815E3CD}" type="presOf" srcId="{71C0EDDB-EE97-4D08-943E-561E913F3984}" destId="{EC9CC648-36AF-46A2-8311-685C7A41B586}" srcOrd="0" destOrd="0" presId="urn:microsoft.com/office/officeart/2008/layout/NameandTitleOrganizationalChart"/>
-    <dgm:cxn modelId="{2B2B2D16-A693-44B6-A3DF-54D894B2C5C8}" type="presOf" srcId="{7AF5185A-5523-4D7E-B3D1-8CEEAA432599}" destId="{7540C2E7-48D2-4EE8-87C4-B1638895265C}" srcOrd="0" destOrd="0" presId="urn:microsoft.com/office/officeart/2008/layout/NameandTitleOrganizationalChart"/>
-    <dgm:cxn modelId="{F8301EEA-56D9-488F-BA91-B15BBF546BCA}" type="presOf" srcId="{8729791E-CB25-4F2C-AA14-571ACA173FF6}" destId="{46A4E0A7-4562-4581-99C8-7A4810A1D356}" srcOrd="0" destOrd="0" presId="urn:microsoft.com/office/officeart/2008/layout/NameandTitleOrganizationalChart"/>
-    <dgm:cxn modelId="{D5F4E9DD-8EEC-4E2C-A4CE-85DF7F19384F}" type="presOf" srcId="{980D0C64-4394-4C8B-A1BC-39DF94FFA6DB}" destId="{C61E91A9-AF0A-4AA8-B087-498BC119B802}" srcOrd="0" destOrd="0" presId="urn:microsoft.com/office/officeart/2008/layout/NameandTitleOrganizationalChart"/>
     <dgm:cxn modelId="{BE33FD81-DCE3-40DA-A958-1F35B23A0A56}" type="presParOf" srcId="{46A4E0A7-4562-4581-99C8-7A4810A1D356}" destId="{1AF87F15-4EE6-419E-9E47-1BD867C82FBA}" srcOrd="0" destOrd="0" presId="urn:microsoft.com/office/officeart/2008/layout/NameandTitleOrganizationalChart"/>
     <dgm:cxn modelId="{0A47D3EB-4B9F-4A04-8608-09EAE98D9BAA}" type="presParOf" srcId="{1AF87F15-4EE6-419E-9E47-1BD867C82FBA}" destId="{E6AB4F3E-0495-4B02-BCF9-61479382FC46}" srcOrd="0" destOrd="0" presId="urn:microsoft.com/office/officeart/2008/layout/NameandTitleOrganizationalChart"/>
     <dgm:cxn modelId="{AF9C5CB4-6129-4C70-AAD5-640592DAC70F}" type="presParOf" srcId="{E6AB4F3E-0495-4B02-BCF9-61479382FC46}" destId="{C61E91A9-AF0A-4AA8-B087-498BC119B802}" srcOrd="0" destOrd="0" presId="urn:microsoft.com/office/officeart/2008/layout/NameandTitleOrganizationalChart"/>
@@ -3681,10 +3594,9 @@
         <a:lstStyle/>
         <a:p>
           <a:r>
-            <a:rPr lang="de-DE" dirty="0" smtClean="0"/>
+            <a:rPr lang="de-DE" dirty="0"/>
             <a:t>SWOT</a:t>
           </a:r>
-          <a:endParaRPr lang="de-DE" dirty="0"/>
         </a:p>
       </dgm:t>
     </dgm:pt>
@@ -3719,7 +3631,7 @@
         <a:p>
           <a:pPr algn="ctr"/>
           <a:r>
-            <a:rPr lang="de-DE" dirty="0" smtClean="0">
+            <a:rPr lang="de-DE" dirty="0">
               <a:solidFill>
                 <a:schemeClr val="tx1"/>
               </a:solidFill>
@@ -3730,17 +3642,16 @@
         <a:p>
           <a:pPr algn="ctr"/>
           <a:r>
-            <a:rPr lang="de-DE" dirty="0" smtClean="0"/>
+            <a:rPr lang="de-DE" dirty="0"/>
             <a:t>Teamfähigkeit</a:t>
           </a:r>
         </a:p>
         <a:p>
           <a:pPr algn="ctr"/>
           <a:r>
-            <a:rPr lang="de-DE" dirty="0" smtClean="0"/>
+            <a:rPr lang="de-DE" dirty="0"/>
             <a:t>Exakte Ausarbeitung des Konzepts</a:t>
           </a:r>
-          <a:endParaRPr lang="de-DE" dirty="0"/>
         </a:p>
       </dgm:t>
     </dgm:pt>
@@ -3774,7 +3685,7 @@
         <a:lstStyle/>
         <a:p>
           <a:r>
-            <a:rPr lang="de-DE" dirty="0" smtClean="0">
+            <a:rPr lang="de-DE" dirty="0">
               <a:solidFill>
                 <a:schemeClr val="tx1"/>
               </a:solidFill>
@@ -3784,16 +3695,15 @@
         </a:p>
         <a:p>
           <a:r>
-            <a:rPr lang="de-DE" dirty="0" smtClean="0"/>
+            <a:rPr lang="de-DE" dirty="0"/>
             <a:t>Räumliche Trennung</a:t>
           </a:r>
         </a:p>
         <a:p>
           <a:r>
-            <a:rPr lang="de-DE" dirty="0" smtClean="0"/>
+            <a:rPr lang="de-DE" dirty="0"/>
             <a:t>Hohe Diskussionsbereitschaft</a:t>
           </a:r>
-          <a:endParaRPr lang="de-DE" dirty="0"/>
         </a:p>
       </dgm:t>
     </dgm:pt>
@@ -3827,7 +3737,7 @@
         <a:lstStyle/>
         <a:p>
           <a:r>
-            <a:rPr lang="de-DE" dirty="0" smtClean="0">
+            <a:rPr lang="de-DE" dirty="0">
               <a:solidFill>
                 <a:schemeClr val="tx1"/>
               </a:solidFill>
@@ -3837,12 +3747,12 @@
         </a:p>
         <a:p>
           <a:r>
-            <a:rPr lang="de-DE" dirty="0" smtClean="0"/>
+            <a:rPr lang="de-DE" dirty="0"/>
             <a:t>Frühzeitige Vollendung des Projekts</a:t>
           </a:r>
         </a:p>
         <a:p>
-          <a:endParaRPr lang="de-DE" dirty="0" smtClean="0"/>
+          <a:endParaRPr lang="de-DE" dirty="0"/>
         </a:p>
         <a:p>
           <a:endParaRPr lang="de-DE" dirty="0"/>
@@ -3879,7 +3789,7 @@
         <a:lstStyle/>
         <a:p>
           <a:r>
-            <a:rPr lang="de-DE" dirty="0" smtClean="0">
+            <a:rPr lang="de-DE" dirty="0">
               <a:solidFill>
                 <a:schemeClr val="tx1"/>
               </a:solidFill>
@@ -3889,12 +3799,19 @@
         </a:p>
         <a:p>
           <a:r>
-            <a:rPr lang="de-DE" dirty="0" smtClean="0"/>
+            <a:rPr lang="de-DE" dirty="0"/>
             <a:t>Ablehnung des Projektantrags</a:t>
+          </a:r>
+          <a:br>
+            <a:rPr lang="de-DE" dirty="0"/>
+          </a:br>
+          <a:r>
+            <a:rPr lang="de-DE" dirty="0"/>
+            <a:t>Zeit</a:t>
           </a:r>
         </a:p>
         <a:p>
-          <a:endParaRPr lang="de-DE" dirty="0" smtClean="0"/>
+          <a:endParaRPr lang="de-DE" dirty="0"/>
         </a:p>
         <a:p>
           <a:endParaRPr lang="de-DE" dirty="0"/>
@@ -3941,13 +3858,6 @@
     <dgm:pt modelId="{E1A3A14D-54F4-45C0-B078-DDF782A8119D}" type="pres">
       <dgm:prSet presAssocID="{BFEB1832-6ABC-447A-97A0-24D26829B789}" presName="tile1" presStyleLbl="node1" presStyleIdx="0" presStyleCnt="4" custLinFactNeighborX="0" custLinFactNeighborY="-1681"/>
       <dgm:spPr/>
-      <dgm:t>
-        <a:bodyPr/>
-        <a:lstStyle/>
-        <a:p>
-          <a:endParaRPr lang="de-DE"/>
-        </a:p>
-      </dgm:t>
     </dgm:pt>
     <dgm:pt modelId="{2DCB97BC-DC5E-4E37-9E22-001623929BF6}" type="pres">
       <dgm:prSet presAssocID="{BFEB1832-6ABC-447A-97A0-24D26829B789}" presName="tile1text" presStyleLbl="node1" presStyleIdx="0" presStyleCnt="4">
@@ -3958,24 +3868,10 @@
         </dgm:presLayoutVars>
       </dgm:prSet>
       <dgm:spPr/>
-      <dgm:t>
-        <a:bodyPr/>
-        <a:lstStyle/>
-        <a:p>
-          <a:endParaRPr lang="de-DE"/>
-        </a:p>
-      </dgm:t>
     </dgm:pt>
     <dgm:pt modelId="{814FA299-88E1-4EF5-A64E-227730F8666D}" type="pres">
       <dgm:prSet presAssocID="{BFEB1832-6ABC-447A-97A0-24D26829B789}" presName="tile2" presStyleLbl="node1" presStyleIdx="1" presStyleCnt="4"/>
       <dgm:spPr/>
-      <dgm:t>
-        <a:bodyPr/>
-        <a:lstStyle/>
-        <a:p>
-          <a:endParaRPr lang="de-DE"/>
-        </a:p>
-      </dgm:t>
     </dgm:pt>
     <dgm:pt modelId="{D116C8AB-72D7-493C-A1D2-0C35B7C94108}" type="pres">
       <dgm:prSet presAssocID="{BFEB1832-6ABC-447A-97A0-24D26829B789}" presName="tile2text" presStyleLbl="node1" presStyleIdx="1" presStyleCnt="4">
@@ -3986,24 +3882,10 @@
         </dgm:presLayoutVars>
       </dgm:prSet>
       <dgm:spPr/>
-      <dgm:t>
-        <a:bodyPr/>
-        <a:lstStyle/>
-        <a:p>
-          <a:endParaRPr lang="de-DE"/>
-        </a:p>
-      </dgm:t>
     </dgm:pt>
     <dgm:pt modelId="{B79ED8F0-743A-4797-84D7-CB4163DC4E67}" type="pres">
       <dgm:prSet presAssocID="{BFEB1832-6ABC-447A-97A0-24D26829B789}" presName="tile3" presStyleLbl="node1" presStyleIdx="2" presStyleCnt="4" custLinFactNeighborX="-6087" custLinFactNeighborY="1261"/>
       <dgm:spPr/>
-      <dgm:t>
-        <a:bodyPr/>
-        <a:lstStyle/>
-        <a:p>
-          <a:endParaRPr lang="de-DE"/>
-        </a:p>
-      </dgm:t>
     </dgm:pt>
     <dgm:pt modelId="{1D51D28D-149C-4869-9E6F-AED50CAD4B20}" type="pres">
       <dgm:prSet presAssocID="{BFEB1832-6ABC-447A-97A0-24D26829B789}" presName="tile3text" presStyleLbl="node1" presStyleIdx="2" presStyleCnt="4">
@@ -4014,24 +3896,10 @@
         </dgm:presLayoutVars>
       </dgm:prSet>
       <dgm:spPr/>
-      <dgm:t>
-        <a:bodyPr/>
-        <a:lstStyle/>
-        <a:p>
-          <a:endParaRPr lang="de-DE"/>
-        </a:p>
-      </dgm:t>
     </dgm:pt>
     <dgm:pt modelId="{AAFD4529-CF99-4B55-9CE3-D6175EF566A5}" type="pres">
       <dgm:prSet presAssocID="{BFEB1832-6ABC-447A-97A0-24D26829B789}" presName="tile4" presStyleLbl="node1" presStyleIdx="3" presStyleCnt="4"/>
       <dgm:spPr/>
-      <dgm:t>
-        <a:bodyPr/>
-        <a:lstStyle/>
-        <a:p>
-          <a:endParaRPr lang="de-DE"/>
-        </a:p>
-      </dgm:t>
     </dgm:pt>
     <dgm:pt modelId="{2BBEEC9E-1E57-4B36-97A7-60013864A66F}" type="pres">
       <dgm:prSet presAssocID="{BFEB1832-6ABC-447A-97A0-24D26829B789}" presName="tile4text" presStyleLbl="node1" presStyleIdx="3" presStyleCnt="4">
@@ -4042,13 +3910,6 @@
         </dgm:presLayoutVars>
       </dgm:prSet>
       <dgm:spPr/>
-      <dgm:t>
-        <a:bodyPr/>
-        <a:lstStyle/>
-        <a:p>
-          <a:endParaRPr lang="de-DE"/>
-        </a:p>
-      </dgm:t>
     </dgm:pt>
     <dgm:pt modelId="{F58229AE-7E1A-42A1-AFE9-1EE806ECC846}" type="pres">
       <dgm:prSet presAssocID="{BFEB1832-6ABC-447A-97A0-24D26829B789}" presName="centerTile" presStyleLbl="fgShp" presStyleIdx="0" presStyleCnt="1">
@@ -4235,7 +4096,7 @@
         </a:bodyPr>
         <a:lstStyle/>
         <a:p>
-          <a:pPr lvl="0" algn="l" defTabSz="577850">
+          <a:pPr marL="0" lvl="0" indent="0" algn="l" defTabSz="577850">
             <a:lnSpc>
               <a:spcPct val="90000"/>
             </a:lnSpc>
@@ -4245,6 +4106,7 @@
             <a:spcAft>
               <a:spcPct val="35000"/>
             </a:spcAft>
+            <a:buNone/>
           </a:pPr>
           <a:r>
             <a:rPr lang="de-DE" sz="1300" kern="1200" dirty="0"/>
@@ -4262,7 +4124,7 @@
             <a:spcAft>
               <a:spcPct val="15000"/>
             </a:spcAft>
-            <a:buChar char="••"/>
+            <a:buChar char="•"/>
           </a:pPr>
           <a:r>
             <a:rPr lang="de-DE" sz="1000" kern="1200" dirty="0"/>
@@ -4280,7 +4142,7 @@
             <a:spcAft>
               <a:spcPct val="15000"/>
             </a:spcAft>
-            <a:buChar char="••"/>
+            <a:buChar char="•"/>
           </a:pPr>
           <a:r>
             <a:rPr lang="de-DE" sz="1000" kern="1200" dirty="0"/>
@@ -4298,7 +4160,7 @@
             <a:spcAft>
               <a:spcPct val="15000"/>
             </a:spcAft>
-            <a:buChar char="••"/>
+            <a:buChar char="•"/>
           </a:pPr>
           <a:r>
             <a:rPr lang="de-DE" sz="1000" kern="1200" dirty="0" err="1"/>
@@ -4402,7 +4264,7 @@
         </a:bodyPr>
         <a:lstStyle/>
         <a:p>
-          <a:pPr lvl="0" algn="l" defTabSz="577850">
+          <a:pPr marL="0" lvl="0" indent="0" algn="l" defTabSz="577850">
             <a:lnSpc>
               <a:spcPct val="90000"/>
             </a:lnSpc>
@@ -4412,6 +4274,7 @@
             <a:spcAft>
               <a:spcPct val="35000"/>
             </a:spcAft>
+            <a:buNone/>
           </a:pPr>
           <a:r>
             <a:rPr lang="de-DE" sz="1300" kern="1200" dirty="0"/>
@@ -4429,7 +4292,7 @@
             <a:spcAft>
               <a:spcPct val="15000"/>
             </a:spcAft>
-            <a:buChar char="••"/>
+            <a:buChar char="•"/>
           </a:pPr>
           <a:r>
             <a:rPr lang="de-DE" sz="1000" kern="1200" dirty="0"/>
@@ -4447,7 +4310,7 @@
             <a:spcAft>
               <a:spcPct val="15000"/>
             </a:spcAft>
-            <a:buChar char="••"/>
+            <a:buChar char="•"/>
           </a:pPr>
           <a:r>
             <a:rPr lang="de-DE" sz="1000" kern="1200" dirty="0"/>
@@ -4547,7 +4410,7 @@
         </a:bodyPr>
         <a:lstStyle/>
         <a:p>
-          <a:pPr lvl="0" algn="l" defTabSz="577850">
+          <a:pPr marL="0" lvl="0" indent="0" algn="l" defTabSz="577850">
             <a:lnSpc>
               <a:spcPct val="90000"/>
             </a:lnSpc>
@@ -4557,6 +4420,7 @@
             <a:spcAft>
               <a:spcPct val="35000"/>
             </a:spcAft>
+            <a:buNone/>
           </a:pPr>
           <a:r>
             <a:rPr lang="de-DE" sz="1300" kern="1200" dirty="0"/>
@@ -4574,7 +4438,7 @@
             <a:spcAft>
               <a:spcPct val="15000"/>
             </a:spcAft>
-            <a:buChar char="••"/>
+            <a:buChar char="•"/>
           </a:pPr>
           <a:r>
             <a:rPr lang="de-DE" sz="1000" kern="1200" dirty="0"/>
@@ -4592,7 +4456,7 @@
             <a:spcAft>
               <a:spcPct val="15000"/>
             </a:spcAft>
-            <a:buChar char="••"/>
+            <a:buChar char="•"/>
           </a:pPr>
           <a:r>
             <a:rPr lang="de-DE" sz="1000" kern="1200" dirty="0"/>
@@ -4610,7 +4474,7 @@
             <a:spcAft>
               <a:spcPct val="15000"/>
             </a:spcAft>
-            <a:buChar char="••"/>
+            <a:buChar char="•"/>
           </a:pPr>
           <a:r>
             <a:rPr lang="de-DE" sz="1000" kern="1200" dirty="0"/>
@@ -4710,7 +4574,7 @@
         </a:bodyPr>
         <a:lstStyle/>
         <a:p>
-          <a:pPr lvl="0" algn="l" defTabSz="577850">
+          <a:pPr marL="0" lvl="0" indent="0" algn="l" defTabSz="577850">
             <a:lnSpc>
               <a:spcPct val="90000"/>
             </a:lnSpc>
@@ -4720,6 +4584,7 @@
             <a:spcAft>
               <a:spcPct val="35000"/>
             </a:spcAft>
+            <a:buNone/>
           </a:pPr>
           <a:r>
             <a:rPr lang="de-DE" sz="1300" kern="1200" dirty="0"/>
@@ -4737,7 +4602,7 @@
             <a:spcAft>
               <a:spcPct val="15000"/>
             </a:spcAft>
-            <a:buChar char="••"/>
+            <a:buChar char="•"/>
           </a:pPr>
           <a:r>
             <a:rPr lang="de-DE" sz="1000" kern="1200" dirty="0"/>
@@ -4837,7 +4702,7 @@
         </a:bodyPr>
         <a:lstStyle/>
         <a:p>
-          <a:pPr lvl="0" algn="l" defTabSz="577850">
+          <a:pPr marL="0" lvl="0" indent="0" algn="l" defTabSz="577850">
             <a:lnSpc>
               <a:spcPct val="90000"/>
             </a:lnSpc>
@@ -4847,6 +4712,7 @@
             <a:spcAft>
               <a:spcPct val="35000"/>
             </a:spcAft>
+            <a:buNone/>
           </a:pPr>
           <a:r>
             <a:rPr lang="de-DE" sz="1300" kern="1200" dirty="0"/>
@@ -4864,7 +4730,7 @@
             <a:spcAft>
               <a:spcPct val="15000"/>
             </a:spcAft>
-            <a:buChar char="••"/>
+            <a:buChar char="•"/>
           </a:pPr>
           <a:r>
             <a:rPr lang="de-DE" sz="1000" kern="1200" dirty="0"/>
@@ -5192,7 +5058,7 @@
         </a:bodyPr>
         <a:lstStyle/>
         <a:p>
-          <a:pPr lvl="0" algn="ctr" defTabSz="844550">
+          <a:pPr marL="0" lvl="0" indent="0" algn="ctr" defTabSz="844550">
             <a:lnSpc>
               <a:spcPct val="90000"/>
             </a:lnSpc>
@@ -5202,12 +5068,12 @@
             <a:spcAft>
               <a:spcPct val="35000"/>
             </a:spcAft>
+            <a:buNone/>
           </a:pPr>
           <a:r>
-            <a:rPr lang="de-DE" sz="1900" kern="1200" dirty="0" smtClean="0"/>
+            <a:rPr lang="de-DE" sz="1900" kern="1200" dirty="0"/>
             <a:t>Projektleiter</a:t>
           </a:r>
-          <a:endParaRPr lang="de-DE" sz="1900" kern="1200" dirty="0"/>
         </a:p>
       </dsp:txBody>
       <dsp:txXfrm>
@@ -5269,7 +5135,7 @@
         </a:bodyPr>
         <a:lstStyle/>
         <a:p>
-          <a:pPr lvl="0" algn="r" defTabSz="666750">
+          <a:pPr marL="0" lvl="0" indent="0" algn="r" defTabSz="666750">
             <a:lnSpc>
               <a:spcPct val="90000"/>
             </a:lnSpc>
@@ -5279,12 +5145,12 @@
             <a:spcAft>
               <a:spcPct val="35000"/>
             </a:spcAft>
+            <a:buNone/>
           </a:pPr>
           <a:r>
-            <a:rPr lang="de-DE" sz="1500" kern="1200" dirty="0" smtClean="0"/>
+            <a:rPr lang="de-DE" sz="1500" kern="1200" dirty="0"/>
             <a:t>Delegiert Aufgaben an</a:t>
           </a:r>
-          <a:endParaRPr lang="de-DE" sz="1500" kern="1200" dirty="0"/>
         </a:p>
       </dsp:txBody>
       <dsp:txXfrm>
@@ -5347,7 +5213,7 @@
         </a:bodyPr>
         <a:lstStyle/>
         <a:p>
-          <a:pPr lvl="0" algn="ctr" defTabSz="844550">
+          <a:pPr marL="0" lvl="0" indent="0" algn="ctr" defTabSz="844550">
             <a:lnSpc>
               <a:spcPct val="90000"/>
             </a:lnSpc>
@@ -5357,12 +5223,12 @@
             <a:spcAft>
               <a:spcPct val="35000"/>
             </a:spcAft>
+            <a:buNone/>
           </a:pPr>
           <a:r>
-            <a:rPr lang="de-DE" sz="1900" kern="1200" dirty="0" smtClean="0"/>
+            <a:rPr lang="de-DE" sz="1900" kern="1200" dirty="0"/>
             <a:t>Projektkoordinator</a:t>
           </a:r>
-          <a:endParaRPr lang="de-DE" sz="1900" kern="1200" dirty="0"/>
         </a:p>
       </dsp:txBody>
       <dsp:txXfrm>
@@ -5424,7 +5290,7 @@
         </a:bodyPr>
         <a:lstStyle/>
         <a:p>
-          <a:pPr lvl="0" algn="r" defTabSz="488950">
+          <a:pPr marL="0" lvl="0" indent="0" algn="r" defTabSz="488950">
             <a:lnSpc>
               <a:spcPct val="90000"/>
             </a:lnSpc>
@@ -5434,12 +5300,12 @@
             <a:spcAft>
               <a:spcPct val="35000"/>
             </a:spcAft>
+            <a:buNone/>
           </a:pPr>
           <a:r>
-            <a:rPr lang="de-DE" sz="1100" kern="1200" dirty="0" smtClean="0"/>
+            <a:rPr lang="de-DE" sz="1100" kern="1200" dirty="0"/>
             <a:t>Meldet abgeschlossene Aufgaben zurück</a:t>
           </a:r>
-          <a:endParaRPr lang="de-DE" sz="1100" kern="1200" dirty="0"/>
         </a:p>
       </dsp:txBody>
       <dsp:txXfrm>
@@ -5502,7 +5368,7 @@
         </a:bodyPr>
         <a:lstStyle/>
         <a:p>
-          <a:pPr lvl="0" algn="ctr" defTabSz="844550">
+          <a:pPr marL="0" lvl="0" indent="0" algn="ctr" defTabSz="844550">
             <a:lnSpc>
               <a:spcPct val="90000"/>
             </a:lnSpc>
@@ -5512,12 +5378,12 @@
             <a:spcAft>
               <a:spcPct val="35000"/>
             </a:spcAft>
+            <a:buNone/>
           </a:pPr>
           <a:r>
-            <a:rPr lang="de-DE" sz="1900" kern="1200" dirty="0" smtClean="0"/>
+            <a:rPr lang="de-DE" sz="1900" kern="1200" dirty="0"/>
             <a:t>Datenbankdesigner</a:t>
           </a:r>
-          <a:endParaRPr lang="de-DE" sz="1900" kern="1200" dirty="0"/>
         </a:p>
       </dsp:txBody>
       <dsp:txXfrm>
@@ -5579,7 +5445,7 @@
         </a:bodyPr>
         <a:lstStyle/>
         <a:p>
-          <a:pPr lvl="0" algn="r" defTabSz="488950">
+          <a:pPr marL="0" lvl="0" indent="0" algn="r" defTabSz="488950">
             <a:lnSpc>
               <a:spcPct val="90000"/>
             </a:lnSpc>
@@ -5589,12 +5455,12 @@
             <a:spcAft>
               <a:spcPct val="35000"/>
             </a:spcAft>
+            <a:buNone/>
           </a:pPr>
           <a:r>
-            <a:rPr lang="de-DE" sz="1100" kern="1200" dirty="0" smtClean="0"/>
+            <a:rPr lang="de-DE" sz="1100" kern="1200" dirty="0"/>
             <a:t>Meldet abgeschlossene Aufgaben zurück</a:t>
           </a:r>
-          <a:endParaRPr lang="de-DE" sz="1100" kern="1200" dirty="0"/>
         </a:p>
       </dsp:txBody>
       <dsp:txXfrm>
@@ -5657,7 +5523,7 @@
         </a:bodyPr>
         <a:lstStyle/>
         <a:p>
-          <a:pPr lvl="0" algn="ctr" defTabSz="844550">
+          <a:pPr marL="0" lvl="0" indent="0" algn="ctr" defTabSz="844550">
             <a:lnSpc>
               <a:spcPct val="90000"/>
             </a:lnSpc>
@@ -5667,12 +5533,12 @@
             <a:spcAft>
               <a:spcPct val="35000"/>
             </a:spcAft>
+            <a:buNone/>
           </a:pPr>
           <a:r>
-            <a:rPr lang="de-DE" sz="1900" kern="1200" dirty="0" smtClean="0"/>
+            <a:rPr lang="de-DE" sz="1900" kern="1200" dirty="0"/>
             <a:t>Webdesigner</a:t>
           </a:r>
-          <a:endParaRPr lang="de-DE" sz="1900" kern="1200" dirty="0"/>
         </a:p>
       </dsp:txBody>
       <dsp:txXfrm>
@@ -5734,7 +5600,7 @@
         </a:bodyPr>
         <a:lstStyle/>
         <a:p>
-          <a:pPr lvl="0" algn="r" defTabSz="488950">
+          <a:pPr marL="0" lvl="0" indent="0" algn="r" defTabSz="488950">
             <a:lnSpc>
               <a:spcPct val="90000"/>
             </a:lnSpc>
@@ -5744,12 +5610,12 @@
             <a:spcAft>
               <a:spcPct val="35000"/>
             </a:spcAft>
+            <a:buNone/>
           </a:pPr>
           <a:r>
-            <a:rPr lang="de-DE" sz="1100" kern="1200" dirty="0" smtClean="0"/>
+            <a:rPr lang="de-DE" sz="1100" kern="1200" dirty="0"/>
             <a:t>Meldet abgeschlossene Aufgaben zurück</a:t>
           </a:r>
-          <a:endParaRPr lang="de-DE" sz="1100" kern="1200" dirty="0"/>
         </a:p>
       </dsp:txBody>
       <dsp:txXfrm>
@@ -5812,7 +5678,7 @@
         </a:bodyPr>
         <a:lstStyle/>
         <a:p>
-          <a:pPr lvl="0" algn="ctr" defTabSz="844550">
+          <a:pPr marL="0" lvl="0" indent="0" algn="ctr" defTabSz="844550">
             <a:lnSpc>
               <a:spcPct val="90000"/>
             </a:lnSpc>
@@ -5822,12 +5688,12 @@
             <a:spcAft>
               <a:spcPct val="35000"/>
             </a:spcAft>
+            <a:buNone/>
           </a:pPr>
           <a:r>
-            <a:rPr lang="de-DE" sz="1900" kern="1200" dirty="0" smtClean="0"/>
+            <a:rPr lang="de-DE" sz="1900" kern="1200" dirty="0"/>
             <a:t>Programmierer</a:t>
           </a:r>
-          <a:endParaRPr lang="de-DE" sz="1900" kern="1200" dirty="0"/>
         </a:p>
       </dsp:txBody>
       <dsp:txXfrm>
@@ -5889,7 +5755,7 @@
         </a:bodyPr>
         <a:lstStyle/>
         <a:p>
-          <a:pPr lvl="0" algn="r" defTabSz="488950">
+          <a:pPr marL="0" lvl="0" indent="0" algn="r" defTabSz="488950">
             <a:lnSpc>
               <a:spcPct val="90000"/>
             </a:lnSpc>
@@ -5899,12 +5765,12 @@
             <a:spcAft>
               <a:spcPct val="35000"/>
             </a:spcAft>
+            <a:buNone/>
           </a:pPr>
           <a:r>
-            <a:rPr lang="de-DE" sz="1100" kern="1200" dirty="0" smtClean="0"/>
+            <a:rPr lang="de-DE" sz="1100" kern="1200" dirty="0"/>
             <a:t>Meldet abgeschlossene Aufgaben zurück</a:t>
           </a:r>
-          <a:endParaRPr lang="de-DE" sz="1100" kern="1200" dirty="0"/>
         </a:p>
       </dsp:txBody>
       <dsp:txXfrm>
@@ -5974,12 +5840,12 @@
         </a:fontRef>
       </dsp:style>
       <dsp:txBody>
-        <a:bodyPr spcFirstLastPara="0" vert="horz" wrap="square" lIns="128016" tIns="128016" rIns="128016" bIns="128016" numCol="1" spcCol="1270" anchor="ctr" anchorCtr="0">
+        <a:bodyPr spcFirstLastPara="0" vert="horz" wrap="square" lIns="113792" tIns="113792" rIns="113792" bIns="113792" numCol="1" spcCol="1270" anchor="ctr" anchorCtr="0">
           <a:noAutofit/>
         </a:bodyPr>
         <a:lstStyle/>
         <a:p>
-          <a:pPr lvl="0" algn="ctr" defTabSz="800100">
+          <a:pPr marL="0" lvl="0" indent="0" algn="ctr" defTabSz="711200">
             <a:lnSpc>
               <a:spcPct val="90000"/>
             </a:lnSpc>
@@ -5989,9 +5855,10 @@
             <a:spcAft>
               <a:spcPct val="35000"/>
             </a:spcAft>
+            <a:buNone/>
           </a:pPr>
           <a:r>
-            <a:rPr lang="de-DE" sz="1800" kern="1200" dirty="0" smtClean="0">
+            <a:rPr lang="de-DE" sz="1600" kern="1200" dirty="0">
               <a:solidFill>
                 <a:schemeClr val="tx1"/>
               </a:solidFill>
@@ -6000,7 +5867,7 @@
           </a:r>
         </a:p>
         <a:p>
-          <a:pPr lvl="0" algn="ctr" defTabSz="800100">
+          <a:pPr marL="0" lvl="0" indent="0" algn="ctr" defTabSz="711200">
             <a:lnSpc>
               <a:spcPct val="90000"/>
             </a:lnSpc>
@@ -6010,14 +5877,15 @@
             <a:spcAft>
               <a:spcPct val="35000"/>
             </a:spcAft>
+            <a:buNone/>
           </a:pPr>
           <a:r>
-            <a:rPr lang="de-DE" sz="1800" kern="1200" dirty="0" smtClean="0"/>
+            <a:rPr lang="de-DE" sz="1600" kern="1200" dirty="0"/>
             <a:t>Teamfähigkeit</a:t>
           </a:r>
         </a:p>
         <a:p>
-          <a:pPr lvl="0" algn="ctr" defTabSz="800100">
+          <a:pPr marL="0" lvl="0" indent="0" algn="ctr" defTabSz="711200">
             <a:lnSpc>
               <a:spcPct val="90000"/>
             </a:lnSpc>
@@ -6027,12 +5895,12 @@
             <a:spcAft>
               <a:spcPct val="35000"/>
             </a:spcAft>
+            <a:buNone/>
           </a:pPr>
           <a:r>
-            <a:rPr lang="de-DE" sz="1800" kern="1200" dirty="0" smtClean="0"/>
+            <a:rPr lang="de-DE" sz="1600" kern="1200" dirty="0"/>
             <a:t>Exakte Ausarbeitung des Konzepts</a:t>
           </a:r>
-          <a:endParaRPr lang="de-DE" sz="1800" kern="1200" dirty="0"/>
         </a:p>
       </dsp:txBody>
       <dsp:txXfrm rot="5400000">
@@ -6090,12 +5958,12 @@
         </a:fontRef>
       </dsp:style>
       <dsp:txBody>
-        <a:bodyPr spcFirstLastPara="0" vert="horz" wrap="square" lIns="128016" tIns="128016" rIns="128016" bIns="128016" numCol="1" spcCol="1270" anchor="ctr" anchorCtr="0">
+        <a:bodyPr spcFirstLastPara="0" vert="horz" wrap="square" lIns="113792" tIns="113792" rIns="113792" bIns="113792" numCol="1" spcCol="1270" anchor="ctr" anchorCtr="0">
           <a:noAutofit/>
         </a:bodyPr>
         <a:lstStyle/>
         <a:p>
-          <a:pPr lvl="0" algn="ctr" defTabSz="800100">
+          <a:pPr marL="0" lvl="0" indent="0" algn="ctr" defTabSz="711200">
             <a:lnSpc>
               <a:spcPct val="90000"/>
             </a:lnSpc>
@@ -6105,9 +5973,10 @@
             <a:spcAft>
               <a:spcPct val="35000"/>
             </a:spcAft>
+            <a:buNone/>
           </a:pPr>
           <a:r>
-            <a:rPr lang="de-DE" sz="1800" kern="1200" dirty="0" smtClean="0">
+            <a:rPr lang="de-DE" sz="1600" kern="1200" dirty="0">
               <a:solidFill>
                 <a:schemeClr val="tx1"/>
               </a:solidFill>
@@ -6116,7 +5985,7 @@
           </a:r>
         </a:p>
         <a:p>
-          <a:pPr lvl="0" algn="ctr" defTabSz="800100">
+          <a:pPr marL="0" lvl="0" indent="0" algn="ctr" defTabSz="711200">
             <a:lnSpc>
               <a:spcPct val="90000"/>
             </a:lnSpc>
@@ -6126,14 +5995,15 @@
             <a:spcAft>
               <a:spcPct val="35000"/>
             </a:spcAft>
+            <a:buNone/>
           </a:pPr>
           <a:r>
-            <a:rPr lang="de-DE" sz="1800" kern="1200" dirty="0" smtClean="0"/>
+            <a:rPr lang="de-DE" sz="1600" kern="1200" dirty="0"/>
             <a:t>Räumliche Trennung</a:t>
           </a:r>
         </a:p>
         <a:p>
-          <a:pPr lvl="0" algn="ctr" defTabSz="800100">
+          <a:pPr marL="0" lvl="0" indent="0" algn="ctr" defTabSz="711200">
             <a:lnSpc>
               <a:spcPct val="90000"/>
             </a:lnSpc>
@@ -6143,12 +6013,12 @@
             <a:spcAft>
               <a:spcPct val="35000"/>
             </a:spcAft>
+            <a:buNone/>
           </a:pPr>
           <a:r>
-            <a:rPr lang="de-DE" sz="1800" kern="1200" dirty="0" smtClean="0"/>
+            <a:rPr lang="de-DE" sz="1600" kern="1200" dirty="0"/>
             <a:t>Hohe Diskussionsbereitschaft</a:t>
           </a:r>
-          <a:endParaRPr lang="de-DE" sz="1800" kern="1200" dirty="0"/>
         </a:p>
       </dsp:txBody>
       <dsp:txXfrm>
@@ -6206,12 +6076,12 @@
         </a:fontRef>
       </dsp:style>
       <dsp:txBody>
-        <a:bodyPr spcFirstLastPara="0" vert="horz" wrap="square" lIns="128016" tIns="128016" rIns="128016" bIns="128016" numCol="1" spcCol="1270" anchor="ctr" anchorCtr="0">
+        <a:bodyPr spcFirstLastPara="0" vert="horz" wrap="square" lIns="113792" tIns="113792" rIns="113792" bIns="113792" numCol="1" spcCol="1270" anchor="ctr" anchorCtr="0">
           <a:noAutofit/>
         </a:bodyPr>
         <a:lstStyle/>
         <a:p>
-          <a:pPr lvl="0" algn="ctr" defTabSz="800100">
+          <a:pPr marL="0" lvl="0" indent="0" algn="ctr" defTabSz="711200">
             <a:lnSpc>
               <a:spcPct val="90000"/>
             </a:lnSpc>
@@ -6221,9 +6091,10 @@
             <a:spcAft>
               <a:spcPct val="35000"/>
             </a:spcAft>
+            <a:buNone/>
           </a:pPr>
           <a:r>
-            <a:rPr lang="de-DE" sz="1800" kern="1200" dirty="0" smtClean="0">
+            <a:rPr lang="de-DE" sz="1600" kern="1200" dirty="0">
               <a:solidFill>
                 <a:schemeClr val="tx1"/>
               </a:solidFill>
@@ -6232,7 +6103,7 @@
           </a:r>
         </a:p>
         <a:p>
-          <a:pPr lvl="0" algn="ctr" defTabSz="800100">
+          <a:pPr marL="0" lvl="0" indent="0" algn="ctr" defTabSz="711200">
             <a:lnSpc>
               <a:spcPct val="90000"/>
             </a:lnSpc>
@@ -6242,14 +6113,15 @@
             <a:spcAft>
               <a:spcPct val="35000"/>
             </a:spcAft>
+            <a:buNone/>
           </a:pPr>
           <a:r>
-            <a:rPr lang="de-DE" sz="1800" kern="1200" dirty="0" smtClean="0"/>
+            <a:rPr lang="de-DE" sz="1600" kern="1200" dirty="0"/>
             <a:t>Frühzeitige Vollendung des Projekts</a:t>
           </a:r>
         </a:p>
         <a:p>
-          <a:pPr lvl="0" algn="ctr" defTabSz="800100">
+          <a:pPr marL="0" lvl="0" indent="0" algn="ctr" defTabSz="711200">
             <a:lnSpc>
               <a:spcPct val="90000"/>
             </a:lnSpc>
@@ -6259,11 +6131,12 @@
             <a:spcAft>
               <a:spcPct val="35000"/>
             </a:spcAft>
+            <a:buNone/>
           </a:pPr>
-          <a:endParaRPr lang="de-DE" sz="1800" kern="1200" dirty="0" smtClean="0"/>
+          <a:endParaRPr lang="de-DE" sz="1600" kern="1200" dirty="0"/>
         </a:p>
         <a:p>
-          <a:pPr lvl="0" algn="ctr" defTabSz="800100">
+          <a:pPr marL="0" lvl="0" indent="0" algn="ctr" defTabSz="711200">
             <a:lnSpc>
               <a:spcPct val="90000"/>
             </a:lnSpc>
@@ -6273,8 +6146,9 @@
             <a:spcAft>
               <a:spcPct val="35000"/>
             </a:spcAft>
+            <a:buNone/>
           </a:pPr>
-          <a:endParaRPr lang="de-DE" sz="1800" kern="1200" dirty="0"/>
+          <a:endParaRPr lang="de-DE" sz="1600" kern="1200" dirty="0"/>
         </a:p>
       </dsp:txBody>
       <dsp:txXfrm rot="10800000">
@@ -6332,12 +6206,12 @@
         </a:fontRef>
       </dsp:style>
       <dsp:txBody>
-        <a:bodyPr spcFirstLastPara="0" vert="horz" wrap="square" lIns="128016" tIns="128016" rIns="128016" bIns="128016" numCol="1" spcCol="1270" anchor="ctr" anchorCtr="0">
+        <a:bodyPr spcFirstLastPara="0" vert="horz" wrap="square" lIns="113792" tIns="113792" rIns="113792" bIns="113792" numCol="1" spcCol="1270" anchor="ctr" anchorCtr="0">
           <a:noAutofit/>
         </a:bodyPr>
         <a:lstStyle/>
         <a:p>
-          <a:pPr lvl="0" algn="ctr" defTabSz="800100">
+          <a:pPr marL="0" lvl="0" indent="0" algn="ctr" defTabSz="711200">
             <a:lnSpc>
               <a:spcPct val="90000"/>
             </a:lnSpc>
@@ -6347,9 +6221,10 @@
             <a:spcAft>
               <a:spcPct val="35000"/>
             </a:spcAft>
+            <a:buNone/>
           </a:pPr>
           <a:r>
-            <a:rPr lang="de-DE" sz="1800" kern="1200" dirty="0" smtClean="0">
+            <a:rPr lang="de-DE" sz="1600" kern="1200" dirty="0">
               <a:solidFill>
                 <a:schemeClr val="tx1"/>
               </a:solidFill>
@@ -6358,7 +6233,7 @@
           </a:r>
         </a:p>
         <a:p>
-          <a:pPr lvl="0" algn="ctr" defTabSz="800100">
+          <a:pPr marL="0" lvl="0" indent="0" algn="ctr" defTabSz="711200">
             <a:lnSpc>
               <a:spcPct val="90000"/>
             </a:lnSpc>
@@ -6368,14 +6243,22 @@
             <a:spcAft>
               <a:spcPct val="35000"/>
             </a:spcAft>
+            <a:buNone/>
           </a:pPr>
           <a:r>
-            <a:rPr lang="de-DE" sz="1800" kern="1200" dirty="0" smtClean="0"/>
+            <a:rPr lang="de-DE" sz="1600" kern="1200" dirty="0"/>
             <a:t>Ablehnung des Projektantrags</a:t>
+          </a:r>
+          <a:br>
+            <a:rPr lang="de-DE" sz="1600" kern="1200" dirty="0"/>
+          </a:br>
+          <a:r>
+            <a:rPr lang="de-DE" sz="1600" kern="1200" dirty="0"/>
+            <a:t>Zeit</a:t>
           </a:r>
         </a:p>
         <a:p>
-          <a:pPr lvl="0" algn="ctr" defTabSz="800100">
+          <a:pPr marL="0" lvl="0" indent="0" algn="ctr" defTabSz="711200">
             <a:lnSpc>
               <a:spcPct val="90000"/>
             </a:lnSpc>
@@ -6385,11 +6268,12 @@
             <a:spcAft>
               <a:spcPct val="35000"/>
             </a:spcAft>
+            <a:buNone/>
           </a:pPr>
-          <a:endParaRPr lang="de-DE" sz="1800" kern="1200" dirty="0" smtClean="0"/>
+          <a:endParaRPr lang="de-DE" sz="1600" kern="1200" dirty="0"/>
         </a:p>
         <a:p>
-          <a:pPr lvl="0" algn="ctr" defTabSz="800100">
+          <a:pPr marL="0" lvl="0" indent="0" algn="ctr" defTabSz="711200">
             <a:lnSpc>
               <a:spcPct val="90000"/>
             </a:lnSpc>
@@ -6399,8 +6283,9 @@
             <a:spcAft>
               <a:spcPct val="35000"/>
             </a:spcAft>
+            <a:buNone/>
           </a:pPr>
-          <a:endParaRPr lang="de-DE" sz="1800" kern="1200" dirty="0"/>
+          <a:endParaRPr lang="de-DE" sz="1600" kern="1200" dirty="0"/>
         </a:p>
       </dsp:txBody>
       <dsp:txXfrm rot="-5400000">
@@ -6457,12 +6342,12 @@
         <a:fontRef idx="minor"/>
       </dsp:style>
       <dsp:txBody>
-        <a:bodyPr spcFirstLastPara="0" vert="horz" wrap="square" lIns="68580" tIns="68580" rIns="68580" bIns="68580" numCol="1" spcCol="1270" anchor="ctr" anchorCtr="0">
+        <a:bodyPr spcFirstLastPara="0" vert="horz" wrap="square" lIns="60960" tIns="60960" rIns="60960" bIns="60960" numCol="1" spcCol="1270" anchor="ctr" anchorCtr="0">
           <a:noAutofit/>
         </a:bodyPr>
         <a:lstStyle/>
         <a:p>
-          <a:pPr lvl="0" algn="ctr" defTabSz="800100">
+          <a:pPr marL="0" lvl="0" indent="0" algn="ctr" defTabSz="711200">
             <a:lnSpc>
               <a:spcPct val="90000"/>
             </a:lnSpc>
@@ -6472,12 +6357,12 @@
             <a:spcAft>
               <a:spcPct val="35000"/>
             </a:spcAft>
+            <a:buNone/>
           </a:pPr>
           <a:r>
-            <a:rPr lang="de-DE" sz="1800" kern="1200" dirty="0" smtClean="0"/>
+            <a:rPr lang="de-DE" sz="1600" kern="1200" dirty="0"/>
             <a:t>SWOT</a:t>
           </a:r>
-          <a:endParaRPr lang="de-DE" sz="1800" kern="1200" dirty="0"/>
         </a:p>
       </dsp:txBody>
       <dsp:txXfrm>
@@ -12923,7 +12808,7 @@
           <a:p>
             <a:fld id="{C46EAA04-5A0C-4C33-BE06-340CEF9B6FFD}" type="datetimeFigureOut">
               <a:rPr lang="de-DE" smtClean="0"/>
-              <a:t>19.07.2016</a:t>
+              <a:t>21.07.2016</a:t>
             </a:fld>
             <a:endParaRPr lang="de-DE"/>
           </a:p>
@@ -13091,7 +12976,7 @@
           <a:p>
             <a:fld id="{C46EAA04-5A0C-4C33-BE06-340CEF9B6FFD}" type="datetimeFigureOut">
               <a:rPr lang="de-DE" smtClean="0"/>
-              <a:t>19.07.2016</a:t>
+              <a:t>21.07.2016</a:t>
             </a:fld>
             <a:endParaRPr lang="de-DE"/>
           </a:p>
@@ -13269,7 +13154,7 @@
           <a:p>
             <a:fld id="{C46EAA04-5A0C-4C33-BE06-340CEF9B6FFD}" type="datetimeFigureOut">
               <a:rPr lang="de-DE" smtClean="0"/>
-              <a:t>19.07.2016</a:t>
+              <a:t>21.07.2016</a:t>
             </a:fld>
             <a:endParaRPr lang="de-DE"/>
           </a:p>
@@ -13437,7 +13322,7 @@
           <a:p>
             <a:fld id="{C46EAA04-5A0C-4C33-BE06-340CEF9B6FFD}" type="datetimeFigureOut">
               <a:rPr lang="de-DE" smtClean="0"/>
-              <a:t>19.07.2016</a:t>
+              <a:t>21.07.2016</a:t>
             </a:fld>
             <a:endParaRPr lang="de-DE"/>
           </a:p>
@@ -13682,7 +13567,7 @@
           <a:p>
             <a:fld id="{C46EAA04-5A0C-4C33-BE06-340CEF9B6FFD}" type="datetimeFigureOut">
               <a:rPr lang="de-DE" smtClean="0"/>
-              <a:t>19.07.2016</a:t>
+              <a:t>21.07.2016</a:t>
             </a:fld>
             <a:endParaRPr lang="de-DE"/>
           </a:p>
@@ -13911,7 +13796,7 @@
           <a:p>
             <a:fld id="{C46EAA04-5A0C-4C33-BE06-340CEF9B6FFD}" type="datetimeFigureOut">
               <a:rPr lang="de-DE" smtClean="0"/>
-              <a:t>19.07.2016</a:t>
+              <a:t>21.07.2016</a:t>
             </a:fld>
             <a:endParaRPr lang="de-DE"/>
           </a:p>
@@ -14275,7 +14160,7 @@
           <a:p>
             <a:fld id="{C46EAA04-5A0C-4C33-BE06-340CEF9B6FFD}" type="datetimeFigureOut">
               <a:rPr lang="de-DE" smtClean="0"/>
-              <a:t>19.07.2016</a:t>
+              <a:t>21.07.2016</a:t>
             </a:fld>
             <a:endParaRPr lang="de-DE"/>
           </a:p>
@@ -14392,7 +14277,7 @@
           <a:p>
             <a:fld id="{C46EAA04-5A0C-4C33-BE06-340CEF9B6FFD}" type="datetimeFigureOut">
               <a:rPr lang="de-DE" smtClean="0"/>
-              <a:t>19.07.2016</a:t>
+              <a:t>21.07.2016</a:t>
             </a:fld>
             <a:endParaRPr lang="de-DE"/>
           </a:p>
@@ -14487,7 +14372,7 @@
           <a:p>
             <a:fld id="{C46EAA04-5A0C-4C33-BE06-340CEF9B6FFD}" type="datetimeFigureOut">
               <a:rPr lang="de-DE" smtClean="0"/>
-              <a:t>19.07.2016</a:t>
+              <a:t>21.07.2016</a:t>
             </a:fld>
             <a:endParaRPr lang="de-DE"/>
           </a:p>
@@ -14762,7 +14647,7 @@
           <a:p>
             <a:fld id="{C46EAA04-5A0C-4C33-BE06-340CEF9B6FFD}" type="datetimeFigureOut">
               <a:rPr lang="de-DE" smtClean="0"/>
-              <a:t>19.07.2016</a:t>
+              <a:t>21.07.2016</a:t>
             </a:fld>
             <a:endParaRPr lang="de-DE"/>
           </a:p>
@@ -15014,7 +14899,7 @@
           <a:p>
             <a:fld id="{C46EAA04-5A0C-4C33-BE06-340CEF9B6FFD}" type="datetimeFigureOut">
               <a:rPr lang="de-DE" smtClean="0"/>
-              <a:t>19.07.2016</a:t>
+              <a:t>21.07.2016</a:t>
             </a:fld>
             <a:endParaRPr lang="de-DE"/>
           </a:p>
@@ -15225,7 +15110,7 @@
           <a:p>
             <a:fld id="{C46EAA04-5A0C-4C33-BE06-340CEF9B6FFD}" type="datetimeFigureOut">
               <a:rPr lang="de-DE" smtClean="0"/>
-              <a:t>19.07.2016</a:t>
+              <a:t>21.07.2016</a:t>
             </a:fld>
             <a:endParaRPr lang="de-DE"/>
           </a:p>
@@ -15743,7 +15628,7 @@
       </p:grpSpPr>
       <p:sp>
         <p:nvSpPr>
-          <p:cNvPr id="2" name="Titel 1"/>
+          <p:cNvPr id="4" name="Titel 3"/>
           <p:cNvSpPr>
             <a:spLocks noGrp="1"/>
           </p:cNvSpPr>
@@ -15757,100 +15642,470 @@
           <a:lstStyle/>
           <a:p>
             <a:r>
-              <a:rPr lang="de-DE" dirty="0" smtClean="0"/>
-              <a:t>Überprüfung der Machbarkeit</a:t>
+              <a:rPr lang="de-DE" dirty="0"/>
+              <a:t>Ziel SMART</a:t>
             </a:r>
-            <a:endParaRPr lang="de-DE" dirty="0"/>
           </a:p>
         </p:txBody>
       </p:sp>
+      <p:graphicFrame>
+        <p:nvGraphicFramePr>
+          <p:cNvPr id="6" name="Inhaltsplatzhalter 5"/>
+          <p:cNvGraphicFramePr>
+            <a:graphicFrameLocks noGrp="1"/>
+          </p:cNvGraphicFramePr>
+          <p:nvPr>
+            <p:ph idx="1"/>
+            <p:extLst/>
+          </p:nvPr>
+        </p:nvGraphicFramePr>
+        <p:xfrm>
+          <a:off x="838200" y="2766059"/>
+          <a:ext cx="10515600" cy="3703320"/>
+        </p:xfrm>
+        <a:graphic>
+          <a:graphicData uri="http://schemas.openxmlformats.org/drawingml/2006/table">
+            <a:tbl>
+              <a:tblPr firstRow="1" bandRow="1">
+                <a:tableStyleId>{5C22544A-7EE6-4342-B048-85BDC9FD1C3A}</a:tableStyleId>
+              </a:tblPr>
+              <a:tblGrid>
+                <a:gridCol w="5257800">
+                  <a:extLst>
+                    <a:ext uri="{9D8B030D-6E8A-4147-A177-3AD203B41FA5}">
+                      <a16:colId xmlns:a16="http://schemas.microsoft.com/office/drawing/2014/main" val="543071372"/>
+                    </a:ext>
+                  </a:extLst>
+                </a:gridCol>
+                <a:gridCol w="5257800">
+                  <a:extLst>
+                    <a:ext uri="{9D8B030D-6E8A-4147-A177-3AD203B41FA5}">
+                      <a16:colId xmlns:a16="http://schemas.microsoft.com/office/drawing/2014/main" val="750843462"/>
+                    </a:ext>
+                  </a:extLst>
+                </a:gridCol>
+              </a:tblGrid>
+              <a:tr h="740664">
+                <a:tc>
+                  <a:txBody>
+                    <a:bodyPr/>
+                    <a:lstStyle/>
+                    <a:p>
+                      <a:pPr algn="ctr"/>
+                      <a:r>
+                        <a:rPr lang="de-DE" sz="3600" b="1" dirty="0">
+                          <a:solidFill>
+                            <a:schemeClr val="tx1"/>
+                          </a:solidFill>
+                        </a:rPr>
+                        <a:t>S</a:t>
+                      </a:r>
+                      <a:r>
+                        <a:rPr lang="de-DE" sz="3600" b="0" dirty="0">
+                          <a:solidFill>
+                            <a:schemeClr val="tx1"/>
+                          </a:solidFill>
+                        </a:rPr>
+                        <a:t>pezifisch</a:t>
+                      </a:r>
+                      <a:endParaRPr lang="de-DE" sz="3600" b="1" dirty="0">
+                        <a:solidFill>
+                          <a:schemeClr val="tx1"/>
+                        </a:solidFill>
+                      </a:endParaRPr>
+                    </a:p>
+                  </a:txBody>
+                  <a:tcPr anchor="ctr">
+                    <a:lnL w="12700" cmpd="sng">
+                      <a:noFill/>
+                    </a:lnL>
+                    <a:lnR w="12700" cmpd="sng">
+                      <a:noFill/>
+                    </a:lnR>
+                    <a:lnT w="12700" cmpd="sng">
+                      <a:noFill/>
+                    </a:lnT>
+                    <a:lnB w="38100" cmpd="sng">
+                      <a:noFill/>
+                    </a:lnB>
+                    <a:lnTlToBr w="12700" cmpd="sng">
+                      <a:noFill/>
+                      <a:prstDash val="solid"/>
+                    </a:lnTlToBr>
+                    <a:lnBlToTr w="12700" cmpd="sng">
+                      <a:noFill/>
+                      <a:prstDash val="solid"/>
+                    </a:lnBlToTr>
+                    <a:solidFill>
+                      <a:schemeClr val="accent1">
+                        <a:lumMod val="60000"/>
+                        <a:lumOff val="40000"/>
+                      </a:schemeClr>
+                    </a:solidFill>
+                  </a:tcPr>
+                </a:tc>
+                <a:tc>
+                  <a:txBody>
+                    <a:bodyPr/>
+                    <a:lstStyle/>
+                    <a:p>
+                      <a:r>
+                        <a:rPr lang="de-DE" b="0" dirty="0">
+                          <a:solidFill>
+                            <a:schemeClr val="tx1"/>
+                          </a:solidFill>
+                        </a:rPr>
+                        <a:t>Ziel ist spezifisch</a:t>
+                      </a:r>
+                      <a:r>
+                        <a:rPr lang="de-DE" b="0" baseline="0" dirty="0">
+                          <a:solidFill>
+                            <a:schemeClr val="tx1"/>
+                          </a:solidFill>
+                        </a:rPr>
+                        <a:t> formuliert. Es soll eine Software mit speziellen Anforderungen erstellt werden.</a:t>
+                      </a:r>
+                      <a:endParaRPr lang="de-DE" b="0" dirty="0">
+                        <a:solidFill>
+                          <a:schemeClr val="tx1"/>
+                        </a:solidFill>
+                      </a:endParaRPr>
+                    </a:p>
+                  </a:txBody>
+                  <a:tcPr>
+                    <a:lnL w="12700" cmpd="sng">
+                      <a:noFill/>
+                    </a:lnL>
+                    <a:solidFill>
+                      <a:schemeClr val="bg1"/>
+                    </a:solidFill>
+                  </a:tcPr>
+                </a:tc>
+                <a:extLst>
+                  <a:ext uri="{0D108BD9-81ED-4DB2-BD59-A6C34878D82A}">
+                    <a16:rowId xmlns:a16="http://schemas.microsoft.com/office/drawing/2014/main" val="592059295"/>
+                  </a:ext>
+                </a:extLst>
+              </a:tr>
+              <a:tr h="740664">
+                <a:tc>
+                  <a:txBody>
+                    <a:bodyPr/>
+                    <a:lstStyle/>
+                    <a:p>
+                      <a:pPr algn="ctr"/>
+                      <a:r>
+                        <a:rPr lang="de-DE" sz="3600" b="1" dirty="0">
+                          <a:solidFill>
+                            <a:schemeClr val="tx1"/>
+                          </a:solidFill>
+                        </a:rPr>
+                        <a:t>M</a:t>
+                      </a:r>
+                      <a:r>
+                        <a:rPr lang="de-DE" sz="3600" b="0" dirty="0">
+                          <a:solidFill>
+                            <a:schemeClr val="tx1"/>
+                          </a:solidFill>
+                        </a:rPr>
+                        <a:t>essbar</a:t>
+                      </a:r>
+                      <a:endParaRPr lang="de-DE" sz="3600" b="1" dirty="0">
+                        <a:solidFill>
+                          <a:schemeClr val="tx1"/>
+                        </a:solidFill>
+                      </a:endParaRPr>
+                    </a:p>
+                  </a:txBody>
+                  <a:tcPr anchor="ctr">
+                    <a:lnT w="38100" cmpd="sng">
+                      <a:noFill/>
+                    </a:lnT>
+                    <a:solidFill>
+                      <a:schemeClr val="accent1">
+                        <a:lumMod val="60000"/>
+                        <a:lumOff val="40000"/>
+                      </a:schemeClr>
+                    </a:solidFill>
+                  </a:tcPr>
+                </a:tc>
+                <a:tc>
+                  <a:txBody>
+                    <a:bodyPr/>
+                    <a:lstStyle/>
+                    <a:p>
+                      <a:r>
+                        <a:rPr lang="de-DE" dirty="0"/>
+                        <a:t>Der Erfolg</a:t>
+                      </a:r>
+                      <a:r>
+                        <a:rPr lang="de-DE" baseline="0" dirty="0"/>
+                        <a:t> kann durch Test der Software und der Abnahme des Kunden kontrolliert werden.</a:t>
+                      </a:r>
+                      <a:endParaRPr lang="de-DE" dirty="0"/>
+                    </a:p>
+                  </a:txBody>
+                  <a:tcPr>
+                    <a:solidFill>
+                      <a:schemeClr val="bg1"/>
+                    </a:solidFill>
+                  </a:tcPr>
+                </a:tc>
+                <a:extLst>
+                  <a:ext uri="{0D108BD9-81ED-4DB2-BD59-A6C34878D82A}">
+                    <a16:rowId xmlns:a16="http://schemas.microsoft.com/office/drawing/2014/main" val="3383136000"/>
+                  </a:ext>
+                </a:extLst>
+              </a:tr>
+              <a:tr h="740664">
+                <a:tc>
+                  <a:txBody>
+                    <a:bodyPr/>
+                    <a:lstStyle/>
+                    <a:p>
+                      <a:pPr algn="ctr"/>
+                      <a:r>
+                        <a:rPr lang="de-DE" sz="3600" b="1" dirty="0">
+                          <a:solidFill>
+                            <a:schemeClr val="tx1"/>
+                          </a:solidFill>
+                        </a:rPr>
+                        <a:t>A</a:t>
+                      </a:r>
+                      <a:r>
+                        <a:rPr lang="de-DE" sz="3600" b="0" dirty="0">
+                          <a:solidFill>
+                            <a:schemeClr val="tx1"/>
+                          </a:solidFill>
+                        </a:rPr>
+                        <a:t>ktiv</a:t>
+                      </a:r>
+                      <a:r>
+                        <a:rPr lang="de-DE" sz="3600" b="0" baseline="0" dirty="0">
+                          <a:solidFill>
+                            <a:schemeClr val="tx1"/>
+                          </a:solidFill>
+                        </a:rPr>
+                        <a:t> </a:t>
+                      </a:r>
+                      <a:r>
+                        <a:rPr lang="de-DE" sz="3600" b="0" baseline="0" dirty="0" err="1">
+                          <a:solidFill>
+                            <a:schemeClr val="tx1"/>
+                          </a:solidFill>
+                        </a:rPr>
+                        <a:t>beeiflussbar</a:t>
+                      </a:r>
+                      <a:endParaRPr lang="de-DE" sz="3600" b="1" dirty="0">
+                        <a:solidFill>
+                          <a:schemeClr val="tx1"/>
+                        </a:solidFill>
+                      </a:endParaRPr>
+                    </a:p>
+                  </a:txBody>
+                  <a:tcPr anchor="ctr">
+                    <a:solidFill>
+                      <a:schemeClr val="accent1">
+                        <a:lumMod val="60000"/>
+                        <a:lumOff val="40000"/>
+                      </a:schemeClr>
+                    </a:solidFill>
+                  </a:tcPr>
+                </a:tc>
+                <a:tc>
+                  <a:txBody>
+                    <a:bodyPr/>
+                    <a:lstStyle/>
+                    <a:p>
+                      <a:r>
+                        <a:rPr lang="de-DE" dirty="0"/>
+                        <a:t>Durch die aktive Gestaltung</a:t>
+                      </a:r>
+                      <a:r>
+                        <a:rPr lang="de-DE" baseline="0" dirty="0"/>
+                        <a:t> der am Projekt beteiligten Mitarbeitern kann das Ziel aktiv beeinflusst werden.</a:t>
+                      </a:r>
+                      <a:endParaRPr lang="de-DE" dirty="0"/>
+                    </a:p>
+                  </a:txBody>
+                  <a:tcPr>
+                    <a:solidFill>
+                      <a:schemeClr val="bg1"/>
+                    </a:solidFill>
+                  </a:tcPr>
+                </a:tc>
+                <a:extLst>
+                  <a:ext uri="{0D108BD9-81ED-4DB2-BD59-A6C34878D82A}">
+                    <a16:rowId xmlns:a16="http://schemas.microsoft.com/office/drawing/2014/main" val="2076048036"/>
+                  </a:ext>
+                </a:extLst>
+              </a:tr>
+              <a:tr h="740664">
+                <a:tc>
+                  <a:txBody>
+                    <a:bodyPr/>
+                    <a:lstStyle/>
+                    <a:p>
+                      <a:pPr algn="ctr"/>
+                      <a:r>
+                        <a:rPr lang="de-DE" sz="3600" b="1" dirty="0">
+                          <a:solidFill>
+                            <a:schemeClr val="tx1"/>
+                          </a:solidFill>
+                        </a:rPr>
+                        <a:t>R</a:t>
+                      </a:r>
+                      <a:r>
+                        <a:rPr lang="de-DE" sz="3600" b="0" dirty="0">
+                          <a:solidFill>
+                            <a:schemeClr val="tx1"/>
+                          </a:solidFill>
+                        </a:rPr>
+                        <a:t>ealistisch</a:t>
+                      </a:r>
+                      <a:endParaRPr lang="de-DE" sz="3600" b="1" dirty="0">
+                        <a:solidFill>
+                          <a:schemeClr val="tx1"/>
+                        </a:solidFill>
+                      </a:endParaRPr>
+                    </a:p>
+                  </a:txBody>
+                  <a:tcPr anchor="ctr">
+                    <a:solidFill>
+                      <a:schemeClr val="accent1">
+                        <a:lumMod val="60000"/>
+                        <a:lumOff val="40000"/>
+                      </a:schemeClr>
+                    </a:solidFill>
+                  </a:tcPr>
+                </a:tc>
+                <a:tc>
+                  <a:txBody>
+                    <a:bodyPr/>
+                    <a:lstStyle/>
+                    <a:p>
+                      <a:r>
+                        <a:rPr lang="de-DE" dirty="0"/>
+                        <a:t>Das Ziel ist anspruchsvoll, jedoch mit genügend Fleiß erreichbar.</a:t>
+                      </a:r>
+                    </a:p>
+                  </a:txBody>
+                  <a:tcPr>
+                    <a:solidFill>
+                      <a:schemeClr val="bg1"/>
+                    </a:solidFill>
+                  </a:tcPr>
+                </a:tc>
+                <a:extLst>
+                  <a:ext uri="{0D108BD9-81ED-4DB2-BD59-A6C34878D82A}">
+                    <a16:rowId xmlns:a16="http://schemas.microsoft.com/office/drawing/2014/main" val="3664696022"/>
+                  </a:ext>
+                </a:extLst>
+              </a:tr>
+              <a:tr h="740664">
+                <a:tc>
+                  <a:txBody>
+                    <a:bodyPr/>
+                    <a:lstStyle/>
+                    <a:p>
+                      <a:pPr algn="ctr"/>
+                      <a:r>
+                        <a:rPr lang="de-DE" sz="3600" b="1">
+                          <a:solidFill>
+                            <a:schemeClr val="tx1"/>
+                          </a:solidFill>
+                        </a:rPr>
+                        <a:t>T</a:t>
+                      </a:r>
+                      <a:r>
+                        <a:rPr lang="de-DE" sz="3600" b="0">
+                          <a:solidFill>
+                            <a:schemeClr val="tx1"/>
+                          </a:solidFill>
+                        </a:rPr>
+                        <a:t>erminiert</a:t>
+                      </a:r>
+                      <a:endParaRPr lang="de-DE" sz="3600" b="1" dirty="0">
+                        <a:solidFill>
+                          <a:schemeClr val="tx1"/>
+                        </a:solidFill>
+                      </a:endParaRPr>
+                    </a:p>
+                  </a:txBody>
+                  <a:tcPr anchor="ctr">
+                    <a:solidFill>
+                      <a:schemeClr val="accent1">
+                        <a:lumMod val="60000"/>
+                        <a:lumOff val="40000"/>
+                      </a:schemeClr>
+                    </a:solidFill>
+                  </a:tcPr>
+                </a:tc>
+                <a:tc>
+                  <a:txBody>
+                    <a:bodyPr/>
+                    <a:lstStyle/>
+                    <a:p>
+                      <a:r>
+                        <a:rPr lang="de-DE" dirty="0"/>
+                        <a:t>Der Endtermin – also</a:t>
+                      </a:r>
+                      <a:r>
+                        <a:rPr lang="de-DE" baseline="0" dirty="0"/>
+                        <a:t> der Termin der Zielerreichung ist festgelegt.</a:t>
+                      </a:r>
+                      <a:endParaRPr lang="de-DE" dirty="0"/>
+                    </a:p>
+                  </a:txBody>
+                  <a:tcPr>
+                    <a:solidFill>
+                      <a:schemeClr val="bg1"/>
+                    </a:solidFill>
+                  </a:tcPr>
+                </a:tc>
+                <a:extLst>
+                  <a:ext uri="{0D108BD9-81ED-4DB2-BD59-A6C34878D82A}">
+                    <a16:rowId xmlns:a16="http://schemas.microsoft.com/office/drawing/2014/main" val="2265614862"/>
+                  </a:ext>
+                </a:extLst>
+              </a:tr>
+            </a:tbl>
+          </a:graphicData>
+        </a:graphic>
+      </p:graphicFrame>
       <p:sp>
         <p:nvSpPr>
-          <p:cNvPr id="3" name="Inhaltsplatzhalter 2"/>
-          <p:cNvSpPr>
-            <a:spLocks noGrp="1"/>
-          </p:cNvSpPr>
-          <p:nvPr>
-            <p:ph idx="1"/>
-          </p:nvPr>
+          <p:cNvPr id="7" name="Textfeld 6"/>
+          <p:cNvSpPr txBox="1"/>
+          <p:nvPr/>
         </p:nvSpPr>
-        <p:spPr/>
+        <p:spPr>
+          <a:xfrm>
+            <a:off x="838200" y="1690688"/>
+            <a:ext cx="10820400" cy="646331"/>
+          </a:xfrm>
+          <a:prstGeom prst="rect">
+            <a:avLst/>
+          </a:prstGeom>
+          <a:noFill/>
+        </p:spPr>
         <p:txBody>
-          <a:bodyPr/>
+          <a:bodyPr wrap="square" rtlCol="0">
+            <a:spAutoFit/>
+          </a:bodyPr>
           <a:lstStyle/>
           <a:p>
-            <a:pPr marL="0" indent="0">
-              <a:buNone/>
-            </a:pPr>
             <a:r>
-              <a:rPr lang="de-DE" dirty="0" smtClean="0"/>
-              <a:t>S	</a:t>
+              <a:rPr lang="de-DE" dirty="0"/>
+              <a:t>Konzeption und Erstellung einer Software zur Erstellung, Bearbeitung, Verwaltung, Priorisierung und Bewertung von Projektanträgen.</a:t>
             </a:r>
-            <a:r>
-              <a:rPr lang="de-DE" dirty="0" err="1" smtClean="0"/>
-              <a:t>pezifisch</a:t>
-            </a:r>
-            <a:r>
-              <a:rPr lang="de-DE" dirty="0" smtClean="0"/>
-              <a:t>	</a:t>
-            </a:r>
-          </a:p>
-          <a:p>
-            <a:pPr marL="0" indent="0">
-              <a:buNone/>
-            </a:pPr>
-            <a:r>
-              <a:rPr lang="de-DE" dirty="0" smtClean="0"/>
-              <a:t>M	messbar</a:t>
-            </a:r>
-          </a:p>
-          <a:p>
-            <a:pPr marL="0" indent="0">
-              <a:buNone/>
-            </a:pPr>
-            <a:r>
-              <a:rPr lang="de-DE" dirty="0" smtClean="0"/>
-              <a:t>A	</a:t>
-            </a:r>
-            <a:r>
-              <a:rPr lang="de-DE" dirty="0" err="1" smtClean="0"/>
-              <a:t>ktiv</a:t>
-            </a:r>
-            <a:r>
-              <a:rPr lang="de-DE" dirty="0" smtClean="0"/>
-              <a:t> beeinflussbar</a:t>
-            </a:r>
-          </a:p>
-          <a:p>
-            <a:pPr marL="0" indent="0">
-              <a:buNone/>
-            </a:pPr>
-            <a:r>
-              <a:rPr lang="de-DE" dirty="0" smtClean="0"/>
-              <a:t>R	</a:t>
-            </a:r>
-            <a:r>
-              <a:rPr lang="de-DE" dirty="0" err="1" smtClean="0"/>
-              <a:t>ealistisch</a:t>
-            </a:r>
-            <a:endParaRPr lang="de-DE" dirty="0" smtClean="0"/>
-          </a:p>
-          <a:p>
-            <a:pPr marL="0" indent="0">
-              <a:buNone/>
-            </a:pPr>
-            <a:r>
-              <a:rPr lang="de-DE" dirty="0" smtClean="0"/>
-              <a:t>T	terminiert</a:t>
-            </a:r>
-            <a:endParaRPr lang="de-DE" dirty="0"/>
           </a:p>
         </p:txBody>
       </p:sp>
     </p:spTree>
     <p:extLst>
       <p:ext uri="{BB962C8B-B14F-4D97-AF65-F5344CB8AC3E}">
-        <p14:creationId xmlns:p14="http://schemas.microsoft.com/office/powerpoint/2010/main" val="4061186822"/>
+        <p14:creationId xmlns:p14="http://schemas.microsoft.com/office/powerpoint/2010/main" val="2766361575"/>
       </p:ext>
     </p:extLst>
   </p:cSld>
@@ -15938,19 +16193,14 @@
           <a:p>
             <a:r>
               <a:rPr lang="de-DE" dirty="0"/>
-              <a:t>Hier die Kosten </a:t>
-            </a:r>
-            <a:r>
-              <a:rPr lang="de-DE" dirty="0" smtClean="0"/>
-              <a:t>aufführen</a:t>
+              <a:t>Hier die Kosten aufführen</a:t>
             </a:r>
           </a:p>
           <a:p>
             <a:r>
-              <a:rPr lang="de-DE" dirty="0" smtClean="0"/>
+              <a:rPr lang="de-DE" dirty="0"/>
               <a:t>Kostenstellen</a:t>
             </a:r>
-            <a:endParaRPr lang="de-DE" dirty="0"/>
           </a:p>
         </p:txBody>
       </p:sp>
@@ -16211,10 +16461,9 @@
           <a:lstStyle/>
           <a:p>
             <a:r>
-              <a:rPr lang="de-DE" dirty="0" smtClean="0"/>
+              <a:rPr lang="de-DE" dirty="0"/>
               <a:t>Organisatorische Durchführung</a:t>
             </a:r>
-            <a:endParaRPr lang="de-DE" dirty="0"/>
           </a:p>
         </p:txBody>
       </p:sp>
@@ -16583,10 +16832,9 @@
           <a:lstStyle/>
           <a:p>
             <a:r>
-              <a:rPr lang="de-DE" dirty="0" smtClean="0"/>
+              <a:rPr lang="de-DE" dirty="0"/>
               <a:t>Verfügbare Ressourcen</a:t>
             </a:r>
-            <a:endParaRPr lang="de-DE" dirty="0"/>
           </a:p>
         </p:txBody>
       </p:sp>
@@ -16606,19 +16854,19 @@
           <a:lstStyle/>
           <a:p>
             <a:r>
-              <a:rPr lang="de-DE" dirty="0" smtClean="0"/>
+              <a:rPr lang="de-DE" dirty="0"/>
               <a:t>Finanzielle Ressourcen:</a:t>
             </a:r>
           </a:p>
           <a:p>
             <a:r>
-              <a:rPr lang="de-DE" dirty="0" smtClean="0"/>
+              <a:rPr lang="de-DE" dirty="0"/>
               <a:t>Personelle Ressourcen: 1 Projektleiter, 4 Mitarbeiter </a:t>
             </a:r>
           </a:p>
           <a:p>
             <a:r>
-              <a:rPr lang="de-DE" dirty="0" smtClean="0"/>
+              <a:rPr lang="de-DE" dirty="0"/>
               <a:t>Sachliche Ressourcen: 5 Laptops, keine räumliche Abhängigkeit</a:t>
             </a:r>
           </a:p>
@@ -16673,10 +16921,9 @@
           <a:lstStyle/>
           <a:p>
             <a:r>
-              <a:rPr lang="de-DE" dirty="0" smtClean="0"/>
+              <a:rPr lang="de-DE" dirty="0"/>
               <a:t>Zeitliche Umsetzung</a:t>
             </a:r>
-            <a:endParaRPr lang="de-DE" dirty="0"/>
           </a:p>
         </p:txBody>
       </p:sp>
@@ -16696,69 +16943,69 @@
           <a:lstStyle/>
           <a:p>
             <a:r>
-              <a:rPr lang="de-DE" dirty="0" smtClean="0"/>
+              <a:rPr lang="de-DE" dirty="0"/>
               <a:t>8. Juli 2016 - 28. Juli 2016</a:t>
             </a:r>
           </a:p>
           <a:p>
             <a:pPr lvl="1"/>
             <a:r>
-              <a:rPr lang="de-DE" dirty="0" smtClean="0"/>
+              <a:rPr lang="de-DE" dirty="0"/>
               <a:t>Vorbereitung Projektantrag</a:t>
             </a:r>
           </a:p>
           <a:p>
             <a:pPr lvl="1"/>
             <a:r>
-              <a:rPr lang="de-DE" dirty="0" smtClean="0"/>
+              <a:rPr lang="de-DE" dirty="0"/>
               <a:t>Präsentation des Projektleiters</a:t>
             </a:r>
           </a:p>
           <a:p>
             <a:r>
-              <a:rPr lang="de-DE" dirty="0" smtClean="0"/>
+              <a:rPr lang="de-DE" dirty="0"/>
               <a:t>28. Juli 2016 -  ???</a:t>
             </a:r>
           </a:p>
           <a:p>
             <a:pPr lvl="1"/>
             <a:r>
-              <a:rPr lang="de-DE" dirty="0" smtClean="0"/>
+              <a:rPr lang="de-DE" dirty="0"/>
               <a:t>Entwicklung UI</a:t>
             </a:r>
           </a:p>
           <a:p>
             <a:r>
-              <a:rPr lang="de-DE" dirty="0" smtClean="0"/>
+              <a:rPr lang="de-DE" dirty="0"/>
               <a:t>??? - ???</a:t>
             </a:r>
           </a:p>
           <a:p>
             <a:pPr lvl="1"/>
             <a:r>
-              <a:rPr lang="de-DE" dirty="0" err="1" smtClean="0"/>
+              <a:rPr lang="de-DE" dirty="0" err="1"/>
               <a:t>Lorem</a:t>
             </a:r>
             <a:r>
-              <a:rPr lang="de-DE" dirty="0" smtClean="0"/>
+              <a:rPr lang="de-DE" dirty="0"/>
               <a:t> </a:t>
             </a:r>
             <a:r>
-              <a:rPr lang="de-DE" dirty="0" err="1" smtClean="0"/>
+              <a:rPr lang="de-DE" dirty="0" err="1"/>
               <a:t>Ipsum</a:t>
             </a:r>
-            <a:endParaRPr lang="de-DE" dirty="0" smtClean="0"/>
+            <a:endParaRPr lang="de-DE" dirty="0"/>
           </a:p>
           <a:p>
             <a:r>
-              <a:rPr lang="de-DE" dirty="0" smtClean="0"/>
+              <a:rPr lang="de-DE" dirty="0"/>
               <a:t>September 2016</a:t>
             </a:r>
           </a:p>
           <a:p>
             <a:pPr lvl="1"/>
             <a:r>
-              <a:rPr lang="de-DE" dirty="0" smtClean="0"/>
+              <a:rPr lang="de-DE" dirty="0"/>
               <a:t>Abgabe Projekt -&gt; Präsentation des fertigen Produkts</a:t>
             </a:r>
           </a:p>
@@ -16766,7 +17013,7 @@
             <a:pPr marL="457200" lvl="1" indent="0">
               <a:buNone/>
             </a:pPr>
-            <a:endParaRPr lang="de-DE" dirty="0" smtClean="0"/>
+            <a:endParaRPr lang="de-DE" dirty="0"/>
           </a:p>
           <a:p>
             <a:pPr lvl="1"/>
@@ -16774,13 +17021,13 @@
           </a:p>
           <a:p>
             <a:pPr lvl="1"/>
-            <a:endParaRPr lang="de-DE" dirty="0" smtClean="0"/>
+            <a:endParaRPr lang="de-DE" dirty="0"/>
           </a:p>
           <a:p>
             <a:pPr marL="457200" lvl="1" indent="0">
               <a:buNone/>
             </a:pPr>
-            <a:endParaRPr lang="de-DE" dirty="0" smtClean="0"/>
+            <a:endParaRPr lang="de-DE" dirty="0"/>
           </a:p>
           <a:p>
             <a:pPr marL="457200" lvl="1" indent="0">
@@ -16836,10 +17083,9 @@
           <a:lstStyle/>
           <a:p>
             <a:r>
-              <a:rPr lang="de-DE" dirty="0" smtClean="0"/>
+              <a:rPr lang="de-DE" dirty="0"/>
               <a:t>Rechtliche Umsetzung</a:t>
             </a:r>
-            <a:endParaRPr lang="de-DE" dirty="0"/>
           </a:p>
         </p:txBody>
       </p:sp>
@@ -16859,13 +17105,13 @@
           <a:lstStyle/>
           <a:p>
             <a:r>
-              <a:rPr lang="de-DE" dirty="0" smtClean="0"/>
+              <a:rPr lang="de-DE" dirty="0"/>
               <a:t>Juristische Einschränkungen</a:t>
             </a:r>
           </a:p>
           <a:p>
             <a:r>
-              <a:rPr lang="de-DE" dirty="0" smtClean="0"/>
+              <a:rPr lang="de-DE" dirty="0"/>
               <a:t>Behördliche Auflagen und Anforderungen</a:t>
             </a:r>
           </a:p>
@@ -16877,7 +17123,6 @@
               <a:rPr lang="de-DE" dirty="0"/>
               <a:t>Entspricht die Software den rechtlichen Gegebenheiten innerhalb des Zielmarktes? Stimmt sie zum Beispiel mit den Datenschutzgesetzen überein?</a:t>
             </a:r>
-            <a:endParaRPr lang="de-DE" dirty="0" smtClean="0"/>
           </a:p>
           <a:p>
             <a:endParaRPr lang="de-DE" dirty="0"/>
@@ -16930,10 +17175,9 @@
           <a:lstStyle/>
           <a:p>
             <a:r>
-              <a:rPr lang="de-DE" dirty="0" smtClean="0"/>
+              <a:rPr lang="de-DE" dirty="0"/>
               <a:t>SWOT-Analyse</a:t>
             </a:r>
-            <a:endParaRPr lang="de-DE" dirty="0"/>
           </a:p>
         </p:txBody>
       </p:sp>
@@ -16947,7 +17191,7 @@
             <p:ph idx="1"/>
             <p:extLst>
               <p:ext uri="{D42A27DB-BD31-4B8C-83A1-F6EECF244321}">
-                <p14:modId xmlns:p14="http://schemas.microsoft.com/office/powerpoint/2010/main" val="329675514"/>
+                <p14:modId xmlns:p14="http://schemas.microsoft.com/office/powerpoint/2010/main" val="2038302037"/>
               </p:ext>
             </p:extLst>
           </p:nvPr>

--- a/documents/projectmanagement/Allgemeines/Machbarkeitsstudie.pptx
+++ b/documents/projectmanagement/Allgemeines/Machbarkeitsstudie.pptx
@@ -13,8 +13,9 @@
     <p:sldId id="260" r:id="rId7"/>
     <p:sldId id="262" r:id="rId8"/>
     <p:sldId id="263" r:id="rId9"/>
-    <p:sldId id="264" r:id="rId10"/>
-    <p:sldId id="266" r:id="rId11"/>
+    <p:sldId id="267" r:id="rId10"/>
+    <p:sldId id="264" r:id="rId11"/>
+    <p:sldId id="266" r:id="rId12"/>
   </p:sldIdLst>
   <p:sldSz cx="12192000" cy="6858000"/>
   <p:notesSz cx="6858000" cy="9144000"/>
@@ -1616,6 +1617,753 @@
 </file>
 
 <file path=ppt/diagrams/colors3.xml><?xml version="1.0" encoding="utf-8"?>
+<dgm:colorsDef xmlns:dgm="http://schemas.openxmlformats.org/drawingml/2006/diagram" xmlns:a="http://schemas.openxmlformats.org/drawingml/2006/main" uniqueId="urn:microsoft.com/office/officeart/2005/8/colors/accent1_2">
+  <dgm:title val=""/>
+  <dgm:desc val=""/>
+  <dgm:catLst>
+    <dgm:cat type="accent1" pri="11200"/>
+  </dgm:catLst>
+  <dgm:styleLbl name="node0">
+    <dgm:fillClrLst meth="repeat">
+      <a:schemeClr val="accent1"/>
+    </dgm:fillClrLst>
+    <dgm:linClrLst meth="repeat">
+      <a:schemeClr val="lt1"/>
+    </dgm:linClrLst>
+    <dgm:effectClrLst/>
+    <dgm:txLinClrLst/>
+    <dgm:txFillClrLst/>
+    <dgm:txEffectClrLst/>
+  </dgm:styleLbl>
+  <dgm:styleLbl name="alignNode1">
+    <dgm:fillClrLst meth="repeat">
+      <a:schemeClr val="accent1"/>
+    </dgm:fillClrLst>
+    <dgm:linClrLst meth="repeat">
+      <a:schemeClr val="accent1"/>
+    </dgm:linClrLst>
+    <dgm:effectClrLst/>
+    <dgm:txLinClrLst/>
+    <dgm:txFillClrLst/>
+    <dgm:txEffectClrLst/>
+  </dgm:styleLbl>
+  <dgm:styleLbl name="node1">
+    <dgm:fillClrLst meth="repeat">
+      <a:schemeClr val="accent1"/>
+    </dgm:fillClrLst>
+    <dgm:linClrLst meth="repeat">
+      <a:schemeClr val="lt1"/>
+    </dgm:linClrLst>
+    <dgm:effectClrLst/>
+    <dgm:txLinClrLst/>
+    <dgm:txFillClrLst/>
+    <dgm:txEffectClrLst/>
+  </dgm:styleLbl>
+  <dgm:styleLbl name="lnNode1">
+    <dgm:fillClrLst meth="repeat">
+      <a:schemeClr val="accent1"/>
+    </dgm:fillClrLst>
+    <dgm:linClrLst meth="repeat">
+      <a:schemeClr val="lt1"/>
+    </dgm:linClrLst>
+    <dgm:effectClrLst/>
+    <dgm:txLinClrLst/>
+    <dgm:txFillClrLst/>
+    <dgm:txEffectClrLst/>
+  </dgm:styleLbl>
+  <dgm:styleLbl name="vennNode1">
+    <dgm:fillClrLst meth="repeat">
+      <a:schemeClr val="accent1">
+        <a:alpha val="50000"/>
+      </a:schemeClr>
+    </dgm:fillClrLst>
+    <dgm:linClrLst meth="repeat">
+      <a:schemeClr val="lt1"/>
+    </dgm:linClrLst>
+    <dgm:effectClrLst/>
+    <dgm:txLinClrLst/>
+    <dgm:txFillClrLst/>
+    <dgm:txEffectClrLst/>
+  </dgm:styleLbl>
+  <dgm:styleLbl name="node2">
+    <dgm:fillClrLst meth="repeat">
+      <a:schemeClr val="accent1"/>
+    </dgm:fillClrLst>
+    <dgm:linClrLst meth="repeat">
+      <a:schemeClr val="lt1"/>
+    </dgm:linClrLst>
+    <dgm:effectClrLst/>
+    <dgm:txLinClrLst/>
+    <dgm:txFillClrLst/>
+    <dgm:txEffectClrLst/>
+  </dgm:styleLbl>
+  <dgm:styleLbl name="node3">
+    <dgm:fillClrLst meth="repeat">
+      <a:schemeClr val="accent1"/>
+    </dgm:fillClrLst>
+    <dgm:linClrLst meth="repeat">
+      <a:schemeClr val="lt1"/>
+    </dgm:linClrLst>
+    <dgm:effectClrLst/>
+    <dgm:txLinClrLst/>
+    <dgm:txFillClrLst/>
+    <dgm:txEffectClrLst/>
+  </dgm:styleLbl>
+  <dgm:styleLbl name="node4">
+    <dgm:fillClrLst meth="repeat">
+      <a:schemeClr val="accent1"/>
+    </dgm:fillClrLst>
+    <dgm:linClrLst meth="repeat">
+      <a:schemeClr val="lt1"/>
+    </dgm:linClrLst>
+    <dgm:effectClrLst/>
+    <dgm:txLinClrLst/>
+    <dgm:txFillClrLst/>
+    <dgm:txEffectClrLst/>
+  </dgm:styleLbl>
+  <dgm:styleLbl name="fgImgPlace1">
+    <dgm:fillClrLst meth="repeat">
+      <a:schemeClr val="accent1">
+        <a:tint val="50000"/>
+      </a:schemeClr>
+    </dgm:fillClrLst>
+    <dgm:linClrLst meth="repeat">
+      <a:schemeClr val="lt1"/>
+    </dgm:linClrLst>
+    <dgm:effectClrLst/>
+    <dgm:txLinClrLst/>
+    <dgm:txFillClrLst meth="repeat">
+      <a:schemeClr val="lt1"/>
+    </dgm:txFillClrLst>
+    <dgm:txEffectClrLst/>
+  </dgm:styleLbl>
+  <dgm:styleLbl name="alignImgPlace1">
+    <dgm:fillClrLst meth="repeat">
+      <a:schemeClr val="accent1">
+        <a:tint val="50000"/>
+      </a:schemeClr>
+    </dgm:fillClrLst>
+    <dgm:linClrLst meth="repeat">
+      <a:schemeClr val="lt1"/>
+    </dgm:linClrLst>
+    <dgm:effectClrLst/>
+    <dgm:txLinClrLst/>
+    <dgm:txFillClrLst meth="repeat">
+      <a:schemeClr val="lt1"/>
+    </dgm:txFillClrLst>
+    <dgm:txEffectClrLst/>
+  </dgm:styleLbl>
+  <dgm:styleLbl name="bgImgPlace1">
+    <dgm:fillClrLst meth="repeat">
+      <a:schemeClr val="accent1">
+        <a:tint val="50000"/>
+      </a:schemeClr>
+    </dgm:fillClrLst>
+    <dgm:linClrLst meth="repeat">
+      <a:schemeClr val="lt1"/>
+    </dgm:linClrLst>
+    <dgm:effectClrLst/>
+    <dgm:txLinClrLst/>
+    <dgm:txFillClrLst meth="repeat">
+      <a:schemeClr val="lt1"/>
+    </dgm:txFillClrLst>
+    <dgm:txEffectClrLst/>
+  </dgm:styleLbl>
+  <dgm:styleLbl name="sibTrans2D1">
+    <dgm:fillClrLst meth="repeat">
+      <a:schemeClr val="accent1">
+        <a:tint val="60000"/>
+      </a:schemeClr>
+    </dgm:fillClrLst>
+    <dgm:linClrLst meth="repeat">
+      <a:schemeClr val="accent1">
+        <a:tint val="60000"/>
+      </a:schemeClr>
+    </dgm:linClrLst>
+    <dgm:effectClrLst/>
+    <dgm:txLinClrLst/>
+    <dgm:txFillClrLst/>
+    <dgm:txEffectClrLst/>
+  </dgm:styleLbl>
+  <dgm:styleLbl name="fgSibTrans2D1">
+    <dgm:fillClrLst meth="repeat">
+      <a:schemeClr val="accent1">
+        <a:tint val="60000"/>
+      </a:schemeClr>
+    </dgm:fillClrLst>
+    <dgm:linClrLst meth="repeat">
+      <a:schemeClr val="accent1">
+        <a:tint val="60000"/>
+      </a:schemeClr>
+    </dgm:linClrLst>
+    <dgm:effectClrLst/>
+    <dgm:txLinClrLst/>
+    <dgm:txFillClrLst/>
+    <dgm:txEffectClrLst/>
+  </dgm:styleLbl>
+  <dgm:styleLbl name="bgSibTrans2D1">
+    <dgm:fillClrLst meth="repeat">
+      <a:schemeClr val="accent1">
+        <a:tint val="60000"/>
+      </a:schemeClr>
+    </dgm:fillClrLst>
+    <dgm:linClrLst meth="repeat">
+      <a:schemeClr val="accent1">
+        <a:tint val="60000"/>
+      </a:schemeClr>
+    </dgm:linClrLst>
+    <dgm:effectClrLst/>
+    <dgm:txLinClrLst/>
+    <dgm:txFillClrLst/>
+    <dgm:txEffectClrLst/>
+  </dgm:styleLbl>
+  <dgm:styleLbl name="sibTrans1D1">
+    <dgm:fillClrLst meth="repeat">
+      <a:schemeClr val="accent1"/>
+    </dgm:fillClrLst>
+    <dgm:linClrLst meth="repeat">
+      <a:schemeClr val="accent1"/>
+    </dgm:linClrLst>
+    <dgm:effectClrLst/>
+    <dgm:txLinClrLst/>
+    <dgm:txFillClrLst meth="repeat">
+      <a:schemeClr val="tx1"/>
+    </dgm:txFillClrLst>
+    <dgm:txEffectClrLst/>
+  </dgm:styleLbl>
+  <dgm:styleLbl name="callout">
+    <dgm:fillClrLst meth="repeat">
+      <a:schemeClr val="accent1"/>
+    </dgm:fillClrLst>
+    <dgm:linClrLst meth="repeat">
+      <a:schemeClr val="accent1">
+        <a:tint val="50000"/>
+      </a:schemeClr>
+    </dgm:linClrLst>
+    <dgm:effectClrLst/>
+    <dgm:txLinClrLst/>
+    <dgm:txFillClrLst meth="repeat">
+      <a:schemeClr val="tx1"/>
+    </dgm:txFillClrLst>
+    <dgm:txEffectClrLst/>
+  </dgm:styleLbl>
+  <dgm:styleLbl name="asst0">
+    <dgm:fillClrLst meth="repeat">
+      <a:schemeClr val="accent1"/>
+    </dgm:fillClrLst>
+    <dgm:linClrLst meth="repeat">
+      <a:schemeClr val="lt1"/>
+    </dgm:linClrLst>
+    <dgm:effectClrLst/>
+    <dgm:txLinClrLst/>
+    <dgm:txFillClrLst/>
+    <dgm:txEffectClrLst/>
+  </dgm:styleLbl>
+  <dgm:styleLbl name="asst1">
+    <dgm:fillClrLst meth="repeat">
+      <a:schemeClr val="accent1"/>
+    </dgm:fillClrLst>
+    <dgm:linClrLst meth="repeat">
+      <a:schemeClr val="lt1"/>
+    </dgm:linClrLst>
+    <dgm:effectClrLst/>
+    <dgm:txLinClrLst/>
+    <dgm:txFillClrLst/>
+    <dgm:txEffectClrLst/>
+  </dgm:styleLbl>
+  <dgm:styleLbl name="asst2">
+    <dgm:fillClrLst meth="repeat">
+      <a:schemeClr val="accent1"/>
+    </dgm:fillClrLst>
+    <dgm:linClrLst meth="repeat">
+      <a:schemeClr val="lt1"/>
+    </dgm:linClrLst>
+    <dgm:effectClrLst/>
+    <dgm:txLinClrLst/>
+    <dgm:txFillClrLst/>
+    <dgm:txEffectClrLst/>
+  </dgm:styleLbl>
+  <dgm:styleLbl name="asst3">
+    <dgm:fillClrLst meth="repeat">
+      <a:schemeClr val="accent1"/>
+    </dgm:fillClrLst>
+    <dgm:linClrLst meth="repeat">
+      <a:schemeClr val="lt1"/>
+    </dgm:linClrLst>
+    <dgm:effectClrLst/>
+    <dgm:txLinClrLst/>
+    <dgm:txFillClrLst/>
+    <dgm:txEffectClrLst/>
+  </dgm:styleLbl>
+  <dgm:styleLbl name="asst4">
+    <dgm:fillClrLst meth="repeat">
+      <a:schemeClr val="accent1"/>
+    </dgm:fillClrLst>
+    <dgm:linClrLst meth="repeat">
+      <a:schemeClr val="lt1"/>
+    </dgm:linClrLst>
+    <dgm:effectClrLst/>
+    <dgm:txLinClrLst/>
+    <dgm:txFillClrLst/>
+    <dgm:txEffectClrLst/>
+  </dgm:styleLbl>
+  <dgm:styleLbl name="parChTrans2D1">
+    <dgm:fillClrLst meth="repeat">
+      <a:schemeClr val="accent1">
+        <a:tint val="60000"/>
+      </a:schemeClr>
+    </dgm:fillClrLst>
+    <dgm:linClrLst meth="repeat">
+      <a:schemeClr val="accent1">
+        <a:tint val="60000"/>
+      </a:schemeClr>
+    </dgm:linClrLst>
+    <dgm:effectClrLst/>
+    <dgm:txLinClrLst/>
+    <dgm:txFillClrLst meth="repeat">
+      <a:schemeClr val="lt1"/>
+    </dgm:txFillClrLst>
+    <dgm:txEffectClrLst/>
+  </dgm:styleLbl>
+  <dgm:styleLbl name="parChTrans2D2">
+    <dgm:fillClrLst meth="repeat">
+      <a:schemeClr val="accent1"/>
+    </dgm:fillClrLst>
+    <dgm:linClrLst meth="repeat">
+      <a:schemeClr val="accent1"/>
+    </dgm:linClrLst>
+    <dgm:effectClrLst/>
+    <dgm:txLinClrLst/>
+    <dgm:txFillClrLst meth="repeat">
+      <a:schemeClr val="lt1"/>
+    </dgm:txFillClrLst>
+    <dgm:txEffectClrLst/>
+  </dgm:styleLbl>
+  <dgm:styleLbl name="parChTrans2D3">
+    <dgm:fillClrLst meth="repeat">
+      <a:schemeClr val="accent1"/>
+    </dgm:fillClrLst>
+    <dgm:linClrLst meth="repeat">
+      <a:schemeClr val="accent1"/>
+    </dgm:linClrLst>
+    <dgm:effectClrLst/>
+    <dgm:txLinClrLst/>
+    <dgm:txFillClrLst meth="repeat">
+      <a:schemeClr val="lt1"/>
+    </dgm:txFillClrLst>
+    <dgm:txEffectClrLst/>
+  </dgm:styleLbl>
+  <dgm:styleLbl name="parChTrans2D4">
+    <dgm:fillClrLst meth="repeat">
+      <a:schemeClr val="accent1"/>
+    </dgm:fillClrLst>
+    <dgm:linClrLst meth="repeat">
+      <a:schemeClr val="accent1"/>
+    </dgm:linClrLst>
+    <dgm:effectClrLst/>
+    <dgm:txLinClrLst/>
+    <dgm:txFillClrLst meth="repeat">
+      <a:schemeClr val="lt1"/>
+    </dgm:txFillClrLst>
+    <dgm:txEffectClrLst/>
+  </dgm:styleLbl>
+  <dgm:styleLbl name="parChTrans1D1">
+    <dgm:fillClrLst meth="repeat">
+      <a:schemeClr val="accent1"/>
+    </dgm:fillClrLst>
+    <dgm:linClrLst meth="repeat">
+      <a:schemeClr val="accent1">
+        <a:shade val="60000"/>
+      </a:schemeClr>
+    </dgm:linClrLst>
+    <dgm:effectClrLst/>
+    <dgm:txLinClrLst/>
+    <dgm:txFillClrLst meth="repeat">
+      <a:schemeClr val="tx1"/>
+    </dgm:txFillClrLst>
+    <dgm:txEffectClrLst/>
+  </dgm:styleLbl>
+  <dgm:styleLbl name="parChTrans1D2">
+    <dgm:fillClrLst meth="repeat">
+      <a:schemeClr val="accent1"/>
+    </dgm:fillClrLst>
+    <dgm:linClrLst meth="repeat">
+      <a:schemeClr val="accent1">
+        <a:shade val="60000"/>
+      </a:schemeClr>
+    </dgm:linClrLst>
+    <dgm:effectClrLst/>
+    <dgm:txLinClrLst/>
+    <dgm:txFillClrLst meth="repeat">
+      <a:schemeClr val="tx1"/>
+    </dgm:txFillClrLst>
+    <dgm:txEffectClrLst/>
+  </dgm:styleLbl>
+  <dgm:styleLbl name="parChTrans1D3">
+    <dgm:fillClrLst meth="repeat">
+      <a:schemeClr val="accent1"/>
+    </dgm:fillClrLst>
+    <dgm:linClrLst meth="repeat">
+      <a:schemeClr val="accent1">
+        <a:shade val="80000"/>
+      </a:schemeClr>
+    </dgm:linClrLst>
+    <dgm:effectClrLst/>
+    <dgm:txLinClrLst/>
+    <dgm:txFillClrLst meth="repeat">
+      <a:schemeClr val="tx1"/>
+    </dgm:txFillClrLst>
+    <dgm:txEffectClrLst/>
+  </dgm:styleLbl>
+  <dgm:styleLbl name="parChTrans1D4">
+    <dgm:fillClrLst meth="repeat">
+      <a:schemeClr val="accent1"/>
+    </dgm:fillClrLst>
+    <dgm:linClrLst meth="repeat">
+      <a:schemeClr val="accent1">
+        <a:shade val="80000"/>
+      </a:schemeClr>
+    </dgm:linClrLst>
+    <dgm:effectClrLst/>
+    <dgm:txLinClrLst/>
+    <dgm:txFillClrLst meth="repeat">
+      <a:schemeClr val="tx1"/>
+    </dgm:txFillClrLst>
+    <dgm:txEffectClrLst/>
+  </dgm:styleLbl>
+  <dgm:styleLbl name="fgAcc1">
+    <dgm:fillClrLst meth="repeat">
+      <a:schemeClr val="lt1">
+        <a:alpha val="90000"/>
+      </a:schemeClr>
+    </dgm:fillClrLst>
+    <dgm:linClrLst meth="repeat">
+      <a:schemeClr val="accent1"/>
+    </dgm:linClrLst>
+    <dgm:effectClrLst/>
+    <dgm:txLinClrLst/>
+    <dgm:txFillClrLst meth="repeat">
+      <a:schemeClr val="dk1"/>
+    </dgm:txFillClrLst>
+    <dgm:txEffectClrLst/>
+  </dgm:styleLbl>
+  <dgm:styleLbl name="conFgAcc1">
+    <dgm:fillClrLst meth="repeat">
+      <a:schemeClr val="lt1">
+        <a:alpha val="90000"/>
+      </a:schemeClr>
+    </dgm:fillClrLst>
+    <dgm:linClrLst meth="repeat">
+      <a:schemeClr val="accent1"/>
+    </dgm:linClrLst>
+    <dgm:effectClrLst/>
+    <dgm:txLinClrLst/>
+    <dgm:txFillClrLst meth="repeat">
+      <a:schemeClr val="dk1"/>
+    </dgm:txFillClrLst>
+    <dgm:txEffectClrLst/>
+  </dgm:styleLbl>
+  <dgm:styleLbl name="alignAcc1">
+    <dgm:fillClrLst meth="repeat">
+      <a:schemeClr val="lt1">
+        <a:alpha val="90000"/>
+      </a:schemeClr>
+    </dgm:fillClrLst>
+    <dgm:linClrLst meth="repeat">
+      <a:schemeClr val="accent1"/>
+    </dgm:linClrLst>
+    <dgm:effectClrLst/>
+    <dgm:txLinClrLst/>
+    <dgm:txFillClrLst meth="repeat">
+      <a:schemeClr val="dk1"/>
+    </dgm:txFillClrLst>
+    <dgm:txEffectClrLst/>
+  </dgm:styleLbl>
+  <dgm:styleLbl name="trAlignAcc1">
+    <dgm:fillClrLst meth="repeat">
+      <a:schemeClr val="lt1">
+        <a:alpha val="40000"/>
+      </a:schemeClr>
+    </dgm:fillClrLst>
+    <dgm:linClrLst meth="repeat">
+      <a:schemeClr val="accent1"/>
+    </dgm:linClrLst>
+    <dgm:effectClrLst/>
+    <dgm:txLinClrLst/>
+    <dgm:txFillClrLst meth="repeat">
+      <a:schemeClr val="dk1"/>
+    </dgm:txFillClrLst>
+    <dgm:txEffectClrLst/>
+  </dgm:styleLbl>
+  <dgm:styleLbl name="bgAcc1">
+    <dgm:fillClrLst meth="repeat">
+      <a:schemeClr val="lt1">
+        <a:alpha val="90000"/>
+      </a:schemeClr>
+    </dgm:fillClrLst>
+    <dgm:linClrLst meth="repeat">
+      <a:schemeClr val="accent1"/>
+    </dgm:linClrLst>
+    <dgm:effectClrLst/>
+    <dgm:txLinClrLst/>
+    <dgm:txFillClrLst meth="repeat">
+      <a:schemeClr val="dk1"/>
+    </dgm:txFillClrLst>
+    <dgm:txEffectClrLst/>
+  </dgm:styleLbl>
+  <dgm:styleLbl name="solidFgAcc1">
+    <dgm:fillClrLst meth="repeat">
+      <a:schemeClr val="lt1"/>
+    </dgm:fillClrLst>
+    <dgm:linClrLst meth="repeat">
+      <a:schemeClr val="accent1"/>
+    </dgm:linClrLst>
+    <dgm:effectClrLst/>
+    <dgm:txLinClrLst/>
+    <dgm:txFillClrLst meth="repeat">
+      <a:schemeClr val="dk1"/>
+    </dgm:txFillClrLst>
+    <dgm:txEffectClrLst/>
+  </dgm:styleLbl>
+  <dgm:styleLbl name="solidAlignAcc1">
+    <dgm:fillClrLst meth="repeat">
+      <a:schemeClr val="lt1"/>
+    </dgm:fillClrLst>
+    <dgm:linClrLst meth="repeat">
+      <a:schemeClr val="accent1"/>
+    </dgm:linClrLst>
+    <dgm:effectClrLst/>
+    <dgm:txLinClrLst/>
+    <dgm:txFillClrLst meth="repeat">
+      <a:schemeClr val="dk1"/>
+    </dgm:txFillClrLst>
+    <dgm:txEffectClrLst/>
+  </dgm:styleLbl>
+  <dgm:styleLbl name="solidBgAcc1">
+    <dgm:fillClrLst meth="repeat">
+      <a:schemeClr val="lt1"/>
+    </dgm:fillClrLst>
+    <dgm:linClrLst meth="repeat">
+      <a:schemeClr val="accent1"/>
+    </dgm:linClrLst>
+    <dgm:effectClrLst/>
+    <dgm:txLinClrLst/>
+    <dgm:txFillClrLst meth="repeat">
+      <a:schemeClr val="dk1"/>
+    </dgm:txFillClrLst>
+    <dgm:txEffectClrLst/>
+  </dgm:styleLbl>
+  <dgm:styleLbl name="fgAccFollowNode1">
+    <dgm:fillClrLst meth="repeat">
+      <a:schemeClr val="accent1">
+        <a:alpha val="90000"/>
+        <a:tint val="40000"/>
+      </a:schemeClr>
+    </dgm:fillClrLst>
+    <dgm:linClrLst meth="repeat">
+      <a:schemeClr val="accent1">
+        <a:alpha val="90000"/>
+        <a:tint val="40000"/>
+      </a:schemeClr>
+    </dgm:linClrLst>
+    <dgm:effectClrLst/>
+    <dgm:txLinClrLst/>
+    <dgm:txFillClrLst meth="repeat">
+      <a:schemeClr val="dk1"/>
+    </dgm:txFillClrLst>
+    <dgm:txEffectClrLst/>
+  </dgm:styleLbl>
+  <dgm:styleLbl name="alignAccFollowNode1">
+    <dgm:fillClrLst meth="repeat">
+      <a:schemeClr val="accent1">
+        <a:alpha val="90000"/>
+        <a:tint val="40000"/>
+      </a:schemeClr>
+    </dgm:fillClrLst>
+    <dgm:linClrLst meth="repeat">
+      <a:schemeClr val="accent1">
+        <a:alpha val="90000"/>
+        <a:tint val="40000"/>
+      </a:schemeClr>
+    </dgm:linClrLst>
+    <dgm:effectClrLst/>
+    <dgm:txLinClrLst/>
+    <dgm:txFillClrLst meth="repeat">
+      <a:schemeClr val="dk1"/>
+    </dgm:txFillClrLst>
+    <dgm:txEffectClrLst/>
+  </dgm:styleLbl>
+  <dgm:styleLbl name="bgAccFollowNode1">
+    <dgm:fillClrLst meth="repeat">
+      <a:schemeClr val="accent1">
+        <a:alpha val="90000"/>
+        <a:tint val="40000"/>
+      </a:schemeClr>
+    </dgm:fillClrLst>
+    <dgm:linClrLst meth="repeat">
+      <a:schemeClr val="accent1">
+        <a:alpha val="90000"/>
+        <a:tint val="40000"/>
+      </a:schemeClr>
+    </dgm:linClrLst>
+    <dgm:effectClrLst/>
+    <dgm:txLinClrLst/>
+    <dgm:txFillClrLst meth="repeat">
+      <a:schemeClr val="dk1"/>
+    </dgm:txFillClrLst>
+    <dgm:txEffectClrLst/>
+  </dgm:styleLbl>
+  <dgm:styleLbl name="fgAcc0">
+    <dgm:fillClrLst meth="repeat">
+      <a:schemeClr val="lt1">
+        <a:alpha val="90000"/>
+      </a:schemeClr>
+    </dgm:fillClrLst>
+    <dgm:linClrLst meth="repeat">
+      <a:schemeClr val="accent1"/>
+    </dgm:linClrLst>
+    <dgm:effectClrLst/>
+    <dgm:txLinClrLst/>
+    <dgm:txFillClrLst meth="repeat">
+      <a:schemeClr val="dk1"/>
+    </dgm:txFillClrLst>
+    <dgm:txEffectClrLst/>
+  </dgm:styleLbl>
+  <dgm:styleLbl name="fgAcc2">
+    <dgm:fillClrLst meth="repeat">
+      <a:schemeClr val="lt1">
+        <a:alpha val="90000"/>
+      </a:schemeClr>
+    </dgm:fillClrLst>
+    <dgm:linClrLst meth="repeat">
+      <a:schemeClr val="accent1"/>
+    </dgm:linClrLst>
+    <dgm:effectClrLst/>
+    <dgm:txLinClrLst/>
+    <dgm:txFillClrLst meth="repeat">
+      <a:schemeClr val="dk1"/>
+    </dgm:txFillClrLst>
+    <dgm:txEffectClrLst/>
+  </dgm:styleLbl>
+  <dgm:styleLbl name="fgAcc3">
+    <dgm:fillClrLst meth="repeat">
+      <a:schemeClr val="lt1">
+        <a:alpha val="90000"/>
+      </a:schemeClr>
+    </dgm:fillClrLst>
+    <dgm:linClrLst meth="repeat">
+      <a:schemeClr val="accent1"/>
+    </dgm:linClrLst>
+    <dgm:effectClrLst/>
+    <dgm:txLinClrLst/>
+    <dgm:txFillClrLst meth="repeat">
+      <a:schemeClr val="dk1"/>
+    </dgm:txFillClrLst>
+    <dgm:txEffectClrLst/>
+  </dgm:styleLbl>
+  <dgm:styleLbl name="fgAcc4">
+    <dgm:fillClrLst meth="repeat">
+      <a:schemeClr val="lt1">
+        <a:alpha val="90000"/>
+      </a:schemeClr>
+    </dgm:fillClrLst>
+    <dgm:linClrLst meth="repeat">
+      <a:schemeClr val="accent1"/>
+    </dgm:linClrLst>
+    <dgm:effectClrLst/>
+    <dgm:txLinClrLst/>
+    <dgm:txFillClrLst meth="repeat">
+      <a:schemeClr val="dk1"/>
+    </dgm:txFillClrLst>
+    <dgm:txEffectClrLst/>
+  </dgm:styleLbl>
+  <dgm:styleLbl name="bgShp">
+    <dgm:fillClrLst meth="repeat">
+      <a:schemeClr val="accent1">
+        <a:tint val="40000"/>
+      </a:schemeClr>
+    </dgm:fillClrLst>
+    <dgm:linClrLst meth="repeat">
+      <a:schemeClr val="accent1"/>
+    </dgm:linClrLst>
+    <dgm:effectClrLst/>
+    <dgm:txLinClrLst/>
+    <dgm:txFillClrLst meth="repeat">
+      <a:schemeClr val="dk1"/>
+    </dgm:txFillClrLst>
+    <dgm:txEffectClrLst/>
+  </dgm:styleLbl>
+  <dgm:styleLbl name="dkBgShp">
+    <dgm:fillClrLst meth="repeat">
+      <a:schemeClr val="accent1">
+        <a:shade val="80000"/>
+      </a:schemeClr>
+    </dgm:fillClrLst>
+    <dgm:linClrLst meth="repeat">
+      <a:schemeClr val="accent1"/>
+    </dgm:linClrLst>
+    <dgm:effectClrLst/>
+    <dgm:txLinClrLst/>
+    <dgm:txFillClrLst meth="repeat">
+      <a:schemeClr val="lt1"/>
+    </dgm:txFillClrLst>
+    <dgm:txEffectClrLst/>
+  </dgm:styleLbl>
+  <dgm:styleLbl name="trBgShp">
+    <dgm:fillClrLst meth="repeat">
+      <a:schemeClr val="accent1">
+        <a:tint val="50000"/>
+        <a:alpha val="40000"/>
+      </a:schemeClr>
+    </dgm:fillClrLst>
+    <dgm:linClrLst meth="repeat">
+      <a:schemeClr val="accent1"/>
+    </dgm:linClrLst>
+    <dgm:effectClrLst/>
+    <dgm:txLinClrLst/>
+    <dgm:txFillClrLst meth="repeat">
+      <a:schemeClr val="lt1"/>
+    </dgm:txFillClrLst>
+    <dgm:txEffectClrLst/>
+  </dgm:styleLbl>
+  <dgm:styleLbl name="fgShp">
+    <dgm:fillClrLst meth="repeat">
+      <a:schemeClr val="accent1">
+        <a:tint val="60000"/>
+      </a:schemeClr>
+    </dgm:fillClrLst>
+    <dgm:linClrLst meth="repeat">
+      <a:schemeClr val="lt1"/>
+    </dgm:linClrLst>
+    <dgm:effectClrLst/>
+    <dgm:txLinClrLst/>
+    <dgm:txFillClrLst meth="repeat">
+      <a:schemeClr val="dk1"/>
+    </dgm:txFillClrLst>
+    <dgm:txEffectClrLst/>
+  </dgm:styleLbl>
+  <dgm:styleLbl name="revTx">
+    <dgm:fillClrLst meth="repeat">
+      <a:schemeClr val="lt1">
+        <a:alpha val="0"/>
+      </a:schemeClr>
+    </dgm:fillClrLst>
+    <dgm:linClrLst meth="repeat">
+      <a:schemeClr val="dk1">
+        <a:alpha val="0"/>
+      </a:schemeClr>
+    </dgm:linClrLst>
+    <dgm:effectClrLst/>
+    <dgm:txLinClrLst/>
+    <dgm:txFillClrLst meth="repeat">
+      <a:schemeClr val="tx1"/>
+    </dgm:txFillClrLst>
+    <dgm:txEffectClrLst/>
+  </dgm:styleLbl>
+</dgm:colorsDef>
+</file>
+
+<file path=ppt/diagrams/colors4.xml><?xml version="1.0" encoding="utf-8"?>
 <dgm:colorsDef xmlns:dgm="http://schemas.openxmlformats.org/drawingml/2006/diagram" xmlns:a="http://schemas.openxmlformats.org/drawingml/2006/main" uniqueId="urn:microsoft.com/office/officeart/2005/8/colors/accent1_2">
   <dgm:title val=""/>
   <dgm:desc val=""/>
@@ -2942,6 +3690,13 @@
         </dgm:presLayoutVars>
       </dgm:prSet>
       <dgm:spPr/>
+      <dgm:t>
+        <a:bodyPr/>
+        <a:lstStyle/>
+        <a:p>
+          <a:endParaRPr lang="de-DE"/>
+        </a:p>
+      </dgm:t>
     </dgm:pt>
     <dgm:pt modelId="{727B1B61-B62D-4C3D-B777-43906ADD803C}" type="pres">
       <dgm:prSet presAssocID="{03A8BDC9-669F-4918-A9DE-106A769820D1}" presName="bullet5b" presStyleLbl="node1" presStyleIdx="1" presStyleCnt="5"/>
@@ -2954,6 +3709,13 @@
         </dgm:presLayoutVars>
       </dgm:prSet>
       <dgm:spPr/>
+      <dgm:t>
+        <a:bodyPr/>
+        <a:lstStyle/>
+        <a:p>
+          <a:endParaRPr lang="de-DE"/>
+        </a:p>
+      </dgm:t>
     </dgm:pt>
     <dgm:pt modelId="{002C3FB9-310D-4961-BDD5-1DFD86FE10F5}" type="pres">
       <dgm:prSet presAssocID="{3F888F01-DCE4-4AA3-81A6-3CA974F7DEED}" presName="bullet5c" presStyleLbl="node1" presStyleIdx="2" presStyleCnt="5"/>
@@ -2966,6 +3728,13 @@
         </dgm:presLayoutVars>
       </dgm:prSet>
       <dgm:spPr/>
+      <dgm:t>
+        <a:bodyPr/>
+        <a:lstStyle/>
+        <a:p>
+          <a:endParaRPr lang="de-DE"/>
+        </a:p>
+      </dgm:t>
     </dgm:pt>
     <dgm:pt modelId="{E1CCDBEE-AB6F-4355-994F-2E8E439F6159}" type="pres">
       <dgm:prSet presAssocID="{BDEC989F-1E9D-46AB-9523-6268838E1868}" presName="bullet5d" presStyleLbl="node1" presStyleIdx="3" presStyleCnt="5"/>
@@ -2978,6 +3747,13 @@
         </dgm:presLayoutVars>
       </dgm:prSet>
       <dgm:spPr/>
+      <dgm:t>
+        <a:bodyPr/>
+        <a:lstStyle/>
+        <a:p>
+          <a:endParaRPr lang="de-DE"/>
+        </a:p>
+      </dgm:t>
     </dgm:pt>
     <dgm:pt modelId="{68B7B68E-B8B8-4EC2-A2FF-28B45B958F5A}" type="pres">
       <dgm:prSet presAssocID="{00126DA2-E8A9-44CA-85AD-A6CB396B82C5}" presName="bullet5e" presStyleLbl="node1" presStyleIdx="4" presStyleCnt="5"/>
@@ -2990,6 +3766,13 @@
         </dgm:presLayoutVars>
       </dgm:prSet>
       <dgm:spPr/>
+      <dgm:t>
+        <a:bodyPr/>
+        <a:lstStyle/>
+        <a:p>
+          <a:endParaRPr lang="de-DE"/>
+        </a:p>
+      </dgm:t>
     </dgm:pt>
   </dgm:ptLst>
   <dgm:cxnLst>
@@ -3021,9 +3804,9 @@
     <dgm:cxn modelId="{E85D5463-7228-41A9-888A-9EC366987151}" srcId="{6217A406-CCAC-4760-A132-823320E7C8AA}" destId="{A8DD8037-4DB6-470D-8714-9A3918A2AA88}" srcOrd="0" destOrd="0" parTransId="{82353E00-898A-4479-BD1A-370A77D87C99}" sibTransId="{A267CE71-DF80-4788-9F14-E573AADD3E40}"/>
     <dgm:cxn modelId="{ECFEB97A-43D7-444C-B0EA-72B81C62A6C0}" srcId="{03A8BDC9-669F-4918-A9DE-106A769820D1}" destId="{360A8656-2B98-4847-8F25-D5D3168CA0D1}" srcOrd="1" destOrd="0" parTransId="{86358050-89CD-4349-B74B-9DD9CD9BA9A8}" sibTransId="{75247C5B-8F9E-45FF-B498-3C4C035E6B74}"/>
     <dgm:cxn modelId="{C11BD460-D82F-48C7-A866-6C4480D7932A}" type="presOf" srcId="{00126DA2-E8A9-44CA-85AD-A6CB396B82C5}" destId="{1C4F9093-FE47-4554-A822-B92A4C0EC2A7}" srcOrd="0" destOrd="0" presId="urn:microsoft.com/office/officeart/2005/8/layout/arrow2"/>
+    <dgm:cxn modelId="{5170D23C-6CF2-4C5A-BED6-20ABA304C401}" type="presOf" srcId="{EC43F636-1A5B-45CE-867C-21BB2A8C9979}" destId="{55D03CFC-8164-4FA7-8D3A-0BF5D70844C3}" srcOrd="0" destOrd="1" presId="urn:microsoft.com/office/officeart/2005/8/layout/arrow2"/>
+    <dgm:cxn modelId="{296EF577-D74A-46D9-B1C2-3BFEB87C743D}" type="presOf" srcId="{A8DD8037-4DB6-470D-8714-9A3918A2AA88}" destId="{8F7A122F-A032-49E6-AAC7-9B138367453A}" srcOrd="0" destOrd="1" presId="urn:microsoft.com/office/officeart/2005/8/layout/arrow2"/>
     <dgm:cxn modelId="{4B47EB8C-5E19-4988-9BA6-AC4A66744EE6}" srcId="{0AE2193A-BCD4-4946-9B53-3FCAAF9851C5}" destId="{3F888F01-DCE4-4AA3-81A6-3CA974F7DEED}" srcOrd="2" destOrd="0" parTransId="{F8AF2A7E-D40F-4EF0-A289-6116C58B8397}" sibTransId="{A86B9379-31F6-434F-AE6D-F6EA41D9E54B}"/>
-    <dgm:cxn modelId="{296EF577-D74A-46D9-B1C2-3BFEB87C743D}" type="presOf" srcId="{A8DD8037-4DB6-470D-8714-9A3918A2AA88}" destId="{8F7A122F-A032-49E6-AAC7-9B138367453A}" srcOrd="0" destOrd="1" presId="urn:microsoft.com/office/officeart/2005/8/layout/arrow2"/>
-    <dgm:cxn modelId="{5170D23C-6CF2-4C5A-BED6-20ABA304C401}" type="presOf" srcId="{EC43F636-1A5B-45CE-867C-21BB2A8C9979}" destId="{55D03CFC-8164-4FA7-8D3A-0BF5D70844C3}" srcOrd="0" destOrd="1" presId="urn:microsoft.com/office/officeart/2005/8/layout/arrow2"/>
     <dgm:cxn modelId="{AAF496FB-B2D6-4F55-9D64-A9D1B532DE13}" type="presParOf" srcId="{774104AD-7E53-4E32-B515-B77A8A985716}" destId="{8EFB4082-6FA8-467F-B4A4-1D865061D7EB}" srcOrd="0" destOrd="0" presId="urn:microsoft.com/office/officeart/2005/8/layout/arrow2"/>
     <dgm:cxn modelId="{19C067C1-98AB-46EA-9532-50D475C7306F}" type="presParOf" srcId="{774104AD-7E53-4E32-B515-B77A8A985716}" destId="{2AB02C00-8A31-40E5-A971-475D350A9809}" srcOrd="1" destOrd="0" presId="urn:microsoft.com/office/officeart/2005/8/layout/arrow2"/>
     <dgm:cxn modelId="{67734BBC-6FDD-4787-BCB3-721DA787E5CA}" type="presParOf" srcId="{2AB02C00-8A31-40E5-A971-475D350A9809}" destId="{490D4099-2E4E-45B8-A269-26396529A523}" srcOrd="0" destOrd="0" presId="urn:microsoft.com/office/officeart/2005/8/layout/arrow2"/>
@@ -3268,6 +4051,13 @@
         </dgm:presLayoutVars>
       </dgm:prSet>
       <dgm:spPr/>
+      <dgm:t>
+        <a:bodyPr/>
+        <a:lstStyle/>
+        <a:p>
+          <a:endParaRPr lang="de-DE"/>
+        </a:p>
+      </dgm:t>
     </dgm:pt>
     <dgm:pt modelId="{1AF87F15-4EE6-419E-9E47-1BD867C82FBA}" type="pres">
       <dgm:prSet presAssocID="{980D0C64-4394-4C8B-A1BC-39DF94FFA6DB}" presName="hierRoot1" presStyleCnt="0">
@@ -3289,6 +4079,13 @@
         </dgm:presLayoutVars>
       </dgm:prSet>
       <dgm:spPr/>
+      <dgm:t>
+        <a:bodyPr/>
+        <a:lstStyle/>
+        <a:p>
+          <a:endParaRPr lang="de-DE"/>
+        </a:p>
+      </dgm:t>
     </dgm:pt>
     <dgm:pt modelId="{F30DCFA2-97CF-4F43-B794-E8837C6096F0}" type="pres">
       <dgm:prSet presAssocID="{980D0C64-4394-4C8B-A1BC-39DF94FFA6DB}" presName="titleText1" presStyleLbl="fgAcc0" presStyleIdx="0" presStyleCnt="1">
@@ -3298,10 +4095,24 @@
         </dgm:presLayoutVars>
       </dgm:prSet>
       <dgm:spPr/>
+      <dgm:t>
+        <a:bodyPr/>
+        <a:lstStyle/>
+        <a:p>
+          <a:endParaRPr lang="de-DE"/>
+        </a:p>
+      </dgm:t>
     </dgm:pt>
     <dgm:pt modelId="{191F112D-A45F-436C-B599-A704861B7449}" type="pres">
       <dgm:prSet presAssocID="{980D0C64-4394-4C8B-A1BC-39DF94FFA6DB}" presName="rootConnector1" presStyleLbl="node1" presStyleIdx="0" presStyleCnt="4"/>
       <dgm:spPr/>
+      <dgm:t>
+        <a:bodyPr/>
+        <a:lstStyle/>
+        <a:p>
+          <a:endParaRPr lang="de-DE"/>
+        </a:p>
+      </dgm:t>
     </dgm:pt>
     <dgm:pt modelId="{407048AF-EE30-4B96-A387-61C1D0CE5140}" type="pres">
       <dgm:prSet presAssocID="{980D0C64-4394-4C8B-A1BC-39DF94FFA6DB}" presName="hierChild2" presStyleCnt="0"/>
@@ -3310,6 +4121,13 @@
     <dgm:pt modelId="{D5F6D8B8-4258-4198-BE70-A80B84977E1D}" type="pres">
       <dgm:prSet presAssocID="{E4DEBCA7-E72A-40A6-9FFE-0CB52542C41A}" presName="Name37" presStyleLbl="parChTrans1D2" presStyleIdx="0" presStyleCnt="4"/>
       <dgm:spPr/>
+      <dgm:t>
+        <a:bodyPr/>
+        <a:lstStyle/>
+        <a:p>
+          <a:endParaRPr lang="de-DE"/>
+        </a:p>
+      </dgm:t>
     </dgm:pt>
     <dgm:pt modelId="{61D2E535-C60B-4EE2-85E2-9A178BF9FF1F}" type="pres">
       <dgm:prSet presAssocID="{9AA9956D-2E85-42B1-B1DF-C7DF617A4910}" presName="hierRoot2" presStyleCnt="0">
@@ -3331,6 +4149,13 @@
         </dgm:presLayoutVars>
       </dgm:prSet>
       <dgm:spPr/>
+      <dgm:t>
+        <a:bodyPr/>
+        <a:lstStyle/>
+        <a:p>
+          <a:endParaRPr lang="de-DE"/>
+        </a:p>
+      </dgm:t>
     </dgm:pt>
     <dgm:pt modelId="{970DF215-3A69-44D5-BB4D-176CA6265961}" type="pres">
       <dgm:prSet presAssocID="{9AA9956D-2E85-42B1-B1DF-C7DF617A4910}" presName="titleText2" presStyleLbl="fgAcc1" presStyleIdx="0" presStyleCnt="4">
@@ -3340,10 +4165,24 @@
         </dgm:presLayoutVars>
       </dgm:prSet>
       <dgm:spPr/>
+      <dgm:t>
+        <a:bodyPr/>
+        <a:lstStyle/>
+        <a:p>
+          <a:endParaRPr lang="de-DE"/>
+        </a:p>
+      </dgm:t>
     </dgm:pt>
     <dgm:pt modelId="{3FFAD54F-CDF3-4EAB-939A-CD11D5B7CEF4}" type="pres">
       <dgm:prSet presAssocID="{9AA9956D-2E85-42B1-B1DF-C7DF617A4910}" presName="rootConnector" presStyleLbl="node2" presStyleIdx="0" presStyleCnt="0"/>
       <dgm:spPr/>
+      <dgm:t>
+        <a:bodyPr/>
+        <a:lstStyle/>
+        <a:p>
+          <a:endParaRPr lang="de-DE"/>
+        </a:p>
+      </dgm:t>
     </dgm:pt>
     <dgm:pt modelId="{8F36EF9E-C60E-4D44-BB83-4276DA6647E8}" type="pres">
       <dgm:prSet presAssocID="{9AA9956D-2E85-42B1-B1DF-C7DF617A4910}" presName="hierChild4" presStyleCnt="0"/>
@@ -3356,6 +4195,13 @@
     <dgm:pt modelId="{418B8B31-D631-4C74-B418-D94A89EA2477}" type="pres">
       <dgm:prSet presAssocID="{61461668-1E6A-4B47-A198-DBA2FF97E485}" presName="Name37" presStyleLbl="parChTrans1D2" presStyleIdx="1" presStyleCnt="4"/>
       <dgm:spPr/>
+      <dgm:t>
+        <a:bodyPr/>
+        <a:lstStyle/>
+        <a:p>
+          <a:endParaRPr lang="de-DE"/>
+        </a:p>
+      </dgm:t>
     </dgm:pt>
     <dgm:pt modelId="{626DFB8D-AD5E-4511-A56E-DF21CE909E40}" type="pres">
       <dgm:prSet presAssocID="{BD78AC86-9D6C-4EE3-8941-88131E7E33B7}" presName="hierRoot2" presStyleCnt="0">
@@ -3377,6 +4223,13 @@
         </dgm:presLayoutVars>
       </dgm:prSet>
       <dgm:spPr/>
+      <dgm:t>
+        <a:bodyPr/>
+        <a:lstStyle/>
+        <a:p>
+          <a:endParaRPr lang="de-DE"/>
+        </a:p>
+      </dgm:t>
     </dgm:pt>
     <dgm:pt modelId="{5681A1C3-F7F2-459E-B1EA-ADC0DF83F7F4}" type="pres">
       <dgm:prSet presAssocID="{BD78AC86-9D6C-4EE3-8941-88131E7E33B7}" presName="titleText2" presStyleLbl="fgAcc1" presStyleIdx="1" presStyleCnt="4">
@@ -3386,10 +4239,24 @@
         </dgm:presLayoutVars>
       </dgm:prSet>
       <dgm:spPr/>
+      <dgm:t>
+        <a:bodyPr/>
+        <a:lstStyle/>
+        <a:p>
+          <a:endParaRPr lang="de-DE"/>
+        </a:p>
+      </dgm:t>
     </dgm:pt>
     <dgm:pt modelId="{F8B9FF12-A7DE-4343-BAFE-F3AA9063F1EB}" type="pres">
       <dgm:prSet presAssocID="{BD78AC86-9D6C-4EE3-8941-88131E7E33B7}" presName="rootConnector" presStyleLbl="node2" presStyleIdx="0" presStyleCnt="0"/>
       <dgm:spPr/>
+      <dgm:t>
+        <a:bodyPr/>
+        <a:lstStyle/>
+        <a:p>
+          <a:endParaRPr lang="de-DE"/>
+        </a:p>
+      </dgm:t>
     </dgm:pt>
     <dgm:pt modelId="{71EA76B5-FE0A-45F9-9EED-DFE6CDAE978D}" type="pres">
       <dgm:prSet presAssocID="{BD78AC86-9D6C-4EE3-8941-88131E7E33B7}" presName="hierChild4" presStyleCnt="0"/>
@@ -3402,6 +4269,13 @@
     <dgm:pt modelId="{EC9CC648-36AF-46A2-8311-685C7A41B586}" type="pres">
       <dgm:prSet presAssocID="{71C0EDDB-EE97-4D08-943E-561E913F3984}" presName="Name37" presStyleLbl="parChTrans1D2" presStyleIdx="2" presStyleCnt="4"/>
       <dgm:spPr/>
+      <dgm:t>
+        <a:bodyPr/>
+        <a:lstStyle/>
+        <a:p>
+          <a:endParaRPr lang="de-DE"/>
+        </a:p>
+      </dgm:t>
     </dgm:pt>
     <dgm:pt modelId="{BFCEA91E-4452-423B-B8FF-D2F5CE3688F4}" type="pres">
       <dgm:prSet presAssocID="{7AF5185A-5523-4D7E-B3D1-8CEEAA432599}" presName="hierRoot2" presStyleCnt="0">
@@ -3423,6 +4297,13 @@
         </dgm:presLayoutVars>
       </dgm:prSet>
       <dgm:spPr/>
+      <dgm:t>
+        <a:bodyPr/>
+        <a:lstStyle/>
+        <a:p>
+          <a:endParaRPr lang="de-DE"/>
+        </a:p>
+      </dgm:t>
     </dgm:pt>
     <dgm:pt modelId="{210698F5-CF27-4953-810C-44A846F5EE01}" type="pres">
       <dgm:prSet presAssocID="{7AF5185A-5523-4D7E-B3D1-8CEEAA432599}" presName="titleText2" presStyleLbl="fgAcc1" presStyleIdx="2" presStyleCnt="4">
@@ -3432,10 +4313,24 @@
         </dgm:presLayoutVars>
       </dgm:prSet>
       <dgm:spPr/>
+      <dgm:t>
+        <a:bodyPr/>
+        <a:lstStyle/>
+        <a:p>
+          <a:endParaRPr lang="de-DE"/>
+        </a:p>
+      </dgm:t>
     </dgm:pt>
     <dgm:pt modelId="{F6769DBA-69F4-4CF2-98E1-2C89C474DB77}" type="pres">
       <dgm:prSet presAssocID="{7AF5185A-5523-4D7E-B3D1-8CEEAA432599}" presName="rootConnector" presStyleLbl="node2" presStyleIdx="0" presStyleCnt="0"/>
       <dgm:spPr/>
+      <dgm:t>
+        <a:bodyPr/>
+        <a:lstStyle/>
+        <a:p>
+          <a:endParaRPr lang="de-DE"/>
+        </a:p>
+      </dgm:t>
     </dgm:pt>
     <dgm:pt modelId="{406ECC91-8C7F-4F95-A29D-A453A41288DC}" type="pres">
       <dgm:prSet presAssocID="{7AF5185A-5523-4D7E-B3D1-8CEEAA432599}" presName="hierChild4" presStyleCnt="0"/>
@@ -3448,6 +4343,13 @@
     <dgm:pt modelId="{CA0371F2-4905-4094-9792-0F4EC6527AB6}" type="pres">
       <dgm:prSet presAssocID="{81958D29-D6AE-4B82-9DD8-B2C2AB0DA8F5}" presName="Name37" presStyleLbl="parChTrans1D2" presStyleIdx="3" presStyleCnt="4"/>
       <dgm:spPr/>
+      <dgm:t>
+        <a:bodyPr/>
+        <a:lstStyle/>
+        <a:p>
+          <a:endParaRPr lang="de-DE"/>
+        </a:p>
+      </dgm:t>
     </dgm:pt>
     <dgm:pt modelId="{31AD704F-92A9-41A4-BF53-B6FDCBB3785C}" type="pres">
       <dgm:prSet presAssocID="{0CB92999-CDA0-426D-BA3F-4800F96F7061}" presName="hierRoot2" presStyleCnt="0">
@@ -3469,6 +4371,13 @@
         </dgm:presLayoutVars>
       </dgm:prSet>
       <dgm:spPr/>
+      <dgm:t>
+        <a:bodyPr/>
+        <a:lstStyle/>
+        <a:p>
+          <a:endParaRPr lang="de-DE"/>
+        </a:p>
+      </dgm:t>
     </dgm:pt>
     <dgm:pt modelId="{52B6D15F-3B47-4570-B14B-B91C71FCECDE}" type="pres">
       <dgm:prSet presAssocID="{0CB92999-CDA0-426D-BA3F-4800F96F7061}" presName="titleText2" presStyleLbl="fgAcc1" presStyleIdx="3" presStyleCnt="4">
@@ -3478,10 +4387,24 @@
         </dgm:presLayoutVars>
       </dgm:prSet>
       <dgm:spPr/>
+      <dgm:t>
+        <a:bodyPr/>
+        <a:lstStyle/>
+        <a:p>
+          <a:endParaRPr lang="de-DE"/>
+        </a:p>
+      </dgm:t>
     </dgm:pt>
     <dgm:pt modelId="{7749BEF7-3594-483D-85F3-407D16A096CB}" type="pres">
       <dgm:prSet presAssocID="{0CB92999-CDA0-426D-BA3F-4800F96F7061}" presName="rootConnector" presStyleLbl="node2" presStyleIdx="0" presStyleCnt="0"/>
       <dgm:spPr/>
+      <dgm:t>
+        <a:bodyPr/>
+        <a:lstStyle/>
+        <a:p>
+          <a:endParaRPr lang="de-DE"/>
+        </a:p>
+      </dgm:t>
     </dgm:pt>
     <dgm:pt modelId="{A45F962E-B4F4-44AC-8884-587C16B676C6}" type="pres">
       <dgm:prSet presAssocID="{0CB92999-CDA0-426D-BA3F-4800F96F7061}" presName="hierChild4" presStyleCnt="0"/>
@@ -3573,6 +4496,317 @@
 </file>
 
 <file path=ppt/diagrams/data3.xml><?xml version="1.0" encoding="utf-8"?>
+<dgm:dataModel xmlns:dgm="http://schemas.openxmlformats.org/drawingml/2006/diagram" xmlns:a="http://schemas.openxmlformats.org/drawingml/2006/main">
+  <dgm:ptLst>
+    <dgm:pt modelId="{DE8F322F-34AE-4C1D-84AE-4C119BD84540}" type="doc">
+      <dgm:prSet loTypeId="urn:microsoft.com/office/officeart/2005/8/layout/default" loCatId="list" qsTypeId="urn:microsoft.com/office/officeart/2005/8/quickstyle/simple1" qsCatId="simple" csTypeId="urn:microsoft.com/office/officeart/2005/8/colors/accent1_2" csCatId="accent1" phldr="1"/>
+      <dgm:spPr/>
+      <dgm:t>
+        <a:bodyPr/>
+        <a:lstStyle/>
+        <a:p>
+          <a:endParaRPr lang="de-DE"/>
+        </a:p>
+      </dgm:t>
+    </dgm:pt>
+    <dgm:pt modelId="{7EFAC483-52A1-4FF3-AF0F-C65D80827B7A}">
+      <dgm:prSet phldrT="[Text]"/>
+      <dgm:spPr/>
+      <dgm:t>
+        <a:bodyPr/>
+        <a:lstStyle/>
+        <a:p>
+          <a:r>
+            <a:rPr lang="de-DE" dirty="0" smtClean="0"/>
+            <a:t>Datensicherheit</a:t>
+          </a:r>
+          <a:endParaRPr lang="de-DE" dirty="0"/>
+        </a:p>
+      </dgm:t>
+    </dgm:pt>
+    <dgm:pt modelId="{A4AAD282-FB3D-4E39-B319-0D1BBD16D34D}" type="parTrans" cxnId="{C162CDF6-C60F-4894-8D33-71DB6D8D2045}">
+      <dgm:prSet/>
+      <dgm:spPr/>
+      <dgm:t>
+        <a:bodyPr/>
+        <a:lstStyle/>
+        <a:p>
+          <a:endParaRPr lang="de-DE"/>
+        </a:p>
+      </dgm:t>
+    </dgm:pt>
+    <dgm:pt modelId="{1AC432B5-7033-48C2-83F8-D24B330F2E49}" type="sibTrans" cxnId="{C162CDF6-C60F-4894-8D33-71DB6D8D2045}">
+      <dgm:prSet/>
+      <dgm:spPr/>
+      <dgm:t>
+        <a:bodyPr/>
+        <a:lstStyle/>
+        <a:p>
+          <a:endParaRPr lang="de-DE"/>
+        </a:p>
+      </dgm:t>
+    </dgm:pt>
+    <dgm:pt modelId="{72839ED7-2DDB-4B5A-9932-3D0DFE9D1333}">
+      <dgm:prSet phldrT="[Text]"/>
+      <dgm:spPr/>
+      <dgm:t>
+        <a:bodyPr/>
+        <a:lstStyle/>
+        <a:p>
+          <a:r>
+            <a:rPr lang="de-DE" dirty="0" smtClean="0"/>
+            <a:t>Datenschutz</a:t>
+          </a:r>
+          <a:endParaRPr lang="de-DE" dirty="0"/>
+        </a:p>
+      </dgm:t>
+    </dgm:pt>
+    <dgm:pt modelId="{550E09DC-004A-4230-B52F-9BDADA4D85B5}" type="parTrans" cxnId="{6BD1F005-8321-4C5F-8502-85D022DEB687}">
+      <dgm:prSet/>
+      <dgm:spPr/>
+      <dgm:t>
+        <a:bodyPr/>
+        <a:lstStyle/>
+        <a:p>
+          <a:endParaRPr lang="de-DE"/>
+        </a:p>
+      </dgm:t>
+    </dgm:pt>
+    <dgm:pt modelId="{E158C9E0-4042-476F-AE76-AF0E2A50D85F}" type="sibTrans" cxnId="{6BD1F005-8321-4C5F-8502-85D022DEB687}">
+      <dgm:prSet/>
+      <dgm:spPr/>
+      <dgm:t>
+        <a:bodyPr/>
+        <a:lstStyle/>
+        <a:p>
+          <a:endParaRPr lang="de-DE"/>
+        </a:p>
+      </dgm:t>
+    </dgm:pt>
+    <dgm:pt modelId="{6DA38233-EDB7-486B-83B7-CC9032187434}">
+      <dgm:prSet phldrT="[Text]"/>
+      <dgm:spPr/>
+      <dgm:t>
+        <a:bodyPr/>
+        <a:lstStyle/>
+        <a:p>
+          <a:r>
+            <a:rPr lang="de-DE" dirty="0" smtClean="0"/>
+            <a:t>Datenintegrität</a:t>
+          </a:r>
+          <a:endParaRPr lang="de-DE" dirty="0"/>
+        </a:p>
+      </dgm:t>
+    </dgm:pt>
+    <dgm:pt modelId="{5F06E5F0-0382-4B1B-87D1-94D564754783}" type="parTrans" cxnId="{61DD152F-671D-4C32-840C-31E5B6BB2A4D}">
+      <dgm:prSet/>
+      <dgm:spPr/>
+      <dgm:t>
+        <a:bodyPr/>
+        <a:lstStyle/>
+        <a:p>
+          <a:endParaRPr lang="de-DE"/>
+        </a:p>
+      </dgm:t>
+    </dgm:pt>
+    <dgm:pt modelId="{37046AE9-C406-4D12-B1D8-4D3D08BC07B8}" type="sibTrans" cxnId="{61DD152F-671D-4C32-840C-31E5B6BB2A4D}">
+      <dgm:prSet/>
+      <dgm:spPr/>
+      <dgm:t>
+        <a:bodyPr/>
+        <a:lstStyle/>
+        <a:p>
+          <a:endParaRPr lang="de-DE"/>
+        </a:p>
+      </dgm:t>
+    </dgm:pt>
+    <dgm:pt modelId="{6330D51E-216D-46DC-97B7-57A71119F84A}">
+      <dgm:prSet phldrT="[Text]"/>
+      <dgm:spPr/>
+      <dgm:t>
+        <a:bodyPr/>
+        <a:lstStyle/>
+        <a:p>
+          <a:r>
+            <a:rPr lang="de-DE" dirty="0" smtClean="0"/>
+            <a:t>Benutzerrechte</a:t>
+          </a:r>
+          <a:endParaRPr lang="de-DE" dirty="0"/>
+        </a:p>
+      </dgm:t>
+    </dgm:pt>
+    <dgm:pt modelId="{28F846CF-CE71-43FE-AB63-6DF7C1F3E072}" type="parTrans" cxnId="{D8F487F6-4422-4D4F-8672-5E3E68D4642D}">
+      <dgm:prSet/>
+      <dgm:spPr/>
+      <dgm:t>
+        <a:bodyPr/>
+        <a:lstStyle/>
+        <a:p>
+          <a:endParaRPr lang="de-DE"/>
+        </a:p>
+      </dgm:t>
+    </dgm:pt>
+    <dgm:pt modelId="{F0868AD7-D4D4-4F6F-9B58-9EC513994B5A}" type="sibTrans" cxnId="{D8F487F6-4422-4D4F-8672-5E3E68D4642D}">
+      <dgm:prSet/>
+      <dgm:spPr/>
+      <dgm:t>
+        <a:bodyPr/>
+        <a:lstStyle/>
+        <a:p>
+          <a:endParaRPr lang="de-DE"/>
+        </a:p>
+      </dgm:t>
+    </dgm:pt>
+    <dgm:pt modelId="{5E02D813-B550-4075-BE1C-E7C4BF450B8A}">
+      <dgm:prSet phldrT="[Text]"/>
+      <dgm:spPr/>
+      <dgm:t>
+        <a:bodyPr/>
+        <a:lstStyle/>
+        <a:p>
+          <a:r>
+            <a:rPr lang="de-DE" dirty="0" smtClean="0"/>
+            <a:t>Gesetze</a:t>
+          </a:r>
+          <a:endParaRPr lang="de-DE" dirty="0"/>
+        </a:p>
+      </dgm:t>
+    </dgm:pt>
+    <dgm:pt modelId="{4DAAC844-73F9-468F-B6B7-506D1C2733FF}" type="parTrans" cxnId="{5A6C7CA5-43B9-4D33-B800-954F74B31A9D}">
+      <dgm:prSet/>
+      <dgm:spPr/>
+      <dgm:t>
+        <a:bodyPr/>
+        <a:lstStyle/>
+        <a:p>
+          <a:endParaRPr lang="de-DE"/>
+        </a:p>
+      </dgm:t>
+    </dgm:pt>
+    <dgm:pt modelId="{5BE045ED-F0B0-4E9A-B98D-FED029A8772E}" type="sibTrans" cxnId="{5A6C7CA5-43B9-4D33-B800-954F74B31A9D}">
+      <dgm:prSet/>
+      <dgm:spPr/>
+      <dgm:t>
+        <a:bodyPr/>
+        <a:lstStyle/>
+        <a:p>
+          <a:endParaRPr lang="de-DE"/>
+        </a:p>
+      </dgm:t>
+    </dgm:pt>
+    <dgm:pt modelId="{C1952FDC-B68E-4D1F-BDD2-15DF9ADBB5EB}" type="pres">
+      <dgm:prSet presAssocID="{DE8F322F-34AE-4C1D-84AE-4C119BD84540}" presName="diagram" presStyleCnt="0">
+        <dgm:presLayoutVars>
+          <dgm:dir/>
+          <dgm:resizeHandles val="exact"/>
+        </dgm:presLayoutVars>
+      </dgm:prSet>
+      <dgm:spPr/>
+    </dgm:pt>
+    <dgm:pt modelId="{2BF15467-0E49-4845-904D-0CEFB46FA313}" type="pres">
+      <dgm:prSet presAssocID="{7EFAC483-52A1-4FF3-AF0F-C65D80827B7A}" presName="node" presStyleLbl="node1" presStyleIdx="0" presStyleCnt="5">
+        <dgm:presLayoutVars>
+          <dgm:bulletEnabled val="1"/>
+        </dgm:presLayoutVars>
+      </dgm:prSet>
+      <dgm:spPr/>
+    </dgm:pt>
+    <dgm:pt modelId="{CE49FF10-9C73-4AAF-9F9F-01A033196531}" type="pres">
+      <dgm:prSet presAssocID="{1AC432B5-7033-48C2-83F8-D24B330F2E49}" presName="sibTrans" presStyleCnt="0"/>
+      <dgm:spPr/>
+    </dgm:pt>
+    <dgm:pt modelId="{0188721D-6F1B-4B02-9F54-119E56EAB73C}" type="pres">
+      <dgm:prSet presAssocID="{72839ED7-2DDB-4B5A-9932-3D0DFE9D1333}" presName="node" presStyleLbl="node1" presStyleIdx="1" presStyleCnt="5">
+        <dgm:presLayoutVars>
+          <dgm:bulletEnabled val="1"/>
+        </dgm:presLayoutVars>
+      </dgm:prSet>
+      <dgm:spPr/>
+    </dgm:pt>
+    <dgm:pt modelId="{ACFC943D-D73B-4F0B-B942-6C8DC638F537}" type="pres">
+      <dgm:prSet presAssocID="{E158C9E0-4042-476F-AE76-AF0E2A50D85F}" presName="sibTrans" presStyleCnt="0"/>
+      <dgm:spPr/>
+    </dgm:pt>
+    <dgm:pt modelId="{0457ED69-F464-4661-BE61-A8DCC985B01C}" type="pres">
+      <dgm:prSet presAssocID="{6DA38233-EDB7-486B-83B7-CC9032187434}" presName="node" presStyleLbl="node1" presStyleIdx="2" presStyleCnt="5">
+        <dgm:presLayoutVars>
+          <dgm:bulletEnabled val="1"/>
+        </dgm:presLayoutVars>
+      </dgm:prSet>
+      <dgm:spPr/>
+      <dgm:t>
+        <a:bodyPr/>
+        <a:lstStyle/>
+        <a:p>
+          <a:endParaRPr lang="de-DE"/>
+        </a:p>
+      </dgm:t>
+    </dgm:pt>
+    <dgm:pt modelId="{B8B38FDB-1631-405E-BEDE-1594BC7E6ED2}" type="pres">
+      <dgm:prSet presAssocID="{37046AE9-C406-4D12-B1D8-4D3D08BC07B8}" presName="sibTrans" presStyleCnt="0"/>
+      <dgm:spPr/>
+    </dgm:pt>
+    <dgm:pt modelId="{C844A2F7-2701-4C05-ADAA-D6779AC6B298}" type="pres">
+      <dgm:prSet presAssocID="{6330D51E-216D-46DC-97B7-57A71119F84A}" presName="node" presStyleLbl="node1" presStyleIdx="3" presStyleCnt="5">
+        <dgm:presLayoutVars>
+          <dgm:bulletEnabled val="1"/>
+        </dgm:presLayoutVars>
+      </dgm:prSet>
+      <dgm:spPr/>
+    </dgm:pt>
+    <dgm:pt modelId="{2BE44C39-A8A9-46C1-A89E-9D213F9FD792}" type="pres">
+      <dgm:prSet presAssocID="{F0868AD7-D4D4-4F6F-9B58-9EC513994B5A}" presName="sibTrans" presStyleCnt="0"/>
+      <dgm:spPr/>
+    </dgm:pt>
+    <dgm:pt modelId="{30A65BC7-4BFD-43AA-925D-03AB4AEE013B}" type="pres">
+      <dgm:prSet presAssocID="{5E02D813-B550-4075-BE1C-E7C4BF450B8A}" presName="node" presStyleLbl="node1" presStyleIdx="4" presStyleCnt="5">
+        <dgm:presLayoutVars>
+          <dgm:bulletEnabled val="1"/>
+        </dgm:presLayoutVars>
+      </dgm:prSet>
+      <dgm:spPr/>
+      <dgm:t>
+        <a:bodyPr/>
+        <a:lstStyle/>
+        <a:p>
+          <a:endParaRPr lang="de-DE"/>
+        </a:p>
+      </dgm:t>
+    </dgm:pt>
+  </dgm:ptLst>
+  <dgm:cxnLst>
+    <dgm:cxn modelId="{6AA31774-E6FC-4DB8-A4D7-90B6DAB91E82}" type="presOf" srcId="{72839ED7-2DDB-4B5A-9932-3D0DFE9D1333}" destId="{0188721D-6F1B-4B02-9F54-119E56EAB73C}" srcOrd="0" destOrd="0" presId="urn:microsoft.com/office/officeart/2005/8/layout/default"/>
+    <dgm:cxn modelId="{67EEEAAD-7EF5-4C7B-92D6-51C419D45A8C}" type="presOf" srcId="{5E02D813-B550-4075-BE1C-E7C4BF450B8A}" destId="{30A65BC7-4BFD-43AA-925D-03AB4AEE013B}" srcOrd="0" destOrd="0" presId="urn:microsoft.com/office/officeart/2005/8/layout/default"/>
+    <dgm:cxn modelId="{024267E1-3DAD-4746-A6DF-22CB0456D7CE}" type="presOf" srcId="{6DA38233-EDB7-486B-83B7-CC9032187434}" destId="{0457ED69-F464-4661-BE61-A8DCC985B01C}" srcOrd="0" destOrd="0" presId="urn:microsoft.com/office/officeart/2005/8/layout/default"/>
+    <dgm:cxn modelId="{5A6C7CA5-43B9-4D33-B800-954F74B31A9D}" srcId="{DE8F322F-34AE-4C1D-84AE-4C119BD84540}" destId="{5E02D813-B550-4075-BE1C-E7C4BF450B8A}" srcOrd="4" destOrd="0" parTransId="{4DAAC844-73F9-468F-B6B7-506D1C2733FF}" sibTransId="{5BE045ED-F0B0-4E9A-B98D-FED029A8772E}"/>
+    <dgm:cxn modelId="{C162CDF6-C60F-4894-8D33-71DB6D8D2045}" srcId="{DE8F322F-34AE-4C1D-84AE-4C119BD84540}" destId="{7EFAC483-52A1-4FF3-AF0F-C65D80827B7A}" srcOrd="0" destOrd="0" parTransId="{A4AAD282-FB3D-4E39-B319-0D1BBD16D34D}" sibTransId="{1AC432B5-7033-48C2-83F8-D24B330F2E49}"/>
+    <dgm:cxn modelId="{6BD1F005-8321-4C5F-8502-85D022DEB687}" srcId="{DE8F322F-34AE-4C1D-84AE-4C119BD84540}" destId="{72839ED7-2DDB-4B5A-9932-3D0DFE9D1333}" srcOrd="1" destOrd="0" parTransId="{550E09DC-004A-4230-B52F-9BDADA4D85B5}" sibTransId="{E158C9E0-4042-476F-AE76-AF0E2A50D85F}"/>
+    <dgm:cxn modelId="{967B1787-C93E-4A8F-8F01-02ACC8660E75}" type="presOf" srcId="{6330D51E-216D-46DC-97B7-57A71119F84A}" destId="{C844A2F7-2701-4C05-ADAA-D6779AC6B298}" srcOrd="0" destOrd="0" presId="urn:microsoft.com/office/officeart/2005/8/layout/default"/>
+    <dgm:cxn modelId="{61DD152F-671D-4C32-840C-31E5B6BB2A4D}" srcId="{DE8F322F-34AE-4C1D-84AE-4C119BD84540}" destId="{6DA38233-EDB7-486B-83B7-CC9032187434}" srcOrd="2" destOrd="0" parTransId="{5F06E5F0-0382-4B1B-87D1-94D564754783}" sibTransId="{37046AE9-C406-4D12-B1D8-4D3D08BC07B8}"/>
+    <dgm:cxn modelId="{D9AF6870-562A-4BAC-9D7C-7F23E42D7B63}" type="presOf" srcId="{DE8F322F-34AE-4C1D-84AE-4C119BD84540}" destId="{C1952FDC-B68E-4D1F-BDD2-15DF9ADBB5EB}" srcOrd="0" destOrd="0" presId="urn:microsoft.com/office/officeart/2005/8/layout/default"/>
+    <dgm:cxn modelId="{77522D3D-A420-4C78-9E5E-ED819635A2B3}" type="presOf" srcId="{7EFAC483-52A1-4FF3-AF0F-C65D80827B7A}" destId="{2BF15467-0E49-4845-904D-0CEFB46FA313}" srcOrd="0" destOrd="0" presId="urn:microsoft.com/office/officeart/2005/8/layout/default"/>
+    <dgm:cxn modelId="{D8F487F6-4422-4D4F-8672-5E3E68D4642D}" srcId="{DE8F322F-34AE-4C1D-84AE-4C119BD84540}" destId="{6330D51E-216D-46DC-97B7-57A71119F84A}" srcOrd="3" destOrd="0" parTransId="{28F846CF-CE71-43FE-AB63-6DF7C1F3E072}" sibTransId="{F0868AD7-D4D4-4F6F-9B58-9EC513994B5A}"/>
+    <dgm:cxn modelId="{16EB276A-E44D-4E41-B51A-DD73DDD0DA91}" type="presParOf" srcId="{C1952FDC-B68E-4D1F-BDD2-15DF9ADBB5EB}" destId="{2BF15467-0E49-4845-904D-0CEFB46FA313}" srcOrd="0" destOrd="0" presId="urn:microsoft.com/office/officeart/2005/8/layout/default"/>
+    <dgm:cxn modelId="{A3E88EFA-E09A-415E-9AE7-557C808A8F1A}" type="presParOf" srcId="{C1952FDC-B68E-4D1F-BDD2-15DF9ADBB5EB}" destId="{CE49FF10-9C73-4AAF-9F9F-01A033196531}" srcOrd="1" destOrd="0" presId="urn:microsoft.com/office/officeart/2005/8/layout/default"/>
+    <dgm:cxn modelId="{698792A2-AA50-4C91-BAF9-43DF73F359CB}" type="presParOf" srcId="{C1952FDC-B68E-4D1F-BDD2-15DF9ADBB5EB}" destId="{0188721D-6F1B-4B02-9F54-119E56EAB73C}" srcOrd="2" destOrd="0" presId="urn:microsoft.com/office/officeart/2005/8/layout/default"/>
+    <dgm:cxn modelId="{DAA4E717-B1B5-4B86-8016-0E42CDD53243}" type="presParOf" srcId="{C1952FDC-B68E-4D1F-BDD2-15DF9ADBB5EB}" destId="{ACFC943D-D73B-4F0B-B942-6C8DC638F537}" srcOrd="3" destOrd="0" presId="urn:microsoft.com/office/officeart/2005/8/layout/default"/>
+    <dgm:cxn modelId="{7ADF9375-C2EE-4D83-8DC9-D0EBC62B5F0B}" type="presParOf" srcId="{C1952FDC-B68E-4D1F-BDD2-15DF9ADBB5EB}" destId="{0457ED69-F464-4661-BE61-A8DCC985B01C}" srcOrd="4" destOrd="0" presId="urn:microsoft.com/office/officeart/2005/8/layout/default"/>
+    <dgm:cxn modelId="{6070E86D-05A4-4158-A82E-2DF967D92B18}" type="presParOf" srcId="{C1952FDC-B68E-4D1F-BDD2-15DF9ADBB5EB}" destId="{B8B38FDB-1631-405E-BEDE-1594BC7E6ED2}" srcOrd="5" destOrd="0" presId="urn:microsoft.com/office/officeart/2005/8/layout/default"/>
+    <dgm:cxn modelId="{8796F65E-8835-4D82-9C08-1A1CCAF67B4F}" type="presParOf" srcId="{C1952FDC-B68E-4D1F-BDD2-15DF9ADBB5EB}" destId="{C844A2F7-2701-4C05-ADAA-D6779AC6B298}" srcOrd="6" destOrd="0" presId="urn:microsoft.com/office/officeart/2005/8/layout/default"/>
+    <dgm:cxn modelId="{ABB40B25-E8B8-4667-B56D-4D5AF9CDFBEB}" type="presParOf" srcId="{C1952FDC-B68E-4D1F-BDD2-15DF9ADBB5EB}" destId="{2BE44C39-A8A9-46C1-A89E-9D213F9FD792}" srcOrd="7" destOrd="0" presId="urn:microsoft.com/office/officeart/2005/8/layout/default"/>
+    <dgm:cxn modelId="{AE888C13-FB60-4973-B689-FE38B4C88107}" type="presParOf" srcId="{C1952FDC-B68E-4D1F-BDD2-15DF9ADBB5EB}" destId="{30A65BC7-4BFD-43AA-925D-03AB4AEE013B}" srcOrd="8" destOrd="0" presId="urn:microsoft.com/office/officeart/2005/8/layout/default"/>
+  </dgm:cxnLst>
+  <dgm:bg/>
+  <dgm:whole/>
+  <dgm:extLst>
+    <a:ext uri="http://schemas.microsoft.com/office/drawing/2008/diagram">
+      <dsp:dataModelExt xmlns:dsp="http://schemas.microsoft.com/office/drawing/2008/diagram" relId="rId6" minVer="http://schemas.openxmlformats.org/drawingml/2006/diagram"/>
+    </a:ext>
+  </dgm:extLst>
+</dgm:dataModel>
+</file>
+
+<file path=ppt/diagrams/data4.xml><?xml version="1.0" encoding="utf-8"?>
 <dgm:dataModel xmlns:dgm="http://schemas.openxmlformats.org/drawingml/2006/diagram" xmlns:a="http://schemas.openxmlformats.org/drawingml/2006/main">
   <dgm:ptLst>
     <dgm:pt modelId="{BFEB1832-6ABC-447A-97A0-24D26829B789}" type="doc">
@@ -3748,8 +4982,19 @@
         <a:p>
           <a:r>
             <a:rPr lang="de-DE" dirty="0"/>
-            <a:t>Frühzeitige Vollendung des Projekts</a:t>
+            <a:t>Frühzeitige Vollendung des </a:t>
           </a:r>
+          <a:r>
+            <a:rPr lang="de-DE" dirty="0" smtClean="0"/>
+            <a:t>Projekts</a:t>
+          </a:r>
+        </a:p>
+        <a:p>
+          <a:r>
+            <a:rPr lang="de-DE" dirty="0" smtClean="0"/>
+            <a:t>Erfahrungsgewinn im Projektmanagement</a:t>
+          </a:r>
+          <a:endParaRPr lang="de-DE" dirty="0"/>
         </a:p>
         <a:p>
           <a:endParaRPr lang="de-DE" dirty="0"/>
@@ -3850,6 +5095,13 @@
         </dgm:presLayoutVars>
       </dgm:prSet>
       <dgm:spPr/>
+      <dgm:t>
+        <a:bodyPr/>
+        <a:lstStyle/>
+        <a:p>
+          <a:endParaRPr lang="de-DE"/>
+        </a:p>
+      </dgm:t>
     </dgm:pt>
     <dgm:pt modelId="{B9FDA39D-99A3-4D31-A246-117A5D257183}" type="pres">
       <dgm:prSet presAssocID="{BFEB1832-6ABC-447A-97A0-24D26829B789}" presName="matrix" presStyleCnt="0"/>
@@ -3858,6 +5110,13 @@
     <dgm:pt modelId="{E1A3A14D-54F4-45C0-B078-DDF782A8119D}" type="pres">
       <dgm:prSet presAssocID="{BFEB1832-6ABC-447A-97A0-24D26829B789}" presName="tile1" presStyleLbl="node1" presStyleIdx="0" presStyleCnt="4" custLinFactNeighborX="0" custLinFactNeighborY="-1681"/>
       <dgm:spPr/>
+      <dgm:t>
+        <a:bodyPr/>
+        <a:lstStyle/>
+        <a:p>
+          <a:endParaRPr lang="de-DE"/>
+        </a:p>
+      </dgm:t>
     </dgm:pt>
     <dgm:pt modelId="{2DCB97BC-DC5E-4E37-9E22-001623929BF6}" type="pres">
       <dgm:prSet presAssocID="{BFEB1832-6ABC-447A-97A0-24D26829B789}" presName="tile1text" presStyleLbl="node1" presStyleIdx="0" presStyleCnt="4">
@@ -3868,10 +5127,24 @@
         </dgm:presLayoutVars>
       </dgm:prSet>
       <dgm:spPr/>
+      <dgm:t>
+        <a:bodyPr/>
+        <a:lstStyle/>
+        <a:p>
+          <a:endParaRPr lang="de-DE"/>
+        </a:p>
+      </dgm:t>
     </dgm:pt>
     <dgm:pt modelId="{814FA299-88E1-4EF5-A64E-227730F8666D}" type="pres">
       <dgm:prSet presAssocID="{BFEB1832-6ABC-447A-97A0-24D26829B789}" presName="tile2" presStyleLbl="node1" presStyleIdx="1" presStyleCnt="4"/>
       <dgm:spPr/>
+      <dgm:t>
+        <a:bodyPr/>
+        <a:lstStyle/>
+        <a:p>
+          <a:endParaRPr lang="de-DE"/>
+        </a:p>
+      </dgm:t>
     </dgm:pt>
     <dgm:pt modelId="{D116C8AB-72D7-493C-A1D2-0C35B7C94108}" type="pres">
       <dgm:prSet presAssocID="{BFEB1832-6ABC-447A-97A0-24D26829B789}" presName="tile2text" presStyleLbl="node1" presStyleIdx="1" presStyleCnt="4">
@@ -3882,10 +5155,24 @@
         </dgm:presLayoutVars>
       </dgm:prSet>
       <dgm:spPr/>
+      <dgm:t>
+        <a:bodyPr/>
+        <a:lstStyle/>
+        <a:p>
+          <a:endParaRPr lang="de-DE"/>
+        </a:p>
+      </dgm:t>
     </dgm:pt>
     <dgm:pt modelId="{B79ED8F0-743A-4797-84D7-CB4163DC4E67}" type="pres">
       <dgm:prSet presAssocID="{BFEB1832-6ABC-447A-97A0-24D26829B789}" presName="tile3" presStyleLbl="node1" presStyleIdx="2" presStyleCnt="4" custLinFactNeighborX="-6087" custLinFactNeighborY="1261"/>
       <dgm:spPr/>
+      <dgm:t>
+        <a:bodyPr/>
+        <a:lstStyle/>
+        <a:p>
+          <a:endParaRPr lang="de-DE"/>
+        </a:p>
+      </dgm:t>
     </dgm:pt>
     <dgm:pt modelId="{1D51D28D-149C-4869-9E6F-AED50CAD4B20}" type="pres">
       <dgm:prSet presAssocID="{BFEB1832-6ABC-447A-97A0-24D26829B789}" presName="tile3text" presStyleLbl="node1" presStyleIdx="2" presStyleCnt="4">
@@ -3896,10 +5183,24 @@
         </dgm:presLayoutVars>
       </dgm:prSet>
       <dgm:spPr/>
+      <dgm:t>
+        <a:bodyPr/>
+        <a:lstStyle/>
+        <a:p>
+          <a:endParaRPr lang="de-DE"/>
+        </a:p>
+      </dgm:t>
     </dgm:pt>
     <dgm:pt modelId="{AAFD4529-CF99-4B55-9CE3-D6175EF566A5}" type="pres">
       <dgm:prSet presAssocID="{BFEB1832-6ABC-447A-97A0-24D26829B789}" presName="tile4" presStyleLbl="node1" presStyleIdx="3" presStyleCnt="4"/>
       <dgm:spPr/>
+      <dgm:t>
+        <a:bodyPr/>
+        <a:lstStyle/>
+        <a:p>
+          <a:endParaRPr lang="de-DE"/>
+        </a:p>
+      </dgm:t>
     </dgm:pt>
     <dgm:pt modelId="{2BBEEC9E-1E57-4B36-97A7-60013864A66F}" type="pres">
       <dgm:prSet presAssocID="{BFEB1832-6ABC-447A-97A0-24D26829B789}" presName="tile4text" presStyleLbl="node1" presStyleIdx="3" presStyleCnt="4">
@@ -3910,6 +5211,13 @@
         </dgm:presLayoutVars>
       </dgm:prSet>
       <dgm:spPr/>
+      <dgm:t>
+        <a:bodyPr/>
+        <a:lstStyle/>
+        <a:p>
+          <a:endParaRPr lang="de-DE"/>
+        </a:p>
+      </dgm:t>
     </dgm:pt>
     <dgm:pt modelId="{F58229AE-7E1A-42A1-AFE9-1EE806ECC846}" type="pres">
       <dgm:prSet presAssocID="{BFEB1832-6ABC-447A-97A0-24D26829B789}" presName="centerTile" presStyleLbl="fgShp" presStyleIdx="0" presStyleCnt="1">
@@ -3919,6 +5227,13 @@
         </dgm:presLayoutVars>
       </dgm:prSet>
       <dgm:spPr/>
+      <dgm:t>
+        <a:bodyPr/>
+        <a:lstStyle/>
+        <a:p>
+          <a:endParaRPr lang="de-DE"/>
+        </a:p>
+      </dgm:t>
     </dgm:pt>
   </dgm:ptLst>
   <dgm:cxnLst>
@@ -4096,7 +5411,7 @@
         </a:bodyPr>
         <a:lstStyle/>
         <a:p>
-          <a:pPr marL="0" lvl="0" indent="0" algn="l" defTabSz="577850">
+          <a:pPr lvl="0" algn="l" defTabSz="577850">
             <a:lnSpc>
               <a:spcPct val="90000"/>
             </a:lnSpc>
@@ -4106,7 +5421,6 @@
             <a:spcAft>
               <a:spcPct val="35000"/>
             </a:spcAft>
-            <a:buNone/>
           </a:pPr>
           <a:r>
             <a:rPr lang="de-DE" sz="1300" kern="1200" dirty="0"/>
@@ -4124,7 +5438,7 @@
             <a:spcAft>
               <a:spcPct val="15000"/>
             </a:spcAft>
-            <a:buChar char="•"/>
+            <a:buChar char="••"/>
           </a:pPr>
           <a:r>
             <a:rPr lang="de-DE" sz="1000" kern="1200" dirty="0"/>
@@ -4142,7 +5456,7 @@
             <a:spcAft>
               <a:spcPct val="15000"/>
             </a:spcAft>
-            <a:buChar char="•"/>
+            <a:buChar char="••"/>
           </a:pPr>
           <a:r>
             <a:rPr lang="de-DE" sz="1000" kern="1200" dirty="0"/>
@@ -4160,7 +5474,7 @@
             <a:spcAft>
               <a:spcPct val="15000"/>
             </a:spcAft>
-            <a:buChar char="•"/>
+            <a:buChar char="••"/>
           </a:pPr>
           <a:r>
             <a:rPr lang="de-DE" sz="1000" kern="1200" dirty="0" err="1"/>
@@ -4264,7 +5578,7 @@
         </a:bodyPr>
         <a:lstStyle/>
         <a:p>
-          <a:pPr marL="0" lvl="0" indent="0" algn="l" defTabSz="577850">
+          <a:pPr lvl="0" algn="l" defTabSz="577850">
             <a:lnSpc>
               <a:spcPct val="90000"/>
             </a:lnSpc>
@@ -4274,7 +5588,6 @@
             <a:spcAft>
               <a:spcPct val="35000"/>
             </a:spcAft>
-            <a:buNone/>
           </a:pPr>
           <a:r>
             <a:rPr lang="de-DE" sz="1300" kern="1200" dirty="0"/>
@@ -4292,7 +5605,7 @@
             <a:spcAft>
               <a:spcPct val="15000"/>
             </a:spcAft>
-            <a:buChar char="•"/>
+            <a:buChar char="••"/>
           </a:pPr>
           <a:r>
             <a:rPr lang="de-DE" sz="1000" kern="1200" dirty="0"/>
@@ -4310,7 +5623,7 @@
             <a:spcAft>
               <a:spcPct val="15000"/>
             </a:spcAft>
-            <a:buChar char="•"/>
+            <a:buChar char="••"/>
           </a:pPr>
           <a:r>
             <a:rPr lang="de-DE" sz="1000" kern="1200" dirty="0"/>
@@ -4410,7 +5723,7 @@
         </a:bodyPr>
         <a:lstStyle/>
         <a:p>
-          <a:pPr marL="0" lvl="0" indent="0" algn="l" defTabSz="577850">
+          <a:pPr lvl="0" algn="l" defTabSz="577850">
             <a:lnSpc>
               <a:spcPct val="90000"/>
             </a:lnSpc>
@@ -4420,7 +5733,6 @@
             <a:spcAft>
               <a:spcPct val="35000"/>
             </a:spcAft>
-            <a:buNone/>
           </a:pPr>
           <a:r>
             <a:rPr lang="de-DE" sz="1300" kern="1200" dirty="0"/>
@@ -4438,7 +5750,7 @@
             <a:spcAft>
               <a:spcPct val="15000"/>
             </a:spcAft>
-            <a:buChar char="•"/>
+            <a:buChar char="••"/>
           </a:pPr>
           <a:r>
             <a:rPr lang="de-DE" sz="1000" kern="1200" dirty="0"/>
@@ -4456,7 +5768,7 @@
             <a:spcAft>
               <a:spcPct val="15000"/>
             </a:spcAft>
-            <a:buChar char="•"/>
+            <a:buChar char="••"/>
           </a:pPr>
           <a:r>
             <a:rPr lang="de-DE" sz="1000" kern="1200" dirty="0"/>
@@ -4474,7 +5786,7 @@
             <a:spcAft>
               <a:spcPct val="15000"/>
             </a:spcAft>
-            <a:buChar char="•"/>
+            <a:buChar char="••"/>
           </a:pPr>
           <a:r>
             <a:rPr lang="de-DE" sz="1000" kern="1200" dirty="0"/>
@@ -4574,7 +5886,7 @@
         </a:bodyPr>
         <a:lstStyle/>
         <a:p>
-          <a:pPr marL="0" lvl="0" indent="0" algn="l" defTabSz="577850">
+          <a:pPr lvl="0" algn="l" defTabSz="577850">
             <a:lnSpc>
               <a:spcPct val="90000"/>
             </a:lnSpc>
@@ -4584,7 +5896,6 @@
             <a:spcAft>
               <a:spcPct val="35000"/>
             </a:spcAft>
-            <a:buNone/>
           </a:pPr>
           <a:r>
             <a:rPr lang="de-DE" sz="1300" kern="1200" dirty="0"/>
@@ -4602,7 +5913,7 @@
             <a:spcAft>
               <a:spcPct val="15000"/>
             </a:spcAft>
-            <a:buChar char="•"/>
+            <a:buChar char="••"/>
           </a:pPr>
           <a:r>
             <a:rPr lang="de-DE" sz="1000" kern="1200" dirty="0"/>
@@ -4702,7 +6013,7 @@
         </a:bodyPr>
         <a:lstStyle/>
         <a:p>
-          <a:pPr marL="0" lvl="0" indent="0" algn="l" defTabSz="577850">
+          <a:pPr lvl="0" algn="l" defTabSz="577850">
             <a:lnSpc>
               <a:spcPct val="90000"/>
             </a:lnSpc>
@@ -4712,7 +6023,6 @@
             <a:spcAft>
               <a:spcPct val="35000"/>
             </a:spcAft>
-            <a:buNone/>
           </a:pPr>
           <a:r>
             <a:rPr lang="de-DE" sz="1300" kern="1200" dirty="0"/>
@@ -4730,7 +6040,7 @@
             <a:spcAft>
               <a:spcPct val="15000"/>
             </a:spcAft>
-            <a:buChar char="•"/>
+            <a:buChar char="••"/>
           </a:pPr>
           <a:r>
             <a:rPr lang="de-DE" sz="1000" kern="1200" dirty="0"/>
@@ -5058,7 +6368,7 @@
         </a:bodyPr>
         <a:lstStyle/>
         <a:p>
-          <a:pPr marL="0" lvl="0" indent="0" algn="ctr" defTabSz="844550">
+          <a:pPr lvl="0" algn="ctr" defTabSz="844550">
             <a:lnSpc>
               <a:spcPct val="90000"/>
             </a:lnSpc>
@@ -5068,7 +6378,6 @@
             <a:spcAft>
               <a:spcPct val="35000"/>
             </a:spcAft>
-            <a:buNone/>
           </a:pPr>
           <a:r>
             <a:rPr lang="de-DE" sz="1900" kern="1200" dirty="0"/>
@@ -5135,7 +6444,7 @@
         </a:bodyPr>
         <a:lstStyle/>
         <a:p>
-          <a:pPr marL="0" lvl="0" indent="0" algn="r" defTabSz="666750">
+          <a:pPr lvl="0" algn="r" defTabSz="666750">
             <a:lnSpc>
               <a:spcPct val="90000"/>
             </a:lnSpc>
@@ -5145,7 +6454,6 @@
             <a:spcAft>
               <a:spcPct val="35000"/>
             </a:spcAft>
-            <a:buNone/>
           </a:pPr>
           <a:r>
             <a:rPr lang="de-DE" sz="1500" kern="1200" dirty="0"/>
@@ -5213,7 +6521,7 @@
         </a:bodyPr>
         <a:lstStyle/>
         <a:p>
-          <a:pPr marL="0" lvl="0" indent="0" algn="ctr" defTabSz="844550">
+          <a:pPr lvl="0" algn="ctr" defTabSz="844550">
             <a:lnSpc>
               <a:spcPct val="90000"/>
             </a:lnSpc>
@@ -5223,7 +6531,6 @@
             <a:spcAft>
               <a:spcPct val="35000"/>
             </a:spcAft>
-            <a:buNone/>
           </a:pPr>
           <a:r>
             <a:rPr lang="de-DE" sz="1900" kern="1200" dirty="0"/>
@@ -5290,7 +6597,7 @@
         </a:bodyPr>
         <a:lstStyle/>
         <a:p>
-          <a:pPr marL="0" lvl="0" indent="0" algn="r" defTabSz="488950">
+          <a:pPr lvl="0" algn="r" defTabSz="488950">
             <a:lnSpc>
               <a:spcPct val="90000"/>
             </a:lnSpc>
@@ -5300,7 +6607,6 @@
             <a:spcAft>
               <a:spcPct val="35000"/>
             </a:spcAft>
-            <a:buNone/>
           </a:pPr>
           <a:r>
             <a:rPr lang="de-DE" sz="1100" kern="1200" dirty="0"/>
@@ -5368,7 +6674,7 @@
         </a:bodyPr>
         <a:lstStyle/>
         <a:p>
-          <a:pPr marL="0" lvl="0" indent="0" algn="ctr" defTabSz="844550">
+          <a:pPr lvl="0" algn="ctr" defTabSz="844550">
             <a:lnSpc>
               <a:spcPct val="90000"/>
             </a:lnSpc>
@@ -5378,7 +6684,6 @@
             <a:spcAft>
               <a:spcPct val="35000"/>
             </a:spcAft>
-            <a:buNone/>
           </a:pPr>
           <a:r>
             <a:rPr lang="de-DE" sz="1900" kern="1200" dirty="0"/>
@@ -5445,7 +6750,7 @@
         </a:bodyPr>
         <a:lstStyle/>
         <a:p>
-          <a:pPr marL="0" lvl="0" indent="0" algn="r" defTabSz="488950">
+          <a:pPr lvl="0" algn="r" defTabSz="488950">
             <a:lnSpc>
               <a:spcPct val="90000"/>
             </a:lnSpc>
@@ -5455,7 +6760,6 @@
             <a:spcAft>
               <a:spcPct val="35000"/>
             </a:spcAft>
-            <a:buNone/>
           </a:pPr>
           <a:r>
             <a:rPr lang="de-DE" sz="1100" kern="1200" dirty="0"/>
@@ -5523,7 +6827,7 @@
         </a:bodyPr>
         <a:lstStyle/>
         <a:p>
-          <a:pPr marL="0" lvl="0" indent="0" algn="ctr" defTabSz="844550">
+          <a:pPr lvl="0" algn="ctr" defTabSz="844550">
             <a:lnSpc>
               <a:spcPct val="90000"/>
             </a:lnSpc>
@@ -5533,7 +6837,6 @@
             <a:spcAft>
               <a:spcPct val="35000"/>
             </a:spcAft>
-            <a:buNone/>
           </a:pPr>
           <a:r>
             <a:rPr lang="de-DE" sz="1900" kern="1200" dirty="0"/>
@@ -5600,7 +6903,7 @@
         </a:bodyPr>
         <a:lstStyle/>
         <a:p>
-          <a:pPr marL="0" lvl="0" indent="0" algn="r" defTabSz="488950">
+          <a:pPr lvl="0" algn="r" defTabSz="488950">
             <a:lnSpc>
               <a:spcPct val="90000"/>
             </a:lnSpc>
@@ -5610,7 +6913,6 @@
             <a:spcAft>
               <a:spcPct val="35000"/>
             </a:spcAft>
-            <a:buNone/>
           </a:pPr>
           <a:r>
             <a:rPr lang="de-DE" sz="1100" kern="1200" dirty="0"/>
@@ -5678,7 +6980,7 @@
         </a:bodyPr>
         <a:lstStyle/>
         <a:p>
-          <a:pPr marL="0" lvl="0" indent="0" algn="ctr" defTabSz="844550">
+          <a:pPr lvl="0" algn="ctr" defTabSz="844550">
             <a:lnSpc>
               <a:spcPct val="90000"/>
             </a:lnSpc>
@@ -5688,7 +6990,6 @@
             <a:spcAft>
               <a:spcPct val="35000"/>
             </a:spcAft>
-            <a:buNone/>
           </a:pPr>
           <a:r>
             <a:rPr lang="de-DE" sz="1900" kern="1200" dirty="0"/>
@@ -5755,7 +7056,7 @@
         </a:bodyPr>
         <a:lstStyle/>
         <a:p>
-          <a:pPr marL="0" lvl="0" indent="0" algn="r" defTabSz="488950">
+          <a:pPr lvl="0" algn="r" defTabSz="488950">
             <a:lnSpc>
               <a:spcPct val="90000"/>
             </a:lnSpc>
@@ -5765,7 +7066,6 @@
             <a:spcAft>
               <a:spcPct val="35000"/>
             </a:spcAft>
-            <a:buNone/>
           </a:pPr>
           <a:r>
             <a:rPr lang="de-DE" sz="1100" kern="1200" dirty="0"/>
@@ -5783,6 +7083,408 @@
 </file>
 
 <file path=ppt/diagrams/drawing3.xml><?xml version="1.0" encoding="utf-8"?>
+<dsp:drawing xmlns:dgm="http://schemas.openxmlformats.org/drawingml/2006/diagram" xmlns:dsp="http://schemas.microsoft.com/office/drawing/2008/diagram" xmlns:a="http://schemas.openxmlformats.org/drawingml/2006/main">
+  <dsp:spTree>
+    <dsp:nvGrpSpPr>
+      <dsp:cNvPr id="0" name=""/>
+      <dsp:cNvGrpSpPr/>
+    </dsp:nvGrpSpPr>
+    <dsp:grpSpPr/>
+    <dsp:sp modelId="{2BF15467-0E49-4845-904D-0CEFB46FA313}">
+      <dsp:nvSpPr>
+        <dsp:cNvPr id="0" name=""/>
+        <dsp:cNvSpPr/>
+      </dsp:nvSpPr>
+      <dsp:spPr>
+        <a:xfrm>
+          <a:off x="0" y="39687"/>
+          <a:ext cx="3286125" cy="1971675"/>
+        </a:xfrm>
+        <a:prstGeom prst="rect">
+          <a:avLst/>
+        </a:prstGeom>
+        <a:solidFill>
+          <a:schemeClr val="accent1">
+            <a:hueOff val="0"/>
+            <a:satOff val="0"/>
+            <a:lumOff val="0"/>
+            <a:alphaOff val="0"/>
+          </a:schemeClr>
+        </a:solidFill>
+        <a:ln w="12700" cap="flat" cmpd="sng" algn="ctr">
+          <a:solidFill>
+            <a:schemeClr val="lt1">
+              <a:hueOff val="0"/>
+              <a:satOff val="0"/>
+              <a:lumOff val="0"/>
+              <a:alphaOff val="0"/>
+            </a:schemeClr>
+          </a:solidFill>
+          <a:prstDash val="solid"/>
+          <a:miter lim="800000"/>
+        </a:ln>
+        <a:effectLst/>
+      </dsp:spPr>
+      <dsp:style>
+        <a:lnRef idx="2">
+          <a:scrgbClr r="0" g="0" b="0"/>
+        </a:lnRef>
+        <a:fillRef idx="1">
+          <a:scrgbClr r="0" g="0" b="0"/>
+        </a:fillRef>
+        <a:effectRef idx="0">
+          <a:scrgbClr r="0" g="0" b="0"/>
+        </a:effectRef>
+        <a:fontRef idx="minor">
+          <a:schemeClr val="lt1"/>
+        </a:fontRef>
+      </dsp:style>
+      <dsp:txBody>
+        <a:bodyPr spcFirstLastPara="0" vert="horz" wrap="square" lIns="137160" tIns="137160" rIns="137160" bIns="137160" numCol="1" spcCol="1270" anchor="ctr" anchorCtr="0">
+          <a:noAutofit/>
+        </a:bodyPr>
+        <a:lstStyle/>
+        <a:p>
+          <a:pPr lvl="0" algn="ctr" defTabSz="1600200">
+            <a:lnSpc>
+              <a:spcPct val="90000"/>
+            </a:lnSpc>
+            <a:spcBef>
+              <a:spcPct val="0"/>
+            </a:spcBef>
+            <a:spcAft>
+              <a:spcPct val="35000"/>
+            </a:spcAft>
+          </a:pPr>
+          <a:r>
+            <a:rPr lang="de-DE" sz="3600" kern="1200" dirty="0" smtClean="0"/>
+            <a:t>Datensicherheit</a:t>
+          </a:r>
+          <a:endParaRPr lang="de-DE" sz="3600" kern="1200" dirty="0"/>
+        </a:p>
+      </dsp:txBody>
+      <dsp:txXfrm>
+        <a:off x="0" y="39687"/>
+        <a:ext cx="3286125" cy="1971675"/>
+      </dsp:txXfrm>
+    </dsp:sp>
+    <dsp:sp modelId="{0188721D-6F1B-4B02-9F54-119E56EAB73C}">
+      <dsp:nvSpPr>
+        <dsp:cNvPr id="0" name=""/>
+        <dsp:cNvSpPr/>
+      </dsp:nvSpPr>
+      <dsp:spPr>
+        <a:xfrm>
+          <a:off x="3614737" y="39687"/>
+          <a:ext cx="3286125" cy="1971675"/>
+        </a:xfrm>
+        <a:prstGeom prst="rect">
+          <a:avLst/>
+        </a:prstGeom>
+        <a:solidFill>
+          <a:schemeClr val="accent1">
+            <a:hueOff val="0"/>
+            <a:satOff val="0"/>
+            <a:lumOff val="0"/>
+            <a:alphaOff val="0"/>
+          </a:schemeClr>
+        </a:solidFill>
+        <a:ln w="12700" cap="flat" cmpd="sng" algn="ctr">
+          <a:solidFill>
+            <a:schemeClr val="lt1">
+              <a:hueOff val="0"/>
+              <a:satOff val="0"/>
+              <a:lumOff val="0"/>
+              <a:alphaOff val="0"/>
+            </a:schemeClr>
+          </a:solidFill>
+          <a:prstDash val="solid"/>
+          <a:miter lim="800000"/>
+        </a:ln>
+        <a:effectLst/>
+      </dsp:spPr>
+      <dsp:style>
+        <a:lnRef idx="2">
+          <a:scrgbClr r="0" g="0" b="0"/>
+        </a:lnRef>
+        <a:fillRef idx="1">
+          <a:scrgbClr r="0" g="0" b="0"/>
+        </a:fillRef>
+        <a:effectRef idx="0">
+          <a:scrgbClr r="0" g="0" b="0"/>
+        </a:effectRef>
+        <a:fontRef idx="minor">
+          <a:schemeClr val="lt1"/>
+        </a:fontRef>
+      </dsp:style>
+      <dsp:txBody>
+        <a:bodyPr spcFirstLastPara="0" vert="horz" wrap="square" lIns="137160" tIns="137160" rIns="137160" bIns="137160" numCol="1" spcCol="1270" anchor="ctr" anchorCtr="0">
+          <a:noAutofit/>
+        </a:bodyPr>
+        <a:lstStyle/>
+        <a:p>
+          <a:pPr lvl="0" algn="ctr" defTabSz="1600200">
+            <a:lnSpc>
+              <a:spcPct val="90000"/>
+            </a:lnSpc>
+            <a:spcBef>
+              <a:spcPct val="0"/>
+            </a:spcBef>
+            <a:spcAft>
+              <a:spcPct val="35000"/>
+            </a:spcAft>
+          </a:pPr>
+          <a:r>
+            <a:rPr lang="de-DE" sz="3600" kern="1200" dirty="0" smtClean="0"/>
+            <a:t>Datenschutz</a:t>
+          </a:r>
+          <a:endParaRPr lang="de-DE" sz="3600" kern="1200" dirty="0"/>
+        </a:p>
+      </dsp:txBody>
+      <dsp:txXfrm>
+        <a:off x="3614737" y="39687"/>
+        <a:ext cx="3286125" cy="1971675"/>
+      </dsp:txXfrm>
+    </dsp:sp>
+    <dsp:sp modelId="{0457ED69-F464-4661-BE61-A8DCC985B01C}">
+      <dsp:nvSpPr>
+        <dsp:cNvPr id="0" name=""/>
+        <dsp:cNvSpPr/>
+      </dsp:nvSpPr>
+      <dsp:spPr>
+        <a:xfrm>
+          <a:off x="7229475" y="39687"/>
+          <a:ext cx="3286125" cy="1971675"/>
+        </a:xfrm>
+        <a:prstGeom prst="rect">
+          <a:avLst/>
+        </a:prstGeom>
+        <a:solidFill>
+          <a:schemeClr val="accent1">
+            <a:hueOff val="0"/>
+            <a:satOff val="0"/>
+            <a:lumOff val="0"/>
+            <a:alphaOff val="0"/>
+          </a:schemeClr>
+        </a:solidFill>
+        <a:ln w="12700" cap="flat" cmpd="sng" algn="ctr">
+          <a:solidFill>
+            <a:schemeClr val="lt1">
+              <a:hueOff val="0"/>
+              <a:satOff val="0"/>
+              <a:lumOff val="0"/>
+              <a:alphaOff val="0"/>
+            </a:schemeClr>
+          </a:solidFill>
+          <a:prstDash val="solid"/>
+          <a:miter lim="800000"/>
+        </a:ln>
+        <a:effectLst/>
+      </dsp:spPr>
+      <dsp:style>
+        <a:lnRef idx="2">
+          <a:scrgbClr r="0" g="0" b="0"/>
+        </a:lnRef>
+        <a:fillRef idx="1">
+          <a:scrgbClr r="0" g="0" b="0"/>
+        </a:fillRef>
+        <a:effectRef idx="0">
+          <a:scrgbClr r="0" g="0" b="0"/>
+        </a:effectRef>
+        <a:fontRef idx="minor">
+          <a:schemeClr val="lt1"/>
+        </a:fontRef>
+      </dsp:style>
+      <dsp:txBody>
+        <a:bodyPr spcFirstLastPara="0" vert="horz" wrap="square" lIns="137160" tIns="137160" rIns="137160" bIns="137160" numCol="1" spcCol="1270" anchor="ctr" anchorCtr="0">
+          <a:noAutofit/>
+        </a:bodyPr>
+        <a:lstStyle/>
+        <a:p>
+          <a:pPr lvl="0" algn="ctr" defTabSz="1600200">
+            <a:lnSpc>
+              <a:spcPct val="90000"/>
+            </a:lnSpc>
+            <a:spcBef>
+              <a:spcPct val="0"/>
+            </a:spcBef>
+            <a:spcAft>
+              <a:spcPct val="35000"/>
+            </a:spcAft>
+          </a:pPr>
+          <a:r>
+            <a:rPr lang="de-DE" sz="3600" kern="1200" dirty="0" smtClean="0"/>
+            <a:t>Datenintegrität</a:t>
+          </a:r>
+          <a:endParaRPr lang="de-DE" sz="3600" kern="1200" dirty="0"/>
+        </a:p>
+      </dsp:txBody>
+      <dsp:txXfrm>
+        <a:off x="7229475" y="39687"/>
+        <a:ext cx="3286125" cy="1971675"/>
+      </dsp:txXfrm>
+    </dsp:sp>
+    <dsp:sp modelId="{C844A2F7-2701-4C05-ADAA-D6779AC6B298}">
+      <dsp:nvSpPr>
+        <dsp:cNvPr id="0" name=""/>
+        <dsp:cNvSpPr/>
+      </dsp:nvSpPr>
+      <dsp:spPr>
+        <a:xfrm>
+          <a:off x="1807368" y="2339975"/>
+          <a:ext cx="3286125" cy="1971675"/>
+        </a:xfrm>
+        <a:prstGeom prst="rect">
+          <a:avLst/>
+        </a:prstGeom>
+        <a:solidFill>
+          <a:schemeClr val="accent1">
+            <a:hueOff val="0"/>
+            <a:satOff val="0"/>
+            <a:lumOff val="0"/>
+            <a:alphaOff val="0"/>
+          </a:schemeClr>
+        </a:solidFill>
+        <a:ln w="12700" cap="flat" cmpd="sng" algn="ctr">
+          <a:solidFill>
+            <a:schemeClr val="lt1">
+              <a:hueOff val="0"/>
+              <a:satOff val="0"/>
+              <a:lumOff val="0"/>
+              <a:alphaOff val="0"/>
+            </a:schemeClr>
+          </a:solidFill>
+          <a:prstDash val="solid"/>
+          <a:miter lim="800000"/>
+        </a:ln>
+        <a:effectLst/>
+      </dsp:spPr>
+      <dsp:style>
+        <a:lnRef idx="2">
+          <a:scrgbClr r="0" g="0" b="0"/>
+        </a:lnRef>
+        <a:fillRef idx="1">
+          <a:scrgbClr r="0" g="0" b="0"/>
+        </a:fillRef>
+        <a:effectRef idx="0">
+          <a:scrgbClr r="0" g="0" b="0"/>
+        </a:effectRef>
+        <a:fontRef idx="minor">
+          <a:schemeClr val="lt1"/>
+        </a:fontRef>
+      </dsp:style>
+      <dsp:txBody>
+        <a:bodyPr spcFirstLastPara="0" vert="horz" wrap="square" lIns="137160" tIns="137160" rIns="137160" bIns="137160" numCol="1" spcCol="1270" anchor="ctr" anchorCtr="0">
+          <a:noAutofit/>
+        </a:bodyPr>
+        <a:lstStyle/>
+        <a:p>
+          <a:pPr lvl="0" algn="ctr" defTabSz="1600200">
+            <a:lnSpc>
+              <a:spcPct val="90000"/>
+            </a:lnSpc>
+            <a:spcBef>
+              <a:spcPct val="0"/>
+            </a:spcBef>
+            <a:spcAft>
+              <a:spcPct val="35000"/>
+            </a:spcAft>
+          </a:pPr>
+          <a:r>
+            <a:rPr lang="de-DE" sz="3600" kern="1200" dirty="0" smtClean="0"/>
+            <a:t>Benutzerrechte</a:t>
+          </a:r>
+          <a:endParaRPr lang="de-DE" sz="3600" kern="1200" dirty="0"/>
+        </a:p>
+      </dsp:txBody>
+      <dsp:txXfrm>
+        <a:off x="1807368" y="2339975"/>
+        <a:ext cx="3286125" cy="1971675"/>
+      </dsp:txXfrm>
+    </dsp:sp>
+    <dsp:sp modelId="{30A65BC7-4BFD-43AA-925D-03AB4AEE013B}">
+      <dsp:nvSpPr>
+        <dsp:cNvPr id="0" name=""/>
+        <dsp:cNvSpPr/>
+      </dsp:nvSpPr>
+      <dsp:spPr>
+        <a:xfrm>
+          <a:off x="5422106" y="2339975"/>
+          <a:ext cx="3286125" cy="1971675"/>
+        </a:xfrm>
+        <a:prstGeom prst="rect">
+          <a:avLst/>
+        </a:prstGeom>
+        <a:solidFill>
+          <a:schemeClr val="accent1">
+            <a:hueOff val="0"/>
+            <a:satOff val="0"/>
+            <a:lumOff val="0"/>
+            <a:alphaOff val="0"/>
+          </a:schemeClr>
+        </a:solidFill>
+        <a:ln w="12700" cap="flat" cmpd="sng" algn="ctr">
+          <a:solidFill>
+            <a:schemeClr val="lt1">
+              <a:hueOff val="0"/>
+              <a:satOff val="0"/>
+              <a:lumOff val="0"/>
+              <a:alphaOff val="0"/>
+            </a:schemeClr>
+          </a:solidFill>
+          <a:prstDash val="solid"/>
+          <a:miter lim="800000"/>
+        </a:ln>
+        <a:effectLst/>
+      </dsp:spPr>
+      <dsp:style>
+        <a:lnRef idx="2">
+          <a:scrgbClr r="0" g="0" b="0"/>
+        </a:lnRef>
+        <a:fillRef idx="1">
+          <a:scrgbClr r="0" g="0" b="0"/>
+        </a:fillRef>
+        <a:effectRef idx="0">
+          <a:scrgbClr r="0" g="0" b="0"/>
+        </a:effectRef>
+        <a:fontRef idx="minor">
+          <a:schemeClr val="lt1"/>
+        </a:fontRef>
+      </dsp:style>
+      <dsp:txBody>
+        <a:bodyPr spcFirstLastPara="0" vert="horz" wrap="square" lIns="137160" tIns="137160" rIns="137160" bIns="137160" numCol="1" spcCol="1270" anchor="ctr" anchorCtr="0">
+          <a:noAutofit/>
+        </a:bodyPr>
+        <a:lstStyle/>
+        <a:p>
+          <a:pPr lvl="0" algn="ctr" defTabSz="1600200">
+            <a:lnSpc>
+              <a:spcPct val="90000"/>
+            </a:lnSpc>
+            <a:spcBef>
+              <a:spcPct val="0"/>
+            </a:spcBef>
+            <a:spcAft>
+              <a:spcPct val="35000"/>
+            </a:spcAft>
+          </a:pPr>
+          <a:r>
+            <a:rPr lang="de-DE" sz="3600" kern="1200" dirty="0" smtClean="0"/>
+            <a:t>Gesetze</a:t>
+          </a:r>
+          <a:endParaRPr lang="de-DE" sz="3600" kern="1200" dirty="0"/>
+        </a:p>
+      </dsp:txBody>
+      <dsp:txXfrm>
+        <a:off x="5422106" y="2339975"/>
+        <a:ext cx="3286125" cy="1971675"/>
+      </dsp:txXfrm>
+    </dsp:sp>
+  </dsp:spTree>
+</dsp:drawing>
+</file>
+
+<file path=ppt/diagrams/drawing4.xml><?xml version="1.0" encoding="utf-8"?>
 <dsp:drawing xmlns:dgm="http://schemas.openxmlformats.org/drawingml/2006/diagram" xmlns:dsp="http://schemas.microsoft.com/office/drawing/2008/diagram" xmlns:a="http://schemas.openxmlformats.org/drawingml/2006/main">
   <dsp:spTree>
     <dsp:nvGrpSpPr>
@@ -5840,12 +7542,12 @@
         </a:fontRef>
       </dsp:style>
       <dsp:txBody>
-        <a:bodyPr spcFirstLastPara="0" vert="horz" wrap="square" lIns="113792" tIns="113792" rIns="113792" bIns="113792" numCol="1" spcCol="1270" anchor="ctr" anchorCtr="0">
+        <a:bodyPr spcFirstLastPara="0" vert="horz" wrap="square" lIns="106680" tIns="106680" rIns="106680" bIns="106680" numCol="1" spcCol="1270" anchor="ctr" anchorCtr="0">
           <a:noAutofit/>
         </a:bodyPr>
         <a:lstStyle/>
         <a:p>
-          <a:pPr marL="0" lvl="0" indent="0" algn="ctr" defTabSz="711200">
+          <a:pPr lvl="0" algn="ctr" defTabSz="666750">
             <a:lnSpc>
               <a:spcPct val="90000"/>
             </a:lnSpc>
@@ -5855,10 +7557,9 @@
             <a:spcAft>
               <a:spcPct val="35000"/>
             </a:spcAft>
-            <a:buNone/>
           </a:pPr>
           <a:r>
-            <a:rPr lang="de-DE" sz="1600" kern="1200" dirty="0">
+            <a:rPr lang="de-DE" sz="1500" kern="1200" dirty="0">
               <a:solidFill>
                 <a:schemeClr val="tx1"/>
               </a:solidFill>
@@ -5867,7 +7568,7 @@
           </a:r>
         </a:p>
         <a:p>
-          <a:pPr marL="0" lvl="0" indent="0" algn="ctr" defTabSz="711200">
+          <a:pPr lvl="0" algn="ctr" defTabSz="666750">
             <a:lnSpc>
               <a:spcPct val="90000"/>
             </a:lnSpc>
@@ -5877,15 +7578,14 @@
             <a:spcAft>
               <a:spcPct val="35000"/>
             </a:spcAft>
-            <a:buNone/>
           </a:pPr>
           <a:r>
-            <a:rPr lang="de-DE" sz="1600" kern="1200" dirty="0"/>
+            <a:rPr lang="de-DE" sz="1500" kern="1200" dirty="0"/>
             <a:t>Teamfähigkeit</a:t>
           </a:r>
         </a:p>
         <a:p>
-          <a:pPr marL="0" lvl="0" indent="0" algn="ctr" defTabSz="711200">
+          <a:pPr lvl="0" algn="ctr" defTabSz="666750">
             <a:lnSpc>
               <a:spcPct val="90000"/>
             </a:lnSpc>
@@ -5895,10 +7595,9 @@
             <a:spcAft>
               <a:spcPct val="35000"/>
             </a:spcAft>
-            <a:buNone/>
           </a:pPr>
           <a:r>
-            <a:rPr lang="de-DE" sz="1600" kern="1200" dirty="0"/>
+            <a:rPr lang="de-DE" sz="1500" kern="1200" dirty="0"/>
             <a:t>Exakte Ausarbeitung des Konzepts</a:t>
           </a:r>
         </a:p>
@@ -5958,12 +7657,12 @@
         </a:fontRef>
       </dsp:style>
       <dsp:txBody>
-        <a:bodyPr spcFirstLastPara="0" vert="horz" wrap="square" lIns="113792" tIns="113792" rIns="113792" bIns="113792" numCol="1" spcCol="1270" anchor="ctr" anchorCtr="0">
+        <a:bodyPr spcFirstLastPara="0" vert="horz" wrap="square" lIns="106680" tIns="106680" rIns="106680" bIns="106680" numCol="1" spcCol="1270" anchor="ctr" anchorCtr="0">
           <a:noAutofit/>
         </a:bodyPr>
         <a:lstStyle/>
         <a:p>
-          <a:pPr marL="0" lvl="0" indent="0" algn="ctr" defTabSz="711200">
+          <a:pPr lvl="0" algn="ctr" defTabSz="666750">
             <a:lnSpc>
               <a:spcPct val="90000"/>
             </a:lnSpc>
@@ -5973,10 +7672,9 @@
             <a:spcAft>
               <a:spcPct val="35000"/>
             </a:spcAft>
-            <a:buNone/>
           </a:pPr>
           <a:r>
-            <a:rPr lang="de-DE" sz="1600" kern="1200" dirty="0">
+            <a:rPr lang="de-DE" sz="1500" kern="1200" dirty="0">
               <a:solidFill>
                 <a:schemeClr val="tx1"/>
               </a:solidFill>
@@ -5985,7 +7683,7 @@
           </a:r>
         </a:p>
         <a:p>
-          <a:pPr marL="0" lvl="0" indent="0" algn="ctr" defTabSz="711200">
+          <a:pPr lvl="0" algn="ctr" defTabSz="666750">
             <a:lnSpc>
               <a:spcPct val="90000"/>
             </a:lnSpc>
@@ -5995,15 +7693,14 @@
             <a:spcAft>
               <a:spcPct val="35000"/>
             </a:spcAft>
-            <a:buNone/>
           </a:pPr>
           <a:r>
-            <a:rPr lang="de-DE" sz="1600" kern="1200" dirty="0"/>
+            <a:rPr lang="de-DE" sz="1500" kern="1200" dirty="0"/>
             <a:t>Räumliche Trennung</a:t>
           </a:r>
         </a:p>
         <a:p>
-          <a:pPr marL="0" lvl="0" indent="0" algn="ctr" defTabSz="711200">
+          <a:pPr lvl="0" algn="ctr" defTabSz="666750">
             <a:lnSpc>
               <a:spcPct val="90000"/>
             </a:lnSpc>
@@ -6013,10 +7710,9 @@
             <a:spcAft>
               <a:spcPct val="35000"/>
             </a:spcAft>
-            <a:buNone/>
           </a:pPr>
           <a:r>
-            <a:rPr lang="de-DE" sz="1600" kern="1200" dirty="0"/>
+            <a:rPr lang="de-DE" sz="1500" kern="1200" dirty="0"/>
             <a:t>Hohe Diskussionsbereitschaft</a:t>
           </a:r>
         </a:p>
@@ -6076,12 +7772,12 @@
         </a:fontRef>
       </dsp:style>
       <dsp:txBody>
-        <a:bodyPr spcFirstLastPara="0" vert="horz" wrap="square" lIns="113792" tIns="113792" rIns="113792" bIns="113792" numCol="1" spcCol="1270" anchor="ctr" anchorCtr="0">
+        <a:bodyPr spcFirstLastPara="0" vert="horz" wrap="square" lIns="106680" tIns="106680" rIns="106680" bIns="106680" numCol="1" spcCol="1270" anchor="ctr" anchorCtr="0">
           <a:noAutofit/>
         </a:bodyPr>
         <a:lstStyle/>
         <a:p>
-          <a:pPr marL="0" lvl="0" indent="0" algn="ctr" defTabSz="711200">
+          <a:pPr lvl="0" algn="ctr" defTabSz="666750">
             <a:lnSpc>
               <a:spcPct val="90000"/>
             </a:lnSpc>
@@ -6091,10 +7787,9 @@
             <a:spcAft>
               <a:spcPct val="35000"/>
             </a:spcAft>
-            <a:buNone/>
           </a:pPr>
           <a:r>
-            <a:rPr lang="de-DE" sz="1600" kern="1200" dirty="0">
+            <a:rPr lang="de-DE" sz="1500" kern="1200" dirty="0">
               <a:solidFill>
                 <a:schemeClr val="tx1"/>
               </a:solidFill>
@@ -6103,7 +7798,7 @@
           </a:r>
         </a:p>
         <a:p>
-          <a:pPr marL="0" lvl="0" indent="0" algn="ctr" defTabSz="711200">
+          <a:pPr lvl="0" algn="ctr" defTabSz="666750">
             <a:lnSpc>
               <a:spcPct val="90000"/>
             </a:lnSpc>
@@ -6113,15 +7808,18 @@
             <a:spcAft>
               <a:spcPct val="35000"/>
             </a:spcAft>
-            <a:buNone/>
           </a:pPr>
           <a:r>
-            <a:rPr lang="de-DE" sz="1600" kern="1200" dirty="0"/>
-            <a:t>Frühzeitige Vollendung des Projekts</a:t>
+            <a:rPr lang="de-DE" sz="1500" kern="1200" dirty="0"/>
+            <a:t>Frühzeitige Vollendung des </a:t>
+          </a:r>
+          <a:r>
+            <a:rPr lang="de-DE" sz="1500" kern="1200" dirty="0" smtClean="0"/>
+            <a:t>Projekts</a:t>
           </a:r>
         </a:p>
         <a:p>
-          <a:pPr marL="0" lvl="0" indent="0" algn="ctr" defTabSz="711200">
+          <a:pPr lvl="0" algn="ctr" defTabSz="666750">
             <a:lnSpc>
               <a:spcPct val="90000"/>
             </a:lnSpc>
@@ -6131,12 +7829,15 @@
             <a:spcAft>
               <a:spcPct val="35000"/>
             </a:spcAft>
-            <a:buNone/>
           </a:pPr>
-          <a:endParaRPr lang="de-DE" sz="1600" kern="1200" dirty="0"/>
+          <a:r>
+            <a:rPr lang="de-DE" sz="1500" kern="1200" dirty="0" smtClean="0"/>
+            <a:t>Erfahrungsgewinn im Projektmanagement</a:t>
+          </a:r>
+          <a:endParaRPr lang="de-DE" sz="1500" kern="1200" dirty="0"/>
         </a:p>
         <a:p>
-          <a:pPr marL="0" lvl="0" indent="0" algn="ctr" defTabSz="711200">
+          <a:pPr lvl="0" algn="ctr" defTabSz="666750">
             <a:lnSpc>
               <a:spcPct val="90000"/>
             </a:lnSpc>
@@ -6146,9 +7847,22 @@
             <a:spcAft>
               <a:spcPct val="35000"/>
             </a:spcAft>
-            <a:buNone/>
           </a:pPr>
-          <a:endParaRPr lang="de-DE" sz="1600" kern="1200" dirty="0"/>
+          <a:endParaRPr lang="de-DE" sz="1500" kern="1200" dirty="0"/>
+        </a:p>
+        <a:p>
+          <a:pPr lvl="0" algn="ctr" defTabSz="666750">
+            <a:lnSpc>
+              <a:spcPct val="90000"/>
+            </a:lnSpc>
+            <a:spcBef>
+              <a:spcPct val="0"/>
+            </a:spcBef>
+            <a:spcAft>
+              <a:spcPct val="35000"/>
+            </a:spcAft>
+          </a:pPr>
+          <a:endParaRPr lang="de-DE" sz="1500" kern="1200" dirty="0"/>
         </a:p>
       </dsp:txBody>
       <dsp:txXfrm rot="10800000">
@@ -6206,12 +7920,12 @@
         </a:fontRef>
       </dsp:style>
       <dsp:txBody>
-        <a:bodyPr spcFirstLastPara="0" vert="horz" wrap="square" lIns="113792" tIns="113792" rIns="113792" bIns="113792" numCol="1" spcCol="1270" anchor="ctr" anchorCtr="0">
+        <a:bodyPr spcFirstLastPara="0" vert="horz" wrap="square" lIns="106680" tIns="106680" rIns="106680" bIns="106680" numCol="1" spcCol="1270" anchor="ctr" anchorCtr="0">
           <a:noAutofit/>
         </a:bodyPr>
         <a:lstStyle/>
         <a:p>
-          <a:pPr marL="0" lvl="0" indent="0" algn="ctr" defTabSz="711200">
+          <a:pPr lvl="0" algn="ctr" defTabSz="666750">
             <a:lnSpc>
               <a:spcPct val="90000"/>
             </a:lnSpc>
@@ -6221,10 +7935,9 @@
             <a:spcAft>
               <a:spcPct val="35000"/>
             </a:spcAft>
-            <a:buNone/>
           </a:pPr>
           <a:r>
-            <a:rPr lang="de-DE" sz="1600" kern="1200" dirty="0">
+            <a:rPr lang="de-DE" sz="1500" kern="1200" dirty="0">
               <a:solidFill>
                 <a:schemeClr val="tx1"/>
               </a:solidFill>
@@ -6233,7 +7946,7 @@
           </a:r>
         </a:p>
         <a:p>
-          <a:pPr marL="0" lvl="0" indent="0" algn="ctr" defTabSz="711200">
+          <a:pPr lvl="0" algn="ctr" defTabSz="666750">
             <a:lnSpc>
               <a:spcPct val="90000"/>
             </a:lnSpc>
@@ -6243,22 +7956,21 @@
             <a:spcAft>
               <a:spcPct val="35000"/>
             </a:spcAft>
-            <a:buNone/>
           </a:pPr>
           <a:r>
-            <a:rPr lang="de-DE" sz="1600" kern="1200" dirty="0"/>
+            <a:rPr lang="de-DE" sz="1500" kern="1200" dirty="0"/>
             <a:t>Ablehnung des Projektantrags</a:t>
           </a:r>
           <a:br>
-            <a:rPr lang="de-DE" sz="1600" kern="1200" dirty="0"/>
+            <a:rPr lang="de-DE" sz="1500" kern="1200" dirty="0"/>
           </a:br>
           <a:r>
-            <a:rPr lang="de-DE" sz="1600" kern="1200" dirty="0"/>
+            <a:rPr lang="de-DE" sz="1500" kern="1200" dirty="0"/>
             <a:t>Zeit</a:t>
           </a:r>
         </a:p>
         <a:p>
-          <a:pPr marL="0" lvl="0" indent="0" algn="ctr" defTabSz="711200">
+          <a:pPr lvl="0" algn="ctr" defTabSz="666750">
             <a:lnSpc>
               <a:spcPct val="90000"/>
             </a:lnSpc>
@@ -6268,12 +7980,11 @@
             <a:spcAft>
               <a:spcPct val="35000"/>
             </a:spcAft>
-            <a:buNone/>
           </a:pPr>
-          <a:endParaRPr lang="de-DE" sz="1600" kern="1200" dirty="0"/>
+          <a:endParaRPr lang="de-DE" sz="1500" kern="1200" dirty="0"/>
         </a:p>
         <a:p>
-          <a:pPr marL="0" lvl="0" indent="0" algn="ctr" defTabSz="711200">
+          <a:pPr lvl="0" algn="ctr" defTabSz="666750">
             <a:lnSpc>
               <a:spcPct val="90000"/>
             </a:lnSpc>
@@ -6283,9 +7994,8 @@
             <a:spcAft>
               <a:spcPct val="35000"/>
             </a:spcAft>
-            <a:buNone/>
           </a:pPr>
-          <a:endParaRPr lang="de-DE" sz="1600" kern="1200" dirty="0"/>
+          <a:endParaRPr lang="de-DE" sz="1500" kern="1200" dirty="0"/>
         </a:p>
       </dsp:txBody>
       <dsp:txXfrm rot="-5400000">
@@ -6342,12 +8052,12 @@
         <a:fontRef idx="minor"/>
       </dsp:style>
       <dsp:txBody>
-        <a:bodyPr spcFirstLastPara="0" vert="horz" wrap="square" lIns="60960" tIns="60960" rIns="60960" bIns="60960" numCol="1" spcCol="1270" anchor="ctr" anchorCtr="0">
+        <a:bodyPr spcFirstLastPara="0" vert="horz" wrap="square" lIns="57150" tIns="57150" rIns="57150" bIns="57150" numCol="1" spcCol="1270" anchor="ctr" anchorCtr="0">
           <a:noAutofit/>
         </a:bodyPr>
         <a:lstStyle/>
         <a:p>
-          <a:pPr marL="0" lvl="0" indent="0" algn="ctr" defTabSz="711200">
+          <a:pPr lvl="0" algn="ctr" defTabSz="666750">
             <a:lnSpc>
               <a:spcPct val="90000"/>
             </a:lnSpc>
@@ -6357,10 +8067,9 @@
             <a:spcAft>
               <a:spcPct val="35000"/>
             </a:spcAft>
-            <a:buNone/>
           </a:pPr>
           <a:r>
-            <a:rPr lang="de-DE" sz="1600" kern="1200" dirty="0"/>
+            <a:rPr lang="de-DE" sz="1500" kern="1200" dirty="0"/>
             <a:t>SWOT</a:t>
           </a:r>
         </a:p>
@@ -9201,6 +10910,153 @@
 </file>
 
 <file path=ppt/diagrams/layout3.xml><?xml version="1.0" encoding="utf-8"?>
+<dgm:layoutDef xmlns:dgm="http://schemas.openxmlformats.org/drawingml/2006/diagram" xmlns:a="http://schemas.openxmlformats.org/drawingml/2006/main" uniqueId="urn:microsoft.com/office/officeart/2005/8/layout/default">
+  <dgm:title val=""/>
+  <dgm:desc val=""/>
+  <dgm:catLst>
+    <dgm:cat type="list" pri="400"/>
+  </dgm:catLst>
+  <dgm:sampData>
+    <dgm:dataModel>
+      <dgm:ptLst>
+        <dgm:pt modelId="0" type="doc"/>
+        <dgm:pt modelId="1">
+          <dgm:prSet phldr="1"/>
+        </dgm:pt>
+        <dgm:pt modelId="2">
+          <dgm:prSet phldr="1"/>
+        </dgm:pt>
+        <dgm:pt modelId="3">
+          <dgm:prSet phldr="1"/>
+        </dgm:pt>
+        <dgm:pt modelId="4">
+          <dgm:prSet phldr="1"/>
+        </dgm:pt>
+        <dgm:pt modelId="5">
+          <dgm:prSet phldr="1"/>
+        </dgm:pt>
+      </dgm:ptLst>
+      <dgm:cxnLst>
+        <dgm:cxn modelId="6" srcId="0" destId="1" srcOrd="0" destOrd="0"/>
+        <dgm:cxn modelId="7" srcId="0" destId="2" srcOrd="1" destOrd="0"/>
+        <dgm:cxn modelId="8" srcId="0" destId="3" srcOrd="2" destOrd="0"/>
+        <dgm:cxn modelId="9" srcId="0" destId="4" srcOrd="3" destOrd="0"/>
+        <dgm:cxn modelId="10" srcId="0" destId="5" srcOrd="4" destOrd="0"/>
+      </dgm:cxnLst>
+      <dgm:bg/>
+      <dgm:whole/>
+    </dgm:dataModel>
+  </dgm:sampData>
+  <dgm:styleData>
+    <dgm:dataModel>
+      <dgm:ptLst>
+        <dgm:pt modelId="0" type="doc"/>
+        <dgm:pt modelId="1"/>
+        <dgm:pt modelId="2"/>
+      </dgm:ptLst>
+      <dgm:cxnLst>
+        <dgm:cxn modelId="3" srcId="0" destId="1" srcOrd="0" destOrd="0"/>
+        <dgm:cxn modelId="4" srcId="0" destId="2" srcOrd="1" destOrd="0"/>
+      </dgm:cxnLst>
+      <dgm:bg/>
+      <dgm:whole/>
+    </dgm:dataModel>
+  </dgm:styleData>
+  <dgm:clrData>
+    <dgm:dataModel>
+      <dgm:ptLst>
+        <dgm:pt modelId="0" type="doc"/>
+        <dgm:pt modelId="1"/>
+        <dgm:pt modelId="2"/>
+        <dgm:pt modelId="3"/>
+        <dgm:pt modelId="4"/>
+        <dgm:pt modelId="5"/>
+        <dgm:pt modelId="6"/>
+      </dgm:ptLst>
+      <dgm:cxnLst>
+        <dgm:cxn modelId="7" srcId="0" destId="1" srcOrd="0" destOrd="0"/>
+        <dgm:cxn modelId="8" srcId="0" destId="2" srcOrd="1" destOrd="0"/>
+        <dgm:cxn modelId="9" srcId="0" destId="3" srcOrd="2" destOrd="0"/>
+        <dgm:cxn modelId="10" srcId="0" destId="4" srcOrd="3" destOrd="0"/>
+        <dgm:cxn modelId="11" srcId="0" destId="5" srcOrd="4" destOrd="0"/>
+        <dgm:cxn modelId="12" srcId="0" destId="6" srcOrd="5" destOrd="0"/>
+      </dgm:cxnLst>
+      <dgm:bg/>
+      <dgm:whole/>
+    </dgm:dataModel>
+  </dgm:clrData>
+  <dgm:layoutNode name="diagram">
+    <dgm:varLst>
+      <dgm:dir/>
+      <dgm:resizeHandles val="exact"/>
+    </dgm:varLst>
+    <dgm:choose name="Name0">
+      <dgm:if name="Name1" func="var" arg="dir" op="equ" val="norm">
+        <dgm:alg type="snake">
+          <dgm:param type="grDir" val="tL"/>
+          <dgm:param type="flowDir" val="row"/>
+          <dgm:param type="contDir" val="sameDir"/>
+          <dgm:param type="off" val="ctr"/>
+        </dgm:alg>
+      </dgm:if>
+      <dgm:else name="Name2">
+        <dgm:alg type="snake">
+          <dgm:param type="grDir" val="tR"/>
+          <dgm:param type="flowDir" val="row"/>
+          <dgm:param type="contDir" val="sameDir"/>
+          <dgm:param type="off" val="ctr"/>
+        </dgm:alg>
+      </dgm:else>
+    </dgm:choose>
+    <dgm:shape xmlns:r="http://schemas.openxmlformats.org/officeDocument/2006/relationships" r:blip="">
+      <dgm:adjLst/>
+    </dgm:shape>
+    <dgm:presOf/>
+    <dgm:constrLst>
+      <dgm:constr type="w" for="ch" forName="node" refType="w"/>
+      <dgm:constr type="h" for="ch" forName="node" refType="w" refFor="ch" refForName="node" fact="0.6"/>
+      <dgm:constr type="w" for="ch" forName="sibTrans" refType="w" refFor="ch" refForName="node" fact="0.1"/>
+      <dgm:constr type="sp" refType="w" refFor="ch" refForName="sibTrans"/>
+      <dgm:constr type="primFontSz" for="ch" forName="node" op="equ" val="65"/>
+    </dgm:constrLst>
+    <dgm:ruleLst/>
+    <dgm:forEach name="Name3" axis="ch" ptType="node">
+      <dgm:layoutNode name="node">
+        <dgm:varLst>
+          <dgm:bulletEnabled val="1"/>
+        </dgm:varLst>
+        <dgm:alg type="tx"/>
+        <dgm:shape xmlns:r="http://schemas.openxmlformats.org/officeDocument/2006/relationships" type="rect" r:blip="">
+          <dgm:adjLst/>
+        </dgm:shape>
+        <dgm:presOf axis="desOrSelf" ptType="node"/>
+        <dgm:constrLst>
+          <dgm:constr type="lMarg" refType="primFontSz" fact="0.3"/>
+          <dgm:constr type="rMarg" refType="primFontSz" fact="0.3"/>
+          <dgm:constr type="tMarg" refType="primFontSz" fact="0.3"/>
+          <dgm:constr type="bMarg" refType="primFontSz" fact="0.3"/>
+        </dgm:constrLst>
+        <dgm:ruleLst>
+          <dgm:rule type="primFontSz" val="5" fact="NaN" max="NaN"/>
+        </dgm:ruleLst>
+      </dgm:layoutNode>
+      <dgm:forEach name="Name4" axis="followSib" ptType="sibTrans" cnt="1">
+        <dgm:layoutNode name="sibTrans">
+          <dgm:alg type="sp"/>
+          <dgm:shape xmlns:r="http://schemas.openxmlformats.org/officeDocument/2006/relationships" r:blip="">
+            <dgm:adjLst/>
+          </dgm:shape>
+          <dgm:presOf/>
+          <dgm:constrLst/>
+          <dgm:ruleLst/>
+        </dgm:layoutNode>
+      </dgm:forEach>
+    </dgm:forEach>
+  </dgm:layoutNode>
+</dgm:layoutDef>
+</file>
+
+<file path=ppt/diagrams/layout4.xml><?xml version="1.0" encoding="utf-8"?>
 <dgm:layoutDef xmlns:dgm="http://schemas.openxmlformats.org/drawingml/2006/diagram" xmlns:a="http://schemas.openxmlformats.org/drawingml/2006/main" uniqueId="urn:microsoft.com/office/officeart/2005/8/layout/matrix1">
   <dgm:title val=""/>
   <dgm:desc val=""/>
@@ -11646,6 +13502,1040 @@
 </file>
 
 <file path=ppt/diagrams/quickStyle3.xml><?xml version="1.0" encoding="utf-8"?>
+<dgm:styleDef xmlns:dgm="http://schemas.openxmlformats.org/drawingml/2006/diagram" xmlns:a="http://schemas.openxmlformats.org/drawingml/2006/main" uniqueId="urn:microsoft.com/office/officeart/2005/8/quickstyle/simple1">
+  <dgm:title val=""/>
+  <dgm:desc val=""/>
+  <dgm:catLst>
+    <dgm:cat type="simple" pri="10100"/>
+  </dgm:catLst>
+  <dgm:scene3d>
+    <a:camera prst="orthographicFront"/>
+    <a:lightRig rig="threePt" dir="t"/>
+  </dgm:scene3d>
+  <dgm:styleLbl name="node0">
+    <dgm:scene3d>
+      <a:camera prst="orthographicFront"/>
+      <a:lightRig rig="threePt" dir="t"/>
+    </dgm:scene3d>
+    <dgm:sp3d/>
+    <dgm:txPr/>
+    <dgm:style>
+      <a:lnRef idx="2">
+        <a:scrgbClr r="0" g="0" b="0"/>
+      </a:lnRef>
+      <a:fillRef idx="1">
+        <a:scrgbClr r="0" g="0" b="0"/>
+      </a:fillRef>
+      <a:effectRef idx="0">
+        <a:scrgbClr r="0" g="0" b="0"/>
+      </a:effectRef>
+      <a:fontRef idx="minor">
+        <a:schemeClr val="lt1"/>
+      </a:fontRef>
+    </dgm:style>
+  </dgm:styleLbl>
+  <dgm:styleLbl name="lnNode1">
+    <dgm:scene3d>
+      <a:camera prst="orthographicFront"/>
+      <a:lightRig rig="threePt" dir="t"/>
+    </dgm:scene3d>
+    <dgm:sp3d/>
+    <dgm:txPr/>
+    <dgm:style>
+      <a:lnRef idx="2">
+        <a:scrgbClr r="0" g="0" b="0"/>
+      </a:lnRef>
+      <a:fillRef idx="1">
+        <a:scrgbClr r="0" g="0" b="0"/>
+      </a:fillRef>
+      <a:effectRef idx="0">
+        <a:scrgbClr r="0" g="0" b="0"/>
+      </a:effectRef>
+      <a:fontRef idx="minor">
+        <a:schemeClr val="lt1"/>
+      </a:fontRef>
+    </dgm:style>
+  </dgm:styleLbl>
+  <dgm:styleLbl name="vennNode1">
+    <dgm:scene3d>
+      <a:camera prst="orthographicFront"/>
+      <a:lightRig rig="threePt" dir="t"/>
+    </dgm:scene3d>
+    <dgm:sp3d/>
+    <dgm:txPr/>
+    <dgm:style>
+      <a:lnRef idx="2">
+        <a:scrgbClr r="0" g="0" b="0"/>
+      </a:lnRef>
+      <a:fillRef idx="1">
+        <a:scrgbClr r="0" g="0" b="0"/>
+      </a:fillRef>
+      <a:effectRef idx="0">
+        <a:scrgbClr r="0" g="0" b="0"/>
+      </a:effectRef>
+      <a:fontRef idx="minor">
+        <a:schemeClr val="tx1"/>
+      </a:fontRef>
+    </dgm:style>
+  </dgm:styleLbl>
+  <dgm:styleLbl name="alignNode1">
+    <dgm:scene3d>
+      <a:camera prst="orthographicFront"/>
+      <a:lightRig rig="threePt" dir="t"/>
+    </dgm:scene3d>
+    <dgm:sp3d/>
+    <dgm:txPr/>
+    <dgm:style>
+      <a:lnRef idx="2">
+        <a:scrgbClr r="0" g="0" b="0"/>
+      </a:lnRef>
+      <a:fillRef idx="1">
+        <a:scrgbClr r="0" g="0" b="0"/>
+      </a:fillRef>
+      <a:effectRef idx="0">
+        <a:scrgbClr r="0" g="0" b="0"/>
+      </a:effectRef>
+      <a:fontRef idx="minor">
+        <a:schemeClr val="lt1"/>
+      </a:fontRef>
+    </dgm:style>
+  </dgm:styleLbl>
+  <dgm:styleLbl name="node1">
+    <dgm:scene3d>
+      <a:camera prst="orthographicFront"/>
+      <a:lightRig rig="threePt" dir="t"/>
+    </dgm:scene3d>
+    <dgm:sp3d/>
+    <dgm:txPr/>
+    <dgm:style>
+      <a:lnRef idx="2">
+        <a:scrgbClr r="0" g="0" b="0"/>
+      </a:lnRef>
+      <a:fillRef idx="1">
+        <a:scrgbClr r="0" g="0" b="0"/>
+      </a:fillRef>
+      <a:effectRef idx="0">
+        <a:scrgbClr r="0" g="0" b="0"/>
+      </a:effectRef>
+      <a:fontRef idx="minor">
+        <a:schemeClr val="lt1"/>
+      </a:fontRef>
+    </dgm:style>
+  </dgm:styleLbl>
+  <dgm:styleLbl name="node2">
+    <dgm:scene3d>
+      <a:camera prst="orthographicFront"/>
+      <a:lightRig rig="threePt" dir="t"/>
+    </dgm:scene3d>
+    <dgm:sp3d/>
+    <dgm:txPr/>
+    <dgm:style>
+      <a:lnRef idx="2">
+        <a:scrgbClr r="0" g="0" b="0"/>
+      </a:lnRef>
+      <a:fillRef idx="1">
+        <a:scrgbClr r="0" g="0" b="0"/>
+      </a:fillRef>
+      <a:effectRef idx="0">
+        <a:scrgbClr r="0" g="0" b="0"/>
+      </a:effectRef>
+      <a:fontRef idx="minor">
+        <a:schemeClr val="lt1"/>
+      </a:fontRef>
+    </dgm:style>
+  </dgm:styleLbl>
+  <dgm:styleLbl name="node3">
+    <dgm:scene3d>
+      <a:camera prst="orthographicFront"/>
+      <a:lightRig rig="threePt" dir="t"/>
+    </dgm:scene3d>
+    <dgm:sp3d/>
+    <dgm:txPr/>
+    <dgm:style>
+      <a:lnRef idx="2">
+        <a:scrgbClr r="0" g="0" b="0"/>
+      </a:lnRef>
+      <a:fillRef idx="1">
+        <a:scrgbClr r="0" g="0" b="0"/>
+      </a:fillRef>
+      <a:effectRef idx="0">
+        <a:scrgbClr r="0" g="0" b="0"/>
+      </a:effectRef>
+      <a:fontRef idx="minor">
+        <a:schemeClr val="lt1"/>
+      </a:fontRef>
+    </dgm:style>
+  </dgm:styleLbl>
+  <dgm:styleLbl name="node4">
+    <dgm:scene3d>
+      <a:camera prst="orthographicFront"/>
+      <a:lightRig rig="threePt" dir="t"/>
+    </dgm:scene3d>
+    <dgm:sp3d/>
+    <dgm:txPr/>
+    <dgm:style>
+      <a:lnRef idx="2">
+        <a:scrgbClr r="0" g="0" b="0"/>
+      </a:lnRef>
+      <a:fillRef idx="1">
+        <a:scrgbClr r="0" g="0" b="0"/>
+      </a:fillRef>
+      <a:effectRef idx="0">
+        <a:scrgbClr r="0" g="0" b="0"/>
+      </a:effectRef>
+      <a:fontRef idx="minor">
+        <a:schemeClr val="lt1"/>
+      </a:fontRef>
+    </dgm:style>
+  </dgm:styleLbl>
+  <dgm:styleLbl name="fgImgPlace1">
+    <dgm:scene3d>
+      <a:camera prst="orthographicFront"/>
+      <a:lightRig rig="threePt" dir="t"/>
+    </dgm:scene3d>
+    <dgm:sp3d/>
+    <dgm:txPr/>
+    <dgm:style>
+      <a:lnRef idx="2">
+        <a:scrgbClr r="0" g="0" b="0"/>
+      </a:lnRef>
+      <a:fillRef idx="1">
+        <a:scrgbClr r="0" g="0" b="0"/>
+      </a:fillRef>
+      <a:effectRef idx="0">
+        <a:scrgbClr r="0" g="0" b="0"/>
+      </a:effectRef>
+      <a:fontRef idx="minor"/>
+    </dgm:style>
+  </dgm:styleLbl>
+  <dgm:styleLbl name="alignImgPlace1">
+    <dgm:scene3d>
+      <a:camera prst="orthographicFront"/>
+      <a:lightRig rig="threePt" dir="t"/>
+    </dgm:scene3d>
+    <dgm:sp3d/>
+    <dgm:txPr/>
+    <dgm:style>
+      <a:lnRef idx="2">
+        <a:scrgbClr r="0" g="0" b="0"/>
+      </a:lnRef>
+      <a:fillRef idx="1">
+        <a:scrgbClr r="0" g="0" b="0"/>
+      </a:fillRef>
+      <a:effectRef idx="0">
+        <a:scrgbClr r="0" g="0" b="0"/>
+      </a:effectRef>
+      <a:fontRef idx="minor"/>
+    </dgm:style>
+  </dgm:styleLbl>
+  <dgm:styleLbl name="bgImgPlace1">
+    <dgm:scene3d>
+      <a:camera prst="orthographicFront"/>
+      <a:lightRig rig="threePt" dir="t"/>
+    </dgm:scene3d>
+    <dgm:sp3d/>
+    <dgm:txPr/>
+    <dgm:style>
+      <a:lnRef idx="2">
+        <a:scrgbClr r="0" g="0" b="0"/>
+      </a:lnRef>
+      <a:fillRef idx="1">
+        <a:scrgbClr r="0" g="0" b="0"/>
+      </a:fillRef>
+      <a:effectRef idx="0">
+        <a:scrgbClr r="0" g="0" b="0"/>
+      </a:effectRef>
+      <a:fontRef idx="minor"/>
+    </dgm:style>
+  </dgm:styleLbl>
+  <dgm:styleLbl name="sibTrans2D1">
+    <dgm:scene3d>
+      <a:camera prst="orthographicFront"/>
+      <a:lightRig rig="threePt" dir="t"/>
+    </dgm:scene3d>
+    <dgm:sp3d/>
+    <dgm:txPr/>
+    <dgm:style>
+      <a:lnRef idx="0">
+        <a:scrgbClr r="0" g="0" b="0"/>
+      </a:lnRef>
+      <a:fillRef idx="1">
+        <a:scrgbClr r="0" g="0" b="0"/>
+      </a:fillRef>
+      <a:effectRef idx="0">
+        <a:scrgbClr r="0" g="0" b="0"/>
+      </a:effectRef>
+      <a:fontRef idx="minor">
+        <a:schemeClr val="lt1"/>
+      </a:fontRef>
+    </dgm:style>
+  </dgm:styleLbl>
+  <dgm:styleLbl name="fgSibTrans2D1">
+    <dgm:scene3d>
+      <a:camera prst="orthographicFront"/>
+      <a:lightRig rig="threePt" dir="t"/>
+    </dgm:scene3d>
+    <dgm:sp3d/>
+    <dgm:txPr/>
+    <dgm:style>
+      <a:lnRef idx="0">
+        <a:scrgbClr r="0" g="0" b="0"/>
+      </a:lnRef>
+      <a:fillRef idx="1">
+        <a:scrgbClr r="0" g="0" b="0"/>
+      </a:fillRef>
+      <a:effectRef idx="0">
+        <a:scrgbClr r="0" g="0" b="0"/>
+      </a:effectRef>
+      <a:fontRef idx="minor">
+        <a:schemeClr val="lt1"/>
+      </a:fontRef>
+    </dgm:style>
+  </dgm:styleLbl>
+  <dgm:styleLbl name="bgSibTrans2D1">
+    <dgm:scene3d>
+      <a:camera prst="orthographicFront"/>
+      <a:lightRig rig="threePt" dir="t"/>
+    </dgm:scene3d>
+    <dgm:sp3d/>
+    <dgm:txPr/>
+    <dgm:style>
+      <a:lnRef idx="0">
+        <a:scrgbClr r="0" g="0" b="0"/>
+      </a:lnRef>
+      <a:fillRef idx="1">
+        <a:scrgbClr r="0" g="0" b="0"/>
+      </a:fillRef>
+      <a:effectRef idx="0">
+        <a:scrgbClr r="0" g="0" b="0"/>
+      </a:effectRef>
+      <a:fontRef idx="minor">
+        <a:schemeClr val="lt1"/>
+      </a:fontRef>
+    </dgm:style>
+  </dgm:styleLbl>
+  <dgm:styleLbl name="sibTrans1D1">
+    <dgm:scene3d>
+      <a:camera prst="orthographicFront"/>
+      <a:lightRig rig="threePt" dir="t"/>
+    </dgm:scene3d>
+    <dgm:sp3d/>
+    <dgm:txPr/>
+    <dgm:style>
+      <a:lnRef idx="1">
+        <a:scrgbClr r="0" g="0" b="0"/>
+      </a:lnRef>
+      <a:fillRef idx="0">
+        <a:scrgbClr r="0" g="0" b="0"/>
+      </a:fillRef>
+      <a:effectRef idx="0">
+        <a:scrgbClr r="0" g="0" b="0"/>
+      </a:effectRef>
+      <a:fontRef idx="minor"/>
+    </dgm:style>
+  </dgm:styleLbl>
+  <dgm:styleLbl name="callout">
+    <dgm:scene3d>
+      <a:camera prst="orthographicFront"/>
+      <a:lightRig rig="threePt" dir="t"/>
+    </dgm:scene3d>
+    <dgm:sp3d/>
+    <dgm:txPr/>
+    <dgm:style>
+      <a:lnRef idx="2">
+        <a:scrgbClr r="0" g="0" b="0"/>
+      </a:lnRef>
+      <a:fillRef idx="1">
+        <a:scrgbClr r="0" g="0" b="0"/>
+      </a:fillRef>
+      <a:effectRef idx="0">
+        <a:scrgbClr r="0" g="0" b="0"/>
+      </a:effectRef>
+      <a:fontRef idx="minor"/>
+    </dgm:style>
+  </dgm:styleLbl>
+  <dgm:styleLbl name="asst0">
+    <dgm:scene3d>
+      <a:camera prst="orthographicFront"/>
+      <a:lightRig rig="threePt" dir="t"/>
+    </dgm:scene3d>
+    <dgm:sp3d/>
+    <dgm:txPr/>
+    <dgm:style>
+      <a:lnRef idx="2">
+        <a:scrgbClr r="0" g="0" b="0"/>
+      </a:lnRef>
+      <a:fillRef idx="1">
+        <a:scrgbClr r="0" g="0" b="0"/>
+      </a:fillRef>
+      <a:effectRef idx="0">
+        <a:scrgbClr r="0" g="0" b="0"/>
+      </a:effectRef>
+      <a:fontRef idx="minor">
+        <a:schemeClr val="lt1"/>
+      </a:fontRef>
+    </dgm:style>
+  </dgm:styleLbl>
+  <dgm:styleLbl name="asst1">
+    <dgm:scene3d>
+      <a:camera prst="orthographicFront"/>
+      <a:lightRig rig="threePt" dir="t"/>
+    </dgm:scene3d>
+    <dgm:sp3d/>
+    <dgm:txPr/>
+    <dgm:style>
+      <a:lnRef idx="2">
+        <a:scrgbClr r="0" g="0" b="0"/>
+      </a:lnRef>
+      <a:fillRef idx="1">
+        <a:scrgbClr r="0" g="0" b="0"/>
+      </a:fillRef>
+      <a:effectRef idx="0">
+        <a:scrgbClr r="0" g="0" b="0"/>
+      </a:effectRef>
+      <a:fontRef idx="minor">
+        <a:schemeClr val="lt1"/>
+      </a:fontRef>
+    </dgm:style>
+  </dgm:styleLbl>
+  <dgm:styleLbl name="asst2">
+    <dgm:scene3d>
+      <a:camera prst="orthographicFront"/>
+      <a:lightRig rig="threePt" dir="t"/>
+    </dgm:scene3d>
+    <dgm:sp3d/>
+    <dgm:txPr/>
+    <dgm:style>
+      <a:lnRef idx="2">
+        <a:scrgbClr r="0" g="0" b="0"/>
+      </a:lnRef>
+      <a:fillRef idx="1">
+        <a:scrgbClr r="0" g="0" b="0"/>
+      </a:fillRef>
+      <a:effectRef idx="0">
+        <a:scrgbClr r="0" g="0" b="0"/>
+      </a:effectRef>
+      <a:fontRef idx="minor">
+        <a:schemeClr val="lt1"/>
+      </a:fontRef>
+    </dgm:style>
+  </dgm:styleLbl>
+  <dgm:styleLbl name="asst3">
+    <dgm:scene3d>
+      <a:camera prst="orthographicFront"/>
+      <a:lightRig rig="threePt" dir="t"/>
+    </dgm:scene3d>
+    <dgm:sp3d/>
+    <dgm:txPr/>
+    <dgm:style>
+      <a:lnRef idx="2">
+        <a:scrgbClr r="0" g="0" b="0"/>
+      </a:lnRef>
+      <a:fillRef idx="1">
+        <a:scrgbClr r="0" g="0" b="0"/>
+      </a:fillRef>
+      <a:effectRef idx="0">
+        <a:scrgbClr r="0" g="0" b="0"/>
+      </a:effectRef>
+      <a:fontRef idx="minor">
+        <a:schemeClr val="lt1"/>
+      </a:fontRef>
+    </dgm:style>
+  </dgm:styleLbl>
+  <dgm:styleLbl name="asst4">
+    <dgm:scene3d>
+      <a:camera prst="orthographicFront"/>
+      <a:lightRig rig="threePt" dir="t"/>
+    </dgm:scene3d>
+    <dgm:sp3d/>
+    <dgm:txPr/>
+    <dgm:style>
+      <a:lnRef idx="2">
+        <a:scrgbClr r="0" g="0" b="0"/>
+      </a:lnRef>
+      <a:fillRef idx="1">
+        <a:scrgbClr r="0" g="0" b="0"/>
+      </a:fillRef>
+      <a:effectRef idx="0">
+        <a:scrgbClr r="0" g="0" b="0"/>
+      </a:effectRef>
+      <a:fontRef idx="minor">
+        <a:schemeClr val="lt1"/>
+      </a:fontRef>
+    </dgm:style>
+  </dgm:styleLbl>
+  <dgm:styleLbl name="parChTrans2D1">
+    <dgm:scene3d>
+      <a:camera prst="orthographicFront"/>
+      <a:lightRig rig="threePt" dir="t"/>
+    </dgm:scene3d>
+    <dgm:sp3d/>
+    <dgm:txPr/>
+    <dgm:style>
+      <a:lnRef idx="2">
+        <a:scrgbClr r="0" g="0" b="0"/>
+      </a:lnRef>
+      <a:fillRef idx="1">
+        <a:scrgbClr r="0" g="0" b="0"/>
+      </a:fillRef>
+      <a:effectRef idx="0">
+        <a:scrgbClr r="0" g="0" b="0"/>
+      </a:effectRef>
+      <a:fontRef idx="minor">
+        <a:schemeClr val="lt1"/>
+      </a:fontRef>
+    </dgm:style>
+  </dgm:styleLbl>
+  <dgm:styleLbl name="parChTrans2D2">
+    <dgm:scene3d>
+      <a:camera prst="orthographicFront"/>
+      <a:lightRig rig="threePt" dir="t"/>
+    </dgm:scene3d>
+    <dgm:sp3d/>
+    <dgm:txPr/>
+    <dgm:style>
+      <a:lnRef idx="2">
+        <a:scrgbClr r="0" g="0" b="0"/>
+      </a:lnRef>
+      <a:fillRef idx="1">
+        <a:scrgbClr r="0" g="0" b="0"/>
+      </a:fillRef>
+      <a:effectRef idx="0">
+        <a:scrgbClr r="0" g="0" b="0"/>
+      </a:effectRef>
+      <a:fontRef idx="minor">
+        <a:schemeClr val="lt1"/>
+      </a:fontRef>
+    </dgm:style>
+  </dgm:styleLbl>
+  <dgm:styleLbl name="parChTrans2D3">
+    <dgm:scene3d>
+      <a:camera prst="orthographicFront"/>
+      <a:lightRig rig="threePt" dir="t"/>
+    </dgm:scene3d>
+    <dgm:sp3d/>
+    <dgm:txPr/>
+    <dgm:style>
+      <a:lnRef idx="2">
+        <a:scrgbClr r="0" g="0" b="0"/>
+      </a:lnRef>
+      <a:fillRef idx="1">
+        <a:scrgbClr r="0" g="0" b="0"/>
+      </a:fillRef>
+      <a:effectRef idx="0">
+        <a:scrgbClr r="0" g="0" b="0"/>
+      </a:effectRef>
+      <a:fontRef idx="minor">
+        <a:schemeClr val="lt1"/>
+      </a:fontRef>
+    </dgm:style>
+  </dgm:styleLbl>
+  <dgm:styleLbl name="parChTrans2D4">
+    <dgm:scene3d>
+      <a:camera prst="orthographicFront"/>
+      <a:lightRig rig="threePt" dir="t"/>
+    </dgm:scene3d>
+    <dgm:sp3d/>
+    <dgm:txPr/>
+    <dgm:style>
+      <a:lnRef idx="2">
+        <a:scrgbClr r="0" g="0" b="0"/>
+      </a:lnRef>
+      <a:fillRef idx="1">
+        <a:scrgbClr r="0" g="0" b="0"/>
+      </a:fillRef>
+      <a:effectRef idx="0">
+        <a:scrgbClr r="0" g="0" b="0"/>
+      </a:effectRef>
+      <a:fontRef idx="minor">
+        <a:schemeClr val="lt1"/>
+      </a:fontRef>
+    </dgm:style>
+  </dgm:styleLbl>
+  <dgm:styleLbl name="parChTrans1D1">
+    <dgm:scene3d>
+      <a:camera prst="orthographicFront"/>
+      <a:lightRig rig="threePt" dir="t"/>
+    </dgm:scene3d>
+    <dgm:sp3d/>
+    <dgm:txPr/>
+    <dgm:style>
+      <a:lnRef idx="2">
+        <a:scrgbClr r="0" g="0" b="0"/>
+      </a:lnRef>
+      <a:fillRef idx="0">
+        <a:scrgbClr r="0" g="0" b="0"/>
+      </a:fillRef>
+      <a:effectRef idx="0">
+        <a:scrgbClr r="0" g="0" b="0"/>
+      </a:effectRef>
+      <a:fontRef idx="minor"/>
+    </dgm:style>
+  </dgm:styleLbl>
+  <dgm:styleLbl name="parChTrans1D2">
+    <dgm:scene3d>
+      <a:camera prst="orthographicFront"/>
+      <a:lightRig rig="threePt" dir="t"/>
+    </dgm:scene3d>
+    <dgm:sp3d/>
+    <dgm:txPr/>
+    <dgm:style>
+      <a:lnRef idx="2">
+        <a:scrgbClr r="0" g="0" b="0"/>
+      </a:lnRef>
+      <a:fillRef idx="0">
+        <a:scrgbClr r="0" g="0" b="0"/>
+      </a:fillRef>
+      <a:effectRef idx="0">
+        <a:scrgbClr r="0" g="0" b="0"/>
+      </a:effectRef>
+      <a:fontRef idx="minor"/>
+    </dgm:style>
+  </dgm:styleLbl>
+  <dgm:styleLbl name="parChTrans1D3">
+    <dgm:scene3d>
+      <a:camera prst="orthographicFront"/>
+      <a:lightRig rig="threePt" dir="t"/>
+    </dgm:scene3d>
+    <dgm:sp3d/>
+    <dgm:txPr/>
+    <dgm:style>
+      <a:lnRef idx="2">
+        <a:scrgbClr r="0" g="0" b="0"/>
+      </a:lnRef>
+      <a:fillRef idx="0">
+        <a:scrgbClr r="0" g="0" b="0"/>
+      </a:fillRef>
+      <a:effectRef idx="0">
+        <a:scrgbClr r="0" g="0" b="0"/>
+      </a:effectRef>
+      <a:fontRef idx="minor"/>
+    </dgm:style>
+  </dgm:styleLbl>
+  <dgm:styleLbl name="parChTrans1D4">
+    <dgm:scene3d>
+      <a:camera prst="orthographicFront"/>
+      <a:lightRig rig="threePt" dir="t"/>
+    </dgm:scene3d>
+    <dgm:sp3d/>
+    <dgm:txPr/>
+    <dgm:style>
+      <a:lnRef idx="2">
+        <a:scrgbClr r="0" g="0" b="0"/>
+      </a:lnRef>
+      <a:fillRef idx="0">
+        <a:scrgbClr r="0" g="0" b="0"/>
+      </a:fillRef>
+      <a:effectRef idx="0">
+        <a:scrgbClr r="0" g="0" b="0"/>
+      </a:effectRef>
+      <a:fontRef idx="minor"/>
+    </dgm:style>
+  </dgm:styleLbl>
+  <dgm:styleLbl name="fgAcc1">
+    <dgm:scene3d>
+      <a:camera prst="orthographicFront"/>
+      <a:lightRig rig="threePt" dir="t"/>
+    </dgm:scene3d>
+    <dgm:sp3d/>
+    <dgm:txPr/>
+    <dgm:style>
+      <a:lnRef idx="2">
+        <a:scrgbClr r="0" g="0" b="0"/>
+      </a:lnRef>
+      <a:fillRef idx="1">
+        <a:scrgbClr r="0" g="0" b="0"/>
+      </a:fillRef>
+      <a:effectRef idx="0">
+        <a:scrgbClr r="0" g="0" b="0"/>
+      </a:effectRef>
+      <a:fontRef idx="minor"/>
+    </dgm:style>
+  </dgm:styleLbl>
+  <dgm:styleLbl name="conFgAcc1">
+    <dgm:scene3d>
+      <a:camera prst="orthographicFront"/>
+      <a:lightRig rig="threePt" dir="t"/>
+    </dgm:scene3d>
+    <dgm:sp3d/>
+    <dgm:txPr/>
+    <dgm:style>
+      <a:lnRef idx="2">
+        <a:scrgbClr r="0" g="0" b="0"/>
+      </a:lnRef>
+      <a:fillRef idx="1">
+        <a:scrgbClr r="0" g="0" b="0"/>
+      </a:fillRef>
+      <a:effectRef idx="0">
+        <a:scrgbClr r="0" g="0" b="0"/>
+      </a:effectRef>
+      <a:fontRef idx="minor"/>
+    </dgm:style>
+  </dgm:styleLbl>
+  <dgm:styleLbl name="alignAcc1">
+    <dgm:scene3d>
+      <a:camera prst="orthographicFront"/>
+      <a:lightRig rig="threePt" dir="t"/>
+    </dgm:scene3d>
+    <dgm:sp3d/>
+    <dgm:txPr/>
+    <dgm:style>
+      <a:lnRef idx="2">
+        <a:scrgbClr r="0" g="0" b="0"/>
+      </a:lnRef>
+      <a:fillRef idx="1">
+        <a:scrgbClr r="0" g="0" b="0"/>
+      </a:fillRef>
+      <a:effectRef idx="0">
+        <a:scrgbClr r="0" g="0" b="0"/>
+      </a:effectRef>
+      <a:fontRef idx="minor"/>
+    </dgm:style>
+  </dgm:styleLbl>
+  <dgm:styleLbl name="trAlignAcc1">
+    <dgm:scene3d>
+      <a:camera prst="orthographicFront"/>
+      <a:lightRig rig="threePt" dir="t"/>
+    </dgm:scene3d>
+    <dgm:sp3d/>
+    <dgm:txPr/>
+    <dgm:style>
+      <a:lnRef idx="1">
+        <a:scrgbClr r="0" g="0" b="0"/>
+      </a:lnRef>
+      <a:fillRef idx="1">
+        <a:scrgbClr r="0" g="0" b="0"/>
+      </a:fillRef>
+      <a:effectRef idx="0">
+        <a:scrgbClr r="0" g="0" b="0"/>
+      </a:effectRef>
+      <a:fontRef idx="minor"/>
+    </dgm:style>
+  </dgm:styleLbl>
+  <dgm:styleLbl name="bgAcc1">
+    <dgm:scene3d>
+      <a:camera prst="orthographicFront"/>
+      <a:lightRig rig="threePt" dir="t"/>
+    </dgm:scene3d>
+    <dgm:sp3d/>
+    <dgm:txPr/>
+    <dgm:style>
+      <a:lnRef idx="2">
+        <a:scrgbClr r="0" g="0" b="0"/>
+      </a:lnRef>
+      <a:fillRef idx="1">
+        <a:scrgbClr r="0" g="0" b="0"/>
+      </a:fillRef>
+      <a:effectRef idx="0">
+        <a:scrgbClr r="0" g="0" b="0"/>
+      </a:effectRef>
+      <a:fontRef idx="minor"/>
+    </dgm:style>
+  </dgm:styleLbl>
+  <dgm:styleLbl name="solidFgAcc1">
+    <dgm:scene3d>
+      <a:camera prst="orthographicFront"/>
+      <a:lightRig rig="threePt" dir="t"/>
+    </dgm:scene3d>
+    <dgm:sp3d/>
+    <dgm:txPr/>
+    <dgm:style>
+      <a:lnRef idx="2">
+        <a:scrgbClr r="0" g="0" b="0"/>
+      </a:lnRef>
+      <a:fillRef idx="1">
+        <a:scrgbClr r="0" g="0" b="0"/>
+      </a:fillRef>
+      <a:effectRef idx="0">
+        <a:scrgbClr r="0" g="0" b="0"/>
+      </a:effectRef>
+      <a:fontRef idx="minor"/>
+    </dgm:style>
+  </dgm:styleLbl>
+  <dgm:styleLbl name="solidAlignAcc1">
+    <dgm:scene3d>
+      <a:camera prst="orthographicFront"/>
+      <a:lightRig rig="threePt" dir="t"/>
+    </dgm:scene3d>
+    <dgm:sp3d/>
+    <dgm:txPr/>
+    <dgm:style>
+      <a:lnRef idx="2">
+        <a:scrgbClr r="0" g="0" b="0"/>
+      </a:lnRef>
+      <a:fillRef idx="1">
+        <a:scrgbClr r="0" g="0" b="0"/>
+      </a:fillRef>
+      <a:effectRef idx="0">
+        <a:scrgbClr r="0" g="0" b="0"/>
+      </a:effectRef>
+      <a:fontRef idx="minor"/>
+    </dgm:style>
+  </dgm:styleLbl>
+  <dgm:styleLbl name="solidBgAcc1">
+    <dgm:scene3d>
+      <a:camera prst="orthographicFront"/>
+      <a:lightRig rig="threePt" dir="t"/>
+    </dgm:scene3d>
+    <dgm:sp3d/>
+    <dgm:txPr/>
+    <dgm:style>
+      <a:lnRef idx="2">
+        <a:scrgbClr r="0" g="0" b="0"/>
+      </a:lnRef>
+      <a:fillRef idx="1">
+        <a:scrgbClr r="0" g="0" b="0"/>
+      </a:fillRef>
+      <a:effectRef idx="0">
+        <a:scrgbClr r="0" g="0" b="0"/>
+      </a:effectRef>
+      <a:fontRef idx="minor"/>
+    </dgm:style>
+  </dgm:styleLbl>
+  <dgm:styleLbl name="fgAccFollowNode1">
+    <dgm:scene3d>
+      <a:camera prst="orthographicFront"/>
+      <a:lightRig rig="threePt" dir="t"/>
+    </dgm:scene3d>
+    <dgm:sp3d/>
+    <dgm:txPr/>
+    <dgm:style>
+      <a:lnRef idx="2">
+        <a:scrgbClr r="0" g="0" b="0"/>
+      </a:lnRef>
+      <a:fillRef idx="1">
+        <a:scrgbClr r="0" g="0" b="0"/>
+      </a:fillRef>
+      <a:effectRef idx="0">
+        <a:scrgbClr r="0" g="0" b="0"/>
+      </a:effectRef>
+      <a:fontRef idx="minor"/>
+    </dgm:style>
+  </dgm:styleLbl>
+  <dgm:styleLbl name="alignAccFollowNode1">
+    <dgm:scene3d>
+      <a:camera prst="orthographicFront"/>
+      <a:lightRig rig="threePt" dir="t"/>
+    </dgm:scene3d>
+    <dgm:sp3d/>
+    <dgm:txPr/>
+    <dgm:style>
+      <a:lnRef idx="2">
+        <a:scrgbClr r="0" g="0" b="0"/>
+      </a:lnRef>
+      <a:fillRef idx="1">
+        <a:scrgbClr r="0" g="0" b="0"/>
+      </a:fillRef>
+      <a:effectRef idx="0">
+        <a:scrgbClr r="0" g="0" b="0"/>
+      </a:effectRef>
+      <a:fontRef idx="minor"/>
+    </dgm:style>
+  </dgm:styleLbl>
+  <dgm:styleLbl name="bgAccFollowNode1">
+    <dgm:scene3d>
+      <a:camera prst="orthographicFront"/>
+      <a:lightRig rig="threePt" dir="t"/>
+    </dgm:scene3d>
+    <dgm:sp3d/>
+    <dgm:txPr/>
+    <dgm:style>
+      <a:lnRef idx="2">
+        <a:scrgbClr r="0" g="0" b="0"/>
+      </a:lnRef>
+      <a:fillRef idx="1">
+        <a:scrgbClr r="0" g="0" b="0"/>
+      </a:fillRef>
+      <a:effectRef idx="0">
+        <a:scrgbClr r="0" g="0" b="0"/>
+      </a:effectRef>
+      <a:fontRef idx="minor"/>
+    </dgm:style>
+  </dgm:styleLbl>
+  <dgm:styleLbl name="fgAcc0">
+    <dgm:scene3d>
+      <a:camera prst="orthographicFront"/>
+      <a:lightRig rig="threePt" dir="t"/>
+    </dgm:scene3d>
+    <dgm:sp3d/>
+    <dgm:txPr/>
+    <dgm:style>
+      <a:lnRef idx="2">
+        <a:scrgbClr r="0" g="0" b="0"/>
+      </a:lnRef>
+      <a:fillRef idx="1">
+        <a:scrgbClr r="0" g="0" b="0"/>
+      </a:fillRef>
+      <a:effectRef idx="0">
+        <a:scrgbClr r="0" g="0" b="0"/>
+      </a:effectRef>
+      <a:fontRef idx="minor"/>
+    </dgm:style>
+  </dgm:styleLbl>
+  <dgm:styleLbl name="fgAcc2">
+    <dgm:scene3d>
+      <a:camera prst="orthographicFront"/>
+      <a:lightRig rig="threePt" dir="t"/>
+    </dgm:scene3d>
+    <dgm:sp3d/>
+    <dgm:txPr/>
+    <dgm:style>
+      <a:lnRef idx="2">
+        <a:scrgbClr r="0" g="0" b="0"/>
+      </a:lnRef>
+      <a:fillRef idx="1">
+        <a:scrgbClr r="0" g="0" b="0"/>
+      </a:fillRef>
+      <a:effectRef idx="0">
+        <a:scrgbClr r="0" g="0" b="0"/>
+      </a:effectRef>
+      <a:fontRef idx="minor"/>
+    </dgm:style>
+  </dgm:styleLbl>
+  <dgm:styleLbl name="fgAcc3">
+    <dgm:scene3d>
+      <a:camera prst="orthographicFront"/>
+      <a:lightRig rig="threePt" dir="t"/>
+    </dgm:scene3d>
+    <dgm:sp3d/>
+    <dgm:txPr/>
+    <dgm:style>
+      <a:lnRef idx="2">
+        <a:scrgbClr r="0" g="0" b="0"/>
+      </a:lnRef>
+      <a:fillRef idx="1">
+        <a:scrgbClr r="0" g="0" b="0"/>
+      </a:fillRef>
+      <a:effectRef idx="0">
+        <a:scrgbClr r="0" g="0" b="0"/>
+      </a:effectRef>
+      <a:fontRef idx="minor"/>
+    </dgm:style>
+  </dgm:styleLbl>
+  <dgm:styleLbl name="fgAcc4">
+    <dgm:scene3d>
+      <a:camera prst="orthographicFront"/>
+      <a:lightRig rig="threePt" dir="t"/>
+    </dgm:scene3d>
+    <dgm:sp3d/>
+    <dgm:txPr/>
+    <dgm:style>
+      <a:lnRef idx="2">
+        <a:scrgbClr r="0" g="0" b="0"/>
+      </a:lnRef>
+      <a:fillRef idx="1">
+        <a:scrgbClr r="0" g="0" b="0"/>
+      </a:fillRef>
+      <a:effectRef idx="0">
+        <a:scrgbClr r="0" g="0" b="0"/>
+      </a:effectRef>
+      <a:fontRef idx="minor"/>
+    </dgm:style>
+  </dgm:styleLbl>
+  <dgm:styleLbl name="bgShp">
+    <dgm:scene3d>
+      <a:camera prst="orthographicFront"/>
+      <a:lightRig rig="threePt" dir="t"/>
+    </dgm:scene3d>
+    <dgm:sp3d/>
+    <dgm:txPr/>
+    <dgm:style>
+      <a:lnRef idx="0">
+        <a:scrgbClr r="0" g="0" b="0"/>
+      </a:lnRef>
+      <a:fillRef idx="1">
+        <a:scrgbClr r="0" g="0" b="0"/>
+      </a:fillRef>
+      <a:effectRef idx="0">
+        <a:scrgbClr r="0" g="0" b="0"/>
+      </a:effectRef>
+      <a:fontRef idx="minor"/>
+    </dgm:style>
+  </dgm:styleLbl>
+  <dgm:styleLbl name="dkBgShp">
+    <dgm:scene3d>
+      <a:camera prst="orthographicFront"/>
+      <a:lightRig rig="threePt" dir="t"/>
+    </dgm:scene3d>
+    <dgm:sp3d/>
+    <dgm:txPr/>
+    <dgm:style>
+      <a:lnRef idx="0">
+        <a:scrgbClr r="0" g="0" b="0"/>
+      </a:lnRef>
+      <a:fillRef idx="1">
+        <a:scrgbClr r="0" g="0" b="0"/>
+      </a:fillRef>
+      <a:effectRef idx="0">
+        <a:scrgbClr r="0" g="0" b="0"/>
+      </a:effectRef>
+      <a:fontRef idx="minor"/>
+    </dgm:style>
+  </dgm:styleLbl>
+  <dgm:styleLbl name="trBgShp">
+    <dgm:scene3d>
+      <a:camera prst="orthographicFront"/>
+      <a:lightRig rig="threePt" dir="t"/>
+    </dgm:scene3d>
+    <dgm:sp3d/>
+    <dgm:txPr/>
+    <dgm:style>
+      <a:lnRef idx="0">
+        <a:scrgbClr r="0" g="0" b="0"/>
+      </a:lnRef>
+      <a:fillRef idx="1">
+        <a:scrgbClr r="0" g="0" b="0"/>
+      </a:fillRef>
+      <a:effectRef idx="0">
+        <a:scrgbClr r="0" g="0" b="0"/>
+      </a:effectRef>
+      <a:fontRef idx="minor"/>
+    </dgm:style>
+  </dgm:styleLbl>
+  <dgm:styleLbl name="fgShp">
+    <dgm:scene3d>
+      <a:camera prst="orthographicFront"/>
+      <a:lightRig rig="threePt" dir="t"/>
+    </dgm:scene3d>
+    <dgm:sp3d/>
+    <dgm:txPr/>
+    <dgm:style>
+      <a:lnRef idx="2">
+        <a:scrgbClr r="0" g="0" b="0"/>
+      </a:lnRef>
+      <a:fillRef idx="1">
+        <a:scrgbClr r="0" g="0" b="0"/>
+      </a:fillRef>
+      <a:effectRef idx="0">
+        <a:scrgbClr r="0" g="0" b="0"/>
+      </a:effectRef>
+      <a:fontRef idx="minor"/>
+    </dgm:style>
+  </dgm:styleLbl>
+  <dgm:styleLbl name="revTx">
+    <dgm:scene3d>
+      <a:camera prst="orthographicFront"/>
+      <a:lightRig rig="threePt" dir="t"/>
+    </dgm:scene3d>
+    <dgm:sp3d/>
+    <dgm:txPr/>
+    <dgm:style>
+      <a:lnRef idx="0">
+        <a:scrgbClr r="0" g="0" b="0"/>
+      </a:lnRef>
+      <a:fillRef idx="0">
+        <a:scrgbClr r="0" g="0" b="0"/>
+      </a:fillRef>
+      <a:effectRef idx="0">
+        <a:scrgbClr r="0" g="0" b="0"/>
+      </a:effectRef>
+      <a:fontRef idx="minor"/>
+    </dgm:style>
+  </dgm:styleLbl>
+</dgm:styleDef>
+</file>
+
+<file path=ppt/diagrams/quickStyle4.xml><?xml version="1.0" encoding="utf-8"?>
 <dgm:styleDef xmlns:dgm="http://schemas.openxmlformats.org/drawingml/2006/diagram" xmlns:a="http://schemas.openxmlformats.org/drawingml/2006/main" uniqueId="urn:microsoft.com/office/officeart/2005/8/quickstyle/simple2">
   <dgm:title val=""/>
   <dgm:desc val=""/>
@@ -12808,7 +15698,7 @@
           <a:p>
             <a:fld id="{C46EAA04-5A0C-4C33-BE06-340CEF9B6FFD}" type="datetimeFigureOut">
               <a:rPr lang="de-DE" smtClean="0"/>
-              <a:t>21.07.2016</a:t>
+              <a:t>23.07.2016</a:t>
             </a:fld>
             <a:endParaRPr lang="de-DE"/>
           </a:p>
@@ -12976,7 +15866,7 @@
           <a:p>
             <a:fld id="{C46EAA04-5A0C-4C33-BE06-340CEF9B6FFD}" type="datetimeFigureOut">
               <a:rPr lang="de-DE" smtClean="0"/>
-              <a:t>21.07.2016</a:t>
+              <a:t>23.07.2016</a:t>
             </a:fld>
             <a:endParaRPr lang="de-DE"/>
           </a:p>
@@ -13154,7 +16044,7 @@
           <a:p>
             <a:fld id="{C46EAA04-5A0C-4C33-BE06-340CEF9B6FFD}" type="datetimeFigureOut">
               <a:rPr lang="de-DE" smtClean="0"/>
-              <a:t>21.07.2016</a:t>
+              <a:t>23.07.2016</a:t>
             </a:fld>
             <a:endParaRPr lang="de-DE"/>
           </a:p>
@@ -13322,7 +16212,7 @@
           <a:p>
             <a:fld id="{C46EAA04-5A0C-4C33-BE06-340CEF9B6FFD}" type="datetimeFigureOut">
               <a:rPr lang="de-DE" smtClean="0"/>
-              <a:t>21.07.2016</a:t>
+              <a:t>23.07.2016</a:t>
             </a:fld>
             <a:endParaRPr lang="de-DE"/>
           </a:p>
@@ -13567,7 +16457,7 @@
           <a:p>
             <a:fld id="{C46EAA04-5A0C-4C33-BE06-340CEF9B6FFD}" type="datetimeFigureOut">
               <a:rPr lang="de-DE" smtClean="0"/>
-              <a:t>21.07.2016</a:t>
+              <a:t>23.07.2016</a:t>
             </a:fld>
             <a:endParaRPr lang="de-DE"/>
           </a:p>
@@ -13796,7 +16686,7 @@
           <a:p>
             <a:fld id="{C46EAA04-5A0C-4C33-BE06-340CEF9B6FFD}" type="datetimeFigureOut">
               <a:rPr lang="de-DE" smtClean="0"/>
-              <a:t>21.07.2016</a:t>
+              <a:t>23.07.2016</a:t>
             </a:fld>
             <a:endParaRPr lang="de-DE"/>
           </a:p>
@@ -14160,7 +17050,7 @@
           <a:p>
             <a:fld id="{C46EAA04-5A0C-4C33-BE06-340CEF9B6FFD}" type="datetimeFigureOut">
               <a:rPr lang="de-DE" smtClean="0"/>
-              <a:t>21.07.2016</a:t>
+              <a:t>23.07.2016</a:t>
             </a:fld>
             <a:endParaRPr lang="de-DE"/>
           </a:p>
@@ -14277,7 +17167,7 @@
           <a:p>
             <a:fld id="{C46EAA04-5A0C-4C33-BE06-340CEF9B6FFD}" type="datetimeFigureOut">
               <a:rPr lang="de-DE" smtClean="0"/>
-              <a:t>21.07.2016</a:t>
+              <a:t>23.07.2016</a:t>
             </a:fld>
             <a:endParaRPr lang="de-DE"/>
           </a:p>
@@ -14372,7 +17262,7 @@
           <a:p>
             <a:fld id="{C46EAA04-5A0C-4C33-BE06-340CEF9B6FFD}" type="datetimeFigureOut">
               <a:rPr lang="de-DE" smtClean="0"/>
-              <a:t>21.07.2016</a:t>
+              <a:t>23.07.2016</a:t>
             </a:fld>
             <a:endParaRPr lang="de-DE"/>
           </a:p>
@@ -14647,7 +17537,7 @@
           <a:p>
             <a:fld id="{C46EAA04-5A0C-4C33-BE06-340CEF9B6FFD}" type="datetimeFigureOut">
               <a:rPr lang="de-DE" smtClean="0"/>
-              <a:t>21.07.2016</a:t>
+              <a:t>23.07.2016</a:t>
             </a:fld>
             <a:endParaRPr lang="de-DE"/>
           </a:p>
@@ -14899,7 +17789,7 @@
           <a:p>
             <a:fld id="{C46EAA04-5A0C-4C33-BE06-340CEF9B6FFD}" type="datetimeFigureOut">
               <a:rPr lang="de-DE" smtClean="0"/>
-              <a:t>21.07.2016</a:t>
+              <a:t>23.07.2016</a:t>
             </a:fld>
             <a:endParaRPr lang="de-DE"/>
           </a:p>
@@ -15110,7 +18000,7 @@
           <a:p>
             <a:fld id="{C46EAA04-5A0C-4C33-BE06-340CEF9B6FFD}" type="datetimeFigureOut">
               <a:rPr lang="de-DE" smtClean="0"/>
-              <a:t>21.07.2016</a:t>
+              <a:t>23.07.2016</a:t>
             </a:fld>
             <a:endParaRPr lang="de-DE"/>
           </a:p>
@@ -15628,6 +18518,83 @@
       </p:grpSpPr>
       <p:sp>
         <p:nvSpPr>
+          <p:cNvPr id="2" name="Titel 1"/>
+          <p:cNvSpPr>
+            <a:spLocks noGrp="1"/>
+          </p:cNvSpPr>
+          <p:nvPr>
+            <p:ph type="title"/>
+          </p:nvPr>
+        </p:nvSpPr>
+        <p:spPr/>
+        <p:txBody>
+          <a:bodyPr/>
+          <a:lstStyle/>
+          <a:p>
+            <a:r>
+              <a:rPr lang="de-DE" dirty="0"/>
+              <a:t>SWOT-Analyse</a:t>
+            </a:r>
+          </a:p>
+        </p:txBody>
+      </p:sp>
+      <p:graphicFrame>
+        <p:nvGraphicFramePr>
+          <p:cNvPr id="7" name="Inhaltsplatzhalter 6"/>
+          <p:cNvGraphicFramePr>
+            <a:graphicFrameLocks noGrp="1"/>
+          </p:cNvGraphicFramePr>
+          <p:nvPr>
+            <p:ph idx="1"/>
+            <p:extLst>
+              <p:ext uri="{D42A27DB-BD31-4B8C-83A1-F6EECF244321}">
+                <p14:modId xmlns:p14="http://schemas.microsoft.com/office/powerpoint/2010/main" val="2946445036"/>
+              </p:ext>
+            </p:extLst>
+          </p:nvPr>
+        </p:nvGraphicFramePr>
+        <p:xfrm>
+          <a:off x="838200" y="1825625"/>
+          <a:ext cx="10515600" cy="4351338"/>
+        </p:xfrm>
+        <a:graphic>
+          <a:graphicData uri="http://schemas.openxmlformats.org/drawingml/2006/diagram">
+            <dgm:relIds xmlns:dgm="http://schemas.openxmlformats.org/drawingml/2006/diagram" xmlns:r="http://schemas.openxmlformats.org/officeDocument/2006/relationships" r:dm="rId2" r:lo="rId3" r:qs="rId4" r:cs="rId5"/>
+          </a:graphicData>
+        </a:graphic>
+      </p:graphicFrame>
+    </p:spTree>
+    <p:extLst>
+      <p:ext uri="{BB962C8B-B14F-4D97-AF65-F5344CB8AC3E}">
+        <p14:creationId xmlns:p14="http://schemas.microsoft.com/office/powerpoint/2010/main" val="3277855905"/>
+      </p:ext>
+    </p:extLst>
+  </p:cSld>
+  <p:clrMapOvr>
+    <a:masterClrMapping/>
+  </p:clrMapOvr>
+</p:sld>
+</file>
+
+<file path=ppt/slides/slide11.xml><?xml version="1.0" encoding="utf-8"?>
+<p:sld xmlns:a="http://schemas.openxmlformats.org/drawingml/2006/main" xmlns:r="http://schemas.openxmlformats.org/officeDocument/2006/relationships" xmlns:p="http://schemas.openxmlformats.org/presentationml/2006/main">
+  <p:cSld>
+    <p:spTree>
+      <p:nvGrpSpPr>
+        <p:cNvPr id="1" name=""/>
+        <p:cNvGrpSpPr/>
+        <p:nvPr/>
+      </p:nvGrpSpPr>
+      <p:grpSpPr>
+        <a:xfrm>
+          <a:off x="0" y="0"/>
+          <a:ext cx="0" cy="0"/>
+          <a:chOff x="0" y="0"/>
+          <a:chExt cx="0" cy="0"/>
+        </a:xfrm>
+      </p:grpSpPr>
+      <p:sp>
+        <p:nvSpPr>
           <p:cNvPr id="4" name="Titel 3"/>
           <p:cNvSpPr>
             <a:spLocks noGrp="1"/>
@@ -15673,14 +18640,14 @@
                 <a:gridCol w="5257800">
                   <a:extLst>
                     <a:ext uri="{9D8B030D-6E8A-4147-A177-3AD203B41FA5}">
-                      <a16:colId xmlns:a16="http://schemas.microsoft.com/office/drawing/2014/main" val="543071372"/>
+                      <a16:colId xmlns:a16="http://schemas.microsoft.com/office/drawing/2014/main" xmlns="" val="543071372"/>
                     </a:ext>
                   </a:extLst>
                 </a:gridCol>
                 <a:gridCol w="5257800">
                   <a:extLst>
                     <a:ext uri="{9D8B030D-6E8A-4147-A177-3AD203B41FA5}">
-                      <a16:colId xmlns:a16="http://schemas.microsoft.com/office/drawing/2014/main" val="750843462"/>
+                      <a16:colId xmlns:a16="http://schemas.microsoft.com/office/drawing/2014/main" xmlns="" val="750843462"/>
                     </a:ext>
                   </a:extLst>
                 </a:gridCol>
@@ -15783,7 +18750,7 @@
                 </a:tc>
                 <a:extLst>
                   <a:ext uri="{0D108BD9-81ED-4DB2-BD59-A6C34878D82A}">
-                    <a16:rowId xmlns:a16="http://schemas.microsoft.com/office/drawing/2014/main" val="592059295"/>
+                    <a16:rowId xmlns:a16="http://schemas.microsoft.com/office/drawing/2014/main" xmlns="" val="592059295"/>
                   </a:ext>
                 </a:extLst>
               </a:tr>
@@ -15853,7 +18820,7 @@
                 </a:tc>
                 <a:extLst>
                   <a:ext uri="{0D108BD9-81ED-4DB2-BD59-A6C34878D82A}">
-                    <a16:rowId xmlns:a16="http://schemas.microsoft.com/office/drawing/2014/main" val="3383136000"/>
+                    <a16:rowId xmlns:a16="http://schemas.microsoft.com/office/drawing/2014/main" xmlns="" val="3383136000"/>
                   </a:ext>
                 </a:extLst>
               </a:tr>
@@ -15936,7 +18903,7 @@
                 </a:tc>
                 <a:extLst>
                   <a:ext uri="{0D108BD9-81ED-4DB2-BD59-A6C34878D82A}">
-                    <a16:rowId xmlns:a16="http://schemas.microsoft.com/office/drawing/2014/main" val="2076048036"/>
+                    <a16:rowId xmlns:a16="http://schemas.microsoft.com/office/drawing/2014/main" xmlns="" val="2076048036"/>
                   </a:ext>
                 </a:extLst>
               </a:tr>
@@ -15998,7 +18965,7 @@
                 </a:tc>
                 <a:extLst>
                   <a:ext uri="{0D108BD9-81ED-4DB2-BD59-A6C34878D82A}">
-                    <a16:rowId xmlns:a16="http://schemas.microsoft.com/office/drawing/2014/main" val="3664696022"/>
+                    <a16:rowId xmlns:a16="http://schemas.microsoft.com/office/drawing/2014/main" xmlns="" val="3664696022"/>
                   </a:ext>
                 </a:extLst>
               </a:tr>
@@ -16065,7 +19032,7 @@
                 </a:tc>
                 <a:extLst>
                   <a:ext uri="{0D108BD9-81ED-4DB2-BD59-A6C34878D82A}">
-                    <a16:rowId xmlns:a16="http://schemas.microsoft.com/office/drawing/2014/main" val="2265614862"/>
+                    <a16:rowId xmlns:a16="http://schemas.microsoft.com/office/drawing/2014/main" xmlns="" val="2265614862"/>
                   </a:ext>
                 </a:extLst>
               </a:tr>
@@ -16855,19 +19822,77 @@
           <a:p>
             <a:r>
               <a:rPr lang="de-DE" dirty="0"/>
-              <a:t>Finanzielle Ressourcen:</a:t>
+              <a:t>Finanzielle Ressourcen</a:t>
+            </a:r>
+            <a:r>
+              <a:rPr lang="de-DE" dirty="0" smtClean="0"/>
+              <a:t>: </a:t>
+            </a:r>
+          </a:p>
+          <a:p>
+            <a:pPr lvl="1"/>
+            <a:r>
+              <a:rPr lang="de-DE" dirty="0" smtClean="0"/>
+              <a:t>Kalkulierte Kosten über 25.796,92€</a:t>
+            </a:r>
+            <a:endParaRPr lang="de-DE" dirty="0"/>
+          </a:p>
+          <a:p>
+            <a:r>
+              <a:rPr lang="de-DE" dirty="0"/>
+              <a:t>Personelle Ressourcen: </a:t>
+            </a:r>
+            <a:endParaRPr lang="de-DE" dirty="0" smtClean="0"/>
+          </a:p>
+          <a:p>
+            <a:pPr lvl="1"/>
+            <a:r>
+              <a:rPr lang="de-DE" dirty="0" smtClean="0"/>
+              <a:t>1 Projektleiter</a:t>
+            </a:r>
+          </a:p>
+          <a:p>
+            <a:pPr lvl="1"/>
+            <a:r>
+              <a:rPr lang="de-DE" dirty="0" smtClean="0"/>
+              <a:t> </a:t>
+            </a:r>
+            <a:r>
+              <a:rPr lang="de-DE" dirty="0"/>
+              <a:t>4 Mitarbeiter </a:t>
             </a:r>
           </a:p>
           <a:p>
             <a:r>
               <a:rPr lang="de-DE" dirty="0"/>
-              <a:t>Personelle Ressourcen: 1 Projektleiter, 4 Mitarbeiter </a:t>
+              <a:t>Sachliche Ressourcen: </a:t>
+            </a:r>
+            <a:endParaRPr lang="de-DE" dirty="0" smtClean="0"/>
+          </a:p>
+          <a:p>
+            <a:pPr lvl="1"/>
+            <a:r>
+              <a:rPr lang="de-DE" dirty="0" smtClean="0"/>
+              <a:t>5 Laptops</a:t>
             </a:r>
           </a:p>
           <a:p>
+            <a:pPr lvl="1"/>
+            <a:r>
+              <a:rPr lang="de-DE" dirty="0" smtClean="0"/>
+              <a:t>1 Testserver</a:t>
+            </a:r>
+            <a:endParaRPr lang="de-DE" dirty="0" smtClean="0"/>
+          </a:p>
+          <a:p>
+            <a:pPr lvl="1"/>
+            <a:r>
+              <a:rPr lang="de-DE" dirty="0" smtClean="0"/>
+              <a:t>keine </a:t>
+            </a:r>
             <a:r>
               <a:rPr lang="de-DE" dirty="0"/>
-              <a:t>Sachliche Ressourcen: 5 Laptops, keine räumliche Abhängigkeit</a:t>
+              <a:t>räumliche Abhängigkeit</a:t>
             </a:r>
           </a:p>
           <a:p>
@@ -16964,43 +19989,32 @@
           <a:p>
             <a:r>
               <a:rPr lang="de-DE" dirty="0"/>
-              <a:t>28. Juli 2016 -  ???</a:t>
+              <a:t>28. Juli 2016 -  </a:t>
             </a:r>
+            <a:r>
+              <a:rPr lang="de-DE" dirty="0" smtClean="0"/>
+              <a:t>19.08.2016</a:t>
+            </a:r>
+            <a:endParaRPr lang="de-DE" dirty="0"/>
           </a:p>
           <a:p>
             <a:pPr lvl="1"/>
             <a:r>
               <a:rPr lang="de-DE" dirty="0"/>
-              <a:t>Entwicklung UI</a:t>
-            </a:r>
-          </a:p>
-          <a:p>
-            <a:r>
-              <a:rPr lang="de-DE" dirty="0"/>
-              <a:t>??? - ???</a:t>
-            </a:r>
-          </a:p>
-          <a:p>
-            <a:pPr lvl="1"/>
-            <a:r>
-              <a:rPr lang="de-DE" dirty="0" err="1"/>
-              <a:t>Lorem</a:t>
+              <a:t>Entwicklung </a:t>
             </a:r>
             <a:r>
-              <a:rPr lang="de-DE" dirty="0"/>
-              <a:t> </a:t>
-            </a:r>
-            <a:r>
-              <a:rPr lang="de-DE" dirty="0" err="1"/>
-              <a:t>Ipsum</a:t>
+              <a:rPr lang="de-DE" dirty="0" smtClean="0"/>
+              <a:t>UI</a:t>
             </a:r>
             <a:endParaRPr lang="de-DE" dirty="0"/>
           </a:p>
           <a:p>
             <a:r>
-              <a:rPr lang="de-DE" dirty="0"/>
-              <a:t>September 2016</a:t>
+              <a:rPr lang="de-DE" dirty="0" smtClean="0"/>
+              <a:t>9. September 2016</a:t>
             </a:r>
+            <a:endParaRPr lang="de-DE" dirty="0"/>
           </a:p>
           <a:p>
             <a:pPr lvl="1"/>
@@ -17175,15 +20189,16 @@
           <a:lstStyle/>
           <a:p>
             <a:r>
-              <a:rPr lang="de-DE" dirty="0"/>
-              <a:t>SWOT-Analyse</a:t>
+              <a:rPr lang="de-DE" dirty="0" smtClean="0"/>
+              <a:t>Rechtlicher Rahmen PAMS</a:t>
             </a:r>
+            <a:endParaRPr lang="de-DE" dirty="0"/>
           </a:p>
         </p:txBody>
       </p:sp>
       <p:graphicFrame>
         <p:nvGraphicFramePr>
-          <p:cNvPr id="7" name="Inhaltsplatzhalter 6"/>
+          <p:cNvPr id="4" name="Inhaltsplatzhalter 3"/>
           <p:cNvGraphicFramePr>
             <a:graphicFrameLocks noGrp="1"/>
           </p:cNvGraphicFramePr>
@@ -17191,7 +20206,7 @@
             <p:ph idx="1"/>
             <p:extLst>
               <p:ext uri="{D42A27DB-BD31-4B8C-83A1-F6EECF244321}">
-                <p14:modId xmlns:p14="http://schemas.microsoft.com/office/powerpoint/2010/main" val="2038302037"/>
+                <p14:modId xmlns:p14="http://schemas.microsoft.com/office/powerpoint/2010/main" val="976497440"/>
               </p:ext>
             </p:extLst>
           </p:nvPr>
@@ -17209,7 +20224,7 @@
     </p:spTree>
     <p:extLst>
       <p:ext uri="{BB962C8B-B14F-4D97-AF65-F5344CB8AC3E}">
-        <p14:creationId xmlns:p14="http://schemas.microsoft.com/office/powerpoint/2010/main" val="3277855905"/>
+        <p14:creationId xmlns:p14="http://schemas.microsoft.com/office/powerpoint/2010/main" val="2150335431"/>
       </p:ext>
     </p:extLst>
   </p:cSld>

--- a/documents/projectmanagement/Allgemeines/Machbarkeitsstudie.pptx
+++ b/documents/projectmanagement/Allgemeines/Machbarkeitsstudie.pptx
@@ -15,7 +15,8 @@
     <p:sldId id="263" r:id="rId9"/>
     <p:sldId id="267" r:id="rId10"/>
     <p:sldId id="264" r:id="rId11"/>
-    <p:sldId id="266" r:id="rId12"/>
+    <p:sldId id="268" r:id="rId12"/>
+    <p:sldId id="266" r:id="rId13"/>
   </p:sldIdLst>
   <p:sldSz cx="12192000" cy="6858000"/>
   <p:notesSz cx="6858000" cy="9144000"/>
@@ -3804,9 +3805,9 @@
     <dgm:cxn modelId="{E85D5463-7228-41A9-888A-9EC366987151}" srcId="{6217A406-CCAC-4760-A132-823320E7C8AA}" destId="{A8DD8037-4DB6-470D-8714-9A3918A2AA88}" srcOrd="0" destOrd="0" parTransId="{82353E00-898A-4479-BD1A-370A77D87C99}" sibTransId="{A267CE71-DF80-4788-9F14-E573AADD3E40}"/>
     <dgm:cxn modelId="{ECFEB97A-43D7-444C-B0EA-72B81C62A6C0}" srcId="{03A8BDC9-669F-4918-A9DE-106A769820D1}" destId="{360A8656-2B98-4847-8F25-D5D3168CA0D1}" srcOrd="1" destOrd="0" parTransId="{86358050-89CD-4349-B74B-9DD9CD9BA9A8}" sibTransId="{75247C5B-8F9E-45FF-B498-3C4C035E6B74}"/>
     <dgm:cxn modelId="{C11BD460-D82F-48C7-A866-6C4480D7932A}" type="presOf" srcId="{00126DA2-E8A9-44CA-85AD-A6CB396B82C5}" destId="{1C4F9093-FE47-4554-A822-B92A4C0EC2A7}" srcOrd="0" destOrd="0" presId="urn:microsoft.com/office/officeart/2005/8/layout/arrow2"/>
+    <dgm:cxn modelId="{4B47EB8C-5E19-4988-9BA6-AC4A66744EE6}" srcId="{0AE2193A-BCD4-4946-9B53-3FCAAF9851C5}" destId="{3F888F01-DCE4-4AA3-81A6-3CA974F7DEED}" srcOrd="2" destOrd="0" parTransId="{F8AF2A7E-D40F-4EF0-A289-6116C58B8397}" sibTransId="{A86B9379-31F6-434F-AE6D-F6EA41D9E54B}"/>
+    <dgm:cxn modelId="{296EF577-D74A-46D9-B1C2-3BFEB87C743D}" type="presOf" srcId="{A8DD8037-4DB6-470D-8714-9A3918A2AA88}" destId="{8F7A122F-A032-49E6-AAC7-9B138367453A}" srcOrd="0" destOrd="1" presId="urn:microsoft.com/office/officeart/2005/8/layout/arrow2"/>
     <dgm:cxn modelId="{5170D23C-6CF2-4C5A-BED6-20ABA304C401}" type="presOf" srcId="{EC43F636-1A5B-45CE-867C-21BB2A8C9979}" destId="{55D03CFC-8164-4FA7-8D3A-0BF5D70844C3}" srcOrd="0" destOrd="1" presId="urn:microsoft.com/office/officeart/2005/8/layout/arrow2"/>
-    <dgm:cxn modelId="{296EF577-D74A-46D9-B1C2-3BFEB87C743D}" type="presOf" srcId="{A8DD8037-4DB6-470D-8714-9A3918A2AA88}" destId="{8F7A122F-A032-49E6-AAC7-9B138367453A}" srcOrd="0" destOrd="1" presId="urn:microsoft.com/office/officeart/2005/8/layout/arrow2"/>
-    <dgm:cxn modelId="{4B47EB8C-5E19-4988-9BA6-AC4A66744EE6}" srcId="{0AE2193A-BCD4-4946-9B53-3FCAAF9851C5}" destId="{3F888F01-DCE4-4AA3-81A6-3CA974F7DEED}" srcOrd="2" destOrd="0" parTransId="{F8AF2A7E-D40F-4EF0-A289-6116C58B8397}" sibTransId="{A86B9379-31F6-434F-AE6D-F6EA41D9E54B}"/>
     <dgm:cxn modelId="{AAF496FB-B2D6-4F55-9D64-A9D1B532DE13}" type="presParOf" srcId="{774104AD-7E53-4E32-B515-B77A8A985716}" destId="{8EFB4082-6FA8-467F-B4A4-1D865061D7EB}" srcOrd="0" destOrd="0" presId="urn:microsoft.com/office/officeart/2005/8/layout/arrow2"/>
     <dgm:cxn modelId="{19C067C1-98AB-46EA-9532-50D475C7306F}" type="presParOf" srcId="{774104AD-7E53-4E32-B515-B77A8A985716}" destId="{2AB02C00-8A31-40E5-A971-475D350A9809}" srcOrd="1" destOrd="0" presId="urn:microsoft.com/office/officeart/2005/8/layout/arrow2"/>
     <dgm:cxn modelId="{67734BBC-6FDD-4787-BCB3-721DA787E5CA}" type="presParOf" srcId="{2AB02C00-8A31-40E5-A971-475D350A9809}" destId="{490D4099-2E4E-45B8-A269-26396529A523}" srcOrd="0" destOrd="0" presId="urn:microsoft.com/office/officeart/2005/8/layout/arrow2"/>
@@ -4702,6 +4703,13 @@
         </dgm:presLayoutVars>
       </dgm:prSet>
       <dgm:spPr/>
+      <dgm:t>
+        <a:bodyPr/>
+        <a:lstStyle/>
+        <a:p>
+          <a:endParaRPr lang="de-DE"/>
+        </a:p>
+      </dgm:t>
     </dgm:pt>
     <dgm:pt modelId="{2BF15467-0E49-4845-904D-0CEFB46FA313}" type="pres">
       <dgm:prSet presAssocID="{7EFAC483-52A1-4FF3-AF0F-C65D80827B7A}" presName="node" presStyleLbl="node1" presStyleIdx="0" presStyleCnt="5">
@@ -4710,6 +4718,13 @@
         </dgm:presLayoutVars>
       </dgm:prSet>
       <dgm:spPr/>
+      <dgm:t>
+        <a:bodyPr/>
+        <a:lstStyle/>
+        <a:p>
+          <a:endParaRPr lang="de-DE"/>
+        </a:p>
+      </dgm:t>
     </dgm:pt>
     <dgm:pt modelId="{CE49FF10-9C73-4AAF-9F9F-01A033196531}" type="pres">
       <dgm:prSet presAssocID="{1AC432B5-7033-48C2-83F8-D24B330F2E49}" presName="sibTrans" presStyleCnt="0"/>
@@ -4722,6 +4737,13 @@
         </dgm:presLayoutVars>
       </dgm:prSet>
       <dgm:spPr/>
+      <dgm:t>
+        <a:bodyPr/>
+        <a:lstStyle/>
+        <a:p>
+          <a:endParaRPr lang="de-DE"/>
+        </a:p>
+      </dgm:t>
     </dgm:pt>
     <dgm:pt modelId="{ACFC943D-D73B-4F0B-B942-6C8DC638F537}" type="pres">
       <dgm:prSet presAssocID="{E158C9E0-4042-476F-AE76-AF0E2A50D85F}" presName="sibTrans" presStyleCnt="0"/>
@@ -4753,6 +4775,13 @@
         </dgm:presLayoutVars>
       </dgm:prSet>
       <dgm:spPr/>
+      <dgm:t>
+        <a:bodyPr/>
+        <a:lstStyle/>
+        <a:p>
+          <a:endParaRPr lang="de-DE"/>
+        </a:p>
+      </dgm:t>
     </dgm:pt>
     <dgm:pt modelId="{2BE44C39-A8A9-46C1-A89E-9D213F9FD792}" type="pres">
       <dgm:prSet presAssocID="{F0868AD7-D4D4-4F6F-9B58-9EC513994B5A}" presName="sibTrans" presStyleCnt="0"/>
@@ -5281,778 +5310,6 @@
       <dsp:cNvGrpSpPr/>
     </dsp:nvGrpSpPr>
     <dsp:grpSpPr/>
-    <dsp:sp modelId="{8EFB4082-6FA8-467F-B4A4-1D865061D7EB}">
-      <dsp:nvSpPr>
-        <dsp:cNvPr id="0" name=""/>
-        <dsp:cNvSpPr/>
-      </dsp:nvSpPr>
-      <dsp:spPr>
-        <a:xfrm>
-          <a:off x="1776729" y="0"/>
-          <a:ext cx="6962140" cy="4351338"/>
-        </a:xfrm>
-        <a:prstGeom prst="swooshArrow">
-          <a:avLst>
-            <a:gd name="adj1" fmla="val 25000"/>
-            <a:gd name="adj2" fmla="val 25000"/>
-          </a:avLst>
-        </a:prstGeom>
-        <a:solidFill>
-          <a:schemeClr val="accent1">
-            <a:tint val="40000"/>
-            <a:hueOff val="0"/>
-            <a:satOff val="0"/>
-            <a:lumOff val="0"/>
-            <a:alphaOff val="0"/>
-          </a:schemeClr>
-        </a:solidFill>
-        <a:ln>
-          <a:noFill/>
-        </a:ln>
-        <a:effectLst/>
-      </dsp:spPr>
-      <dsp:style>
-        <a:lnRef idx="0">
-          <a:scrgbClr r="0" g="0" b="0"/>
-        </a:lnRef>
-        <a:fillRef idx="1">
-          <a:scrgbClr r="0" g="0" b="0"/>
-        </a:fillRef>
-        <a:effectRef idx="0">
-          <a:scrgbClr r="0" g="0" b="0"/>
-        </a:effectRef>
-        <a:fontRef idx="minor"/>
-      </dsp:style>
-    </dsp:sp>
-    <dsp:sp modelId="{490D4099-2E4E-45B8-A269-26396529A523}">
-      <dsp:nvSpPr>
-        <dsp:cNvPr id="0" name=""/>
-        <dsp:cNvSpPr/>
-      </dsp:nvSpPr>
-      <dsp:spPr>
-        <a:xfrm>
-          <a:off x="2462500" y="3235654"/>
-          <a:ext cx="160129" cy="160129"/>
-        </a:xfrm>
-        <a:prstGeom prst="ellipse">
-          <a:avLst/>
-        </a:prstGeom>
-        <a:solidFill>
-          <a:schemeClr val="accent1">
-            <a:hueOff val="0"/>
-            <a:satOff val="0"/>
-            <a:lumOff val="0"/>
-            <a:alphaOff val="0"/>
-          </a:schemeClr>
-        </a:solidFill>
-        <a:ln w="12700" cap="flat" cmpd="sng" algn="ctr">
-          <a:solidFill>
-            <a:schemeClr val="lt1">
-              <a:hueOff val="0"/>
-              <a:satOff val="0"/>
-              <a:lumOff val="0"/>
-              <a:alphaOff val="0"/>
-            </a:schemeClr>
-          </a:solidFill>
-          <a:prstDash val="solid"/>
-          <a:miter lim="800000"/>
-        </a:ln>
-        <a:effectLst/>
-      </dsp:spPr>
-      <dsp:style>
-        <a:lnRef idx="2">
-          <a:scrgbClr r="0" g="0" b="0"/>
-        </a:lnRef>
-        <a:fillRef idx="1">
-          <a:scrgbClr r="0" g="0" b="0"/>
-        </a:fillRef>
-        <a:effectRef idx="0">
-          <a:scrgbClr r="0" g="0" b="0"/>
-        </a:effectRef>
-        <a:fontRef idx="minor">
-          <a:schemeClr val="lt1"/>
-        </a:fontRef>
-      </dsp:style>
-    </dsp:sp>
-    <dsp:sp modelId="{8F7A122F-A032-49E6-AAC7-9B138367453A}">
-      <dsp:nvSpPr>
-        <dsp:cNvPr id="0" name=""/>
-        <dsp:cNvSpPr/>
-      </dsp:nvSpPr>
-      <dsp:spPr>
-        <a:xfrm>
-          <a:off x="2542565" y="3315719"/>
-          <a:ext cx="912040" cy="1035618"/>
-        </a:xfrm>
-        <a:prstGeom prst="rect">
-          <a:avLst/>
-        </a:prstGeom>
-        <a:noFill/>
-        <a:ln>
-          <a:noFill/>
-        </a:ln>
-        <a:effectLst/>
-      </dsp:spPr>
-      <dsp:style>
-        <a:lnRef idx="0">
-          <a:scrgbClr r="0" g="0" b="0"/>
-        </a:lnRef>
-        <a:fillRef idx="0">
-          <a:scrgbClr r="0" g="0" b="0"/>
-        </a:fillRef>
-        <a:effectRef idx="0">
-          <a:scrgbClr r="0" g="0" b="0"/>
-        </a:effectRef>
-        <a:fontRef idx="minor"/>
-      </dsp:style>
-      <dsp:txBody>
-        <a:bodyPr spcFirstLastPara="0" vert="horz" wrap="square" lIns="84849" tIns="0" rIns="0" bIns="0" numCol="1" spcCol="1270" anchor="t" anchorCtr="0">
-          <a:noAutofit/>
-        </a:bodyPr>
-        <a:lstStyle/>
-        <a:p>
-          <a:pPr lvl="0" algn="l" defTabSz="577850">
-            <a:lnSpc>
-              <a:spcPct val="90000"/>
-            </a:lnSpc>
-            <a:spcBef>
-              <a:spcPct val="0"/>
-            </a:spcBef>
-            <a:spcAft>
-              <a:spcPct val="35000"/>
-            </a:spcAft>
-          </a:pPr>
-          <a:r>
-            <a:rPr lang="de-DE" sz="1300" kern="1200" dirty="0"/>
-            <a:t>Design</a:t>
-          </a:r>
-        </a:p>
-        <a:p>
-          <a:pPr marL="57150" lvl="1" indent="-57150" algn="l" defTabSz="444500">
-            <a:lnSpc>
-              <a:spcPct val="90000"/>
-            </a:lnSpc>
-            <a:spcBef>
-              <a:spcPct val="0"/>
-            </a:spcBef>
-            <a:spcAft>
-              <a:spcPct val="15000"/>
-            </a:spcAft>
-            <a:buChar char="••"/>
-          </a:pPr>
-          <a:r>
-            <a:rPr lang="de-DE" sz="1000" kern="1200" dirty="0"/>
-            <a:t>CSS (100%)</a:t>
-          </a:r>
-        </a:p>
-        <a:p>
-          <a:pPr marL="57150" lvl="1" indent="-57150" algn="l" defTabSz="444500">
-            <a:lnSpc>
-              <a:spcPct val="90000"/>
-            </a:lnSpc>
-            <a:spcBef>
-              <a:spcPct val="0"/>
-            </a:spcBef>
-            <a:spcAft>
-              <a:spcPct val="15000"/>
-            </a:spcAft>
-            <a:buChar char="••"/>
-          </a:pPr>
-          <a:r>
-            <a:rPr lang="de-DE" sz="1000" kern="1200" dirty="0"/>
-            <a:t>HTML (100%)</a:t>
-          </a:r>
-        </a:p>
-        <a:p>
-          <a:pPr marL="57150" lvl="1" indent="-57150" algn="l" defTabSz="444500">
-            <a:lnSpc>
-              <a:spcPct val="90000"/>
-            </a:lnSpc>
-            <a:spcBef>
-              <a:spcPct val="0"/>
-            </a:spcBef>
-            <a:spcAft>
-              <a:spcPct val="15000"/>
-            </a:spcAft>
-            <a:buChar char="••"/>
-          </a:pPr>
-          <a:r>
-            <a:rPr lang="de-DE" sz="1000" kern="1200" dirty="0" err="1"/>
-            <a:t>Materialize</a:t>
-          </a:r>
-          <a:r>
-            <a:rPr lang="de-DE" sz="1000" kern="1200" dirty="0"/>
-            <a:t> (100%)</a:t>
-          </a:r>
-        </a:p>
-      </dsp:txBody>
-      <dsp:txXfrm>
-        <a:off x="2542565" y="3315719"/>
-        <a:ext cx="912040" cy="1035618"/>
-      </dsp:txXfrm>
-    </dsp:sp>
-    <dsp:sp modelId="{727B1B61-B62D-4C3D-B777-43906ADD803C}">
-      <dsp:nvSpPr>
-        <dsp:cNvPr id="0" name=""/>
-        <dsp:cNvSpPr/>
-      </dsp:nvSpPr>
-      <dsp:spPr>
-        <a:xfrm>
-          <a:off x="3329286" y="2402808"/>
-          <a:ext cx="250637" cy="250637"/>
-        </a:xfrm>
-        <a:prstGeom prst="ellipse">
-          <a:avLst/>
-        </a:prstGeom>
-        <a:solidFill>
-          <a:schemeClr val="accent1">
-            <a:hueOff val="0"/>
-            <a:satOff val="0"/>
-            <a:lumOff val="0"/>
-            <a:alphaOff val="0"/>
-          </a:schemeClr>
-        </a:solidFill>
-        <a:ln w="12700" cap="flat" cmpd="sng" algn="ctr">
-          <a:solidFill>
-            <a:schemeClr val="lt1">
-              <a:hueOff val="0"/>
-              <a:satOff val="0"/>
-              <a:lumOff val="0"/>
-              <a:alphaOff val="0"/>
-            </a:schemeClr>
-          </a:solidFill>
-          <a:prstDash val="solid"/>
-          <a:miter lim="800000"/>
-        </a:ln>
-        <a:effectLst/>
-      </dsp:spPr>
-      <dsp:style>
-        <a:lnRef idx="2">
-          <a:scrgbClr r="0" g="0" b="0"/>
-        </a:lnRef>
-        <a:fillRef idx="1">
-          <a:scrgbClr r="0" g="0" b="0"/>
-        </a:fillRef>
-        <a:effectRef idx="0">
-          <a:scrgbClr r="0" g="0" b="0"/>
-        </a:effectRef>
-        <a:fontRef idx="minor">
-          <a:schemeClr val="lt1"/>
-        </a:fontRef>
-      </dsp:style>
-    </dsp:sp>
-    <dsp:sp modelId="{AF8BEF4C-96F3-4ED8-9151-49EE720FCD95}">
-      <dsp:nvSpPr>
-        <dsp:cNvPr id="0" name=""/>
-        <dsp:cNvSpPr/>
-      </dsp:nvSpPr>
-      <dsp:spPr>
-        <a:xfrm>
-          <a:off x="3454605" y="2528127"/>
-          <a:ext cx="1155715" cy="1823210"/>
-        </a:xfrm>
-        <a:prstGeom prst="rect">
-          <a:avLst/>
-        </a:prstGeom>
-        <a:noFill/>
-        <a:ln>
-          <a:noFill/>
-        </a:ln>
-        <a:effectLst/>
-      </dsp:spPr>
-      <dsp:style>
-        <a:lnRef idx="0">
-          <a:scrgbClr r="0" g="0" b="0"/>
-        </a:lnRef>
-        <a:fillRef idx="0">
-          <a:scrgbClr r="0" g="0" b="0"/>
-        </a:fillRef>
-        <a:effectRef idx="0">
-          <a:scrgbClr r="0" g="0" b="0"/>
-        </a:effectRef>
-        <a:fontRef idx="minor"/>
-      </dsp:style>
-      <dsp:txBody>
-        <a:bodyPr spcFirstLastPara="0" vert="horz" wrap="square" lIns="132807" tIns="0" rIns="0" bIns="0" numCol="1" spcCol="1270" anchor="t" anchorCtr="0">
-          <a:noAutofit/>
-        </a:bodyPr>
-        <a:lstStyle/>
-        <a:p>
-          <a:pPr lvl="0" algn="l" defTabSz="577850">
-            <a:lnSpc>
-              <a:spcPct val="90000"/>
-            </a:lnSpc>
-            <a:spcBef>
-              <a:spcPct val="0"/>
-            </a:spcBef>
-            <a:spcAft>
-              <a:spcPct val="35000"/>
-            </a:spcAft>
-          </a:pPr>
-          <a:r>
-            <a:rPr lang="de-DE" sz="1300" kern="1200" dirty="0"/>
-            <a:t>Datenbank</a:t>
-          </a:r>
-        </a:p>
-        <a:p>
-          <a:pPr marL="57150" lvl="1" indent="-57150" algn="l" defTabSz="444500">
-            <a:lnSpc>
-              <a:spcPct val="90000"/>
-            </a:lnSpc>
-            <a:spcBef>
-              <a:spcPct val="0"/>
-            </a:spcBef>
-            <a:spcAft>
-              <a:spcPct val="15000"/>
-            </a:spcAft>
-            <a:buChar char="••"/>
-          </a:pPr>
-          <a:r>
-            <a:rPr lang="de-DE" sz="1000" kern="1200" dirty="0"/>
-            <a:t>ERM (100%)</a:t>
-          </a:r>
-        </a:p>
-        <a:p>
-          <a:pPr marL="57150" lvl="1" indent="-57150" algn="l" defTabSz="444500">
-            <a:lnSpc>
-              <a:spcPct val="90000"/>
-            </a:lnSpc>
-            <a:spcBef>
-              <a:spcPct val="0"/>
-            </a:spcBef>
-            <a:spcAft>
-              <a:spcPct val="15000"/>
-            </a:spcAft>
-            <a:buChar char="••"/>
-          </a:pPr>
-          <a:r>
-            <a:rPr lang="de-DE" sz="1000" kern="1200" dirty="0"/>
-            <a:t>SQL (100%)</a:t>
-          </a:r>
-        </a:p>
-      </dsp:txBody>
-      <dsp:txXfrm>
-        <a:off x="3454605" y="2528127"/>
-        <a:ext cx="1155715" cy="1823210"/>
-      </dsp:txXfrm>
-    </dsp:sp>
-    <dsp:sp modelId="{002C3FB9-310D-4961-BDD5-1DFD86FE10F5}">
-      <dsp:nvSpPr>
-        <dsp:cNvPr id="0" name=""/>
-        <dsp:cNvSpPr/>
-      </dsp:nvSpPr>
-      <dsp:spPr>
-        <a:xfrm>
-          <a:off x="4443229" y="1738794"/>
-          <a:ext cx="334182" cy="334182"/>
-        </a:xfrm>
-        <a:prstGeom prst="ellipse">
-          <a:avLst/>
-        </a:prstGeom>
-        <a:solidFill>
-          <a:schemeClr val="accent1">
-            <a:hueOff val="0"/>
-            <a:satOff val="0"/>
-            <a:lumOff val="0"/>
-            <a:alphaOff val="0"/>
-          </a:schemeClr>
-        </a:solidFill>
-        <a:ln w="12700" cap="flat" cmpd="sng" algn="ctr">
-          <a:solidFill>
-            <a:schemeClr val="lt1">
-              <a:hueOff val="0"/>
-              <a:satOff val="0"/>
-              <a:lumOff val="0"/>
-              <a:alphaOff val="0"/>
-            </a:schemeClr>
-          </a:solidFill>
-          <a:prstDash val="solid"/>
-          <a:miter lim="800000"/>
-        </a:ln>
-        <a:effectLst/>
-      </dsp:spPr>
-      <dsp:style>
-        <a:lnRef idx="2">
-          <a:scrgbClr r="0" g="0" b="0"/>
-        </a:lnRef>
-        <a:fillRef idx="1">
-          <a:scrgbClr r="0" g="0" b="0"/>
-        </a:fillRef>
-        <a:effectRef idx="0">
-          <a:scrgbClr r="0" g="0" b="0"/>
-        </a:effectRef>
-        <a:fontRef idx="minor">
-          <a:schemeClr val="lt1"/>
-        </a:fontRef>
-      </dsp:style>
-    </dsp:sp>
-    <dsp:sp modelId="{55D03CFC-8164-4FA7-8D3A-0BF5D70844C3}">
-      <dsp:nvSpPr>
-        <dsp:cNvPr id="0" name=""/>
-        <dsp:cNvSpPr/>
-      </dsp:nvSpPr>
-      <dsp:spPr>
-        <a:xfrm>
-          <a:off x="4610320" y="1905886"/>
-          <a:ext cx="1343693" cy="2445451"/>
-        </a:xfrm>
-        <a:prstGeom prst="rect">
-          <a:avLst/>
-        </a:prstGeom>
-        <a:noFill/>
-        <a:ln>
-          <a:noFill/>
-        </a:ln>
-        <a:effectLst/>
-      </dsp:spPr>
-      <dsp:style>
-        <a:lnRef idx="0">
-          <a:scrgbClr r="0" g="0" b="0"/>
-        </a:lnRef>
-        <a:fillRef idx="0">
-          <a:scrgbClr r="0" g="0" b="0"/>
-        </a:fillRef>
-        <a:effectRef idx="0">
-          <a:scrgbClr r="0" g="0" b="0"/>
-        </a:effectRef>
-        <a:fontRef idx="minor"/>
-      </dsp:style>
-      <dsp:txBody>
-        <a:bodyPr spcFirstLastPara="0" vert="horz" wrap="square" lIns="177077" tIns="0" rIns="0" bIns="0" numCol="1" spcCol="1270" anchor="t" anchorCtr="0">
-          <a:noAutofit/>
-        </a:bodyPr>
-        <a:lstStyle/>
-        <a:p>
-          <a:pPr lvl="0" algn="l" defTabSz="577850">
-            <a:lnSpc>
-              <a:spcPct val="90000"/>
-            </a:lnSpc>
-            <a:spcBef>
-              <a:spcPct val="0"/>
-            </a:spcBef>
-            <a:spcAft>
-              <a:spcPct val="35000"/>
-            </a:spcAft>
-          </a:pPr>
-          <a:r>
-            <a:rPr lang="de-DE" sz="1300" kern="1200" dirty="0"/>
-            <a:t>Logik</a:t>
-          </a:r>
-        </a:p>
-        <a:p>
-          <a:pPr marL="57150" lvl="1" indent="-57150" algn="l" defTabSz="444500">
-            <a:lnSpc>
-              <a:spcPct val="90000"/>
-            </a:lnSpc>
-            <a:spcBef>
-              <a:spcPct val="0"/>
-            </a:spcBef>
-            <a:spcAft>
-              <a:spcPct val="15000"/>
-            </a:spcAft>
-            <a:buChar char="••"/>
-          </a:pPr>
-          <a:r>
-            <a:rPr lang="de-DE" sz="1000" kern="1200" dirty="0"/>
-            <a:t>Mathematische Ansätze (50%)</a:t>
-          </a:r>
-        </a:p>
-        <a:p>
-          <a:pPr marL="57150" lvl="1" indent="-57150" algn="l" defTabSz="444500">
-            <a:lnSpc>
-              <a:spcPct val="90000"/>
-            </a:lnSpc>
-            <a:spcBef>
-              <a:spcPct val="0"/>
-            </a:spcBef>
-            <a:spcAft>
-              <a:spcPct val="15000"/>
-            </a:spcAft>
-            <a:buChar char="••"/>
-          </a:pPr>
-          <a:r>
-            <a:rPr lang="de-DE" sz="1000" kern="1200" dirty="0"/>
-            <a:t>Visualisierung der Logik (80%)</a:t>
-          </a:r>
-        </a:p>
-        <a:p>
-          <a:pPr marL="57150" lvl="1" indent="-57150" algn="l" defTabSz="444500">
-            <a:lnSpc>
-              <a:spcPct val="90000"/>
-            </a:lnSpc>
-            <a:spcBef>
-              <a:spcPct val="0"/>
-            </a:spcBef>
-            <a:spcAft>
-              <a:spcPct val="15000"/>
-            </a:spcAft>
-            <a:buChar char="••"/>
-          </a:pPr>
-          <a:r>
-            <a:rPr lang="de-DE" sz="1000" kern="1200" dirty="0"/>
-            <a:t>Umsetzung der Logik (80%)</a:t>
-          </a:r>
-        </a:p>
-      </dsp:txBody>
-      <dsp:txXfrm>
-        <a:off x="4610320" y="1905886"/>
-        <a:ext cx="1343693" cy="2445451"/>
-      </dsp:txXfrm>
-    </dsp:sp>
-    <dsp:sp modelId="{E1CCDBEE-AB6F-4355-994F-2E8E439F6159}">
-      <dsp:nvSpPr>
-        <dsp:cNvPr id="0" name=""/>
-        <dsp:cNvSpPr/>
-      </dsp:nvSpPr>
-      <dsp:spPr>
-        <a:xfrm>
-          <a:off x="5738187" y="1220115"/>
-          <a:ext cx="431652" cy="431652"/>
-        </a:xfrm>
-        <a:prstGeom prst="ellipse">
-          <a:avLst/>
-        </a:prstGeom>
-        <a:solidFill>
-          <a:schemeClr val="accent1">
-            <a:hueOff val="0"/>
-            <a:satOff val="0"/>
-            <a:lumOff val="0"/>
-            <a:alphaOff val="0"/>
-          </a:schemeClr>
-        </a:solidFill>
-        <a:ln w="12700" cap="flat" cmpd="sng" algn="ctr">
-          <a:solidFill>
-            <a:schemeClr val="lt1">
-              <a:hueOff val="0"/>
-              <a:satOff val="0"/>
-              <a:lumOff val="0"/>
-              <a:alphaOff val="0"/>
-            </a:schemeClr>
-          </a:solidFill>
-          <a:prstDash val="solid"/>
-          <a:miter lim="800000"/>
-        </a:ln>
-        <a:effectLst/>
-      </dsp:spPr>
-      <dsp:style>
-        <a:lnRef idx="2">
-          <a:scrgbClr r="0" g="0" b="0"/>
-        </a:lnRef>
-        <a:fillRef idx="1">
-          <a:scrgbClr r="0" g="0" b="0"/>
-        </a:fillRef>
-        <a:effectRef idx="0">
-          <a:scrgbClr r="0" g="0" b="0"/>
-        </a:effectRef>
-        <a:fontRef idx="minor">
-          <a:schemeClr val="lt1"/>
-        </a:fontRef>
-      </dsp:style>
-    </dsp:sp>
-    <dsp:sp modelId="{39A9EDD7-064B-4D2E-A8C1-EDF39C82A076}">
-      <dsp:nvSpPr>
-        <dsp:cNvPr id="0" name=""/>
-        <dsp:cNvSpPr/>
-      </dsp:nvSpPr>
-      <dsp:spPr>
-        <a:xfrm>
-          <a:off x="5954014" y="1435941"/>
-          <a:ext cx="1392428" cy="2915396"/>
-        </a:xfrm>
-        <a:prstGeom prst="rect">
-          <a:avLst/>
-        </a:prstGeom>
-        <a:noFill/>
-        <a:ln>
-          <a:noFill/>
-        </a:ln>
-        <a:effectLst/>
-      </dsp:spPr>
-      <dsp:style>
-        <a:lnRef idx="0">
-          <a:scrgbClr r="0" g="0" b="0"/>
-        </a:lnRef>
-        <a:fillRef idx="0">
-          <a:scrgbClr r="0" g="0" b="0"/>
-        </a:fillRef>
-        <a:effectRef idx="0">
-          <a:scrgbClr r="0" g="0" b="0"/>
-        </a:effectRef>
-        <a:fontRef idx="minor"/>
-      </dsp:style>
-      <dsp:txBody>
-        <a:bodyPr spcFirstLastPara="0" vert="horz" wrap="square" lIns="228724" tIns="0" rIns="0" bIns="0" numCol="1" spcCol="1270" anchor="t" anchorCtr="0">
-          <a:noAutofit/>
-        </a:bodyPr>
-        <a:lstStyle/>
-        <a:p>
-          <a:pPr lvl="0" algn="l" defTabSz="577850">
-            <a:lnSpc>
-              <a:spcPct val="90000"/>
-            </a:lnSpc>
-            <a:spcBef>
-              <a:spcPct val="0"/>
-            </a:spcBef>
-            <a:spcAft>
-              <a:spcPct val="35000"/>
-            </a:spcAft>
-          </a:pPr>
-          <a:r>
-            <a:rPr lang="de-DE" sz="1300" kern="1200" dirty="0"/>
-            <a:t>Backend</a:t>
-          </a:r>
-        </a:p>
-        <a:p>
-          <a:pPr marL="57150" lvl="1" indent="-57150" algn="l" defTabSz="444500">
-            <a:lnSpc>
-              <a:spcPct val="90000"/>
-            </a:lnSpc>
-            <a:spcBef>
-              <a:spcPct val="0"/>
-            </a:spcBef>
-            <a:spcAft>
-              <a:spcPct val="15000"/>
-            </a:spcAft>
-            <a:buChar char="••"/>
-          </a:pPr>
-          <a:r>
-            <a:rPr lang="de-DE" sz="1000" kern="1200" dirty="0"/>
-            <a:t>PHP (100%)</a:t>
-          </a:r>
-        </a:p>
-      </dsp:txBody>
-      <dsp:txXfrm>
-        <a:off x="5954014" y="1435941"/>
-        <a:ext cx="1392428" cy="2915396"/>
-      </dsp:txXfrm>
-    </dsp:sp>
-    <dsp:sp modelId="{68B7B68E-B8B8-4EC2-A2FF-28B45B958F5A}">
-      <dsp:nvSpPr>
-        <dsp:cNvPr id="0" name=""/>
-        <dsp:cNvSpPr/>
-      </dsp:nvSpPr>
-      <dsp:spPr>
-        <a:xfrm>
-          <a:off x="7071437" y="873748"/>
-          <a:ext cx="550009" cy="550009"/>
-        </a:xfrm>
-        <a:prstGeom prst="ellipse">
-          <a:avLst/>
-        </a:prstGeom>
-        <a:solidFill>
-          <a:schemeClr val="accent1">
-            <a:hueOff val="0"/>
-            <a:satOff val="0"/>
-            <a:lumOff val="0"/>
-            <a:alphaOff val="0"/>
-          </a:schemeClr>
-        </a:solidFill>
-        <a:ln w="12700" cap="flat" cmpd="sng" algn="ctr">
-          <a:solidFill>
-            <a:schemeClr val="lt1">
-              <a:hueOff val="0"/>
-              <a:satOff val="0"/>
-              <a:lumOff val="0"/>
-              <a:alphaOff val="0"/>
-            </a:schemeClr>
-          </a:solidFill>
-          <a:prstDash val="solid"/>
-          <a:miter lim="800000"/>
-        </a:ln>
-        <a:effectLst/>
-      </dsp:spPr>
-      <dsp:style>
-        <a:lnRef idx="2">
-          <a:scrgbClr r="0" g="0" b="0"/>
-        </a:lnRef>
-        <a:fillRef idx="1">
-          <a:scrgbClr r="0" g="0" b="0"/>
-        </a:fillRef>
-        <a:effectRef idx="0">
-          <a:scrgbClr r="0" g="0" b="0"/>
-        </a:effectRef>
-        <a:fontRef idx="minor">
-          <a:schemeClr val="lt1"/>
-        </a:fontRef>
-      </dsp:style>
-    </dsp:sp>
-    <dsp:sp modelId="{1C4F9093-FE47-4554-A822-B92A4C0EC2A7}">
-      <dsp:nvSpPr>
-        <dsp:cNvPr id="0" name=""/>
-        <dsp:cNvSpPr/>
-      </dsp:nvSpPr>
-      <dsp:spPr>
-        <a:xfrm>
-          <a:off x="7346442" y="1148753"/>
-          <a:ext cx="1392428" cy="3202584"/>
-        </a:xfrm>
-        <a:prstGeom prst="rect">
-          <a:avLst/>
-        </a:prstGeom>
-        <a:noFill/>
-        <a:ln>
-          <a:noFill/>
-        </a:ln>
-        <a:effectLst/>
-      </dsp:spPr>
-      <dsp:style>
-        <a:lnRef idx="0">
-          <a:scrgbClr r="0" g="0" b="0"/>
-        </a:lnRef>
-        <a:fillRef idx="0">
-          <a:scrgbClr r="0" g="0" b="0"/>
-        </a:fillRef>
-        <a:effectRef idx="0">
-          <a:scrgbClr r="0" g="0" b="0"/>
-        </a:effectRef>
-        <a:fontRef idx="minor"/>
-      </dsp:style>
-      <dsp:txBody>
-        <a:bodyPr spcFirstLastPara="0" vert="horz" wrap="square" lIns="291438" tIns="0" rIns="0" bIns="0" numCol="1" spcCol="1270" anchor="t" anchorCtr="0">
-          <a:noAutofit/>
-        </a:bodyPr>
-        <a:lstStyle/>
-        <a:p>
-          <a:pPr lvl="0" algn="l" defTabSz="577850">
-            <a:lnSpc>
-              <a:spcPct val="90000"/>
-            </a:lnSpc>
-            <a:spcBef>
-              <a:spcPct val="0"/>
-            </a:spcBef>
-            <a:spcAft>
-              <a:spcPct val="35000"/>
-            </a:spcAft>
-          </a:pPr>
-          <a:r>
-            <a:rPr lang="de-DE" sz="1300" kern="1200" dirty="0"/>
-            <a:t>Frontend</a:t>
-          </a:r>
-        </a:p>
-        <a:p>
-          <a:pPr marL="57150" lvl="1" indent="-57150" algn="l" defTabSz="444500">
-            <a:lnSpc>
-              <a:spcPct val="90000"/>
-            </a:lnSpc>
-            <a:spcBef>
-              <a:spcPct val="0"/>
-            </a:spcBef>
-            <a:spcAft>
-              <a:spcPct val="15000"/>
-            </a:spcAft>
-            <a:buChar char="••"/>
-          </a:pPr>
-          <a:r>
-            <a:rPr lang="de-DE" sz="1000" kern="1200" dirty="0"/>
-            <a:t>JS (100%)</a:t>
-          </a:r>
-        </a:p>
-      </dsp:txBody>
-      <dsp:txXfrm>
-        <a:off x="7346442" y="1148753"/>
-        <a:ext cx="1392428" cy="3202584"/>
-      </dsp:txXfrm>
-    </dsp:sp>
   </dsp:spTree>
 </dsp:drawing>
 </file>
@@ -6065,1019 +5322,6 @@
       <dsp:cNvGrpSpPr/>
     </dsp:nvGrpSpPr>
     <dsp:grpSpPr/>
-    <dsp:sp modelId="{CA0371F2-4905-4094-9792-0F4EC6527AB6}">
-      <dsp:nvSpPr>
-        <dsp:cNvPr id="0" name=""/>
-        <dsp:cNvSpPr/>
-      </dsp:nvSpPr>
-      <dsp:spPr>
-        <a:xfrm>
-          <a:off x="5157251" y="1817035"/>
-          <a:ext cx="4046947" cy="601579"/>
-        </a:xfrm>
-        <a:custGeom>
-          <a:avLst/>
-          <a:gdLst/>
-          <a:ahLst/>
-          <a:cxnLst/>
-          <a:rect l="0" t="0" r="0" b="0"/>
-          <a:pathLst>
-            <a:path>
-              <a:moveTo>
-                <a:pt x="0" y="0"/>
-              </a:moveTo>
-              <a:lnTo>
-                <a:pt x="0" y="358633"/>
-              </a:lnTo>
-              <a:lnTo>
-                <a:pt x="4046947" y="358633"/>
-              </a:lnTo>
-              <a:lnTo>
-                <a:pt x="4046947" y="601579"/>
-              </a:lnTo>
-            </a:path>
-          </a:pathLst>
-        </a:custGeom>
-        <a:noFill/>
-        <a:ln w="12700" cap="flat" cmpd="sng" algn="ctr">
-          <a:solidFill>
-            <a:schemeClr val="accent1">
-              <a:shade val="60000"/>
-              <a:hueOff val="0"/>
-              <a:satOff val="0"/>
-              <a:lumOff val="0"/>
-              <a:alphaOff val="0"/>
-            </a:schemeClr>
-          </a:solidFill>
-          <a:prstDash val="solid"/>
-          <a:miter lim="800000"/>
-        </a:ln>
-        <a:effectLst/>
-      </dsp:spPr>
-      <dsp:style>
-        <a:lnRef idx="2">
-          <a:scrgbClr r="0" g="0" b="0"/>
-        </a:lnRef>
-        <a:fillRef idx="0">
-          <a:scrgbClr r="0" g="0" b="0"/>
-        </a:fillRef>
-        <a:effectRef idx="0">
-          <a:scrgbClr r="0" g="0" b="0"/>
-        </a:effectRef>
-        <a:fontRef idx="minor"/>
-      </dsp:style>
-    </dsp:sp>
-    <dsp:sp modelId="{EC9CC648-36AF-46A2-8311-685C7A41B586}">
-      <dsp:nvSpPr>
-        <dsp:cNvPr id="0" name=""/>
-        <dsp:cNvSpPr/>
-      </dsp:nvSpPr>
-      <dsp:spPr>
-        <a:xfrm>
-          <a:off x="5157251" y="1817035"/>
-          <a:ext cx="1348982" cy="601579"/>
-        </a:xfrm>
-        <a:custGeom>
-          <a:avLst/>
-          <a:gdLst/>
-          <a:ahLst/>
-          <a:cxnLst/>
-          <a:rect l="0" t="0" r="0" b="0"/>
-          <a:pathLst>
-            <a:path>
-              <a:moveTo>
-                <a:pt x="0" y="0"/>
-              </a:moveTo>
-              <a:lnTo>
-                <a:pt x="0" y="358633"/>
-              </a:lnTo>
-              <a:lnTo>
-                <a:pt x="1348982" y="358633"/>
-              </a:lnTo>
-              <a:lnTo>
-                <a:pt x="1348982" y="601579"/>
-              </a:lnTo>
-            </a:path>
-          </a:pathLst>
-        </a:custGeom>
-        <a:noFill/>
-        <a:ln w="12700" cap="flat" cmpd="sng" algn="ctr">
-          <a:solidFill>
-            <a:schemeClr val="accent1">
-              <a:shade val="60000"/>
-              <a:hueOff val="0"/>
-              <a:satOff val="0"/>
-              <a:lumOff val="0"/>
-              <a:alphaOff val="0"/>
-            </a:schemeClr>
-          </a:solidFill>
-          <a:prstDash val="solid"/>
-          <a:miter lim="800000"/>
-        </a:ln>
-        <a:effectLst/>
-      </dsp:spPr>
-      <dsp:style>
-        <a:lnRef idx="2">
-          <a:scrgbClr r="0" g="0" b="0"/>
-        </a:lnRef>
-        <a:fillRef idx="0">
-          <a:scrgbClr r="0" g="0" b="0"/>
-        </a:fillRef>
-        <a:effectRef idx="0">
-          <a:scrgbClr r="0" g="0" b="0"/>
-        </a:effectRef>
-        <a:fontRef idx="minor"/>
-      </dsp:style>
-    </dsp:sp>
-    <dsp:sp modelId="{418B8B31-D631-4C74-B418-D94A89EA2477}">
-      <dsp:nvSpPr>
-        <dsp:cNvPr id="0" name=""/>
-        <dsp:cNvSpPr/>
-      </dsp:nvSpPr>
-      <dsp:spPr>
-        <a:xfrm>
-          <a:off x="3808268" y="1817035"/>
-          <a:ext cx="1348982" cy="601579"/>
-        </a:xfrm>
-        <a:custGeom>
-          <a:avLst/>
-          <a:gdLst/>
-          <a:ahLst/>
-          <a:cxnLst/>
-          <a:rect l="0" t="0" r="0" b="0"/>
-          <a:pathLst>
-            <a:path>
-              <a:moveTo>
-                <a:pt x="1348982" y="0"/>
-              </a:moveTo>
-              <a:lnTo>
-                <a:pt x="1348982" y="358633"/>
-              </a:lnTo>
-              <a:lnTo>
-                <a:pt x="0" y="358633"/>
-              </a:lnTo>
-              <a:lnTo>
-                <a:pt x="0" y="601579"/>
-              </a:lnTo>
-            </a:path>
-          </a:pathLst>
-        </a:custGeom>
-        <a:noFill/>
-        <a:ln w="12700" cap="flat" cmpd="sng" algn="ctr">
-          <a:solidFill>
-            <a:schemeClr val="accent1">
-              <a:shade val="60000"/>
-              <a:hueOff val="0"/>
-              <a:satOff val="0"/>
-              <a:lumOff val="0"/>
-              <a:alphaOff val="0"/>
-            </a:schemeClr>
-          </a:solidFill>
-          <a:prstDash val="solid"/>
-          <a:miter lim="800000"/>
-        </a:ln>
-        <a:effectLst/>
-      </dsp:spPr>
-      <dsp:style>
-        <a:lnRef idx="2">
-          <a:scrgbClr r="0" g="0" b="0"/>
-        </a:lnRef>
-        <a:fillRef idx="0">
-          <a:scrgbClr r="0" g="0" b="0"/>
-        </a:fillRef>
-        <a:effectRef idx="0">
-          <a:scrgbClr r="0" g="0" b="0"/>
-        </a:effectRef>
-        <a:fontRef idx="minor"/>
-      </dsp:style>
-    </dsp:sp>
-    <dsp:sp modelId="{D5F6D8B8-4258-4198-BE70-A80B84977E1D}">
-      <dsp:nvSpPr>
-        <dsp:cNvPr id="0" name=""/>
-        <dsp:cNvSpPr/>
-      </dsp:nvSpPr>
-      <dsp:spPr>
-        <a:xfrm>
-          <a:off x="1110303" y="1817035"/>
-          <a:ext cx="4046947" cy="601579"/>
-        </a:xfrm>
-        <a:custGeom>
-          <a:avLst/>
-          <a:gdLst/>
-          <a:ahLst/>
-          <a:cxnLst/>
-          <a:rect l="0" t="0" r="0" b="0"/>
-          <a:pathLst>
-            <a:path>
-              <a:moveTo>
-                <a:pt x="4046947" y="0"/>
-              </a:moveTo>
-              <a:lnTo>
-                <a:pt x="4046947" y="358633"/>
-              </a:lnTo>
-              <a:lnTo>
-                <a:pt x="0" y="358633"/>
-              </a:lnTo>
-              <a:lnTo>
-                <a:pt x="0" y="601579"/>
-              </a:lnTo>
-            </a:path>
-          </a:pathLst>
-        </a:custGeom>
-        <a:noFill/>
-        <a:ln w="12700" cap="flat" cmpd="sng" algn="ctr">
-          <a:solidFill>
-            <a:schemeClr val="accent1">
-              <a:shade val="60000"/>
-              <a:hueOff val="0"/>
-              <a:satOff val="0"/>
-              <a:lumOff val="0"/>
-              <a:alphaOff val="0"/>
-            </a:schemeClr>
-          </a:solidFill>
-          <a:prstDash val="solid"/>
-          <a:miter lim="800000"/>
-        </a:ln>
-        <a:effectLst/>
-      </dsp:spPr>
-      <dsp:style>
-        <a:lnRef idx="2">
-          <a:scrgbClr r="0" g="0" b="0"/>
-        </a:lnRef>
-        <a:fillRef idx="0">
-          <a:scrgbClr r="0" g="0" b="0"/>
-        </a:fillRef>
-        <a:effectRef idx="0">
-          <a:scrgbClr r="0" g="0" b="0"/>
-        </a:effectRef>
-        <a:fontRef idx="minor"/>
-      </dsp:style>
-    </dsp:sp>
-    <dsp:sp modelId="{C61E91A9-AF0A-4AA8-B087-498BC119B802}">
-      <dsp:nvSpPr>
-        <dsp:cNvPr id="0" name=""/>
-        <dsp:cNvSpPr/>
-      </dsp:nvSpPr>
-      <dsp:spPr>
-        <a:xfrm>
-          <a:off x="4151762" y="775840"/>
-          <a:ext cx="2010976" cy="1041194"/>
-        </a:xfrm>
-        <a:prstGeom prst="rect">
-          <a:avLst/>
-        </a:prstGeom>
-        <a:solidFill>
-          <a:schemeClr val="accent1">
-            <a:hueOff val="0"/>
-            <a:satOff val="0"/>
-            <a:lumOff val="0"/>
-            <a:alphaOff val="0"/>
-          </a:schemeClr>
-        </a:solidFill>
-        <a:ln w="12700" cap="flat" cmpd="sng" algn="ctr">
-          <a:solidFill>
-            <a:schemeClr val="lt1">
-              <a:hueOff val="0"/>
-              <a:satOff val="0"/>
-              <a:lumOff val="0"/>
-              <a:alphaOff val="0"/>
-            </a:schemeClr>
-          </a:solidFill>
-          <a:prstDash val="solid"/>
-          <a:miter lim="800000"/>
-        </a:ln>
-        <a:effectLst/>
-      </dsp:spPr>
-      <dsp:style>
-        <a:lnRef idx="2">
-          <a:scrgbClr r="0" g="0" b="0"/>
-        </a:lnRef>
-        <a:fillRef idx="1">
-          <a:scrgbClr r="0" g="0" b="0"/>
-        </a:fillRef>
-        <a:effectRef idx="0">
-          <a:scrgbClr r="0" g="0" b="0"/>
-        </a:effectRef>
-        <a:fontRef idx="minor">
-          <a:schemeClr val="lt1"/>
-        </a:fontRef>
-      </dsp:style>
-      <dsp:txBody>
-        <a:bodyPr spcFirstLastPara="0" vert="horz" wrap="square" lIns="12065" tIns="12065" rIns="12065" bIns="146924" numCol="1" spcCol="1270" anchor="ctr" anchorCtr="0">
-          <a:noAutofit/>
-        </a:bodyPr>
-        <a:lstStyle/>
-        <a:p>
-          <a:pPr lvl="0" algn="ctr" defTabSz="844550">
-            <a:lnSpc>
-              <a:spcPct val="90000"/>
-            </a:lnSpc>
-            <a:spcBef>
-              <a:spcPct val="0"/>
-            </a:spcBef>
-            <a:spcAft>
-              <a:spcPct val="35000"/>
-            </a:spcAft>
-          </a:pPr>
-          <a:r>
-            <a:rPr lang="de-DE" sz="1900" kern="1200" dirty="0"/>
-            <a:t>Projektleiter</a:t>
-          </a:r>
-        </a:p>
-      </dsp:txBody>
-      <dsp:txXfrm>
-        <a:off x="4151762" y="775840"/>
-        <a:ext cx="2010976" cy="1041194"/>
-      </dsp:txXfrm>
-    </dsp:sp>
-    <dsp:sp modelId="{F30DCFA2-97CF-4F43-B794-E8837C6096F0}">
-      <dsp:nvSpPr>
-        <dsp:cNvPr id="0" name=""/>
-        <dsp:cNvSpPr/>
-      </dsp:nvSpPr>
-      <dsp:spPr>
-        <a:xfrm>
-          <a:off x="4553958" y="1585658"/>
-          <a:ext cx="1809878" cy="347064"/>
-        </a:xfrm>
-        <a:prstGeom prst="rect">
-          <a:avLst/>
-        </a:prstGeom>
-        <a:solidFill>
-          <a:schemeClr val="lt1">
-            <a:alpha val="90000"/>
-            <a:hueOff val="0"/>
-            <a:satOff val="0"/>
-            <a:lumOff val="0"/>
-            <a:alphaOff val="0"/>
-          </a:schemeClr>
-        </a:solidFill>
-        <a:ln w="12700" cap="flat" cmpd="sng" algn="ctr">
-          <a:solidFill>
-            <a:schemeClr val="accent1">
-              <a:hueOff val="0"/>
-              <a:satOff val="0"/>
-              <a:lumOff val="0"/>
-              <a:alphaOff val="0"/>
-            </a:schemeClr>
-          </a:solidFill>
-          <a:prstDash val="solid"/>
-          <a:miter lim="800000"/>
-        </a:ln>
-        <a:effectLst/>
-      </dsp:spPr>
-      <dsp:style>
-        <a:lnRef idx="2">
-          <a:scrgbClr r="0" g="0" b="0"/>
-        </a:lnRef>
-        <a:fillRef idx="1">
-          <a:scrgbClr r="0" g="0" b="0"/>
-        </a:fillRef>
-        <a:effectRef idx="0">
-          <a:scrgbClr r="0" g="0" b="0"/>
-        </a:effectRef>
-        <a:fontRef idx="minor"/>
-      </dsp:style>
-      <dsp:txBody>
-        <a:bodyPr spcFirstLastPara="0" vert="horz" wrap="square" lIns="38100" tIns="9525" rIns="38100" bIns="9525" numCol="1" spcCol="1270" anchor="ctr" anchorCtr="0">
-          <a:noAutofit/>
-        </a:bodyPr>
-        <a:lstStyle/>
-        <a:p>
-          <a:pPr lvl="0" algn="r" defTabSz="666750">
-            <a:lnSpc>
-              <a:spcPct val="90000"/>
-            </a:lnSpc>
-            <a:spcBef>
-              <a:spcPct val="0"/>
-            </a:spcBef>
-            <a:spcAft>
-              <a:spcPct val="35000"/>
-            </a:spcAft>
-          </a:pPr>
-          <a:r>
-            <a:rPr lang="de-DE" sz="1500" kern="1200" dirty="0"/>
-            <a:t>Delegiert Aufgaben an</a:t>
-          </a:r>
-        </a:p>
-      </dsp:txBody>
-      <dsp:txXfrm>
-        <a:off x="4553958" y="1585658"/>
-        <a:ext cx="1809878" cy="347064"/>
-      </dsp:txXfrm>
-    </dsp:sp>
-    <dsp:sp modelId="{F9D5EE5F-B1B3-4107-BE5B-57C9D2EDB3FD}">
-      <dsp:nvSpPr>
-        <dsp:cNvPr id="0" name=""/>
-        <dsp:cNvSpPr/>
-      </dsp:nvSpPr>
-      <dsp:spPr>
-        <a:xfrm>
-          <a:off x="104815" y="2418614"/>
-          <a:ext cx="2010976" cy="1041194"/>
-        </a:xfrm>
-        <a:prstGeom prst="rect">
-          <a:avLst/>
-        </a:prstGeom>
-        <a:solidFill>
-          <a:schemeClr val="accent1">
-            <a:hueOff val="0"/>
-            <a:satOff val="0"/>
-            <a:lumOff val="0"/>
-            <a:alphaOff val="0"/>
-          </a:schemeClr>
-        </a:solidFill>
-        <a:ln w="12700" cap="flat" cmpd="sng" algn="ctr">
-          <a:solidFill>
-            <a:schemeClr val="lt1">
-              <a:hueOff val="0"/>
-              <a:satOff val="0"/>
-              <a:lumOff val="0"/>
-              <a:alphaOff val="0"/>
-            </a:schemeClr>
-          </a:solidFill>
-          <a:prstDash val="solid"/>
-          <a:miter lim="800000"/>
-        </a:ln>
-        <a:effectLst/>
-      </dsp:spPr>
-      <dsp:style>
-        <a:lnRef idx="2">
-          <a:scrgbClr r="0" g="0" b="0"/>
-        </a:lnRef>
-        <a:fillRef idx="1">
-          <a:scrgbClr r="0" g="0" b="0"/>
-        </a:fillRef>
-        <a:effectRef idx="0">
-          <a:scrgbClr r="0" g="0" b="0"/>
-        </a:effectRef>
-        <a:fontRef idx="minor">
-          <a:schemeClr val="lt1"/>
-        </a:fontRef>
-      </dsp:style>
-      <dsp:txBody>
-        <a:bodyPr spcFirstLastPara="0" vert="horz" wrap="square" lIns="12065" tIns="12065" rIns="12065" bIns="146924" numCol="1" spcCol="1270" anchor="ctr" anchorCtr="0">
-          <a:noAutofit/>
-        </a:bodyPr>
-        <a:lstStyle/>
-        <a:p>
-          <a:pPr lvl="0" algn="ctr" defTabSz="844550">
-            <a:lnSpc>
-              <a:spcPct val="90000"/>
-            </a:lnSpc>
-            <a:spcBef>
-              <a:spcPct val="0"/>
-            </a:spcBef>
-            <a:spcAft>
-              <a:spcPct val="35000"/>
-            </a:spcAft>
-          </a:pPr>
-          <a:r>
-            <a:rPr lang="de-DE" sz="1900" kern="1200" dirty="0"/>
-            <a:t>Projektkoordinator</a:t>
-          </a:r>
-        </a:p>
-      </dsp:txBody>
-      <dsp:txXfrm>
-        <a:off x="104815" y="2418614"/>
-        <a:ext cx="2010976" cy="1041194"/>
-      </dsp:txXfrm>
-    </dsp:sp>
-    <dsp:sp modelId="{970DF215-3A69-44D5-BB4D-176CA6265961}">
-      <dsp:nvSpPr>
-        <dsp:cNvPr id="0" name=""/>
-        <dsp:cNvSpPr/>
-      </dsp:nvSpPr>
-      <dsp:spPr>
-        <a:xfrm>
-          <a:off x="507010" y="3228432"/>
-          <a:ext cx="1809878" cy="347064"/>
-        </a:xfrm>
-        <a:prstGeom prst="rect">
-          <a:avLst/>
-        </a:prstGeom>
-        <a:solidFill>
-          <a:schemeClr val="lt1">
-            <a:alpha val="90000"/>
-            <a:hueOff val="0"/>
-            <a:satOff val="0"/>
-            <a:lumOff val="0"/>
-            <a:alphaOff val="0"/>
-          </a:schemeClr>
-        </a:solidFill>
-        <a:ln w="12700" cap="flat" cmpd="sng" algn="ctr">
-          <a:solidFill>
-            <a:schemeClr val="accent1">
-              <a:hueOff val="0"/>
-              <a:satOff val="0"/>
-              <a:lumOff val="0"/>
-              <a:alphaOff val="0"/>
-            </a:schemeClr>
-          </a:solidFill>
-          <a:prstDash val="solid"/>
-          <a:miter lim="800000"/>
-        </a:ln>
-        <a:effectLst/>
-      </dsp:spPr>
-      <dsp:style>
-        <a:lnRef idx="2">
-          <a:scrgbClr r="0" g="0" b="0"/>
-        </a:lnRef>
-        <a:fillRef idx="1">
-          <a:scrgbClr r="0" g="0" b="0"/>
-        </a:fillRef>
-        <a:effectRef idx="0">
-          <a:scrgbClr r="0" g="0" b="0"/>
-        </a:effectRef>
-        <a:fontRef idx="minor"/>
-      </dsp:style>
-      <dsp:txBody>
-        <a:bodyPr spcFirstLastPara="0" vert="horz" wrap="square" lIns="27940" tIns="6985" rIns="27940" bIns="6985" numCol="1" spcCol="1270" anchor="ctr" anchorCtr="0">
-          <a:noAutofit/>
-        </a:bodyPr>
-        <a:lstStyle/>
-        <a:p>
-          <a:pPr lvl="0" algn="r" defTabSz="488950">
-            <a:lnSpc>
-              <a:spcPct val="90000"/>
-            </a:lnSpc>
-            <a:spcBef>
-              <a:spcPct val="0"/>
-            </a:spcBef>
-            <a:spcAft>
-              <a:spcPct val="35000"/>
-            </a:spcAft>
-          </a:pPr>
-          <a:r>
-            <a:rPr lang="de-DE" sz="1100" kern="1200" dirty="0"/>
-            <a:t>Meldet abgeschlossene Aufgaben zurück</a:t>
-          </a:r>
-        </a:p>
-      </dsp:txBody>
-      <dsp:txXfrm>
-        <a:off x="507010" y="3228432"/>
-        <a:ext cx="1809878" cy="347064"/>
-      </dsp:txXfrm>
-    </dsp:sp>
-    <dsp:sp modelId="{09D50221-D678-4A08-84F0-EE7F73877653}">
-      <dsp:nvSpPr>
-        <dsp:cNvPr id="0" name=""/>
-        <dsp:cNvSpPr/>
-      </dsp:nvSpPr>
-      <dsp:spPr>
-        <a:xfrm>
-          <a:off x="2802780" y="2418614"/>
-          <a:ext cx="2010976" cy="1041194"/>
-        </a:xfrm>
-        <a:prstGeom prst="rect">
-          <a:avLst/>
-        </a:prstGeom>
-        <a:solidFill>
-          <a:schemeClr val="accent1">
-            <a:hueOff val="0"/>
-            <a:satOff val="0"/>
-            <a:lumOff val="0"/>
-            <a:alphaOff val="0"/>
-          </a:schemeClr>
-        </a:solidFill>
-        <a:ln w="12700" cap="flat" cmpd="sng" algn="ctr">
-          <a:solidFill>
-            <a:schemeClr val="lt1">
-              <a:hueOff val="0"/>
-              <a:satOff val="0"/>
-              <a:lumOff val="0"/>
-              <a:alphaOff val="0"/>
-            </a:schemeClr>
-          </a:solidFill>
-          <a:prstDash val="solid"/>
-          <a:miter lim="800000"/>
-        </a:ln>
-        <a:effectLst/>
-      </dsp:spPr>
-      <dsp:style>
-        <a:lnRef idx="2">
-          <a:scrgbClr r="0" g="0" b="0"/>
-        </a:lnRef>
-        <a:fillRef idx="1">
-          <a:scrgbClr r="0" g="0" b="0"/>
-        </a:fillRef>
-        <a:effectRef idx="0">
-          <a:scrgbClr r="0" g="0" b="0"/>
-        </a:effectRef>
-        <a:fontRef idx="minor">
-          <a:schemeClr val="lt1"/>
-        </a:fontRef>
-      </dsp:style>
-      <dsp:txBody>
-        <a:bodyPr spcFirstLastPara="0" vert="horz" wrap="square" lIns="12065" tIns="12065" rIns="12065" bIns="146924" numCol="1" spcCol="1270" anchor="ctr" anchorCtr="0">
-          <a:noAutofit/>
-        </a:bodyPr>
-        <a:lstStyle/>
-        <a:p>
-          <a:pPr lvl="0" algn="ctr" defTabSz="844550">
-            <a:lnSpc>
-              <a:spcPct val="90000"/>
-            </a:lnSpc>
-            <a:spcBef>
-              <a:spcPct val="0"/>
-            </a:spcBef>
-            <a:spcAft>
-              <a:spcPct val="35000"/>
-            </a:spcAft>
-          </a:pPr>
-          <a:r>
-            <a:rPr lang="de-DE" sz="1900" kern="1200" dirty="0"/>
-            <a:t>Datenbankdesigner</a:t>
-          </a:r>
-        </a:p>
-      </dsp:txBody>
-      <dsp:txXfrm>
-        <a:off x="2802780" y="2418614"/>
-        <a:ext cx="2010976" cy="1041194"/>
-      </dsp:txXfrm>
-    </dsp:sp>
-    <dsp:sp modelId="{5681A1C3-F7F2-459E-B1EA-ADC0DF83F7F4}">
-      <dsp:nvSpPr>
-        <dsp:cNvPr id="0" name=""/>
-        <dsp:cNvSpPr/>
-      </dsp:nvSpPr>
-      <dsp:spPr>
-        <a:xfrm>
-          <a:off x="3204975" y="3228432"/>
-          <a:ext cx="1809878" cy="347064"/>
-        </a:xfrm>
-        <a:prstGeom prst="rect">
-          <a:avLst/>
-        </a:prstGeom>
-        <a:solidFill>
-          <a:schemeClr val="lt1">
-            <a:alpha val="90000"/>
-            <a:hueOff val="0"/>
-            <a:satOff val="0"/>
-            <a:lumOff val="0"/>
-            <a:alphaOff val="0"/>
-          </a:schemeClr>
-        </a:solidFill>
-        <a:ln w="12700" cap="flat" cmpd="sng" algn="ctr">
-          <a:solidFill>
-            <a:schemeClr val="accent1">
-              <a:hueOff val="0"/>
-              <a:satOff val="0"/>
-              <a:lumOff val="0"/>
-              <a:alphaOff val="0"/>
-            </a:schemeClr>
-          </a:solidFill>
-          <a:prstDash val="solid"/>
-          <a:miter lim="800000"/>
-        </a:ln>
-        <a:effectLst/>
-      </dsp:spPr>
-      <dsp:style>
-        <a:lnRef idx="2">
-          <a:scrgbClr r="0" g="0" b="0"/>
-        </a:lnRef>
-        <a:fillRef idx="1">
-          <a:scrgbClr r="0" g="0" b="0"/>
-        </a:fillRef>
-        <a:effectRef idx="0">
-          <a:scrgbClr r="0" g="0" b="0"/>
-        </a:effectRef>
-        <a:fontRef idx="minor"/>
-      </dsp:style>
-      <dsp:txBody>
-        <a:bodyPr spcFirstLastPara="0" vert="horz" wrap="square" lIns="27940" tIns="6985" rIns="27940" bIns="6985" numCol="1" spcCol="1270" anchor="ctr" anchorCtr="0">
-          <a:noAutofit/>
-        </a:bodyPr>
-        <a:lstStyle/>
-        <a:p>
-          <a:pPr lvl="0" algn="r" defTabSz="488950">
-            <a:lnSpc>
-              <a:spcPct val="90000"/>
-            </a:lnSpc>
-            <a:spcBef>
-              <a:spcPct val="0"/>
-            </a:spcBef>
-            <a:spcAft>
-              <a:spcPct val="35000"/>
-            </a:spcAft>
-          </a:pPr>
-          <a:r>
-            <a:rPr lang="de-DE" sz="1100" kern="1200" dirty="0"/>
-            <a:t>Meldet abgeschlossene Aufgaben zurück</a:t>
-          </a:r>
-        </a:p>
-      </dsp:txBody>
-      <dsp:txXfrm>
-        <a:off x="3204975" y="3228432"/>
-        <a:ext cx="1809878" cy="347064"/>
-      </dsp:txXfrm>
-    </dsp:sp>
-    <dsp:sp modelId="{7540C2E7-48D2-4EE8-87C4-B1638895265C}">
-      <dsp:nvSpPr>
-        <dsp:cNvPr id="0" name=""/>
-        <dsp:cNvSpPr/>
-      </dsp:nvSpPr>
-      <dsp:spPr>
-        <a:xfrm>
-          <a:off x="5500745" y="2418614"/>
-          <a:ext cx="2010976" cy="1041194"/>
-        </a:xfrm>
-        <a:prstGeom prst="rect">
-          <a:avLst/>
-        </a:prstGeom>
-        <a:solidFill>
-          <a:schemeClr val="accent1">
-            <a:hueOff val="0"/>
-            <a:satOff val="0"/>
-            <a:lumOff val="0"/>
-            <a:alphaOff val="0"/>
-          </a:schemeClr>
-        </a:solidFill>
-        <a:ln w="12700" cap="flat" cmpd="sng" algn="ctr">
-          <a:solidFill>
-            <a:schemeClr val="lt1">
-              <a:hueOff val="0"/>
-              <a:satOff val="0"/>
-              <a:lumOff val="0"/>
-              <a:alphaOff val="0"/>
-            </a:schemeClr>
-          </a:solidFill>
-          <a:prstDash val="solid"/>
-          <a:miter lim="800000"/>
-        </a:ln>
-        <a:effectLst/>
-      </dsp:spPr>
-      <dsp:style>
-        <a:lnRef idx="2">
-          <a:scrgbClr r="0" g="0" b="0"/>
-        </a:lnRef>
-        <a:fillRef idx="1">
-          <a:scrgbClr r="0" g="0" b="0"/>
-        </a:fillRef>
-        <a:effectRef idx="0">
-          <a:scrgbClr r="0" g="0" b="0"/>
-        </a:effectRef>
-        <a:fontRef idx="minor">
-          <a:schemeClr val="lt1"/>
-        </a:fontRef>
-      </dsp:style>
-      <dsp:txBody>
-        <a:bodyPr spcFirstLastPara="0" vert="horz" wrap="square" lIns="12065" tIns="12065" rIns="12065" bIns="146924" numCol="1" spcCol="1270" anchor="ctr" anchorCtr="0">
-          <a:noAutofit/>
-        </a:bodyPr>
-        <a:lstStyle/>
-        <a:p>
-          <a:pPr lvl="0" algn="ctr" defTabSz="844550">
-            <a:lnSpc>
-              <a:spcPct val="90000"/>
-            </a:lnSpc>
-            <a:spcBef>
-              <a:spcPct val="0"/>
-            </a:spcBef>
-            <a:spcAft>
-              <a:spcPct val="35000"/>
-            </a:spcAft>
-          </a:pPr>
-          <a:r>
-            <a:rPr lang="de-DE" sz="1900" kern="1200" dirty="0"/>
-            <a:t>Webdesigner</a:t>
-          </a:r>
-        </a:p>
-      </dsp:txBody>
-      <dsp:txXfrm>
-        <a:off x="5500745" y="2418614"/>
-        <a:ext cx="2010976" cy="1041194"/>
-      </dsp:txXfrm>
-    </dsp:sp>
-    <dsp:sp modelId="{210698F5-CF27-4953-810C-44A846F5EE01}">
-      <dsp:nvSpPr>
-        <dsp:cNvPr id="0" name=""/>
-        <dsp:cNvSpPr/>
-      </dsp:nvSpPr>
-      <dsp:spPr>
-        <a:xfrm>
-          <a:off x="5902940" y="3228432"/>
-          <a:ext cx="1809878" cy="347064"/>
-        </a:xfrm>
-        <a:prstGeom prst="rect">
-          <a:avLst/>
-        </a:prstGeom>
-        <a:solidFill>
-          <a:schemeClr val="lt1">
-            <a:alpha val="90000"/>
-            <a:hueOff val="0"/>
-            <a:satOff val="0"/>
-            <a:lumOff val="0"/>
-            <a:alphaOff val="0"/>
-          </a:schemeClr>
-        </a:solidFill>
-        <a:ln w="12700" cap="flat" cmpd="sng" algn="ctr">
-          <a:solidFill>
-            <a:schemeClr val="accent1">
-              <a:hueOff val="0"/>
-              <a:satOff val="0"/>
-              <a:lumOff val="0"/>
-              <a:alphaOff val="0"/>
-            </a:schemeClr>
-          </a:solidFill>
-          <a:prstDash val="solid"/>
-          <a:miter lim="800000"/>
-        </a:ln>
-        <a:effectLst/>
-      </dsp:spPr>
-      <dsp:style>
-        <a:lnRef idx="2">
-          <a:scrgbClr r="0" g="0" b="0"/>
-        </a:lnRef>
-        <a:fillRef idx="1">
-          <a:scrgbClr r="0" g="0" b="0"/>
-        </a:fillRef>
-        <a:effectRef idx="0">
-          <a:scrgbClr r="0" g="0" b="0"/>
-        </a:effectRef>
-        <a:fontRef idx="minor"/>
-      </dsp:style>
-      <dsp:txBody>
-        <a:bodyPr spcFirstLastPara="0" vert="horz" wrap="square" lIns="27940" tIns="6985" rIns="27940" bIns="6985" numCol="1" spcCol="1270" anchor="ctr" anchorCtr="0">
-          <a:noAutofit/>
-        </a:bodyPr>
-        <a:lstStyle/>
-        <a:p>
-          <a:pPr lvl="0" algn="r" defTabSz="488950">
-            <a:lnSpc>
-              <a:spcPct val="90000"/>
-            </a:lnSpc>
-            <a:spcBef>
-              <a:spcPct val="0"/>
-            </a:spcBef>
-            <a:spcAft>
-              <a:spcPct val="35000"/>
-            </a:spcAft>
-          </a:pPr>
-          <a:r>
-            <a:rPr lang="de-DE" sz="1100" kern="1200" dirty="0"/>
-            <a:t>Meldet abgeschlossene Aufgaben zurück</a:t>
-          </a:r>
-        </a:p>
-      </dsp:txBody>
-      <dsp:txXfrm>
-        <a:off x="5902940" y="3228432"/>
-        <a:ext cx="1809878" cy="347064"/>
-      </dsp:txXfrm>
-    </dsp:sp>
-    <dsp:sp modelId="{B7BCBAAF-BA9A-4699-B2A1-DF69996325E1}">
-      <dsp:nvSpPr>
-        <dsp:cNvPr id="0" name=""/>
-        <dsp:cNvSpPr/>
-      </dsp:nvSpPr>
-      <dsp:spPr>
-        <a:xfrm>
-          <a:off x="8198710" y="2418614"/>
-          <a:ext cx="2010976" cy="1041194"/>
-        </a:xfrm>
-        <a:prstGeom prst="rect">
-          <a:avLst/>
-        </a:prstGeom>
-        <a:solidFill>
-          <a:schemeClr val="accent1">
-            <a:hueOff val="0"/>
-            <a:satOff val="0"/>
-            <a:lumOff val="0"/>
-            <a:alphaOff val="0"/>
-          </a:schemeClr>
-        </a:solidFill>
-        <a:ln w="12700" cap="flat" cmpd="sng" algn="ctr">
-          <a:solidFill>
-            <a:schemeClr val="lt1">
-              <a:hueOff val="0"/>
-              <a:satOff val="0"/>
-              <a:lumOff val="0"/>
-              <a:alphaOff val="0"/>
-            </a:schemeClr>
-          </a:solidFill>
-          <a:prstDash val="solid"/>
-          <a:miter lim="800000"/>
-        </a:ln>
-        <a:effectLst/>
-      </dsp:spPr>
-      <dsp:style>
-        <a:lnRef idx="2">
-          <a:scrgbClr r="0" g="0" b="0"/>
-        </a:lnRef>
-        <a:fillRef idx="1">
-          <a:scrgbClr r="0" g="0" b="0"/>
-        </a:fillRef>
-        <a:effectRef idx="0">
-          <a:scrgbClr r="0" g="0" b="0"/>
-        </a:effectRef>
-        <a:fontRef idx="minor">
-          <a:schemeClr val="lt1"/>
-        </a:fontRef>
-      </dsp:style>
-      <dsp:txBody>
-        <a:bodyPr spcFirstLastPara="0" vert="horz" wrap="square" lIns="12065" tIns="12065" rIns="12065" bIns="146924" numCol="1" spcCol="1270" anchor="ctr" anchorCtr="0">
-          <a:noAutofit/>
-        </a:bodyPr>
-        <a:lstStyle/>
-        <a:p>
-          <a:pPr lvl="0" algn="ctr" defTabSz="844550">
-            <a:lnSpc>
-              <a:spcPct val="90000"/>
-            </a:lnSpc>
-            <a:spcBef>
-              <a:spcPct val="0"/>
-            </a:spcBef>
-            <a:spcAft>
-              <a:spcPct val="35000"/>
-            </a:spcAft>
-          </a:pPr>
-          <a:r>
-            <a:rPr lang="de-DE" sz="1900" kern="1200" dirty="0"/>
-            <a:t>Programmierer</a:t>
-          </a:r>
-        </a:p>
-      </dsp:txBody>
-      <dsp:txXfrm>
-        <a:off x="8198710" y="2418614"/>
-        <a:ext cx="2010976" cy="1041194"/>
-      </dsp:txXfrm>
-    </dsp:sp>
-    <dsp:sp modelId="{52B6D15F-3B47-4570-B14B-B91C71FCECDE}">
-      <dsp:nvSpPr>
-        <dsp:cNvPr id="0" name=""/>
-        <dsp:cNvSpPr/>
-      </dsp:nvSpPr>
-      <dsp:spPr>
-        <a:xfrm>
-          <a:off x="8600905" y="3228432"/>
-          <a:ext cx="1809878" cy="347064"/>
-        </a:xfrm>
-        <a:prstGeom prst="rect">
-          <a:avLst/>
-        </a:prstGeom>
-        <a:solidFill>
-          <a:schemeClr val="lt1">
-            <a:alpha val="90000"/>
-            <a:hueOff val="0"/>
-            <a:satOff val="0"/>
-            <a:lumOff val="0"/>
-            <a:alphaOff val="0"/>
-          </a:schemeClr>
-        </a:solidFill>
-        <a:ln w="12700" cap="flat" cmpd="sng" algn="ctr">
-          <a:solidFill>
-            <a:schemeClr val="accent1">
-              <a:hueOff val="0"/>
-              <a:satOff val="0"/>
-              <a:lumOff val="0"/>
-              <a:alphaOff val="0"/>
-            </a:schemeClr>
-          </a:solidFill>
-          <a:prstDash val="solid"/>
-          <a:miter lim="800000"/>
-        </a:ln>
-        <a:effectLst/>
-      </dsp:spPr>
-      <dsp:style>
-        <a:lnRef idx="2">
-          <a:scrgbClr r="0" g="0" b="0"/>
-        </a:lnRef>
-        <a:fillRef idx="1">
-          <a:scrgbClr r="0" g="0" b="0"/>
-        </a:fillRef>
-        <a:effectRef idx="0">
-          <a:scrgbClr r="0" g="0" b="0"/>
-        </a:effectRef>
-        <a:fontRef idx="minor"/>
-      </dsp:style>
-      <dsp:txBody>
-        <a:bodyPr spcFirstLastPara="0" vert="horz" wrap="square" lIns="27940" tIns="6985" rIns="27940" bIns="6985" numCol="1" spcCol="1270" anchor="ctr" anchorCtr="0">
-          <a:noAutofit/>
-        </a:bodyPr>
-        <a:lstStyle/>
-        <a:p>
-          <a:pPr lvl="0" algn="r" defTabSz="488950">
-            <a:lnSpc>
-              <a:spcPct val="90000"/>
-            </a:lnSpc>
-            <a:spcBef>
-              <a:spcPct val="0"/>
-            </a:spcBef>
-            <a:spcAft>
-              <a:spcPct val="35000"/>
-            </a:spcAft>
-          </a:pPr>
-          <a:r>
-            <a:rPr lang="de-DE" sz="1100" kern="1200" dirty="0"/>
-            <a:t>Meldet abgeschlossene Aufgaben zurück</a:t>
-          </a:r>
-        </a:p>
-      </dsp:txBody>
-      <dsp:txXfrm>
-        <a:off x="8600905" y="3228432"/>
-        <a:ext cx="1809878" cy="347064"/>
-      </dsp:txXfrm>
-    </dsp:sp>
   </dsp:spTree>
 </dsp:drawing>
 </file>
@@ -7090,396 +5334,6 @@
       <dsp:cNvGrpSpPr/>
     </dsp:nvGrpSpPr>
     <dsp:grpSpPr/>
-    <dsp:sp modelId="{2BF15467-0E49-4845-904D-0CEFB46FA313}">
-      <dsp:nvSpPr>
-        <dsp:cNvPr id="0" name=""/>
-        <dsp:cNvSpPr/>
-      </dsp:nvSpPr>
-      <dsp:spPr>
-        <a:xfrm>
-          <a:off x="0" y="39687"/>
-          <a:ext cx="3286125" cy="1971675"/>
-        </a:xfrm>
-        <a:prstGeom prst="rect">
-          <a:avLst/>
-        </a:prstGeom>
-        <a:solidFill>
-          <a:schemeClr val="accent1">
-            <a:hueOff val="0"/>
-            <a:satOff val="0"/>
-            <a:lumOff val="0"/>
-            <a:alphaOff val="0"/>
-          </a:schemeClr>
-        </a:solidFill>
-        <a:ln w="12700" cap="flat" cmpd="sng" algn="ctr">
-          <a:solidFill>
-            <a:schemeClr val="lt1">
-              <a:hueOff val="0"/>
-              <a:satOff val="0"/>
-              <a:lumOff val="0"/>
-              <a:alphaOff val="0"/>
-            </a:schemeClr>
-          </a:solidFill>
-          <a:prstDash val="solid"/>
-          <a:miter lim="800000"/>
-        </a:ln>
-        <a:effectLst/>
-      </dsp:spPr>
-      <dsp:style>
-        <a:lnRef idx="2">
-          <a:scrgbClr r="0" g="0" b="0"/>
-        </a:lnRef>
-        <a:fillRef idx="1">
-          <a:scrgbClr r="0" g="0" b="0"/>
-        </a:fillRef>
-        <a:effectRef idx="0">
-          <a:scrgbClr r="0" g="0" b="0"/>
-        </a:effectRef>
-        <a:fontRef idx="minor">
-          <a:schemeClr val="lt1"/>
-        </a:fontRef>
-      </dsp:style>
-      <dsp:txBody>
-        <a:bodyPr spcFirstLastPara="0" vert="horz" wrap="square" lIns="137160" tIns="137160" rIns="137160" bIns="137160" numCol="1" spcCol="1270" anchor="ctr" anchorCtr="0">
-          <a:noAutofit/>
-        </a:bodyPr>
-        <a:lstStyle/>
-        <a:p>
-          <a:pPr lvl="0" algn="ctr" defTabSz="1600200">
-            <a:lnSpc>
-              <a:spcPct val="90000"/>
-            </a:lnSpc>
-            <a:spcBef>
-              <a:spcPct val="0"/>
-            </a:spcBef>
-            <a:spcAft>
-              <a:spcPct val="35000"/>
-            </a:spcAft>
-          </a:pPr>
-          <a:r>
-            <a:rPr lang="de-DE" sz="3600" kern="1200" dirty="0" smtClean="0"/>
-            <a:t>Datensicherheit</a:t>
-          </a:r>
-          <a:endParaRPr lang="de-DE" sz="3600" kern="1200" dirty="0"/>
-        </a:p>
-      </dsp:txBody>
-      <dsp:txXfrm>
-        <a:off x="0" y="39687"/>
-        <a:ext cx="3286125" cy="1971675"/>
-      </dsp:txXfrm>
-    </dsp:sp>
-    <dsp:sp modelId="{0188721D-6F1B-4B02-9F54-119E56EAB73C}">
-      <dsp:nvSpPr>
-        <dsp:cNvPr id="0" name=""/>
-        <dsp:cNvSpPr/>
-      </dsp:nvSpPr>
-      <dsp:spPr>
-        <a:xfrm>
-          <a:off x="3614737" y="39687"/>
-          <a:ext cx="3286125" cy="1971675"/>
-        </a:xfrm>
-        <a:prstGeom prst="rect">
-          <a:avLst/>
-        </a:prstGeom>
-        <a:solidFill>
-          <a:schemeClr val="accent1">
-            <a:hueOff val="0"/>
-            <a:satOff val="0"/>
-            <a:lumOff val="0"/>
-            <a:alphaOff val="0"/>
-          </a:schemeClr>
-        </a:solidFill>
-        <a:ln w="12700" cap="flat" cmpd="sng" algn="ctr">
-          <a:solidFill>
-            <a:schemeClr val="lt1">
-              <a:hueOff val="0"/>
-              <a:satOff val="0"/>
-              <a:lumOff val="0"/>
-              <a:alphaOff val="0"/>
-            </a:schemeClr>
-          </a:solidFill>
-          <a:prstDash val="solid"/>
-          <a:miter lim="800000"/>
-        </a:ln>
-        <a:effectLst/>
-      </dsp:spPr>
-      <dsp:style>
-        <a:lnRef idx="2">
-          <a:scrgbClr r="0" g="0" b="0"/>
-        </a:lnRef>
-        <a:fillRef idx="1">
-          <a:scrgbClr r="0" g="0" b="0"/>
-        </a:fillRef>
-        <a:effectRef idx="0">
-          <a:scrgbClr r="0" g="0" b="0"/>
-        </a:effectRef>
-        <a:fontRef idx="minor">
-          <a:schemeClr val="lt1"/>
-        </a:fontRef>
-      </dsp:style>
-      <dsp:txBody>
-        <a:bodyPr spcFirstLastPara="0" vert="horz" wrap="square" lIns="137160" tIns="137160" rIns="137160" bIns="137160" numCol="1" spcCol="1270" anchor="ctr" anchorCtr="0">
-          <a:noAutofit/>
-        </a:bodyPr>
-        <a:lstStyle/>
-        <a:p>
-          <a:pPr lvl="0" algn="ctr" defTabSz="1600200">
-            <a:lnSpc>
-              <a:spcPct val="90000"/>
-            </a:lnSpc>
-            <a:spcBef>
-              <a:spcPct val="0"/>
-            </a:spcBef>
-            <a:spcAft>
-              <a:spcPct val="35000"/>
-            </a:spcAft>
-          </a:pPr>
-          <a:r>
-            <a:rPr lang="de-DE" sz="3600" kern="1200" dirty="0" smtClean="0"/>
-            <a:t>Datenschutz</a:t>
-          </a:r>
-          <a:endParaRPr lang="de-DE" sz="3600" kern="1200" dirty="0"/>
-        </a:p>
-      </dsp:txBody>
-      <dsp:txXfrm>
-        <a:off x="3614737" y="39687"/>
-        <a:ext cx="3286125" cy="1971675"/>
-      </dsp:txXfrm>
-    </dsp:sp>
-    <dsp:sp modelId="{0457ED69-F464-4661-BE61-A8DCC985B01C}">
-      <dsp:nvSpPr>
-        <dsp:cNvPr id="0" name=""/>
-        <dsp:cNvSpPr/>
-      </dsp:nvSpPr>
-      <dsp:spPr>
-        <a:xfrm>
-          <a:off x="7229475" y="39687"/>
-          <a:ext cx="3286125" cy="1971675"/>
-        </a:xfrm>
-        <a:prstGeom prst="rect">
-          <a:avLst/>
-        </a:prstGeom>
-        <a:solidFill>
-          <a:schemeClr val="accent1">
-            <a:hueOff val="0"/>
-            <a:satOff val="0"/>
-            <a:lumOff val="0"/>
-            <a:alphaOff val="0"/>
-          </a:schemeClr>
-        </a:solidFill>
-        <a:ln w="12700" cap="flat" cmpd="sng" algn="ctr">
-          <a:solidFill>
-            <a:schemeClr val="lt1">
-              <a:hueOff val="0"/>
-              <a:satOff val="0"/>
-              <a:lumOff val="0"/>
-              <a:alphaOff val="0"/>
-            </a:schemeClr>
-          </a:solidFill>
-          <a:prstDash val="solid"/>
-          <a:miter lim="800000"/>
-        </a:ln>
-        <a:effectLst/>
-      </dsp:spPr>
-      <dsp:style>
-        <a:lnRef idx="2">
-          <a:scrgbClr r="0" g="0" b="0"/>
-        </a:lnRef>
-        <a:fillRef idx="1">
-          <a:scrgbClr r="0" g="0" b="0"/>
-        </a:fillRef>
-        <a:effectRef idx="0">
-          <a:scrgbClr r="0" g="0" b="0"/>
-        </a:effectRef>
-        <a:fontRef idx="minor">
-          <a:schemeClr val="lt1"/>
-        </a:fontRef>
-      </dsp:style>
-      <dsp:txBody>
-        <a:bodyPr spcFirstLastPara="0" vert="horz" wrap="square" lIns="137160" tIns="137160" rIns="137160" bIns="137160" numCol="1" spcCol="1270" anchor="ctr" anchorCtr="0">
-          <a:noAutofit/>
-        </a:bodyPr>
-        <a:lstStyle/>
-        <a:p>
-          <a:pPr lvl="0" algn="ctr" defTabSz="1600200">
-            <a:lnSpc>
-              <a:spcPct val="90000"/>
-            </a:lnSpc>
-            <a:spcBef>
-              <a:spcPct val="0"/>
-            </a:spcBef>
-            <a:spcAft>
-              <a:spcPct val="35000"/>
-            </a:spcAft>
-          </a:pPr>
-          <a:r>
-            <a:rPr lang="de-DE" sz="3600" kern="1200" dirty="0" smtClean="0"/>
-            <a:t>Datenintegrität</a:t>
-          </a:r>
-          <a:endParaRPr lang="de-DE" sz="3600" kern="1200" dirty="0"/>
-        </a:p>
-      </dsp:txBody>
-      <dsp:txXfrm>
-        <a:off x="7229475" y="39687"/>
-        <a:ext cx="3286125" cy="1971675"/>
-      </dsp:txXfrm>
-    </dsp:sp>
-    <dsp:sp modelId="{C844A2F7-2701-4C05-ADAA-D6779AC6B298}">
-      <dsp:nvSpPr>
-        <dsp:cNvPr id="0" name=""/>
-        <dsp:cNvSpPr/>
-      </dsp:nvSpPr>
-      <dsp:spPr>
-        <a:xfrm>
-          <a:off x="1807368" y="2339975"/>
-          <a:ext cx="3286125" cy="1971675"/>
-        </a:xfrm>
-        <a:prstGeom prst="rect">
-          <a:avLst/>
-        </a:prstGeom>
-        <a:solidFill>
-          <a:schemeClr val="accent1">
-            <a:hueOff val="0"/>
-            <a:satOff val="0"/>
-            <a:lumOff val="0"/>
-            <a:alphaOff val="0"/>
-          </a:schemeClr>
-        </a:solidFill>
-        <a:ln w="12700" cap="flat" cmpd="sng" algn="ctr">
-          <a:solidFill>
-            <a:schemeClr val="lt1">
-              <a:hueOff val="0"/>
-              <a:satOff val="0"/>
-              <a:lumOff val="0"/>
-              <a:alphaOff val="0"/>
-            </a:schemeClr>
-          </a:solidFill>
-          <a:prstDash val="solid"/>
-          <a:miter lim="800000"/>
-        </a:ln>
-        <a:effectLst/>
-      </dsp:spPr>
-      <dsp:style>
-        <a:lnRef idx="2">
-          <a:scrgbClr r="0" g="0" b="0"/>
-        </a:lnRef>
-        <a:fillRef idx="1">
-          <a:scrgbClr r="0" g="0" b="0"/>
-        </a:fillRef>
-        <a:effectRef idx="0">
-          <a:scrgbClr r="0" g="0" b="0"/>
-        </a:effectRef>
-        <a:fontRef idx="minor">
-          <a:schemeClr val="lt1"/>
-        </a:fontRef>
-      </dsp:style>
-      <dsp:txBody>
-        <a:bodyPr spcFirstLastPara="0" vert="horz" wrap="square" lIns="137160" tIns="137160" rIns="137160" bIns="137160" numCol="1" spcCol="1270" anchor="ctr" anchorCtr="0">
-          <a:noAutofit/>
-        </a:bodyPr>
-        <a:lstStyle/>
-        <a:p>
-          <a:pPr lvl="0" algn="ctr" defTabSz="1600200">
-            <a:lnSpc>
-              <a:spcPct val="90000"/>
-            </a:lnSpc>
-            <a:spcBef>
-              <a:spcPct val="0"/>
-            </a:spcBef>
-            <a:spcAft>
-              <a:spcPct val="35000"/>
-            </a:spcAft>
-          </a:pPr>
-          <a:r>
-            <a:rPr lang="de-DE" sz="3600" kern="1200" dirty="0" smtClean="0"/>
-            <a:t>Benutzerrechte</a:t>
-          </a:r>
-          <a:endParaRPr lang="de-DE" sz="3600" kern="1200" dirty="0"/>
-        </a:p>
-      </dsp:txBody>
-      <dsp:txXfrm>
-        <a:off x="1807368" y="2339975"/>
-        <a:ext cx="3286125" cy="1971675"/>
-      </dsp:txXfrm>
-    </dsp:sp>
-    <dsp:sp modelId="{30A65BC7-4BFD-43AA-925D-03AB4AEE013B}">
-      <dsp:nvSpPr>
-        <dsp:cNvPr id="0" name=""/>
-        <dsp:cNvSpPr/>
-      </dsp:nvSpPr>
-      <dsp:spPr>
-        <a:xfrm>
-          <a:off x="5422106" y="2339975"/>
-          <a:ext cx="3286125" cy="1971675"/>
-        </a:xfrm>
-        <a:prstGeom prst="rect">
-          <a:avLst/>
-        </a:prstGeom>
-        <a:solidFill>
-          <a:schemeClr val="accent1">
-            <a:hueOff val="0"/>
-            <a:satOff val="0"/>
-            <a:lumOff val="0"/>
-            <a:alphaOff val="0"/>
-          </a:schemeClr>
-        </a:solidFill>
-        <a:ln w="12700" cap="flat" cmpd="sng" algn="ctr">
-          <a:solidFill>
-            <a:schemeClr val="lt1">
-              <a:hueOff val="0"/>
-              <a:satOff val="0"/>
-              <a:lumOff val="0"/>
-              <a:alphaOff val="0"/>
-            </a:schemeClr>
-          </a:solidFill>
-          <a:prstDash val="solid"/>
-          <a:miter lim="800000"/>
-        </a:ln>
-        <a:effectLst/>
-      </dsp:spPr>
-      <dsp:style>
-        <a:lnRef idx="2">
-          <a:scrgbClr r="0" g="0" b="0"/>
-        </a:lnRef>
-        <a:fillRef idx="1">
-          <a:scrgbClr r="0" g="0" b="0"/>
-        </a:fillRef>
-        <a:effectRef idx="0">
-          <a:scrgbClr r="0" g="0" b="0"/>
-        </a:effectRef>
-        <a:fontRef idx="minor">
-          <a:schemeClr val="lt1"/>
-        </a:fontRef>
-      </dsp:style>
-      <dsp:txBody>
-        <a:bodyPr spcFirstLastPara="0" vert="horz" wrap="square" lIns="137160" tIns="137160" rIns="137160" bIns="137160" numCol="1" spcCol="1270" anchor="ctr" anchorCtr="0">
-          <a:noAutofit/>
-        </a:bodyPr>
-        <a:lstStyle/>
-        <a:p>
-          <a:pPr lvl="0" algn="ctr" defTabSz="1600200">
-            <a:lnSpc>
-              <a:spcPct val="90000"/>
-            </a:lnSpc>
-            <a:spcBef>
-              <a:spcPct val="0"/>
-            </a:spcBef>
-            <a:spcAft>
-              <a:spcPct val="35000"/>
-            </a:spcAft>
-          </a:pPr>
-          <a:r>
-            <a:rPr lang="de-DE" sz="3600" kern="1200" dirty="0" smtClean="0"/>
-            <a:t>Gesetze</a:t>
-          </a:r>
-          <a:endParaRPr lang="de-DE" sz="3600" kern="1200" dirty="0"/>
-        </a:p>
-      </dsp:txBody>
-      <dsp:txXfrm>
-        <a:off x="5422106" y="2339975"/>
-        <a:ext cx="3286125" cy="1971675"/>
-      </dsp:txXfrm>
-    </dsp:sp>
   </dsp:spTree>
 </dsp:drawing>
 </file>
@@ -18610,6 +16464,1780 @@
           <a:p>
             <a:r>
               <a:rPr lang="de-DE" dirty="0"/>
+              <a:t>Chancen / Risiko Portfolio</a:t>
+            </a:r>
+          </a:p>
+        </p:txBody>
+      </p:sp>
+      <p:graphicFrame>
+        <p:nvGraphicFramePr>
+          <p:cNvPr id="6" name="Inhaltsplatzhalter 5"/>
+          <p:cNvGraphicFramePr>
+            <a:graphicFrameLocks noGrp="1"/>
+          </p:cNvGraphicFramePr>
+          <p:nvPr>
+            <p:ph idx="1"/>
+            <p:extLst/>
+          </p:nvPr>
+        </p:nvGraphicFramePr>
+        <p:xfrm>
+          <a:off x="838200" y="1825622"/>
+          <a:ext cx="10515600" cy="4735815"/>
+        </p:xfrm>
+        <a:graphic>
+          <a:graphicData uri="http://schemas.openxmlformats.org/drawingml/2006/table">
+            <a:tbl>
+              <a:tblPr firstRow="1" bandRow="1">
+                <a:tableStyleId>{5C22544A-7EE6-4342-B048-85BDC9FD1C3A}</a:tableStyleId>
+              </a:tblPr>
+              <a:tblGrid>
+                <a:gridCol w="2103120">
+                  <a:extLst>
+                    <a:ext uri="{9D8B030D-6E8A-4147-A177-3AD203B41FA5}">
+                      <a16:colId xmlns:a16="http://schemas.microsoft.com/office/drawing/2014/main" xmlns="" val="8867888"/>
+                    </a:ext>
+                  </a:extLst>
+                </a:gridCol>
+                <a:gridCol w="2103120">
+                  <a:extLst>
+                    <a:ext uri="{9D8B030D-6E8A-4147-A177-3AD203B41FA5}">
+                      <a16:colId xmlns:a16="http://schemas.microsoft.com/office/drawing/2014/main" xmlns="" val="1260557612"/>
+                    </a:ext>
+                  </a:extLst>
+                </a:gridCol>
+                <a:gridCol w="2103120">
+                  <a:extLst>
+                    <a:ext uri="{9D8B030D-6E8A-4147-A177-3AD203B41FA5}">
+                      <a16:colId xmlns:a16="http://schemas.microsoft.com/office/drawing/2014/main" xmlns="" val="1768088843"/>
+                    </a:ext>
+                  </a:extLst>
+                </a:gridCol>
+                <a:gridCol w="2103120">
+                  <a:extLst>
+                    <a:ext uri="{9D8B030D-6E8A-4147-A177-3AD203B41FA5}">
+                      <a16:colId xmlns:a16="http://schemas.microsoft.com/office/drawing/2014/main" xmlns="" val="2592898585"/>
+                    </a:ext>
+                  </a:extLst>
+                </a:gridCol>
+                <a:gridCol w="2103120">
+                  <a:extLst>
+                    <a:ext uri="{9D8B030D-6E8A-4147-A177-3AD203B41FA5}">
+                      <a16:colId xmlns:a16="http://schemas.microsoft.com/office/drawing/2014/main" xmlns="" val="3051220917"/>
+                    </a:ext>
+                  </a:extLst>
+                </a:gridCol>
+              </a:tblGrid>
+              <a:tr h="947163">
+                <a:tc>
+                  <a:txBody>
+                    <a:bodyPr/>
+                    <a:lstStyle/>
+                    <a:p>
+                      <a:r>
+                        <a:rPr lang="de-DE" sz="1800" b="0" dirty="0">
+                          <a:solidFill>
+                            <a:sysClr val="windowText" lastClr="000000"/>
+                          </a:solidFill>
+                        </a:rPr>
+                        <a:t>hoch</a:t>
+                      </a:r>
+                    </a:p>
+                  </a:txBody>
+                  <a:tcPr>
+                    <a:lnL w="12700" cap="flat" cmpd="sng" algn="ctr">
+                      <a:noFill/>
+                      <a:prstDash val="solid"/>
+                      <a:round/>
+                      <a:headEnd type="none" w="med" len="med"/>
+                      <a:tailEnd type="none" w="med" len="med"/>
+                    </a:lnL>
+                    <a:lnR w="12700" cap="flat" cmpd="sng" algn="ctr">
+                      <a:solidFill>
+                        <a:schemeClr val="tx1"/>
+                      </a:solidFill>
+                      <a:prstDash val="solid"/>
+                      <a:round/>
+                      <a:headEnd type="none" w="med" len="med"/>
+                      <a:tailEnd type="none" w="med" len="med"/>
+                    </a:lnR>
+                    <a:lnT w="12700" cap="flat" cmpd="sng" algn="ctr">
+                      <a:noFill/>
+                      <a:prstDash val="solid"/>
+                      <a:round/>
+                      <a:headEnd type="none" w="med" len="med"/>
+                      <a:tailEnd type="none" w="med" len="med"/>
+                    </a:lnT>
+                    <a:lnB w="12700" cap="flat" cmpd="sng" algn="ctr">
+                      <a:noFill/>
+                      <a:prstDash val="solid"/>
+                      <a:round/>
+                      <a:headEnd type="none" w="med" len="med"/>
+                      <a:tailEnd type="none" w="med" len="med"/>
+                    </a:lnB>
+                    <a:lnTlToBr w="12700" cmpd="sng">
+                      <a:noFill/>
+                      <a:prstDash val="solid"/>
+                    </a:lnTlToBr>
+                    <a:lnBlToTr w="12700" cmpd="sng">
+                      <a:noFill/>
+                      <a:prstDash val="solid"/>
+                    </a:lnBlToTr>
+                    <a:solidFill>
+                      <a:schemeClr val="bg1"/>
+                    </a:solidFill>
+                  </a:tcPr>
+                </a:tc>
+                <a:tc>
+                  <a:txBody>
+                    <a:bodyPr/>
+                    <a:lstStyle/>
+                    <a:p>
+                      <a:endParaRPr lang="de-DE" sz="1800" b="0" dirty="0"/>
+                    </a:p>
+                  </a:txBody>
+                  <a:tcPr>
+                    <a:lnL w="12700" cap="flat" cmpd="sng" algn="ctr">
+                      <a:solidFill>
+                        <a:schemeClr val="tx1"/>
+                      </a:solidFill>
+                      <a:prstDash val="solid"/>
+                      <a:round/>
+                      <a:headEnd type="none" w="med" len="med"/>
+                      <a:tailEnd type="none" w="med" len="med"/>
+                    </a:lnL>
+                    <a:lnR w="12700" cap="flat" cmpd="sng" algn="ctr">
+                      <a:solidFill>
+                        <a:schemeClr val="tx1"/>
+                      </a:solidFill>
+                      <a:prstDash val="solid"/>
+                      <a:round/>
+                      <a:headEnd type="none" w="med" len="med"/>
+                      <a:tailEnd type="none" w="med" len="med"/>
+                    </a:lnR>
+                    <a:lnT w="12700" cap="flat" cmpd="sng" algn="ctr">
+                      <a:solidFill>
+                        <a:schemeClr val="tx1"/>
+                      </a:solidFill>
+                      <a:prstDash val="solid"/>
+                      <a:round/>
+                      <a:headEnd type="none" w="med" len="med"/>
+                      <a:tailEnd type="none" w="med" len="med"/>
+                    </a:lnT>
+                    <a:lnB w="12700" cap="flat" cmpd="sng" algn="ctr">
+                      <a:solidFill>
+                        <a:schemeClr val="tx1"/>
+                      </a:solidFill>
+                      <a:prstDash val="solid"/>
+                      <a:round/>
+                      <a:headEnd type="none" w="med" len="med"/>
+                      <a:tailEnd type="none" w="med" len="med"/>
+                    </a:lnB>
+                    <a:solidFill>
+                      <a:schemeClr val="bg1"/>
+                    </a:solidFill>
+                  </a:tcPr>
+                </a:tc>
+                <a:tc>
+                  <a:txBody>
+                    <a:bodyPr/>
+                    <a:lstStyle/>
+                    <a:p>
+                      <a:endParaRPr lang="de-DE" sz="1800" b="0"/>
+                    </a:p>
+                  </a:txBody>
+                  <a:tcPr>
+                    <a:lnL w="12700" cap="flat" cmpd="sng" algn="ctr">
+                      <a:solidFill>
+                        <a:schemeClr val="tx1"/>
+                      </a:solidFill>
+                      <a:prstDash val="solid"/>
+                      <a:round/>
+                      <a:headEnd type="none" w="med" len="med"/>
+                      <a:tailEnd type="none" w="med" len="med"/>
+                    </a:lnL>
+                    <a:lnR w="12700" cap="flat" cmpd="sng" algn="ctr">
+                      <a:solidFill>
+                        <a:schemeClr val="tx1"/>
+                      </a:solidFill>
+                      <a:prstDash val="solid"/>
+                      <a:round/>
+                      <a:headEnd type="none" w="med" len="med"/>
+                      <a:tailEnd type="none" w="med" len="med"/>
+                    </a:lnR>
+                    <a:lnT w="12700" cap="flat" cmpd="sng" algn="ctr">
+                      <a:solidFill>
+                        <a:schemeClr val="tx1"/>
+                      </a:solidFill>
+                      <a:prstDash val="solid"/>
+                      <a:round/>
+                      <a:headEnd type="none" w="med" len="med"/>
+                      <a:tailEnd type="none" w="med" len="med"/>
+                    </a:lnT>
+                    <a:lnB w="12700" cap="flat" cmpd="sng" algn="ctr">
+                      <a:solidFill>
+                        <a:schemeClr val="tx1"/>
+                      </a:solidFill>
+                      <a:prstDash val="solid"/>
+                      <a:round/>
+                      <a:headEnd type="none" w="med" len="med"/>
+                      <a:tailEnd type="none" w="med" len="med"/>
+                    </a:lnB>
+                    <a:solidFill>
+                      <a:schemeClr val="bg1"/>
+                    </a:solidFill>
+                  </a:tcPr>
+                </a:tc>
+                <a:tc>
+                  <a:txBody>
+                    <a:bodyPr/>
+                    <a:lstStyle/>
+                    <a:p>
+                      <a:endParaRPr lang="de-DE" sz="1800" b="0"/>
+                    </a:p>
+                  </a:txBody>
+                  <a:tcPr>
+                    <a:lnL w="12700" cap="flat" cmpd="sng" algn="ctr">
+                      <a:solidFill>
+                        <a:schemeClr val="tx1"/>
+                      </a:solidFill>
+                      <a:prstDash val="solid"/>
+                      <a:round/>
+                      <a:headEnd type="none" w="med" len="med"/>
+                      <a:tailEnd type="none" w="med" len="med"/>
+                    </a:lnL>
+                    <a:lnR w="12700" cap="flat" cmpd="sng" algn="ctr">
+                      <a:solidFill>
+                        <a:schemeClr val="tx1"/>
+                      </a:solidFill>
+                      <a:prstDash val="solid"/>
+                      <a:round/>
+                      <a:headEnd type="none" w="med" len="med"/>
+                      <a:tailEnd type="none" w="med" len="med"/>
+                    </a:lnR>
+                    <a:lnT w="12700" cap="flat" cmpd="sng" algn="ctr">
+                      <a:solidFill>
+                        <a:schemeClr val="tx1"/>
+                      </a:solidFill>
+                      <a:prstDash val="solid"/>
+                      <a:round/>
+                      <a:headEnd type="none" w="med" len="med"/>
+                      <a:tailEnd type="none" w="med" len="med"/>
+                    </a:lnT>
+                    <a:lnB w="12700" cap="flat" cmpd="sng" algn="ctr">
+                      <a:solidFill>
+                        <a:schemeClr val="tx1"/>
+                      </a:solidFill>
+                      <a:prstDash val="solid"/>
+                      <a:round/>
+                      <a:headEnd type="none" w="med" len="med"/>
+                      <a:tailEnd type="none" w="med" len="med"/>
+                    </a:lnB>
+                    <a:solidFill>
+                      <a:schemeClr val="bg1"/>
+                    </a:solidFill>
+                  </a:tcPr>
+                </a:tc>
+                <a:tc>
+                  <a:txBody>
+                    <a:bodyPr/>
+                    <a:lstStyle/>
+                    <a:p>
+                      <a:endParaRPr lang="de-DE" sz="1800" b="0"/>
+                    </a:p>
+                  </a:txBody>
+                  <a:tcPr>
+                    <a:lnL w="12700" cap="flat" cmpd="sng" algn="ctr">
+                      <a:solidFill>
+                        <a:schemeClr val="tx1"/>
+                      </a:solidFill>
+                      <a:prstDash val="solid"/>
+                      <a:round/>
+                      <a:headEnd type="none" w="med" len="med"/>
+                      <a:tailEnd type="none" w="med" len="med"/>
+                    </a:lnL>
+                    <a:lnR w="12700" cap="flat" cmpd="sng" algn="ctr">
+                      <a:solidFill>
+                        <a:schemeClr val="tx1"/>
+                      </a:solidFill>
+                      <a:prstDash val="solid"/>
+                      <a:round/>
+                      <a:headEnd type="none" w="med" len="med"/>
+                      <a:tailEnd type="none" w="med" len="med"/>
+                    </a:lnR>
+                    <a:lnT w="12700" cap="flat" cmpd="sng" algn="ctr">
+                      <a:solidFill>
+                        <a:schemeClr val="tx1"/>
+                      </a:solidFill>
+                      <a:prstDash val="solid"/>
+                      <a:round/>
+                      <a:headEnd type="none" w="med" len="med"/>
+                      <a:tailEnd type="none" w="med" len="med"/>
+                    </a:lnT>
+                    <a:lnB w="12700" cap="flat" cmpd="sng" algn="ctr">
+                      <a:solidFill>
+                        <a:schemeClr val="tx1"/>
+                      </a:solidFill>
+                      <a:prstDash val="solid"/>
+                      <a:round/>
+                      <a:headEnd type="none" w="med" len="med"/>
+                      <a:tailEnd type="none" w="med" len="med"/>
+                    </a:lnB>
+                    <a:solidFill>
+                      <a:schemeClr val="bg1"/>
+                    </a:solidFill>
+                  </a:tcPr>
+                </a:tc>
+                <a:extLst>
+                  <a:ext uri="{0D108BD9-81ED-4DB2-BD59-A6C34878D82A}">
+                    <a16:rowId xmlns:a16="http://schemas.microsoft.com/office/drawing/2014/main" xmlns="" val="3144234582"/>
+                  </a:ext>
+                </a:extLst>
+              </a:tr>
+              <a:tr h="947163">
+                <a:tc>
+                  <a:txBody>
+                    <a:bodyPr/>
+                    <a:lstStyle/>
+                    <a:p>
+                      <a:r>
+                        <a:rPr lang="de-DE" sz="1800" b="0" dirty="0"/>
+                        <a:t>eher</a:t>
+                      </a:r>
+                      <a:r>
+                        <a:rPr lang="de-DE" sz="1800" b="0" baseline="0" dirty="0"/>
+                        <a:t> hoch</a:t>
+                      </a:r>
+                      <a:endParaRPr lang="de-DE" sz="1800" b="0" dirty="0"/>
+                    </a:p>
+                  </a:txBody>
+                  <a:tcPr>
+                    <a:lnL w="12700" cap="flat" cmpd="sng" algn="ctr">
+                      <a:noFill/>
+                      <a:prstDash val="solid"/>
+                      <a:round/>
+                      <a:headEnd type="none" w="med" len="med"/>
+                      <a:tailEnd type="none" w="med" len="med"/>
+                    </a:lnL>
+                    <a:lnR w="12700" cap="flat" cmpd="sng" algn="ctr">
+                      <a:solidFill>
+                        <a:schemeClr val="tx1"/>
+                      </a:solidFill>
+                      <a:prstDash val="solid"/>
+                      <a:round/>
+                      <a:headEnd type="none" w="med" len="med"/>
+                      <a:tailEnd type="none" w="med" len="med"/>
+                    </a:lnR>
+                    <a:lnT w="12700" cap="flat" cmpd="sng" algn="ctr">
+                      <a:noFill/>
+                      <a:prstDash val="solid"/>
+                      <a:round/>
+                      <a:headEnd type="none" w="med" len="med"/>
+                      <a:tailEnd type="none" w="med" len="med"/>
+                    </a:lnT>
+                    <a:lnB w="12700" cap="flat" cmpd="sng" algn="ctr">
+                      <a:noFill/>
+                      <a:prstDash val="solid"/>
+                      <a:round/>
+                      <a:headEnd type="none" w="med" len="med"/>
+                      <a:tailEnd type="none" w="med" len="med"/>
+                    </a:lnB>
+                    <a:lnTlToBr w="12700" cmpd="sng">
+                      <a:noFill/>
+                      <a:prstDash val="solid"/>
+                    </a:lnTlToBr>
+                    <a:lnBlToTr w="12700" cmpd="sng">
+                      <a:noFill/>
+                      <a:prstDash val="solid"/>
+                    </a:lnBlToTr>
+                    <a:solidFill>
+                      <a:schemeClr val="bg1"/>
+                    </a:solidFill>
+                  </a:tcPr>
+                </a:tc>
+                <a:tc>
+                  <a:txBody>
+                    <a:bodyPr/>
+                    <a:lstStyle/>
+                    <a:p>
+                      <a:endParaRPr lang="de-DE" sz="1800" b="0" dirty="0"/>
+                    </a:p>
+                  </a:txBody>
+                  <a:tcPr>
+                    <a:lnL w="12700" cap="flat" cmpd="sng" algn="ctr">
+                      <a:solidFill>
+                        <a:schemeClr val="tx1"/>
+                      </a:solidFill>
+                      <a:prstDash val="solid"/>
+                      <a:round/>
+                      <a:headEnd type="none" w="med" len="med"/>
+                      <a:tailEnd type="none" w="med" len="med"/>
+                    </a:lnL>
+                    <a:lnR w="12700" cap="flat" cmpd="sng" algn="ctr">
+                      <a:solidFill>
+                        <a:schemeClr val="tx1"/>
+                      </a:solidFill>
+                      <a:prstDash val="solid"/>
+                      <a:round/>
+                      <a:headEnd type="none" w="med" len="med"/>
+                      <a:tailEnd type="none" w="med" len="med"/>
+                    </a:lnR>
+                    <a:lnT w="12700" cap="flat" cmpd="sng" algn="ctr">
+                      <a:solidFill>
+                        <a:schemeClr val="tx1"/>
+                      </a:solidFill>
+                      <a:prstDash val="solid"/>
+                      <a:round/>
+                      <a:headEnd type="none" w="med" len="med"/>
+                      <a:tailEnd type="none" w="med" len="med"/>
+                    </a:lnT>
+                    <a:lnB w="12700" cap="flat" cmpd="sng" algn="ctr">
+                      <a:solidFill>
+                        <a:schemeClr val="tx1"/>
+                      </a:solidFill>
+                      <a:prstDash val="solid"/>
+                      <a:round/>
+                      <a:headEnd type="none" w="med" len="med"/>
+                      <a:tailEnd type="none" w="med" len="med"/>
+                    </a:lnB>
+                    <a:solidFill>
+                      <a:schemeClr val="bg1"/>
+                    </a:solidFill>
+                  </a:tcPr>
+                </a:tc>
+                <a:tc>
+                  <a:txBody>
+                    <a:bodyPr/>
+                    <a:lstStyle/>
+                    <a:p>
+                      <a:endParaRPr lang="de-DE" sz="1800" b="0" dirty="0"/>
+                    </a:p>
+                  </a:txBody>
+                  <a:tcPr>
+                    <a:lnL w="12700" cap="flat" cmpd="sng" algn="ctr">
+                      <a:solidFill>
+                        <a:schemeClr val="tx1"/>
+                      </a:solidFill>
+                      <a:prstDash val="solid"/>
+                      <a:round/>
+                      <a:headEnd type="none" w="med" len="med"/>
+                      <a:tailEnd type="none" w="med" len="med"/>
+                    </a:lnL>
+                    <a:lnR w="12700" cap="flat" cmpd="sng" algn="ctr">
+                      <a:solidFill>
+                        <a:schemeClr val="tx1"/>
+                      </a:solidFill>
+                      <a:prstDash val="solid"/>
+                      <a:round/>
+                      <a:headEnd type="none" w="med" len="med"/>
+                      <a:tailEnd type="none" w="med" len="med"/>
+                    </a:lnR>
+                    <a:lnT w="12700" cap="flat" cmpd="sng" algn="ctr">
+                      <a:solidFill>
+                        <a:schemeClr val="tx1"/>
+                      </a:solidFill>
+                      <a:prstDash val="solid"/>
+                      <a:round/>
+                      <a:headEnd type="none" w="med" len="med"/>
+                      <a:tailEnd type="none" w="med" len="med"/>
+                    </a:lnT>
+                    <a:lnB w="12700" cap="flat" cmpd="sng" algn="ctr">
+                      <a:solidFill>
+                        <a:schemeClr val="tx1"/>
+                      </a:solidFill>
+                      <a:prstDash val="solid"/>
+                      <a:round/>
+                      <a:headEnd type="none" w="med" len="med"/>
+                      <a:tailEnd type="none" w="med" len="med"/>
+                    </a:lnB>
+                    <a:solidFill>
+                      <a:schemeClr val="bg1"/>
+                    </a:solidFill>
+                  </a:tcPr>
+                </a:tc>
+                <a:tc>
+                  <a:txBody>
+                    <a:bodyPr/>
+                    <a:lstStyle/>
+                    <a:p>
+                      <a:endParaRPr lang="de-DE" sz="1800" b="0"/>
+                    </a:p>
+                  </a:txBody>
+                  <a:tcPr>
+                    <a:lnL w="12700" cap="flat" cmpd="sng" algn="ctr">
+                      <a:solidFill>
+                        <a:schemeClr val="tx1"/>
+                      </a:solidFill>
+                      <a:prstDash val="solid"/>
+                      <a:round/>
+                      <a:headEnd type="none" w="med" len="med"/>
+                      <a:tailEnd type="none" w="med" len="med"/>
+                    </a:lnL>
+                    <a:lnR w="12700" cap="flat" cmpd="sng" algn="ctr">
+                      <a:solidFill>
+                        <a:schemeClr val="tx1"/>
+                      </a:solidFill>
+                      <a:prstDash val="solid"/>
+                      <a:round/>
+                      <a:headEnd type="none" w="med" len="med"/>
+                      <a:tailEnd type="none" w="med" len="med"/>
+                    </a:lnR>
+                    <a:lnT w="12700" cap="flat" cmpd="sng" algn="ctr">
+                      <a:solidFill>
+                        <a:schemeClr val="tx1"/>
+                      </a:solidFill>
+                      <a:prstDash val="solid"/>
+                      <a:round/>
+                      <a:headEnd type="none" w="med" len="med"/>
+                      <a:tailEnd type="none" w="med" len="med"/>
+                    </a:lnT>
+                    <a:lnB w="12700" cap="flat" cmpd="sng" algn="ctr">
+                      <a:solidFill>
+                        <a:schemeClr val="tx1"/>
+                      </a:solidFill>
+                      <a:prstDash val="solid"/>
+                      <a:round/>
+                      <a:headEnd type="none" w="med" len="med"/>
+                      <a:tailEnd type="none" w="med" len="med"/>
+                    </a:lnB>
+                    <a:solidFill>
+                      <a:schemeClr val="bg1"/>
+                    </a:solidFill>
+                  </a:tcPr>
+                </a:tc>
+                <a:tc>
+                  <a:txBody>
+                    <a:bodyPr/>
+                    <a:lstStyle/>
+                    <a:p>
+                      <a:endParaRPr lang="de-DE" sz="1800" b="0"/>
+                    </a:p>
+                  </a:txBody>
+                  <a:tcPr>
+                    <a:lnL w="12700" cap="flat" cmpd="sng" algn="ctr">
+                      <a:solidFill>
+                        <a:schemeClr val="tx1"/>
+                      </a:solidFill>
+                      <a:prstDash val="solid"/>
+                      <a:round/>
+                      <a:headEnd type="none" w="med" len="med"/>
+                      <a:tailEnd type="none" w="med" len="med"/>
+                    </a:lnL>
+                    <a:lnR w="12700" cap="flat" cmpd="sng" algn="ctr">
+                      <a:solidFill>
+                        <a:schemeClr val="tx1"/>
+                      </a:solidFill>
+                      <a:prstDash val="solid"/>
+                      <a:round/>
+                      <a:headEnd type="none" w="med" len="med"/>
+                      <a:tailEnd type="none" w="med" len="med"/>
+                    </a:lnR>
+                    <a:lnT w="12700" cap="flat" cmpd="sng" algn="ctr">
+                      <a:solidFill>
+                        <a:schemeClr val="tx1"/>
+                      </a:solidFill>
+                      <a:prstDash val="solid"/>
+                      <a:round/>
+                      <a:headEnd type="none" w="med" len="med"/>
+                      <a:tailEnd type="none" w="med" len="med"/>
+                    </a:lnT>
+                    <a:lnB w="12700" cap="flat" cmpd="sng" algn="ctr">
+                      <a:solidFill>
+                        <a:schemeClr val="tx1"/>
+                      </a:solidFill>
+                      <a:prstDash val="solid"/>
+                      <a:round/>
+                      <a:headEnd type="none" w="med" len="med"/>
+                      <a:tailEnd type="none" w="med" len="med"/>
+                    </a:lnB>
+                    <a:solidFill>
+                      <a:schemeClr val="bg1"/>
+                    </a:solidFill>
+                  </a:tcPr>
+                </a:tc>
+                <a:extLst>
+                  <a:ext uri="{0D108BD9-81ED-4DB2-BD59-A6C34878D82A}">
+                    <a16:rowId xmlns:a16="http://schemas.microsoft.com/office/drawing/2014/main" xmlns="" val="1099345563"/>
+                  </a:ext>
+                </a:extLst>
+              </a:tr>
+              <a:tr h="947163">
+                <a:tc>
+                  <a:txBody>
+                    <a:bodyPr/>
+                    <a:lstStyle/>
+                    <a:p>
+                      <a:r>
+                        <a:rPr lang="de-DE" sz="1800" b="0" dirty="0"/>
+                        <a:t>eher </a:t>
+                      </a:r>
+                      <a:r>
+                        <a:rPr lang="de-DE" sz="1800" b="0" dirty="0" err="1"/>
+                        <a:t>niedirg</a:t>
+                      </a:r>
+                      <a:endParaRPr lang="de-DE" sz="1800" b="0" dirty="0"/>
+                    </a:p>
+                  </a:txBody>
+                  <a:tcPr>
+                    <a:lnL w="12700" cap="flat" cmpd="sng" algn="ctr">
+                      <a:noFill/>
+                      <a:prstDash val="solid"/>
+                      <a:round/>
+                      <a:headEnd type="none" w="med" len="med"/>
+                      <a:tailEnd type="none" w="med" len="med"/>
+                    </a:lnL>
+                    <a:lnR w="12700" cap="flat" cmpd="sng" algn="ctr">
+                      <a:solidFill>
+                        <a:schemeClr val="tx1"/>
+                      </a:solidFill>
+                      <a:prstDash val="solid"/>
+                      <a:round/>
+                      <a:headEnd type="none" w="med" len="med"/>
+                      <a:tailEnd type="none" w="med" len="med"/>
+                    </a:lnR>
+                    <a:lnT w="12700" cap="flat" cmpd="sng" algn="ctr">
+                      <a:noFill/>
+                      <a:prstDash val="solid"/>
+                      <a:round/>
+                      <a:headEnd type="none" w="med" len="med"/>
+                      <a:tailEnd type="none" w="med" len="med"/>
+                    </a:lnT>
+                    <a:lnB w="12700" cap="flat" cmpd="sng" algn="ctr">
+                      <a:noFill/>
+                      <a:prstDash val="solid"/>
+                      <a:round/>
+                      <a:headEnd type="none" w="med" len="med"/>
+                      <a:tailEnd type="none" w="med" len="med"/>
+                    </a:lnB>
+                    <a:lnTlToBr w="12700" cmpd="sng">
+                      <a:noFill/>
+                      <a:prstDash val="solid"/>
+                    </a:lnTlToBr>
+                    <a:lnBlToTr w="12700" cmpd="sng">
+                      <a:noFill/>
+                      <a:prstDash val="solid"/>
+                    </a:lnBlToTr>
+                    <a:solidFill>
+                      <a:schemeClr val="bg1"/>
+                    </a:solidFill>
+                  </a:tcPr>
+                </a:tc>
+                <a:tc>
+                  <a:txBody>
+                    <a:bodyPr/>
+                    <a:lstStyle/>
+                    <a:p>
+                      <a:endParaRPr lang="de-DE" sz="1800" b="0"/>
+                    </a:p>
+                  </a:txBody>
+                  <a:tcPr>
+                    <a:lnL w="12700" cap="flat" cmpd="sng" algn="ctr">
+                      <a:solidFill>
+                        <a:schemeClr val="tx1"/>
+                      </a:solidFill>
+                      <a:prstDash val="solid"/>
+                      <a:round/>
+                      <a:headEnd type="none" w="med" len="med"/>
+                      <a:tailEnd type="none" w="med" len="med"/>
+                    </a:lnL>
+                    <a:lnR w="12700" cap="flat" cmpd="sng" algn="ctr">
+                      <a:solidFill>
+                        <a:schemeClr val="tx1"/>
+                      </a:solidFill>
+                      <a:prstDash val="solid"/>
+                      <a:round/>
+                      <a:headEnd type="none" w="med" len="med"/>
+                      <a:tailEnd type="none" w="med" len="med"/>
+                    </a:lnR>
+                    <a:lnT w="12700" cap="flat" cmpd="sng" algn="ctr">
+                      <a:solidFill>
+                        <a:schemeClr val="tx1"/>
+                      </a:solidFill>
+                      <a:prstDash val="solid"/>
+                      <a:round/>
+                      <a:headEnd type="none" w="med" len="med"/>
+                      <a:tailEnd type="none" w="med" len="med"/>
+                    </a:lnT>
+                    <a:lnB w="12700" cap="flat" cmpd="sng" algn="ctr">
+                      <a:solidFill>
+                        <a:schemeClr val="tx1"/>
+                      </a:solidFill>
+                      <a:prstDash val="solid"/>
+                      <a:round/>
+                      <a:headEnd type="none" w="med" len="med"/>
+                      <a:tailEnd type="none" w="med" len="med"/>
+                    </a:lnB>
+                    <a:solidFill>
+                      <a:schemeClr val="bg1"/>
+                    </a:solidFill>
+                  </a:tcPr>
+                </a:tc>
+                <a:tc>
+                  <a:txBody>
+                    <a:bodyPr/>
+                    <a:lstStyle/>
+                    <a:p>
+                      <a:endParaRPr lang="de-DE" sz="1800" b="0" dirty="0"/>
+                    </a:p>
+                  </a:txBody>
+                  <a:tcPr>
+                    <a:lnL w="12700" cap="flat" cmpd="sng" algn="ctr">
+                      <a:solidFill>
+                        <a:schemeClr val="tx1"/>
+                      </a:solidFill>
+                      <a:prstDash val="solid"/>
+                      <a:round/>
+                      <a:headEnd type="none" w="med" len="med"/>
+                      <a:tailEnd type="none" w="med" len="med"/>
+                    </a:lnL>
+                    <a:lnR w="12700" cap="flat" cmpd="sng" algn="ctr">
+                      <a:solidFill>
+                        <a:schemeClr val="tx1"/>
+                      </a:solidFill>
+                      <a:prstDash val="solid"/>
+                      <a:round/>
+                      <a:headEnd type="none" w="med" len="med"/>
+                      <a:tailEnd type="none" w="med" len="med"/>
+                    </a:lnR>
+                    <a:lnT w="12700" cap="flat" cmpd="sng" algn="ctr">
+                      <a:solidFill>
+                        <a:schemeClr val="tx1"/>
+                      </a:solidFill>
+                      <a:prstDash val="solid"/>
+                      <a:round/>
+                      <a:headEnd type="none" w="med" len="med"/>
+                      <a:tailEnd type="none" w="med" len="med"/>
+                    </a:lnT>
+                    <a:lnB w="12700" cap="flat" cmpd="sng" algn="ctr">
+                      <a:solidFill>
+                        <a:schemeClr val="tx1"/>
+                      </a:solidFill>
+                      <a:prstDash val="solid"/>
+                      <a:round/>
+                      <a:headEnd type="none" w="med" len="med"/>
+                      <a:tailEnd type="none" w="med" len="med"/>
+                    </a:lnB>
+                    <a:solidFill>
+                      <a:schemeClr val="bg1"/>
+                    </a:solidFill>
+                  </a:tcPr>
+                </a:tc>
+                <a:tc>
+                  <a:txBody>
+                    <a:bodyPr/>
+                    <a:lstStyle/>
+                    <a:p>
+                      <a:endParaRPr lang="de-DE" sz="1800" b="0"/>
+                    </a:p>
+                  </a:txBody>
+                  <a:tcPr>
+                    <a:lnL w="12700" cap="flat" cmpd="sng" algn="ctr">
+                      <a:solidFill>
+                        <a:schemeClr val="tx1"/>
+                      </a:solidFill>
+                      <a:prstDash val="solid"/>
+                      <a:round/>
+                      <a:headEnd type="none" w="med" len="med"/>
+                      <a:tailEnd type="none" w="med" len="med"/>
+                    </a:lnL>
+                    <a:lnR w="12700" cap="flat" cmpd="sng" algn="ctr">
+                      <a:solidFill>
+                        <a:schemeClr val="tx1"/>
+                      </a:solidFill>
+                      <a:prstDash val="solid"/>
+                      <a:round/>
+                      <a:headEnd type="none" w="med" len="med"/>
+                      <a:tailEnd type="none" w="med" len="med"/>
+                    </a:lnR>
+                    <a:lnT w="12700" cap="flat" cmpd="sng" algn="ctr">
+                      <a:solidFill>
+                        <a:schemeClr val="tx1"/>
+                      </a:solidFill>
+                      <a:prstDash val="solid"/>
+                      <a:round/>
+                      <a:headEnd type="none" w="med" len="med"/>
+                      <a:tailEnd type="none" w="med" len="med"/>
+                    </a:lnT>
+                    <a:lnB w="12700" cap="flat" cmpd="sng" algn="ctr">
+                      <a:solidFill>
+                        <a:schemeClr val="tx1"/>
+                      </a:solidFill>
+                      <a:prstDash val="solid"/>
+                      <a:round/>
+                      <a:headEnd type="none" w="med" len="med"/>
+                      <a:tailEnd type="none" w="med" len="med"/>
+                    </a:lnB>
+                    <a:solidFill>
+                      <a:schemeClr val="bg1"/>
+                    </a:solidFill>
+                  </a:tcPr>
+                </a:tc>
+                <a:tc>
+                  <a:txBody>
+                    <a:bodyPr/>
+                    <a:lstStyle/>
+                    <a:p>
+                      <a:endParaRPr lang="de-DE" sz="1800" b="0"/>
+                    </a:p>
+                  </a:txBody>
+                  <a:tcPr>
+                    <a:lnL w="12700" cap="flat" cmpd="sng" algn="ctr">
+                      <a:solidFill>
+                        <a:schemeClr val="tx1"/>
+                      </a:solidFill>
+                      <a:prstDash val="solid"/>
+                      <a:round/>
+                      <a:headEnd type="none" w="med" len="med"/>
+                      <a:tailEnd type="none" w="med" len="med"/>
+                    </a:lnL>
+                    <a:lnR w="12700" cap="flat" cmpd="sng" algn="ctr">
+                      <a:solidFill>
+                        <a:schemeClr val="tx1"/>
+                      </a:solidFill>
+                      <a:prstDash val="solid"/>
+                      <a:round/>
+                      <a:headEnd type="none" w="med" len="med"/>
+                      <a:tailEnd type="none" w="med" len="med"/>
+                    </a:lnR>
+                    <a:lnT w="12700" cap="flat" cmpd="sng" algn="ctr">
+                      <a:solidFill>
+                        <a:schemeClr val="tx1"/>
+                      </a:solidFill>
+                      <a:prstDash val="solid"/>
+                      <a:round/>
+                      <a:headEnd type="none" w="med" len="med"/>
+                      <a:tailEnd type="none" w="med" len="med"/>
+                    </a:lnT>
+                    <a:lnB w="12700" cap="flat" cmpd="sng" algn="ctr">
+                      <a:solidFill>
+                        <a:schemeClr val="tx1"/>
+                      </a:solidFill>
+                      <a:prstDash val="solid"/>
+                      <a:round/>
+                      <a:headEnd type="none" w="med" len="med"/>
+                      <a:tailEnd type="none" w="med" len="med"/>
+                    </a:lnB>
+                    <a:solidFill>
+                      <a:schemeClr val="bg1"/>
+                    </a:solidFill>
+                  </a:tcPr>
+                </a:tc>
+                <a:extLst>
+                  <a:ext uri="{0D108BD9-81ED-4DB2-BD59-A6C34878D82A}">
+                    <a16:rowId xmlns:a16="http://schemas.microsoft.com/office/drawing/2014/main" xmlns="" val="3460220147"/>
+                  </a:ext>
+                </a:extLst>
+              </a:tr>
+              <a:tr h="947163">
+                <a:tc>
+                  <a:txBody>
+                    <a:bodyPr/>
+                    <a:lstStyle/>
+                    <a:p>
+                      <a:r>
+                        <a:rPr lang="de-DE" sz="1800" b="0" dirty="0"/>
+                        <a:t>niedrig</a:t>
+                      </a:r>
+                    </a:p>
+                  </a:txBody>
+                  <a:tcPr>
+                    <a:lnL w="12700" cap="flat" cmpd="sng" algn="ctr">
+                      <a:noFill/>
+                      <a:prstDash val="solid"/>
+                      <a:round/>
+                      <a:headEnd type="none" w="med" len="med"/>
+                      <a:tailEnd type="none" w="med" len="med"/>
+                    </a:lnL>
+                    <a:lnR w="12700" cap="flat" cmpd="sng" algn="ctr">
+                      <a:solidFill>
+                        <a:schemeClr val="tx1"/>
+                      </a:solidFill>
+                      <a:prstDash val="solid"/>
+                      <a:round/>
+                      <a:headEnd type="none" w="med" len="med"/>
+                      <a:tailEnd type="none" w="med" len="med"/>
+                    </a:lnR>
+                    <a:lnT w="12700" cap="flat" cmpd="sng" algn="ctr">
+                      <a:noFill/>
+                      <a:prstDash val="solid"/>
+                      <a:round/>
+                      <a:headEnd type="none" w="med" len="med"/>
+                      <a:tailEnd type="none" w="med" len="med"/>
+                    </a:lnT>
+                    <a:lnB w="12700" cap="flat" cmpd="sng" algn="ctr">
+                      <a:noFill/>
+                      <a:prstDash val="solid"/>
+                      <a:round/>
+                      <a:headEnd type="none" w="med" len="med"/>
+                      <a:tailEnd type="none" w="med" len="med"/>
+                    </a:lnB>
+                    <a:lnTlToBr w="12700" cmpd="sng">
+                      <a:noFill/>
+                      <a:prstDash val="solid"/>
+                    </a:lnTlToBr>
+                    <a:lnBlToTr w="12700" cmpd="sng">
+                      <a:noFill/>
+                      <a:prstDash val="solid"/>
+                    </a:lnBlToTr>
+                    <a:solidFill>
+                      <a:schemeClr val="bg1"/>
+                    </a:solidFill>
+                  </a:tcPr>
+                </a:tc>
+                <a:tc>
+                  <a:txBody>
+                    <a:bodyPr/>
+                    <a:lstStyle/>
+                    <a:p>
+                      <a:endParaRPr lang="de-DE" sz="1800" b="0" dirty="0"/>
+                    </a:p>
+                  </a:txBody>
+                  <a:tcPr>
+                    <a:lnL w="12700" cap="flat" cmpd="sng" algn="ctr">
+                      <a:solidFill>
+                        <a:schemeClr val="tx1"/>
+                      </a:solidFill>
+                      <a:prstDash val="solid"/>
+                      <a:round/>
+                      <a:headEnd type="none" w="med" len="med"/>
+                      <a:tailEnd type="none" w="med" len="med"/>
+                    </a:lnL>
+                    <a:lnR w="12700" cap="flat" cmpd="sng" algn="ctr">
+                      <a:solidFill>
+                        <a:schemeClr val="tx1"/>
+                      </a:solidFill>
+                      <a:prstDash val="solid"/>
+                      <a:round/>
+                      <a:headEnd type="none" w="med" len="med"/>
+                      <a:tailEnd type="none" w="med" len="med"/>
+                    </a:lnR>
+                    <a:lnT w="12700" cap="flat" cmpd="sng" algn="ctr">
+                      <a:solidFill>
+                        <a:schemeClr val="tx1"/>
+                      </a:solidFill>
+                      <a:prstDash val="solid"/>
+                      <a:round/>
+                      <a:headEnd type="none" w="med" len="med"/>
+                      <a:tailEnd type="none" w="med" len="med"/>
+                    </a:lnT>
+                    <a:lnB w="12700" cap="flat" cmpd="sng" algn="ctr">
+                      <a:solidFill>
+                        <a:schemeClr val="tx1"/>
+                      </a:solidFill>
+                      <a:prstDash val="solid"/>
+                      <a:round/>
+                      <a:headEnd type="none" w="med" len="med"/>
+                      <a:tailEnd type="none" w="med" len="med"/>
+                    </a:lnB>
+                    <a:solidFill>
+                      <a:schemeClr val="bg1"/>
+                    </a:solidFill>
+                  </a:tcPr>
+                </a:tc>
+                <a:tc>
+                  <a:txBody>
+                    <a:bodyPr/>
+                    <a:lstStyle/>
+                    <a:p>
+                      <a:endParaRPr lang="de-DE" sz="1800" b="0"/>
+                    </a:p>
+                  </a:txBody>
+                  <a:tcPr>
+                    <a:lnL w="12700" cap="flat" cmpd="sng" algn="ctr">
+                      <a:solidFill>
+                        <a:schemeClr val="tx1"/>
+                      </a:solidFill>
+                      <a:prstDash val="solid"/>
+                      <a:round/>
+                      <a:headEnd type="none" w="med" len="med"/>
+                      <a:tailEnd type="none" w="med" len="med"/>
+                    </a:lnL>
+                    <a:lnR w="12700" cap="flat" cmpd="sng" algn="ctr">
+                      <a:solidFill>
+                        <a:schemeClr val="tx1"/>
+                      </a:solidFill>
+                      <a:prstDash val="solid"/>
+                      <a:round/>
+                      <a:headEnd type="none" w="med" len="med"/>
+                      <a:tailEnd type="none" w="med" len="med"/>
+                    </a:lnR>
+                    <a:lnT w="12700" cap="flat" cmpd="sng" algn="ctr">
+                      <a:solidFill>
+                        <a:schemeClr val="tx1"/>
+                      </a:solidFill>
+                      <a:prstDash val="solid"/>
+                      <a:round/>
+                      <a:headEnd type="none" w="med" len="med"/>
+                      <a:tailEnd type="none" w="med" len="med"/>
+                    </a:lnT>
+                    <a:lnB w="12700" cap="flat" cmpd="sng" algn="ctr">
+                      <a:solidFill>
+                        <a:schemeClr val="tx1"/>
+                      </a:solidFill>
+                      <a:prstDash val="solid"/>
+                      <a:round/>
+                      <a:headEnd type="none" w="med" len="med"/>
+                      <a:tailEnd type="none" w="med" len="med"/>
+                    </a:lnB>
+                    <a:solidFill>
+                      <a:schemeClr val="bg1"/>
+                    </a:solidFill>
+                  </a:tcPr>
+                </a:tc>
+                <a:tc>
+                  <a:txBody>
+                    <a:bodyPr/>
+                    <a:lstStyle/>
+                    <a:p>
+                      <a:endParaRPr lang="de-DE" sz="1800" b="0" dirty="0"/>
+                    </a:p>
+                  </a:txBody>
+                  <a:tcPr>
+                    <a:lnL w="12700" cap="flat" cmpd="sng" algn="ctr">
+                      <a:solidFill>
+                        <a:schemeClr val="tx1"/>
+                      </a:solidFill>
+                      <a:prstDash val="solid"/>
+                      <a:round/>
+                      <a:headEnd type="none" w="med" len="med"/>
+                      <a:tailEnd type="none" w="med" len="med"/>
+                    </a:lnL>
+                    <a:lnR w="12700" cap="flat" cmpd="sng" algn="ctr">
+                      <a:solidFill>
+                        <a:schemeClr val="tx1"/>
+                      </a:solidFill>
+                      <a:prstDash val="solid"/>
+                      <a:round/>
+                      <a:headEnd type="none" w="med" len="med"/>
+                      <a:tailEnd type="none" w="med" len="med"/>
+                    </a:lnR>
+                    <a:lnT w="12700" cap="flat" cmpd="sng" algn="ctr">
+                      <a:solidFill>
+                        <a:schemeClr val="tx1"/>
+                      </a:solidFill>
+                      <a:prstDash val="solid"/>
+                      <a:round/>
+                      <a:headEnd type="none" w="med" len="med"/>
+                      <a:tailEnd type="none" w="med" len="med"/>
+                    </a:lnT>
+                    <a:lnB w="12700" cap="flat" cmpd="sng" algn="ctr">
+                      <a:solidFill>
+                        <a:schemeClr val="tx1"/>
+                      </a:solidFill>
+                      <a:prstDash val="solid"/>
+                      <a:round/>
+                      <a:headEnd type="none" w="med" len="med"/>
+                      <a:tailEnd type="none" w="med" len="med"/>
+                    </a:lnB>
+                    <a:solidFill>
+                      <a:schemeClr val="bg1"/>
+                    </a:solidFill>
+                  </a:tcPr>
+                </a:tc>
+                <a:tc>
+                  <a:txBody>
+                    <a:bodyPr/>
+                    <a:lstStyle/>
+                    <a:p>
+                      <a:endParaRPr lang="de-DE" sz="1800" b="0" dirty="0"/>
+                    </a:p>
+                  </a:txBody>
+                  <a:tcPr>
+                    <a:lnL w="12700" cap="flat" cmpd="sng" algn="ctr">
+                      <a:solidFill>
+                        <a:schemeClr val="tx1"/>
+                      </a:solidFill>
+                      <a:prstDash val="solid"/>
+                      <a:round/>
+                      <a:headEnd type="none" w="med" len="med"/>
+                      <a:tailEnd type="none" w="med" len="med"/>
+                    </a:lnL>
+                    <a:lnR w="12700" cap="flat" cmpd="sng" algn="ctr">
+                      <a:solidFill>
+                        <a:schemeClr val="tx1"/>
+                      </a:solidFill>
+                      <a:prstDash val="solid"/>
+                      <a:round/>
+                      <a:headEnd type="none" w="med" len="med"/>
+                      <a:tailEnd type="none" w="med" len="med"/>
+                    </a:lnR>
+                    <a:lnT w="12700" cap="flat" cmpd="sng" algn="ctr">
+                      <a:solidFill>
+                        <a:schemeClr val="tx1"/>
+                      </a:solidFill>
+                      <a:prstDash val="solid"/>
+                      <a:round/>
+                      <a:headEnd type="none" w="med" len="med"/>
+                      <a:tailEnd type="none" w="med" len="med"/>
+                    </a:lnT>
+                    <a:lnB w="12700" cap="flat" cmpd="sng" algn="ctr">
+                      <a:solidFill>
+                        <a:schemeClr val="tx1"/>
+                      </a:solidFill>
+                      <a:prstDash val="solid"/>
+                      <a:round/>
+                      <a:headEnd type="none" w="med" len="med"/>
+                      <a:tailEnd type="none" w="med" len="med"/>
+                    </a:lnB>
+                    <a:solidFill>
+                      <a:schemeClr val="bg1"/>
+                    </a:solidFill>
+                  </a:tcPr>
+                </a:tc>
+                <a:extLst>
+                  <a:ext uri="{0D108BD9-81ED-4DB2-BD59-A6C34878D82A}">
+                    <a16:rowId xmlns:a16="http://schemas.microsoft.com/office/drawing/2014/main" xmlns="" val="3858569593"/>
+                  </a:ext>
+                </a:extLst>
+              </a:tr>
+              <a:tr h="947163">
+                <a:tc>
+                  <a:txBody>
+                    <a:bodyPr/>
+                    <a:lstStyle/>
+                    <a:p>
+                      <a:endParaRPr lang="de-DE" sz="1800" b="0" dirty="0"/>
+                    </a:p>
+                  </a:txBody>
+                  <a:tcPr>
+                    <a:lnL w="12700" cap="flat" cmpd="sng" algn="ctr">
+                      <a:noFill/>
+                      <a:prstDash val="solid"/>
+                      <a:round/>
+                      <a:headEnd type="none" w="med" len="med"/>
+                      <a:tailEnd type="none" w="med" len="med"/>
+                    </a:lnL>
+                    <a:lnR w="12700" cap="flat" cmpd="sng" algn="ctr">
+                      <a:noFill/>
+                      <a:prstDash val="solid"/>
+                      <a:round/>
+                      <a:headEnd type="none" w="med" len="med"/>
+                      <a:tailEnd type="none" w="med" len="med"/>
+                    </a:lnR>
+                    <a:lnT w="12700" cap="flat" cmpd="sng" algn="ctr">
+                      <a:noFill/>
+                      <a:prstDash val="solid"/>
+                      <a:round/>
+                      <a:headEnd type="none" w="med" len="med"/>
+                      <a:tailEnd type="none" w="med" len="med"/>
+                    </a:lnT>
+                    <a:lnB w="12700" cap="flat" cmpd="sng" algn="ctr">
+                      <a:noFill/>
+                      <a:prstDash val="solid"/>
+                      <a:round/>
+                      <a:headEnd type="none" w="med" len="med"/>
+                      <a:tailEnd type="none" w="med" len="med"/>
+                    </a:lnB>
+                    <a:lnTlToBr w="12700" cmpd="sng">
+                      <a:noFill/>
+                      <a:prstDash val="solid"/>
+                    </a:lnTlToBr>
+                    <a:lnBlToTr w="12700" cmpd="sng">
+                      <a:noFill/>
+                      <a:prstDash val="solid"/>
+                    </a:lnBlToTr>
+                    <a:solidFill>
+                      <a:schemeClr val="bg1"/>
+                    </a:solidFill>
+                  </a:tcPr>
+                </a:tc>
+                <a:tc>
+                  <a:txBody>
+                    <a:bodyPr/>
+                    <a:lstStyle/>
+                    <a:p>
+                      <a:r>
+                        <a:rPr lang="de-DE" sz="1800" b="0" dirty="0"/>
+                        <a:t>gering</a:t>
+                      </a:r>
+                    </a:p>
+                  </a:txBody>
+                  <a:tcPr>
+                    <a:lnL w="12700" cap="flat" cmpd="sng" algn="ctr">
+                      <a:noFill/>
+                      <a:prstDash val="solid"/>
+                      <a:round/>
+                      <a:headEnd type="none" w="med" len="med"/>
+                      <a:tailEnd type="none" w="med" len="med"/>
+                    </a:lnL>
+                    <a:lnR w="12700" cap="flat" cmpd="sng" algn="ctr">
+                      <a:noFill/>
+                      <a:prstDash val="solid"/>
+                      <a:round/>
+                      <a:headEnd type="none" w="med" len="med"/>
+                      <a:tailEnd type="none" w="med" len="med"/>
+                    </a:lnR>
+                    <a:lnT w="12700" cap="flat" cmpd="sng" algn="ctr">
+                      <a:solidFill>
+                        <a:schemeClr val="tx1"/>
+                      </a:solidFill>
+                      <a:prstDash val="solid"/>
+                      <a:round/>
+                      <a:headEnd type="none" w="med" len="med"/>
+                      <a:tailEnd type="none" w="med" len="med"/>
+                    </a:lnT>
+                    <a:lnB w="12700" cap="flat" cmpd="sng" algn="ctr">
+                      <a:noFill/>
+                      <a:prstDash val="solid"/>
+                      <a:round/>
+                      <a:headEnd type="none" w="med" len="med"/>
+                      <a:tailEnd type="none" w="med" len="med"/>
+                    </a:lnB>
+                    <a:lnTlToBr w="12700" cmpd="sng">
+                      <a:noFill/>
+                      <a:prstDash val="solid"/>
+                    </a:lnTlToBr>
+                    <a:lnBlToTr w="12700" cmpd="sng">
+                      <a:noFill/>
+                      <a:prstDash val="solid"/>
+                    </a:lnBlToTr>
+                    <a:solidFill>
+                      <a:schemeClr val="bg1"/>
+                    </a:solidFill>
+                  </a:tcPr>
+                </a:tc>
+                <a:tc>
+                  <a:txBody>
+                    <a:bodyPr/>
+                    <a:lstStyle/>
+                    <a:p>
+                      <a:r>
+                        <a:rPr lang="de-DE" sz="1800" b="0" dirty="0"/>
+                        <a:t>eher gering</a:t>
+                      </a:r>
+                    </a:p>
+                  </a:txBody>
+                  <a:tcPr>
+                    <a:lnL w="12700" cap="flat" cmpd="sng" algn="ctr">
+                      <a:noFill/>
+                      <a:prstDash val="solid"/>
+                      <a:round/>
+                      <a:headEnd type="none" w="med" len="med"/>
+                      <a:tailEnd type="none" w="med" len="med"/>
+                    </a:lnL>
+                    <a:lnR w="12700" cap="flat" cmpd="sng" algn="ctr">
+                      <a:noFill/>
+                      <a:prstDash val="solid"/>
+                      <a:round/>
+                      <a:headEnd type="none" w="med" len="med"/>
+                      <a:tailEnd type="none" w="med" len="med"/>
+                    </a:lnR>
+                    <a:lnT w="12700" cap="flat" cmpd="sng" algn="ctr">
+                      <a:solidFill>
+                        <a:schemeClr val="tx1"/>
+                      </a:solidFill>
+                      <a:prstDash val="solid"/>
+                      <a:round/>
+                      <a:headEnd type="none" w="med" len="med"/>
+                      <a:tailEnd type="none" w="med" len="med"/>
+                    </a:lnT>
+                    <a:lnB w="12700" cap="flat" cmpd="sng" algn="ctr">
+                      <a:noFill/>
+                      <a:prstDash val="solid"/>
+                      <a:round/>
+                      <a:headEnd type="none" w="med" len="med"/>
+                      <a:tailEnd type="none" w="med" len="med"/>
+                    </a:lnB>
+                    <a:lnTlToBr w="12700" cmpd="sng">
+                      <a:noFill/>
+                      <a:prstDash val="solid"/>
+                    </a:lnTlToBr>
+                    <a:lnBlToTr w="12700" cmpd="sng">
+                      <a:noFill/>
+                      <a:prstDash val="solid"/>
+                    </a:lnBlToTr>
+                    <a:solidFill>
+                      <a:schemeClr val="bg1"/>
+                    </a:solidFill>
+                  </a:tcPr>
+                </a:tc>
+                <a:tc>
+                  <a:txBody>
+                    <a:bodyPr/>
+                    <a:lstStyle/>
+                    <a:p>
+                      <a:r>
+                        <a:rPr lang="de-DE" sz="1800" b="0" dirty="0"/>
+                        <a:t>eher hoch</a:t>
+                      </a:r>
+                    </a:p>
+                  </a:txBody>
+                  <a:tcPr>
+                    <a:lnL w="12700" cap="flat" cmpd="sng" algn="ctr">
+                      <a:noFill/>
+                      <a:prstDash val="solid"/>
+                      <a:round/>
+                      <a:headEnd type="none" w="med" len="med"/>
+                      <a:tailEnd type="none" w="med" len="med"/>
+                    </a:lnL>
+                    <a:lnR w="12700" cap="flat" cmpd="sng" algn="ctr">
+                      <a:noFill/>
+                      <a:prstDash val="solid"/>
+                      <a:round/>
+                      <a:headEnd type="none" w="med" len="med"/>
+                      <a:tailEnd type="none" w="med" len="med"/>
+                    </a:lnR>
+                    <a:lnT w="12700" cap="flat" cmpd="sng" algn="ctr">
+                      <a:solidFill>
+                        <a:schemeClr val="tx1"/>
+                      </a:solidFill>
+                      <a:prstDash val="solid"/>
+                      <a:round/>
+                      <a:headEnd type="none" w="med" len="med"/>
+                      <a:tailEnd type="none" w="med" len="med"/>
+                    </a:lnT>
+                    <a:lnB w="12700" cap="flat" cmpd="sng" algn="ctr">
+                      <a:noFill/>
+                      <a:prstDash val="solid"/>
+                      <a:round/>
+                      <a:headEnd type="none" w="med" len="med"/>
+                      <a:tailEnd type="none" w="med" len="med"/>
+                    </a:lnB>
+                    <a:lnTlToBr w="12700" cmpd="sng">
+                      <a:noFill/>
+                      <a:prstDash val="solid"/>
+                    </a:lnTlToBr>
+                    <a:lnBlToTr w="12700" cmpd="sng">
+                      <a:noFill/>
+                      <a:prstDash val="solid"/>
+                    </a:lnBlToTr>
+                    <a:solidFill>
+                      <a:schemeClr val="bg1"/>
+                    </a:solidFill>
+                  </a:tcPr>
+                </a:tc>
+                <a:tc>
+                  <a:txBody>
+                    <a:bodyPr/>
+                    <a:lstStyle/>
+                    <a:p>
+                      <a:r>
+                        <a:rPr lang="de-DE" sz="1800" b="0" dirty="0"/>
+                        <a:t>hoch</a:t>
+                      </a:r>
+                    </a:p>
+                  </a:txBody>
+                  <a:tcPr>
+                    <a:lnL w="12700" cap="flat" cmpd="sng" algn="ctr">
+                      <a:noFill/>
+                      <a:prstDash val="solid"/>
+                      <a:round/>
+                      <a:headEnd type="none" w="med" len="med"/>
+                      <a:tailEnd type="none" w="med" len="med"/>
+                    </a:lnL>
+                    <a:lnR w="12700" cap="flat" cmpd="sng" algn="ctr">
+                      <a:noFill/>
+                      <a:prstDash val="solid"/>
+                      <a:round/>
+                      <a:headEnd type="none" w="med" len="med"/>
+                      <a:tailEnd type="none" w="med" len="med"/>
+                    </a:lnR>
+                    <a:lnT w="12700" cap="flat" cmpd="sng" algn="ctr">
+                      <a:solidFill>
+                        <a:schemeClr val="tx1"/>
+                      </a:solidFill>
+                      <a:prstDash val="solid"/>
+                      <a:round/>
+                      <a:headEnd type="none" w="med" len="med"/>
+                      <a:tailEnd type="none" w="med" len="med"/>
+                    </a:lnT>
+                    <a:lnB w="12700" cap="flat" cmpd="sng" algn="ctr">
+                      <a:noFill/>
+                      <a:prstDash val="solid"/>
+                      <a:round/>
+                      <a:headEnd type="none" w="med" len="med"/>
+                      <a:tailEnd type="none" w="med" len="med"/>
+                    </a:lnB>
+                    <a:lnTlToBr w="12700" cmpd="sng">
+                      <a:noFill/>
+                      <a:prstDash val="solid"/>
+                    </a:lnTlToBr>
+                    <a:lnBlToTr w="12700" cmpd="sng">
+                      <a:noFill/>
+                      <a:prstDash val="solid"/>
+                    </a:lnBlToTr>
+                    <a:solidFill>
+                      <a:schemeClr val="bg1"/>
+                    </a:solidFill>
+                  </a:tcPr>
+                </a:tc>
+                <a:extLst>
+                  <a:ext uri="{0D108BD9-81ED-4DB2-BD59-A6C34878D82A}">
+                    <a16:rowId xmlns:a16="http://schemas.microsoft.com/office/drawing/2014/main" xmlns="" val="574562269"/>
+                  </a:ext>
+                </a:extLst>
+              </a:tr>
+            </a:tbl>
+          </a:graphicData>
+        </a:graphic>
+      </p:graphicFrame>
+      <p:sp>
+        <p:nvSpPr>
+          <p:cNvPr id="7" name="Textfeld 6"/>
+          <p:cNvSpPr txBox="1"/>
+          <p:nvPr/>
+        </p:nvSpPr>
+        <p:spPr>
+          <a:xfrm>
+            <a:off x="838200" y="1456290"/>
+            <a:ext cx="2040924" cy="369332"/>
+          </a:xfrm>
+          <a:prstGeom prst="rect">
+            <a:avLst/>
+          </a:prstGeom>
+          <a:noFill/>
+        </p:spPr>
+        <p:txBody>
+          <a:bodyPr wrap="square" rtlCol="0">
+            <a:spAutoFit/>
+          </a:bodyPr>
+          <a:lstStyle/>
+          <a:p>
+            <a:r>
+              <a:rPr lang="de-DE" b="1" dirty="0"/>
+              <a:t>Tragweite</a:t>
+            </a:r>
+          </a:p>
+        </p:txBody>
+      </p:sp>
+      <p:sp>
+        <p:nvSpPr>
+          <p:cNvPr id="8" name="Textfeld 7"/>
+          <p:cNvSpPr txBox="1"/>
+          <p:nvPr/>
+        </p:nvSpPr>
+        <p:spPr>
+          <a:xfrm>
+            <a:off x="9354065" y="6020053"/>
+            <a:ext cx="2837935" cy="369332"/>
+          </a:xfrm>
+          <a:prstGeom prst="rect">
+            <a:avLst/>
+          </a:prstGeom>
+          <a:noFill/>
+        </p:spPr>
+        <p:txBody>
+          <a:bodyPr wrap="square" rtlCol="0">
+            <a:spAutoFit/>
+          </a:bodyPr>
+          <a:lstStyle/>
+          <a:p>
+            <a:r>
+              <a:rPr lang="de-DE" b="1" dirty="0"/>
+              <a:t>Eintrittswahrscheinlichkeit</a:t>
+            </a:r>
+          </a:p>
+        </p:txBody>
+      </p:sp>
+      <p:sp>
+        <p:nvSpPr>
+          <p:cNvPr id="9" name="Ellipse 8"/>
+          <p:cNvSpPr/>
+          <p:nvPr/>
+        </p:nvSpPr>
+        <p:spPr>
+          <a:xfrm>
+            <a:off x="8773297" y="3150973"/>
+            <a:ext cx="951471" cy="803189"/>
+          </a:xfrm>
+          <a:prstGeom prst="ellipse">
+            <a:avLst/>
+          </a:prstGeom>
+        </p:spPr>
+        <p:style>
+          <a:lnRef idx="2">
+            <a:schemeClr val="accent2">
+              <a:shade val="50000"/>
+            </a:schemeClr>
+          </a:lnRef>
+          <a:fillRef idx="1">
+            <a:schemeClr val="accent2"/>
+          </a:fillRef>
+          <a:effectRef idx="0">
+            <a:schemeClr val="accent2"/>
+          </a:effectRef>
+          <a:fontRef idx="minor">
+            <a:schemeClr val="lt1"/>
+          </a:fontRef>
+        </p:style>
+        <p:txBody>
+          <a:bodyPr rtlCol="0" anchor="ctr"/>
+          <a:lstStyle/>
+          <a:p>
+            <a:pPr algn="ctr"/>
+            <a:r>
+              <a:rPr lang="de-DE" sz="1200" dirty="0"/>
+              <a:t>Zeit</a:t>
+            </a:r>
+          </a:p>
+        </p:txBody>
+      </p:sp>
+      <p:sp>
+        <p:nvSpPr>
+          <p:cNvPr id="10" name="Ellipse 9"/>
+          <p:cNvSpPr/>
+          <p:nvPr/>
+        </p:nvSpPr>
+        <p:spPr>
+          <a:xfrm>
+            <a:off x="3484606" y="4695567"/>
+            <a:ext cx="1037967" cy="840260"/>
+          </a:xfrm>
+          <a:prstGeom prst="ellipse">
+            <a:avLst/>
+          </a:prstGeom>
+        </p:spPr>
+        <p:style>
+          <a:lnRef idx="2">
+            <a:schemeClr val="accent2">
+              <a:shade val="50000"/>
+            </a:schemeClr>
+          </a:lnRef>
+          <a:fillRef idx="1">
+            <a:schemeClr val="accent2"/>
+          </a:fillRef>
+          <a:effectRef idx="0">
+            <a:schemeClr val="accent2"/>
+          </a:effectRef>
+          <a:fontRef idx="minor">
+            <a:schemeClr val="lt1"/>
+          </a:fontRef>
+        </p:style>
+        <p:txBody>
+          <a:bodyPr rtlCol="0" anchor="ctr"/>
+          <a:lstStyle/>
+          <a:p>
+            <a:pPr algn="ctr"/>
+            <a:r>
+              <a:rPr lang="de-DE" sz="1200" dirty="0"/>
+              <a:t>Abbruch</a:t>
+            </a:r>
+          </a:p>
+        </p:txBody>
+      </p:sp>
+      <p:sp>
+        <p:nvSpPr>
+          <p:cNvPr id="11" name="Ellipse 10"/>
+          <p:cNvSpPr/>
+          <p:nvPr/>
+        </p:nvSpPr>
+        <p:spPr>
+          <a:xfrm>
+            <a:off x="9938951" y="2240692"/>
+            <a:ext cx="951471" cy="803189"/>
+          </a:xfrm>
+          <a:prstGeom prst="ellipse">
+            <a:avLst/>
+          </a:prstGeom>
+        </p:spPr>
+        <p:style>
+          <a:lnRef idx="2">
+            <a:schemeClr val="accent6">
+              <a:shade val="50000"/>
+            </a:schemeClr>
+          </a:lnRef>
+          <a:fillRef idx="1">
+            <a:schemeClr val="accent6"/>
+          </a:fillRef>
+          <a:effectRef idx="0">
+            <a:schemeClr val="accent6"/>
+          </a:effectRef>
+          <a:fontRef idx="minor">
+            <a:schemeClr val="lt1"/>
+          </a:fontRef>
+        </p:style>
+        <p:txBody>
+          <a:bodyPr rtlCol="0" anchor="ctr"/>
+          <a:lstStyle/>
+          <a:p>
+            <a:pPr algn="ctr"/>
+            <a:r>
+              <a:rPr lang="de-DE" sz="1100" dirty="0" err="1"/>
+              <a:t>Erfas-sung</a:t>
+            </a:r>
+            <a:r>
+              <a:rPr lang="de-DE" sz="1100" dirty="0"/>
+              <a:t> Projekte</a:t>
+            </a:r>
+          </a:p>
+        </p:txBody>
+      </p:sp>
+      <p:sp>
+        <p:nvSpPr>
+          <p:cNvPr id="12" name="Ellipse 11"/>
+          <p:cNvSpPr/>
+          <p:nvPr/>
+        </p:nvSpPr>
+        <p:spPr>
+          <a:xfrm>
+            <a:off x="8184292" y="4454610"/>
+            <a:ext cx="951471" cy="803189"/>
+          </a:xfrm>
+          <a:prstGeom prst="ellipse">
+            <a:avLst/>
+          </a:prstGeom>
+        </p:spPr>
+        <p:style>
+          <a:lnRef idx="2">
+            <a:schemeClr val="accent6">
+              <a:shade val="50000"/>
+            </a:schemeClr>
+          </a:lnRef>
+          <a:fillRef idx="1">
+            <a:schemeClr val="accent6"/>
+          </a:fillRef>
+          <a:effectRef idx="0">
+            <a:schemeClr val="accent6"/>
+          </a:effectRef>
+          <a:fontRef idx="minor">
+            <a:schemeClr val="lt1"/>
+          </a:fontRef>
+        </p:style>
+        <p:txBody>
+          <a:bodyPr rtlCol="0" anchor="ctr"/>
+          <a:lstStyle/>
+          <a:p>
+            <a:pPr algn="ctr"/>
+            <a:r>
+              <a:rPr lang="de-DE" sz="1200" dirty="0"/>
+              <a:t>Über-sicht</a:t>
+            </a:r>
+          </a:p>
+        </p:txBody>
+      </p:sp>
+      <p:sp>
+        <p:nvSpPr>
+          <p:cNvPr id="13" name="Ellipse 12"/>
+          <p:cNvSpPr/>
+          <p:nvPr/>
+        </p:nvSpPr>
+        <p:spPr>
+          <a:xfrm>
+            <a:off x="9830830" y="3756578"/>
+            <a:ext cx="951471" cy="803189"/>
+          </a:xfrm>
+          <a:prstGeom prst="ellipse">
+            <a:avLst/>
+          </a:prstGeom>
+        </p:spPr>
+        <p:style>
+          <a:lnRef idx="2">
+            <a:schemeClr val="accent6">
+              <a:shade val="50000"/>
+            </a:schemeClr>
+          </a:lnRef>
+          <a:fillRef idx="1">
+            <a:schemeClr val="accent6"/>
+          </a:fillRef>
+          <a:effectRef idx="0">
+            <a:schemeClr val="accent6"/>
+          </a:effectRef>
+          <a:fontRef idx="minor">
+            <a:schemeClr val="lt1"/>
+          </a:fontRef>
+        </p:style>
+        <p:txBody>
+          <a:bodyPr rtlCol="0" anchor="ctr"/>
+          <a:lstStyle/>
+          <a:p>
+            <a:pPr algn="ctr"/>
+            <a:r>
+              <a:rPr lang="de-DE" sz="1200" dirty="0"/>
+              <a:t>Budget-plan</a:t>
+            </a:r>
+          </a:p>
+        </p:txBody>
+      </p:sp>
+      <p:sp>
+        <p:nvSpPr>
+          <p:cNvPr id="14" name="Ellipse 13"/>
+          <p:cNvSpPr/>
+          <p:nvPr/>
+        </p:nvSpPr>
+        <p:spPr>
+          <a:xfrm>
+            <a:off x="5620264" y="1931773"/>
+            <a:ext cx="951471" cy="803189"/>
+          </a:xfrm>
+          <a:prstGeom prst="ellipse">
+            <a:avLst/>
+          </a:prstGeom>
+        </p:spPr>
+        <p:style>
+          <a:lnRef idx="2">
+            <a:schemeClr val="accent2">
+              <a:shade val="50000"/>
+            </a:schemeClr>
+          </a:lnRef>
+          <a:fillRef idx="1">
+            <a:schemeClr val="accent2"/>
+          </a:fillRef>
+          <a:effectRef idx="0">
+            <a:schemeClr val="accent2"/>
+          </a:effectRef>
+          <a:fontRef idx="minor">
+            <a:schemeClr val="lt1"/>
+          </a:fontRef>
+        </p:style>
+        <p:txBody>
+          <a:bodyPr rtlCol="0" anchor="ctr"/>
+          <a:lstStyle/>
+          <a:p>
+            <a:pPr algn="ctr"/>
+            <a:r>
+              <a:rPr lang="de-DE" sz="1200" dirty="0" err="1"/>
+              <a:t>Kon-kurrenz</a:t>
+            </a:r>
+            <a:endParaRPr lang="de-DE" sz="1200" dirty="0"/>
+          </a:p>
+        </p:txBody>
+      </p:sp>
+    </p:spTree>
+    <p:extLst>
+      <p:ext uri="{BB962C8B-B14F-4D97-AF65-F5344CB8AC3E}">
+        <p14:creationId xmlns:p14="http://schemas.microsoft.com/office/powerpoint/2010/main" val="2873840976"/>
+      </p:ext>
+    </p:extLst>
+  </p:cSld>
+  <p:clrMapOvr>
+    <a:masterClrMapping/>
+  </p:clrMapOvr>
+</p:sld>
+</file>
+
+<file path=ppt/slides/slide12.xml><?xml version="1.0" encoding="utf-8"?>
+<p:sld xmlns:a="http://schemas.openxmlformats.org/drawingml/2006/main" xmlns:r="http://schemas.openxmlformats.org/officeDocument/2006/relationships" xmlns:p="http://schemas.openxmlformats.org/presentationml/2006/main">
+  <p:cSld>
+    <p:spTree>
+      <p:nvGrpSpPr>
+        <p:cNvPr id="1" name=""/>
+        <p:cNvGrpSpPr/>
+        <p:nvPr/>
+      </p:nvGrpSpPr>
+      <p:grpSpPr>
+        <a:xfrm>
+          <a:off x="0" y="0"/>
+          <a:ext cx="0" cy="0"/>
+          <a:chOff x="0" y="0"/>
+          <a:chExt cx="0" cy="0"/>
+        </a:xfrm>
+      </p:grpSpPr>
+      <p:sp>
+        <p:nvSpPr>
+          <p:cNvPr id="4" name="Titel 3"/>
+          <p:cNvSpPr>
+            <a:spLocks noGrp="1"/>
+          </p:cNvSpPr>
+          <p:nvPr>
+            <p:ph type="title"/>
+          </p:nvPr>
+        </p:nvSpPr>
+        <p:spPr/>
+        <p:txBody>
+          <a:bodyPr/>
+          <a:lstStyle/>
+          <a:p>
+            <a:r>
+              <a:rPr lang="de-DE" dirty="0"/>
               <a:t>Ziel SMART</a:t>
             </a:r>
           </a:p>
@@ -18640,14 +18268,14 @@
                 <a:gridCol w="5257800">
                   <a:extLst>
                     <a:ext uri="{9D8B030D-6E8A-4147-A177-3AD203B41FA5}">
-                      <a16:colId xmlns:a16="http://schemas.microsoft.com/office/drawing/2014/main" xmlns="" val="543071372"/>
+                      <a16:colId xmlns="" xmlns:a16="http://schemas.microsoft.com/office/drawing/2014/main" val="543071372"/>
                     </a:ext>
                   </a:extLst>
                 </a:gridCol>
                 <a:gridCol w="5257800">
                   <a:extLst>
                     <a:ext uri="{9D8B030D-6E8A-4147-A177-3AD203B41FA5}">
-                      <a16:colId xmlns:a16="http://schemas.microsoft.com/office/drawing/2014/main" xmlns="" val="750843462"/>
+                      <a16:colId xmlns="" xmlns:a16="http://schemas.microsoft.com/office/drawing/2014/main" val="750843462"/>
                     </a:ext>
                   </a:extLst>
                 </a:gridCol>
@@ -18750,7 +18378,7 @@
                 </a:tc>
                 <a:extLst>
                   <a:ext uri="{0D108BD9-81ED-4DB2-BD59-A6C34878D82A}">
-                    <a16:rowId xmlns:a16="http://schemas.microsoft.com/office/drawing/2014/main" xmlns="" val="592059295"/>
+                    <a16:rowId xmlns="" xmlns:a16="http://schemas.microsoft.com/office/drawing/2014/main" val="592059295"/>
                   </a:ext>
                 </a:extLst>
               </a:tr>
@@ -18820,7 +18448,7 @@
                 </a:tc>
                 <a:extLst>
                   <a:ext uri="{0D108BD9-81ED-4DB2-BD59-A6C34878D82A}">
-                    <a16:rowId xmlns:a16="http://schemas.microsoft.com/office/drawing/2014/main" xmlns="" val="3383136000"/>
+                    <a16:rowId xmlns="" xmlns:a16="http://schemas.microsoft.com/office/drawing/2014/main" val="3383136000"/>
                   </a:ext>
                 </a:extLst>
               </a:tr>
@@ -18903,7 +18531,7 @@
                 </a:tc>
                 <a:extLst>
                   <a:ext uri="{0D108BD9-81ED-4DB2-BD59-A6C34878D82A}">
-                    <a16:rowId xmlns:a16="http://schemas.microsoft.com/office/drawing/2014/main" xmlns="" val="2076048036"/>
+                    <a16:rowId xmlns="" xmlns:a16="http://schemas.microsoft.com/office/drawing/2014/main" val="2076048036"/>
                   </a:ext>
                 </a:extLst>
               </a:tr>
@@ -18965,7 +18593,7 @@
                 </a:tc>
                 <a:extLst>
                   <a:ext uri="{0D108BD9-81ED-4DB2-BD59-A6C34878D82A}">
-                    <a16:rowId xmlns:a16="http://schemas.microsoft.com/office/drawing/2014/main" xmlns="" val="3664696022"/>
+                    <a16:rowId xmlns="" xmlns:a16="http://schemas.microsoft.com/office/drawing/2014/main" val="3664696022"/>
                   </a:ext>
                 </a:extLst>
               </a:tr>
@@ -19032,7 +18660,7 @@
                 </a:tc>
                 <a:extLst>
                   <a:ext uri="{0D108BD9-81ED-4DB2-BD59-A6C34878D82A}">
-                    <a16:rowId xmlns:a16="http://schemas.microsoft.com/office/drawing/2014/main" xmlns="" val="2265614862"/>
+                    <a16:rowId xmlns="" xmlns:a16="http://schemas.microsoft.com/office/drawing/2014/main" val="2265614862"/>
                   </a:ext>
                 </a:extLst>
               </a:tr>
@@ -19882,7 +19510,6 @@
               <a:rPr lang="de-DE" dirty="0" smtClean="0"/>
               <a:t>1 Testserver</a:t>
             </a:r>
-            <a:endParaRPr lang="de-DE" dirty="0" smtClean="0"/>
           </a:p>
           <a:p>
             <a:pPr lvl="1"/>

--- a/documents/projectmanagement/Allgemeines/Machbarkeitsstudie.pptx
+++ b/documents/projectmanagement/Allgemeines/Machbarkeitsstudie.pptx
@@ -16,7 +16,8 @@
     <p:sldId id="267" r:id="rId10"/>
     <p:sldId id="264" r:id="rId11"/>
     <p:sldId id="268" r:id="rId12"/>
-    <p:sldId id="266" r:id="rId13"/>
+    <p:sldId id="269" r:id="rId13"/>
+    <p:sldId id="266" r:id="rId14"/>
   </p:sldIdLst>
   <p:sldSz cx="12192000" cy="6858000"/>
   <p:notesSz cx="6858000" cy="9144000"/>
@@ -3805,9 +3806,9 @@
     <dgm:cxn modelId="{E85D5463-7228-41A9-888A-9EC366987151}" srcId="{6217A406-CCAC-4760-A132-823320E7C8AA}" destId="{A8DD8037-4DB6-470D-8714-9A3918A2AA88}" srcOrd="0" destOrd="0" parTransId="{82353E00-898A-4479-BD1A-370A77D87C99}" sibTransId="{A267CE71-DF80-4788-9F14-E573AADD3E40}"/>
     <dgm:cxn modelId="{ECFEB97A-43D7-444C-B0EA-72B81C62A6C0}" srcId="{03A8BDC9-669F-4918-A9DE-106A769820D1}" destId="{360A8656-2B98-4847-8F25-D5D3168CA0D1}" srcOrd="1" destOrd="0" parTransId="{86358050-89CD-4349-B74B-9DD9CD9BA9A8}" sibTransId="{75247C5B-8F9E-45FF-B498-3C4C035E6B74}"/>
     <dgm:cxn modelId="{C11BD460-D82F-48C7-A866-6C4480D7932A}" type="presOf" srcId="{00126DA2-E8A9-44CA-85AD-A6CB396B82C5}" destId="{1C4F9093-FE47-4554-A822-B92A4C0EC2A7}" srcOrd="0" destOrd="0" presId="urn:microsoft.com/office/officeart/2005/8/layout/arrow2"/>
+    <dgm:cxn modelId="{5170D23C-6CF2-4C5A-BED6-20ABA304C401}" type="presOf" srcId="{EC43F636-1A5B-45CE-867C-21BB2A8C9979}" destId="{55D03CFC-8164-4FA7-8D3A-0BF5D70844C3}" srcOrd="0" destOrd="1" presId="urn:microsoft.com/office/officeart/2005/8/layout/arrow2"/>
+    <dgm:cxn modelId="{296EF577-D74A-46D9-B1C2-3BFEB87C743D}" type="presOf" srcId="{A8DD8037-4DB6-470D-8714-9A3918A2AA88}" destId="{8F7A122F-A032-49E6-AAC7-9B138367453A}" srcOrd="0" destOrd="1" presId="urn:microsoft.com/office/officeart/2005/8/layout/arrow2"/>
     <dgm:cxn modelId="{4B47EB8C-5E19-4988-9BA6-AC4A66744EE6}" srcId="{0AE2193A-BCD4-4946-9B53-3FCAAF9851C5}" destId="{3F888F01-DCE4-4AA3-81A6-3CA974F7DEED}" srcOrd="2" destOrd="0" parTransId="{F8AF2A7E-D40F-4EF0-A289-6116C58B8397}" sibTransId="{A86B9379-31F6-434F-AE6D-F6EA41D9E54B}"/>
-    <dgm:cxn modelId="{296EF577-D74A-46D9-B1C2-3BFEB87C743D}" type="presOf" srcId="{A8DD8037-4DB6-470D-8714-9A3918A2AA88}" destId="{8F7A122F-A032-49E6-AAC7-9B138367453A}" srcOrd="0" destOrd="1" presId="urn:microsoft.com/office/officeart/2005/8/layout/arrow2"/>
-    <dgm:cxn modelId="{5170D23C-6CF2-4C5A-BED6-20ABA304C401}" type="presOf" srcId="{EC43F636-1A5B-45CE-867C-21BB2A8C9979}" destId="{55D03CFC-8164-4FA7-8D3A-0BF5D70844C3}" srcOrd="0" destOrd="1" presId="urn:microsoft.com/office/officeart/2005/8/layout/arrow2"/>
     <dgm:cxn modelId="{AAF496FB-B2D6-4F55-9D64-A9D1B532DE13}" type="presParOf" srcId="{774104AD-7E53-4E32-B515-B77A8A985716}" destId="{8EFB4082-6FA8-467F-B4A4-1D865061D7EB}" srcOrd="0" destOrd="0" presId="urn:microsoft.com/office/officeart/2005/8/layout/arrow2"/>
     <dgm:cxn modelId="{19C067C1-98AB-46EA-9532-50D475C7306F}" type="presParOf" srcId="{774104AD-7E53-4E32-B515-B77A8A985716}" destId="{2AB02C00-8A31-40E5-A971-475D350A9809}" srcOrd="1" destOrd="0" presId="urn:microsoft.com/office/officeart/2005/8/layout/arrow2"/>
     <dgm:cxn modelId="{67734BBC-6FDD-4787-BCB3-721DA787E5CA}" type="presParOf" srcId="{2AB02C00-8A31-40E5-A971-475D350A9809}" destId="{490D4099-2E4E-45B8-A269-26396529A523}" srcOrd="0" destOrd="0" presId="urn:microsoft.com/office/officeart/2005/8/layout/arrow2"/>
@@ -13552,7 +13553,7 @@
           <a:p>
             <a:fld id="{C46EAA04-5A0C-4C33-BE06-340CEF9B6FFD}" type="datetimeFigureOut">
               <a:rPr lang="de-DE" smtClean="0"/>
-              <a:t>23.07.2016</a:t>
+              <a:t>26.07.2016</a:t>
             </a:fld>
             <a:endParaRPr lang="de-DE"/>
           </a:p>
@@ -13720,7 +13721,7 @@
           <a:p>
             <a:fld id="{C46EAA04-5A0C-4C33-BE06-340CEF9B6FFD}" type="datetimeFigureOut">
               <a:rPr lang="de-DE" smtClean="0"/>
-              <a:t>23.07.2016</a:t>
+              <a:t>26.07.2016</a:t>
             </a:fld>
             <a:endParaRPr lang="de-DE"/>
           </a:p>
@@ -13898,7 +13899,7 @@
           <a:p>
             <a:fld id="{C46EAA04-5A0C-4C33-BE06-340CEF9B6FFD}" type="datetimeFigureOut">
               <a:rPr lang="de-DE" smtClean="0"/>
-              <a:t>23.07.2016</a:t>
+              <a:t>26.07.2016</a:t>
             </a:fld>
             <a:endParaRPr lang="de-DE"/>
           </a:p>
@@ -14066,7 +14067,7 @@
           <a:p>
             <a:fld id="{C46EAA04-5A0C-4C33-BE06-340CEF9B6FFD}" type="datetimeFigureOut">
               <a:rPr lang="de-DE" smtClean="0"/>
-              <a:t>23.07.2016</a:t>
+              <a:t>26.07.2016</a:t>
             </a:fld>
             <a:endParaRPr lang="de-DE"/>
           </a:p>
@@ -14311,7 +14312,7 @@
           <a:p>
             <a:fld id="{C46EAA04-5A0C-4C33-BE06-340CEF9B6FFD}" type="datetimeFigureOut">
               <a:rPr lang="de-DE" smtClean="0"/>
-              <a:t>23.07.2016</a:t>
+              <a:t>26.07.2016</a:t>
             </a:fld>
             <a:endParaRPr lang="de-DE"/>
           </a:p>
@@ -14540,7 +14541,7 @@
           <a:p>
             <a:fld id="{C46EAA04-5A0C-4C33-BE06-340CEF9B6FFD}" type="datetimeFigureOut">
               <a:rPr lang="de-DE" smtClean="0"/>
-              <a:t>23.07.2016</a:t>
+              <a:t>26.07.2016</a:t>
             </a:fld>
             <a:endParaRPr lang="de-DE"/>
           </a:p>
@@ -14904,7 +14905,7 @@
           <a:p>
             <a:fld id="{C46EAA04-5A0C-4C33-BE06-340CEF9B6FFD}" type="datetimeFigureOut">
               <a:rPr lang="de-DE" smtClean="0"/>
-              <a:t>23.07.2016</a:t>
+              <a:t>26.07.2016</a:t>
             </a:fld>
             <a:endParaRPr lang="de-DE"/>
           </a:p>
@@ -15021,7 +15022,7 @@
           <a:p>
             <a:fld id="{C46EAA04-5A0C-4C33-BE06-340CEF9B6FFD}" type="datetimeFigureOut">
               <a:rPr lang="de-DE" smtClean="0"/>
-              <a:t>23.07.2016</a:t>
+              <a:t>26.07.2016</a:t>
             </a:fld>
             <a:endParaRPr lang="de-DE"/>
           </a:p>
@@ -15116,7 +15117,7 @@
           <a:p>
             <a:fld id="{C46EAA04-5A0C-4C33-BE06-340CEF9B6FFD}" type="datetimeFigureOut">
               <a:rPr lang="de-DE" smtClean="0"/>
-              <a:t>23.07.2016</a:t>
+              <a:t>26.07.2016</a:t>
             </a:fld>
             <a:endParaRPr lang="de-DE"/>
           </a:p>
@@ -15391,7 +15392,7 @@
           <a:p>
             <a:fld id="{C46EAA04-5A0C-4C33-BE06-340CEF9B6FFD}" type="datetimeFigureOut">
               <a:rPr lang="de-DE" smtClean="0"/>
-              <a:t>23.07.2016</a:t>
+              <a:t>26.07.2016</a:t>
             </a:fld>
             <a:endParaRPr lang="de-DE"/>
           </a:p>
@@ -15643,7 +15644,7 @@
           <a:p>
             <a:fld id="{C46EAA04-5A0C-4C33-BE06-340CEF9B6FFD}" type="datetimeFigureOut">
               <a:rPr lang="de-DE" smtClean="0"/>
-              <a:t>23.07.2016</a:t>
+              <a:t>26.07.2016</a:t>
             </a:fld>
             <a:endParaRPr lang="de-DE"/>
           </a:p>
@@ -15854,7 +15855,7 @@
           <a:p>
             <a:fld id="{C46EAA04-5A0C-4C33-BE06-340CEF9B6FFD}" type="datetimeFigureOut">
               <a:rPr lang="de-DE" smtClean="0"/>
-              <a:t>23.07.2016</a:t>
+              <a:t>26.07.2016</a:t>
             </a:fld>
             <a:endParaRPr lang="de-DE"/>
           </a:p>
@@ -16457,15 +16458,30 @@
             <p:ph type="title"/>
           </p:nvPr>
         </p:nvSpPr>
-        <p:spPr/>
+        <p:spPr>
+          <a:xfrm>
+            <a:off x="838200" y="142938"/>
+            <a:ext cx="10515600" cy="1325563"/>
+          </a:xfrm>
+        </p:spPr>
         <p:txBody>
           <a:bodyPr/>
           <a:lstStyle/>
           <a:p>
             <a:r>
               <a:rPr lang="de-DE" dirty="0"/>
-              <a:t>Chancen / Risiko Portfolio</a:t>
+              <a:t>Chancen / Risiko Portfolio </a:t>
             </a:r>
+            <a:br>
+              <a:rPr lang="de-DE" dirty="0"/>
+            </a:br>
+            <a:r>
+              <a:rPr lang="de-DE" dirty="0">
+                <a:sym typeface="Wingdings" panose="05000000000000000000" pitchFamily="2" charset="2"/>
+              </a:rPr>
+              <a:t> Sicht Projektteam</a:t>
+            </a:r>
+            <a:endParaRPr lang="de-DE" dirty="0"/>
           </a:p>
         </p:txBody>
       </p:sp>
@@ -16642,7 +16658,7 @@
                     <a:bodyPr/>
                     <a:lstStyle/>
                     <a:p>
-                      <a:endParaRPr lang="de-DE" sz="1800" b="0"/>
+                      <a:endParaRPr lang="de-DE" sz="1800" b="0" dirty="0"/>
                     </a:p>
                   </a:txBody>
                   <a:tcPr>
@@ -18016,13 +18032,1927 @@
       </p:sp>
       <p:sp>
         <p:nvSpPr>
+          <p:cNvPr id="12" name="Ellipse 11"/>
+          <p:cNvSpPr/>
+          <p:nvPr/>
+        </p:nvSpPr>
+        <p:spPr>
+          <a:xfrm>
+            <a:off x="5641373" y="1928151"/>
+            <a:ext cx="951471" cy="803189"/>
+          </a:xfrm>
+          <a:prstGeom prst="ellipse">
+            <a:avLst/>
+          </a:prstGeom>
+        </p:spPr>
+        <p:style>
+          <a:lnRef idx="2">
+            <a:schemeClr val="accent6">
+              <a:shade val="50000"/>
+            </a:schemeClr>
+          </a:lnRef>
+          <a:fillRef idx="1">
+            <a:schemeClr val="accent6"/>
+          </a:fillRef>
+          <a:effectRef idx="0">
+            <a:schemeClr val="accent6"/>
+          </a:effectRef>
+          <a:fontRef idx="minor">
+            <a:schemeClr val="lt1"/>
+          </a:fontRef>
+        </p:style>
+        <p:txBody>
+          <a:bodyPr rtlCol="0" anchor="ctr"/>
+          <a:lstStyle/>
+          <a:p>
+            <a:pPr algn="ctr"/>
+            <a:r>
+              <a:rPr lang="de-DE" sz="1200" dirty="0"/>
+              <a:t>Wiederverkauf Software</a:t>
+            </a:r>
+          </a:p>
+        </p:txBody>
+      </p:sp>
+      <p:sp>
+        <p:nvSpPr>
+          <p:cNvPr id="13" name="Ellipse 12"/>
+          <p:cNvSpPr/>
+          <p:nvPr/>
+        </p:nvSpPr>
+        <p:spPr>
+          <a:xfrm>
+            <a:off x="9926594" y="3342683"/>
+            <a:ext cx="951471" cy="803189"/>
+          </a:xfrm>
+          <a:prstGeom prst="ellipse">
+            <a:avLst/>
+          </a:prstGeom>
+        </p:spPr>
+        <p:style>
+          <a:lnRef idx="2">
+            <a:schemeClr val="accent6">
+              <a:shade val="50000"/>
+            </a:schemeClr>
+          </a:lnRef>
+          <a:fillRef idx="1">
+            <a:schemeClr val="accent6"/>
+          </a:fillRef>
+          <a:effectRef idx="0">
+            <a:schemeClr val="accent6"/>
+          </a:effectRef>
+          <a:fontRef idx="minor">
+            <a:schemeClr val="lt1"/>
+          </a:fontRef>
+        </p:style>
+        <p:txBody>
+          <a:bodyPr rtlCol="0" anchor="ctr"/>
+          <a:lstStyle/>
+          <a:p>
+            <a:pPr algn="ctr"/>
+            <a:r>
+              <a:rPr lang="de-DE" sz="1200" dirty="0"/>
+              <a:t>Qualifikationszugewinn</a:t>
+            </a:r>
+          </a:p>
+        </p:txBody>
+      </p:sp>
+      <p:sp>
+        <p:nvSpPr>
+          <p:cNvPr id="14" name="Ellipse 13"/>
+          <p:cNvSpPr/>
+          <p:nvPr/>
+        </p:nvSpPr>
+        <p:spPr>
+          <a:xfrm>
+            <a:off x="8231658" y="1845288"/>
+            <a:ext cx="951471" cy="803189"/>
+          </a:xfrm>
+          <a:prstGeom prst="ellipse">
+            <a:avLst/>
+          </a:prstGeom>
+        </p:spPr>
+        <p:style>
+          <a:lnRef idx="2">
+            <a:schemeClr val="accent2">
+              <a:shade val="50000"/>
+            </a:schemeClr>
+          </a:lnRef>
+          <a:fillRef idx="1">
+            <a:schemeClr val="accent2"/>
+          </a:fillRef>
+          <a:effectRef idx="0">
+            <a:schemeClr val="accent2"/>
+          </a:effectRef>
+          <a:fontRef idx="minor">
+            <a:schemeClr val="lt1"/>
+          </a:fontRef>
+        </p:style>
+        <p:txBody>
+          <a:bodyPr rtlCol="0" anchor="ctr"/>
+          <a:lstStyle/>
+          <a:p>
+            <a:pPr algn="ctr"/>
+            <a:r>
+              <a:rPr lang="de-DE" sz="1200" dirty="0" err="1"/>
+              <a:t>Kon-kurrenz</a:t>
+            </a:r>
+            <a:endParaRPr lang="de-DE" sz="1200" dirty="0"/>
+          </a:p>
+        </p:txBody>
+      </p:sp>
+      <p:sp>
+        <p:nvSpPr>
+          <p:cNvPr id="15" name="Ellipse 14"/>
+          <p:cNvSpPr/>
+          <p:nvPr/>
+        </p:nvSpPr>
+        <p:spPr>
+          <a:xfrm>
+            <a:off x="6668529" y="3150973"/>
+            <a:ext cx="951471" cy="803189"/>
+          </a:xfrm>
+          <a:prstGeom prst="ellipse">
+            <a:avLst/>
+          </a:prstGeom>
+        </p:spPr>
+        <p:style>
+          <a:lnRef idx="2">
+            <a:schemeClr val="accent6">
+              <a:shade val="50000"/>
+            </a:schemeClr>
+          </a:lnRef>
+          <a:fillRef idx="1">
+            <a:schemeClr val="accent6"/>
+          </a:fillRef>
+          <a:effectRef idx="0">
+            <a:schemeClr val="accent6"/>
+          </a:effectRef>
+          <a:fontRef idx="minor">
+            <a:schemeClr val="lt1"/>
+          </a:fontRef>
+        </p:style>
+        <p:txBody>
+          <a:bodyPr rtlCol="0" anchor="ctr"/>
+          <a:lstStyle/>
+          <a:p>
+            <a:pPr algn="ctr"/>
+            <a:r>
+              <a:rPr lang="de-DE" sz="1100" dirty="0"/>
+              <a:t>Erfahrungs-zugewinn</a:t>
+            </a:r>
+          </a:p>
+        </p:txBody>
+      </p:sp>
+      <p:sp>
+        <p:nvSpPr>
+          <p:cNvPr id="16" name="Ellipse 15"/>
+          <p:cNvSpPr/>
+          <p:nvPr/>
+        </p:nvSpPr>
+        <p:spPr>
+          <a:xfrm>
+            <a:off x="3515498" y="1854009"/>
+            <a:ext cx="1037967" cy="840260"/>
+          </a:xfrm>
+          <a:prstGeom prst="ellipse">
+            <a:avLst/>
+          </a:prstGeom>
+        </p:spPr>
+        <p:style>
+          <a:lnRef idx="2">
+            <a:schemeClr val="accent2">
+              <a:shade val="50000"/>
+            </a:schemeClr>
+          </a:lnRef>
+          <a:fillRef idx="1">
+            <a:schemeClr val="accent2"/>
+          </a:fillRef>
+          <a:effectRef idx="0">
+            <a:schemeClr val="accent2"/>
+          </a:effectRef>
+          <a:fontRef idx="minor">
+            <a:schemeClr val="lt1"/>
+          </a:fontRef>
+        </p:style>
+        <p:txBody>
+          <a:bodyPr rtlCol="0" anchor="ctr"/>
+          <a:lstStyle/>
+          <a:p>
+            <a:pPr algn="ctr"/>
+            <a:r>
+              <a:rPr lang="de-DE" sz="1200" dirty="0"/>
+              <a:t>Fehlende Qualifikation</a:t>
+            </a:r>
+          </a:p>
+        </p:txBody>
+      </p:sp>
+      <p:sp>
+        <p:nvSpPr>
+          <p:cNvPr id="17" name="Ellipse 16"/>
+          <p:cNvSpPr/>
+          <p:nvPr/>
+        </p:nvSpPr>
+        <p:spPr>
+          <a:xfrm>
+            <a:off x="10306565" y="1820562"/>
+            <a:ext cx="1037967" cy="840260"/>
+          </a:xfrm>
+          <a:prstGeom prst="ellipse">
+            <a:avLst/>
+          </a:prstGeom>
+        </p:spPr>
+        <p:style>
+          <a:lnRef idx="2">
+            <a:schemeClr val="accent2">
+              <a:shade val="50000"/>
+            </a:schemeClr>
+          </a:lnRef>
+          <a:fillRef idx="1">
+            <a:schemeClr val="accent2"/>
+          </a:fillRef>
+          <a:effectRef idx="0">
+            <a:schemeClr val="accent2"/>
+          </a:effectRef>
+          <a:fontRef idx="minor">
+            <a:schemeClr val="lt1"/>
+          </a:fontRef>
+        </p:style>
+        <p:txBody>
+          <a:bodyPr rtlCol="0" anchor="ctr"/>
+          <a:lstStyle/>
+          <a:p>
+            <a:pPr algn="ctr"/>
+            <a:r>
+              <a:rPr lang="de-DE" sz="1200" dirty="0"/>
+              <a:t>Abweichung  des Projekts</a:t>
+            </a:r>
+          </a:p>
+        </p:txBody>
+      </p:sp>
+      <p:sp>
+        <p:nvSpPr>
+          <p:cNvPr id="18" name="Ellipse 17"/>
+          <p:cNvSpPr/>
+          <p:nvPr/>
+        </p:nvSpPr>
+        <p:spPr>
+          <a:xfrm>
+            <a:off x="7720422" y="3743177"/>
+            <a:ext cx="951471" cy="803189"/>
+          </a:xfrm>
+          <a:prstGeom prst="ellipse">
+            <a:avLst/>
+          </a:prstGeom>
+        </p:spPr>
+        <p:style>
+          <a:lnRef idx="2">
+            <a:schemeClr val="accent6">
+              <a:shade val="50000"/>
+            </a:schemeClr>
+          </a:lnRef>
+          <a:fillRef idx="1">
+            <a:schemeClr val="accent6"/>
+          </a:fillRef>
+          <a:effectRef idx="0">
+            <a:schemeClr val="accent6"/>
+          </a:effectRef>
+          <a:fontRef idx="minor">
+            <a:schemeClr val="lt1"/>
+          </a:fontRef>
+        </p:style>
+        <p:txBody>
+          <a:bodyPr rtlCol="0" anchor="ctr"/>
+          <a:lstStyle/>
+          <a:p>
+            <a:pPr algn="ctr"/>
+            <a:r>
+              <a:rPr lang="de-DE" sz="1200" dirty="0"/>
+              <a:t>Neugewinnung Kunde</a:t>
+            </a:r>
+          </a:p>
+        </p:txBody>
+      </p:sp>
+    </p:spTree>
+    <p:extLst>
+      <p:ext uri="{BB962C8B-B14F-4D97-AF65-F5344CB8AC3E}">
+        <p14:creationId xmlns:p14="http://schemas.microsoft.com/office/powerpoint/2010/main" val="4198614665"/>
+      </p:ext>
+    </p:extLst>
+  </p:cSld>
+  <p:clrMapOvr>
+    <a:masterClrMapping/>
+  </p:clrMapOvr>
+</p:sld>
+</file>
+
+<file path=ppt/slides/slide12.xml><?xml version="1.0" encoding="utf-8"?>
+<p:sld xmlns:a="http://schemas.openxmlformats.org/drawingml/2006/main" xmlns:r="http://schemas.openxmlformats.org/officeDocument/2006/relationships" xmlns:p="http://schemas.openxmlformats.org/presentationml/2006/main">
+  <p:cSld>
+    <p:spTree>
+      <p:nvGrpSpPr>
+        <p:cNvPr id="1" name=""/>
+        <p:cNvGrpSpPr/>
+        <p:nvPr/>
+      </p:nvGrpSpPr>
+      <p:grpSpPr>
+        <a:xfrm>
+          <a:off x="0" y="0"/>
+          <a:ext cx="0" cy="0"/>
+          <a:chOff x="0" y="0"/>
+          <a:chExt cx="0" cy="0"/>
+        </a:xfrm>
+      </p:grpSpPr>
+      <p:sp>
+        <p:nvSpPr>
+          <p:cNvPr id="4" name="Titel 3"/>
+          <p:cNvSpPr>
+            <a:spLocks noGrp="1"/>
+          </p:cNvSpPr>
+          <p:nvPr>
+            <p:ph type="title"/>
+          </p:nvPr>
+        </p:nvSpPr>
+        <p:spPr>
+          <a:xfrm>
+            <a:off x="838200" y="142938"/>
+            <a:ext cx="10515600" cy="1325563"/>
+          </a:xfrm>
+        </p:spPr>
+        <p:txBody>
+          <a:bodyPr/>
+          <a:lstStyle/>
+          <a:p>
+            <a:r>
+              <a:rPr lang="de-DE" dirty="0"/>
+              <a:t>Chancen / Risiko Portfolio </a:t>
+            </a:r>
+            <a:br>
+              <a:rPr lang="de-DE" dirty="0"/>
+            </a:br>
+            <a:r>
+              <a:rPr lang="de-DE" dirty="0">
+                <a:sym typeface="Wingdings" panose="05000000000000000000" pitchFamily="2" charset="2"/>
+              </a:rPr>
+              <a:t> Sicht Auftraggeber</a:t>
+            </a:r>
+            <a:endParaRPr lang="de-DE" dirty="0"/>
+          </a:p>
+        </p:txBody>
+      </p:sp>
+      <p:graphicFrame>
+        <p:nvGraphicFramePr>
+          <p:cNvPr id="6" name="Inhaltsplatzhalter 5"/>
+          <p:cNvGraphicFramePr>
+            <a:graphicFrameLocks noGrp="1"/>
+          </p:cNvGraphicFramePr>
+          <p:nvPr>
+            <p:ph idx="1"/>
+            <p:extLst/>
+          </p:nvPr>
+        </p:nvGraphicFramePr>
+        <p:xfrm>
+          <a:off x="838200" y="1825622"/>
+          <a:ext cx="10515600" cy="4735815"/>
+        </p:xfrm>
+        <a:graphic>
+          <a:graphicData uri="http://schemas.openxmlformats.org/drawingml/2006/table">
+            <a:tbl>
+              <a:tblPr firstRow="1" bandRow="1">
+                <a:tableStyleId>{5C22544A-7EE6-4342-B048-85BDC9FD1C3A}</a:tableStyleId>
+              </a:tblPr>
+              <a:tblGrid>
+                <a:gridCol w="2103120">
+                  <a:extLst>
+                    <a:ext uri="{9D8B030D-6E8A-4147-A177-3AD203B41FA5}">
+                      <a16:colId xmlns:a16="http://schemas.microsoft.com/office/drawing/2014/main" xmlns="" val="8867888"/>
+                    </a:ext>
+                  </a:extLst>
+                </a:gridCol>
+                <a:gridCol w="2103120">
+                  <a:extLst>
+                    <a:ext uri="{9D8B030D-6E8A-4147-A177-3AD203B41FA5}">
+                      <a16:colId xmlns:a16="http://schemas.microsoft.com/office/drawing/2014/main" xmlns="" val="1260557612"/>
+                    </a:ext>
+                  </a:extLst>
+                </a:gridCol>
+                <a:gridCol w="2103120">
+                  <a:extLst>
+                    <a:ext uri="{9D8B030D-6E8A-4147-A177-3AD203B41FA5}">
+                      <a16:colId xmlns:a16="http://schemas.microsoft.com/office/drawing/2014/main" xmlns="" val="1768088843"/>
+                    </a:ext>
+                  </a:extLst>
+                </a:gridCol>
+                <a:gridCol w="2103120">
+                  <a:extLst>
+                    <a:ext uri="{9D8B030D-6E8A-4147-A177-3AD203B41FA5}">
+                      <a16:colId xmlns:a16="http://schemas.microsoft.com/office/drawing/2014/main" xmlns="" val="2592898585"/>
+                    </a:ext>
+                  </a:extLst>
+                </a:gridCol>
+                <a:gridCol w="2103120">
+                  <a:extLst>
+                    <a:ext uri="{9D8B030D-6E8A-4147-A177-3AD203B41FA5}">
+                      <a16:colId xmlns:a16="http://schemas.microsoft.com/office/drawing/2014/main" xmlns="" val="3051220917"/>
+                    </a:ext>
+                  </a:extLst>
+                </a:gridCol>
+              </a:tblGrid>
+              <a:tr h="947163">
+                <a:tc>
+                  <a:txBody>
+                    <a:bodyPr/>
+                    <a:lstStyle/>
+                    <a:p>
+                      <a:r>
+                        <a:rPr lang="de-DE" sz="1800" b="0" dirty="0">
+                          <a:solidFill>
+                            <a:sysClr val="windowText" lastClr="000000"/>
+                          </a:solidFill>
+                        </a:rPr>
+                        <a:t>hoch</a:t>
+                      </a:r>
+                    </a:p>
+                  </a:txBody>
+                  <a:tcPr>
+                    <a:lnL w="12700" cap="flat" cmpd="sng" algn="ctr">
+                      <a:noFill/>
+                      <a:prstDash val="solid"/>
+                      <a:round/>
+                      <a:headEnd type="none" w="med" len="med"/>
+                      <a:tailEnd type="none" w="med" len="med"/>
+                    </a:lnL>
+                    <a:lnR w="12700" cap="flat" cmpd="sng" algn="ctr">
+                      <a:solidFill>
+                        <a:schemeClr val="tx1"/>
+                      </a:solidFill>
+                      <a:prstDash val="solid"/>
+                      <a:round/>
+                      <a:headEnd type="none" w="med" len="med"/>
+                      <a:tailEnd type="none" w="med" len="med"/>
+                    </a:lnR>
+                    <a:lnT w="12700" cap="flat" cmpd="sng" algn="ctr">
+                      <a:noFill/>
+                      <a:prstDash val="solid"/>
+                      <a:round/>
+                      <a:headEnd type="none" w="med" len="med"/>
+                      <a:tailEnd type="none" w="med" len="med"/>
+                    </a:lnT>
+                    <a:lnB w="12700" cap="flat" cmpd="sng" algn="ctr">
+                      <a:noFill/>
+                      <a:prstDash val="solid"/>
+                      <a:round/>
+                      <a:headEnd type="none" w="med" len="med"/>
+                      <a:tailEnd type="none" w="med" len="med"/>
+                    </a:lnB>
+                    <a:lnTlToBr w="12700" cmpd="sng">
+                      <a:noFill/>
+                      <a:prstDash val="solid"/>
+                    </a:lnTlToBr>
+                    <a:lnBlToTr w="12700" cmpd="sng">
+                      <a:noFill/>
+                      <a:prstDash val="solid"/>
+                    </a:lnBlToTr>
+                    <a:solidFill>
+                      <a:schemeClr val="bg1"/>
+                    </a:solidFill>
+                  </a:tcPr>
+                </a:tc>
+                <a:tc>
+                  <a:txBody>
+                    <a:bodyPr/>
+                    <a:lstStyle/>
+                    <a:p>
+                      <a:endParaRPr lang="de-DE" sz="1800" b="0" dirty="0"/>
+                    </a:p>
+                  </a:txBody>
+                  <a:tcPr>
+                    <a:lnL w="12700" cap="flat" cmpd="sng" algn="ctr">
+                      <a:solidFill>
+                        <a:schemeClr val="tx1"/>
+                      </a:solidFill>
+                      <a:prstDash val="solid"/>
+                      <a:round/>
+                      <a:headEnd type="none" w="med" len="med"/>
+                      <a:tailEnd type="none" w="med" len="med"/>
+                    </a:lnL>
+                    <a:lnR w="12700" cap="flat" cmpd="sng" algn="ctr">
+                      <a:solidFill>
+                        <a:schemeClr val="tx1"/>
+                      </a:solidFill>
+                      <a:prstDash val="solid"/>
+                      <a:round/>
+                      <a:headEnd type="none" w="med" len="med"/>
+                      <a:tailEnd type="none" w="med" len="med"/>
+                    </a:lnR>
+                    <a:lnT w="12700" cap="flat" cmpd="sng" algn="ctr">
+                      <a:solidFill>
+                        <a:schemeClr val="tx1"/>
+                      </a:solidFill>
+                      <a:prstDash val="solid"/>
+                      <a:round/>
+                      <a:headEnd type="none" w="med" len="med"/>
+                      <a:tailEnd type="none" w="med" len="med"/>
+                    </a:lnT>
+                    <a:lnB w="12700" cap="flat" cmpd="sng" algn="ctr">
+                      <a:solidFill>
+                        <a:schemeClr val="tx1"/>
+                      </a:solidFill>
+                      <a:prstDash val="solid"/>
+                      <a:round/>
+                      <a:headEnd type="none" w="med" len="med"/>
+                      <a:tailEnd type="none" w="med" len="med"/>
+                    </a:lnB>
+                    <a:solidFill>
+                      <a:schemeClr val="bg1"/>
+                    </a:solidFill>
+                  </a:tcPr>
+                </a:tc>
+                <a:tc>
+                  <a:txBody>
+                    <a:bodyPr/>
+                    <a:lstStyle/>
+                    <a:p>
+                      <a:endParaRPr lang="de-DE" sz="1800" b="0" dirty="0"/>
+                    </a:p>
+                  </a:txBody>
+                  <a:tcPr>
+                    <a:lnL w="12700" cap="flat" cmpd="sng" algn="ctr">
+                      <a:solidFill>
+                        <a:schemeClr val="tx1"/>
+                      </a:solidFill>
+                      <a:prstDash val="solid"/>
+                      <a:round/>
+                      <a:headEnd type="none" w="med" len="med"/>
+                      <a:tailEnd type="none" w="med" len="med"/>
+                    </a:lnL>
+                    <a:lnR w="12700" cap="flat" cmpd="sng" algn="ctr">
+                      <a:solidFill>
+                        <a:schemeClr val="tx1"/>
+                      </a:solidFill>
+                      <a:prstDash val="solid"/>
+                      <a:round/>
+                      <a:headEnd type="none" w="med" len="med"/>
+                      <a:tailEnd type="none" w="med" len="med"/>
+                    </a:lnR>
+                    <a:lnT w="12700" cap="flat" cmpd="sng" algn="ctr">
+                      <a:solidFill>
+                        <a:schemeClr val="tx1"/>
+                      </a:solidFill>
+                      <a:prstDash val="solid"/>
+                      <a:round/>
+                      <a:headEnd type="none" w="med" len="med"/>
+                      <a:tailEnd type="none" w="med" len="med"/>
+                    </a:lnT>
+                    <a:lnB w="12700" cap="flat" cmpd="sng" algn="ctr">
+                      <a:solidFill>
+                        <a:schemeClr val="tx1"/>
+                      </a:solidFill>
+                      <a:prstDash val="solid"/>
+                      <a:round/>
+                      <a:headEnd type="none" w="med" len="med"/>
+                      <a:tailEnd type="none" w="med" len="med"/>
+                    </a:lnB>
+                    <a:solidFill>
+                      <a:schemeClr val="bg1"/>
+                    </a:solidFill>
+                  </a:tcPr>
+                </a:tc>
+                <a:tc>
+                  <a:txBody>
+                    <a:bodyPr/>
+                    <a:lstStyle/>
+                    <a:p>
+                      <a:endParaRPr lang="de-DE" sz="1800" b="0"/>
+                    </a:p>
+                  </a:txBody>
+                  <a:tcPr>
+                    <a:lnL w="12700" cap="flat" cmpd="sng" algn="ctr">
+                      <a:solidFill>
+                        <a:schemeClr val="tx1"/>
+                      </a:solidFill>
+                      <a:prstDash val="solid"/>
+                      <a:round/>
+                      <a:headEnd type="none" w="med" len="med"/>
+                      <a:tailEnd type="none" w="med" len="med"/>
+                    </a:lnL>
+                    <a:lnR w="12700" cap="flat" cmpd="sng" algn="ctr">
+                      <a:solidFill>
+                        <a:schemeClr val="tx1"/>
+                      </a:solidFill>
+                      <a:prstDash val="solid"/>
+                      <a:round/>
+                      <a:headEnd type="none" w="med" len="med"/>
+                      <a:tailEnd type="none" w="med" len="med"/>
+                    </a:lnR>
+                    <a:lnT w="12700" cap="flat" cmpd="sng" algn="ctr">
+                      <a:solidFill>
+                        <a:schemeClr val="tx1"/>
+                      </a:solidFill>
+                      <a:prstDash val="solid"/>
+                      <a:round/>
+                      <a:headEnd type="none" w="med" len="med"/>
+                      <a:tailEnd type="none" w="med" len="med"/>
+                    </a:lnT>
+                    <a:lnB w="12700" cap="flat" cmpd="sng" algn="ctr">
+                      <a:solidFill>
+                        <a:schemeClr val="tx1"/>
+                      </a:solidFill>
+                      <a:prstDash val="solid"/>
+                      <a:round/>
+                      <a:headEnd type="none" w="med" len="med"/>
+                      <a:tailEnd type="none" w="med" len="med"/>
+                    </a:lnB>
+                    <a:solidFill>
+                      <a:schemeClr val="bg1"/>
+                    </a:solidFill>
+                  </a:tcPr>
+                </a:tc>
+                <a:tc>
+                  <a:txBody>
+                    <a:bodyPr/>
+                    <a:lstStyle/>
+                    <a:p>
+                      <a:endParaRPr lang="de-DE" sz="1800" b="0"/>
+                    </a:p>
+                  </a:txBody>
+                  <a:tcPr>
+                    <a:lnL w="12700" cap="flat" cmpd="sng" algn="ctr">
+                      <a:solidFill>
+                        <a:schemeClr val="tx1"/>
+                      </a:solidFill>
+                      <a:prstDash val="solid"/>
+                      <a:round/>
+                      <a:headEnd type="none" w="med" len="med"/>
+                      <a:tailEnd type="none" w="med" len="med"/>
+                    </a:lnL>
+                    <a:lnR w="12700" cap="flat" cmpd="sng" algn="ctr">
+                      <a:solidFill>
+                        <a:schemeClr val="tx1"/>
+                      </a:solidFill>
+                      <a:prstDash val="solid"/>
+                      <a:round/>
+                      <a:headEnd type="none" w="med" len="med"/>
+                      <a:tailEnd type="none" w="med" len="med"/>
+                    </a:lnR>
+                    <a:lnT w="12700" cap="flat" cmpd="sng" algn="ctr">
+                      <a:solidFill>
+                        <a:schemeClr val="tx1"/>
+                      </a:solidFill>
+                      <a:prstDash val="solid"/>
+                      <a:round/>
+                      <a:headEnd type="none" w="med" len="med"/>
+                      <a:tailEnd type="none" w="med" len="med"/>
+                    </a:lnT>
+                    <a:lnB w="12700" cap="flat" cmpd="sng" algn="ctr">
+                      <a:solidFill>
+                        <a:schemeClr val="tx1"/>
+                      </a:solidFill>
+                      <a:prstDash val="solid"/>
+                      <a:round/>
+                      <a:headEnd type="none" w="med" len="med"/>
+                      <a:tailEnd type="none" w="med" len="med"/>
+                    </a:lnB>
+                    <a:solidFill>
+                      <a:schemeClr val="bg1"/>
+                    </a:solidFill>
+                  </a:tcPr>
+                </a:tc>
+                <a:extLst>
+                  <a:ext uri="{0D108BD9-81ED-4DB2-BD59-A6C34878D82A}">
+                    <a16:rowId xmlns:a16="http://schemas.microsoft.com/office/drawing/2014/main" xmlns="" val="3144234582"/>
+                  </a:ext>
+                </a:extLst>
+              </a:tr>
+              <a:tr h="947163">
+                <a:tc>
+                  <a:txBody>
+                    <a:bodyPr/>
+                    <a:lstStyle/>
+                    <a:p>
+                      <a:r>
+                        <a:rPr lang="de-DE" sz="1800" b="0" dirty="0"/>
+                        <a:t>eher</a:t>
+                      </a:r>
+                      <a:r>
+                        <a:rPr lang="de-DE" sz="1800" b="0" baseline="0" dirty="0"/>
+                        <a:t> hoch</a:t>
+                      </a:r>
+                      <a:endParaRPr lang="de-DE" sz="1800" b="0" dirty="0"/>
+                    </a:p>
+                  </a:txBody>
+                  <a:tcPr>
+                    <a:lnL w="12700" cap="flat" cmpd="sng" algn="ctr">
+                      <a:noFill/>
+                      <a:prstDash val="solid"/>
+                      <a:round/>
+                      <a:headEnd type="none" w="med" len="med"/>
+                      <a:tailEnd type="none" w="med" len="med"/>
+                    </a:lnL>
+                    <a:lnR w="12700" cap="flat" cmpd="sng" algn="ctr">
+                      <a:solidFill>
+                        <a:schemeClr val="tx1"/>
+                      </a:solidFill>
+                      <a:prstDash val="solid"/>
+                      <a:round/>
+                      <a:headEnd type="none" w="med" len="med"/>
+                      <a:tailEnd type="none" w="med" len="med"/>
+                    </a:lnR>
+                    <a:lnT w="12700" cap="flat" cmpd="sng" algn="ctr">
+                      <a:noFill/>
+                      <a:prstDash val="solid"/>
+                      <a:round/>
+                      <a:headEnd type="none" w="med" len="med"/>
+                      <a:tailEnd type="none" w="med" len="med"/>
+                    </a:lnT>
+                    <a:lnB w="12700" cap="flat" cmpd="sng" algn="ctr">
+                      <a:noFill/>
+                      <a:prstDash val="solid"/>
+                      <a:round/>
+                      <a:headEnd type="none" w="med" len="med"/>
+                      <a:tailEnd type="none" w="med" len="med"/>
+                    </a:lnB>
+                    <a:lnTlToBr w="12700" cmpd="sng">
+                      <a:noFill/>
+                      <a:prstDash val="solid"/>
+                    </a:lnTlToBr>
+                    <a:lnBlToTr w="12700" cmpd="sng">
+                      <a:noFill/>
+                      <a:prstDash val="solid"/>
+                    </a:lnBlToTr>
+                    <a:solidFill>
+                      <a:schemeClr val="bg1"/>
+                    </a:solidFill>
+                  </a:tcPr>
+                </a:tc>
+                <a:tc>
+                  <a:txBody>
+                    <a:bodyPr/>
+                    <a:lstStyle/>
+                    <a:p>
+                      <a:endParaRPr lang="de-DE" sz="1800" b="0" dirty="0"/>
+                    </a:p>
+                  </a:txBody>
+                  <a:tcPr>
+                    <a:lnL w="12700" cap="flat" cmpd="sng" algn="ctr">
+                      <a:solidFill>
+                        <a:schemeClr val="tx1"/>
+                      </a:solidFill>
+                      <a:prstDash val="solid"/>
+                      <a:round/>
+                      <a:headEnd type="none" w="med" len="med"/>
+                      <a:tailEnd type="none" w="med" len="med"/>
+                    </a:lnL>
+                    <a:lnR w="12700" cap="flat" cmpd="sng" algn="ctr">
+                      <a:solidFill>
+                        <a:schemeClr val="tx1"/>
+                      </a:solidFill>
+                      <a:prstDash val="solid"/>
+                      <a:round/>
+                      <a:headEnd type="none" w="med" len="med"/>
+                      <a:tailEnd type="none" w="med" len="med"/>
+                    </a:lnR>
+                    <a:lnT w="12700" cap="flat" cmpd="sng" algn="ctr">
+                      <a:solidFill>
+                        <a:schemeClr val="tx1"/>
+                      </a:solidFill>
+                      <a:prstDash val="solid"/>
+                      <a:round/>
+                      <a:headEnd type="none" w="med" len="med"/>
+                      <a:tailEnd type="none" w="med" len="med"/>
+                    </a:lnT>
+                    <a:lnB w="12700" cap="flat" cmpd="sng" algn="ctr">
+                      <a:solidFill>
+                        <a:schemeClr val="tx1"/>
+                      </a:solidFill>
+                      <a:prstDash val="solid"/>
+                      <a:round/>
+                      <a:headEnd type="none" w="med" len="med"/>
+                      <a:tailEnd type="none" w="med" len="med"/>
+                    </a:lnB>
+                    <a:solidFill>
+                      <a:schemeClr val="bg1"/>
+                    </a:solidFill>
+                  </a:tcPr>
+                </a:tc>
+                <a:tc>
+                  <a:txBody>
+                    <a:bodyPr/>
+                    <a:lstStyle/>
+                    <a:p>
+                      <a:endParaRPr lang="de-DE" sz="1800" b="0" dirty="0"/>
+                    </a:p>
+                  </a:txBody>
+                  <a:tcPr>
+                    <a:lnL w="12700" cap="flat" cmpd="sng" algn="ctr">
+                      <a:solidFill>
+                        <a:schemeClr val="tx1"/>
+                      </a:solidFill>
+                      <a:prstDash val="solid"/>
+                      <a:round/>
+                      <a:headEnd type="none" w="med" len="med"/>
+                      <a:tailEnd type="none" w="med" len="med"/>
+                    </a:lnL>
+                    <a:lnR w="12700" cap="flat" cmpd="sng" algn="ctr">
+                      <a:solidFill>
+                        <a:schemeClr val="tx1"/>
+                      </a:solidFill>
+                      <a:prstDash val="solid"/>
+                      <a:round/>
+                      <a:headEnd type="none" w="med" len="med"/>
+                      <a:tailEnd type="none" w="med" len="med"/>
+                    </a:lnR>
+                    <a:lnT w="12700" cap="flat" cmpd="sng" algn="ctr">
+                      <a:solidFill>
+                        <a:schemeClr val="tx1"/>
+                      </a:solidFill>
+                      <a:prstDash val="solid"/>
+                      <a:round/>
+                      <a:headEnd type="none" w="med" len="med"/>
+                      <a:tailEnd type="none" w="med" len="med"/>
+                    </a:lnT>
+                    <a:lnB w="12700" cap="flat" cmpd="sng" algn="ctr">
+                      <a:solidFill>
+                        <a:schemeClr val="tx1"/>
+                      </a:solidFill>
+                      <a:prstDash val="solid"/>
+                      <a:round/>
+                      <a:headEnd type="none" w="med" len="med"/>
+                      <a:tailEnd type="none" w="med" len="med"/>
+                    </a:lnB>
+                    <a:solidFill>
+                      <a:schemeClr val="bg1"/>
+                    </a:solidFill>
+                  </a:tcPr>
+                </a:tc>
+                <a:tc>
+                  <a:txBody>
+                    <a:bodyPr/>
+                    <a:lstStyle/>
+                    <a:p>
+                      <a:endParaRPr lang="de-DE" sz="1800" b="0"/>
+                    </a:p>
+                  </a:txBody>
+                  <a:tcPr>
+                    <a:lnL w="12700" cap="flat" cmpd="sng" algn="ctr">
+                      <a:solidFill>
+                        <a:schemeClr val="tx1"/>
+                      </a:solidFill>
+                      <a:prstDash val="solid"/>
+                      <a:round/>
+                      <a:headEnd type="none" w="med" len="med"/>
+                      <a:tailEnd type="none" w="med" len="med"/>
+                    </a:lnL>
+                    <a:lnR w="12700" cap="flat" cmpd="sng" algn="ctr">
+                      <a:solidFill>
+                        <a:schemeClr val="tx1"/>
+                      </a:solidFill>
+                      <a:prstDash val="solid"/>
+                      <a:round/>
+                      <a:headEnd type="none" w="med" len="med"/>
+                      <a:tailEnd type="none" w="med" len="med"/>
+                    </a:lnR>
+                    <a:lnT w="12700" cap="flat" cmpd="sng" algn="ctr">
+                      <a:solidFill>
+                        <a:schemeClr val="tx1"/>
+                      </a:solidFill>
+                      <a:prstDash val="solid"/>
+                      <a:round/>
+                      <a:headEnd type="none" w="med" len="med"/>
+                      <a:tailEnd type="none" w="med" len="med"/>
+                    </a:lnT>
+                    <a:lnB w="12700" cap="flat" cmpd="sng" algn="ctr">
+                      <a:solidFill>
+                        <a:schemeClr val="tx1"/>
+                      </a:solidFill>
+                      <a:prstDash val="solid"/>
+                      <a:round/>
+                      <a:headEnd type="none" w="med" len="med"/>
+                      <a:tailEnd type="none" w="med" len="med"/>
+                    </a:lnB>
+                    <a:solidFill>
+                      <a:schemeClr val="bg1"/>
+                    </a:solidFill>
+                  </a:tcPr>
+                </a:tc>
+                <a:tc>
+                  <a:txBody>
+                    <a:bodyPr/>
+                    <a:lstStyle/>
+                    <a:p>
+                      <a:endParaRPr lang="de-DE" sz="1800" b="0"/>
+                    </a:p>
+                  </a:txBody>
+                  <a:tcPr>
+                    <a:lnL w="12700" cap="flat" cmpd="sng" algn="ctr">
+                      <a:solidFill>
+                        <a:schemeClr val="tx1"/>
+                      </a:solidFill>
+                      <a:prstDash val="solid"/>
+                      <a:round/>
+                      <a:headEnd type="none" w="med" len="med"/>
+                      <a:tailEnd type="none" w="med" len="med"/>
+                    </a:lnL>
+                    <a:lnR w="12700" cap="flat" cmpd="sng" algn="ctr">
+                      <a:solidFill>
+                        <a:schemeClr val="tx1"/>
+                      </a:solidFill>
+                      <a:prstDash val="solid"/>
+                      <a:round/>
+                      <a:headEnd type="none" w="med" len="med"/>
+                      <a:tailEnd type="none" w="med" len="med"/>
+                    </a:lnR>
+                    <a:lnT w="12700" cap="flat" cmpd="sng" algn="ctr">
+                      <a:solidFill>
+                        <a:schemeClr val="tx1"/>
+                      </a:solidFill>
+                      <a:prstDash val="solid"/>
+                      <a:round/>
+                      <a:headEnd type="none" w="med" len="med"/>
+                      <a:tailEnd type="none" w="med" len="med"/>
+                    </a:lnT>
+                    <a:lnB w="12700" cap="flat" cmpd="sng" algn="ctr">
+                      <a:solidFill>
+                        <a:schemeClr val="tx1"/>
+                      </a:solidFill>
+                      <a:prstDash val="solid"/>
+                      <a:round/>
+                      <a:headEnd type="none" w="med" len="med"/>
+                      <a:tailEnd type="none" w="med" len="med"/>
+                    </a:lnB>
+                    <a:solidFill>
+                      <a:schemeClr val="bg1"/>
+                    </a:solidFill>
+                  </a:tcPr>
+                </a:tc>
+                <a:extLst>
+                  <a:ext uri="{0D108BD9-81ED-4DB2-BD59-A6C34878D82A}">
+                    <a16:rowId xmlns:a16="http://schemas.microsoft.com/office/drawing/2014/main" xmlns="" val="1099345563"/>
+                  </a:ext>
+                </a:extLst>
+              </a:tr>
+              <a:tr h="947163">
+                <a:tc>
+                  <a:txBody>
+                    <a:bodyPr/>
+                    <a:lstStyle/>
+                    <a:p>
+                      <a:r>
+                        <a:rPr lang="de-DE" sz="1800" b="0" dirty="0"/>
+                        <a:t>eher </a:t>
+                      </a:r>
+                      <a:r>
+                        <a:rPr lang="de-DE" sz="1800" b="0" dirty="0" err="1"/>
+                        <a:t>niedirg</a:t>
+                      </a:r>
+                      <a:endParaRPr lang="de-DE" sz="1800" b="0" dirty="0"/>
+                    </a:p>
+                  </a:txBody>
+                  <a:tcPr>
+                    <a:lnL w="12700" cap="flat" cmpd="sng" algn="ctr">
+                      <a:noFill/>
+                      <a:prstDash val="solid"/>
+                      <a:round/>
+                      <a:headEnd type="none" w="med" len="med"/>
+                      <a:tailEnd type="none" w="med" len="med"/>
+                    </a:lnL>
+                    <a:lnR w="12700" cap="flat" cmpd="sng" algn="ctr">
+                      <a:solidFill>
+                        <a:schemeClr val="tx1"/>
+                      </a:solidFill>
+                      <a:prstDash val="solid"/>
+                      <a:round/>
+                      <a:headEnd type="none" w="med" len="med"/>
+                      <a:tailEnd type="none" w="med" len="med"/>
+                    </a:lnR>
+                    <a:lnT w="12700" cap="flat" cmpd="sng" algn="ctr">
+                      <a:noFill/>
+                      <a:prstDash val="solid"/>
+                      <a:round/>
+                      <a:headEnd type="none" w="med" len="med"/>
+                      <a:tailEnd type="none" w="med" len="med"/>
+                    </a:lnT>
+                    <a:lnB w="12700" cap="flat" cmpd="sng" algn="ctr">
+                      <a:noFill/>
+                      <a:prstDash val="solid"/>
+                      <a:round/>
+                      <a:headEnd type="none" w="med" len="med"/>
+                      <a:tailEnd type="none" w="med" len="med"/>
+                    </a:lnB>
+                    <a:lnTlToBr w="12700" cmpd="sng">
+                      <a:noFill/>
+                      <a:prstDash val="solid"/>
+                    </a:lnTlToBr>
+                    <a:lnBlToTr w="12700" cmpd="sng">
+                      <a:noFill/>
+                      <a:prstDash val="solid"/>
+                    </a:lnBlToTr>
+                    <a:solidFill>
+                      <a:schemeClr val="bg1"/>
+                    </a:solidFill>
+                  </a:tcPr>
+                </a:tc>
+                <a:tc>
+                  <a:txBody>
+                    <a:bodyPr/>
+                    <a:lstStyle/>
+                    <a:p>
+                      <a:endParaRPr lang="de-DE" sz="1800" b="0" dirty="0"/>
+                    </a:p>
+                  </a:txBody>
+                  <a:tcPr>
+                    <a:lnL w="12700" cap="flat" cmpd="sng" algn="ctr">
+                      <a:solidFill>
+                        <a:schemeClr val="tx1"/>
+                      </a:solidFill>
+                      <a:prstDash val="solid"/>
+                      <a:round/>
+                      <a:headEnd type="none" w="med" len="med"/>
+                      <a:tailEnd type="none" w="med" len="med"/>
+                    </a:lnL>
+                    <a:lnR w="12700" cap="flat" cmpd="sng" algn="ctr">
+                      <a:solidFill>
+                        <a:schemeClr val="tx1"/>
+                      </a:solidFill>
+                      <a:prstDash val="solid"/>
+                      <a:round/>
+                      <a:headEnd type="none" w="med" len="med"/>
+                      <a:tailEnd type="none" w="med" len="med"/>
+                    </a:lnR>
+                    <a:lnT w="12700" cap="flat" cmpd="sng" algn="ctr">
+                      <a:solidFill>
+                        <a:schemeClr val="tx1"/>
+                      </a:solidFill>
+                      <a:prstDash val="solid"/>
+                      <a:round/>
+                      <a:headEnd type="none" w="med" len="med"/>
+                      <a:tailEnd type="none" w="med" len="med"/>
+                    </a:lnT>
+                    <a:lnB w="12700" cap="flat" cmpd="sng" algn="ctr">
+                      <a:solidFill>
+                        <a:schemeClr val="tx1"/>
+                      </a:solidFill>
+                      <a:prstDash val="solid"/>
+                      <a:round/>
+                      <a:headEnd type="none" w="med" len="med"/>
+                      <a:tailEnd type="none" w="med" len="med"/>
+                    </a:lnB>
+                    <a:solidFill>
+                      <a:schemeClr val="bg1"/>
+                    </a:solidFill>
+                  </a:tcPr>
+                </a:tc>
+                <a:tc>
+                  <a:txBody>
+                    <a:bodyPr/>
+                    <a:lstStyle/>
+                    <a:p>
+                      <a:endParaRPr lang="de-DE" sz="1800" b="0" dirty="0"/>
+                    </a:p>
+                  </a:txBody>
+                  <a:tcPr>
+                    <a:lnL w="12700" cap="flat" cmpd="sng" algn="ctr">
+                      <a:solidFill>
+                        <a:schemeClr val="tx1"/>
+                      </a:solidFill>
+                      <a:prstDash val="solid"/>
+                      <a:round/>
+                      <a:headEnd type="none" w="med" len="med"/>
+                      <a:tailEnd type="none" w="med" len="med"/>
+                    </a:lnL>
+                    <a:lnR w="12700" cap="flat" cmpd="sng" algn="ctr">
+                      <a:solidFill>
+                        <a:schemeClr val="tx1"/>
+                      </a:solidFill>
+                      <a:prstDash val="solid"/>
+                      <a:round/>
+                      <a:headEnd type="none" w="med" len="med"/>
+                      <a:tailEnd type="none" w="med" len="med"/>
+                    </a:lnR>
+                    <a:lnT w="12700" cap="flat" cmpd="sng" algn="ctr">
+                      <a:solidFill>
+                        <a:schemeClr val="tx1"/>
+                      </a:solidFill>
+                      <a:prstDash val="solid"/>
+                      <a:round/>
+                      <a:headEnd type="none" w="med" len="med"/>
+                      <a:tailEnd type="none" w="med" len="med"/>
+                    </a:lnT>
+                    <a:lnB w="12700" cap="flat" cmpd="sng" algn="ctr">
+                      <a:solidFill>
+                        <a:schemeClr val="tx1"/>
+                      </a:solidFill>
+                      <a:prstDash val="solid"/>
+                      <a:round/>
+                      <a:headEnd type="none" w="med" len="med"/>
+                      <a:tailEnd type="none" w="med" len="med"/>
+                    </a:lnB>
+                    <a:solidFill>
+                      <a:schemeClr val="bg1"/>
+                    </a:solidFill>
+                  </a:tcPr>
+                </a:tc>
+                <a:tc>
+                  <a:txBody>
+                    <a:bodyPr/>
+                    <a:lstStyle/>
+                    <a:p>
+                      <a:endParaRPr lang="de-DE" sz="1800" b="0"/>
+                    </a:p>
+                  </a:txBody>
+                  <a:tcPr>
+                    <a:lnL w="12700" cap="flat" cmpd="sng" algn="ctr">
+                      <a:solidFill>
+                        <a:schemeClr val="tx1"/>
+                      </a:solidFill>
+                      <a:prstDash val="solid"/>
+                      <a:round/>
+                      <a:headEnd type="none" w="med" len="med"/>
+                      <a:tailEnd type="none" w="med" len="med"/>
+                    </a:lnL>
+                    <a:lnR w="12700" cap="flat" cmpd="sng" algn="ctr">
+                      <a:solidFill>
+                        <a:schemeClr val="tx1"/>
+                      </a:solidFill>
+                      <a:prstDash val="solid"/>
+                      <a:round/>
+                      <a:headEnd type="none" w="med" len="med"/>
+                      <a:tailEnd type="none" w="med" len="med"/>
+                    </a:lnR>
+                    <a:lnT w="12700" cap="flat" cmpd="sng" algn="ctr">
+                      <a:solidFill>
+                        <a:schemeClr val="tx1"/>
+                      </a:solidFill>
+                      <a:prstDash val="solid"/>
+                      <a:round/>
+                      <a:headEnd type="none" w="med" len="med"/>
+                      <a:tailEnd type="none" w="med" len="med"/>
+                    </a:lnT>
+                    <a:lnB w="12700" cap="flat" cmpd="sng" algn="ctr">
+                      <a:solidFill>
+                        <a:schemeClr val="tx1"/>
+                      </a:solidFill>
+                      <a:prstDash val="solid"/>
+                      <a:round/>
+                      <a:headEnd type="none" w="med" len="med"/>
+                      <a:tailEnd type="none" w="med" len="med"/>
+                    </a:lnB>
+                    <a:solidFill>
+                      <a:schemeClr val="bg1"/>
+                    </a:solidFill>
+                  </a:tcPr>
+                </a:tc>
+                <a:tc>
+                  <a:txBody>
+                    <a:bodyPr/>
+                    <a:lstStyle/>
+                    <a:p>
+                      <a:endParaRPr lang="de-DE" sz="1800" b="0"/>
+                    </a:p>
+                  </a:txBody>
+                  <a:tcPr>
+                    <a:lnL w="12700" cap="flat" cmpd="sng" algn="ctr">
+                      <a:solidFill>
+                        <a:schemeClr val="tx1"/>
+                      </a:solidFill>
+                      <a:prstDash val="solid"/>
+                      <a:round/>
+                      <a:headEnd type="none" w="med" len="med"/>
+                      <a:tailEnd type="none" w="med" len="med"/>
+                    </a:lnL>
+                    <a:lnR w="12700" cap="flat" cmpd="sng" algn="ctr">
+                      <a:solidFill>
+                        <a:schemeClr val="tx1"/>
+                      </a:solidFill>
+                      <a:prstDash val="solid"/>
+                      <a:round/>
+                      <a:headEnd type="none" w="med" len="med"/>
+                      <a:tailEnd type="none" w="med" len="med"/>
+                    </a:lnR>
+                    <a:lnT w="12700" cap="flat" cmpd="sng" algn="ctr">
+                      <a:solidFill>
+                        <a:schemeClr val="tx1"/>
+                      </a:solidFill>
+                      <a:prstDash val="solid"/>
+                      <a:round/>
+                      <a:headEnd type="none" w="med" len="med"/>
+                      <a:tailEnd type="none" w="med" len="med"/>
+                    </a:lnT>
+                    <a:lnB w="12700" cap="flat" cmpd="sng" algn="ctr">
+                      <a:solidFill>
+                        <a:schemeClr val="tx1"/>
+                      </a:solidFill>
+                      <a:prstDash val="solid"/>
+                      <a:round/>
+                      <a:headEnd type="none" w="med" len="med"/>
+                      <a:tailEnd type="none" w="med" len="med"/>
+                    </a:lnB>
+                    <a:solidFill>
+                      <a:schemeClr val="bg1"/>
+                    </a:solidFill>
+                  </a:tcPr>
+                </a:tc>
+                <a:extLst>
+                  <a:ext uri="{0D108BD9-81ED-4DB2-BD59-A6C34878D82A}">
+                    <a16:rowId xmlns:a16="http://schemas.microsoft.com/office/drawing/2014/main" xmlns="" val="3460220147"/>
+                  </a:ext>
+                </a:extLst>
+              </a:tr>
+              <a:tr h="947163">
+                <a:tc>
+                  <a:txBody>
+                    <a:bodyPr/>
+                    <a:lstStyle/>
+                    <a:p>
+                      <a:r>
+                        <a:rPr lang="de-DE" sz="1800" b="0" dirty="0"/>
+                        <a:t>niedrig</a:t>
+                      </a:r>
+                    </a:p>
+                  </a:txBody>
+                  <a:tcPr>
+                    <a:lnL w="12700" cap="flat" cmpd="sng" algn="ctr">
+                      <a:noFill/>
+                      <a:prstDash val="solid"/>
+                      <a:round/>
+                      <a:headEnd type="none" w="med" len="med"/>
+                      <a:tailEnd type="none" w="med" len="med"/>
+                    </a:lnL>
+                    <a:lnR w="12700" cap="flat" cmpd="sng" algn="ctr">
+                      <a:solidFill>
+                        <a:schemeClr val="tx1"/>
+                      </a:solidFill>
+                      <a:prstDash val="solid"/>
+                      <a:round/>
+                      <a:headEnd type="none" w="med" len="med"/>
+                      <a:tailEnd type="none" w="med" len="med"/>
+                    </a:lnR>
+                    <a:lnT w="12700" cap="flat" cmpd="sng" algn="ctr">
+                      <a:noFill/>
+                      <a:prstDash val="solid"/>
+                      <a:round/>
+                      <a:headEnd type="none" w="med" len="med"/>
+                      <a:tailEnd type="none" w="med" len="med"/>
+                    </a:lnT>
+                    <a:lnB w="12700" cap="flat" cmpd="sng" algn="ctr">
+                      <a:noFill/>
+                      <a:prstDash val="solid"/>
+                      <a:round/>
+                      <a:headEnd type="none" w="med" len="med"/>
+                      <a:tailEnd type="none" w="med" len="med"/>
+                    </a:lnB>
+                    <a:lnTlToBr w="12700" cmpd="sng">
+                      <a:noFill/>
+                      <a:prstDash val="solid"/>
+                    </a:lnTlToBr>
+                    <a:lnBlToTr w="12700" cmpd="sng">
+                      <a:noFill/>
+                      <a:prstDash val="solid"/>
+                    </a:lnBlToTr>
+                    <a:solidFill>
+                      <a:schemeClr val="bg1"/>
+                    </a:solidFill>
+                  </a:tcPr>
+                </a:tc>
+                <a:tc>
+                  <a:txBody>
+                    <a:bodyPr/>
+                    <a:lstStyle/>
+                    <a:p>
+                      <a:endParaRPr lang="de-DE" sz="1800" b="0" dirty="0"/>
+                    </a:p>
+                  </a:txBody>
+                  <a:tcPr>
+                    <a:lnL w="12700" cap="flat" cmpd="sng" algn="ctr">
+                      <a:solidFill>
+                        <a:schemeClr val="tx1"/>
+                      </a:solidFill>
+                      <a:prstDash val="solid"/>
+                      <a:round/>
+                      <a:headEnd type="none" w="med" len="med"/>
+                      <a:tailEnd type="none" w="med" len="med"/>
+                    </a:lnL>
+                    <a:lnR w="12700" cap="flat" cmpd="sng" algn="ctr">
+                      <a:solidFill>
+                        <a:schemeClr val="tx1"/>
+                      </a:solidFill>
+                      <a:prstDash val="solid"/>
+                      <a:round/>
+                      <a:headEnd type="none" w="med" len="med"/>
+                      <a:tailEnd type="none" w="med" len="med"/>
+                    </a:lnR>
+                    <a:lnT w="12700" cap="flat" cmpd="sng" algn="ctr">
+                      <a:solidFill>
+                        <a:schemeClr val="tx1"/>
+                      </a:solidFill>
+                      <a:prstDash val="solid"/>
+                      <a:round/>
+                      <a:headEnd type="none" w="med" len="med"/>
+                      <a:tailEnd type="none" w="med" len="med"/>
+                    </a:lnT>
+                    <a:lnB w="12700" cap="flat" cmpd="sng" algn="ctr">
+                      <a:solidFill>
+                        <a:schemeClr val="tx1"/>
+                      </a:solidFill>
+                      <a:prstDash val="solid"/>
+                      <a:round/>
+                      <a:headEnd type="none" w="med" len="med"/>
+                      <a:tailEnd type="none" w="med" len="med"/>
+                    </a:lnB>
+                    <a:solidFill>
+                      <a:schemeClr val="bg1"/>
+                    </a:solidFill>
+                  </a:tcPr>
+                </a:tc>
+                <a:tc>
+                  <a:txBody>
+                    <a:bodyPr/>
+                    <a:lstStyle/>
+                    <a:p>
+                      <a:endParaRPr lang="de-DE" sz="1800" b="0"/>
+                    </a:p>
+                  </a:txBody>
+                  <a:tcPr>
+                    <a:lnL w="12700" cap="flat" cmpd="sng" algn="ctr">
+                      <a:solidFill>
+                        <a:schemeClr val="tx1"/>
+                      </a:solidFill>
+                      <a:prstDash val="solid"/>
+                      <a:round/>
+                      <a:headEnd type="none" w="med" len="med"/>
+                      <a:tailEnd type="none" w="med" len="med"/>
+                    </a:lnL>
+                    <a:lnR w="12700" cap="flat" cmpd="sng" algn="ctr">
+                      <a:solidFill>
+                        <a:schemeClr val="tx1"/>
+                      </a:solidFill>
+                      <a:prstDash val="solid"/>
+                      <a:round/>
+                      <a:headEnd type="none" w="med" len="med"/>
+                      <a:tailEnd type="none" w="med" len="med"/>
+                    </a:lnR>
+                    <a:lnT w="12700" cap="flat" cmpd="sng" algn="ctr">
+                      <a:solidFill>
+                        <a:schemeClr val="tx1"/>
+                      </a:solidFill>
+                      <a:prstDash val="solid"/>
+                      <a:round/>
+                      <a:headEnd type="none" w="med" len="med"/>
+                      <a:tailEnd type="none" w="med" len="med"/>
+                    </a:lnT>
+                    <a:lnB w="12700" cap="flat" cmpd="sng" algn="ctr">
+                      <a:solidFill>
+                        <a:schemeClr val="tx1"/>
+                      </a:solidFill>
+                      <a:prstDash val="solid"/>
+                      <a:round/>
+                      <a:headEnd type="none" w="med" len="med"/>
+                      <a:tailEnd type="none" w="med" len="med"/>
+                    </a:lnB>
+                    <a:solidFill>
+                      <a:schemeClr val="bg1"/>
+                    </a:solidFill>
+                  </a:tcPr>
+                </a:tc>
+                <a:tc>
+                  <a:txBody>
+                    <a:bodyPr/>
+                    <a:lstStyle/>
+                    <a:p>
+                      <a:endParaRPr lang="de-DE" sz="1800" b="0" dirty="0"/>
+                    </a:p>
+                  </a:txBody>
+                  <a:tcPr>
+                    <a:lnL w="12700" cap="flat" cmpd="sng" algn="ctr">
+                      <a:solidFill>
+                        <a:schemeClr val="tx1"/>
+                      </a:solidFill>
+                      <a:prstDash val="solid"/>
+                      <a:round/>
+                      <a:headEnd type="none" w="med" len="med"/>
+                      <a:tailEnd type="none" w="med" len="med"/>
+                    </a:lnL>
+                    <a:lnR w="12700" cap="flat" cmpd="sng" algn="ctr">
+                      <a:solidFill>
+                        <a:schemeClr val="tx1"/>
+                      </a:solidFill>
+                      <a:prstDash val="solid"/>
+                      <a:round/>
+                      <a:headEnd type="none" w="med" len="med"/>
+                      <a:tailEnd type="none" w="med" len="med"/>
+                    </a:lnR>
+                    <a:lnT w="12700" cap="flat" cmpd="sng" algn="ctr">
+                      <a:solidFill>
+                        <a:schemeClr val="tx1"/>
+                      </a:solidFill>
+                      <a:prstDash val="solid"/>
+                      <a:round/>
+                      <a:headEnd type="none" w="med" len="med"/>
+                      <a:tailEnd type="none" w="med" len="med"/>
+                    </a:lnT>
+                    <a:lnB w="12700" cap="flat" cmpd="sng" algn="ctr">
+                      <a:solidFill>
+                        <a:schemeClr val="tx1"/>
+                      </a:solidFill>
+                      <a:prstDash val="solid"/>
+                      <a:round/>
+                      <a:headEnd type="none" w="med" len="med"/>
+                      <a:tailEnd type="none" w="med" len="med"/>
+                    </a:lnB>
+                    <a:solidFill>
+                      <a:schemeClr val="bg1"/>
+                    </a:solidFill>
+                  </a:tcPr>
+                </a:tc>
+                <a:tc>
+                  <a:txBody>
+                    <a:bodyPr/>
+                    <a:lstStyle/>
+                    <a:p>
+                      <a:endParaRPr lang="de-DE" sz="1800" b="0" dirty="0"/>
+                    </a:p>
+                  </a:txBody>
+                  <a:tcPr>
+                    <a:lnL w="12700" cap="flat" cmpd="sng" algn="ctr">
+                      <a:solidFill>
+                        <a:schemeClr val="tx1"/>
+                      </a:solidFill>
+                      <a:prstDash val="solid"/>
+                      <a:round/>
+                      <a:headEnd type="none" w="med" len="med"/>
+                      <a:tailEnd type="none" w="med" len="med"/>
+                    </a:lnL>
+                    <a:lnR w="12700" cap="flat" cmpd="sng" algn="ctr">
+                      <a:solidFill>
+                        <a:schemeClr val="tx1"/>
+                      </a:solidFill>
+                      <a:prstDash val="solid"/>
+                      <a:round/>
+                      <a:headEnd type="none" w="med" len="med"/>
+                      <a:tailEnd type="none" w="med" len="med"/>
+                    </a:lnR>
+                    <a:lnT w="12700" cap="flat" cmpd="sng" algn="ctr">
+                      <a:solidFill>
+                        <a:schemeClr val="tx1"/>
+                      </a:solidFill>
+                      <a:prstDash val="solid"/>
+                      <a:round/>
+                      <a:headEnd type="none" w="med" len="med"/>
+                      <a:tailEnd type="none" w="med" len="med"/>
+                    </a:lnT>
+                    <a:lnB w="12700" cap="flat" cmpd="sng" algn="ctr">
+                      <a:solidFill>
+                        <a:schemeClr val="tx1"/>
+                      </a:solidFill>
+                      <a:prstDash val="solid"/>
+                      <a:round/>
+                      <a:headEnd type="none" w="med" len="med"/>
+                      <a:tailEnd type="none" w="med" len="med"/>
+                    </a:lnB>
+                    <a:solidFill>
+                      <a:schemeClr val="bg1"/>
+                    </a:solidFill>
+                  </a:tcPr>
+                </a:tc>
+                <a:extLst>
+                  <a:ext uri="{0D108BD9-81ED-4DB2-BD59-A6C34878D82A}">
+                    <a16:rowId xmlns:a16="http://schemas.microsoft.com/office/drawing/2014/main" xmlns="" val="3858569593"/>
+                  </a:ext>
+                </a:extLst>
+              </a:tr>
+              <a:tr h="947163">
+                <a:tc>
+                  <a:txBody>
+                    <a:bodyPr/>
+                    <a:lstStyle/>
+                    <a:p>
+                      <a:endParaRPr lang="de-DE" sz="1800" b="0" dirty="0"/>
+                    </a:p>
+                  </a:txBody>
+                  <a:tcPr>
+                    <a:lnL w="12700" cap="flat" cmpd="sng" algn="ctr">
+                      <a:noFill/>
+                      <a:prstDash val="solid"/>
+                      <a:round/>
+                      <a:headEnd type="none" w="med" len="med"/>
+                      <a:tailEnd type="none" w="med" len="med"/>
+                    </a:lnL>
+                    <a:lnR w="12700" cap="flat" cmpd="sng" algn="ctr">
+                      <a:noFill/>
+                      <a:prstDash val="solid"/>
+                      <a:round/>
+                      <a:headEnd type="none" w="med" len="med"/>
+                      <a:tailEnd type="none" w="med" len="med"/>
+                    </a:lnR>
+                    <a:lnT w="12700" cap="flat" cmpd="sng" algn="ctr">
+                      <a:noFill/>
+                      <a:prstDash val="solid"/>
+                      <a:round/>
+                      <a:headEnd type="none" w="med" len="med"/>
+                      <a:tailEnd type="none" w="med" len="med"/>
+                    </a:lnT>
+                    <a:lnB w="12700" cap="flat" cmpd="sng" algn="ctr">
+                      <a:noFill/>
+                      <a:prstDash val="solid"/>
+                      <a:round/>
+                      <a:headEnd type="none" w="med" len="med"/>
+                      <a:tailEnd type="none" w="med" len="med"/>
+                    </a:lnB>
+                    <a:lnTlToBr w="12700" cmpd="sng">
+                      <a:noFill/>
+                      <a:prstDash val="solid"/>
+                    </a:lnTlToBr>
+                    <a:lnBlToTr w="12700" cmpd="sng">
+                      <a:noFill/>
+                      <a:prstDash val="solid"/>
+                    </a:lnBlToTr>
+                    <a:solidFill>
+                      <a:schemeClr val="bg1"/>
+                    </a:solidFill>
+                  </a:tcPr>
+                </a:tc>
+                <a:tc>
+                  <a:txBody>
+                    <a:bodyPr/>
+                    <a:lstStyle/>
+                    <a:p>
+                      <a:r>
+                        <a:rPr lang="de-DE" sz="1800" b="0" dirty="0"/>
+                        <a:t>gering</a:t>
+                      </a:r>
+                    </a:p>
+                  </a:txBody>
+                  <a:tcPr>
+                    <a:lnL w="12700" cap="flat" cmpd="sng" algn="ctr">
+                      <a:noFill/>
+                      <a:prstDash val="solid"/>
+                      <a:round/>
+                      <a:headEnd type="none" w="med" len="med"/>
+                      <a:tailEnd type="none" w="med" len="med"/>
+                    </a:lnL>
+                    <a:lnR w="12700" cap="flat" cmpd="sng" algn="ctr">
+                      <a:noFill/>
+                      <a:prstDash val="solid"/>
+                      <a:round/>
+                      <a:headEnd type="none" w="med" len="med"/>
+                      <a:tailEnd type="none" w="med" len="med"/>
+                    </a:lnR>
+                    <a:lnT w="12700" cap="flat" cmpd="sng" algn="ctr">
+                      <a:solidFill>
+                        <a:schemeClr val="tx1"/>
+                      </a:solidFill>
+                      <a:prstDash val="solid"/>
+                      <a:round/>
+                      <a:headEnd type="none" w="med" len="med"/>
+                      <a:tailEnd type="none" w="med" len="med"/>
+                    </a:lnT>
+                    <a:lnB w="12700" cap="flat" cmpd="sng" algn="ctr">
+                      <a:noFill/>
+                      <a:prstDash val="solid"/>
+                      <a:round/>
+                      <a:headEnd type="none" w="med" len="med"/>
+                      <a:tailEnd type="none" w="med" len="med"/>
+                    </a:lnB>
+                    <a:lnTlToBr w="12700" cmpd="sng">
+                      <a:noFill/>
+                      <a:prstDash val="solid"/>
+                    </a:lnTlToBr>
+                    <a:lnBlToTr w="12700" cmpd="sng">
+                      <a:noFill/>
+                      <a:prstDash val="solid"/>
+                    </a:lnBlToTr>
+                    <a:solidFill>
+                      <a:schemeClr val="bg1"/>
+                    </a:solidFill>
+                  </a:tcPr>
+                </a:tc>
+                <a:tc>
+                  <a:txBody>
+                    <a:bodyPr/>
+                    <a:lstStyle/>
+                    <a:p>
+                      <a:r>
+                        <a:rPr lang="de-DE" sz="1800" b="0" dirty="0"/>
+                        <a:t>eher gering</a:t>
+                      </a:r>
+                    </a:p>
+                  </a:txBody>
+                  <a:tcPr>
+                    <a:lnL w="12700" cap="flat" cmpd="sng" algn="ctr">
+                      <a:noFill/>
+                      <a:prstDash val="solid"/>
+                      <a:round/>
+                      <a:headEnd type="none" w="med" len="med"/>
+                      <a:tailEnd type="none" w="med" len="med"/>
+                    </a:lnL>
+                    <a:lnR w="12700" cap="flat" cmpd="sng" algn="ctr">
+                      <a:noFill/>
+                      <a:prstDash val="solid"/>
+                      <a:round/>
+                      <a:headEnd type="none" w="med" len="med"/>
+                      <a:tailEnd type="none" w="med" len="med"/>
+                    </a:lnR>
+                    <a:lnT w="12700" cap="flat" cmpd="sng" algn="ctr">
+                      <a:solidFill>
+                        <a:schemeClr val="tx1"/>
+                      </a:solidFill>
+                      <a:prstDash val="solid"/>
+                      <a:round/>
+                      <a:headEnd type="none" w="med" len="med"/>
+                      <a:tailEnd type="none" w="med" len="med"/>
+                    </a:lnT>
+                    <a:lnB w="12700" cap="flat" cmpd="sng" algn="ctr">
+                      <a:noFill/>
+                      <a:prstDash val="solid"/>
+                      <a:round/>
+                      <a:headEnd type="none" w="med" len="med"/>
+                      <a:tailEnd type="none" w="med" len="med"/>
+                    </a:lnB>
+                    <a:lnTlToBr w="12700" cmpd="sng">
+                      <a:noFill/>
+                      <a:prstDash val="solid"/>
+                    </a:lnTlToBr>
+                    <a:lnBlToTr w="12700" cmpd="sng">
+                      <a:noFill/>
+                      <a:prstDash val="solid"/>
+                    </a:lnBlToTr>
+                    <a:solidFill>
+                      <a:schemeClr val="bg1"/>
+                    </a:solidFill>
+                  </a:tcPr>
+                </a:tc>
+                <a:tc>
+                  <a:txBody>
+                    <a:bodyPr/>
+                    <a:lstStyle/>
+                    <a:p>
+                      <a:r>
+                        <a:rPr lang="de-DE" sz="1800" b="0" dirty="0"/>
+                        <a:t>eher hoch</a:t>
+                      </a:r>
+                    </a:p>
+                  </a:txBody>
+                  <a:tcPr>
+                    <a:lnL w="12700" cap="flat" cmpd="sng" algn="ctr">
+                      <a:noFill/>
+                      <a:prstDash val="solid"/>
+                      <a:round/>
+                      <a:headEnd type="none" w="med" len="med"/>
+                      <a:tailEnd type="none" w="med" len="med"/>
+                    </a:lnL>
+                    <a:lnR w="12700" cap="flat" cmpd="sng" algn="ctr">
+                      <a:noFill/>
+                      <a:prstDash val="solid"/>
+                      <a:round/>
+                      <a:headEnd type="none" w="med" len="med"/>
+                      <a:tailEnd type="none" w="med" len="med"/>
+                    </a:lnR>
+                    <a:lnT w="12700" cap="flat" cmpd="sng" algn="ctr">
+                      <a:solidFill>
+                        <a:schemeClr val="tx1"/>
+                      </a:solidFill>
+                      <a:prstDash val="solid"/>
+                      <a:round/>
+                      <a:headEnd type="none" w="med" len="med"/>
+                      <a:tailEnd type="none" w="med" len="med"/>
+                    </a:lnT>
+                    <a:lnB w="12700" cap="flat" cmpd="sng" algn="ctr">
+                      <a:noFill/>
+                      <a:prstDash val="solid"/>
+                      <a:round/>
+                      <a:headEnd type="none" w="med" len="med"/>
+                      <a:tailEnd type="none" w="med" len="med"/>
+                    </a:lnB>
+                    <a:lnTlToBr w="12700" cmpd="sng">
+                      <a:noFill/>
+                      <a:prstDash val="solid"/>
+                    </a:lnTlToBr>
+                    <a:lnBlToTr w="12700" cmpd="sng">
+                      <a:noFill/>
+                      <a:prstDash val="solid"/>
+                    </a:lnBlToTr>
+                    <a:solidFill>
+                      <a:schemeClr val="bg1"/>
+                    </a:solidFill>
+                  </a:tcPr>
+                </a:tc>
+                <a:tc>
+                  <a:txBody>
+                    <a:bodyPr/>
+                    <a:lstStyle/>
+                    <a:p>
+                      <a:r>
+                        <a:rPr lang="de-DE" sz="1800" b="0" dirty="0"/>
+                        <a:t>hoch</a:t>
+                      </a:r>
+                    </a:p>
+                  </a:txBody>
+                  <a:tcPr>
+                    <a:lnL w="12700" cap="flat" cmpd="sng" algn="ctr">
+                      <a:noFill/>
+                      <a:prstDash val="solid"/>
+                      <a:round/>
+                      <a:headEnd type="none" w="med" len="med"/>
+                      <a:tailEnd type="none" w="med" len="med"/>
+                    </a:lnL>
+                    <a:lnR w="12700" cap="flat" cmpd="sng" algn="ctr">
+                      <a:noFill/>
+                      <a:prstDash val="solid"/>
+                      <a:round/>
+                      <a:headEnd type="none" w="med" len="med"/>
+                      <a:tailEnd type="none" w="med" len="med"/>
+                    </a:lnR>
+                    <a:lnT w="12700" cap="flat" cmpd="sng" algn="ctr">
+                      <a:solidFill>
+                        <a:schemeClr val="tx1"/>
+                      </a:solidFill>
+                      <a:prstDash val="solid"/>
+                      <a:round/>
+                      <a:headEnd type="none" w="med" len="med"/>
+                      <a:tailEnd type="none" w="med" len="med"/>
+                    </a:lnT>
+                    <a:lnB w="12700" cap="flat" cmpd="sng" algn="ctr">
+                      <a:noFill/>
+                      <a:prstDash val="solid"/>
+                      <a:round/>
+                      <a:headEnd type="none" w="med" len="med"/>
+                      <a:tailEnd type="none" w="med" len="med"/>
+                    </a:lnB>
+                    <a:lnTlToBr w="12700" cmpd="sng">
+                      <a:noFill/>
+                      <a:prstDash val="solid"/>
+                    </a:lnTlToBr>
+                    <a:lnBlToTr w="12700" cmpd="sng">
+                      <a:noFill/>
+                      <a:prstDash val="solid"/>
+                    </a:lnBlToTr>
+                    <a:solidFill>
+                      <a:schemeClr val="bg1"/>
+                    </a:solidFill>
+                  </a:tcPr>
+                </a:tc>
+                <a:extLst>
+                  <a:ext uri="{0D108BD9-81ED-4DB2-BD59-A6C34878D82A}">
+                    <a16:rowId xmlns:a16="http://schemas.microsoft.com/office/drawing/2014/main" xmlns="" val="574562269"/>
+                  </a:ext>
+                </a:extLst>
+              </a:tr>
+            </a:tbl>
+          </a:graphicData>
+        </a:graphic>
+      </p:graphicFrame>
+      <p:sp>
+        <p:nvSpPr>
+          <p:cNvPr id="7" name="Textfeld 6"/>
+          <p:cNvSpPr txBox="1"/>
+          <p:nvPr/>
+        </p:nvSpPr>
+        <p:spPr>
+          <a:xfrm>
+            <a:off x="838200" y="1456290"/>
+            <a:ext cx="2040924" cy="369332"/>
+          </a:xfrm>
+          <a:prstGeom prst="rect">
+            <a:avLst/>
+          </a:prstGeom>
+          <a:noFill/>
+        </p:spPr>
+        <p:txBody>
+          <a:bodyPr wrap="square" rtlCol="0">
+            <a:spAutoFit/>
+          </a:bodyPr>
+          <a:lstStyle/>
+          <a:p>
+            <a:r>
+              <a:rPr lang="de-DE" b="1" dirty="0"/>
+              <a:t>Tragweite</a:t>
+            </a:r>
+          </a:p>
+        </p:txBody>
+      </p:sp>
+      <p:sp>
+        <p:nvSpPr>
+          <p:cNvPr id="8" name="Textfeld 7"/>
+          <p:cNvSpPr txBox="1"/>
+          <p:nvPr/>
+        </p:nvSpPr>
+        <p:spPr>
+          <a:xfrm>
+            <a:off x="9354065" y="6020053"/>
+            <a:ext cx="2837935" cy="369332"/>
+          </a:xfrm>
+          <a:prstGeom prst="rect">
+            <a:avLst/>
+          </a:prstGeom>
+          <a:noFill/>
+        </p:spPr>
+        <p:txBody>
+          <a:bodyPr wrap="square" rtlCol="0">
+            <a:spAutoFit/>
+          </a:bodyPr>
+          <a:lstStyle/>
+          <a:p>
+            <a:r>
+              <a:rPr lang="de-DE" b="1" dirty="0"/>
+              <a:t>Eintrittswahrscheinlichkeit</a:t>
+            </a:r>
+          </a:p>
+        </p:txBody>
+      </p:sp>
+      <p:sp>
+        <p:nvSpPr>
+          <p:cNvPr id="9" name="Ellipse 8"/>
+          <p:cNvSpPr/>
+          <p:nvPr/>
+        </p:nvSpPr>
+        <p:spPr>
+          <a:xfrm>
+            <a:off x="3556250" y="2468802"/>
+            <a:ext cx="951471" cy="803189"/>
+          </a:xfrm>
+          <a:prstGeom prst="ellipse">
+            <a:avLst/>
+          </a:prstGeom>
+        </p:spPr>
+        <p:style>
+          <a:lnRef idx="2">
+            <a:schemeClr val="accent2">
+              <a:shade val="50000"/>
+            </a:schemeClr>
+          </a:lnRef>
+          <a:fillRef idx="1">
+            <a:schemeClr val="accent2"/>
+          </a:fillRef>
+          <a:effectRef idx="0">
+            <a:schemeClr val="accent2"/>
+          </a:effectRef>
+          <a:fontRef idx="minor">
+            <a:schemeClr val="lt1"/>
+          </a:fontRef>
+        </p:style>
+        <p:txBody>
+          <a:bodyPr rtlCol="0" anchor="ctr"/>
+          <a:lstStyle/>
+          <a:p>
+            <a:pPr algn="ctr"/>
+            <a:r>
+              <a:rPr lang="de-DE" sz="1200" dirty="0"/>
+              <a:t>Zeit</a:t>
+            </a:r>
+          </a:p>
+        </p:txBody>
+      </p:sp>
+      <p:sp>
+        <p:nvSpPr>
+          <p:cNvPr id="10" name="Ellipse 9"/>
+          <p:cNvSpPr/>
+          <p:nvPr/>
+        </p:nvSpPr>
+        <p:spPr>
+          <a:xfrm>
+            <a:off x="2997545" y="1802026"/>
+            <a:ext cx="1037967" cy="840260"/>
+          </a:xfrm>
+          <a:prstGeom prst="ellipse">
+            <a:avLst/>
+          </a:prstGeom>
+        </p:spPr>
+        <p:style>
+          <a:lnRef idx="2">
+            <a:schemeClr val="accent2">
+              <a:shade val="50000"/>
+            </a:schemeClr>
+          </a:lnRef>
+          <a:fillRef idx="1">
+            <a:schemeClr val="accent2"/>
+          </a:fillRef>
+          <a:effectRef idx="0">
+            <a:schemeClr val="accent2"/>
+          </a:effectRef>
+          <a:fontRef idx="minor">
+            <a:schemeClr val="lt1"/>
+          </a:fontRef>
+        </p:style>
+        <p:txBody>
+          <a:bodyPr rtlCol="0" anchor="ctr"/>
+          <a:lstStyle/>
+          <a:p>
+            <a:pPr algn="ctr"/>
+            <a:r>
+              <a:rPr lang="de-DE" sz="1200" dirty="0"/>
+              <a:t>Abbruch</a:t>
+            </a:r>
+          </a:p>
+        </p:txBody>
+      </p:sp>
+      <p:sp>
+        <p:nvSpPr>
           <p:cNvPr id="11" name="Ellipse 10"/>
           <p:cNvSpPr/>
           <p:nvPr/>
         </p:nvSpPr>
         <p:spPr>
           <a:xfrm>
-            <a:off x="9938951" y="2240692"/>
+            <a:off x="9292894" y="1890946"/>
             <a:ext cx="951471" cy="803189"/>
           </a:xfrm>
           <a:prstGeom prst="ellipse">
@@ -18069,7 +19999,7 @@
         </p:nvSpPr>
         <p:spPr>
           <a:xfrm>
-            <a:off x="8184292" y="4454610"/>
+            <a:off x="9240792" y="2870396"/>
             <a:ext cx="951471" cy="803189"/>
           </a:xfrm>
           <a:prstGeom prst="ellipse">
@@ -18099,7 +20029,7 @@
             <a:pPr algn="ctr"/>
             <a:r>
               <a:rPr lang="de-DE" sz="1200" dirty="0"/>
-              <a:t>Über-sicht</a:t>
+              <a:t>Über-sicht Projekte</a:t>
             </a:r>
           </a:p>
         </p:txBody>
@@ -18112,7 +20042,7 @@
         </p:nvSpPr>
         <p:spPr>
           <a:xfrm>
-            <a:off x="9830830" y="3756578"/>
+            <a:off x="10306565" y="1880018"/>
             <a:ext cx="951471" cy="803189"/>
           </a:xfrm>
           <a:prstGeom prst="ellipse">
@@ -18142,21 +20072,21 @@
             <a:pPr algn="ctr"/>
             <a:r>
               <a:rPr lang="de-DE" sz="1200" dirty="0"/>
-              <a:t>Budget-plan</a:t>
+              <a:t>Budget-planung</a:t>
             </a:r>
           </a:p>
         </p:txBody>
       </p:sp>
       <p:sp>
         <p:nvSpPr>
-          <p:cNvPr id="14" name="Ellipse 13"/>
+          <p:cNvPr id="16" name="Ellipse 15"/>
           <p:cNvSpPr/>
           <p:nvPr/>
         </p:nvSpPr>
         <p:spPr>
           <a:xfrm>
-            <a:off x="5620264" y="1931773"/>
-            <a:ext cx="951471" cy="803189"/>
+            <a:off x="4031986" y="1802026"/>
+            <a:ext cx="1037967" cy="840260"/>
           </a:xfrm>
           <a:prstGeom prst="ellipse">
             <a:avLst/>
@@ -18184,17 +20114,102 @@
           <a:p>
             <a:pPr algn="ctr"/>
             <a:r>
-              <a:rPr lang="de-DE" sz="1200" dirty="0" err="1"/>
-              <a:t>Kon-kurrenz</a:t>
+              <a:rPr lang="de-DE" sz="1200" dirty="0"/>
+              <a:t>Fehlende Qualifikation</a:t>
             </a:r>
-            <a:endParaRPr lang="de-DE" sz="1200" dirty="0"/>
+          </a:p>
+        </p:txBody>
+      </p:sp>
+      <p:sp>
+        <p:nvSpPr>
+          <p:cNvPr id="17" name="Ellipse 16"/>
+          <p:cNvSpPr/>
+          <p:nvPr/>
+        </p:nvSpPr>
+        <p:spPr>
+          <a:xfrm>
+            <a:off x="5458793" y="2730843"/>
+            <a:ext cx="1037967" cy="840260"/>
+          </a:xfrm>
+          <a:prstGeom prst="ellipse">
+            <a:avLst/>
+          </a:prstGeom>
+        </p:spPr>
+        <p:style>
+          <a:lnRef idx="2">
+            <a:schemeClr val="accent2">
+              <a:shade val="50000"/>
+            </a:schemeClr>
+          </a:lnRef>
+          <a:fillRef idx="1">
+            <a:schemeClr val="accent2"/>
+          </a:fillRef>
+          <a:effectRef idx="0">
+            <a:schemeClr val="accent2"/>
+          </a:effectRef>
+          <a:fontRef idx="minor">
+            <a:schemeClr val="lt1"/>
+          </a:fontRef>
+        </p:style>
+        <p:txBody>
+          <a:bodyPr rtlCol="0" anchor="ctr"/>
+          <a:lstStyle/>
+          <a:p>
+            <a:pPr algn="ctr"/>
+            <a:r>
+              <a:rPr lang="de-DE" sz="1200" dirty="0"/>
+              <a:t>Abweichung  des Projekts</a:t>
+            </a:r>
+          </a:p>
+        </p:txBody>
+      </p:sp>
+      <p:sp>
+        <p:nvSpPr>
+          <p:cNvPr id="18" name="Ellipse 17"/>
+          <p:cNvSpPr/>
+          <p:nvPr/>
+        </p:nvSpPr>
+        <p:spPr>
+          <a:xfrm>
+            <a:off x="10297296" y="2807557"/>
+            <a:ext cx="951471" cy="803189"/>
+          </a:xfrm>
+          <a:prstGeom prst="ellipse">
+            <a:avLst/>
+          </a:prstGeom>
+        </p:spPr>
+        <p:style>
+          <a:lnRef idx="2">
+            <a:schemeClr val="accent6">
+              <a:shade val="50000"/>
+            </a:schemeClr>
+          </a:lnRef>
+          <a:fillRef idx="1">
+            <a:schemeClr val="accent6"/>
+          </a:fillRef>
+          <a:effectRef idx="0">
+            <a:schemeClr val="accent6"/>
+          </a:effectRef>
+          <a:fontRef idx="minor">
+            <a:schemeClr val="lt1"/>
+          </a:fontRef>
+        </p:style>
+        <p:txBody>
+          <a:bodyPr rtlCol="0" anchor="ctr"/>
+          <a:lstStyle/>
+          <a:p>
+            <a:pPr algn="ctr"/>
+            <a:r>
+              <a:rPr lang="de-DE" sz="1100" dirty="0"/>
+              <a:t>Effektivitätssteigerung</a:t>
+            </a:r>
           </a:p>
         </p:txBody>
       </p:sp>
     </p:spTree>
     <p:extLst>
       <p:ext uri="{BB962C8B-B14F-4D97-AF65-F5344CB8AC3E}">
-        <p14:creationId xmlns:p14="http://schemas.microsoft.com/office/powerpoint/2010/main" val="2873840976"/>
+        <p14:creationId xmlns:p14="http://schemas.microsoft.com/office/powerpoint/2010/main" val="2483210801"/>
       </p:ext>
     </p:extLst>
   </p:cSld>
@@ -18204,7 +20219,7 @@
 </p:sld>
 </file>
 
-<file path=ppt/slides/slide12.xml><?xml version="1.0" encoding="utf-8"?>
+<file path=ppt/slides/slide13.xml><?xml version="1.0" encoding="utf-8"?>
 <p:sld xmlns:a="http://schemas.openxmlformats.org/drawingml/2006/main" xmlns:r="http://schemas.openxmlformats.org/officeDocument/2006/relationships" xmlns:p="http://schemas.openxmlformats.org/presentationml/2006/main">
   <p:cSld>
     <p:spTree>
@@ -18268,14 +20283,14 @@
                 <a:gridCol w="5257800">
                   <a:extLst>
                     <a:ext uri="{9D8B030D-6E8A-4147-A177-3AD203B41FA5}">
-                      <a16:colId xmlns="" xmlns:a16="http://schemas.microsoft.com/office/drawing/2014/main" val="543071372"/>
+                      <a16:colId xmlns:a16="http://schemas.microsoft.com/office/drawing/2014/main" xmlns="" val="543071372"/>
                     </a:ext>
                   </a:extLst>
                 </a:gridCol>
                 <a:gridCol w="5257800">
                   <a:extLst>
                     <a:ext uri="{9D8B030D-6E8A-4147-A177-3AD203B41FA5}">
-                      <a16:colId xmlns="" xmlns:a16="http://schemas.microsoft.com/office/drawing/2014/main" val="750843462"/>
+                      <a16:colId xmlns:a16="http://schemas.microsoft.com/office/drawing/2014/main" xmlns="" val="750843462"/>
                     </a:ext>
                   </a:extLst>
                 </a:gridCol>
@@ -18378,7 +20393,7 @@
                 </a:tc>
                 <a:extLst>
                   <a:ext uri="{0D108BD9-81ED-4DB2-BD59-A6C34878D82A}">
-                    <a16:rowId xmlns="" xmlns:a16="http://schemas.microsoft.com/office/drawing/2014/main" val="592059295"/>
+                    <a16:rowId xmlns:a16="http://schemas.microsoft.com/office/drawing/2014/main" xmlns="" val="592059295"/>
                   </a:ext>
                 </a:extLst>
               </a:tr>
@@ -18448,7 +20463,7 @@
                 </a:tc>
                 <a:extLst>
                   <a:ext uri="{0D108BD9-81ED-4DB2-BD59-A6C34878D82A}">
-                    <a16:rowId xmlns="" xmlns:a16="http://schemas.microsoft.com/office/drawing/2014/main" val="3383136000"/>
+                    <a16:rowId xmlns:a16="http://schemas.microsoft.com/office/drawing/2014/main" xmlns="" val="3383136000"/>
                   </a:ext>
                 </a:extLst>
               </a:tr>
@@ -18531,7 +20546,7 @@
                 </a:tc>
                 <a:extLst>
                   <a:ext uri="{0D108BD9-81ED-4DB2-BD59-A6C34878D82A}">
-                    <a16:rowId xmlns="" xmlns:a16="http://schemas.microsoft.com/office/drawing/2014/main" val="2076048036"/>
+                    <a16:rowId xmlns:a16="http://schemas.microsoft.com/office/drawing/2014/main" xmlns="" val="2076048036"/>
                   </a:ext>
                 </a:extLst>
               </a:tr>
@@ -18593,7 +20608,7 @@
                 </a:tc>
                 <a:extLst>
                   <a:ext uri="{0D108BD9-81ED-4DB2-BD59-A6C34878D82A}">
-                    <a16:rowId xmlns="" xmlns:a16="http://schemas.microsoft.com/office/drawing/2014/main" val="3664696022"/>
+                    <a16:rowId xmlns:a16="http://schemas.microsoft.com/office/drawing/2014/main" xmlns="" val="3664696022"/>
                   </a:ext>
                 </a:extLst>
               </a:tr>
@@ -18660,7 +20675,7 @@
                 </a:tc>
                 <a:extLst>
                   <a:ext uri="{0D108BD9-81ED-4DB2-BD59-A6C34878D82A}">
-                    <a16:rowId xmlns="" xmlns:a16="http://schemas.microsoft.com/office/drawing/2014/main" val="2265614862"/>
+                    <a16:rowId xmlns:a16="http://schemas.microsoft.com/office/drawing/2014/main" xmlns="" val="2265614862"/>
                   </a:ext>
                 </a:extLst>
               </a:tr>
